--- a/Preparing Mathematicians for Data Science Careers.pptx
+++ b/Preparing Mathematicians for Data Science Careers.pptx
@@ -6,21 +6,24 @@
   </p:sldMasterIdLst>
   <p:sldIdLst>
     <p:sldId id="256" r:id="rId2"/>
-    <p:sldId id="258" r:id="rId3"/>
-    <p:sldId id="257" r:id="rId4"/>
-    <p:sldId id="268" r:id="rId5"/>
-    <p:sldId id="269" r:id="rId6"/>
-    <p:sldId id="270" r:id="rId7"/>
-    <p:sldId id="267" r:id="rId8"/>
+    <p:sldId id="274" r:id="rId3"/>
+    <p:sldId id="272" r:id="rId4"/>
+    <p:sldId id="258" r:id="rId5"/>
+    <p:sldId id="257" r:id="rId6"/>
+    <p:sldId id="268" r:id="rId7"/>
+    <p:sldId id="269" r:id="rId8"/>
     <p:sldId id="259" r:id="rId9"/>
     <p:sldId id="263" r:id="rId10"/>
-    <p:sldId id="264" r:id="rId11"/>
-    <p:sldId id="260" r:id="rId12"/>
-    <p:sldId id="262" r:id="rId13"/>
-    <p:sldId id="271" r:id="rId14"/>
-    <p:sldId id="261" r:id="rId15"/>
-    <p:sldId id="265" r:id="rId16"/>
-    <p:sldId id="266" r:id="rId17"/>
+    <p:sldId id="275" r:id="rId11"/>
+    <p:sldId id="270" r:id="rId12"/>
+    <p:sldId id="276" r:id="rId13"/>
+    <p:sldId id="264" r:id="rId14"/>
+    <p:sldId id="260" r:id="rId15"/>
+    <p:sldId id="262" r:id="rId16"/>
+    <p:sldId id="271" r:id="rId17"/>
+    <p:sldId id="261" r:id="rId18"/>
+    <p:sldId id="265" r:id="rId19"/>
+    <p:sldId id="266" r:id="rId20"/>
   </p:sldIdLst>
   <p:sldSz cx="12192000" cy="6858000"/>
   <p:notesSz cx="6858000" cy="9144000"/>
@@ -2991,10 +2994,23 @@
         </p:nvSpPr>
         <p:spPr/>
         <p:txBody>
-          <a:bodyPr/>
+          <a:bodyPr>
+            <a:normAutofit/>
+          </a:bodyPr>
           <a:lstStyle/>
           <a:p>
-            <a:endParaRPr lang="en-US"/>
+            <a:r>
+              <a:rPr lang="en-US" dirty="0" smtClean="0"/>
+              <a:t>Preparing Mathematicians for Big Data Careers</a:t>
+            </a:r>
+            <a:br>
+              <a:rPr lang="en-US" dirty="0" smtClean="0"/>
+            </a:br>
+            <a:r>
+              <a:rPr lang="en-US" sz="2800" b="1" dirty="0" smtClean="0"/>
+              <a:t>An Insider’s Perspective</a:t>
+            </a:r>
+            <a:endParaRPr lang="en-US" b="1" dirty="0"/>
           </a:p>
         </p:txBody>
       </p:sp>
@@ -3010,10 +3026,34 @@
         </p:nvSpPr>
         <p:spPr/>
         <p:txBody>
-          <a:bodyPr/>
+          <a:bodyPr>
+            <a:normAutofit lnSpcReduction="10000"/>
+          </a:bodyPr>
           <a:lstStyle/>
           <a:p>
-            <a:endParaRPr lang="en-US"/>
+            <a:r>
+              <a:rPr lang="en-US" dirty="0" smtClean="0"/>
+              <a:t>Paul Raff</a:t>
+            </a:r>
+          </a:p>
+          <a:p>
+            <a:r>
+              <a:rPr lang="en-US" dirty="0" smtClean="0"/>
+              <a:t>Principal Data Scientist, Microsoft</a:t>
+            </a:r>
+          </a:p>
+          <a:p>
+            <a:r>
+              <a:rPr lang="en-US" dirty="0" smtClean="0"/>
+              <a:t>Presentation to the &lt;&gt;</a:t>
+            </a:r>
+          </a:p>
+          <a:p>
+            <a:r>
+              <a:rPr lang="en-US" dirty="0" smtClean="0"/>
+              <a:t>January 7, 2016</a:t>
+            </a:r>
+            <a:endParaRPr lang="en-US" dirty="0"/>
           </a:p>
         </p:txBody>
       </p:sp>
@@ -3064,15 +3104,7 @@
           <a:p>
             <a:r>
               <a:rPr lang="en-US" dirty="0" smtClean="0"/>
-              <a:t>Digression – </a:t>
-            </a:r>
-            <a:r>
-              <a:rPr lang="en-US" dirty="0" err="1" smtClean="0"/>
-              <a:t>Geeking</a:t>
-            </a:r>
-            <a:r>
-              <a:rPr lang="en-US" dirty="0" smtClean="0"/>
-              <a:t> out on Rand()</a:t>
+              <a:t>Effective Computer Science for Mathematicians</a:t>
             </a:r>
             <a:endParaRPr lang="en-US" dirty="0"/>
           </a:p>
@@ -3093,18 +3125,14 @@
           <a:bodyPr/>
           <a:lstStyle/>
           <a:p>
-            <a:r>
-              <a:rPr lang="en-US" dirty="0" smtClean="0"/>
-              <a:t>A naïve implementation of this situation would use Rand() inside the randomize function, which results in very interesting behavior. </a:t>
-            </a:r>
-            <a:endParaRPr lang="en-US" dirty="0"/>
+            <a:endParaRPr lang="en-US"/>
           </a:p>
         </p:txBody>
       </p:sp>
     </p:spTree>
     <p:extLst>
       <p:ext uri="{BB962C8B-B14F-4D97-AF65-F5344CB8AC3E}">
-        <p14:creationId xmlns:p14="http://schemas.microsoft.com/office/powerpoint/2010/main" val="2471778419"/>
+        <p14:creationId xmlns:p14="http://schemas.microsoft.com/office/powerpoint/2010/main" val="998954138"/>
       </p:ext>
     </p:extLst>
   </p:cSld>
@@ -3508,7 +3536,7 @@
                   </a:schemeClr>
                 </a:solidFill>
               </a:rPr>
-              <a:t>Research</a:t>
+              <a:t>Researcher</a:t>
             </a:r>
             <a:endParaRPr lang="en-US" sz="1600" i="1" dirty="0">
               <a:solidFill>
@@ -3641,13 +3669,13 @@
               </a:path>
             </a:pathLst>
           </a:custGeom>
-          <a:solidFill>
-            <a:srgbClr val="002060">
-              <a:alpha val="40000"/>
-            </a:srgbClr>
-          </a:solidFill>
+          <a:noFill/>
           <a:ln>
-            <a:noFill/>
+            <a:solidFill>
+              <a:schemeClr val="bg1">
+                <a:lumMod val="85000"/>
+              </a:schemeClr>
+            </a:solidFill>
           </a:ln>
         </p:spPr>
         <p:style>
@@ -3672,9 +3700,11 @@
           <a:p>
             <a:pPr algn="ctr"/>
             <a:r>
-              <a:rPr lang="en-US" sz="1600" b="1" dirty="0" smtClean="0">
+              <a:rPr lang="en-US" sz="1600" i="1" dirty="0" smtClean="0">
                 <a:solidFill>
-                  <a:schemeClr val="tx1"/>
+                  <a:schemeClr val="bg1">
+                    <a:lumMod val="85000"/>
+                  </a:schemeClr>
                 </a:solidFill>
               </a:rPr>
               <a:t>Danger</a:t>
@@ -3683,16 +3713,20 @@
           <a:p>
             <a:pPr algn="ctr"/>
             <a:r>
-              <a:rPr lang="en-US" sz="1600" b="1" dirty="0" smtClean="0">
+              <a:rPr lang="en-US" sz="1600" i="1" dirty="0" smtClean="0">
                 <a:solidFill>
-                  <a:schemeClr val="tx1"/>
+                  <a:schemeClr val="bg1">
+                    <a:lumMod val="85000"/>
+                  </a:schemeClr>
                 </a:solidFill>
               </a:rPr>
               <a:t>Zone!</a:t>
             </a:r>
-            <a:endParaRPr lang="en-US" sz="1600" b="1" dirty="0">
+            <a:endParaRPr lang="en-US" sz="1600" i="1" dirty="0">
               <a:solidFill>
-                <a:schemeClr val="tx1"/>
+                <a:schemeClr val="bg1">
+                  <a:lumMod val="85000"/>
+                </a:schemeClr>
               </a:solidFill>
             </a:endParaRPr>
           </a:p>
@@ -3829,13 +3863,13 @@
               </a:path>
             </a:pathLst>
           </a:custGeom>
-          <a:solidFill>
-            <a:srgbClr val="E64A60">
-              <a:alpha val="40000"/>
-            </a:srgbClr>
-          </a:solidFill>
+          <a:noFill/>
           <a:ln>
-            <a:noFill/>
+            <a:solidFill>
+              <a:schemeClr val="bg1">
+                <a:lumMod val="85000"/>
+              </a:schemeClr>
+            </a:solidFill>
           </a:ln>
         </p:spPr>
         <p:style>
@@ -3860,9 +3894,11 @@
           <a:p>
             <a:pPr algn="ctr"/>
             <a:r>
-              <a:rPr lang="en-US" sz="2400" b="1" dirty="0" smtClean="0">
+              <a:rPr lang="en-US" sz="2400" i="1" dirty="0" smtClean="0">
                 <a:solidFill>
-                  <a:schemeClr val="tx1"/>
+                  <a:schemeClr val="bg1">
+                    <a:lumMod val="85000"/>
+                  </a:schemeClr>
                 </a:solidFill>
               </a:rPr>
               <a:t>Computer Science</a:t>
@@ -3871,9 +3907,11 @@
           <a:p>
             <a:pPr algn="ctr"/>
             <a:r>
-              <a:rPr lang="en-US" sz="2400" b="1" dirty="0" smtClean="0">
+              <a:rPr lang="en-US" sz="2400" i="1" dirty="0" smtClean="0">
                 <a:solidFill>
-                  <a:schemeClr val="tx1"/>
+                  <a:schemeClr val="bg1">
+                    <a:lumMod val="85000"/>
+                  </a:schemeClr>
                 </a:solidFill>
               </a:rPr>
               <a:t>Skills</a:t>
@@ -4478,7 +4516,7 @@
           <a:p>
             <a:pPr algn="ctr"/>
             <a:r>
-              <a:rPr lang="en-US" sz="2400" b="1" dirty="0" smtClean="0">
+              <a:rPr lang="en-US" sz="2400" dirty="0" smtClean="0">
                 <a:solidFill>
                   <a:schemeClr val="tx1"/>
                 </a:solidFill>
@@ -4489,14 +4527,14 @@
           <a:p>
             <a:pPr algn="ctr"/>
             <a:r>
-              <a:rPr lang="en-US" sz="2400" b="1" dirty="0" smtClean="0">
+              <a:rPr lang="en-US" sz="2400" dirty="0" smtClean="0">
                 <a:solidFill>
                   <a:schemeClr val="tx1"/>
                 </a:solidFill>
               </a:rPr>
               <a:t>Domain Knowledge</a:t>
             </a:r>
-            <a:endParaRPr lang="en-US" sz="2400" b="1" dirty="0">
+            <a:endParaRPr lang="en-US" sz="2400" dirty="0">
               <a:solidFill>
                 <a:schemeClr val="tx1"/>
               </a:solidFill>
@@ -4513,7 +4551,7 @@
         <p:spPr>
           <a:xfrm>
             <a:off x="0" y="1"/>
-            <a:ext cx="4037610" cy="2585323"/>
+            <a:ext cx="4037610" cy="2862322"/>
           </a:xfrm>
           <a:prstGeom prst="rect">
             <a:avLst/>
@@ -4537,7 +4575,16 @@
           <a:p>
             <a:r>
               <a:rPr lang="en-US" dirty="0" smtClean="0"/>
-              <a:t>Also, note what’s not available when you are lacking mathematics and statistics knowledge. This is important. When a student is choosing between a computer science major and a mathematics major, then that student should choose mathematics.  </a:t>
+              <a:t>How to get students more access to this part? Summer internships and connections to the industry. </a:t>
+            </a:r>
+          </a:p>
+          <a:p>
+            <a:endParaRPr lang="en-US" dirty="0"/>
+          </a:p>
+          <a:p>
+            <a:r>
+              <a:rPr lang="en-US" dirty="0" smtClean="0"/>
+              <a:t>However, most of the avenues that are available are focused/biased towards engaging students that are in graduate school. </a:t>
             </a:r>
           </a:p>
         </p:txBody>
@@ -4577,7 +4624,7 @@
     </p:spTree>
     <p:extLst>
       <p:ext uri="{BB962C8B-B14F-4D97-AF65-F5344CB8AC3E}">
-        <p14:creationId xmlns:p14="http://schemas.microsoft.com/office/powerpoint/2010/main" val="3415180391"/>
+        <p14:creationId xmlns:p14="http://schemas.microsoft.com/office/powerpoint/2010/main" val="586842997"/>
       </p:ext>
     </p:extLst>
   </p:cSld>
@@ -4972,7 +5019,7 @@
                   <a:schemeClr val="tx1"/>
                 </a:solidFill>
               </a:rPr>
-              <a:t>Research</a:t>
+              <a:t>Researcher</a:t>
             </a:r>
             <a:endParaRPr lang="en-US" sz="1600" dirty="0">
               <a:solidFill>
@@ -5103,13 +5150,13 @@
               </a:path>
             </a:pathLst>
           </a:custGeom>
-          <a:solidFill>
-            <a:srgbClr val="002060">
-              <a:alpha val="40000"/>
-            </a:srgbClr>
-          </a:solidFill>
+          <a:noFill/>
           <a:ln>
-            <a:noFill/>
+            <a:solidFill>
+              <a:schemeClr val="bg1">
+                <a:lumMod val="85000"/>
+              </a:schemeClr>
+            </a:solidFill>
           </a:ln>
         </p:spPr>
         <p:style>
@@ -5134,9 +5181,11 @@
           <a:p>
             <a:pPr algn="ctr"/>
             <a:r>
-              <a:rPr lang="en-US" sz="1600" dirty="0" smtClean="0">
+              <a:rPr lang="en-US" sz="1600" i="1" dirty="0" smtClean="0">
                 <a:solidFill>
-                  <a:schemeClr val="tx1"/>
+                  <a:schemeClr val="bg1">
+                    <a:lumMod val="85000"/>
+                  </a:schemeClr>
                 </a:solidFill>
               </a:rPr>
               <a:t>Danger</a:t>
@@ -5145,16 +5194,20 @@
           <a:p>
             <a:pPr algn="ctr"/>
             <a:r>
-              <a:rPr lang="en-US" sz="1600" dirty="0" smtClean="0">
+              <a:rPr lang="en-US" sz="1600" i="1" dirty="0" smtClean="0">
                 <a:solidFill>
-                  <a:schemeClr val="tx1"/>
+                  <a:schemeClr val="bg1">
+                    <a:lumMod val="85000"/>
+                  </a:schemeClr>
                 </a:solidFill>
               </a:rPr>
               <a:t>Zone!</a:t>
             </a:r>
-            <a:endParaRPr lang="en-US" sz="1600" dirty="0">
+            <a:endParaRPr lang="en-US" sz="1600" i="1" dirty="0">
               <a:solidFill>
-                <a:schemeClr val="tx1"/>
+                <a:schemeClr val="bg1">
+                  <a:lumMod val="85000"/>
+                </a:schemeClr>
               </a:solidFill>
             </a:endParaRPr>
           </a:p>
@@ -5291,13 +5344,13 @@
               </a:path>
             </a:pathLst>
           </a:custGeom>
-          <a:solidFill>
-            <a:srgbClr val="E64A60">
-              <a:alpha val="40000"/>
-            </a:srgbClr>
-          </a:solidFill>
+          <a:noFill/>
           <a:ln>
-            <a:noFill/>
+            <a:solidFill>
+              <a:schemeClr val="bg1">
+                <a:lumMod val="85000"/>
+              </a:schemeClr>
+            </a:solidFill>
           </a:ln>
         </p:spPr>
         <p:style>
@@ -5322,9 +5375,11 @@
           <a:p>
             <a:pPr algn="ctr"/>
             <a:r>
-              <a:rPr lang="en-US" sz="2400" dirty="0" smtClean="0">
+              <a:rPr lang="en-US" sz="2400" i="1" dirty="0" smtClean="0">
                 <a:solidFill>
-                  <a:schemeClr val="tx1"/>
+                  <a:schemeClr val="bg1">
+                    <a:lumMod val="85000"/>
+                  </a:schemeClr>
                 </a:solidFill>
               </a:rPr>
               <a:t>Computer Science</a:t>
@@ -5333,9 +5388,11 @@
           <a:p>
             <a:pPr algn="ctr"/>
             <a:r>
-              <a:rPr lang="en-US" sz="2400" dirty="0" smtClean="0">
+              <a:rPr lang="en-US" sz="2400" i="1" dirty="0" smtClean="0">
                 <a:solidFill>
-                  <a:schemeClr val="tx1"/>
+                  <a:schemeClr val="bg1">
+                    <a:lumMod val="85000"/>
+                  </a:schemeClr>
                 </a:solidFill>
               </a:rPr>
               <a:t>Skills</a:t>
@@ -5494,13 +5551,13 @@
               </a:path>
             </a:pathLst>
           </a:custGeom>
-          <a:solidFill>
-            <a:srgbClr val="70AD47">
-              <a:alpha val="40000"/>
-            </a:srgbClr>
-          </a:solidFill>
+          <a:noFill/>
           <a:ln>
-            <a:noFill/>
+            <a:solidFill>
+              <a:schemeClr val="bg1">
+                <a:lumMod val="85000"/>
+              </a:schemeClr>
+            </a:solidFill>
           </a:ln>
         </p:spPr>
         <p:style>
@@ -5525,9 +5582,11 @@
           <a:p>
             <a:pPr algn="ctr"/>
             <a:r>
-              <a:rPr lang="en-US" sz="2400" dirty="0" smtClean="0">
+              <a:rPr lang="en-US" sz="2400" i="1" dirty="0" smtClean="0">
                 <a:solidFill>
-                  <a:schemeClr val="tx1"/>
+                  <a:schemeClr val="bg1">
+                    <a:lumMod val="85000"/>
+                  </a:schemeClr>
                 </a:solidFill>
               </a:rPr>
               <a:t>Mathematics/</a:t>
@@ -5536,9 +5595,11 @@
           <a:p>
             <a:pPr algn="ctr"/>
             <a:r>
-              <a:rPr lang="en-US" sz="2400" dirty="0" smtClean="0">
+              <a:rPr lang="en-US" sz="2400" i="1" dirty="0" smtClean="0">
                 <a:solidFill>
-                  <a:schemeClr val="tx1"/>
+                  <a:schemeClr val="bg1">
+                    <a:lumMod val="85000"/>
+                  </a:schemeClr>
                 </a:solidFill>
               </a:rPr>
               <a:t>Statistics</a:t>
@@ -5547,9 +5608,11 @@
           <a:p>
             <a:pPr algn="ctr"/>
             <a:r>
-              <a:rPr lang="en-US" sz="2400" dirty="0" smtClean="0">
+              <a:rPr lang="en-US" sz="2400" i="1" dirty="0" smtClean="0">
                 <a:solidFill>
-                  <a:schemeClr val="tx1"/>
+                  <a:schemeClr val="bg1">
+                    <a:lumMod val="85000"/>
+                  </a:schemeClr>
                 </a:solidFill>
               </a:rPr>
               <a:t>Knowledge</a:t>
@@ -5899,6 +5962,1601 @@
               </a:path>
             </a:pathLst>
           </a:custGeom>
+          <a:noFill/>
+          <a:ln>
+            <a:solidFill>
+              <a:schemeClr val="bg1">
+                <a:lumMod val="85000"/>
+              </a:schemeClr>
+            </a:solidFill>
+          </a:ln>
+        </p:spPr>
+        <p:style>
+          <a:lnRef idx="2">
+            <a:schemeClr val="accent1">
+              <a:shade val="50000"/>
+            </a:schemeClr>
+          </a:lnRef>
+          <a:fillRef idx="1">
+            <a:schemeClr val="accent1"/>
+          </a:fillRef>
+          <a:effectRef idx="0">
+            <a:schemeClr val="accent1"/>
+          </a:effectRef>
+          <a:fontRef idx="minor">
+            <a:schemeClr val="lt1"/>
+          </a:fontRef>
+        </p:style>
+        <p:txBody>
+          <a:bodyPr rtlCol="0" anchor="ctr"/>
+          <a:lstStyle/>
+          <a:p>
+            <a:pPr algn="ctr"/>
+            <a:r>
+              <a:rPr lang="en-US" sz="2400" i="1" dirty="0" smtClean="0">
+                <a:solidFill>
+                  <a:schemeClr val="bg1">
+                    <a:lumMod val="85000"/>
+                  </a:schemeClr>
+                </a:solidFill>
+              </a:rPr>
+              <a:t>Substantive Expertise</a:t>
+            </a:r>
+          </a:p>
+          <a:p>
+            <a:pPr algn="ctr"/>
+            <a:r>
+              <a:rPr lang="en-US" sz="2400" i="1" dirty="0" smtClean="0">
+                <a:solidFill>
+                  <a:schemeClr val="bg1">
+                    <a:lumMod val="85000"/>
+                  </a:schemeClr>
+                </a:solidFill>
+              </a:rPr>
+              <a:t>Domain Knowledge</a:t>
+            </a:r>
+            <a:endParaRPr lang="en-US" sz="2400" i="1" dirty="0">
+              <a:solidFill>
+                <a:schemeClr val="bg1">
+                  <a:lumMod val="85000"/>
+                </a:schemeClr>
+              </a:solidFill>
+            </a:endParaRPr>
+          </a:p>
+        </p:txBody>
+      </p:sp>
+      <p:sp>
+        <p:nvSpPr>
+          <p:cNvPr id="14" name="TextBox 13"/>
+          <p:cNvSpPr txBox="1"/>
+          <p:nvPr/>
+        </p:nvSpPr>
+        <p:spPr>
+          <a:xfrm>
+            <a:off x="0" y="1"/>
+            <a:ext cx="4037610" cy="4524315"/>
+          </a:xfrm>
+          <a:prstGeom prst="rect">
+            <a:avLst/>
+          </a:prstGeom>
+          <a:noFill/>
+        </p:spPr>
+        <p:txBody>
+          <a:bodyPr wrap="square" rtlCol="0">
+            <a:spAutoFit/>
+          </a:bodyPr>
+          <a:lstStyle/>
+          <a:p>
+            <a:r>
+              <a:rPr lang="en-US" dirty="0" smtClean="0"/>
+              <a:t>The Data Science Venn Diagram</a:t>
+            </a:r>
+          </a:p>
+          <a:p>
+            <a:endParaRPr lang="en-US" dirty="0"/>
+          </a:p>
+          <a:p>
+            <a:r>
+              <a:rPr lang="en-US" dirty="0" smtClean="0"/>
+              <a:t>What’s the difference between the three? </a:t>
+            </a:r>
+          </a:p>
+          <a:p>
+            <a:endParaRPr lang="en-US" dirty="0"/>
+          </a:p>
+          <a:p>
+            <a:r>
+              <a:rPr lang="en-US" dirty="0" smtClean="0"/>
+              <a:t>Traditional researcher – no realistic use of data, in most aspects.</a:t>
+            </a:r>
+          </a:p>
+          <a:p>
+            <a:endParaRPr lang="en-US" dirty="0"/>
+          </a:p>
+          <a:p>
+            <a:r>
+              <a:rPr lang="en-US" dirty="0" smtClean="0"/>
+              <a:t>Machine learning scientist – utilizes data heavily and extensively, but is often more abstract and not product-focused.</a:t>
+            </a:r>
+          </a:p>
+          <a:p>
+            <a:endParaRPr lang="en-US" dirty="0"/>
+          </a:p>
+          <a:p>
+            <a:r>
+              <a:rPr lang="en-US" dirty="0" smtClean="0"/>
+              <a:t>Data scientist – focused on the product, focused on how data is necessary for understanding the product, improving the product, and optimizing </a:t>
+            </a:r>
+            <a:r>
+              <a:rPr lang="en-US" smtClean="0"/>
+              <a:t>the product. </a:t>
+            </a:r>
+            <a:endParaRPr lang="en-US" dirty="0" smtClean="0"/>
+          </a:p>
+        </p:txBody>
+      </p:sp>
+      <p:sp>
+        <p:nvSpPr>
+          <p:cNvPr id="15" name="TextBox 14"/>
+          <p:cNvSpPr txBox="1"/>
+          <p:nvPr/>
+        </p:nvSpPr>
+        <p:spPr>
+          <a:xfrm>
+            <a:off x="10215562" y="6550223"/>
+            <a:ext cx="1976438" cy="307777"/>
+          </a:xfrm>
+          <a:prstGeom prst="rect">
+            <a:avLst/>
+          </a:prstGeom>
+          <a:noFill/>
+        </p:spPr>
+        <p:txBody>
+          <a:bodyPr wrap="none" rtlCol="0">
+            <a:spAutoFit/>
+          </a:bodyPr>
+          <a:lstStyle/>
+          <a:p>
+            <a:r>
+              <a:rPr lang="en-US" sz="1400" dirty="0" smtClean="0">
+                <a:hlinkClick r:id="rId2"/>
+              </a:rPr>
+              <a:t>Thanks to Drew Conway </a:t>
+            </a:r>
+            <a:endParaRPr lang="en-US" sz="1400" dirty="0"/>
+          </a:p>
+        </p:txBody>
+      </p:sp>
+    </p:spTree>
+    <p:extLst>
+      <p:ext uri="{BB962C8B-B14F-4D97-AF65-F5344CB8AC3E}">
+        <p14:creationId xmlns:p14="http://schemas.microsoft.com/office/powerpoint/2010/main" val="4113578552"/>
+      </p:ext>
+    </p:extLst>
+  </p:cSld>
+  <p:clrMapOvr>
+    <a:masterClrMapping/>
+  </p:clrMapOvr>
+</p:sld>
+</file>
+
+<file path=ppt/slides/slide13.xml><?xml version="1.0" encoding="utf-8"?>
+<p:sld xmlns:a="http://schemas.openxmlformats.org/drawingml/2006/main" xmlns:r="http://schemas.openxmlformats.org/officeDocument/2006/relationships" xmlns:p="http://schemas.openxmlformats.org/presentationml/2006/main">
+  <p:cSld>
+    <p:spTree>
+      <p:nvGrpSpPr>
+        <p:cNvPr id="1" name=""/>
+        <p:cNvGrpSpPr/>
+        <p:nvPr/>
+      </p:nvGrpSpPr>
+      <p:grpSpPr>
+        <a:xfrm>
+          <a:off x="0" y="0"/>
+          <a:ext cx="0" cy="0"/>
+          <a:chOff x="0" y="0"/>
+          <a:chExt cx="0" cy="0"/>
+        </a:xfrm>
+      </p:grpSpPr>
+      <p:sp>
+        <p:nvSpPr>
+          <p:cNvPr id="2" name="Title 1"/>
+          <p:cNvSpPr>
+            <a:spLocks noGrp="1"/>
+          </p:cNvSpPr>
+          <p:nvPr>
+            <p:ph type="title"/>
+          </p:nvPr>
+        </p:nvSpPr>
+        <p:spPr/>
+        <p:txBody>
+          <a:bodyPr/>
+          <a:lstStyle/>
+          <a:p>
+            <a:r>
+              <a:rPr lang="en-US" dirty="0" smtClean="0"/>
+              <a:t>Digression – </a:t>
+            </a:r>
+            <a:r>
+              <a:rPr lang="en-US" dirty="0" err="1" smtClean="0"/>
+              <a:t>Geeking</a:t>
+            </a:r>
+            <a:r>
+              <a:rPr lang="en-US" dirty="0" smtClean="0"/>
+              <a:t> out on Rand()</a:t>
+            </a:r>
+            <a:endParaRPr lang="en-US" dirty="0"/>
+          </a:p>
+        </p:txBody>
+      </p:sp>
+      <p:sp>
+        <p:nvSpPr>
+          <p:cNvPr id="3" name="Content Placeholder 2"/>
+          <p:cNvSpPr>
+            <a:spLocks noGrp="1"/>
+          </p:cNvSpPr>
+          <p:nvPr>
+            <p:ph idx="1"/>
+          </p:nvPr>
+        </p:nvSpPr>
+        <p:spPr/>
+        <p:txBody>
+          <a:bodyPr/>
+          <a:lstStyle/>
+          <a:p>
+            <a:r>
+              <a:rPr lang="en-US" dirty="0" smtClean="0"/>
+              <a:t>A naïve implementation of this situation would use Rand() inside the randomize function, which results in very interesting behavior. </a:t>
+            </a:r>
+            <a:endParaRPr lang="en-US" dirty="0"/>
+          </a:p>
+        </p:txBody>
+      </p:sp>
+    </p:spTree>
+    <p:extLst>
+      <p:ext uri="{BB962C8B-B14F-4D97-AF65-F5344CB8AC3E}">
+        <p14:creationId xmlns:p14="http://schemas.microsoft.com/office/powerpoint/2010/main" val="2471778419"/>
+      </p:ext>
+    </p:extLst>
+  </p:cSld>
+  <p:clrMapOvr>
+    <a:masterClrMapping/>
+  </p:clrMapOvr>
+</p:sld>
+</file>
+
+<file path=ppt/slides/slide14.xml><?xml version="1.0" encoding="utf-8"?>
+<p:sld xmlns:a="http://schemas.openxmlformats.org/drawingml/2006/main" xmlns:r="http://schemas.openxmlformats.org/officeDocument/2006/relationships" xmlns:p="http://schemas.openxmlformats.org/presentationml/2006/main">
+  <p:cSld>
+    <p:spTree>
+      <p:nvGrpSpPr>
+        <p:cNvPr id="1" name=""/>
+        <p:cNvGrpSpPr/>
+        <p:nvPr/>
+      </p:nvGrpSpPr>
+      <p:grpSpPr>
+        <a:xfrm>
+          <a:off x="0" y="0"/>
+          <a:ext cx="0" cy="0"/>
+          <a:chOff x="0" y="0"/>
+          <a:chExt cx="0" cy="0"/>
+        </a:xfrm>
+      </p:grpSpPr>
+      <p:sp>
+        <p:nvSpPr>
+          <p:cNvPr id="13" name="Freeform 12"/>
+          <p:cNvSpPr/>
+          <p:nvPr/>
+        </p:nvSpPr>
+        <p:spPr>
+          <a:xfrm>
+            <a:off x="7620000" y="661986"/>
+            <a:ext cx="1355765" cy="1724989"/>
+          </a:xfrm>
+          <a:custGeom>
+            <a:avLst/>
+            <a:gdLst>
+              <a:gd name="connsiteX0" fmla="*/ 677883 w 1355765"/>
+              <a:gd name="connsiteY0" fmla="*/ 0 h 1724989"/>
+              <a:gd name="connsiteX1" fmla="*/ 686211 w 1355765"/>
+              <a:gd name="connsiteY1" fmla="*/ 7569 h 1724989"/>
+              <a:gd name="connsiteX2" fmla="*/ 1355765 w 1355765"/>
+              <a:gd name="connsiteY2" fmla="*/ 1624015 h 1724989"/>
+              <a:gd name="connsiteX3" fmla="*/ 1350667 w 1355765"/>
+              <a:gd name="connsiteY3" fmla="*/ 1724989 h 1724989"/>
+              <a:gd name="connsiteX4" fmla="*/ 1138592 w 1355765"/>
+              <a:gd name="connsiteY4" fmla="*/ 1670458 h 1724989"/>
+              <a:gd name="connsiteX5" fmla="*/ 677883 w 1355765"/>
+              <a:gd name="connsiteY5" fmla="*/ 1624015 h 1724989"/>
+              <a:gd name="connsiteX6" fmla="*/ 217174 w 1355765"/>
+              <a:gd name="connsiteY6" fmla="*/ 1670458 h 1724989"/>
+              <a:gd name="connsiteX7" fmla="*/ 5099 w 1355765"/>
+              <a:gd name="connsiteY7" fmla="*/ 1724989 h 1724989"/>
+              <a:gd name="connsiteX8" fmla="*/ 0 w 1355765"/>
+              <a:gd name="connsiteY8" fmla="*/ 1624015 h 1724989"/>
+              <a:gd name="connsiteX9" fmla="*/ 669554 w 1355765"/>
+              <a:gd name="connsiteY9" fmla="*/ 7569 h 1724989"/>
+              <a:gd name="connsiteX10" fmla="*/ 677883 w 1355765"/>
+              <a:gd name="connsiteY10" fmla="*/ 0 h 1724989"/>
+            </a:gdLst>
+            <a:ahLst/>
+            <a:cxnLst>
+              <a:cxn ang="0">
+                <a:pos x="connsiteX0" y="connsiteY0"/>
+              </a:cxn>
+              <a:cxn ang="0">
+                <a:pos x="connsiteX1" y="connsiteY1"/>
+              </a:cxn>
+              <a:cxn ang="0">
+                <a:pos x="connsiteX2" y="connsiteY2"/>
+              </a:cxn>
+              <a:cxn ang="0">
+                <a:pos x="connsiteX3" y="connsiteY3"/>
+              </a:cxn>
+              <a:cxn ang="0">
+                <a:pos x="connsiteX4" y="connsiteY4"/>
+              </a:cxn>
+              <a:cxn ang="0">
+                <a:pos x="connsiteX5" y="connsiteY5"/>
+              </a:cxn>
+              <a:cxn ang="0">
+                <a:pos x="connsiteX6" y="connsiteY6"/>
+              </a:cxn>
+              <a:cxn ang="0">
+                <a:pos x="connsiteX7" y="connsiteY7"/>
+              </a:cxn>
+              <a:cxn ang="0">
+                <a:pos x="connsiteX8" y="connsiteY8"/>
+              </a:cxn>
+              <a:cxn ang="0">
+                <a:pos x="connsiteX9" y="connsiteY9"/>
+              </a:cxn>
+              <a:cxn ang="0">
+                <a:pos x="connsiteX10" y="connsiteY10"/>
+              </a:cxn>
+            </a:cxnLst>
+            <a:rect l="l" t="t" r="r" b="b"/>
+            <a:pathLst>
+              <a:path w="1355765" h="1724989">
+                <a:moveTo>
+                  <a:pt x="677883" y="0"/>
+                </a:moveTo>
+                <a:lnTo>
+                  <a:pt x="686211" y="7569"/>
+                </a:lnTo>
+                <a:cubicBezTo>
+                  <a:pt x="1099896" y="421253"/>
+                  <a:pt x="1355765" y="992753"/>
+                  <a:pt x="1355765" y="1624015"/>
+                </a:cubicBezTo>
+                <a:lnTo>
+                  <a:pt x="1350667" y="1724989"/>
+                </a:lnTo>
+                <a:lnTo>
+                  <a:pt x="1138592" y="1670458"/>
+                </a:lnTo>
+                <a:cubicBezTo>
+                  <a:pt x="989779" y="1640007"/>
+                  <a:pt x="835699" y="1624015"/>
+                  <a:pt x="677883" y="1624015"/>
+                </a:cubicBezTo>
+                <a:cubicBezTo>
+                  <a:pt x="520068" y="1624015"/>
+                  <a:pt x="365988" y="1640007"/>
+                  <a:pt x="217174" y="1670458"/>
+                </a:cubicBezTo>
+                <a:lnTo>
+                  <a:pt x="5099" y="1724989"/>
+                </a:lnTo>
+                <a:lnTo>
+                  <a:pt x="0" y="1624015"/>
+                </a:lnTo>
+                <a:cubicBezTo>
+                  <a:pt x="0" y="992753"/>
+                  <a:pt x="255869" y="421253"/>
+                  <a:pt x="669554" y="7569"/>
+                </a:cubicBezTo>
+                <a:lnTo>
+                  <a:pt x="677883" y="0"/>
+                </a:lnTo>
+                <a:close/>
+              </a:path>
+            </a:pathLst>
+          </a:custGeom>
+          <a:noFill/>
+          <a:ln>
+            <a:solidFill>
+              <a:schemeClr val="bg1">
+                <a:lumMod val="85000"/>
+              </a:schemeClr>
+            </a:solidFill>
+          </a:ln>
+        </p:spPr>
+        <p:style>
+          <a:lnRef idx="2">
+            <a:schemeClr val="accent1">
+              <a:shade val="50000"/>
+            </a:schemeClr>
+          </a:lnRef>
+          <a:fillRef idx="1">
+            <a:schemeClr val="accent1"/>
+          </a:fillRef>
+          <a:effectRef idx="0">
+            <a:schemeClr val="accent1"/>
+          </a:effectRef>
+          <a:fontRef idx="minor">
+            <a:schemeClr val="lt1"/>
+          </a:fontRef>
+        </p:style>
+        <p:txBody>
+          <a:bodyPr rtlCol="0" anchor="ctr"/>
+          <a:lstStyle/>
+          <a:p>
+            <a:pPr algn="ctr"/>
+            <a:endParaRPr lang="en-US" sz="1600" dirty="0" smtClean="0">
+              <a:solidFill>
+                <a:schemeClr val="tx1"/>
+              </a:solidFill>
+            </a:endParaRPr>
+          </a:p>
+          <a:p>
+            <a:pPr algn="ctr"/>
+            <a:r>
+              <a:rPr lang="en-US" sz="1600" i="1" dirty="0" smtClean="0">
+                <a:solidFill>
+                  <a:schemeClr val="bg1">
+                    <a:lumMod val="85000"/>
+                  </a:schemeClr>
+                </a:solidFill>
+              </a:rPr>
+              <a:t>Machine</a:t>
+            </a:r>
+          </a:p>
+          <a:p>
+            <a:pPr algn="ctr"/>
+            <a:r>
+              <a:rPr lang="en-US" sz="1600" i="1" dirty="0" smtClean="0">
+                <a:solidFill>
+                  <a:schemeClr val="bg1">
+                    <a:lumMod val="85000"/>
+                  </a:schemeClr>
+                </a:solidFill>
+              </a:rPr>
+              <a:t>Learning</a:t>
+            </a:r>
+          </a:p>
+          <a:p>
+            <a:pPr algn="ctr"/>
+            <a:r>
+              <a:rPr lang="en-US" sz="1600" i="1" dirty="0" smtClean="0">
+                <a:solidFill>
+                  <a:schemeClr val="bg1">
+                    <a:lumMod val="85000"/>
+                  </a:schemeClr>
+                </a:solidFill>
+              </a:rPr>
+              <a:t>Scientist</a:t>
+            </a:r>
+            <a:endParaRPr lang="en-US" sz="1600" i="1" dirty="0">
+              <a:solidFill>
+                <a:schemeClr val="bg1">
+                  <a:lumMod val="85000"/>
+                </a:schemeClr>
+              </a:solidFill>
+            </a:endParaRPr>
+          </a:p>
+        </p:txBody>
+      </p:sp>
+      <p:sp>
+        <p:nvSpPr>
+          <p:cNvPr id="12" name="Freeform 11"/>
+          <p:cNvSpPr/>
+          <p:nvPr/>
+        </p:nvSpPr>
+        <p:spPr>
+          <a:xfrm>
+            <a:off x="8297882" y="2386974"/>
+            <a:ext cx="2280902" cy="2185026"/>
+          </a:xfrm>
+          <a:custGeom>
+            <a:avLst/>
+            <a:gdLst>
+              <a:gd name="connsiteX0" fmla="*/ 672784 w 2280902"/>
+              <a:gd name="connsiteY0" fmla="*/ 0 h 2185026"/>
+              <a:gd name="connsiteX1" fmla="*/ 679786 w 2280902"/>
+              <a:gd name="connsiteY1" fmla="*/ 1800 h 2185026"/>
+              <a:gd name="connsiteX2" fmla="*/ 2274198 w 2280902"/>
+              <a:gd name="connsiteY2" fmla="*/ 1951296 h 2185026"/>
+              <a:gd name="connsiteX3" fmla="*/ 2280902 w 2280902"/>
+              <a:gd name="connsiteY3" fmla="*/ 2084053 h 2185026"/>
+              <a:gd name="connsiteX4" fmla="*/ 2068826 w 2280902"/>
+              <a:gd name="connsiteY4" fmla="*/ 2138583 h 2185026"/>
+              <a:gd name="connsiteX5" fmla="*/ 1608117 w 2280902"/>
+              <a:gd name="connsiteY5" fmla="*/ 2185026 h 2185026"/>
+              <a:gd name="connsiteX6" fmla="*/ 154009 w 2280902"/>
+              <a:gd name="connsiteY6" fmla="*/ 1663015 h 2185026"/>
+              <a:gd name="connsiteX7" fmla="*/ 0 w 2280902"/>
+              <a:gd name="connsiteY7" fmla="*/ 1523042 h 2185026"/>
+              <a:gd name="connsiteX8" fmla="*/ 8328 w 2280902"/>
+              <a:gd name="connsiteY8" fmla="*/ 1515472 h 2185026"/>
+              <a:gd name="connsiteX9" fmla="*/ 666080 w 2280902"/>
+              <a:gd name="connsiteY9" fmla="*/ 132756 h 2185026"/>
+              <a:gd name="connsiteX10" fmla="*/ 672784 w 2280902"/>
+              <a:gd name="connsiteY10" fmla="*/ 0 h 2185026"/>
+            </a:gdLst>
+            <a:ahLst/>
+            <a:cxnLst>
+              <a:cxn ang="0">
+                <a:pos x="connsiteX0" y="connsiteY0"/>
+              </a:cxn>
+              <a:cxn ang="0">
+                <a:pos x="connsiteX1" y="connsiteY1"/>
+              </a:cxn>
+              <a:cxn ang="0">
+                <a:pos x="connsiteX2" y="connsiteY2"/>
+              </a:cxn>
+              <a:cxn ang="0">
+                <a:pos x="connsiteX3" y="connsiteY3"/>
+              </a:cxn>
+              <a:cxn ang="0">
+                <a:pos x="connsiteX4" y="connsiteY4"/>
+              </a:cxn>
+              <a:cxn ang="0">
+                <a:pos x="connsiteX5" y="connsiteY5"/>
+              </a:cxn>
+              <a:cxn ang="0">
+                <a:pos x="connsiteX6" y="connsiteY6"/>
+              </a:cxn>
+              <a:cxn ang="0">
+                <a:pos x="connsiteX7" y="connsiteY7"/>
+              </a:cxn>
+              <a:cxn ang="0">
+                <a:pos x="connsiteX8" y="connsiteY8"/>
+              </a:cxn>
+              <a:cxn ang="0">
+                <a:pos x="connsiteX9" y="connsiteY9"/>
+              </a:cxn>
+              <a:cxn ang="0">
+                <a:pos x="connsiteX10" y="connsiteY10"/>
+              </a:cxn>
+            </a:cxnLst>
+            <a:rect l="l" t="t" r="r" b="b"/>
+            <a:pathLst>
+              <a:path w="2280902" h="2185026">
+                <a:moveTo>
+                  <a:pt x="672784" y="0"/>
+                </a:moveTo>
+                <a:lnTo>
+                  <a:pt x="679786" y="1800"/>
+                </a:lnTo>
+                <a:cubicBezTo>
+                  <a:pt x="1538764" y="268970"/>
+                  <a:pt x="2180545" y="1029112"/>
+                  <a:pt x="2274198" y="1951296"/>
+                </a:cubicBezTo>
+                <a:lnTo>
+                  <a:pt x="2280902" y="2084053"/>
+                </a:lnTo>
+                <a:lnTo>
+                  <a:pt x="2068826" y="2138583"/>
+                </a:lnTo>
+                <a:cubicBezTo>
+                  <a:pt x="1920013" y="2169034"/>
+                  <a:pt x="1765933" y="2185026"/>
+                  <a:pt x="1608117" y="2185026"/>
+                </a:cubicBezTo>
+                <a:cubicBezTo>
+                  <a:pt x="1055763" y="2185026"/>
+                  <a:pt x="549165" y="1989126"/>
+                  <a:pt x="154009" y="1663015"/>
+                </a:cubicBezTo>
+                <a:lnTo>
+                  <a:pt x="0" y="1523042"/>
+                </a:lnTo>
+                <a:lnTo>
+                  <a:pt x="8328" y="1515472"/>
+                </a:lnTo>
+                <a:cubicBezTo>
+                  <a:pt x="370302" y="1153498"/>
+                  <a:pt x="611449" y="670697"/>
+                  <a:pt x="666080" y="132756"/>
+                </a:cubicBezTo>
+                <a:lnTo>
+                  <a:pt x="672784" y="0"/>
+                </a:lnTo>
+                <a:close/>
+              </a:path>
+            </a:pathLst>
+          </a:custGeom>
+          <a:noFill/>
+          <a:ln>
+            <a:solidFill>
+              <a:schemeClr val="bg1">
+                <a:lumMod val="85000"/>
+              </a:schemeClr>
+            </a:solidFill>
+          </a:ln>
+        </p:spPr>
+        <p:style>
+          <a:lnRef idx="2">
+            <a:schemeClr val="accent1">
+              <a:shade val="50000"/>
+            </a:schemeClr>
+          </a:lnRef>
+          <a:fillRef idx="1">
+            <a:schemeClr val="accent1"/>
+          </a:fillRef>
+          <a:effectRef idx="0">
+            <a:schemeClr val="accent1"/>
+          </a:effectRef>
+          <a:fontRef idx="minor">
+            <a:schemeClr val="lt1"/>
+          </a:fontRef>
+        </p:style>
+        <p:txBody>
+          <a:bodyPr rtlCol="0" anchor="ctr"/>
+          <a:lstStyle/>
+          <a:p>
+            <a:pPr algn="ctr"/>
+            <a:r>
+              <a:rPr lang="en-US" sz="1600" i="1" dirty="0" smtClean="0">
+                <a:solidFill>
+                  <a:schemeClr val="bg1">
+                    <a:lumMod val="85000"/>
+                  </a:schemeClr>
+                </a:solidFill>
+              </a:rPr>
+              <a:t>Traditional</a:t>
+            </a:r>
+          </a:p>
+          <a:p>
+            <a:pPr algn="ctr"/>
+            <a:r>
+              <a:rPr lang="en-US" sz="1600" i="1" dirty="0" smtClean="0">
+                <a:solidFill>
+                  <a:schemeClr val="bg1">
+                    <a:lumMod val="85000"/>
+                  </a:schemeClr>
+                </a:solidFill>
+              </a:rPr>
+              <a:t>Researcher</a:t>
+            </a:r>
+            <a:endParaRPr lang="en-US" sz="1600" i="1" dirty="0">
+              <a:solidFill>
+                <a:schemeClr val="bg1">
+                  <a:lumMod val="85000"/>
+                </a:schemeClr>
+              </a:solidFill>
+            </a:endParaRPr>
+          </a:p>
+        </p:txBody>
+      </p:sp>
+      <p:sp>
+        <p:nvSpPr>
+          <p:cNvPr id="11" name="Freeform 10"/>
+          <p:cNvSpPr/>
+          <p:nvPr/>
+        </p:nvSpPr>
+        <p:spPr>
+          <a:xfrm>
+            <a:off x="6016982" y="2386974"/>
+            <a:ext cx="2280901" cy="2185026"/>
+          </a:xfrm>
+          <a:custGeom>
+            <a:avLst/>
+            <a:gdLst>
+              <a:gd name="connsiteX0" fmla="*/ 1608117 w 2280901"/>
+              <a:gd name="connsiteY0" fmla="*/ 0 h 2185026"/>
+              <a:gd name="connsiteX1" fmla="*/ 1614820 w 2280901"/>
+              <a:gd name="connsiteY1" fmla="*/ 132756 h 2185026"/>
+              <a:gd name="connsiteX2" fmla="*/ 2272572 w 2280901"/>
+              <a:gd name="connsiteY2" fmla="*/ 1515472 h 2185026"/>
+              <a:gd name="connsiteX3" fmla="*/ 2280901 w 2280901"/>
+              <a:gd name="connsiteY3" fmla="*/ 1523042 h 2185026"/>
+              <a:gd name="connsiteX4" fmla="*/ 2126891 w 2280901"/>
+              <a:gd name="connsiteY4" fmla="*/ 1663015 h 2185026"/>
+              <a:gd name="connsiteX5" fmla="*/ 672783 w 2280901"/>
+              <a:gd name="connsiteY5" fmla="*/ 2185026 h 2185026"/>
+              <a:gd name="connsiteX6" fmla="*/ 212074 w 2280901"/>
+              <a:gd name="connsiteY6" fmla="*/ 2138583 h 2185026"/>
+              <a:gd name="connsiteX7" fmla="*/ 0 w 2280901"/>
+              <a:gd name="connsiteY7" fmla="*/ 2084053 h 2185026"/>
+              <a:gd name="connsiteX8" fmla="*/ 6703 w 2280901"/>
+              <a:gd name="connsiteY8" fmla="*/ 1951296 h 2185026"/>
+              <a:gd name="connsiteX9" fmla="*/ 1601115 w 2280901"/>
+              <a:gd name="connsiteY9" fmla="*/ 1800 h 2185026"/>
+              <a:gd name="connsiteX10" fmla="*/ 1608117 w 2280901"/>
+              <a:gd name="connsiteY10" fmla="*/ 0 h 2185026"/>
+            </a:gdLst>
+            <a:ahLst/>
+            <a:cxnLst>
+              <a:cxn ang="0">
+                <a:pos x="connsiteX0" y="connsiteY0"/>
+              </a:cxn>
+              <a:cxn ang="0">
+                <a:pos x="connsiteX1" y="connsiteY1"/>
+              </a:cxn>
+              <a:cxn ang="0">
+                <a:pos x="connsiteX2" y="connsiteY2"/>
+              </a:cxn>
+              <a:cxn ang="0">
+                <a:pos x="connsiteX3" y="connsiteY3"/>
+              </a:cxn>
+              <a:cxn ang="0">
+                <a:pos x="connsiteX4" y="connsiteY4"/>
+              </a:cxn>
+              <a:cxn ang="0">
+                <a:pos x="connsiteX5" y="connsiteY5"/>
+              </a:cxn>
+              <a:cxn ang="0">
+                <a:pos x="connsiteX6" y="connsiteY6"/>
+              </a:cxn>
+              <a:cxn ang="0">
+                <a:pos x="connsiteX7" y="connsiteY7"/>
+              </a:cxn>
+              <a:cxn ang="0">
+                <a:pos x="connsiteX8" y="connsiteY8"/>
+              </a:cxn>
+              <a:cxn ang="0">
+                <a:pos x="connsiteX9" y="connsiteY9"/>
+              </a:cxn>
+              <a:cxn ang="0">
+                <a:pos x="connsiteX10" y="connsiteY10"/>
+              </a:cxn>
+            </a:cxnLst>
+            <a:rect l="l" t="t" r="r" b="b"/>
+            <a:pathLst>
+              <a:path w="2280901" h="2185026">
+                <a:moveTo>
+                  <a:pt x="1608117" y="0"/>
+                </a:moveTo>
+                <a:lnTo>
+                  <a:pt x="1614820" y="132756"/>
+                </a:lnTo>
+                <a:cubicBezTo>
+                  <a:pt x="1669451" y="670697"/>
+                  <a:pt x="1910598" y="1153498"/>
+                  <a:pt x="2272572" y="1515472"/>
+                </a:cubicBezTo>
+                <a:lnTo>
+                  <a:pt x="2280901" y="1523042"/>
+                </a:lnTo>
+                <a:lnTo>
+                  <a:pt x="2126891" y="1663015"/>
+                </a:lnTo>
+                <a:cubicBezTo>
+                  <a:pt x="1731736" y="1989126"/>
+                  <a:pt x="1225137" y="2185026"/>
+                  <a:pt x="672783" y="2185026"/>
+                </a:cubicBezTo>
+                <a:cubicBezTo>
+                  <a:pt x="514968" y="2185026"/>
+                  <a:pt x="360887" y="2169034"/>
+                  <a:pt x="212074" y="2138583"/>
+                </a:cubicBezTo>
+                <a:lnTo>
+                  <a:pt x="0" y="2084053"/>
+                </a:lnTo>
+                <a:lnTo>
+                  <a:pt x="6703" y="1951296"/>
+                </a:lnTo>
+                <a:cubicBezTo>
+                  <a:pt x="100356" y="1029112"/>
+                  <a:pt x="742137" y="268970"/>
+                  <a:pt x="1601115" y="1800"/>
+                </a:cubicBezTo>
+                <a:lnTo>
+                  <a:pt x="1608117" y="0"/>
+                </a:lnTo>
+                <a:close/>
+              </a:path>
+            </a:pathLst>
+          </a:custGeom>
+          <a:solidFill>
+            <a:srgbClr val="002060">
+              <a:alpha val="40000"/>
+            </a:srgbClr>
+          </a:solidFill>
+          <a:ln>
+            <a:noFill/>
+          </a:ln>
+        </p:spPr>
+        <p:style>
+          <a:lnRef idx="2">
+            <a:schemeClr val="accent1">
+              <a:shade val="50000"/>
+            </a:schemeClr>
+          </a:lnRef>
+          <a:fillRef idx="1">
+            <a:schemeClr val="accent1"/>
+          </a:fillRef>
+          <a:effectRef idx="0">
+            <a:schemeClr val="accent1"/>
+          </a:effectRef>
+          <a:fontRef idx="minor">
+            <a:schemeClr val="lt1"/>
+          </a:fontRef>
+        </p:style>
+        <p:txBody>
+          <a:bodyPr rtlCol="0" anchor="ctr"/>
+          <a:lstStyle/>
+          <a:p>
+            <a:pPr algn="ctr"/>
+            <a:r>
+              <a:rPr lang="en-US" sz="1600" b="1" dirty="0" smtClean="0">
+                <a:solidFill>
+                  <a:schemeClr val="tx1"/>
+                </a:solidFill>
+              </a:rPr>
+              <a:t>Danger</a:t>
+            </a:r>
+          </a:p>
+          <a:p>
+            <a:pPr algn="ctr"/>
+            <a:r>
+              <a:rPr lang="en-US" sz="1600" b="1" dirty="0" smtClean="0">
+                <a:solidFill>
+                  <a:schemeClr val="tx1"/>
+                </a:solidFill>
+              </a:rPr>
+              <a:t>Zone!</a:t>
+            </a:r>
+            <a:endParaRPr lang="en-US" sz="1600" b="1" dirty="0">
+              <a:solidFill>
+                <a:schemeClr val="tx1"/>
+              </a:solidFill>
+            </a:endParaRPr>
+          </a:p>
+        </p:txBody>
+      </p:sp>
+      <p:sp>
+        <p:nvSpPr>
+          <p:cNvPr id="10" name="Freeform 9"/>
+          <p:cNvSpPr/>
+          <p:nvPr/>
+        </p:nvSpPr>
+        <p:spPr>
+          <a:xfrm>
+            <a:off x="4403764" y="1"/>
+            <a:ext cx="3894118" cy="4471027"/>
+          </a:xfrm>
+          <a:custGeom>
+            <a:avLst/>
+            <a:gdLst>
+              <a:gd name="connsiteX0" fmla="*/ 2286000 w 3894118"/>
+              <a:gd name="connsiteY0" fmla="*/ 0 h 4471027"/>
+              <a:gd name="connsiteX1" fmla="*/ 3740108 w 3894118"/>
+              <a:gd name="connsiteY1" fmla="*/ 522011 h 4471027"/>
+              <a:gd name="connsiteX2" fmla="*/ 3894118 w 3894118"/>
+              <a:gd name="connsiteY2" fmla="*/ 661985 h 4471027"/>
+              <a:gd name="connsiteX3" fmla="*/ 3885789 w 3894118"/>
+              <a:gd name="connsiteY3" fmla="*/ 669554 h 4471027"/>
+              <a:gd name="connsiteX4" fmla="*/ 3216235 w 3894118"/>
+              <a:gd name="connsiteY4" fmla="*/ 2286000 h 4471027"/>
+              <a:gd name="connsiteX5" fmla="*/ 3221334 w 3894118"/>
+              <a:gd name="connsiteY5" fmla="*/ 2386974 h 4471027"/>
+              <a:gd name="connsiteX6" fmla="*/ 3214332 w 3894118"/>
+              <a:gd name="connsiteY6" fmla="*/ 2388774 h 4471027"/>
+              <a:gd name="connsiteX7" fmla="*/ 1619920 w 3894118"/>
+              <a:gd name="connsiteY7" fmla="*/ 4338270 h 4471027"/>
+              <a:gd name="connsiteX8" fmla="*/ 1613217 w 3894118"/>
+              <a:gd name="connsiteY8" fmla="*/ 4471027 h 4471027"/>
+              <a:gd name="connsiteX9" fmla="*/ 1606214 w 3894118"/>
+              <a:gd name="connsiteY9" fmla="*/ 4469226 h 4471027"/>
+              <a:gd name="connsiteX10" fmla="*/ 0 w 3894118"/>
+              <a:gd name="connsiteY10" fmla="*/ 2286000 h 4471027"/>
+              <a:gd name="connsiteX11" fmla="*/ 2286000 w 3894118"/>
+              <a:gd name="connsiteY11" fmla="*/ 0 h 4471027"/>
+            </a:gdLst>
+            <a:ahLst/>
+            <a:cxnLst>
+              <a:cxn ang="0">
+                <a:pos x="connsiteX0" y="connsiteY0"/>
+              </a:cxn>
+              <a:cxn ang="0">
+                <a:pos x="connsiteX1" y="connsiteY1"/>
+              </a:cxn>
+              <a:cxn ang="0">
+                <a:pos x="connsiteX2" y="connsiteY2"/>
+              </a:cxn>
+              <a:cxn ang="0">
+                <a:pos x="connsiteX3" y="connsiteY3"/>
+              </a:cxn>
+              <a:cxn ang="0">
+                <a:pos x="connsiteX4" y="connsiteY4"/>
+              </a:cxn>
+              <a:cxn ang="0">
+                <a:pos x="connsiteX5" y="connsiteY5"/>
+              </a:cxn>
+              <a:cxn ang="0">
+                <a:pos x="connsiteX6" y="connsiteY6"/>
+              </a:cxn>
+              <a:cxn ang="0">
+                <a:pos x="connsiteX7" y="connsiteY7"/>
+              </a:cxn>
+              <a:cxn ang="0">
+                <a:pos x="connsiteX8" y="connsiteY8"/>
+              </a:cxn>
+              <a:cxn ang="0">
+                <a:pos x="connsiteX9" y="connsiteY9"/>
+              </a:cxn>
+              <a:cxn ang="0">
+                <a:pos x="connsiteX10" y="connsiteY10"/>
+              </a:cxn>
+              <a:cxn ang="0">
+                <a:pos x="connsiteX11" y="connsiteY11"/>
+              </a:cxn>
+            </a:cxnLst>
+            <a:rect l="l" t="t" r="r" b="b"/>
+            <a:pathLst>
+              <a:path w="3894118" h="4471027">
+                <a:moveTo>
+                  <a:pt x="2286000" y="0"/>
+                </a:moveTo>
+                <a:cubicBezTo>
+                  <a:pt x="2838354" y="0"/>
+                  <a:pt x="3344953" y="195900"/>
+                  <a:pt x="3740108" y="522011"/>
+                </a:cubicBezTo>
+                <a:lnTo>
+                  <a:pt x="3894118" y="661985"/>
+                </a:lnTo>
+                <a:lnTo>
+                  <a:pt x="3885789" y="669554"/>
+                </a:lnTo>
+                <a:cubicBezTo>
+                  <a:pt x="3472104" y="1083238"/>
+                  <a:pt x="3216235" y="1654738"/>
+                  <a:pt x="3216235" y="2286000"/>
+                </a:cubicBezTo>
+                <a:lnTo>
+                  <a:pt x="3221334" y="2386974"/>
+                </a:lnTo>
+                <a:lnTo>
+                  <a:pt x="3214332" y="2388774"/>
+                </a:lnTo>
+                <a:cubicBezTo>
+                  <a:pt x="2355354" y="2655944"/>
+                  <a:pt x="1713573" y="3416086"/>
+                  <a:pt x="1619920" y="4338270"/>
+                </a:cubicBezTo>
+                <a:lnTo>
+                  <a:pt x="1613217" y="4471027"/>
+                </a:lnTo>
+                <a:lnTo>
+                  <a:pt x="1606214" y="4469226"/>
+                </a:lnTo>
+                <a:cubicBezTo>
+                  <a:pt x="675655" y="4179792"/>
+                  <a:pt x="0" y="3311800"/>
+                  <a:pt x="0" y="2286000"/>
+                </a:cubicBezTo>
+                <a:cubicBezTo>
+                  <a:pt x="0" y="1023477"/>
+                  <a:pt x="1023477" y="0"/>
+                  <a:pt x="2286000" y="0"/>
+                </a:cubicBezTo>
+                <a:close/>
+              </a:path>
+            </a:pathLst>
+          </a:custGeom>
+          <a:solidFill>
+            <a:srgbClr val="E64A60">
+              <a:alpha val="40000"/>
+            </a:srgbClr>
+          </a:solidFill>
+          <a:ln>
+            <a:noFill/>
+          </a:ln>
+        </p:spPr>
+        <p:style>
+          <a:lnRef idx="2">
+            <a:schemeClr val="accent1">
+              <a:shade val="50000"/>
+            </a:schemeClr>
+          </a:lnRef>
+          <a:fillRef idx="1">
+            <a:schemeClr val="accent1"/>
+          </a:fillRef>
+          <a:effectRef idx="0">
+            <a:schemeClr val="accent1"/>
+          </a:effectRef>
+          <a:fontRef idx="minor">
+            <a:schemeClr val="lt1"/>
+          </a:fontRef>
+        </p:style>
+        <p:txBody>
+          <a:bodyPr rtlCol="0" anchor="ctr"/>
+          <a:lstStyle/>
+          <a:p>
+            <a:pPr algn="ctr"/>
+            <a:r>
+              <a:rPr lang="en-US" sz="2400" b="1" dirty="0" smtClean="0">
+                <a:solidFill>
+                  <a:schemeClr val="tx1"/>
+                </a:solidFill>
+              </a:rPr>
+              <a:t>Computer Science</a:t>
+            </a:r>
+          </a:p>
+          <a:p>
+            <a:pPr algn="ctr"/>
+            <a:r>
+              <a:rPr lang="en-US" sz="2400" b="1" dirty="0" smtClean="0">
+                <a:solidFill>
+                  <a:schemeClr val="tx1"/>
+                </a:solidFill>
+              </a:rPr>
+              <a:t>Skills</a:t>
+            </a:r>
+          </a:p>
+          <a:p>
+            <a:pPr algn="ctr"/>
+            <a:endParaRPr lang="en-US" dirty="0"/>
+          </a:p>
+          <a:p>
+            <a:pPr algn="ctr"/>
+            <a:endParaRPr lang="en-US" dirty="0" smtClean="0"/>
+          </a:p>
+          <a:p>
+            <a:pPr algn="ctr"/>
+            <a:endParaRPr lang="en-US" dirty="0"/>
+          </a:p>
+          <a:p>
+            <a:pPr algn="ctr"/>
+            <a:endParaRPr lang="en-US" dirty="0" smtClean="0"/>
+          </a:p>
+          <a:p>
+            <a:pPr algn="ctr"/>
+            <a:endParaRPr lang="en-US" dirty="0"/>
+          </a:p>
+        </p:txBody>
+      </p:sp>
+      <p:sp>
+        <p:nvSpPr>
+          <p:cNvPr id="9" name="Freeform 8"/>
+          <p:cNvSpPr/>
+          <p:nvPr/>
+        </p:nvSpPr>
+        <p:spPr>
+          <a:xfrm>
+            <a:off x="8297883" y="1"/>
+            <a:ext cx="3894117" cy="4471027"/>
+          </a:xfrm>
+          <a:custGeom>
+            <a:avLst/>
+            <a:gdLst>
+              <a:gd name="connsiteX0" fmla="*/ 1608117 w 3894117"/>
+              <a:gd name="connsiteY0" fmla="*/ 0 h 4471027"/>
+              <a:gd name="connsiteX1" fmla="*/ 3894117 w 3894117"/>
+              <a:gd name="connsiteY1" fmla="*/ 2286000 h 4471027"/>
+              <a:gd name="connsiteX2" fmla="*/ 2287903 w 3894117"/>
+              <a:gd name="connsiteY2" fmla="*/ 4469226 h 4471027"/>
+              <a:gd name="connsiteX3" fmla="*/ 2280902 w 3894117"/>
+              <a:gd name="connsiteY3" fmla="*/ 4471027 h 4471027"/>
+              <a:gd name="connsiteX4" fmla="*/ 2274198 w 3894117"/>
+              <a:gd name="connsiteY4" fmla="*/ 4338270 h 4471027"/>
+              <a:gd name="connsiteX5" fmla="*/ 679786 w 3894117"/>
+              <a:gd name="connsiteY5" fmla="*/ 2388774 h 4471027"/>
+              <a:gd name="connsiteX6" fmla="*/ 672784 w 3894117"/>
+              <a:gd name="connsiteY6" fmla="*/ 2386974 h 4471027"/>
+              <a:gd name="connsiteX7" fmla="*/ 677882 w 3894117"/>
+              <a:gd name="connsiteY7" fmla="*/ 2286000 h 4471027"/>
+              <a:gd name="connsiteX8" fmla="*/ 8328 w 3894117"/>
+              <a:gd name="connsiteY8" fmla="*/ 669554 h 4471027"/>
+              <a:gd name="connsiteX9" fmla="*/ 0 w 3894117"/>
+              <a:gd name="connsiteY9" fmla="*/ 661985 h 4471027"/>
+              <a:gd name="connsiteX10" fmla="*/ 154009 w 3894117"/>
+              <a:gd name="connsiteY10" fmla="*/ 522011 h 4471027"/>
+              <a:gd name="connsiteX11" fmla="*/ 1608117 w 3894117"/>
+              <a:gd name="connsiteY11" fmla="*/ 0 h 4471027"/>
+            </a:gdLst>
+            <a:ahLst/>
+            <a:cxnLst>
+              <a:cxn ang="0">
+                <a:pos x="connsiteX0" y="connsiteY0"/>
+              </a:cxn>
+              <a:cxn ang="0">
+                <a:pos x="connsiteX1" y="connsiteY1"/>
+              </a:cxn>
+              <a:cxn ang="0">
+                <a:pos x="connsiteX2" y="connsiteY2"/>
+              </a:cxn>
+              <a:cxn ang="0">
+                <a:pos x="connsiteX3" y="connsiteY3"/>
+              </a:cxn>
+              <a:cxn ang="0">
+                <a:pos x="connsiteX4" y="connsiteY4"/>
+              </a:cxn>
+              <a:cxn ang="0">
+                <a:pos x="connsiteX5" y="connsiteY5"/>
+              </a:cxn>
+              <a:cxn ang="0">
+                <a:pos x="connsiteX6" y="connsiteY6"/>
+              </a:cxn>
+              <a:cxn ang="0">
+                <a:pos x="connsiteX7" y="connsiteY7"/>
+              </a:cxn>
+              <a:cxn ang="0">
+                <a:pos x="connsiteX8" y="connsiteY8"/>
+              </a:cxn>
+              <a:cxn ang="0">
+                <a:pos x="connsiteX9" y="connsiteY9"/>
+              </a:cxn>
+              <a:cxn ang="0">
+                <a:pos x="connsiteX10" y="connsiteY10"/>
+              </a:cxn>
+              <a:cxn ang="0">
+                <a:pos x="connsiteX11" y="connsiteY11"/>
+              </a:cxn>
+            </a:cxnLst>
+            <a:rect l="l" t="t" r="r" b="b"/>
+            <a:pathLst>
+              <a:path w="3894117" h="4471027">
+                <a:moveTo>
+                  <a:pt x="1608117" y="0"/>
+                </a:moveTo>
+                <a:cubicBezTo>
+                  <a:pt x="2870640" y="0"/>
+                  <a:pt x="3894117" y="1023477"/>
+                  <a:pt x="3894117" y="2286000"/>
+                </a:cubicBezTo>
+                <a:cubicBezTo>
+                  <a:pt x="3894117" y="3311800"/>
+                  <a:pt x="3218463" y="4179792"/>
+                  <a:pt x="2287903" y="4469226"/>
+                </a:cubicBezTo>
+                <a:lnTo>
+                  <a:pt x="2280902" y="4471027"/>
+                </a:lnTo>
+                <a:lnTo>
+                  <a:pt x="2274198" y="4338270"/>
+                </a:lnTo>
+                <a:cubicBezTo>
+                  <a:pt x="2180545" y="3416086"/>
+                  <a:pt x="1538764" y="2655944"/>
+                  <a:pt x="679786" y="2388774"/>
+                </a:cubicBezTo>
+                <a:lnTo>
+                  <a:pt x="672784" y="2386974"/>
+                </a:lnTo>
+                <a:lnTo>
+                  <a:pt x="677882" y="2286000"/>
+                </a:lnTo>
+                <a:cubicBezTo>
+                  <a:pt x="677882" y="1654738"/>
+                  <a:pt x="422013" y="1083238"/>
+                  <a:pt x="8328" y="669554"/>
+                </a:cubicBezTo>
+                <a:lnTo>
+                  <a:pt x="0" y="661985"/>
+                </a:lnTo>
+                <a:lnTo>
+                  <a:pt x="154009" y="522011"/>
+                </a:lnTo>
+                <a:cubicBezTo>
+                  <a:pt x="549165" y="195900"/>
+                  <a:pt x="1055763" y="0"/>
+                  <a:pt x="1608117" y="0"/>
+                </a:cubicBezTo>
+                <a:close/>
+              </a:path>
+            </a:pathLst>
+          </a:custGeom>
+          <a:noFill/>
+          <a:ln>
+            <a:solidFill>
+              <a:schemeClr val="bg1">
+                <a:lumMod val="85000"/>
+              </a:schemeClr>
+            </a:solidFill>
+          </a:ln>
+        </p:spPr>
+        <p:style>
+          <a:lnRef idx="2">
+            <a:schemeClr val="accent1">
+              <a:shade val="50000"/>
+            </a:schemeClr>
+          </a:lnRef>
+          <a:fillRef idx="1">
+            <a:schemeClr val="accent1"/>
+          </a:fillRef>
+          <a:effectRef idx="0">
+            <a:schemeClr val="accent1"/>
+          </a:effectRef>
+          <a:fontRef idx="minor">
+            <a:schemeClr val="lt1"/>
+          </a:fontRef>
+        </p:style>
+        <p:txBody>
+          <a:bodyPr rtlCol="0" anchor="ctr"/>
+          <a:lstStyle/>
+          <a:p>
+            <a:pPr algn="ctr"/>
+            <a:r>
+              <a:rPr lang="en-US" sz="2400" i="1" dirty="0" smtClean="0">
+                <a:solidFill>
+                  <a:schemeClr val="bg1">
+                    <a:lumMod val="85000"/>
+                  </a:schemeClr>
+                </a:solidFill>
+              </a:rPr>
+              <a:t>Mathematics/</a:t>
+            </a:r>
+          </a:p>
+          <a:p>
+            <a:pPr algn="ctr"/>
+            <a:r>
+              <a:rPr lang="en-US" sz="2400" i="1" dirty="0" smtClean="0">
+                <a:solidFill>
+                  <a:schemeClr val="bg1">
+                    <a:lumMod val="85000"/>
+                  </a:schemeClr>
+                </a:solidFill>
+              </a:rPr>
+              <a:t>Statistics</a:t>
+            </a:r>
+          </a:p>
+          <a:p>
+            <a:pPr algn="ctr"/>
+            <a:r>
+              <a:rPr lang="en-US" sz="2400" i="1" dirty="0" smtClean="0">
+                <a:solidFill>
+                  <a:schemeClr val="bg1">
+                    <a:lumMod val="85000"/>
+                  </a:schemeClr>
+                </a:solidFill>
+              </a:rPr>
+              <a:t>Knowledge</a:t>
+            </a:r>
+          </a:p>
+          <a:p>
+            <a:pPr algn="ctr"/>
+            <a:endParaRPr lang="en-US" dirty="0"/>
+          </a:p>
+          <a:p>
+            <a:pPr algn="ctr"/>
+            <a:endParaRPr lang="en-US" dirty="0" smtClean="0"/>
+          </a:p>
+          <a:p>
+            <a:pPr algn="ctr"/>
+            <a:endParaRPr lang="en-US" dirty="0"/>
+          </a:p>
+          <a:p>
+            <a:pPr algn="ctr"/>
+            <a:endParaRPr lang="en-US" dirty="0" smtClean="0"/>
+          </a:p>
+          <a:p>
+            <a:pPr algn="ctr"/>
+            <a:endParaRPr lang="en-US" dirty="0"/>
+          </a:p>
+        </p:txBody>
+      </p:sp>
+      <p:sp>
+        <p:nvSpPr>
+          <p:cNvPr id="8" name="Freeform 7"/>
+          <p:cNvSpPr/>
+          <p:nvPr/>
+        </p:nvSpPr>
+        <p:spPr>
+          <a:xfrm>
+            <a:off x="7625098" y="2286000"/>
+            <a:ext cx="1345568" cy="1624016"/>
+          </a:xfrm>
+          <a:custGeom>
+            <a:avLst/>
+            <a:gdLst>
+              <a:gd name="connsiteX0" fmla="*/ 672784 w 1345568"/>
+              <a:gd name="connsiteY0" fmla="*/ 0 h 1624016"/>
+              <a:gd name="connsiteX1" fmla="*/ 1133493 w 1345568"/>
+              <a:gd name="connsiteY1" fmla="*/ 46443 h 1624016"/>
+              <a:gd name="connsiteX2" fmla="*/ 1345568 w 1345568"/>
+              <a:gd name="connsiteY2" fmla="*/ 100974 h 1624016"/>
+              <a:gd name="connsiteX3" fmla="*/ 1338864 w 1345568"/>
+              <a:gd name="connsiteY3" fmla="*/ 233730 h 1624016"/>
+              <a:gd name="connsiteX4" fmla="*/ 681112 w 1345568"/>
+              <a:gd name="connsiteY4" fmla="*/ 1616446 h 1624016"/>
+              <a:gd name="connsiteX5" fmla="*/ 672784 w 1345568"/>
+              <a:gd name="connsiteY5" fmla="*/ 1624016 h 1624016"/>
+              <a:gd name="connsiteX6" fmla="*/ 664455 w 1345568"/>
+              <a:gd name="connsiteY6" fmla="*/ 1616446 h 1624016"/>
+              <a:gd name="connsiteX7" fmla="*/ 6703 w 1345568"/>
+              <a:gd name="connsiteY7" fmla="*/ 233730 h 1624016"/>
+              <a:gd name="connsiteX8" fmla="*/ 0 w 1345568"/>
+              <a:gd name="connsiteY8" fmla="*/ 100974 h 1624016"/>
+              <a:gd name="connsiteX9" fmla="*/ 212075 w 1345568"/>
+              <a:gd name="connsiteY9" fmla="*/ 46443 h 1624016"/>
+              <a:gd name="connsiteX10" fmla="*/ 672784 w 1345568"/>
+              <a:gd name="connsiteY10" fmla="*/ 0 h 1624016"/>
+            </a:gdLst>
+            <a:ahLst/>
+            <a:cxnLst>
+              <a:cxn ang="0">
+                <a:pos x="connsiteX0" y="connsiteY0"/>
+              </a:cxn>
+              <a:cxn ang="0">
+                <a:pos x="connsiteX1" y="connsiteY1"/>
+              </a:cxn>
+              <a:cxn ang="0">
+                <a:pos x="connsiteX2" y="connsiteY2"/>
+              </a:cxn>
+              <a:cxn ang="0">
+                <a:pos x="connsiteX3" y="connsiteY3"/>
+              </a:cxn>
+              <a:cxn ang="0">
+                <a:pos x="connsiteX4" y="connsiteY4"/>
+              </a:cxn>
+              <a:cxn ang="0">
+                <a:pos x="connsiteX5" y="connsiteY5"/>
+              </a:cxn>
+              <a:cxn ang="0">
+                <a:pos x="connsiteX6" y="connsiteY6"/>
+              </a:cxn>
+              <a:cxn ang="0">
+                <a:pos x="connsiteX7" y="connsiteY7"/>
+              </a:cxn>
+              <a:cxn ang="0">
+                <a:pos x="connsiteX8" y="connsiteY8"/>
+              </a:cxn>
+              <a:cxn ang="0">
+                <a:pos x="connsiteX9" y="connsiteY9"/>
+              </a:cxn>
+              <a:cxn ang="0">
+                <a:pos x="connsiteX10" y="connsiteY10"/>
+              </a:cxn>
+            </a:cxnLst>
+            <a:rect l="l" t="t" r="r" b="b"/>
+            <a:pathLst>
+              <a:path w="1345568" h="1624016">
+                <a:moveTo>
+                  <a:pt x="672784" y="0"/>
+                </a:moveTo>
+                <a:cubicBezTo>
+                  <a:pt x="830600" y="0"/>
+                  <a:pt x="984680" y="15992"/>
+                  <a:pt x="1133493" y="46443"/>
+                </a:cubicBezTo>
+                <a:lnTo>
+                  <a:pt x="1345568" y="100974"/>
+                </a:lnTo>
+                <a:lnTo>
+                  <a:pt x="1338864" y="233730"/>
+                </a:lnTo>
+                <a:cubicBezTo>
+                  <a:pt x="1284233" y="771671"/>
+                  <a:pt x="1043086" y="1254472"/>
+                  <a:pt x="681112" y="1616446"/>
+                </a:cubicBezTo>
+                <a:lnTo>
+                  <a:pt x="672784" y="1624016"/>
+                </a:lnTo>
+                <a:lnTo>
+                  <a:pt x="664455" y="1616446"/>
+                </a:lnTo>
+                <a:cubicBezTo>
+                  <a:pt x="302481" y="1254472"/>
+                  <a:pt x="61334" y="771671"/>
+                  <a:pt x="6703" y="233730"/>
+                </a:cubicBezTo>
+                <a:lnTo>
+                  <a:pt x="0" y="100974"/>
+                </a:lnTo>
+                <a:lnTo>
+                  <a:pt x="212075" y="46443"/>
+                </a:lnTo>
+                <a:cubicBezTo>
+                  <a:pt x="360889" y="15992"/>
+                  <a:pt x="514969" y="0"/>
+                  <a:pt x="672784" y="0"/>
+                </a:cubicBezTo>
+                <a:close/>
+              </a:path>
+            </a:pathLst>
+          </a:custGeom>
+          <a:noFill/>
+          <a:ln>
+            <a:solidFill>
+              <a:schemeClr val="bg1">
+                <a:lumMod val="85000"/>
+              </a:schemeClr>
+            </a:solidFill>
+          </a:ln>
+        </p:spPr>
+        <p:style>
+          <a:lnRef idx="2">
+            <a:schemeClr val="accent1">
+              <a:shade val="50000"/>
+            </a:schemeClr>
+          </a:lnRef>
+          <a:fillRef idx="1">
+            <a:schemeClr val="accent1"/>
+          </a:fillRef>
+          <a:effectRef idx="0">
+            <a:schemeClr val="accent1"/>
+          </a:effectRef>
+          <a:fontRef idx="minor">
+            <a:schemeClr val="lt1"/>
+          </a:fontRef>
+        </p:style>
+        <p:txBody>
+          <a:bodyPr rtlCol="0" anchor="ctr"/>
+          <a:lstStyle/>
+          <a:p>
+            <a:pPr algn="ctr"/>
+            <a:r>
+              <a:rPr lang="en-US" sz="2000" b="1" i="1" dirty="0" smtClean="0">
+                <a:solidFill>
+                  <a:schemeClr val="bg1">
+                    <a:lumMod val="85000"/>
+                  </a:schemeClr>
+                </a:solidFill>
+              </a:rPr>
+              <a:t>Data</a:t>
+            </a:r>
+          </a:p>
+          <a:p>
+            <a:pPr algn="ctr"/>
+            <a:r>
+              <a:rPr lang="en-US" sz="2000" b="1" i="1" dirty="0" smtClean="0">
+                <a:solidFill>
+                  <a:schemeClr val="bg1">
+                    <a:lumMod val="85000"/>
+                  </a:schemeClr>
+                </a:solidFill>
+              </a:rPr>
+              <a:t>Scientist</a:t>
+            </a:r>
+          </a:p>
+          <a:p>
+            <a:pPr algn="ctr"/>
+            <a:endParaRPr lang="en-US" dirty="0"/>
+          </a:p>
+          <a:p>
+            <a:pPr algn="ctr"/>
+            <a:endParaRPr lang="en-US" dirty="0"/>
+          </a:p>
+        </p:txBody>
+      </p:sp>
+      <p:sp>
+        <p:nvSpPr>
+          <p:cNvPr id="7" name="Freeform 6"/>
+          <p:cNvSpPr/>
+          <p:nvPr/>
+        </p:nvSpPr>
+        <p:spPr>
+          <a:xfrm>
+            <a:off x="6011882" y="3910016"/>
+            <a:ext cx="4572000" cy="2947984"/>
+          </a:xfrm>
+          <a:custGeom>
+            <a:avLst/>
+            <a:gdLst>
+              <a:gd name="connsiteX0" fmla="*/ 2286000 w 4572000"/>
+              <a:gd name="connsiteY0" fmla="*/ 0 h 2947984"/>
+              <a:gd name="connsiteX1" fmla="*/ 2440009 w 4572000"/>
+              <a:gd name="connsiteY1" fmla="*/ 139973 h 2947984"/>
+              <a:gd name="connsiteX2" fmla="*/ 3894117 w 4572000"/>
+              <a:gd name="connsiteY2" fmla="*/ 661984 h 2947984"/>
+              <a:gd name="connsiteX3" fmla="*/ 4354826 w 4572000"/>
+              <a:gd name="connsiteY3" fmla="*/ 615541 h 2947984"/>
+              <a:gd name="connsiteX4" fmla="*/ 4566902 w 4572000"/>
+              <a:gd name="connsiteY4" fmla="*/ 561011 h 2947984"/>
+              <a:gd name="connsiteX5" fmla="*/ 4572000 w 4572000"/>
+              <a:gd name="connsiteY5" fmla="*/ 661984 h 2947984"/>
+              <a:gd name="connsiteX6" fmla="*/ 2286000 w 4572000"/>
+              <a:gd name="connsiteY6" fmla="*/ 2947984 h 2947984"/>
+              <a:gd name="connsiteX7" fmla="*/ 0 w 4572000"/>
+              <a:gd name="connsiteY7" fmla="*/ 661984 h 2947984"/>
+              <a:gd name="connsiteX8" fmla="*/ 5099 w 4572000"/>
+              <a:gd name="connsiteY8" fmla="*/ 561011 h 2947984"/>
+              <a:gd name="connsiteX9" fmla="*/ 217173 w 4572000"/>
+              <a:gd name="connsiteY9" fmla="*/ 615541 h 2947984"/>
+              <a:gd name="connsiteX10" fmla="*/ 677882 w 4572000"/>
+              <a:gd name="connsiteY10" fmla="*/ 661984 h 2947984"/>
+              <a:gd name="connsiteX11" fmla="*/ 2131990 w 4572000"/>
+              <a:gd name="connsiteY11" fmla="*/ 139973 h 2947984"/>
+              <a:gd name="connsiteX12" fmla="*/ 2286000 w 4572000"/>
+              <a:gd name="connsiteY12" fmla="*/ 0 h 2947984"/>
+            </a:gdLst>
+            <a:ahLst/>
+            <a:cxnLst>
+              <a:cxn ang="0">
+                <a:pos x="connsiteX0" y="connsiteY0"/>
+              </a:cxn>
+              <a:cxn ang="0">
+                <a:pos x="connsiteX1" y="connsiteY1"/>
+              </a:cxn>
+              <a:cxn ang="0">
+                <a:pos x="connsiteX2" y="connsiteY2"/>
+              </a:cxn>
+              <a:cxn ang="0">
+                <a:pos x="connsiteX3" y="connsiteY3"/>
+              </a:cxn>
+              <a:cxn ang="0">
+                <a:pos x="connsiteX4" y="connsiteY4"/>
+              </a:cxn>
+              <a:cxn ang="0">
+                <a:pos x="connsiteX5" y="connsiteY5"/>
+              </a:cxn>
+              <a:cxn ang="0">
+                <a:pos x="connsiteX6" y="connsiteY6"/>
+              </a:cxn>
+              <a:cxn ang="0">
+                <a:pos x="connsiteX7" y="connsiteY7"/>
+              </a:cxn>
+              <a:cxn ang="0">
+                <a:pos x="connsiteX8" y="connsiteY8"/>
+              </a:cxn>
+              <a:cxn ang="0">
+                <a:pos x="connsiteX9" y="connsiteY9"/>
+              </a:cxn>
+              <a:cxn ang="0">
+                <a:pos x="connsiteX10" y="connsiteY10"/>
+              </a:cxn>
+              <a:cxn ang="0">
+                <a:pos x="connsiteX11" y="connsiteY11"/>
+              </a:cxn>
+              <a:cxn ang="0">
+                <a:pos x="connsiteX12" y="connsiteY12"/>
+              </a:cxn>
+            </a:cxnLst>
+            <a:rect l="l" t="t" r="r" b="b"/>
+            <a:pathLst>
+              <a:path w="4572000" h="2947984">
+                <a:moveTo>
+                  <a:pt x="2286000" y="0"/>
+                </a:moveTo>
+                <a:lnTo>
+                  <a:pt x="2440009" y="139973"/>
+                </a:lnTo>
+                <a:cubicBezTo>
+                  <a:pt x="2835165" y="466084"/>
+                  <a:pt x="3341763" y="661984"/>
+                  <a:pt x="3894117" y="661984"/>
+                </a:cubicBezTo>
+                <a:cubicBezTo>
+                  <a:pt x="4051933" y="661984"/>
+                  <a:pt x="4206013" y="645992"/>
+                  <a:pt x="4354826" y="615541"/>
+                </a:cubicBezTo>
+                <a:lnTo>
+                  <a:pt x="4566902" y="561011"/>
+                </a:lnTo>
+                <a:lnTo>
+                  <a:pt x="4572000" y="661984"/>
+                </a:lnTo>
+                <a:cubicBezTo>
+                  <a:pt x="4572000" y="1924507"/>
+                  <a:pt x="3548523" y="2947984"/>
+                  <a:pt x="2286000" y="2947984"/>
+                </a:cubicBezTo>
+                <a:cubicBezTo>
+                  <a:pt x="1023477" y="2947984"/>
+                  <a:pt x="0" y="1924507"/>
+                  <a:pt x="0" y="661984"/>
+                </a:cubicBezTo>
+                <a:lnTo>
+                  <a:pt x="5099" y="561011"/>
+                </a:lnTo>
+                <a:lnTo>
+                  <a:pt x="217173" y="615541"/>
+                </a:lnTo>
+                <a:cubicBezTo>
+                  <a:pt x="365986" y="645992"/>
+                  <a:pt x="520067" y="661984"/>
+                  <a:pt x="677882" y="661984"/>
+                </a:cubicBezTo>
+                <a:cubicBezTo>
+                  <a:pt x="1230236" y="661984"/>
+                  <a:pt x="1736835" y="466084"/>
+                  <a:pt x="2131990" y="139973"/>
+                </a:cubicBezTo>
+                <a:lnTo>
+                  <a:pt x="2286000" y="0"/>
+                </a:lnTo>
+                <a:close/>
+              </a:path>
+            </a:pathLst>
+          </a:custGeom>
           <a:solidFill>
             <a:srgbClr val="7030A0">
               <a:alpha val="40000"/>
@@ -5930,6 +7588,1458 @@
           <a:p>
             <a:pPr algn="ctr"/>
             <a:r>
+              <a:rPr lang="en-US" sz="2400" b="1" dirty="0" smtClean="0">
+                <a:solidFill>
+                  <a:schemeClr val="tx1"/>
+                </a:solidFill>
+              </a:rPr>
+              <a:t>Substantive Expertise</a:t>
+            </a:r>
+          </a:p>
+          <a:p>
+            <a:pPr algn="ctr"/>
+            <a:r>
+              <a:rPr lang="en-US" sz="2400" b="1" dirty="0" smtClean="0">
+                <a:solidFill>
+                  <a:schemeClr val="tx1"/>
+                </a:solidFill>
+              </a:rPr>
+              <a:t>Domain Knowledge</a:t>
+            </a:r>
+            <a:endParaRPr lang="en-US" sz="2400" b="1" dirty="0">
+              <a:solidFill>
+                <a:schemeClr val="tx1"/>
+              </a:solidFill>
+            </a:endParaRPr>
+          </a:p>
+        </p:txBody>
+      </p:sp>
+      <p:sp>
+        <p:nvSpPr>
+          <p:cNvPr id="14" name="TextBox 13"/>
+          <p:cNvSpPr txBox="1"/>
+          <p:nvPr/>
+        </p:nvSpPr>
+        <p:spPr>
+          <a:xfrm>
+            <a:off x="0" y="1"/>
+            <a:ext cx="4037610" cy="2585323"/>
+          </a:xfrm>
+          <a:prstGeom prst="rect">
+            <a:avLst/>
+          </a:prstGeom>
+          <a:noFill/>
+        </p:spPr>
+        <p:txBody>
+          <a:bodyPr wrap="square" rtlCol="0">
+            <a:spAutoFit/>
+          </a:bodyPr>
+          <a:lstStyle/>
+          <a:p>
+            <a:r>
+              <a:rPr lang="en-US" dirty="0" smtClean="0"/>
+              <a:t>The Data Science Venn Diagram</a:t>
+            </a:r>
+          </a:p>
+          <a:p>
+            <a:endParaRPr lang="en-US" dirty="0"/>
+          </a:p>
+          <a:p>
+            <a:r>
+              <a:rPr lang="en-US" dirty="0" smtClean="0"/>
+              <a:t>Also, note what’s not available when you are lacking mathematics and statistics knowledge. This is important. When a student is choosing between a computer science major and a mathematics major, then that student should choose mathematics.  </a:t>
+            </a:r>
+          </a:p>
+        </p:txBody>
+      </p:sp>
+      <p:sp>
+        <p:nvSpPr>
+          <p:cNvPr id="15" name="TextBox 14"/>
+          <p:cNvSpPr txBox="1"/>
+          <p:nvPr/>
+        </p:nvSpPr>
+        <p:spPr>
+          <a:xfrm>
+            <a:off x="10215562" y="6550223"/>
+            <a:ext cx="1976438" cy="307777"/>
+          </a:xfrm>
+          <a:prstGeom prst="rect">
+            <a:avLst/>
+          </a:prstGeom>
+          <a:noFill/>
+        </p:spPr>
+        <p:txBody>
+          <a:bodyPr wrap="none" rtlCol="0">
+            <a:spAutoFit/>
+          </a:bodyPr>
+          <a:lstStyle/>
+          <a:p>
+            <a:r>
+              <a:rPr lang="en-US" sz="1400" dirty="0" smtClean="0">
+                <a:hlinkClick r:id="rId2"/>
+              </a:rPr>
+              <a:t>Thanks to Drew Conway </a:t>
+            </a:r>
+            <a:endParaRPr lang="en-US" sz="1400" dirty="0"/>
+          </a:p>
+        </p:txBody>
+      </p:sp>
+    </p:spTree>
+    <p:extLst>
+      <p:ext uri="{BB962C8B-B14F-4D97-AF65-F5344CB8AC3E}">
+        <p14:creationId xmlns:p14="http://schemas.microsoft.com/office/powerpoint/2010/main" val="3415180391"/>
+      </p:ext>
+    </p:extLst>
+  </p:cSld>
+  <p:clrMapOvr>
+    <a:masterClrMapping/>
+  </p:clrMapOvr>
+</p:sld>
+</file>
+
+<file path=ppt/slides/slide15.xml><?xml version="1.0" encoding="utf-8"?>
+<p:sld xmlns:a="http://schemas.openxmlformats.org/drawingml/2006/main" xmlns:r="http://schemas.openxmlformats.org/officeDocument/2006/relationships" xmlns:p="http://schemas.openxmlformats.org/presentationml/2006/main">
+  <p:cSld>
+    <p:spTree>
+      <p:nvGrpSpPr>
+        <p:cNvPr id="1" name=""/>
+        <p:cNvGrpSpPr/>
+        <p:nvPr/>
+      </p:nvGrpSpPr>
+      <p:grpSpPr>
+        <a:xfrm>
+          <a:off x="0" y="0"/>
+          <a:ext cx="0" cy="0"/>
+          <a:chOff x="0" y="0"/>
+          <a:chExt cx="0" cy="0"/>
+        </a:xfrm>
+      </p:grpSpPr>
+      <p:sp>
+        <p:nvSpPr>
+          <p:cNvPr id="13" name="Freeform 12"/>
+          <p:cNvSpPr/>
+          <p:nvPr/>
+        </p:nvSpPr>
+        <p:spPr>
+          <a:xfrm>
+            <a:off x="7620000" y="661986"/>
+            <a:ext cx="1355765" cy="1724989"/>
+          </a:xfrm>
+          <a:custGeom>
+            <a:avLst/>
+            <a:gdLst>
+              <a:gd name="connsiteX0" fmla="*/ 677883 w 1355765"/>
+              <a:gd name="connsiteY0" fmla="*/ 0 h 1724989"/>
+              <a:gd name="connsiteX1" fmla="*/ 686211 w 1355765"/>
+              <a:gd name="connsiteY1" fmla="*/ 7569 h 1724989"/>
+              <a:gd name="connsiteX2" fmla="*/ 1355765 w 1355765"/>
+              <a:gd name="connsiteY2" fmla="*/ 1624015 h 1724989"/>
+              <a:gd name="connsiteX3" fmla="*/ 1350667 w 1355765"/>
+              <a:gd name="connsiteY3" fmla="*/ 1724989 h 1724989"/>
+              <a:gd name="connsiteX4" fmla="*/ 1138592 w 1355765"/>
+              <a:gd name="connsiteY4" fmla="*/ 1670458 h 1724989"/>
+              <a:gd name="connsiteX5" fmla="*/ 677883 w 1355765"/>
+              <a:gd name="connsiteY5" fmla="*/ 1624015 h 1724989"/>
+              <a:gd name="connsiteX6" fmla="*/ 217174 w 1355765"/>
+              <a:gd name="connsiteY6" fmla="*/ 1670458 h 1724989"/>
+              <a:gd name="connsiteX7" fmla="*/ 5099 w 1355765"/>
+              <a:gd name="connsiteY7" fmla="*/ 1724989 h 1724989"/>
+              <a:gd name="connsiteX8" fmla="*/ 0 w 1355765"/>
+              <a:gd name="connsiteY8" fmla="*/ 1624015 h 1724989"/>
+              <a:gd name="connsiteX9" fmla="*/ 669554 w 1355765"/>
+              <a:gd name="connsiteY9" fmla="*/ 7569 h 1724989"/>
+              <a:gd name="connsiteX10" fmla="*/ 677883 w 1355765"/>
+              <a:gd name="connsiteY10" fmla="*/ 0 h 1724989"/>
+            </a:gdLst>
+            <a:ahLst/>
+            <a:cxnLst>
+              <a:cxn ang="0">
+                <a:pos x="connsiteX0" y="connsiteY0"/>
+              </a:cxn>
+              <a:cxn ang="0">
+                <a:pos x="connsiteX1" y="connsiteY1"/>
+              </a:cxn>
+              <a:cxn ang="0">
+                <a:pos x="connsiteX2" y="connsiteY2"/>
+              </a:cxn>
+              <a:cxn ang="0">
+                <a:pos x="connsiteX3" y="connsiteY3"/>
+              </a:cxn>
+              <a:cxn ang="0">
+                <a:pos x="connsiteX4" y="connsiteY4"/>
+              </a:cxn>
+              <a:cxn ang="0">
+                <a:pos x="connsiteX5" y="connsiteY5"/>
+              </a:cxn>
+              <a:cxn ang="0">
+                <a:pos x="connsiteX6" y="connsiteY6"/>
+              </a:cxn>
+              <a:cxn ang="0">
+                <a:pos x="connsiteX7" y="connsiteY7"/>
+              </a:cxn>
+              <a:cxn ang="0">
+                <a:pos x="connsiteX8" y="connsiteY8"/>
+              </a:cxn>
+              <a:cxn ang="0">
+                <a:pos x="connsiteX9" y="connsiteY9"/>
+              </a:cxn>
+              <a:cxn ang="0">
+                <a:pos x="connsiteX10" y="connsiteY10"/>
+              </a:cxn>
+            </a:cxnLst>
+            <a:rect l="l" t="t" r="r" b="b"/>
+            <a:pathLst>
+              <a:path w="1355765" h="1724989">
+                <a:moveTo>
+                  <a:pt x="677883" y="0"/>
+                </a:moveTo>
+                <a:lnTo>
+                  <a:pt x="686211" y="7569"/>
+                </a:lnTo>
+                <a:cubicBezTo>
+                  <a:pt x="1099896" y="421253"/>
+                  <a:pt x="1355765" y="992753"/>
+                  <a:pt x="1355765" y="1624015"/>
+                </a:cubicBezTo>
+                <a:lnTo>
+                  <a:pt x="1350667" y="1724989"/>
+                </a:lnTo>
+                <a:lnTo>
+                  <a:pt x="1138592" y="1670458"/>
+                </a:lnTo>
+                <a:cubicBezTo>
+                  <a:pt x="989779" y="1640007"/>
+                  <a:pt x="835699" y="1624015"/>
+                  <a:pt x="677883" y="1624015"/>
+                </a:cubicBezTo>
+                <a:cubicBezTo>
+                  <a:pt x="520068" y="1624015"/>
+                  <a:pt x="365988" y="1640007"/>
+                  <a:pt x="217174" y="1670458"/>
+                </a:cubicBezTo>
+                <a:lnTo>
+                  <a:pt x="5099" y="1724989"/>
+                </a:lnTo>
+                <a:lnTo>
+                  <a:pt x="0" y="1624015"/>
+                </a:lnTo>
+                <a:cubicBezTo>
+                  <a:pt x="0" y="992753"/>
+                  <a:pt x="255869" y="421253"/>
+                  <a:pt x="669554" y="7569"/>
+                </a:cubicBezTo>
+                <a:lnTo>
+                  <a:pt x="677883" y="0"/>
+                </a:lnTo>
+                <a:close/>
+              </a:path>
+            </a:pathLst>
+          </a:custGeom>
+          <a:solidFill>
+            <a:schemeClr val="accent6">
+              <a:lumMod val="50000"/>
+              <a:alpha val="40000"/>
+            </a:schemeClr>
+          </a:solidFill>
+          <a:ln>
+            <a:noFill/>
+          </a:ln>
+        </p:spPr>
+        <p:style>
+          <a:lnRef idx="2">
+            <a:schemeClr val="accent1">
+              <a:shade val="50000"/>
+            </a:schemeClr>
+          </a:lnRef>
+          <a:fillRef idx="1">
+            <a:schemeClr val="accent1"/>
+          </a:fillRef>
+          <a:effectRef idx="0">
+            <a:schemeClr val="accent1"/>
+          </a:effectRef>
+          <a:fontRef idx="minor">
+            <a:schemeClr val="lt1"/>
+          </a:fontRef>
+        </p:style>
+        <p:txBody>
+          <a:bodyPr rtlCol="0" anchor="ctr"/>
+          <a:lstStyle/>
+          <a:p>
+            <a:pPr algn="ctr"/>
+            <a:endParaRPr lang="en-US" sz="1600" dirty="0" smtClean="0">
+              <a:solidFill>
+                <a:schemeClr val="tx1"/>
+              </a:solidFill>
+            </a:endParaRPr>
+          </a:p>
+          <a:p>
+            <a:pPr algn="ctr"/>
+            <a:r>
+              <a:rPr lang="en-US" sz="1600" dirty="0" smtClean="0">
+                <a:solidFill>
+                  <a:schemeClr val="tx1"/>
+                </a:solidFill>
+              </a:rPr>
+              <a:t>Machine</a:t>
+            </a:r>
+          </a:p>
+          <a:p>
+            <a:pPr algn="ctr"/>
+            <a:r>
+              <a:rPr lang="en-US" sz="1600" dirty="0" smtClean="0">
+                <a:solidFill>
+                  <a:schemeClr val="tx1"/>
+                </a:solidFill>
+              </a:rPr>
+              <a:t>Learning</a:t>
+            </a:r>
+          </a:p>
+          <a:p>
+            <a:pPr algn="ctr"/>
+            <a:r>
+              <a:rPr lang="en-US" sz="1600" dirty="0" smtClean="0">
+                <a:solidFill>
+                  <a:schemeClr val="tx1"/>
+                </a:solidFill>
+              </a:rPr>
+              <a:t>Scientist</a:t>
+            </a:r>
+            <a:endParaRPr lang="en-US" sz="1600" dirty="0">
+              <a:solidFill>
+                <a:schemeClr val="tx1"/>
+              </a:solidFill>
+            </a:endParaRPr>
+          </a:p>
+        </p:txBody>
+      </p:sp>
+      <p:sp>
+        <p:nvSpPr>
+          <p:cNvPr id="12" name="Freeform 11"/>
+          <p:cNvSpPr/>
+          <p:nvPr/>
+        </p:nvSpPr>
+        <p:spPr>
+          <a:xfrm>
+            <a:off x="8297882" y="2386974"/>
+            <a:ext cx="2280902" cy="2185026"/>
+          </a:xfrm>
+          <a:custGeom>
+            <a:avLst/>
+            <a:gdLst>
+              <a:gd name="connsiteX0" fmla="*/ 672784 w 2280902"/>
+              <a:gd name="connsiteY0" fmla="*/ 0 h 2185026"/>
+              <a:gd name="connsiteX1" fmla="*/ 679786 w 2280902"/>
+              <a:gd name="connsiteY1" fmla="*/ 1800 h 2185026"/>
+              <a:gd name="connsiteX2" fmla="*/ 2274198 w 2280902"/>
+              <a:gd name="connsiteY2" fmla="*/ 1951296 h 2185026"/>
+              <a:gd name="connsiteX3" fmla="*/ 2280902 w 2280902"/>
+              <a:gd name="connsiteY3" fmla="*/ 2084053 h 2185026"/>
+              <a:gd name="connsiteX4" fmla="*/ 2068826 w 2280902"/>
+              <a:gd name="connsiteY4" fmla="*/ 2138583 h 2185026"/>
+              <a:gd name="connsiteX5" fmla="*/ 1608117 w 2280902"/>
+              <a:gd name="connsiteY5" fmla="*/ 2185026 h 2185026"/>
+              <a:gd name="connsiteX6" fmla="*/ 154009 w 2280902"/>
+              <a:gd name="connsiteY6" fmla="*/ 1663015 h 2185026"/>
+              <a:gd name="connsiteX7" fmla="*/ 0 w 2280902"/>
+              <a:gd name="connsiteY7" fmla="*/ 1523042 h 2185026"/>
+              <a:gd name="connsiteX8" fmla="*/ 8328 w 2280902"/>
+              <a:gd name="connsiteY8" fmla="*/ 1515472 h 2185026"/>
+              <a:gd name="connsiteX9" fmla="*/ 666080 w 2280902"/>
+              <a:gd name="connsiteY9" fmla="*/ 132756 h 2185026"/>
+              <a:gd name="connsiteX10" fmla="*/ 672784 w 2280902"/>
+              <a:gd name="connsiteY10" fmla="*/ 0 h 2185026"/>
+            </a:gdLst>
+            <a:ahLst/>
+            <a:cxnLst>
+              <a:cxn ang="0">
+                <a:pos x="connsiteX0" y="connsiteY0"/>
+              </a:cxn>
+              <a:cxn ang="0">
+                <a:pos x="connsiteX1" y="connsiteY1"/>
+              </a:cxn>
+              <a:cxn ang="0">
+                <a:pos x="connsiteX2" y="connsiteY2"/>
+              </a:cxn>
+              <a:cxn ang="0">
+                <a:pos x="connsiteX3" y="connsiteY3"/>
+              </a:cxn>
+              <a:cxn ang="0">
+                <a:pos x="connsiteX4" y="connsiteY4"/>
+              </a:cxn>
+              <a:cxn ang="0">
+                <a:pos x="connsiteX5" y="connsiteY5"/>
+              </a:cxn>
+              <a:cxn ang="0">
+                <a:pos x="connsiteX6" y="connsiteY6"/>
+              </a:cxn>
+              <a:cxn ang="0">
+                <a:pos x="connsiteX7" y="connsiteY7"/>
+              </a:cxn>
+              <a:cxn ang="0">
+                <a:pos x="connsiteX8" y="connsiteY8"/>
+              </a:cxn>
+              <a:cxn ang="0">
+                <a:pos x="connsiteX9" y="connsiteY9"/>
+              </a:cxn>
+              <a:cxn ang="0">
+                <a:pos x="connsiteX10" y="connsiteY10"/>
+              </a:cxn>
+            </a:cxnLst>
+            <a:rect l="l" t="t" r="r" b="b"/>
+            <a:pathLst>
+              <a:path w="2280902" h="2185026">
+                <a:moveTo>
+                  <a:pt x="672784" y="0"/>
+                </a:moveTo>
+                <a:lnTo>
+                  <a:pt x="679786" y="1800"/>
+                </a:lnTo>
+                <a:cubicBezTo>
+                  <a:pt x="1538764" y="268970"/>
+                  <a:pt x="2180545" y="1029112"/>
+                  <a:pt x="2274198" y="1951296"/>
+                </a:cubicBezTo>
+                <a:lnTo>
+                  <a:pt x="2280902" y="2084053"/>
+                </a:lnTo>
+                <a:lnTo>
+                  <a:pt x="2068826" y="2138583"/>
+                </a:lnTo>
+                <a:cubicBezTo>
+                  <a:pt x="1920013" y="2169034"/>
+                  <a:pt x="1765933" y="2185026"/>
+                  <a:pt x="1608117" y="2185026"/>
+                </a:cubicBezTo>
+                <a:cubicBezTo>
+                  <a:pt x="1055763" y="2185026"/>
+                  <a:pt x="549165" y="1989126"/>
+                  <a:pt x="154009" y="1663015"/>
+                </a:cubicBezTo>
+                <a:lnTo>
+                  <a:pt x="0" y="1523042"/>
+                </a:lnTo>
+                <a:lnTo>
+                  <a:pt x="8328" y="1515472"/>
+                </a:lnTo>
+                <a:cubicBezTo>
+                  <a:pt x="370302" y="1153498"/>
+                  <a:pt x="611449" y="670697"/>
+                  <a:pt x="666080" y="132756"/>
+                </a:cubicBezTo>
+                <a:lnTo>
+                  <a:pt x="672784" y="0"/>
+                </a:lnTo>
+                <a:close/>
+              </a:path>
+            </a:pathLst>
+          </a:custGeom>
+          <a:solidFill>
+            <a:schemeClr val="accent1">
+              <a:lumMod val="60000"/>
+              <a:lumOff val="40000"/>
+              <a:alpha val="40000"/>
+            </a:schemeClr>
+          </a:solidFill>
+          <a:ln>
+            <a:noFill/>
+          </a:ln>
+        </p:spPr>
+        <p:style>
+          <a:lnRef idx="2">
+            <a:schemeClr val="accent1">
+              <a:shade val="50000"/>
+            </a:schemeClr>
+          </a:lnRef>
+          <a:fillRef idx="1">
+            <a:schemeClr val="accent1"/>
+          </a:fillRef>
+          <a:effectRef idx="0">
+            <a:schemeClr val="accent1"/>
+          </a:effectRef>
+          <a:fontRef idx="minor">
+            <a:schemeClr val="lt1"/>
+          </a:fontRef>
+        </p:style>
+        <p:txBody>
+          <a:bodyPr rtlCol="0" anchor="ctr"/>
+          <a:lstStyle/>
+          <a:p>
+            <a:pPr algn="ctr"/>
+            <a:r>
+              <a:rPr lang="en-US" sz="1600" dirty="0" smtClean="0">
+                <a:solidFill>
+                  <a:schemeClr val="tx1"/>
+                </a:solidFill>
+              </a:rPr>
+              <a:t>Traditional</a:t>
+            </a:r>
+          </a:p>
+          <a:p>
+            <a:pPr algn="ctr"/>
+            <a:r>
+              <a:rPr lang="en-US" sz="1600" dirty="0" smtClean="0">
+                <a:solidFill>
+                  <a:schemeClr val="tx1"/>
+                </a:solidFill>
+              </a:rPr>
+              <a:t>Researcher</a:t>
+            </a:r>
+            <a:endParaRPr lang="en-US" sz="1600" dirty="0">
+              <a:solidFill>
+                <a:schemeClr val="tx1"/>
+              </a:solidFill>
+            </a:endParaRPr>
+          </a:p>
+        </p:txBody>
+      </p:sp>
+      <p:sp>
+        <p:nvSpPr>
+          <p:cNvPr id="11" name="Freeform 10"/>
+          <p:cNvSpPr/>
+          <p:nvPr/>
+        </p:nvSpPr>
+        <p:spPr>
+          <a:xfrm>
+            <a:off x="6016982" y="2386974"/>
+            <a:ext cx="2280901" cy="2185026"/>
+          </a:xfrm>
+          <a:custGeom>
+            <a:avLst/>
+            <a:gdLst>
+              <a:gd name="connsiteX0" fmla="*/ 1608117 w 2280901"/>
+              <a:gd name="connsiteY0" fmla="*/ 0 h 2185026"/>
+              <a:gd name="connsiteX1" fmla="*/ 1614820 w 2280901"/>
+              <a:gd name="connsiteY1" fmla="*/ 132756 h 2185026"/>
+              <a:gd name="connsiteX2" fmla="*/ 2272572 w 2280901"/>
+              <a:gd name="connsiteY2" fmla="*/ 1515472 h 2185026"/>
+              <a:gd name="connsiteX3" fmla="*/ 2280901 w 2280901"/>
+              <a:gd name="connsiteY3" fmla="*/ 1523042 h 2185026"/>
+              <a:gd name="connsiteX4" fmla="*/ 2126891 w 2280901"/>
+              <a:gd name="connsiteY4" fmla="*/ 1663015 h 2185026"/>
+              <a:gd name="connsiteX5" fmla="*/ 672783 w 2280901"/>
+              <a:gd name="connsiteY5" fmla="*/ 2185026 h 2185026"/>
+              <a:gd name="connsiteX6" fmla="*/ 212074 w 2280901"/>
+              <a:gd name="connsiteY6" fmla="*/ 2138583 h 2185026"/>
+              <a:gd name="connsiteX7" fmla="*/ 0 w 2280901"/>
+              <a:gd name="connsiteY7" fmla="*/ 2084053 h 2185026"/>
+              <a:gd name="connsiteX8" fmla="*/ 6703 w 2280901"/>
+              <a:gd name="connsiteY8" fmla="*/ 1951296 h 2185026"/>
+              <a:gd name="connsiteX9" fmla="*/ 1601115 w 2280901"/>
+              <a:gd name="connsiteY9" fmla="*/ 1800 h 2185026"/>
+              <a:gd name="connsiteX10" fmla="*/ 1608117 w 2280901"/>
+              <a:gd name="connsiteY10" fmla="*/ 0 h 2185026"/>
+            </a:gdLst>
+            <a:ahLst/>
+            <a:cxnLst>
+              <a:cxn ang="0">
+                <a:pos x="connsiteX0" y="connsiteY0"/>
+              </a:cxn>
+              <a:cxn ang="0">
+                <a:pos x="connsiteX1" y="connsiteY1"/>
+              </a:cxn>
+              <a:cxn ang="0">
+                <a:pos x="connsiteX2" y="connsiteY2"/>
+              </a:cxn>
+              <a:cxn ang="0">
+                <a:pos x="connsiteX3" y="connsiteY3"/>
+              </a:cxn>
+              <a:cxn ang="0">
+                <a:pos x="connsiteX4" y="connsiteY4"/>
+              </a:cxn>
+              <a:cxn ang="0">
+                <a:pos x="connsiteX5" y="connsiteY5"/>
+              </a:cxn>
+              <a:cxn ang="0">
+                <a:pos x="connsiteX6" y="connsiteY6"/>
+              </a:cxn>
+              <a:cxn ang="0">
+                <a:pos x="connsiteX7" y="connsiteY7"/>
+              </a:cxn>
+              <a:cxn ang="0">
+                <a:pos x="connsiteX8" y="connsiteY8"/>
+              </a:cxn>
+              <a:cxn ang="0">
+                <a:pos x="connsiteX9" y="connsiteY9"/>
+              </a:cxn>
+              <a:cxn ang="0">
+                <a:pos x="connsiteX10" y="connsiteY10"/>
+              </a:cxn>
+            </a:cxnLst>
+            <a:rect l="l" t="t" r="r" b="b"/>
+            <a:pathLst>
+              <a:path w="2280901" h="2185026">
+                <a:moveTo>
+                  <a:pt x="1608117" y="0"/>
+                </a:moveTo>
+                <a:lnTo>
+                  <a:pt x="1614820" y="132756"/>
+                </a:lnTo>
+                <a:cubicBezTo>
+                  <a:pt x="1669451" y="670697"/>
+                  <a:pt x="1910598" y="1153498"/>
+                  <a:pt x="2272572" y="1515472"/>
+                </a:cubicBezTo>
+                <a:lnTo>
+                  <a:pt x="2280901" y="1523042"/>
+                </a:lnTo>
+                <a:lnTo>
+                  <a:pt x="2126891" y="1663015"/>
+                </a:lnTo>
+                <a:cubicBezTo>
+                  <a:pt x="1731736" y="1989126"/>
+                  <a:pt x="1225137" y="2185026"/>
+                  <a:pt x="672783" y="2185026"/>
+                </a:cubicBezTo>
+                <a:cubicBezTo>
+                  <a:pt x="514968" y="2185026"/>
+                  <a:pt x="360887" y="2169034"/>
+                  <a:pt x="212074" y="2138583"/>
+                </a:cubicBezTo>
+                <a:lnTo>
+                  <a:pt x="0" y="2084053"/>
+                </a:lnTo>
+                <a:lnTo>
+                  <a:pt x="6703" y="1951296"/>
+                </a:lnTo>
+                <a:cubicBezTo>
+                  <a:pt x="100356" y="1029112"/>
+                  <a:pt x="742137" y="268970"/>
+                  <a:pt x="1601115" y="1800"/>
+                </a:cubicBezTo>
+                <a:lnTo>
+                  <a:pt x="1608117" y="0"/>
+                </a:lnTo>
+                <a:close/>
+              </a:path>
+            </a:pathLst>
+          </a:custGeom>
+          <a:solidFill>
+            <a:srgbClr val="002060">
+              <a:alpha val="40000"/>
+            </a:srgbClr>
+          </a:solidFill>
+          <a:ln>
+            <a:noFill/>
+          </a:ln>
+        </p:spPr>
+        <p:style>
+          <a:lnRef idx="2">
+            <a:schemeClr val="accent1">
+              <a:shade val="50000"/>
+            </a:schemeClr>
+          </a:lnRef>
+          <a:fillRef idx="1">
+            <a:schemeClr val="accent1"/>
+          </a:fillRef>
+          <a:effectRef idx="0">
+            <a:schemeClr val="accent1"/>
+          </a:effectRef>
+          <a:fontRef idx="minor">
+            <a:schemeClr val="lt1"/>
+          </a:fontRef>
+        </p:style>
+        <p:txBody>
+          <a:bodyPr rtlCol="0" anchor="ctr"/>
+          <a:lstStyle/>
+          <a:p>
+            <a:pPr algn="ctr"/>
+            <a:r>
+              <a:rPr lang="en-US" sz="1600" dirty="0" smtClean="0">
+                <a:solidFill>
+                  <a:schemeClr val="tx1"/>
+                </a:solidFill>
+              </a:rPr>
+              <a:t>Danger</a:t>
+            </a:r>
+          </a:p>
+          <a:p>
+            <a:pPr algn="ctr"/>
+            <a:r>
+              <a:rPr lang="en-US" sz="1600" dirty="0" smtClean="0">
+                <a:solidFill>
+                  <a:schemeClr val="tx1"/>
+                </a:solidFill>
+              </a:rPr>
+              <a:t>Zone!</a:t>
+            </a:r>
+            <a:endParaRPr lang="en-US" sz="1600" dirty="0">
+              <a:solidFill>
+                <a:schemeClr val="tx1"/>
+              </a:solidFill>
+            </a:endParaRPr>
+          </a:p>
+        </p:txBody>
+      </p:sp>
+      <p:sp>
+        <p:nvSpPr>
+          <p:cNvPr id="10" name="Freeform 9"/>
+          <p:cNvSpPr/>
+          <p:nvPr/>
+        </p:nvSpPr>
+        <p:spPr>
+          <a:xfrm>
+            <a:off x="4403764" y="1"/>
+            <a:ext cx="3894118" cy="4471027"/>
+          </a:xfrm>
+          <a:custGeom>
+            <a:avLst/>
+            <a:gdLst>
+              <a:gd name="connsiteX0" fmla="*/ 2286000 w 3894118"/>
+              <a:gd name="connsiteY0" fmla="*/ 0 h 4471027"/>
+              <a:gd name="connsiteX1" fmla="*/ 3740108 w 3894118"/>
+              <a:gd name="connsiteY1" fmla="*/ 522011 h 4471027"/>
+              <a:gd name="connsiteX2" fmla="*/ 3894118 w 3894118"/>
+              <a:gd name="connsiteY2" fmla="*/ 661985 h 4471027"/>
+              <a:gd name="connsiteX3" fmla="*/ 3885789 w 3894118"/>
+              <a:gd name="connsiteY3" fmla="*/ 669554 h 4471027"/>
+              <a:gd name="connsiteX4" fmla="*/ 3216235 w 3894118"/>
+              <a:gd name="connsiteY4" fmla="*/ 2286000 h 4471027"/>
+              <a:gd name="connsiteX5" fmla="*/ 3221334 w 3894118"/>
+              <a:gd name="connsiteY5" fmla="*/ 2386974 h 4471027"/>
+              <a:gd name="connsiteX6" fmla="*/ 3214332 w 3894118"/>
+              <a:gd name="connsiteY6" fmla="*/ 2388774 h 4471027"/>
+              <a:gd name="connsiteX7" fmla="*/ 1619920 w 3894118"/>
+              <a:gd name="connsiteY7" fmla="*/ 4338270 h 4471027"/>
+              <a:gd name="connsiteX8" fmla="*/ 1613217 w 3894118"/>
+              <a:gd name="connsiteY8" fmla="*/ 4471027 h 4471027"/>
+              <a:gd name="connsiteX9" fmla="*/ 1606214 w 3894118"/>
+              <a:gd name="connsiteY9" fmla="*/ 4469226 h 4471027"/>
+              <a:gd name="connsiteX10" fmla="*/ 0 w 3894118"/>
+              <a:gd name="connsiteY10" fmla="*/ 2286000 h 4471027"/>
+              <a:gd name="connsiteX11" fmla="*/ 2286000 w 3894118"/>
+              <a:gd name="connsiteY11" fmla="*/ 0 h 4471027"/>
+            </a:gdLst>
+            <a:ahLst/>
+            <a:cxnLst>
+              <a:cxn ang="0">
+                <a:pos x="connsiteX0" y="connsiteY0"/>
+              </a:cxn>
+              <a:cxn ang="0">
+                <a:pos x="connsiteX1" y="connsiteY1"/>
+              </a:cxn>
+              <a:cxn ang="0">
+                <a:pos x="connsiteX2" y="connsiteY2"/>
+              </a:cxn>
+              <a:cxn ang="0">
+                <a:pos x="connsiteX3" y="connsiteY3"/>
+              </a:cxn>
+              <a:cxn ang="0">
+                <a:pos x="connsiteX4" y="connsiteY4"/>
+              </a:cxn>
+              <a:cxn ang="0">
+                <a:pos x="connsiteX5" y="connsiteY5"/>
+              </a:cxn>
+              <a:cxn ang="0">
+                <a:pos x="connsiteX6" y="connsiteY6"/>
+              </a:cxn>
+              <a:cxn ang="0">
+                <a:pos x="connsiteX7" y="connsiteY7"/>
+              </a:cxn>
+              <a:cxn ang="0">
+                <a:pos x="connsiteX8" y="connsiteY8"/>
+              </a:cxn>
+              <a:cxn ang="0">
+                <a:pos x="connsiteX9" y="connsiteY9"/>
+              </a:cxn>
+              <a:cxn ang="0">
+                <a:pos x="connsiteX10" y="connsiteY10"/>
+              </a:cxn>
+              <a:cxn ang="0">
+                <a:pos x="connsiteX11" y="connsiteY11"/>
+              </a:cxn>
+            </a:cxnLst>
+            <a:rect l="l" t="t" r="r" b="b"/>
+            <a:pathLst>
+              <a:path w="3894118" h="4471027">
+                <a:moveTo>
+                  <a:pt x="2286000" y="0"/>
+                </a:moveTo>
+                <a:cubicBezTo>
+                  <a:pt x="2838354" y="0"/>
+                  <a:pt x="3344953" y="195900"/>
+                  <a:pt x="3740108" y="522011"/>
+                </a:cubicBezTo>
+                <a:lnTo>
+                  <a:pt x="3894118" y="661985"/>
+                </a:lnTo>
+                <a:lnTo>
+                  <a:pt x="3885789" y="669554"/>
+                </a:lnTo>
+                <a:cubicBezTo>
+                  <a:pt x="3472104" y="1083238"/>
+                  <a:pt x="3216235" y="1654738"/>
+                  <a:pt x="3216235" y="2286000"/>
+                </a:cubicBezTo>
+                <a:lnTo>
+                  <a:pt x="3221334" y="2386974"/>
+                </a:lnTo>
+                <a:lnTo>
+                  <a:pt x="3214332" y="2388774"/>
+                </a:lnTo>
+                <a:cubicBezTo>
+                  <a:pt x="2355354" y="2655944"/>
+                  <a:pt x="1713573" y="3416086"/>
+                  <a:pt x="1619920" y="4338270"/>
+                </a:cubicBezTo>
+                <a:lnTo>
+                  <a:pt x="1613217" y="4471027"/>
+                </a:lnTo>
+                <a:lnTo>
+                  <a:pt x="1606214" y="4469226"/>
+                </a:lnTo>
+                <a:cubicBezTo>
+                  <a:pt x="675655" y="4179792"/>
+                  <a:pt x="0" y="3311800"/>
+                  <a:pt x="0" y="2286000"/>
+                </a:cubicBezTo>
+                <a:cubicBezTo>
+                  <a:pt x="0" y="1023477"/>
+                  <a:pt x="1023477" y="0"/>
+                  <a:pt x="2286000" y="0"/>
+                </a:cubicBezTo>
+                <a:close/>
+              </a:path>
+            </a:pathLst>
+          </a:custGeom>
+          <a:solidFill>
+            <a:srgbClr val="E64A60">
+              <a:alpha val="40000"/>
+            </a:srgbClr>
+          </a:solidFill>
+          <a:ln>
+            <a:noFill/>
+          </a:ln>
+        </p:spPr>
+        <p:style>
+          <a:lnRef idx="2">
+            <a:schemeClr val="accent1">
+              <a:shade val="50000"/>
+            </a:schemeClr>
+          </a:lnRef>
+          <a:fillRef idx="1">
+            <a:schemeClr val="accent1"/>
+          </a:fillRef>
+          <a:effectRef idx="0">
+            <a:schemeClr val="accent1"/>
+          </a:effectRef>
+          <a:fontRef idx="minor">
+            <a:schemeClr val="lt1"/>
+          </a:fontRef>
+        </p:style>
+        <p:txBody>
+          <a:bodyPr rtlCol="0" anchor="ctr"/>
+          <a:lstStyle/>
+          <a:p>
+            <a:pPr algn="ctr"/>
+            <a:r>
+              <a:rPr lang="en-US" sz="2400" dirty="0" smtClean="0">
+                <a:solidFill>
+                  <a:schemeClr val="tx1"/>
+                </a:solidFill>
+              </a:rPr>
+              <a:t>Computer Science</a:t>
+            </a:r>
+          </a:p>
+          <a:p>
+            <a:pPr algn="ctr"/>
+            <a:r>
+              <a:rPr lang="en-US" sz="2400" dirty="0" smtClean="0">
+                <a:solidFill>
+                  <a:schemeClr val="tx1"/>
+                </a:solidFill>
+              </a:rPr>
+              <a:t>Skills</a:t>
+            </a:r>
+          </a:p>
+          <a:p>
+            <a:pPr algn="ctr"/>
+            <a:endParaRPr lang="en-US" dirty="0"/>
+          </a:p>
+          <a:p>
+            <a:pPr algn="ctr"/>
+            <a:endParaRPr lang="en-US" dirty="0" smtClean="0"/>
+          </a:p>
+          <a:p>
+            <a:pPr algn="ctr"/>
+            <a:endParaRPr lang="en-US" dirty="0"/>
+          </a:p>
+          <a:p>
+            <a:pPr algn="ctr"/>
+            <a:endParaRPr lang="en-US" dirty="0" smtClean="0"/>
+          </a:p>
+          <a:p>
+            <a:pPr algn="ctr"/>
+            <a:endParaRPr lang="en-US" dirty="0"/>
+          </a:p>
+        </p:txBody>
+      </p:sp>
+      <p:sp>
+        <p:nvSpPr>
+          <p:cNvPr id="9" name="Freeform 8"/>
+          <p:cNvSpPr/>
+          <p:nvPr/>
+        </p:nvSpPr>
+        <p:spPr>
+          <a:xfrm>
+            <a:off x="8297883" y="1"/>
+            <a:ext cx="3894117" cy="4471027"/>
+          </a:xfrm>
+          <a:custGeom>
+            <a:avLst/>
+            <a:gdLst>
+              <a:gd name="connsiteX0" fmla="*/ 1608117 w 3894117"/>
+              <a:gd name="connsiteY0" fmla="*/ 0 h 4471027"/>
+              <a:gd name="connsiteX1" fmla="*/ 3894117 w 3894117"/>
+              <a:gd name="connsiteY1" fmla="*/ 2286000 h 4471027"/>
+              <a:gd name="connsiteX2" fmla="*/ 2287903 w 3894117"/>
+              <a:gd name="connsiteY2" fmla="*/ 4469226 h 4471027"/>
+              <a:gd name="connsiteX3" fmla="*/ 2280902 w 3894117"/>
+              <a:gd name="connsiteY3" fmla="*/ 4471027 h 4471027"/>
+              <a:gd name="connsiteX4" fmla="*/ 2274198 w 3894117"/>
+              <a:gd name="connsiteY4" fmla="*/ 4338270 h 4471027"/>
+              <a:gd name="connsiteX5" fmla="*/ 679786 w 3894117"/>
+              <a:gd name="connsiteY5" fmla="*/ 2388774 h 4471027"/>
+              <a:gd name="connsiteX6" fmla="*/ 672784 w 3894117"/>
+              <a:gd name="connsiteY6" fmla="*/ 2386974 h 4471027"/>
+              <a:gd name="connsiteX7" fmla="*/ 677882 w 3894117"/>
+              <a:gd name="connsiteY7" fmla="*/ 2286000 h 4471027"/>
+              <a:gd name="connsiteX8" fmla="*/ 8328 w 3894117"/>
+              <a:gd name="connsiteY8" fmla="*/ 669554 h 4471027"/>
+              <a:gd name="connsiteX9" fmla="*/ 0 w 3894117"/>
+              <a:gd name="connsiteY9" fmla="*/ 661985 h 4471027"/>
+              <a:gd name="connsiteX10" fmla="*/ 154009 w 3894117"/>
+              <a:gd name="connsiteY10" fmla="*/ 522011 h 4471027"/>
+              <a:gd name="connsiteX11" fmla="*/ 1608117 w 3894117"/>
+              <a:gd name="connsiteY11" fmla="*/ 0 h 4471027"/>
+            </a:gdLst>
+            <a:ahLst/>
+            <a:cxnLst>
+              <a:cxn ang="0">
+                <a:pos x="connsiteX0" y="connsiteY0"/>
+              </a:cxn>
+              <a:cxn ang="0">
+                <a:pos x="connsiteX1" y="connsiteY1"/>
+              </a:cxn>
+              <a:cxn ang="0">
+                <a:pos x="connsiteX2" y="connsiteY2"/>
+              </a:cxn>
+              <a:cxn ang="0">
+                <a:pos x="connsiteX3" y="connsiteY3"/>
+              </a:cxn>
+              <a:cxn ang="0">
+                <a:pos x="connsiteX4" y="connsiteY4"/>
+              </a:cxn>
+              <a:cxn ang="0">
+                <a:pos x="connsiteX5" y="connsiteY5"/>
+              </a:cxn>
+              <a:cxn ang="0">
+                <a:pos x="connsiteX6" y="connsiteY6"/>
+              </a:cxn>
+              <a:cxn ang="0">
+                <a:pos x="connsiteX7" y="connsiteY7"/>
+              </a:cxn>
+              <a:cxn ang="0">
+                <a:pos x="connsiteX8" y="connsiteY8"/>
+              </a:cxn>
+              <a:cxn ang="0">
+                <a:pos x="connsiteX9" y="connsiteY9"/>
+              </a:cxn>
+              <a:cxn ang="0">
+                <a:pos x="connsiteX10" y="connsiteY10"/>
+              </a:cxn>
+              <a:cxn ang="0">
+                <a:pos x="connsiteX11" y="connsiteY11"/>
+              </a:cxn>
+            </a:cxnLst>
+            <a:rect l="l" t="t" r="r" b="b"/>
+            <a:pathLst>
+              <a:path w="3894117" h="4471027">
+                <a:moveTo>
+                  <a:pt x="1608117" y="0"/>
+                </a:moveTo>
+                <a:cubicBezTo>
+                  <a:pt x="2870640" y="0"/>
+                  <a:pt x="3894117" y="1023477"/>
+                  <a:pt x="3894117" y="2286000"/>
+                </a:cubicBezTo>
+                <a:cubicBezTo>
+                  <a:pt x="3894117" y="3311800"/>
+                  <a:pt x="3218463" y="4179792"/>
+                  <a:pt x="2287903" y="4469226"/>
+                </a:cubicBezTo>
+                <a:lnTo>
+                  <a:pt x="2280902" y="4471027"/>
+                </a:lnTo>
+                <a:lnTo>
+                  <a:pt x="2274198" y="4338270"/>
+                </a:lnTo>
+                <a:cubicBezTo>
+                  <a:pt x="2180545" y="3416086"/>
+                  <a:pt x="1538764" y="2655944"/>
+                  <a:pt x="679786" y="2388774"/>
+                </a:cubicBezTo>
+                <a:lnTo>
+                  <a:pt x="672784" y="2386974"/>
+                </a:lnTo>
+                <a:lnTo>
+                  <a:pt x="677882" y="2286000"/>
+                </a:lnTo>
+                <a:cubicBezTo>
+                  <a:pt x="677882" y="1654738"/>
+                  <a:pt x="422013" y="1083238"/>
+                  <a:pt x="8328" y="669554"/>
+                </a:cubicBezTo>
+                <a:lnTo>
+                  <a:pt x="0" y="661985"/>
+                </a:lnTo>
+                <a:lnTo>
+                  <a:pt x="154009" y="522011"/>
+                </a:lnTo>
+                <a:cubicBezTo>
+                  <a:pt x="549165" y="195900"/>
+                  <a:pt x="1055763" y="0"/>
+                  <a:pt x="1608117" y="0"/>
+                </a:cubicBezTo>
+                <a:close/>
+              </a:path>
+            </a:pathLst>
+          </a:custGeom>
+          <a:solidFill>
+            <a:srgbClr val="70AD47">
+              <a:alpha val="40000"/>
+            </a:srgbClr>
+          </a:solidFill>
+          <a:ln>
+            <a:noFill/>
+          </a:ln>
+        </p:spPr>
+        <p:style>
+          <a:lnRef idx="2">
+            <a:schemeClr val="accent1">
+              <a:shade val="50000"/>
+            </a:schemeClr>
+          </a:lnRef>
+          <a:fillRef idx="1">
+            <a:schemeClr val="accent1"/>
+          </a:fillRef>
+          <a:effectRef idx="0">
+            <a:schemeClr val="accent1"/>
+          </a:effectRef>
+          <a:fontRef idx="minor">
+            <a:schemeClr val="lt1"/>
+          </a:fontRef>
+        </p:style>
+        <p:txBody>
+          <a:bodyPr rtlCol="0" anchor="ctr"/>
+          <a:lstStyle/>
+          <a:p>
+            <a:pPr algn="ctr"/>
+            <a:r>
+              <a:rPr lang="en-US" sz="2400" dirty="0" smtClean="0">
+                <a:solidFill>
+                  <a:schemeClr val="tx1"/>
+                </a:solidFill>
+              </a:rPr>
+              <a:t>Mathematics/</a:t>
+            </a:r>
+          </a:p>
+          <a:p>
+            <a:pPr algn="ctr"/>
+            <a:r>
+              <a:rPr lang="en-US" sz="2400" dirty="0" smtClean="0">
+                <a:solidFill>
+                  <a:schemeClr val="tx1"/>
+                </a:solidFill>
+              </a:rPr>
+              <a:t>Statistics</a:t>
+            </a:r>
+          </a:p>
+          <a:p>
+            <a:pPr algn="ctr"/>
+            <a:r>
+              <a:rPr lang="en-US" sz="2400" dirty="0" smtClean="0">
+                <a:solidFill>
+                  <a:schemeClr val="tx1"/>
+                </a:solidFill>
+              </a:rPr>
+              <a:t>Knowledge</a:t>
+            </a:r>
+          </a:p>
+          <a:p>
+            <a:pPr algn="ctr"/>
+            <a:endParaRPr lang="en-US" dirty="0"/>
+          </a:p>
+          <a:p>
+            <a:pPr algn="ctr"/>
+            <a:endParaRPr lang="en-US" dirty="0" smtClean="0"/>
+          </a:p>
+          <a:p>
+            <a:pPr algn="ctr"/>
+            <a:endParaRPr lang="en-US" dirty="0"/>
+          </a:p>
+          <a:p>
+            <a:pPr algn="ctr"/>
+            <a:endParaRPr lang="en-US" dirty="0" smtClean="0"/>
+          </a:p>
+          <a:p>
+            <a:pPr algn="ctr"/>
+            <a:endParaRPr lang="en-US" dirty="0"/>
+          </a:p>
+        </p:txBody>
+      </p:sp>
+      <p:sp>
+        <p:nvSpPr>
+          <p:cNvPr id="8" name="Freeform 7"/>
+          <p:cNvSpPr/>
+          <p:nvPr/>
+        </p:nvSpPr>
+        <p:spPr>
+          <a:xfrm>
+            <a:off x="7625098" y="2286000"/>
+            <a:ext cx="1345568" cy="1624016"/>
+          </a:xfrm>
+          <a:custGeom>
+            <a:avLst/>
+            <a:gdLst>
+              <a:gd name="connsiteX0" fmla="*/ 672784 w 1345568"/>
+              <a:gd name="connsiteY0" fmla="*/ 0 h 1624016"/>
+              <a:gd name="connsiteX1" fmla="*/ 1133493 w 1345568"/>
+              <a:gd name="connsiteY1" fmla="*/ 46443 h 1624016"/>
+              <a:gd name="connsiteX2" fmla="*/ 1345568 w 1345568"/>
+              <a:gd name="connsiteY2" fmla="*/ 100974 h 1624016"/>
+              <a:gd name="connsiteX3" fmla="*/ 1338864 w 1345568"/>
+              <a:gd name="connsiteY3" fmla="*/ 233730 h 1624016"/>
+              <a:gd name="connsiteX4" fmla="*/ 681112 w 1345568"/>
+              <a:gd name="connsiteY4" fmla="*/ 1616446 h 1624016"/>
+              <a:gd name="connsiteX5" fmla="*/ 672784 w 1345568"/>
+              <a:gd name="connsiteY5" fmla="*/ 1624016 h 1624016"/>
+              <a:gd name="connsiteX6" fmla="*/ 664455 w 1345568"/>
+              <a:gd name="connsiteY6" fmla="*/ 1616446 h 1624016"/>
+              <a:gd name="connsiteX7" fmla="*/ 6703 w 1345568"/>
+              <a:gd name="connsiteY7" fmla="*/ 233730 h 1624016"/>
+              <a:gd name="connsiteX8" fmla="*/ 0 w 1345568"/>
+              <a:gd name="connsiteY8" fmla="*/ 100974 h 1624016"/>
+              <a:gd name="connsiteX9" fmla="*/ 212075 w 1345568"/>
+              <a:gd name="connsiteY9" fmla="*/ 46443 h 1624016"/>
+              <a:gd name="connsiteX10" fmla="*/ 672784 w 1345568"/>
+              <a:gd name="connsiteY10" fmla="*/ 0 h 1624016"/>
+            </a:gdLst>
+            <a:ahLst/>
+            <a:cxnLst>
+              <a:cxn ang="0">
+                <a:pos x="connsiteX0" y="connsiteY0"/>
+              </a:cxn>
+              <a:cxn ang="0">
+                <a:pos x="connsiteX1" y="connsiteY1"/>
+              </a:cxn>
+              <a:cxn ang="0">
+                <a:pos x="connsiteX2" y="connsiteY2"/>
+              </a:cxn>
+              <a:cxn ang="0">
+                <a:pos x="connsiteX3" y="connsiteY3"/>
+              </a:cxn>
+              <a:cxn ang="0">
+                <a:pos x="connsiteX4" y="connsiteY4"/>
+              </a:cxn>
+              <a:cxn ang="0">
+                <a:pos x="connsiteX5" y="connsiteY5"/>
+              </a:cxn>
+              <a:cxn ang="0">
+                <a:pos x="connsiteX6" y="connsiteY6"/>
+              </a:cxn>
+              <a:cxn ang="0">
+                <a:pos x="connsiteX7" y="connsiteY7"/>
+              </a:cxn>
+              <a:cxn ang="0">
+                <a:pos x="connsiteX8" y="connsiteY8"/>
+              </a:cxn>
+              <a:cxn ang="0">
+                <a:pos x="connsiteX9" y="connsiteY9"/>
+              </a:cxn>
+              <a:cxn ang="0">
+                <a:pos x="connsiteX10" y="connsiteY10"/>
+              </a:cxn>
+            </a:cxnLst>
+            <a:rect l="l" t="t" r="r" b="b"/>
+            <a:pathLst>
+              <a:path w="1345568" h="1624016">
+                <a:moveTo>
+                  <a:pt x="672784" y="0"/>
+                </a:moveTo>
+                <a:cubicBezTo>
+                  <a:pt x="830600" y="0"/>
+                  <a:pt x="984680" y="15992"/>
+                  <a:pt x="1133493" y="46443"/>
+                </a:cubicBezTo>
+                <a:lnTo>
+                  <a:pt x="1345568" y="100974"/>
+                </a:lnTo>
+                <a:lnTo>
+                  <a:pt x="1338864" y="233730"/>
+                </a:lnTo>
+                <a:cubicBezTo>
+                  <a:pt x="1284233" y="771671"/>
+                  <a:pt x="1043086" y="1254472"/>
+                  <a:pt x="681112" y="1616446"/>
+                </a:cubicBezTo>
+                <a:lnTo>
+                  <a:pt x="672784" y="1624016"/>
+                </a:lnTo>
+                <a:lnTo>
+                  <a:pt x="664455" y="1616446"/>
+                </a:lnTo>
+                <a:cubicBezTo>
+                  <a:pt x="302481" y="1254472"/>
+                  <a:pt x="61334" y="771671"/>
+                  <a:pt x="6703" y="233730"/>
+                </a:cubicBezTo>
+                <a:lnTo>
+                  <a:pt x="0" y="100974"/>
+                </a:lnTo>
+                <a:lnTo>
+                  <a:pt x="212075" y="46443"/>
+                </a:lnTo>
+                <a:cubicBezTo>
+                  <a:pt x="360889" y="15992"/>
+                  <a:pt x="514969" y="0"/>
+                  <a:pt x="672784" y="0"/>
+                </a:cubicBezTo>
+                <a:close/>
+              </a:path>
+            </a:pathLst>
+          </a:custGeom>
+          <a:solidFill>
+            <a:schemeClr val="accent4">
+              <a:alpha val="40000"/>
+            </a:schemeClr>
+          </a:solidFill>
+          <a:ln>
+            <a:noFill/>
+          </a:ln>
+        </p:spPr>
+        <p:style>
+          <a:lnRef idx="2">
+            <a:schemeClr val="accent1">
+              <a:shade val="50000"/>
+            </a:schemeClr>
+          </a:lnRef>
+          <a:fillRef idx="1">
+            <a:schemeClr val="accent1"/>
+          </a:fillRef>
+          <a:effectRef idx="0">
+            <a:schemeClr val="accent1"/>
+          </a:effectRef>
+          <a:fontRef idx="minor">
+            <a:schemeClr val="lt1"/>
+          </a:fontRef>
+        </p:style>
+        <p:txBody>
+          <a:bodyPr rtlCol="0" anchor="ctr"/>
+          <a:lstStyle/>
+          <a:p>
+            <a:pPr algn="ctr"/>
+            <a:r>
+              <a:rPr lang="en-US" sz="2000" b="1" dirty="0" smtClean="0">
+                <a:solidFill>
+                  <a:schemeClr val="tx1"/>
+                </a:solidFill>
+              </a:rPr>
+              <a:t>Data</a:t>
+            </a:r>
+          </a:p>
+          <a:p>
+            <a:pPr algn="ctr"/>
+            <a:r>
+              <a:rPr lang="en-US" sz="2000" b="1" dirty="0" smtClean="0">
+                <a:solidFill>
+                  <a:schemeClr val="tx1"/>
+                </a:solidFill>
+              </a:rPr>
+              <a:t>Scientist</a:t>
+            </a:r>
+          </a:p>
+          <a:p>
+            <a:pPr algn="ctr"/>
+            <a:endParaRPr lang="en-US" dirty="0"/>
+          </a:p>
+          <a:p>
+            <a:pPr algn="ctr"/>
+            <a:endParaRPr lang="en-US" dirty="0"/>
+          </a:p>
+        </p:txBody>
+      </p:sp>
+      <p:sp>
+        <p:nvSpPr>
+          <p:cNvPr id="7" name="Freeform 6"/>
+          <p:cNvSpPr/>
+          <p:nvPr/>
+        </p:nvSpPr>
+        <p:spPr>
+          <a:xfrm>
+            <a:off x="6011882" y="3910016"/>
+            <a:ext cx="4572000" cy="2947984"/>
+          </a:xfrm>
+          <a:custGeom>
+            <a:avLst/>
+            <a:gdLst>
+              <a:gd name="connsiteX0" fmla="*/ 2286000 w 4572000"/>
+              <a:gd name="connsiteY0" fmla="*/ 0 h 2947984"/>
+              <a:gd name="connsiteX1" fmla="*/ 2440009 w 4572000"/>
+              <a:gd name="connsiteY1" fmla="*/ 139973 h 2947984"/>
+              <a:gd name="connsiteX2" fmla="*/ 3894117 w 4572000"/>
+              <a:gd name="connsiteY2" fmla="*/ 661984 h 2947984"/>
+              <a:gd name="connsiteX3" fmla="*/ 4354826 w 4572000"/>
+              <a:gd name="connsiteY3" fmla="*/ 615541 h 2947984"/>
+              <a:gd name="connsiteX4" fmla="*/ 4566902 w 4572000"/>
+              <a:gd name="connsiteY4" fmla="*/ 561011 h 2947984"/>
+              <a:gd name="connsiteX5" fmla="*/ 4572000 w 4572000"/>
+              <a:gd name="connsiteY5" fmla="*/ 661984 h 2947984"/>
+              <a:gd name="connsiteX6" fmla="*/ 2286000 w 4572000"/>
+              <a:gd name="connsiteY6" fmla="*/ 2947984 h 2947984"/>
+              <a:gd name="connsiteX7" fmla="*/ 0 w 4572000"/>
+              <a:gd name="connsiteY7" fmla="*/ 661984 h 2947984"/>
+              <a:gd name="connsiteX8" fmla="*/ 5099 w 4572000"/>
+              <a:gd name="connsiteY8" fmla="*/ 561011 h 2947984"/>
+              <a:gd name="connsiteX9" fmla="*/ 217173 w 4572000"/>
+              <a:gd name="connsiteY9" fmla="*/ 615541 h 2947984"/>
+              <a:gd name="connsiteX10" fmla="*/ 677882 w 4572000"/>
+              <a:gd name="connsiteY10" fmla="*/ 661984 h 2947984"/>
+              <a:gd name="connsiteX11" fmla="*/ 2131990 w 4572000"/>
+              <a:gd name="connsiteY11" fmla="*/ 139973 h 2947984"/>
+              <a:gd name="connsiteX12" fmla="*/ 2286000 w 4572000"/>
+              <a:gd name="connsiteY12" fmla="*/ 0 h 2947984"/>
+            </a:gdLst>
+            <a:ahLst/>
+            <a:cxnLst>
+              <a:cxn ang="0">
+                <a:pos x="connsiteX0" y="connsiteY0"/>
+              </a:cxn>
+              <a:cxn ang="0">
+                <a:pos x="connsiteX1" y="connsiteY1"/>
+              </a:cxn>
+              <a:cxn ang="0">
+                <a:pos x="connsiteX2" y="connsiteY2"/>
+              </a:cxn>
+              <a:cxn ang="0">
+                <a:pos x="connsiteX3" y="connsiteY3"/>
+              </a:cxn>
+              <a:cxn ang="0">
+                <a:pos x="connsiteX4" y="connsiteY4"/>
+              </a:cxn>
+              <a:cxn ang="0">
+                <a:pos x="connsiteX5" y="connsiteY5"/>
+              </a:cxn>
+              <a:cxn ang="0">
+                <a:pos x="connsiteX6" y="connsiteY6"/>
+              </a:cxn>
+              <a:cxn ang="0">
+                <a:pos x="connsiteX7" y="connsiteY7"/>
+              </a:cxn>
+              <a:cxn ang="0">
+                <a:pos x="connsiteX8" y="connsiteY8"/>
+              </a:cxn>
+              <a:cxn ang="0">
+                <a:pos x="connsiteX9" y="connsiteY9"/>
+              </a:cxn>
+              <a:cxn ang="0">
+                <a:pos x="connsiteX10" y="connsiteY10"/>
+              </a:cxn>
+              <a:cxn ang="0">
+                <a:pos x="connsiteX11" y="connsiteY11"/>
+              </a:cxn>
+              <a:cxn ang="0">
+                <a:pos x="connsiteX12" y="connsiteY12"/>
+              </a:cxn>
+            </a:cxnLst>
+            <a:rect l="l" t="t" r="r" b="b"/>
+            <a:pathLst>
+              <a:path w="4572000" h="2947984">
+                <a:moveTo>
+                  <a:pt x="2286000" y="0"/>
+                </a:moveTo>
+                <a:lnTo>
+                  <a:pt x="2440009" y="139973"/>
+                </a:lnTo>
+                <a:cubicBezTo>
+                  <a:pt x="2835165" y="466084"/>
+                  <a:pt x="3341763" y="661984"/>
+                  <a:pt x="3894117" y="661984"/>
+                </a:cubicBezTo>
+                <a:cubicBezTo>
+                  <a:pt x="4051933" y="661984"/>
+                  <a:pt x="4206013" y="645992"/>
+                  <a:pt x="4354826" y="615541"/>
+                </a:cubicBezTo>
+                <a:lnTo>
+                  <a:pt x="4566902" y="561011"/>
+                </a:lnTo>
+                <a:lnTo>
+                  <a:pt x="4572000" y="661984"/>
+                </a:lnTo>
+                <a:cubicBezTo>
+                  <a:pt x="4572000" y="1924507"/>
+                  <a:pt x="3548523" y="2947984"/>
+                  <a:pt x="2286000" y="2947984"/>
+                </a:cubicBezTo>
+                <a:cubicBezTo>
+                  <a:pt x="1023477" y="2947984"/>
+                  <a:pt x="0" y="1924507"/>
+                  <a:pt x="0" y="661984"/>
+                </a:cubicBezTo>
+                <a:lnTo>
+                  <a:pt x="5099" y="561011"/>
+                </a:lnTo>
+                <a:lnTo>
+                  <a:pt x="217173" y="615541"/>
+                </a:lnTo>
+                <a:cubicBezTo>
+                  <a:pt x="365986" y="645992"/>
+                  <a:pt x="520067" y="661984"/>
+                  <a:pt x="677882" y="661984"/>
+                </a:cubicBezTo>
+                <a:cubicBezTo>
+                  <a:pt x="1230236" y="661984"/>
+                  <a:pt x="1736835" y="466084"/>
+                  <a:pt x="2131990" y="139973"/>
+                </a:cubicBezTo>
+                <a:lnTo>
+                  <a:pt x="2286000" y="0"/>
+                </a:lnTo>
+                <a:close/>
+              </a:path>
+            </a:pathLst>
+          </a:custGeom>
+          <a:solidFill>
+            <a:srgbClr val="7030A0">
+              <a:alpha val="40000"/>
+            </a:srgbClr>
+          </a:solidFill>
+          <a:ln>
+            <a:noFill/>
+          </a:ln>
+        </p:spPr>
+        <p:style>
+          <a:lnRef idx="2">
+            <a:schemeClr val="accent1">
+              <a:shade val="50000"/>
+            </a:schemeClr>
+          </a:lnRef>
+          <a:fillRef idx="1">
+            <a:schemeClr val="accent1"/>
+          </a:fillRef>
+          <a:effectRef idx="0">
+            <a:schemeClr val="accent1"/>
+          </a:effectRef>
+          <a:fontRef idx="minor">
+            <a:schemeClr val="lt1"/>
+          </a:fontRef>
+        </p:style>
+        <p:txBody>
+          <a:bodyPr rtlCol="0" anchor="ctr"/>
+          <a:lstStyle/>
+          <a:p>
+            <a:pPr algn="ctr"/>
+            <a:r>
               <a:rPr lang="en-US" sz="2400" dirty="0" smtClean="0">
                 <a:solidFill>
                   <a:schemeClr val="tx1"/>
@@ -6039,7 +9149,7 @@
 </p:sld>
 </file>
 
-<file path=ppt/slides/slide13.xml><?xml version="1.0" encoding="utf-8"?>
+<file path=ppt/slides/slide16.xml><?xml version="1.0" encoding="utf-8"?>
 <p:sld xmlns:a="http://schemas.openxmlformats.org/drawingml/2006/main" xmlns:r="http://schemas.openxmlformats.org/officeDocument/2006/relationships" xmlns:p="http://schemas.openxmlformats.org/presentationml/2006/main">
   <p:cSld>
     <p:spTree>
@@ -6180,7 +9290,7 @@
               <a:buChar char="•"/>
             </a:pPr>
             <a:r>
-              <a:rPr lang="en-US" smtClean="0"/>
+              <a:rPr lang="en-US" dirty="0" smtClean="0"/>
               <a:t>Data Researchers</a:t>
             </a:r>
             <a:endParaRPr lang="en-US" dirty="0"/>
@@ -6200,7 +9310,7 @@
 </p:sld>
 </file>
 
-<file path=ppt/slides/slide14.xml><?xml version="1.0" encoding="utf-8"?>
+<file path=ppt/slides/slide17.xml><?xml version="1.0" encoding="utf-8"?>
 <p:sld xmlns:a="http://schemas.openxmlformats.org/drawingml/2006/main" xmlns:r="http://schemas.openxmlformats.org/officeDocument/2006/relationships" xmlns:p="http://schemas.openxmlformats.org/presentationml/2006/main">
   <p:cSld>
     <p:spTree>
@@ -6272,7 +9382,7 @@
 </p:sld>
 </file>
 
-<file path=ppt/slides/slide15.xml><?xml version="1.0" encoding="utf-8"?>
+<file path=ppt/slides/slide18.xml><?xml version="1.0" encoding="utf-8"?>
 <p:sld xmlns:a="http://schemas.openxmlformats.org/drawingml/2006/main" xmlns:r="http://schemas.openxmlformats.org/officeDocument/2006/relationships" xmlns:p="http://schemas.openxmlformats.org/presentationml/2006/main">
   <p:cSld>
     <p:spTree>
@@ -6496,7 +9606,7 @@
 </p:sld>
 </file>
 
-<file path=ppt/slides/slide16.xml><?xml version="1.0" encoding="utf-8"?>
+<file path=ppt/slides/slide19.xml><?xml version="1.0" encoding="utf-8"?>
 <p:sld xmlns:a="http://schemas.openxmlformats.org/drawingml/2006/main" xmlns:r="http://schemas.openxmlformats.org/officeDocument/2006/relationships" xmlns:p="http://schemas.openxmlformats.org/presentationml/2006/main">
   <p:cSld>
     <p:spTree>
@@ -6619,6 +9729,629 @@
 </file>
 
 <file path=ppt/slides/slide2.xml><?xml version="1.0" encoding="utf-8"?>
+<p:sld xmlns:a="http://schemas.openxmlformats.org/drawingml/2006/main" xmlns:r="http://schemas.openxmlformats.org/officeDocument/2006/relationships" xmlns:p="http://schemas.openxmlformats.org/presentationml/2006/main">
+  <p:cSld>
+    <p:spTree>
+      <p:nvGrpSpPr>
+        <p:cNvPr id="1" name=""/>
+        <p:cNvGrpSpPr/>
+        <p:nvPr/>
+      </p:nvGrpSpPr>
+      <p:grpSpPr>
+        <a:xfrm>
+          <a:off x="0" y="0"/>
+          <a:ext cx="0" cy="0"/>
+          <a:chOff x="0" y="0"/>
+          <a:chExt cx="0" cy="0"/>
+        </a:xfrm>
+      </p:grpSpPr>
+      <p:sp>
+        <p:nvSpPr>
+          <p:cNvPr id="2" name="Title 1"/>
+          <p:cNvSpPr>
+            <a:spLocks noGrp="1"/>
+          </p:cNvSpPr>
+          <p:nvPr>
+            <p:ph type="title"/>
+          </p:nvPr>
+        </p:nvSpPr>
+        <p:spPr/>
+        <p:txBody>
+          <a:bodyPr/>
+          <a:lstStyle/>
+          <a:p>
+            <a:r>
+              <a:rPr lang="en-US" smtClean="0"/>
+              <a:t>About Me</a:t>
+            </a:r>
+            <a:endParaRPr lang="en-US"/>
+          </a:p>
+        </p:txBody>
+      </p:sp>
+      <p:graphicFrame>
+        <p:nvGraphicFramePr>
+          <p:cNvPr id="4" name="Content Placeholder 3"/>
+          <p:cNvGraphicFramePr>
+            <a:graphicFrameLocks noGrp="1"/>
+          </p:cNvGraphicFramePr>
+          <p:nvPr>
+            <p:ph idx="1"/>
+            <p:extLst>
+              <p:ext uri="{D42A27DB-BD31-4B8C-83A1-F6EECF244321}">
+                <p14:modId xmlns:p14="http://schemas.microsoft.com/office/powerpoint/2010/main" val="1245772648"/>
+              </p:ext>
+            </p:extLst>
+          </p:nvPr>
+        </p:nvGraphicFramePr>
+        <p:xfrm>
+          <a:off x="838200" y="1825625"/>
+          <a:ext cx="10515600" cy="4389120"/>
+        </p:xfrm>
+        <a:graphic>
+          <a:graphicData uri="http://schemas.openxmlformats.org/drawingml/2006/table">
+            <a:tbl>
+              <a:tblPr firstRow="1" bandRow="1">
+                <a:tableStyleId>{5940675A-B579-460E-94D1-54222C63F5DA}</a:tableStyleId>
+              </a:tblPr>
+              <a:tblGrid>
+                <a:gridCol w="1158766">
+                  <a:extLst>
+                    <a:ext uri="{9D8B030D-6E8A-4147-A177-3AD203B41FA5}">
+                      <a16:colId xmlns:a16="http://schemas.microsoft.com/office/drawing/2014/main" val="3656039042"/>
+                    </a:ext>
+                  </a:extLst>
+                </a:gridCol>
+                <a:gridCol w="9356834">
+                  <a:extLst>
+                    <a:ext uri="{9D8B030D-6E8A-4147-A177-3AD203B41FA5}">
+                      <a16:colId xmlns:a16="http://schemas.microsoft.com/office/drawing/2014/main" val="3589188304"/>
+                    </a:ext>
+                  </a:extLst>
+                </a:gridCol>
+              </a:tblGrid>
+              <a:tr h="370840">
+                <a:tc>
+                  <a:txBody>
+                    <a:bodyPr/>
+                    <a:lstStyle/>
+                    <a:p>
+                      <a:endParaRPr lang="en-US" sz="6600"/>
+                    </a:p>
+                  </a:txBody>
+                  <a:tcPr>
+                    <a:lnL w="12700" cmpd="sng">
+                      <a:noFill/>
+                    </a:lnL>
+                    <a:lnR w="12700" cmpd="sng">
+                      <a:noFill/>
+                    </a:lnR>
+                    <a:lnT w="12700" cmpd="sng">
+                      <a:noFill/>
+                    </a:lnT>
+                    <a:lnB w="12700" cmpd="sng">
+                      <a:noFill/>
+                    </a:lnB>
+                    <a:lnTlToBr w="12700" cmpd="sng">
+                      <a:noFill/>
+                      <a:prstDash val="solid"/>
+                    </a:lnTlToBr>
+                    <a:lnBlToTr w="12700" cmpd="sng">
+                      <a:noFill/>
+                      <a:prstDash val="solid"/>
+                    </a:lnBlToTr>
+                  </a:tcPr>
+                </a:tc>
+                <a:tc>
+                  <a:txBody>
+                    <a:bodyPr/>
+                    <a:lstStyle/>
+                    <a:p>
+                      <a:r>
+                        <a:rPr lang="en-US" sz="2400" dirty="0" smtClean="0"/>
+                        <a:t>2004 – BS</a:t>
+                      </a:r>
+                      <a:r>
+                        <a:rPr lang="en-US" sz="2400" baseline="0" dirty="0" smtClean="0"/>
+                        <a:t> </a:t>
+                      </a:r>
+                      <a:r>
+                        <a:rPr lang="en-US" sz="2400" baseline="0" dirty="0" smtClean="0"/>
+                        <a:t>Mathematics, </a:t>
+                      </a:r>
+                      <a:r>
+                        <a:rPr lang="en-US" sz="2400" baseline="0" dirty="0" smtClean="0"/>
+                        <a:t>BS Computer Science</a:t>
+                      </a:r>
+                      <a:endParaRPr lang="en-US" sz="2400" dirty="0"/>
+                    </a:p>
+                  </a:txBody>
+                  <a:tcPr anchor="ctr">
+                    <a:lnL w="12700" cmpd="sng">
+                      <a:noFill/>
+                    </a:lnL>
+                    <a:lnR w="12700" cmpd="sng">
+                      <a:noFill/>
+                    </a:lnR>
+                    <a:lnT w="12700" cmpd="sng">
+                      <a:noFill/>
+                    </a:lnT>
+                    <a:lnB w="12700" cmpd="sng">
+                      <a:noFill/>
+                    </a:lnB>
+                    <a:lnTlToBr w="12700" cmpd="sng">
+                      <a:noFill/>
+                      <a:prstDash val="solid"/>
+                    </a:lnTlToBr>
+                    <a:lnBlToTr w="12700" cmpd="sng">
+                      <a:noFill/>
+                      <a:prstDash val="solid"/>
+                    </a:lnBlToTr>
+                  </a:tcPr>
+                </a:tc>
+                <a:extLst>
+                  <a:ext uri="{0D108BD9-81ED-4DB2-BD59-A6C34878D82A}">
+                    <a16:rowId xmlns:a16="http://schemas.microsoft.com/office/drawing/2014/main" val="2473556566"/>
+                  </a:ext>
+                </a:extLst>
+              </a:tr>
+              <a:tr h="370840">
+                <a:tc>
+                  <a:txBody>
+                    <a:bodyPr/>
+                    <a:lstStyle/>
+                    <a:p>
+                      <a:endParaRPr lang="en-US" sz="6600"/>
+                    </a:p>
+                  </a:txBody>
+                  <a:tcPr>
+                    <a:lnL w="12700" cmpd="sng">
+                      <a:noFill/>
+                    </a:lnL>
+                    <a:lnR w="12700" cmpd="sng">
+                      <a:noFill/>
+                    </a:lnR>
+                    <a:lnT w="12700" cmpd="sng">
+                      <a:noFill/>
+                    </a:lnT>
+                    <a:lnB w="12700" cmpd="sng">
+                      <a:noFill/>
+                    </a:lnB>
+                    <a:lnTlToBr w="12700" cmpd="sng">
+                      <a:noFill/>
+                      <a:prstDash val="solid"/>
+                    </a:lnTlToBr>
+                    <a:lnBlToTr w="12700" cmpd="sng">
+                      <a:noFill/>
+                      <a:prstDash val="solid"/>
+                    </a:lnBlToTr>
+                  </a:tcPr>
+                </a:tc>
+                <a:tc>
+                  <a:txBody>
+                    <a:bodyPr/>
+                    <a:lstStyle/>
+                    <a:p>
+                      <a:r>
+                        <a:rPr lang="en-US" sz="2400" dirty="0" smtClean="0"/>
+                        <a:t>2009 – PhD </a:t>
+                      </a:r>
+                      <a:r>
+                        <a:rPr lang="en-US" sz="2400" dirty="0" smtClean="0"/>
+                        <a:t>Mathematics</a:t>
+                      </a:r>
+                      <a:endParaRPr lang="en-US" sz="2400" dirty="0"/>
+                    </a:p>
+                  </a:txBody>
+                  <a:tcPr anchor="ctr">
+                    <a:lnL w="12700" cmpd="sng">
+                      <a:noFill/>
+                    </a:lnL>
+                    <a:lnR w="12700" cmpd="sng">
+                      <a:noFill/>
+                    </a:lnR>
+                    <a:lnT w="12700" cmpd="sng">
+                      <a:noFill/>
+                    </a:lnT>
+                    <a:lnB w="12700" cmpd="sng">
+                      <a:noFill/>
+                    </a:lnB>
+                    <a:lnTlToBr w="12700" cmpd="sng">
+                      <a:noFill/>
+                      <a:prstDash val="solid"/>
+                    </a:lnTlToBr>
+                    <a:lnBlToTr w="12700" cmpd="sng">
+                      <a:noFill/>
+                      <a:prstDash val="solid"/>
+                    </a:lnBlToTr>
+                  </a:tcPr>
+                </a:tc>
+                <a:extLst>
+                  <a:ext uri="{0D108BD9-81ED-4DB2-BD59-A6C34878D82A}">
+                    <a16:rowId xmlns:a16="http://schemas.microsoft.com/office/drawing/2014/main" val="1876386876"/>
+                  </a:ext>
+                </a:extLst>
+              </a:tr>
+              <a:tr h="370840">
+                <a:tc>
+                  <a:txBody>
+                    <a:bodyPr/>
+                    <a:lstStyle/>
+                    <a:p>
+                      <a:endParaRPr lang="en-US" sz="6600"/>
+                    </a:p>
+                  </a:txBody>
+                  <a:tcPr>
+                    <a:lnL w="12700" cmpd="sng">
+                      <a:noFill/>
+                    </a:lnL>
+                    <a:lnR w="12700" cmpd="sng">
+                      <a:noFill/>
+                    </a:lnR>
+                    <a:lnT w="12700" cmpd="sng">
+                      <a:noFill/>
+                    </a:lnT>
+                    <a:lnB w="12700" cmpd="sng">
+                      <a:noFill/>
+                    </a:lnB>
+                    <a:lnTlToBr w="12700" cmpd="sng">
+                      <a:noFill/>
+                      <a:prstDash val="solid"/>
+                    </a:lnTlToBr>
+                    <a:lnBlToTr w="12700" cmpd="sng">
+                      <a:noFill/>
+                      <a:prstDash val="solid"/>
+                    </a:lnBlToTr>
+                  </a:tcPr>
+                </a:tc>
+                <a:tc>
+                  <a:txBody>
+                    <a:bodyPr/>
+                    <a:lstStyle/>
+                    <a:p>
+                      <a:r>
+                        <a:rPr lang="en-US" sz="2400" smtClean="0"/>
+                        <a:t>2010 – Applied Researcher, Supply Chain Research</a:t>
+                      </a:r>
+                      <a:endParaRPr lang="en-US" sz="2400"/>
+                    </a:p>
+                  </a:txBody>
+                  <a:tcPr anchor="ctr">
+                    <a:lnL w="12700" cmpd="sng">
+                      <a:noFill/>
+                    </a:lnL>
+                    <a:lnR w="12700" cmpd="sng">
+                      <a:noFill/>
+                    </a:lnR>
+                    <a:lnT w="12700" cmpd="sng">
+                      <a:noFill/>
+                    </a:lnT>
+                    <a:lnB w="12700" cmpd="sng">
+                      <a:noFill/>
+                    </a:lnB>
+                    <a:lnTlToBr w="12700" cmpd="sng">
+                      <a:noFill/>
+                      <a:prstDash val="solid"/>
+                    </a:lnTlToBr>
+                    <a:lnBlToTr w="12700" cmpd="sng">
+                      <a:noFill/>
+                      <a:prstDash val="solid"/>
+                    </a:lnBlToTr>
+                  </a:tcPr>
+                </a:tc>
+                <a:extLst>
+                  <a:ext uri="{0D108BD9-81ED-4DB2-BD59-A6C34878D82A}">
+                    <a16:rowId xmlns:a16="http://schemas.microsoft.com/office/drawing/2014/main" val="805162749"/>
+                  </a:ext>
+                </a:extLst>
+              </a:tr>
+              <a:tr h="370840">
+                <a:tc>
+                  <a:txBody>
+                    <a:bodyPr/>
+                    <a:lstStyle/>
+                    <a:p>
+                      <a:endParaRPr lang="en-US" sz="6600"/>
+                    </a:p>
+                  </a:txBody>
+                  <a:tcPr>
+                    <a:lnL w="12700" cmpd="sng">
+                      <a:noFill/>
+                    </a:lnL>
+                    <a:lnR w="12700" cmpd="sng">
+                      <a:noFill/>
+                    </a:lnR>
+                    <a:lnT w="12700" cmpd="sng">
+                      <a:noFill/>
+                    </a:lnT>
+                    <a:lnB w="12700" cmpd="sng">
+                      <a:noFill/>
+                    </a:lnB>
+                    <a:lnTlToBr w="12700" cmpd="sng">
+                      <a:noFill/>
+                      <a:prstDash val="solid"/>
+                    </a:lnTlToBr>
+                    <a:lnBlToTr w="12700" cmpd="sng">
+                      <a:noFill/>
+                      <a:prstDash val="solid"/>
+                    </a:lnBlToTr>
+                  </a:tcPr>
+                </a:tc>
+                <a:tc>
+                  <a:txBody>
+                    <a:bodyPr/>
+                    <a:lstStyle/>
+                    <a:p>
+                      <a:r>
+                        <a:rPr lang="en-US" sz="2400" dirty="0" smtClean="0"/>
+                        <a:t>2012 – </a:t>
+                      </a:r>
+                      <a:r>
+                        <a:rPr lang="en-US" sz="2400" dirty="0" smtClean="0"/>
+                        <a:t>Principal Data</a:t>
+                      </a:r>
+                      <a:r>
+                        <a:rPr lang="en-US" sz="2400" baseline="0" dirty="0" smtClean="0"/>
+                        <a:t> </a:t>
+                      </a:r>
+                      <a:r>
+                        <a:rPr lang="en-US" sz="2400" baseline="0" dirty="0" smtClean="0"/>
+                        <a:t>Scientist, Analysis and Experimentation</a:t>
+                      </a:r>
+                      <a:endParaRPr lang="en-US" sz="2400" dirty="0"/>
+                    </a:p>
+                  </a:txBody>
+                  <a:tcPr anchor="ctr">
+                    <a:lnL w="12700" cmpd="sng">
+                      <a:noFill/>
+                    </a:lnL>
+                    <a:lnR w="12700" cmpd="sng">
+                      <a:noFill/>
+                    </a:lnR>
+                    <a:lnT w="12700" cmpd="sng">
+                      <a:noFill/>
+                    </a:lnT>
+                    <a:lnB w="12700" cmpd="sng">
+                      <a:noFill/>
+                    </a:lnB>
+                    <a:lnTlToBr w="12700" cmpd="sng">
+                      <a:noFill/>
+                      <a:prstDash val="solid"/>
+                    </a:lnTlToBr>
+                    <a:lnBlToTr w="12700" cmpd="sng">
+                      <a:noFill/>
+                      <a:prstDash val="solid"/>
+                    </a:lnBlToTr>
+                  </a:tcPr>
+                </a:tc>
+                <a:extLst>
+                  <a:ext uri="{0D108BD9-81ED-4DB2-BD59-A6C34878D82A}">
+                    <a16:rowId xmlns:a16="http://schemas.microsoft.com/office/drawing/2014/main" val="436027610"/>
+                  </a:ext>
+                </a:extLst>
+              </a:tr>
+            </a:tbl>
+          </a:graphicData>
+        </a:graphic>
+      </p:graphicFrame>
+      <p:pic>
+        <p:nvPicPr>
+          <p:cNvPr id="5" name="Picture 4"/>
+          <p:cNvPicPr>
+            <a:picLocks noChangeAspect="1"/>
+          </p:cNvPicPr>
+          <p:nvPr/>
+        </p:nvPicPr>
+        <p:blipFill>
+          <a:blip r:embed="rId2"/>
+          <a:stretch>
+            <a:fillRect/>
+          </a:stretch>
+        </p:blipFill>
+        <p:spPr>
+          <a:xfrm>
+            <a:off x="993158" y="5298199"/>
+            <a:ext cx="743512" cy="724228"/>
+          </a:xfrm>
+          <a:prstGeom prst="rect">
+            <a:avLst/>
+          </a:prstGeom>
+        </p:spPr>
+      </p:pic>
+      <p:pic>
+        <p:nvPicPr>
+          <p:cNvPr id="6" name="Picture 5"/>
+          <p:cNvPicPr>
+            <a:picLocks noChangeAspect="1"/>
+          </p:cNvPicPr>
+          <p:nvPr/>
+        </p:nvPicPr>
+        <p:blipFill>
+          <a:blip r:embed="rId3"/>
+          <a:stretch>
+            <a:fillRect/>
+          </a:stretch>
+        </p:blipFill>
+        <p:spPr>
+          <a:xfrm>
+            <a:off x="858114" y="4156513"/>
+            <a:ext cx="1013599" cy="804370"/>
+          </a:xfrm>
+          <a:prstGeom prst="rect">
+            <a:avLst/>
+          </a:prstGeom>
+        </p:spPr>
+      </p:pic>
+      <p:pic>
+        <p:nvPicPr>
+          <p:cNvPr id="7" name="Picture 6"/>
+          <p:cNvPicPr>
+            <a:picLocks noChangeAspect="1"/>
+          </p:cNvPicPr>
+          <p:nvPr/>
+        </p:nvPicPr>
+        <p:blipFill>
+          <a:blip r:embed="rId4"/>
+          <a:stretch>
+            <a:fillRect/>
+          </a:stretch>
+        </p:blipFill>
+        <p:spPr>
+          <a:xfrm>
+            <a:off x="957040" y="3048164"/>
+            <a:ext cx="914673" cy="771033"/>
+          </a:xfrm>
+          <a:prstGeom prst="rect">
+            <a:avLst/>
+          </a:prstGeom>
+        </p:spPr>
+      </p:pic>
+      <p:pic>
+        <p:nvPicPr>
+          <p:cNvPr id="8" name="Picture 7"/>
+          <p:cNvPicPr>
+            <a:picLocks noChangeAspect="1"/>
+          </p:cNvPicPr>
+          <p:nvPr/>
+        </p:nvPicPr>
+        <p:blipFill>
+          <a:blip r:embed="rId5" cstate="print">
+            <a:extLst>
+              <a:ext uri="{28A0092B-C50C-407E-A947-70E740481C1C}">
+                <a14:useLocalDpi xmlns:a14="http://schemas.microsoft.com/office/drawing/2010/main" val="0"/>
+              </a:ext>
+            </a:extLst>
+          </a:blip>
+          <a:stretch>
+            <a:fillRect/>
+          </a:stretch>
+        </p:blipFill>
+        <p:spPr>
+          <a:xfrm>
+            <a:off x="987393" y="1890636"/>
+            <a:ext cx="853966" cy="853966"/>
+          </a:xfrm>
+          <a:prstGeom prst="rect">
+            <a:avLst/>
+          </a:prstGeom>
+        </p:spPr>
+      </p:pic>
+    </p:spTree>
+    <p:extLst>
+      <p:ext uri="{BB962C8B-B14F-4D97-AF65-F5344CB8AC3E}">
+        <p14:creationId xmlns:p14="http://schemas.microsoft.com/office/powerpoint/2010/main" val="4158669477"/>
+      </p:ext>
+    </p:extLst>
+  </p:cSld>
+  <p:clrMapOvr>
+    <a:masterClrMapping/>
+  </p:clrMapOvr>
+</p:sld>
+</file>
+
+<file path=ppt/slides/slide3.xml><?xml version="1.0" encoding="utf-8"?>
+<p:sld xmlns:a="http://schemas.openxmlformats.org/drawingml/2006/main" xmlns:r="http://schemas.openxmlformats.org/officeDocument/2006/relationships" xmlns:p="http://schemas.openxmlformats.org/presentationml/2006/main">
+  <p:cSld>
+    <p:spTree>
+      <p:nvGrpSpPr>
+        <p:cNvPr id="1" name=""/>
+        <p:cNvGrpSpPr/>
+        <p:nvPr/>
+      </p:nvGrpSpPr>
+      <p:grpSpPr>
+        <a:xfrm>
+          <a:off x="0" y="0"/>
+          <a:ext cx="0" cy="0"/>
+          <a:chOff x="0" y="0"/>
+          <a:chExt cx="0" cy="0"/>
+        </a:xfrm>
+      </p:grpSpPr>
+      <p:sp>
+        <p:nvSpPr>
+          <p:cNvPr id="2" name="Title 1"/>
+          <p:cNvSpPr>
+            <a:spLocks noGrp="1"/>
+          </p:cNvSpPr>
+          <p:nvPr>
+            <p:ph type="title"/>
+          </p:nvPr>
+        </p:nvSpPr>
+        <p:spPr/>
+        <p:txBody>
+          <a:bodyPr/>
+          <a:lstStyle/>
+          <a:p>
+            <a:r>
+              <a:rPr lang="en-US" dirty="0" smtClean="0"/>
+              <a:t>Our Team</a:t>
+            </a:r>
+            <a:endParaRPr lang="en-US" dirty="0"/>
+          </a:p>
+        </p:txBody>
+      </p:sp>
+      <p:sp>
+        <p:nvSpPr>
+          <p:cNvPr id="3" name="Content Placeholder 2"/>
+          <p:cNvSpPr>
+            <a:spLocks noGrp="1"/>
+          </p:cNvSpPr>
+          <p:nvPr>
+            <p:ph idx="1"/>
+          </p:nvPr>
+        </p:nvSpPr>
+        <p:spPr/>
+        <p:txBody>
+          <a:bodyPr/>
+          <a:lstStyle/>
+          <a:p>
+            <a:r>
+              <a:rPr lang="en-US" dirty="0" smtClean="0"/>
+              <a:t>Microsoft’s Analysis and Experimentation Team</a:t>
+            </a:r>
+          </a:p>
+          <a:p>
+            <a:endParaRPr lang="en-US" dirty="0"/>
+          </a:p>
+          <a:p>
+            <a:endParaRPr lang="en-US" dirty="0" smtClean="0"/>
+          </a:p>
+          <a:p>
+            <a:endParaRPr lang="en-US" dirty="0"/>
+          </a:p>
+          <a:p>
+            <a:endParaRPr lang="en-US" dirty="0" smtClean="0"/>
+          </a:p>
+          <a:p>
+            <a:endParaRPr lang="en-US" dirty="0"/>
+          </a:p>
+          <a:p>
+            <a:endParaRPr lang="en-US" dirty="0" smtClean="0"/>
+          </a:p>
+          <a:p>
+            <a:pPr marL="0" indent="0" algn="ctr">
+              <a:buNone/>
+            </a:pPr>
+            <a:r>
+              <a:rPr lang="en-US" i="1" dirty="0" smtClean="0"/>
+              <a:t>Accelerating innovation via trustworthy analysis and experimentation</a:t>
+            </a:r>
+            <a:endParaRPr lang="en-US" i="1" dirty="0"/>
+          </a:p>
+        </p:txBody>
+      </p:sp>
+    </p:spTree>
+    <p:extLst>
+      <p:ext uri="{BB962C8B-B14F-4D97-AF65-F5344CB8AC3E}">
+        <p14:creationId xmlns:p14="http://schemas.microsoft.com/office/powerpoint/2010/main" val="3053272649"/>
+      </p:ext>
+    </p:extLst>
+  </p:cSld>
+  <p:clrMapOvr>
+    <a:masterClrMapping/>
+  </p:clrMapOvr>
+</p:sld>
+</file>
+
+<file path=ppt/slides/slide4.xml><?xml version="1.0" encoding="utf-8"?>
 <p:sld xmlns:a="http://schemas.openxmlformats.org/drawingml/2006/main" xmlns:r="http://schemas.openxmlformats.org/officeDocument/2006/relationships" xmlns:p="http://schemas.openxmlformats.org/presentationml/2006/main">
   <p:cSld>
     <p:spTree>
@@ -6927,2987 +10660,6 @@
 </p:sld>
 </file>
 
-<file path=ppt/slides/slide3.xml><?xml version="1.0" encoding="utf-8"?>
-<p:sld xmlns:a="http://schemas.openxmlformats.org/drawingml/2006/main" xmlns:r="http://schemas.openxmlformats.org/officeDocument/2006/relationships" xmlns:p="http://schemas.openxmlformats.org/presentationml/2006/main">
-  <p:cSld>
-    <p:spTree>
-      <p:nvGrpSpPr>
-        <p:cNvPr id="1" name=""/>
-        <p:cNvGrpSpPr/>
-        <p:nvPr/>
-      </p:nvGrpSpPr>
-      <p:grpSpPr>
-        <a:xfrm>
-          <a:off x="0" y="0"/>
-          <a:ext cx="0" cy="0"/>
-          <a:chOff x="0" y="0"/>
-          <a:chExt cx="0" cy="0"/>
-        </a:xfrm>
-      </p:grpSpPr>
-      <p:sp>
-        <p:nvSpPr>
-          <p:cNvPr id="13" name="Freeform 12"/>
-          <p:cNvSpPr/>
-          <p:nvPr/>
-        </p:nvSpPr>
-        <p:spPr>
-          <a:xfrm>
-            <a:off x="7620000" y="661986"/>
-            <a:ext cx="1355765" cy="1724989"/>
-          </a:xfrm>
-          <a:custGeom>
-            <a:avLst/>
-            <a:gdLst>
-              <a:gd name="connsiteX0" fmla="*/ 677883 w 1355765"/>
-              <a:gd name="connsiteY0" fmla="*/ 0 h 1724989"/>
-              <a:gd name="connsiteX1" fmla="*/ 686211 w 1355765"/>
-              <a:gd name="connsiteY1" fmla="*/ 7569 h 1724989"/>
-              <a:gd name="connsiteX2" fmla="*/ 1355765 w 1355765"/>
-              <a:gd name="connsiteY2" fmla="*/ 1624015 h 1724989"/>
-              <a:gd name="connsiteX3" fmla="*/ 1350667 w 1355765"/>
-              <a:gd name="connsiteY3" fmla="*/ 1724989 h 1724989"/>
-              <a:gd name="connsiteX4" fmla="*/ 1138592 w 1355765"/>
-              <a:gd name="connsiteY4" fmla="*/ 1670458 h 1724989"/>
-              <a:gd name="connsiteX5" fmla="*/ 677883 w 1355765"/>
-              <a:gd name="connsiteY5" fmla="*/ 1624015 h 1724989"/>
-              <a:gd name="connsiteX6" fmla="*/ 217174 w 1355765"/>
-              <a:gd name="connsiteY6" fmla="*/ 1670458 h 1724989"/>
-              <a:gd name="connsiteX7" fmla="*/ 5099 w 1355765"/>
-              <a:gd name="connsiteY7" fmla="*/ 1724989 h 1724989"/>
-              <a:gd name="connsiteX8" fmla="*/ 0 w 1355765"/>
-              <a:gd name="connsiteY8" fmla="*/ 1624015 h 1724989"/>
-              <a:gd name="connsiteX9" fmla="*/ 669554 w 1355765"/>
-              <a:gd name="connsiteY9" fmla="*/ 7569 h 1724989"/>
-              <a:gd name="connsiteX10" fmla="*/ 677883 w 1355765"/>
-              <a:gd name="connsiteY10" fmla="*/ 0 h 1724989"/>
-            </a:gdLst>
-            <a:ahLst/>
-            <a:cxnLst>
-              <a:cxn ang="0">
-                <a:pos x="connsiteX0" y="connsiteY0"/>
-              </a:cxn>
-              <a:cxn ang="0">
-                <a:pos x="connsiteX1" y="connsiteY1"/>
-              </a:cxn>
-              <a:cxn ang="0">
-                <a:pos x="connsiteX2" y="connsiteY2"/>
-              </a:cxn>
-              <a:cxn ang="0">
-                <a:pos x="connsiteX3" y="connsiteY3"/>
-              </a:cxn>
-              <a:cxn ang="0">
-                <a:pos x="connsiteX4" y="connsiteY4"/>
-              </a:cxn>
-              <a:cxn ang="0">
-                <a:pos x="connsiteX5" y="connsiteY5"/>
-              </a:cxn>
-              <a:cxn ang="0">
-                <a:pos x="connsiteX6" y="connsiteY6"/>
-              </a:cxn>
-              <a:cxn ang="0">
-                <a:pos x="connsiteX7" y="connsiteY7"/>
-              </a:cxn>
-              <a:cxn ang="0">
-                <a:pos x="connsiteX8" y="connsiteY8"/>
-              </a:cxn>
-              <a:cxn ang="0">
-                <a:pos x="connsiteX9" y="connsiteY9"/>
-              </a:cxn>
-              <a:cxn ang="0">
-                <a:pos x="connsiteX10" y="connsiteY10"/>
-              </a:cxn>
-            </a:cxnLst>
-            <a:rect l="l" t="t" r="r" b="b"/>
-            <a:pathLst>
-              <a:path w="1355765" h="1724989">
-                <a:moveTo>
-                  <a:pt x="677883" y="0"/>
-                </a:moveTo>
-                <a:lnTo>
-                  <a:pt x="686211" y="7569"/>
-                </a:lnTo>
-                <a:cubicBezTo>
-                  <a:pt x="1099896" y="421253"/>
-                  <a:pt x="1355765" y="992753"/>
-                  <a:pt x="1355765" y="1624015"/>
-                </a:cubicBezTo>
-                <a:lnTo>
-                  <a:pt x="1350667" y="1724989"/>
-                </a:lnTo>
-                <a:lnTo>
-                  <a:pt x="1138592" y="1670458"/>
-                </a:lnTo>
-                <a:cubicBezTo>
-                  <a:pt x="989779" y="1640007"/>
-                  <a:pt x="835699" y="1624015"/>
-                  <a:pt x="677883" y="1624015"/>
-                </a:cubicBezTo>
-                <a:cubicBezTo>
-                  <a:pt x="520068" y="1624015"/>
-                  <a:pt x="365988" y="1640007"/>
-                  <a:pt x="217174" y="1670458"/>
-                </a:cubicBezTo>
-                <a:lnTo>
-                  <a:pt x="5099" y="1724989"/>
-                </a:lnTo>
-                <a:lnTo>
-                  <a:pt x="0" y="1624015"/>
-                </a:lnTo>
-                <a:cubicBezTo>
-                  <a:pt x="0" y="992753"/>
-                  <a:pt x="255869" y="421253"/>
-                  <a:pt x="669554" y="7569"/>
-                </a:cubicBezTo>
-                <a:lnTo>
-                  <a:pt x="677883" y="0"/>
-                </a:lnTo>
-                <a:close/>
-              </a:path>
-            </a:pathLst>
-          </a:custGeom>
-          <a:solidFill>
-            <a:schemeClr val="accent6">
-              <a:lumMod val="50000"/>
-              <a:alpha val="40000"/>
-            </a:schemeClr>
-          </a:solidFill>
-          <a:ln>
-            <a:noFill/>
-          </a:ln>
-        </p:spPr>
-        <p:style>
-          <a:lnRef idx="2">
-            <a:schemeClr val="accent1">
-              <a:shade val="50000"/>
-            </a:schemeClr>
-          </a:lnRef>
-          <a:fillRef idx="1">
-            <a:schemeClr val="accent1"/>
-          </a:fillRef>
-          <a:effectRef idx="0">
-            <a:schemeClr val="accent1"/>
-          </a:effectRef>
-          <a:fontRef idx="minor">
-            <a:schemeClr val="lt1"/>
-          </a:fontRef>
-        </p:style>
-        <p:txBody>
-          <a:bodyPr rtlCol="0" anchor="ctr"/>
-          <a:lstStyle/>
-          <a:p>
-            <a:pPr algn="ctr"/>
-            <a:endParaRPr lang="en-US" sz="1600" dirty="0" smtClean="0">
-              <a:solidFill>
-                <a:schemeClr val="tx1"/>
-              </a:solidFill>
-            </a:endParaRPr>
-          </a:p>
-          <a:p>
-            <a:pPr algn="ctr"/>
-            <a:r>
-              <a:rPr lang="en-US" sz="1600" dirty="0" smtClean="0">
-                <a:solidFill>
-                  <a:schemeClr val="tx1"/>
-                </a:solidFill>
-              </a:rPr>
-              <a:t>Machine</a:t>
-            </a:r>
-          </a:p>
-          <a:p>
-            <a:pPr algn="ctr"/>
-            <a:r>
-              <a:rPr lang="en-US" sz="1600" dirty="0" smtClean="0">
-                <a:solidFill>
-                  <a:schemeClr val="tx1"/>
-                </a:solidFill>
-              </a:rPr>
-              <a:t>Learning</a:t>
-            </a:r>
-          </a:p>
-          <a:p>
-            <a:pPr algn="ctr"/>
-            <a:r>
-              <a:rPr lang="en-US" sz="1600" dirty="0" smtClean="0">
-                <a:solidFill>
-                  <a:schemeClr val="tx1"/>
-                </a:solidFill>
-              </a:rPr>
-              <a:t>Scientist</a:t>
-            </a:r>
-            <a:endParaRPr lang="en-US" sz="1600" dirty="0">
-              <a:solidFill>
-                <a:schemeClr val="tx1"/>
-              </a:solidFill>
-            </a:endParaRPr>
-          </a:p>
-        </p:txBody>
-      </p:sp>
-      <p:sp>
-        <p:nvSpPr>
-          <p:cNvPr id="12" name="Freeform 11"/>
-          <p:cNvSpPr/>
-          <p:nvPr/>
-        </p:nvSpPr>
-        <p:spPr>
-          <a:xfrm>
-            <a:off x="8297882" y="2386974"/>
-            <a:ext cx="2280902" cy="2185026"/>
-          </a:xfrm>
-          <a:custGeom>
-            <a:avLst/>
-            <a:gdLst>
-              <a:gd name="connsiteX0" fmla="*/ 672784 w 2280902"/>
-              <a:gd name="connsiteY0" fmla="*/ 0 h 2185026"/>
-              <a:gd name="connsiteX1" fmla="*/ 679786 w 2280902"/>
-              <a:gd name="connsiteY1" fmla="*/ 1800 h 2185026"/>
-              <a:gd name="connsiteX2" fmla="*/ 2274198 w 2280902"/>
-              <a:gd name="connsiteY2" fmla="*/ 1951296 h 2185026"/>
-              <a:gd name="connsiteX3" fmla="*/ 2280902 w 2280902"/>
-              <a:gd name="connsiteY3" fmla="*/ 2084053 h 2185026"/>
-              <a:gd name="connsiteX4" fmla="*/ 2068826 w 2280902"/>
-              <a:gd name="connsiteY4" fmla="*/ 2138583 h 2185026"/>
-              <a:gd name="connsiteX5" fmla="*/ 1608117 w 2280902"/>
-              <a:gd name="connsiteY5" fmla="*/ 2185026 h 2185026"/>
-              <a:gd name="connsiteX6" fmla="*/ 154009 w 2280902"/>
-              <a:gd name="connsiteY6" fmla="*/ 1663015 h 2185026"/>
-              <a:gd name="connsiteX7" fmla="*/ 0 w 2280902"/>
-              <a:gd name="connsiteY7" fmla="*/ 1523042 h 2185026"/>
-              <a:gd name="connsiteX8" fmla="*/ 8328 w 2280902"/>
-              <a:gd name="connsiteY8" fmla="*/ 1515472 h 2185026"/>
-              <a:gd name="connsiteX9" fmla="*/ 666080 w 2280902"/>
-              <a:gd name="connsiteY9" fmla="*/ 132756 h 2185026"/>
-              <a:gd name="connsiteX10" fmla="*/ 672784 w 2280902"/>
-              <a:gd name="connsiteY10" fmla="*/ 0 h 2185026"/>
-            </a:gdLst>
-            <a:ahLst/>
-            <a:cxnLst>
-              <a:cxn ang="0">
-                <a:pos x="connsiteX0" y="connsiteY0"/>
-              </a:cxn>
-              <a:cxn ang="0">
-                <a:pos x="connsiteX1" y="connsiteY1"/>
-              </a:cxn>
-              <a:cxn ang="0">
-                <a:pos x="connsiteX2" y="connsiteY2"/>
-              </a:cxn>
-              <a:cxn ang="0">
-                <a:pos x="connsiteX3" y="connsiteY3"/>
-              </a:cxn>
-              <a:cxn ang="0">
-                <a:pos x="connsiteX4" y="connsiteY4"/>
-              </a:cxn>
-              <a:cxn ang="0">
-                <a:pos x="connsiteX5" y="connsiteY5"/>
-              </a:cxn>
-              <a:cxn ang="0">
-                <a:pos x="connsiteX6" y="connsiteY6"/>
-              </a:cxn>
-              <a:cxn ang="0">
-                <a:pos x="connsiteX7" y="connsiteY7"/>
-              </a:cxn>
-              <a:cxn ang="0">
-                <a:pos x="connsiteX8" y="connsiteY8"/>
-              </a:cxn>
-              <a:cxn ang="0">
-                <a:pos x="connsiteX9" y="connsiteY9"/>
-              </a:cxn>
-              <a:cxn ang="0">
-                <a:pos x="connsiteX10" y="connsiteY10"/>
-              </a:cxn>
-            </a:cxnLst>
-            <a:rect l="l" t="t" r="r" b="b"/>
-            <a:pathLst>
-              <a:path w="2280902" h="2185026">
-                <a:moveTo>
-                  <a:pt x="672784" y="0"/>
-                </a:moveTo>
-                <a:lnTo>
-                  <a:pt x="679786" y="1800"/>
-                </a:lnTo>
-                <a:cubicBezTo>
-                  <a:pt x="1538764" y="268970"/>
-                  <a:pt x="2180545" y="1029112"/>
-                  <a:pt x="2274198" y="1951296"/>
-                </a:cubicBezTo>
-                <a:lnTo>
-                  <a:pt x="2280902" y="2084053"/>
-                </a:lnTo>
-                <a:lnTo>
-                  <a:pt x="2068826" y="2138583"/>
-                </a:lnTo>
-                <a:cubicBezTo>
-                  <a:pt x="1920013" y="2169034"/>
-                  <a:pt x="1765933" y="2185026"/>
-                  <a:pt x="1608117" y="2185026"/>
-                </a:cubicBezTo>
-                <a:cubicBezTo>
-                  <a:pt x="1055763" y="2185026"/>
-                  <a:pt x="549165" y="1989126"/>
-                  <a:pt x="154009" y="1663015"/>
-                </a:cubicBezTo>
-                <a:lnTo>
-                  <a:pt x="0" y="1523042"/>
-                </a:lnTo>
-                <a:lnTo>
-                  <a:pt x="8328" y="1515472"/>
-                </a:lnTo>
-                <a:cubicBezTo>
-                  <a:pt x="370302" y="1153498"/>
-                  <a:pt x="611449" y="670697"/>
-                  <a:pt x="666080" y="132756"/>
-                </a:cubicBezTo>
-                <a:lnTo>
-                  <a:pt x="672784" y="0"/>
-                </a:lnTo>
-                <a:close/>
-              </a:path>
-            </a:pathLst>
-          </a:custGeom>
-          <a:solidFill>
-            <a:schemeClr val="accent1">
-              <a:lumMod val="60000"/>
-              <a:lumOff val="40000"/>
-              <a:alpha val="40000"/>
-            </a:schemeClr>
-          </a:solidFill>
-          <a:ln>
-            <a:noFill/>
-          </a:ln>
-        </p:spPr>
-        <p:style>
-          <a:lnRef idx="2">
-            <a:schemeClr val="accent1">
-              <a:shade val="50000"/>
-            </a:schemeClr>
-          </a:lnRef>
-          <a:fillRef idx="1">
-            <a:schemeClr val="accent1"/>
-          </a:fillRef>
-          <a:effectRef idx="0">
-            <a:schemeClr val="accent1"/>
-          </a:effectRef>
-          <a:fontRef idx="minor">
-            <a:schemeClr val="lt1"/>
-          </a:fontRef>
-        </p:style>
-        <p:txBody>
-          <a:bodyPr rtlCol="0" anchor="ctr"/>
-          <a:lstStyle/>
-          <a:p>
-            <a:pPr algn="ctr"/>
-            <a:r>
-              <a:rPr lang="en-US" sz="1600" dirty="0" smtClean="0">
-                <a:solidFill>
-                  <a:schemeClr val="tx1"/>
-                </a:solidFill>
-              </a:rPr>
-              <a:t>Traditional</a:t>
-            </a:r>
-          </a:p>
-          <a:p>
-            <a:pPr algn="ctr"/>
-            <a:r>
-              <a:rPr lang="en-US" sz="1600" dirty="0" smtClean="0">
-                <a:solidFill>
-                  <a:schemeClr val="tx1"/>
-                </a:solidFill>
-              </a:rPr>
-              <a:t>Research</a:t>
-            </a:r>
-            <a:endParaRPr lang="en-US" sz="1600" dirty="0">
-              <a:solidFill>
-                <a:schemeClr val="tx1"/>
-              </a:solidFill>
-            </a:endParaRPr>
-          </a:p>
-        </p:txBody>
-      </p:sp>
-      <p:sp>
-        <p:nvSpPr>
-          <p:cNvPr id="11" name="Freeform 10"/>
-          <p:cNvSpPr/>
-          <p:nvPr/>
-        </p:nvSpPr>
-        <p:spPr>
-          <a:xfrm>
-            <a:off x="6016982" y="2386974"/>
-            <a:ext cx="2280901" cy="2185026"/>
-          </a:xfrm>
-          <a:custGeom>
-            <a:avLst/>
-            <a:gdLst>
-              <a:gd name="connsiteX0" fmla="*/ 1608117 w 2280901"/>
-              <a:gd name="connsiteY0" fmla="*/ 0 h 2185026"/>
-              <a:gd name="connsiteX1" fmla="*/ 1614820 w 2280901"/>
-              <a:gd name="connsiteY1" fmla="*/ 132756 h 2185026"/>
-              <a:gd name="connsiteX2" fmla="*/ 2272572 w 2280901"/>
-              <a:gd name="connsiteY2" fmla="*/ 1515472 h 2185026"/>
-              <a:gd name="connsiteX3" fmla="*/ 2280901 w 2280901"/>
-              <a:gd name="connsiteY3" fmla="*/ 1523042 h 2185026"/>
-              <a:gd name="connsiteX4" fmla="*/ 2126891 w 2280901"/>
-              <a:gd name="connsiteY4" fmla="*/ 1663015 h 2185026"/>
-              <a:gd name="connsiteX5" fmla="*/ 672783 w 2280901"/>
-              <a:gd name="connsiteY5" fmla="*/ 2185026 h 2185026"/>
-              <a:gd name="connsiteX6" fmla="*/ 212074 w 2280901"/>
-              <a:gd name="connsiteY6" fmla="*/ 2138583 h 2185026"/>
-              <a:gd name="connsiteX7" fmla="*/ 0 w 2280901"/>
-              <a:gd name="connsiteY7" fmla="*/ 2084053 h 2185026"/>
-              <a:gd name="connsiteX8" fmla="*/ 6703 w 2280901"/>
-              <a:gd name="connsiteY8" fmla="*/ 1951296 h 2185026"/>
-              <a:gd name="connsiteX9" fmla="*/ 1601115 w 2280901"/>
-              <a:gd name="connsiteY9" fmla="*/ 1800 h 2185026"/>
-              <a:gd name="connsiteX10" fmla="*/ 1608117 w 2280901"/>
-              <a:gd name="connsiteY10" fmla="*/ 0 h 2185026"/>
-            </a:gdLst>
-            <a:ahLst/>
-            <a:cxnLst>
-              <a:cxn ang="0">
-                <a:pos x="connsiteX0" y="connsiteY0"/>
-              </a:cxn>
-              <a:cxn ang="0">
-                <a:pos x="connsiteX1" y="connsiteY1"/>
-              </a:cxn>
-              <a:cxn ang="0">
-                <a:pos x="connsiteX2" y="connsiteY2"/>
-              </a:cxn>
-              <a:cxn ang="0">
-                <a:pos x="connsiteX3" y="connsiteY3"/>
-              </a:cxn>
-              <a:cxn ang="0">
-                <a:pos x="connsiteX4" y="connsiteY4"/>
-              </a:cxn>
-              <a:cxn ang="0">
-                <a:pos x="connsiteX5" y="connsiteY5"/>
-              </a:cxn>
-              <a:cxn ang="0">
-                <a:pos x="connsiteX6" y="connsiteY6"/>
-              </a:cxn>
-              <a:cxn ang="0">
-                <a:pos x="connsiteX7" y="connsiteY7"/>
-              </a:cxn>
-              <a:cxn ang="0">
-                <a:pos x="connsiteX8" y="connsiteY8"/>
-              </a:cxn>
-              <a:cxn ang="0">
-                <a:pos x="connsiteX9" y="connsiteY9"/>
-              </a:cxn>
-              <a:cxn ang="0">
-                <a:pos x="connsiteX10" y="connsiteY10"/>
-              </a:cxn>
-            </a:cxnLst>
-            <a:rect l="l" t="t" r="r" b="b"/>
-            <a:pathLst>
-              <a:path w="2280901" h="2185026">
-                <a:moveTo>
-                  <a:pt x="1608117" y="0"/>
-                </a:moveTo>
-                <a:lnTo>
-                  <a:pt x="1614820" y="132756"/>
-                </a:lnTo>
-                <a:cubicBezTo>
-                  <a:pt x="1669451" y="670697"/>
-                  <a:pt x="1910598" y="1153498"/>
-                  <a:pt x="2272572" y="1515472"/>
-                </a:cubicBezTo>
-                <a:lnTo>
-                  <a:pt x="2280901" y="1523042"/>
-                </a:lnTo>
-                <a:lnTo>
-                  <a:pt x="2126891" y="1663015"/>
-                </a:lnTo>
-                <a:cubicBezTo>
-                  <a:pt x="1731736" y="1989126"/>
-                  <a:pt x="1225137" y="2185026"/>
-                  <a:pt x="672783" y="2185026"/>
-                </a:cubicBezTo>
-                <a:cubicBezTo>
-                  <a:pt x="514968" y="2185026"/>
-                  <a:pt x="360887" y="2169034"/>
-                  <a:pt x="212074" y="2138583"/>
-                </a:cubicBezTo>
-                <a:lnTo>
-                  <a:pt x="0" y="2084053"/>
-                </a:lnTo>
-                <a:lnTo>
-                  <a:pt x="6703" y="1951296"/>
-                </a:lnTo>
-                <a:cubicBezTo>
-                  <a:pt x="100356" y="1029112"/>
-                  <a:pt x="742137" y="268970"/>
-                  <a:pt x="1601115" y="1800"/>
-                </a:cubicBezTo>
-                <a:lnTo>
-                  <a:pt x="1608117" y="0"/>
-                </a:lnTo>
-                <a:close/>
-              </a:path>
-            </a:pathLst>
-          </a:custGeom>
-          <a:solidFill>
-            <a:srgbClr val="002060">
-              <a:alpha val="40000"/>
-            </a:srgbClr>
-          </a:solidFill>
-          <a:ln>
-            <a:noFill/>
-          </a:ln>
-        </p:spPr>
-        <p:style>
-          <a:lnRef idx="2">
-            <a:schemeClr val="accent1">
-              <a:shade val="50000"/>
-            </a:schemeClr>
-          </a:lnRef>
-          <a:fillRef idx="1">
-            <a:schemeClr val="accent1"/>
-          </a:fillRef>
-          <a:effectRef idx="0">
-            <a:schemeClr val="accent1"/>
-          </a:effectRef>
-          <a:fontRef idx="minor">
-            <a:schemeClr val="lt1"/>
-          </a:fontRef>
-        </p:style>
-        <p:txBody>
-          <a:bodyPr rtlCol="0" anchor="ctr"/>
-          <a:lstStyle/>
-          <a:p>
-            <a:pPr algn="ctr"/>
-            <a:r>
-              <a:rPr lang="en-US" sz="1600" dirty="0" smtClean="0">
-                <a:solidFill>
-                  <a:schemeClr val="tx1"/>
-                </a:solidFill>
-              </a:rPr>
-              <a:t>Danger</a:t>
-            </a:r>
-          </a:p>
-          <a:p>
-            <a:pPr algn="ctr"/>
-            <a:r>
-              <a:rPr lang="en-US" sz="1600" dirty="0" smtClean="0">
-                <a:solidFill>
-                  <a:schemeClr val="tx1"/>
-                </a:solidFill>
-              </a:rPr>
-              <a:t>Zone!</a:t>
-            </a:r>
-            <a:endParaRPr lang="en-US" sz="1600" dirty="0">
-              <a:solidFill>
-                <a:schemeClr val="tx1"/>
-              </a:solidFill>
-            </a:endParaRPr>
-          </a:p>
-        </p:txBody>
-      </p:sp>
-      <p:sp>
-        <p:nvSpPr>
-          <p:cNvPr id="10" name="Freeform 9"/>
-          <p:cNvSpPr/>
-          <p:nvPr/>
-        </p:nvSpPr>
-        <p:spPr>
-          <a:xfrm>
-            <a:off x="4403764" y="1"/>
-            <a:ext cx="3894118" cy="4471027"/>
-          </a:xfrm>
-          <a:custGeom>
-            <a:avLst/>
-            <a:gdLst>
-              <a:gd name="connsiteX0" fmla="*/ 2286000 w 3894118"/>
-              <a:gd name="connsiteY0" fmla="*/ 0 h 4471027"/>
-              <a:gd name="connsiteX1" fmla="*/ 3740108 w 3894118"/>
-              <a:gd name="connsiteY1" fmla="*/ 522011 h 4471027"/>
-              <a:gd name="connsiteX2" fmla="*/ 3894118 w 3894118"/>
-              <a:gd name="connsiteY2" fmla="*/ 661985 h 4471027"/>
-              <a:gd name="connsiteX3" fmla="*/ 3885789 w 3894118"/>
-              <a:gd name="connsiteY3" fmla="*/ 669554 h 4471027"/>
-              <a:gd name="connsiteX4" fmla="*/ 3216235 w 3894118"/>
-              <a:gd name="connsiteY4" fmla="*/ 2286000 h 4471027"/>
-              <a:gd name="connsiteX5" fmla="*/ 3221334 w 3894118"/>
-              <a:gd name="connsiteY5" fmla="*/ 2386974 h 4471027"/>
-              <a:gd name="connsiteX6" fmla="*/ 3214332 w 3894118"/>
-              <a:gd name="connsiteY6" fmla="*/ 2388774 h 4471027"/>
-              <a:gd name="connsiteX7" fmla="*/ 1619920 w 3894118"/>
-              <a:gd name="connsiteY7" fmla="*/ 4338270 h 4471027"/>
-              <a:gd name="connsiteX8" fmla="*/ 1613217 w 3894118"/>
-              <a:gd name="connsiteY8" fmla="*/ 4471027 h 4471027"/>
-              <a:gd name="connsiteX9" fmla="*/ 1606214 w 3894118"/>
-              <a:gd name="connsiteY9" fmla="*/ 4469226 h 4471027"/>
-              <a:gd name="connsiteX10" fmla="*/ 0 w 3894118"/>
-              <a:gd name="connsiteY10" fmla="*/ 2286000 h 4471027"/>
-              <a:gd name="connsiteX11" fmla="*/ 2286000 w 3894118"/>
-              <a:gd name="connsiteY11" fmla="*/ 0 h 4471027"/>
-            </a:gdLst>
-            <a:ahLst/>
-            <a:cxnLst>
-              <a:cxn ang="0">
-                <a:pos x="connsiteX0" y="connsiteY0"/>
-              </a:cxn>
-              <a:cxn ang="0">
-                <a:pos x="connsiteX1" y="connsiteY1"/>
-              </a:cxn>
-              <a:cxn ang="0">
-                <a:pos x="connsiteX2" y="connsiteY2"/>
-              </a:cxn>
-              <a:cxn ang="0">
-                <a:pos x="connsiteX3" y="connsiteY3"/>
-              </a:cxn>
-              <a:cxn ang="0">
-                <a:pos x="connsiteX4" y="connsiteY4"/>
-              </a:cxn>
-              <a:cxn ang="0">
-                <a:pos x="connsiteX5" y="connsiteY5"/>
-              </a:cxn>
-              <a:cxn ang="0">
-                <a:pos x="connsiteX6" y="connsiteY6"/>
-              </a:cxn>
-              <a:cxn ang="0">
-                <a:pos x="connsiteX7" y="connsiteY7"/>
-              </a:cxn>
-              <a:cxn ang="0">
-                <a:pos x="connsiteX8" y="connsiteY8"/>
-              </a:cxn>
-              <a:cxn ang="0">
-                <a:pos x="connsiteX9" y="connsiteY9"/>
-              </a:cxn>
-              <a:cxn ang="0">
-                <a:pos x="connsiteX10" y="connsiteY10"/>
-              </a:cxn>
-              <a:cxn ang="0">
-                <a:pos x="connsiteX11" y="connsiteY11"/>
-              </a:cxn>
-            </a:cxnLst>
-            <a:rect l="l" t="t" r="r" b="b"/>
-            <a:pathLst>
-              <a:path w="3894118" h="4471027">
-                <a:moveTo>
-                  <a:pt x="2286000" y="0"/>
-                </a:moveTo>
-                <a:cubicBezTo>
-                  <a:pt x="2838354" y="0"/>
-                  <a:pt x="3344953" y="195900"/>
-                  <a:pt x="3740108" y="522011"/>
-                </a:cubicBezTo>
-                <a:lnTo>
-                  <a:pt x="3894118" y="661985"/>
-                </a:lnTo>
-                <a:lnTo>
-                  <a:pt x="3885789" y="669554"/>
-                </a:lnTo>
-                <a:cubicBezTo>
-                  <a:pt x="3472104" y="1083238"/>
-                  <a:pt x="3216235" y="1654738"/>
-                  <a:pt x="3216235" y="2286000"/>
-                </a:cubicBezTo>
-                <a:lnTo>
-                  <a:pt x="3221334" y="2386974"/>
-                </a:lnTo>
-                <a:lnTo>
-                  <a:pt x="3214332" y="2388774"/>
-                </a:lnTo>
-                <a:cubicBezTo>
-                  <a:pt x="2355354" y="2655944"/>
-                  <a:pt x="1713573" y="3416086"/>
-                  <a:pt x="1619920" y="4338270"/>
-                </a:cubicBezTo>
-                <a:lnTo>
-                  <a:pt x="1613217" y="4471027"/>
-                </a:lnTo>
-                <a:lnTo>
-                  <a:pt x="1606214" y="4469226"/>
-                </a:lnTo>
-                <a:cubicBezTo>
-                  <a:pt x="675655" y="4179792"/>
-                  <a:pt x="0" y="3311800"/>
-                  <a:pt x="0" y="2286000"/>
-                </a:cubicBezTo>
-                <a:cubicBezTo>
-                  <a:pt x="0" y="1023477"/>
-                  <a:pt x="1023477" y="0"/>
-                  <a:pt x="2286000" y="0"/>
-                </a:cubicBezTo>
-                <a:close/>
-              </a:path>
-            </a:pathLst>
-          </a:custGeom>
-          <a:solidFill>
-            <a:srgbClr val="E64A60">
-              <a:alpha val="40000"/>
-            </a:srgbClr>
-          </a:solidFill>
-          <a:ln>
-            <a:noFill/>
-          </a:ln>
-        </p:spPr>
-        <p:style>
-          <a:lnRef idx="2">
-            <a:schemeClr val="accent1">
-              <a:shade val="50000"/>
-            </a:schemeClr>
-          </a:lnRef>
-          <a:fillRef idx="1">
-            <a:schemeClr val="accent1"/>
-          </a:fillRef>
-          <a:effectRef idx="0">
-            <a:schemeClr val="accent1"/>
-          </a:effectRef>
-          <a:fontRef idx="minor">
-            <a:schemeClr val="lt1"/>
-          </a:fontRef>
-        </p:style>
-        <p:txBody>
-          <a:bodyPr rtlCol="0" anchor="ctr"/>
-          <a:lstStyle/>
-          <a:p>
-            <a:pPr algn="ctr"/>
-            <a:r>
-              <a:rPr lang="en-US" sz="2400" dirty="0" smtClean="0">
-                <a:solidFill>
-                  <a:schemeClr val="tx1"/>
-                </a:solidFill>
-              </a:rPr>
-              <a:t>Computer Science</a:t>
-            </a:r>
-          </a:p>
-          <a:p>
-            <a:pPr algn="ctr"/>
-            <a:r>
-              <a:rPr lang="en-US" sz="2400" dirty="0" smtClean="0">
-                <a:solidFill>
-                  <a:schemeClr val="tx1"/>
-                </a:solidFill>
-              </a:rPr>
-              <a:t>Skills</a:t>
-            </a:r>
-          </a:p>
-          <a:p>
-            <a:pPr algn="ctr"/>
-            <a:endParaRPr lang="en-US" dirty="0"/>
-          </a:p>
-          <a:p>
-            <a:pPr algn="ctr"/>
-            <a:endParaRPr lang="en-US" dirty="0" smtClean="0"/>
-          </a:p>
-          <a:p>
-            <a:pPr algn="ctr"/>
-            <a:endParaRPr lang="en-US" dirty="0"/>
-          </a:p>
-          <a:p>
-            <a:pPr algn="ctr"/>
-            <a:endParaRPr lang="en-US" dirty="0" smtClean="0"/>
-          </a:p>
-          <a:p>
-            <a:pPr algn="ctr"/>
-            <a:endParaRPr lang="en-US" dirty="0"/>
-          </a:p>
-        </p:txBody>
-      </p:sp>
-      <p:sp>
-        <p:nvSpPr>
-          <p:cNvPr id="9" name="Freeform 8"/>
-          <p:cNvSpPr/>
-          <p:nvPr/>
-        </p:nvSpPr>
-        <p:spPr>
-          <a:xfrm>
-            <a:off x="8297883" y="1"/>
-            <a:ext cx="3894117" cy="4471027"/>
-          </a:xfrm>
-          <a:custGeom>
-            <a:avLst/>
-            <a:gdLst>
-              <a:gd name="connsiteX0" fmla="*/ 1608117 w 3894117"/>
-              <a:gd name="connsiteY0" fmla="*/ 0 h 4471027"/>
-              <a:gd name="connsiteX1" fmla="*/ 3894117 w 3894117"/>
-              <a:gd name="connsiteY1" fmla="*/ 2286000 h 4471027"/>
-              <a:gd name="connsiteX2" fmla="*/ 2287903 w 3894117"/>
-              <a:gd name="connsiteY2" fmla="*/ 4469226 h 4471027"/>
-              <a:gd name="connsiteX3" fmla="*/ 2280902 w 3894117"/>
-              <a:gd name="connsiteY3" fmla="*/ 4471027 h 4471027"/>
-              <a:gd name="connsiteX4" fmla="*/ 2274198 w 3894117"/>
-              <a:gd name="connsiteY4" fmla="*/ 4338270 h 4471027"/>
-              <a:gd name="connsiteX5" fmla="*/ 679786 w 3894117"/>
-              <a:gd name="connsiteY5" fmla="*/ 2388774 h 4471027"/>
-              <a:gd name="connsiteX6" fmla="*/ 672784 w 3894117"/>
-              <a:gd name="connsiteY6" fmla="*/ 2386974 h 4471027"/>
-              <a:gd name="connsiteX7" fmla="*/ 677882 w 3894117"/>
-              <a:gd name="connsiteY7" fmla="*/ 2286000 h 4471027"/>
-              <a:gd name="connsiteX8" fmla="*/ 8328 w 3894117"/>
-              <a:gd name="connsiteY8" fmla="*/ 669554 h 4471027"/>
-              <a:gd name="connsiteX9" fmla="*/ 0 w 3894117"/>
-              <a:gd name="connsiteY9" fmla="*/ 661985 h 4471027"/>
-              <a:gd name="connsiteX10" fmla="*/ 154009 w 3894117"/>
-              <a:gd name="connsiteY10" fmla="*/ 522011 h 4471027"/>
-              <a:gd name="connsiteX11" fmla="*/ 1608117 w 3894117"/>
-              <a:gd name="connsiteY11" fmla="*/ 0 h 4471027"/>
-            </a:gdLst>
-            <a:ahLst/>
-            <a:cxnLst>
-              <a:cxn ang="0">
-                <a:pos x="connsiteX0" y="connsiteY0"/>
-              </a:cxn>
-              <a:cxn ang="0">
-                <a:pos x="connsiteX1" y="connsiteY1"/>
-              </a:cxn>
-              <a:cxn ang="0">
-                <a:pos x="connsiteX2" y="connsiteY2"/>
-              </a:cxn>
-              <a:cxn ang="0">
-                <a:pos x="connsiteX3" y="connsiteY3"/>
-              </a:cxn>
-              <a:cxn ang="0">
-                <a:pos x="connsiteX4" y="connsiteY4"/>
-              </a:cxn>
-              <a:cxn ang="0">
-                <a:pos x="connsiteX5" y="connsiteY5"/>
-              </a:cxn>
-              <a:cxn ang="0">
-                <a:pos x="connsiteX6" y="connsiteY6"/>
-              </a:cxn>
-              <a:cxn ang="0">
-                <a:pos x="connsiteX7" y="connsiteY7"/>
-              </a:cxn>
-              <a:cxn ang="0">
-                <a:pos x="connsiteX8" y="connsiteY8"/>
-              </a:cxn>
-              <a:cxn ang="0">
-                <a:pos x="connsiteX9" y="connsiteY9"/>
-              </a:cxn>
-              <a:cxn ang="0">
-                <a:pos x="connsiteX10" y="connsiteY10"/>
-              </a:cxn>
-              <a:cxn ang="0">
-                <a:pos x="connsiteX11" y="connsiteY11"/>
-              </a:cxn>
-            </a:cxnLst>
-            <a:rect l="l" t="t" r="r" b="b"/>
-            <a:pathLst>
-              <a:path w="3894117" h="4471027">
-                <a:moveTo>
-                  <a:pt x="1608117" y="0"/>
-                </a:moveTo>
-                <a:cubicBezTo>
-                  <a:pt x="2870640" y="0"/>
-                  <a:pt x="3894117" y="1023477"/>
-                  <a:pt x="3894117" y="2286000"/>
-                </a:cubicBezTo>
-                <a:cubicBezTo>
-                  <a:pt x="3894117" y="3311800"/>
-                  <a:pt x="3218463" y="4179792"/>
-                  <a:pt x="2287903" y="4469226"/>
-                </a:cubicBezTo>
-                <a:lnTo>
-                  <a:pt x="2280902" y="4471027"/>
-                </a:lnTo>
-                <a:lnTo>
-                  <a:pt x="2274198" y="4338270"/>
-                </a:lnTo>
-                <a:cubicBezTo>
-                  <a:pt x="2180545" y="3416086"/>
-                  <a:pt x="1538764" y="2655944"/>
-                  <a:pt x="679786" y="2388774"/>
-                </a:cubicBezTo>
-                <a:lnTo>
-                  <a:pt x="672784" y="2386974"/>
-                </a:lnTo>
-                <a:lnTo>
-                  <a:pt x="677882" y="2286000"/>
-                </a:lnTo>
-                <a:cubicBezTo>
-                  <a:pt x="677882" y="1654738"/>
-                  <a:pt x="422013" y="1083238"/>
-                  <a:pt x="8328" y="669554"/>
-                </a:cubicBezTo>
-                <a:lnTo>
-                  <a:pt x="0" y="661985"/>
-                </a:lnTo>
-                <a:lnTo>
-                  <a:pt x="154009" y="522011"/>
-                </a:lnTo>
-                <a:cubicBezTo>
-                  <a:pt x="549165" y="195900"/>
-                  <a:pt x="1055763" y="0"/>
-                  <a:pt x="1608117" y="0"/>
-                </a:cubicBezTo>
-                <a:close/>
-              </a:path>
-            </a:pathLst>
-          </a:custGeom>
-          <a:solidFill>
-            <a:srgbClr val="70AD47">
-              <a:alpha val="40000"/>
-            </a:srgbClr>
-          </a:solidFill>
-          <a:ln>
-            <a:noFill/>
-          </a:ln>
-        </p:spPr>
-        <p:style>
-          <a:lnRef idx="2">
-            <a:schemeClr val="accent1">
-              <a:shade val="50000"/>
-            </a:schemeClr>
-          </a:lnRef>
-          <a:fillRef idx="1">
-            <a:schemeClr val="accent1"/>
-          </a:fillRef>
-          <a:effectRef idx="0">
-            <a:schemeClr val="accent1"/>
-          </a:effectRef>
-          <a:fontRef idx="minor">
-            <a:schemeClr val="lt1"/>
-          </a:fontRef>
-        </p:style>
-        <p:txBody>
-          <a:bodyPr rtlCol="0" anchor="ctr"/>
-          <a:lstStyle/>
-          <a:p>
-            <a:pPr algn="ctr"/>
-            <a:r>
-              <a:rPr lang="en-US" sz="2400" dirty="0" smtClean="0">
-                <a:solidFill>
-                  <a:schemeClr val="tx1"/>
-                </a:solidFill>
-              </a:rPr>
-              <a:t>Mathematics/</a:t>
-            </a:r>
-          </a:p>
-          <a:p>
-            <a:pPr algn="ctr"/>
-            <a:r>
-              <a:rPr lang="en-US" sz="2400" dirty="0" smtClean="0">
-                <a:solidFill>
-                  <a:schemeClr val="tx1"/>
-                </a:solidFill>
-              </a:rPr>
-              <a:t>Statistics</a:t>
-            </a:r>
-          </a:p>
-          <a:p>
-            <a:pPr algn="ctr"/>
-            <a:r>
-              <a:rPr lang="en-US" sz="2400" dirty="0" smtClean="0">
-                <a:solidFill>
-                  <a:schemeClr val="tx1"/>
-                </a:solidFill>
-              </a:rPr>
-              <a:t>Knowledge</a:t>
-            </a:r>
-          </a:p>
-          <a:p>
-            <a:pPr algn="ctr"/>
-            <a:endParaRPr lang="en-US" dirty="0"/>
-          </a:p>
-          <a:p>
-            <a:pPr algn="ctr"/>
-            <a:endParaRPr lang="en-US" dirty="0" smtClean="0"/>
-          </a:p>
-          <a:p>
-            <a:pPr algn="ctr"/>
-            <a:endParaRPr lang="en-US" dirty="0"/>
-          </a:p>
-          <a:p>
-            <a:pPr algn="ctr"/>
-            <a:endParaRPr lang="en-US" dirty="0" smtClean="0"/>
-          </a:p>
-          <a:p>
-            <a:pPr algn="ctr"/>
-            <a:endParaRPr lang="en-US" dirty="0"/>
-          </a:p>
-        </p:txBody>
-      </p:sp>
-      <p:sp>
-        <p:nvSpPr>
-          <p:cNvPr id="8" name="Freeform 7"/>
-          <p:cNvSpPr/>
-          <p:nvPr/>
-        </p:nvSpPr>
-        <p:spPr>
-          <a:xfrm>
-            <a:off x="7625098" y="2286000"/>
-            <a:ext cx="1345568" cy="1624016"/>
-          </a:xfrm>
-          <a:custGeom>
-            <a:avLst/>
-            <a:gdLst>
-              <a:gd name="connsiteX0" fmla="*/ 672784 w 1345568"/>
-              <a:gd name="connsiteY0" fmla="*/ 0 h 1624016"/>
-              <a:gd name="connsiteX1" fmla="*/ 1133493 w 1345568"/>
-              <a:gd name="connsiteY1" fmla="*/ 46443 h 1624016"/>
-              <a:gd name="connsiteX2" fmla="*/ 1345568 w 1345568"/>
-              <a:gd name="connsiteY2" fmla="*/ 100974 h 1624016"/>
-              <a:gd name="connsiteX3" fmla="*/ 1338864 w 1345568"/>
-              <a:gd name="connsiteY3" fmla="*/ 233730 h 1624016"/>
-              <a:gd name="connsiteX4" fmla="*/ 681112 w 1345568"/>
-              <a:gd name="connsiteY4" fmla="*/ 1616446 h 1624016"/>
-              <a:gd name="connsiteX5" fmla="*/ 672784 w 1345568"/>
-              <a:gd name="connsiteY5" fmla="*/ 1624016 h 1624016"/>
-              <a:gd name="connsiteX6" fmla="*/ 664455 w 1345568"/>
-              <a:gd name="connsiteY6" fmla="*/ 1616446 h 1624016"/>
-              <a:gd name="connsiteX7" fmla="*/ 6703 w 1345568"/>
-              <a:gd name="connsiteY7" fmla="*/ 233730 h 1624016"/>
-              <a:gd name="connsiteX8" fmla="*/ 0 w 1345568"/>
-              <a:gd name="connsiteY8" fmla="*/ 100974 h 1624016"/>
-              <a:gd name="connsiteX9" fmla="*/ 212075 w 1345568"/>
-              <a:gd name="connsiteY9" fmla="*/ 46443 h 1624016"/>
-              <a:gd name="connsiteX10" fmla="*/ 672784 w 1345568"/>
-              <a:gd name="connsiteY10" fmla="*/ 0 h 1624016"/>
-            </a:gdLst>
-            <a:ahLst/>
-            <a:cxnLst>
-              <a:cxn ang="0">
-                <a:pos x="connsiteX0" y="connsiteY0"/>
-              </a:cxn>
-              <a:cxn ang="0">
-                <a:pos x="connsiteX1" y="connsiteY1"/>
-              </a:cxn>
-              <a:cxn ang="0">
-                <a:pos x="connsiteX2" y="connsiteY2"/>
-              </a:cxn>
-              <a:cxn ang="0">
-                <a:pos x="connsiteX3" y="connsiteY3"/>
-              </a:cxn>
-              <a:cxn ang="0">
-                <a:pos x="connsiteX4" y="connsiteY4"/>
-              </a:cxn>
-              <a:cxn ang="0">
-                <a:pos x="connsiteX5" y="connsiteY5"/>
-              </a:cxn>
-              <a:cxn ang="0">
-                <a:pos x="connsiteX6" y="connsiteY6"/>
-              </a:cxn>
-              <a:cxn ang="0">
-                <a:pos x="connsiteX7" y="connsiteY7"/>
-              </a:cxn>
-              <a:cxn ang="0">
-                <a:pos x="connsiteX8" y="connsiteY8"/>
-              </a:cxn>
-              <a:cxn ang="0">
-                <a:pos x="connsiteX9" y="connsiteY9"/>
-              </a:cxn>
-              <a:cxn ang="0">
-                <a:pos x="connsiteX10" y="connsiteY10"/>
-              </a:cxn>
-            </a:cxnLst>
-            <a:rect l="l" t="t" r="r" b="b"/>
-            <a:pathLst>
-              <a:path w="1345568" h="1624016">
-                <a:moveTo>
-                  <a:pt x="672784" y="0"/>
-                </a:moveTo>
-                <a:cubicBezTo>
-                  <a:pt x="830600" y="0"/>
-                  <a:pt x="984680" y="15992"/>
-                  <a:pt x="1133493" y="46443"/>
-                </a:cubicBezTo>
-                <a:lnTo>
-                  <a:pt x="1345568" y="100974"/>
-                </a:lnTo>
-                <a:lnTo>
-                  <a:pt x="1338864" y="233730"/>
-                </a:lnTo>
-                <a:cubicBezTo>
-                  <a:pt x="1284233" y="771671"/>
-                  <a:pt x="1043086" y="1254472"/>
-                  <a:pt x="681112" y="1616446"/>
-                </a:cubicBezTo>
-                <a:lnTo>
-                  <a:pt x="672784" y="1624016"/>
-                </a:lnTo>
-                <a:lnTo>
-                  <a:pt x="664455" y="1616446"/>
-                </a:lnTo>
-                <a:cubicBezTo>
-                  <a:pt x="302481" y="1254472"/>
-                  <a:pt x="61334" y="771671"/>
-                  <a:pt x="6703" y="233730"/>
-                </a:cubicBezTo>
-                <a:lnTo>
-                  <a:pt x="0" y="100974"/>
-                </a:lnTo>
-                <a:lnTo>
-                  <a:pt x="212075" y="46443"/>
-                </a:lnTo>
-                <a:cubicBezTo>
-                  <a:pt x="360889" y="15992"/>
-                  <a:pt x="514969" y="0"/>
-                  <a:pt x="672784" y="0"/>
-                </a:cubicBezTo>
-                <a:close/>
-              </a:path>
-            </a:pathLst>
-          </a:custGeom>
-          <a:solidFill>
-            <a:schemeClr val="accent4">
-              <a:alpha val="40000"/>
-            </a:schemeClr>
-          </a:solidFill>
-          <a:ln>
-            <a:noFill/>
-          </a:ln>
-        </p:spPr>
-        <p:style>
-          <a:lnRef idx="2">
-            <a:schemeClr val="accent1">
-              <a:shade val="50000"/>
-            </a:schemeClr>
-          </a:lnRef>
-          <a:fillRef idx="1">
-            <a:schemeClr val="accent1"/>
-          </a:fillRef>
-          <a:effectRef idx="0">
-            <a:schemeClr val="accent1"/>
-          </a:effectRef>
-          <a:fontRef idx="minor">
-            <a:schemeClr val="lt1"/>
-          </a:fontRef>
-        </p:style>
-        <p:txBody>
-          <a:bodyPr rtlCol="0" anchor="ctr"/>
-          <a:lstStyle/>
-          <a:p>
-            <a:pPr algn="ctr"/>
-            <a:r>
-              <a:rPr lang="en-US" sz="2000" b="1" dirty="0" smtClean="0">
-                <a:solidFill>
-                  <a:schemeClr val="tx1"/>
-                </a:solidFill>
-              </a:rPr>
-              <a:t>Data</a:t>
-            </a:r>
-          </a:p>
-          <a:p>
-            <a:pPr algn="ctr"/>
-            <a:r>
-              <a:rPr lang="en-US" sz="2000" b="1" dirty="0" smtClean="0">
-                <a:solidFill>
-                  <a:schemeClr val="tx1"/>
-                </a:solidFill>
-              </a:rPr>
-              <a:t>Scientist</a:t>
-            </a:r>
-          </a:p>
-          <a:p>
-            <a:pPr algn="ctr"/>
-            <a:endParaRPr lang="en-US" dirty="0"/>
-          </a:p>
-          <a:p>
-            <a:pPr algn="ctr"/>
-            <a:endParaRPr lang="en-US" dirty="0"/>
-          </a:p>
-        </p:txBody>
-      </p:sp>
-      <p:sp>
-        <p:nvSpPr>
-          <p:cNvPr id="7" name="Freeform 6"/>
-          <p:cNvSpPr/>
-          <p:nvPr/>
-        </p:nvSpPr>
-        <p:spPr>
-          <a:xfrm>
-            <a:off x="6011882" y="3910016"/>
-            <a:ext cx="4572000" cy="2947984"/>
-          </a:xfrm>
-          <a:custGeom>
-            <a:avLst/>
-            <a:gdLst>
-              <a:gd name="connsiteX0" fmla="*/ 2286000 w 4572000"/>
-              <a:gd name="connsiteY0" fmla="*/ 0 h 2947984"/>
-              <a:gd name="connsiteX1" fmla="*/ 2440009 w 4572000"/>
-              <a:gd name="connsiteY1" fmla="*/ 139973 h 2947984"/>
-              <a:gd name="connsiteX2" fmla="*/ 3894117 w 4572000"/>
-              <a:gd name="connsiteY2" fmla="*/ 661984 h 2947984"/>
-              <a:gd name="connsiteX3" fmla="*/ 4354826 w 4572000"/>
-              <a:gd name="connsiteY3" fmla="*/ 615541 h 2947984"/>
-              <a:gd name="connsiteX4" fmla="*/ 4566902 w 4572000"/>
-              <a:gd name="connsiteY4" fmla="*/ 561011 h 2947984"/>
-              <a:gd name="connsiteX5" fmla="*/ 4572000 w 4572000"/>
-              <a:gd name="connsiteY5" fmla="*/ 661984 h 2947984"/>
-              <a:gd name="connsiteX6" fmla="*/ 2286000 w 4572000"/>
-              <a:gd name="connsiteY6" fmla="*/ 2947984 h 2947984"/>
-              <a:gd name="connsiteX7" fmla="*/ 0 w 4572000"/>
-              <a:gd name="connsiteY7" fmla="*/ 661984 h 2947984"/>
-              <a:gd name="connsiteX8" fmla="*/ 5099 w 4572000"/>
-              <a:gd name="connsiteY8" fmla="*/ 561011 h 2947984"/>
-              <a:gd name="connsiteX9" fmla="*/ 217173 w 4572000"/>
-              <a:gd name="connsiteY9" fmla="*/ 615541 h 2947984"/>
-              <a:gd name="connsiteX10" fmla="*/ 677882 w 4572000"/>
-              <a:gd name="connsiteY10" fmla="*/ 661984 h 2947984"/>
-              <a:gd name="connsiteX11" fmla="*/ 2131990 w 4572000"/>
-              <a:gd name="connsiteY11" fmla="*/ 139973 h 2947984"/>
-              <a:gd name="connsiteX12" fmla="*/ 2286000 w 4572000"/>
-              <a:gd name="connsiteY12" fmla="*/ 0 h 2947984"/>
-            </a:gdLst>
-            <a:ahLst/>
-            <a:cxnLst>
-              <a:cxn ang="0">
-                <a:pos x="connsiteX0" y="connsiteY0"/>
-              </a:cxn>
-              <a:cxn ang="0">
-                <a:pos x="connsiteX1" y="connsiteY1"/>
-              </a:cxn>
-              <a:cxn ang="0">
-                <a:pos x="connsiteX2" y="connsiteY2"/>
-              </a:cxn>
-              <a:cxn ang="0">
-                <a:pos x="connsiteX3" y="connsiteY3"/>
-              </a:cxn>
-              <a:cxn ang="0">
-                <a:pos x="connsiteX4" y="connsiteY4"/>
-              </a:cxn>
-              <a:cxn ang="0">
-                <a:pos x="connsiteX5" y="connsiteY5"/>
-              </a:cxn>
-              <a:cxn ang="0">
-                <a:pos x="connsiteX6" y="connsiteY6"/>
-              </a:cxn>
-              <a:cxn ang="0">
-                <a:pos x="connsiteX7" y="connsiteY7"/>
-              </a:cxn>
-              <a:cxn ang="0">
-                <a:pos x="connsiteX8" y="connsiteY8"/>
-              </a:cxn>
-              <a:cxn ang="0">
-                <a:pos x="connsiteX9" y="connsiteY9"/>
-              </a:cxn>
-              <a:cxn ang="0">
-                <a:pos x="connsiteX10" y="connsiteY10"/>
-              </a:cxn>
-              <a:cxn ang="0">
-                <a:pos x="connsiteX11" y="connsiteY11"/>
-              </a:cxn>
-              <a:cxn ang="0">
-                <a:pos x="connsiteX12" y="connsiteY12"/>
-              </a:cxn>
-            </a:cxnLst>
-            <a:rect l="l" t="t" r="r" b="b"/>
-            <a:pathLst>
-              <a:path w="4572000" h="2947984">
-                <a:moveTo>
-                  <a:pt x="2286000" y="0"/>
-                </a:moveTo>
-                <a:lnTo>
-                  <a:pt x="2440009" y="139973"/>
-                </a:lnTo>
-                <a:cubicBezTo>
-                  <a:pt x="2835165" y="466084"/>
-                  <a:pt x="3341763" y="661984"/>
-                  <a:pt x="3894117" y="661984"/>
-                </a:cubicBezTo>
-                <a:cubicBezTo>
-                  <a:pt x="4051933" y="661984"/>
-                  <a:pt x="4206013" y="645992"/>
-                  <a:pt x="4354826" y="615541"/>
-                </a:cubicBezTo>
-                <a:lnTo>
-                  <a:pt x="4566902" y="561011"/>
-                </a:lnTo>
-                <a:lnTo>
-                  <a:pt x="4572000" y="661984"/>
-                </a:lnTo>
-                <a:cubicBezTo>
-                  <a:pt x="4572000" y="1924507"/>
-                  <a:pt x="3548523" y="2947984"/>
-                  <a:pt x="2286000" y="2947984"/>
-                </a:cubicBezTo>
-                <a:cubicBezTo>
-                  <a:pt x="1023477" y="2947984"/>
-                  <a:pt x="0" y="1924507"/>
-                  <a:pt x="0" y="661984"/>
-                </a:cubicBezTo>
-                <a:lnTo>
-                  <a:pt x="5099" y="561011"/>
-                </a:lnTo>
-                <a:lnTo>
-                  <a:pt x="217173" y="615541"/>
-                </a:lnTo>
-                <a:cubicBezTo>
-                  <a:pt x="365986" y="645992"/>
-                  <a:pt x="520067" y="661984"/>
-                  <a:pt x="677882" y="661984"/>
-                </a:cubicBezTo>
-                <a:cubicBezTo>
-                  <a:pt x="1230236" y="661984"/>
-                  <a:pt x="1736835" y="466084"/>
-                  <a:pt x="2131990" y="139973"/>
-                </a:cubicBezTo>
-                <a:lnTo>
-                  <a:pt x="2286000" y="0"/>
-                </a:lnTo>
-                <a:close/>
-              </a:path>
-            </a:pathLst>
-          </a:custGeom>
-          <a:solidFill>
-            <a:srgbClr val="7030A0">
-              <a:alpha val="40000"/>
-            </a:srgbClr>
-          </a:solidFill>
-          <a:ln>
-            <a:noFill/>
-          </a:ln>
-        </p:spPr>
-        <p:style>
-          <a:lnRef idx="2">
-            <a:schemeClr val="accent1">
-              <a:shade val="50000"/>
-            </a:schemeClr>
-          </a:lnRef>
-          <a:fillRef idx="1">
-            <a:schemeClr val="accent1"/>
-          </a:fillRef>
-          <a:effectRef idx="0">
-            <a:schemeClr val="accent1"/>
-          </a:effectRef>
-          <a:fontRef idx="minor">
-            <a:schemeClr val="lt1"/>
-          </a:fontRef>
-        </p:style>
-        <p:txBody>
-          <a:bodyPr rtlCol="0" anchor="ctr"/>
-          <a:lstStyle/>
-          <a:p>
-            <a:pPr algn="ctr"/>
-            <a:r>
-              <a:rPr lang="en-US" sz="2400" dirty="0" smtClean="0">
-                <a:solidFill>
-                  <a:schemeClr val="tx1"/>
-                </a:solidFill>
-              </a:rPr>
-              <a:t>Substantive Expertise</a:t>
-            </a:r>
-          </a:p>
-          <a:p>
-            <a:pPr algn="ctr"/>
-            <a:r>
-              <a:rPr lang="en-US" sz="2400" dirty="0" smtClean="0">
-                <a:solidFill>
-                  <a:schemeClr val="tx1"/>
-                </a:solidFill>
-              </a:rPr>
-              <a:t>Domain Knowledge</a:t>
-            </a:r>
-            <a:endParaRPr lang="en-US" sz="2400" dirty="0">
-              <a:solidFill>
-                <a:schemeClr val="tx1"/>
-              </a:solidFill>
-            </a:endParaRPr>
-          </a:p>
-        </p:txBody>
-      </p:sp>
-      <p:sp>
-        <p:nvSpPr>
-          <p:cNvPr id="14" name="TextBox 13"/>
-          <p:cNvSpPr txBox="1"/>
-          <p:nvPr/>
-        </p:nvSpPr>
-        <p:spPr>
-          <a:xfrm>
-            <a:off x="0" y="1"/>
-            <a:ext cx="4037610" cy="1477328"/>
-          </a:xfrm>
-          <a:prstGeom prst="rect">
-            <a:avLst/>
-          </a:prstGeom>
-          <a:noFill/>
-        </p:spPr>
-        <p:txBody>
-          <a:bodyPr wrap="square" rtlCol="0">
-            <a:spAutoFit/>
-          </a:bodyPr>
-          <a:lstStyle/>
-          <a:p>
-            <a:r>
-              <a:rPr lang="en-US" dirty="0" smtClean="0"/>
-              <a:t>The Data Science Venn Diagram</a:t>
-            </a:r>
-          </a:p>
-          <a:p>
-            <a:endParaRPr lang="en-US" dirty="0"/>
-          </a:p>
-          <a:p>
-            <a:r>
-              <a:rPr lang="en-US" dirty="0" smtClean="0"/>
-              <a:t>Understanding the Data Science Venn Diagram can help faculty better prepare their students for careers in data science. </a:t>
-            </a:r>
-          </a:p>
-        </p:txBody>
-      </p:sp>
-      <p:sp>
-        <p:nvSpPr>
-          <p:cNvPr id="15" name="TextBox 14"/>
-          <p:cNvSpPr txBox="1"/>
-          <p:nvPr/>
-        </p:nvSpPr>
-        <p:spPr>
-          <a:xfrm>
-            <a:off x="10215562" y="6550223"/>
-            <a:ext cx="1976438" cy="307777"/>
-          </a:xfrm>
-          <a:prstGeom prst="rect">
-            <a:avLst/>
-          </a:prstGeom>
-          <a:noFill/>
-        </p:spPr>
-        <p:txBody>
-          <a:bodyPr wrap="none" rtlCol="0">
-            <a:spAutoFit/>
-          </a:bodyPr>
-          <a:lstStyle/>
-          <a:p>
-            <a:r>
-              <a:rPr lang="en-US" sz="1400" dirty="0" smtClean="0">
-                <a:hlinkClick r:id="rId2"/>
-              </a:rPr>
-              <a:t>Thanks to Drew Conway </a:t>
-            </a:r>
-            <a:endParaRPr lang="en-US" sz="1400" dirty="0"/>
-          </a:p>
-        </p:txBody>
-      </p:sp>
-    </p:spTree>
-    <p:extLst>
-      <p:ext uri="{BB962C8B-B14F-4D97-AF65-F5344CB8AC3E}">
-        <p14:creationId xmlns:p14="http://schemas.microsoft.com/office/powerpoint/2010/main" val="2641967925"/>
-      </p:ext>
-    </p:extLst>
-  </p:cSld>
-  <p:clrMapOvr>
-    <a:masterClrMapping/>
-  </p:clrMapOvr>
-</p:sld>
-</file>
-
-<file path=ppt/slides/slide4.xml><?xml version="1.0" encoding="utf-8"?>
-<p:sld xmlns:a="http://schemas.openxmlformats.org/drawingml/2006/main" xmlns:r="http://schemas.openxmlformats.org/officeDocument/2006/relationships" xmlns:p="http://schemas.openxmlformats.org/presentationml/2006/main">
-  <p:cSld>
-    <p:spTree>
-      <p:nvGrpSpPr>
-        <p:cNvPr id="1" name=""/>
-        <p:cNvGrpSpPr/>
-        <p:nvPr/>
-      </p:nvGrpSpPr>
-      <p:grpSpPr>
-        <a:xfrm>
-          <a:off x="0" y="0"/>
-          <a:ext cx="0" cy="0"/>
-          <a:chOff x="0" y="0"/>
-          <a:chExt cx="0" cy="0"/>
-        </a:xfrm>
-      </p:grpSpPr>
-      <p:sp>
-        <p:nvSpPr>
-          <p:cNvPr id="13" name="Freeform 12"/>
-          <p:cNvSpPr/>
-          <p:nvPr/>
-        </p:nvSpPr>
-        <p:spPr>
-          <a:xfrm>
-            <a:off x="7620000" y="661986"/>
-            <a:ext cx="1355765" cy="1724989"/>
-          </a:xfrm>
-          <a:custGeom>
-            <a:avLst/>
-            <a:gdLst>
-              <a:gd name="connsiteX0" fmla="*/ 677883 w 1355765"/>
-              <a:gd name="connsiteY0" fmla="*/ 0 h 1724989"/>
-              <a:gd name="connsiteX1" fmla="*/ 686211 w 1355765"/>
-              <a:gd name="connsiteY1" fmla="*/ 7569 h 1724989"/>
-              <a:gd name="connsiteX2" fmla="*/ 1355765 w 1355765"/>
-              <a:gd name="connsiteY2" fmla="*/ 1624015 h 1724989"/>
-              <a:gd name="connsiteX3" fmla="*/ 1350667 w 1355765"/>
-              <a:gd name="connsiteY3" fmla="*/ 1724989 h 1724989"/>
-              <a:gd name="connsiteX4" fmla="*/ 1138592 w 1355765"/>
-              <a:gd name="connsiteY4" fmla="*/ 1670458 h 1724989"/>
-              <a:gd name="connsiteX5" fmla="*/ 677883 w 1355765"/>
-              <a:gd name="connsiteY5" fmla="*/ 1624015 h 1724989"/>
-              <a:gd name="connsiteX6" fmla="*/ 217174 w 1355765"/>
-              <a:gd name="connsiteY6" fmla="*/ 1670458 h 1724989"/>
-              <a:gd name="connsiteX7" fmla="*/ 5099 w 1355765"/>
-              <a:gd name="connsiteY7" fmla="*/ 1724989 h 1724989"/>
-              <a:gd name="connsiteX8" fmla="*/ 0 w 1355765"/>
-              <a:gd name="connsiteY8" fmla="*/ 1624015 h 1724989"/>
-              <a:gd name="connsiteX9" fmla="*/ 669554 w 1355765"/>
-              <a:gd name="connsiteY9" fmla="*/ 7569 h 1724989"/>
-              <a:gd name="connsiteX10" fmla="*/ 677883 w 1355765"/>
-              <a:gd name="connsiteY10" fmla="*/ 0 h 1724989"/>
-            </a:gdLst>
-            <a:ahLst/>
-            <a:cxnLst>
-              <a:cxn ang="0">
-                <a:pos x="connsiteX0" y="connsiteY0"/>
-              </a:cxn>
-              <a:cxn ang="0">
-                <a:pos x="connsiteX1" y="connsiteY1"/>
-              </a:cxn>
-              <a:cxn ang="0">
-                <a:pos x="connsiteX2" y="connsiteY2"/>
-              </a:cxn>
-              <a:cxn ang="0">
-                <a:pos x="connsiteX3" y="connsiteY3"/>
-              </a:cxn>
-              <a:cxn ang="0">
-                <a:pos x="connsiteX4" y="connsiteY4"/>
-              </a:cxn>
-              <a:cxn ang="0">
-                <a:pos x="connsiteX5" y="connsiteY5"/>
-              </a:cxn>
-              <a:cxn ang="0">
-                <a:pos x="connsiteX6" y="connsiteY6"/>
-              </a:cxn>
-              <a:cxn ang="0">
-                <a:pos x="connsiteX7" y="connsiteY7"/>
-              </a:cxn>
-              <a:cxn ang="0">
-                <a:pos x="connsiteX8" y="connsiteY8"/>
-              </a:cxn>
-              <a:cxn ang="0">
-                <a:pos x="connsiteX9" y="connsiteY9"/>
-              </a:cxn>
-              <a:cxn ang="0">
-                <a:pos x="connsiteX10" y="connsiteY10"/>
-              </a:cxn>
-            </a:cxnLst>
-            <a:rect l="l" t="t" r="r" b="b"/>
-            <a:pathLst>
-              <a:path w="1355765" h="1724989">
-                <a:moveTo>
-                  <a:pt x="677883" y="0"/>
-                </a:moveTo>
-                <a:lnTo>
-                  <a:pt x="686211" y="7569"/>
-                </a:lnTo>
-                <a:cubicBezTo>
-                  <a:pt x="1099896" y="421253"/>
-                  <a:pt x="1355765" y="992753"/>
-                  <a:pt x="1355765" y="1624015"/>
-                </a:cubicBezTo>
-                <a:lnTo>
-                  <a:pt x="1350667" y="1724989"/>
-                </a:lnTo>
-                <a:lnTo>
-                  <a:pt x="1138592" y="1670458"/>
-                </a:lnTo>
-                <a:cubicBezTo>
-                  <a:pt x="989779" y="1640007"/>
-                  <a:pt x="835699" y="1624015"/>
-                  <a:pt x="677883" y="1624015"/>
-                </a:cubicBezTo>
-                <a:cubicBezTo>
-                  <a:pt x="520068" y="1624015"/>
-                  <a:pt x="365988" y="1640007"/>
-                  <a:pt x="217174" y="1670458"/>
-                </a:cubicBezTo>
-                <a:lnTo>
-                  <a:pt x="5099" y="1724989"/>
-                </a:lnTo>
-                <a:lnTo>
-                  <a:pt x="0" y="1624015"/>
-                </a:lnTo>
-                <a:cubicBezTo>
-                  <a:pt x="0" y="992753"/>
-                  <a:pt x="255869" y="421253"/>
-                  <a:pt x="669554" y="7569"/>
-                </a:cubicBezTo>
-                <a:lnTo>
-                  <a:pt x="677883" y="0"/>
-                </a:lnTo>
-                <a:close/>
-              </a:path>
-            </a:pathLst>
-          </a:custGeom>
-          <a:solidFill>
-            <a:schemeClr val="accent6">
-              <a:lumMod val="50000"/>
-              <a:alpha val="40000"/>
-            </a:schemeClr>
-          </a:solidFill>
-          <a:ln>
-            <a:noFill/>
-          </a:ln>
-        </p:spPr>
-        <p:style>
-          <a:lnRef idx="2">
-            <a:schemeClr val="accent1">
-              <a:shade val="50000"/>
-            </a:schemeClr>
-          </a:lnRef>
-          <a:fillRef idx="1">
-            <a:schemeClr val="accent1"/>
-          </a:fillRef>
-          <a:effectRef idx="0">
-            <a:schemeClr val="accent1"/>
-          </a:effectRef>
-          <a:fontRef idx="minor">
-            <a:schemeClr val="lt1"/>
-          </a:fontRef>
-        </p:style>
-        <p:txBody>
-          <a:bodyPr rtlCol="0" anchor="ctr"/>
-          <a:lstStyle/>
-          <a:p>
-            <a:pPr algn="ctr"/>
-            <a:endParaRPr lang="en-US" sz="1600" dirty="0" smtClean="0">
-              <a:solidFill>
-                <a:schemeClr val="tx1"/>
-              </a:solidFill>
-            </a:endParaRPr>
-          </a:p>
-          <a:p>
-            <a:pPr algn="ctr"/>
-            <a:r>
-              <a:rPr lang="en-US" sz="1600" dirty="0" smtClean="0">
-                <a:solidFill>
-                  <a:schemeClr val="tx1"/>
-                </a:solidFill>
-              </a:rPr>
-              <a:t>Machine</a:t>
-            </a:r>
-          </a:p>
-          <a:p>
-            <a:pPr algn="ctr"/>
-            <a:r>
-              <a:rPr lang="en-US" sz="1600" dirty="0" smtClean="0">
-                <a:solidFill>
-                  <a:schemeClr val="tx1"/>
-                </a:solidFill>
-              </a:rPr>
-              <a:t>Learning</a:t>
-            </a:r>
-          </a:p>
-          <a:p>
-            <a:pPr algn="ctr"/>
-            <a:r>
-              <a:rPr lang="en-US" sz="1600" dirty="0" smtClean="0">
-                <a:solidFill>
-                  <a:schemeClr val="tx1"/>
-                </a:solidFill>
-              </a:rPr>
-              <a:t>Scientist</a:t>
-            </a:r>
-            <a:endParaRPr lang="en-US" sz="1600" dirty="0">
-              <a:solidFill>
-                <a:schemeClr val="tx1"/>
-              </a:solidFill>
-            </a:endParaRPr>
-          </a:p>
-        </p:txBody>
-      </p:sp>
-      <p:sp>
-        <p:nvSpPr>
-          <p:cNvPr id="12" name="Freeform 11"/>
-          <p:cNvSpPr/>
-          <p:nvPr/>
-        </p:nvSpPr>
-        <p:spPr>
-          <a:xfrm>
-            <a:off x="8297882" y="2386974"/>
-            <a:ext cx="2280902" cy="2185026"/>
-          </a:xfrm>
-          <a:custGeom>
-            <a:avLst/>
-            <a:gdLst>
-              <a:gd name="connsiteX0" fmla="*/ 672784 w 2280902"/>
-              <a:gd name="connsiteY0" fmla="*/ 0 h 2185026"/>
-              <a:gd name="connsiteX1" fmla="*/ 679786 w 2280902"/>
-              <a:gd name="connsiteY1" fmla="*/ 1800 h 2185026"/>
-              <a:gd name="connsiteX2" fmla="*/ 2274198 w 2280902"/>
-              <a:gd name="connsiteY2" fmla="*/ 1951296 h 2185026"/>
-              <a:gd name="connsiteX3" fmla="*/ 2280902 w 2280902"/>
-              <a:gd name="connsiteY3" fmla="*/ 2084053 h 2185026"/>
-              <a:gd name="connsiteX4" fmla="*/ 2068826 w 2280902"/>
-              <a:gd name="connsiteY4" fmla="*/ 2138583 h 2185026"/>
-              <a:gd name="connsiteX5" fmla="*/ 1608117 w 2280902"/>
-              <a:gd name="connsiteY5" fmla="*/ 2185026 h 2185026"/>
-              <a:gd name="connsiteX6" fmla="*/ 154009 w 2280902"/>
-              <a:gd name="connsiteY6" fmla="*/ 1663015 h 2185026"/>
-              <a:gd name="connsiteX7" fmla="*/ 0 w 2280902"/>
-              <a:gd name="connsiteY7" fmla="*/ 1523042 h 2185026"/>
-              <a:gd name="connsiteX8" fmla="*/ 8328 w 2280902"/>
-              <a:gd name="connsiteY8" fmla="*/ 1515472 h 2185026"/>
-              <a:gd name="connsiteX9" fmla="*/ 666080 w 2280902"/>
-              <a:gd name="connsiteY9" fmla="*/ 132756 h 2185026"/>
-              <a:gd name="connsiteX10" fmla="*/ 672784 w 2280902"/>
-              <a:gd name="connsiteY10" fmla="*/ 0 h 2185026"/>
-            </a:gdLst>
-            <a:ahLst/>
-            <a:cxnLst>
-              <a:cxn ang="0">
-                <a:pos x="connsiteX0" y="connsiteY0"/>
-              </a:cxn>
-              <a:cxn ang="0">
-                <a:pos x="connsiteX1" y="connsiteY1"/>
-              </a:cxn>
-              <a:cxn ang="0">
-                <a:pos x="connsiteX2" y="connsiteY2"/>
-              </a:cxn>
-              <a:cxn ang="0">
-                <a:pos x="connsiteX3" y="connsiteY3"/>
-              </a:cxn>
-              <a:cxn ang="0">
-                <a:pos x="connsiteX4" y="connsiteY4"/>
-              </a:cxn>
-              <a:cxn ang="0">
-                <a:pos x="connsiteX5" y="connsiteY5"/>
-              </a:cxn>
-              <a:cxn ang="0">
-                <a:pos x="connsiteX6" y="connsiteY6"/>
-              </a:cxn>
-              <a:cxn ang="0">
-                <a:pos x="connsiteX7" y="connsiteY7"/>
-              </a:cxn>
-              <a:cxn ang="0">
-                <a:pos x="connsiteX8" y="connsiteY8"/>
-              </a:cxn>
-              <a:cxn ang="0">
-                <a:pos x="connsiteX9" y="connsiteY9"/>
-              </a:cxn>
-              <a:cxn ang="0">
-                <a:pos x="connsiteX10" y="connsiteY10"/>
-              </a:cxn>
-            </a:cxnLst>
-            <a:rect l="l" t="t" r="r" b="b"/>
-            <a:pathLst>
-              <a:path w="2280902" h="2185026">
-                <a:moveTo>
-                  <a:pt x="672784" y="0"/>
-                </a:moveTo>
-                <a:lnTo>
-                  <a:pt x="679786" y="1800"/>
-                </a:lnTo>
-                <a:cubicBezTo>
-                  <a:pt x="1538764" y="268970"/>
-                  <a:pt x="2180545" y="1029112"/>
-                  <a:pt x="2274198" y="1951296"/>
-                </a:cubicBezTo>
-                <a:lnTo>
-                  <a:pt x="2280902" y="2084053"/>
-                </a:lnTo>
-                <a:lnTo>
-                  <a:pt x="2068826" y="2138583"/>
-                </a:lnTo>
-                <a:cubicBezTo>
-                  <a:pt x="1920013" y="2169034"/>
-                  <a:pt x="1765933" y="2185026"/>
-                  <a:pt x="1608117" y="2185026"/>
-                </a:cubicBezTo>
-                <a:cubicBezTo>
-                  <a:pt x="1055763" y="2185026"/>
-                  <a:pt x="549165" y="1989126"/>
-                  <a:pt x="154009" y="1663015"/>
-                </a:cubicBezTo>
-                <a:lnTo>
-                  <a:pt x="0" y="1523042"/>
-                </a:lnTo>
-                <a:lnTo>
-                  <a:pt x="8328" y="1515472"/>
-                </a:lnTo>
-                <a:cubicBezTo>
-                  <a:pt x="370302" y="1153498"/>
-                  <a:pt x="611449" y="670697"/>
-                  <a:pt x="666080" y="132756"/>
-                </a:cubicBezTo>
-                <a:lnTo>
-                  <a:pt x="672784" y="0"/>
-                </a:lnTo>
-                <a:close/>
-              </a:path>
-            </a:pathLst>
-          </a:custGeom>
-          <a:solidFill>
-            <a:schemeClr val="accent1">
-              <a:lumMod val="60000"/>
-              <a:lumOff val="40000"/>
-              <a:alpha val="40000"/>
-            </a:schemeClr>
-          </a:solidFill>
-          <a:ln>
-            <a:noFill/>
-          </a:ln>
-        </p:spPr>
-        <p:style>
-          <a:lnRef idx="2">
-            <a:schemeClr val="accent1">
-              <a:shade val="50000"/>
-            </a:schemeClr>
-          </a:lnRef>
-          <a:fillRef idx="1">
-            <a:schemeClr val="accent1"/>
-          </a:fillRef>
-          <a:effectRef idx="0">
-            <a:schemeClr val="accent1"/>
-          </a:effectRef>
-          <a:fontRef idx="minor">
-            <a:schemeClr val="lt1"/>
-          </a:fontRef>
-        </p:style>
-        <p:txBody>
-          <a:bodyPr rtlCol="0" anchor="ctr"/>
-          <a:lstStyle/>
-          <a:p>
-            <a:pPr algn="ctr"/>
-            <a:r>
-              <a:rPr lang="en-US" sz="1600" dirty="0" smtClean="0">
-                <a:solidFill>
-                  <a:schemeClr val="tx1"/>
-                </a:solidFill>
-              </a:rPr>
-              <a:t>Traditional</a:t>
-            </a:r>
-          </a:p>
-          <a:p>
-            <a:pPr algn="ctr"/>
-            <a:r>
-              <a:rPr lang="en-US" sz="1600" dirty="0" smtClean="0">
-                <a:solidFill>
-                  <a:schemeClr val="tx1"/>
-                </a:solidFill>
-              </a:rPr>
-              <a:t>Research</a:t>
-            </a:r>
-            <a:endParaRPr lang="en-US" sz="1600" dirty="0">
-              <a:solidFill>
-                <a:schemeClr val="tx1"/>
-              </a:solidFill>
-            </a:endParaRPr>
-          </a:p>
-        </p:txBody>
-      </p:sp>
-      <p:sp>
-        <p:nvSpPr>
-          <p:cNvPr id="11" name="Freeform 10"/>
-          <p:cNvSpPr/>
-          <p:nvPr/>
-        </p:nvSpPr>
-        <p:spPr>
-          <a:xfrm>
-            <a:off x="6016982" y="2386974"/>
-            <a:ext cx="2280901" cy="2185026"/>
-          </a:xfrm>
-          <a:custGeom>
-            <a:avLst/>
-            <a:gdLst>
-              <a:gd name="connsiteX0" fmla="*/ 1608117 w 2280901"/>
-              <a:gd name="connsiteY0" fmla="*/ 0 h 2185026"/>
-              <a:gd name="connsiteX1" fmla="*/ 1614820 w 2280901"/>
-              <a:gd name="connsiteY1" fmla="*/ 132756 h 2185026"/>
-              <a:gd name="connsiteX2" fmla="*/ 2272572 w 2280901"/>
-              <a:gd name="connsiteY2" fmla="*/ 1515472 h 2185026"/>
-              <a:gd name="connsiteX3" fmla="*/ 2280901 w 2280901"/>
-              <a:gd name="connsiteY3" fmla="*/ 1523042 h 2185026"/>
-              <a:gd name="connsiteX4" fmla="*/ 2126891 w 2280901"/>
-              <a:gd name="connsiteY4" fmla="*/ 1663015 h 2185026"/>
-              <a:gd name="connsiteX5" fmla="*/ 672783 w 2280901"/>
-              <a:gd name="connsiteY5" fmla="*/ 2185026 h 2185026"/>
-              <a:gd name="connsiteX6" fmla="*/ 212074 w 2280901"/>
-              <a:gd name="connsiteY6" fmla="*/ 2138583 h 2185026"/>
-              <a:gd name="connsiteX7" fmla="*/ 0 w 2280901"/>
-              <a:gd name="connsiteY7" fmla="*/ 2084053 h 2185026"/>
-              <a:gd name="connsiteX8" fmla="*/ 6703 w 2280901"/>
-              <a:gd name="connsiteY8" fmla="*/ 1951296 h 2185026"/>
-              <a:gd name="connsiteX9" fmla="*/ 1601115 w 2280901"/>
-              <a:gd name="connsiteY9" fmla="*/ 1800 h 2185026"/>
-              <a:gd name="connsiteX10" fmla="*/ 1608117 w 2280901"/>
-              <a:gd name="connsiteY10" fmla="*/ 0 h 2185026"/>
-            </a:gdLst>
-            <a:ahLst/>
-            <a:cxnLst>
-              <a:cxn ang="0">
-                <a:pos x="connsiteX0" y="connsiteY0"/>
-              </a:cxn>
-              <a:cxn ang="0">
-                <a:pos x="connsiteX1" y="connsiteY1"/>
-              </a:cxn>
-              <a:cxn ang="0">
-                <a:pos x="connsiteX2" y="connsiteY2"/>
-              </a:cxn>
-              <a:cxn ang="0">
-                <a:pos x="connsiteX3" y="connsiteY3"/>
-              </a:cxn>
-              <a:cxn ang="0">
-                <a:pos x="connsiteX4" y="connsiteY4"/>
-              </a:cxn>
-              <a:cxn ang="0">
-                <a:pos x="connsiteX5" y="connsiteY5"/>
-              </a:cxn>
-              <a:cxn ang="0">
-                <a:pos x="connsiteX6" y="connsiteY6"/>
-              </a:cxn>
-              <a:cxn ang="0">
-                <a:pos x="connsiteX7" y="connsiteY7"/>
-              </a:cxn>
-              <a:cxn ang="0">
-                <a:pos x="connsiteX8" y="connsiteY8"/>
-              </a:cxn>
-              <a:cxn ang="0">
-                <a:pos x="connsiteX9" y="connsiteY9"/>
-              </a:cxn>
-              <a:cxn ang="0">
-                <a:pos x="connsiteX10" y="connsiteY10"/>
-              </a:cxn>
-            </a:cxnLst>
-            <a:rect l="l" t="t" r="r" b="b"/>
-            <a:pathLst>
-              <a:path w="2280901" h="2185026">
-                <a:moveTo>
-                  <a:pt x="1608117" y="0"/>
-                </a:moveTo>
-                <a:lnTo>
-                  <a:pt x="1614820" y="132756"/>
-                </a:lnTo>
-                <a:cubicBezTo>
-                  <a:pt x="1669451" y="670697"/>
-                  <a:pt x="1910598" y="1153498"/>
-                  <a:pt x="2272572" y="1515472"/>
-                </a:cubicBezTo>
-                <a:lnTo>
-                  <a:pt x="2280901" y="1523042"/>
-                </a:lnTo>
-                <a:lnTo>
-                  <a:pt x="2126891" y="1663015"/>
-                </a:lnTo>
-                <a:cubicBezTo>
-                  <a:pt x="1731736" y="1989126"/>
-                  <a:pt x="1225137" y="2185026"/>
-                  <a:pt x="672783" y="2185026"/>
-                </a:cubicBezTo>
-                <a:cubicBezTo>
-                  <a:pt x="514968" y="2185026"/>
-                  <a:pt x="360887" y="2169034"/>
-                  <a:pt x="212074" y="2138583"/>
-                </a:cubicBezTo>
-                <a:lnTo>
-                  <a:pt x="0" y="2084053"/>
-                </a:lnTo>
-                <a:lnTo>
-                  <a:pt x="6703" y="1951296"/>
-                </a:lnTo>
-                <a:cubicBezTo>
-                  <a:pt x="100356" y="1029112"/>
-                  <a:pt x="742137" y="268970"/>
-                  <a:pt x="1601115" y="1800"/>
-                </a:cubicBezTo>
-                <a:lnTo>
-                  <a:pt x="1608117" y="0"/>
-                </a:lnTo>
-                <a:close/>
-              </a:path>
-            </a:pathLst>
-          </a:custGeom>
-          <a:noFill/>
-          <a:ln>
-            <a:solidFill>
-              <a:schemeClr val="bg1">
-                <a:lumMod val="85000"/>
-              </a:schemeClr>
-            </a:solidFill>
-          </a:ln>
-        </p:spPr>
-        <p:style>
-          <a:lnRef idx="2">
-            <a:schemeClr val="accent1">
-              <a:shade val="50000"/>
-            </a:schemeClr>
-          </a:lnRef>
-          <a:fillRef idx="1">
-            <a:schemeClr val="accent1"/>
-          </a:fillRef>
-          <a:effectRef idx="0">
-            <a:schemeClr val="accent1"/>
-          </a:effectRef>
-          <a:fontRef idx="minor">
-            <a:schemeClr val="lt1"/>
-          </a:fontRef>
-        </p:style>
-        <p:txBody>
-          <a:bodyPr rtlCol="0" anchor="ctr"/>
-          <a:lstStyle/>
-          <a:p>
-            <a:pPr algn="ctr"/>
-            <a:r>
-              <a:rPr lang="en-US" sz="1600" i="1" dirty="0" smtClean="0">
-                <a:solidFill>
-                  <a:schemeClr val="bg1">
-                    <a:lumMod val="85000"/>
-                  </a:schemeClr>
-                </a:solidFill>
-              </a:rPr>
-              <a:t>Danger</a:t>
-            </a:r>
-          </a:p>
-          <a:p>
-            <a:pPr algn="ctr"/>
-            <a:r>
-              <a:rPr lang="en-US" sz="1600" i="1" dirty="0" smtClean="0">
-                <a:solidFill>
-                  <a:schemeClr val="bg1">
-                    <a:lumMod val="85000"/>
-                  </a:schemeClr>
-                </a:solidFill>
-              </a:rPr>
-              <a:t>Zone!</a:t>
-            </a:r>
-            <a:endParaRPr lang="en-US" sz="1600" i="1" dirty="0">
-              <a:solidFill>
-                <a:schemeClr val="bg1">
-                  <a:lumMod val="85000"/>
-                </a:schemeClr>
-              </a:solidFill>
-            </a:endParaRPr>
-          </a:p>
-        </p:txBody>
-      </p:sp>
-      <p:sp>
-        <p:nvSpPr>
-          <p:cNvPr id="10" name="Freeform 9"/>
-          <p:cNvSpPr/>
-          <p:nvPr/>
-        </p:nvSpPr>
-        <p:spPr>
-          <a:xfrm>
-            <a:off x="4403764" y="1"/>
-            <a:ext cx="3894118" cy="4471027"/>
-          </a:xfrm>
-          <a:custGeom>
-            <a:avLst/>
-            <a:gdLst>
-              <a:gd name="connsiteX0" fmla="*/ 2286000 w 3894118"/>
-              <a:gd name="connsiteY0" fmla="*/ 0 h 4471027"/>
-              <a:gd name="connsiteX1" fmla="*/ 3740108 w 3894118"/>
-              <a:gd name="connsiteY1" fmla="*/ 522011 h 4471027"/>
-              <a:gd name="connsiteX2" fmla="*/ 3894118 w 3894118"/>
-              <a:gd name="connsiteY2" fmla="*/ 661985 h 4471027"/>
-              <a:gd name="connsiteX3" fmla="*/ 3885789 w 3894118"/>
-              <a:gd name="connsiteY3" fmla="*/ 669554 h 4471027"/>
-              <a:gd name="connsiteX4" fmla="*/ 3216235 w 3894118"/>
-              <a:gd name="connsiteY4" fmla="*/ 2286000 h 4471027"/>
-              <a:gd name="connsiteX5" fmla="*/ 3221334 w 3894118"/>
-              <a:gd name="connsiteY5" fmla="*/ 2386974 h 4471027"/>
-              <a:gd name="connsiteX6" fmla="*/ 3214332 w 3894118"/>
-              <a:gd name="connsiteY6" fmla="*/ 2388774 h 4471027"/>
-              <a:gd name="connsiteX7" fmla="*/ 1619920 w 3894118"/>
-              <a:gd name="connsiteY7" fmla="*/ 4338270 h 4471027"/>
-              <a:gd name="connsiteX8" fmla="*/ 1613217 w 3894118"/>
-              <a:gd name="connsiteY8" fmla="*/ 4471027 h 4471027"/>
-              <a:gd name="connsiteX9" fmla="*/ 1606214 w 3894118"/>
-              <a:gd name="connsiteY9" fmla="*/ 4469226 h 4471027"/>
-              <a:gd name="connsiteX10" fmla="*/ 0 w 3894118"/>
-              <a:gd name="connsiteY10" fmla="*/ 2286000 h 4471027"/>
-              <a:gd name="connsiteX11" fmla="*/ 2286000 w 3894118"/>
-              <a:gd name="connsiteY11" fmla="*/ 0 h 4471027"/>
-            </a:gdLst>
-            <a:ahLst/>
-            <a:cxnLst>
-              <a:cxn ang="0">
-                <a:pos x="connsiteX0" y="connsiteY0"/>
-              </a:cxn>
-              <a:cxn ang="0">
-                <a:pos x="connsiteX1" y="connsiteY1"/>
-              </a:cxn>
-              <a:cxn ang="0">
-                <a:pos x="connsiteX2" y="connsiteY2"/>
-              </a:cxn>
-              <a:cxn ang="0">
-                <a:pos x="connsiteX3" y="connsiteY3"/>
-              </a:cxn>
-              <a:cxn ang="0">
-                <a:pos x="connsiteX4" y="connsiteY4"/>
-              </a:cxn>
-              <a:cxn ang="0">
-                <a:pos x="connsiteX5" y="connsiteY5"/>
-              </a:cxn>
-              <a:cxn ang="0">
-                <a:pos x="connsiteX6" y="connsiteY6"/>
-              </a:cxn>
-              <a:cxn ang="0">
-                <a:pos x="connsiteX7" y="connsiteY7"/>
-              </a:cxn>
-              <a:cxn ang="0">
-                <a:pos x="connsiteX8" y="connsiteY8"/>
-              </a:cxn>
-              <a:cxn ang="0">
-                <a:pos x="connsiteX9" y="connsiteY9"/>
-              </a:cxn>
-              <a:cxn ang="0">
-                <a:pos x="connsiteX10" y="connsiteY10"/>
-              </a:cxn>
-              <a:cxn ang="0">
-                <a:pos x="connsiteX11" y="connsiteY11"/>
-              </a:cxn>
-            </a:cxnLst>
-            <a:rect l="l" t="t" r="r" b="b"/>
-            <a:pathLst>
-              <a:path w="3894118" h="4471027">
-                <a:moveTo>
-                  <a:pt x="2286000" y="0"/>
-                </a:moveTo>
-                <a:cubicBezTo>
-                  <a:pt x="2838354" y="0"/>
-                  <a:pt x="3344953" y="195900"/>
-                  <a:pt x="3740108" y="522011"/>
-                </a:cubicBezTo>
-                <a:lnTo>
-                  <a:pt x="3894118" y="661985"/>
-                </a:lnTo>
-                <a:lnTo>
-                  <a:pt x="3885789" y="669554"/>
-                </a:lnTo>
-                <a:cubicBezTo>
-                  <a:pt x="3472104" y="1083238"/>
-                  <a:pt x="3216235" y="1654738"/>
-                  <a:pt x="3216235" y="2286000"/>
-                </a:cubicBezTo>
-                <a:lnTo>
-                  <a:pt x="3221334" y="2386974"/>
-                </a:lnTo>
-                <a:lnTo>
-                  <a:pt x="3214332" y="2388774"/>
-                </a:lnTo>
-                <a:cubicBezTo>
-                  <a:pt x="2355354" y="2655944"/>
-                  <a:pt x="1713573" y="3416086"/>
-                  <a:pt x="1619920" y="4338270"/>
-                </a:cubicBezTo>
-                <a:lnTo>
-                  <a:pt x="1613217" y="4471027"/>
-                </a:lnTo>
-                <a:lnTo>
-                  <a:pt x="1606214" y="4469226"/>
-                </a:lnTo>
-                <a:cubicBezTo>
-                  <a:pt x="675655" y="4179792"/>
-                  <a:pt x="0" y="3311800"/>
-                  <a:pt x="0" y="2286000"/>
-                </a:cubicBezTo>
-                <a:cubicBezTo>
-                  <a:pt x="0" y="1023477"/>
-                  <a:pt x="1023477" y="0"/>
-                  <a:pt x="2286000" y="0"/>
-                </a:cubicBezTo>
-                <a:close/>
-              </a:path>
-            </a:pathLst>
-          </a:custGeom>
-          <a:noFill/>
-          <a:ln>
-            <a:solidFill>
-              <a:schemeClr val="bg1">
-                <a:lumMod val="85000"/>
-              </a:schemeClr>
-            </a:solidFill>
-          </a:ln>
-        </p:spPr>
-        <p:style>
-          <a:lnRef idx="2">
-            <a:schemeClr val="accent1">
-              <a:shade val="50000"/>
-            </a:schemeClr>
-          </a:lnRef>
-          <a:fillRef idx="1">
-            <a:schemeClr val="accent1"/>
-          </a:fillRef>
-          <a:effectRef idx="0">
-            <a:schemeClr val="accent1"/>
-          </a:effectRef>
-          <a:fontRef idx="minor">
-            <a:schemeClr val="lt1"/>
-          </a:fontRef>
-        </p:style>
-        <p:txBody>
-          <a:bodyPr rtlCol="0" anchor="ctr"/>
-          <a:lstStyle/>
-          <a:p>
-            <a:pPr algn="ctr"/>
-            <a:r>
-              <a:rPr lang="en-US" sz="2400" i="1" dirty="0" smtClean="0">
-                <a:solidFill>
-                  <a:schemeClr val="bg1">
-                    <a:lumMod val="85000"/>
-                  </a:schemeClr>
-                </a:solidFill>
-              </a:rPr>
-              <a:t>Computer Science</a:t>
-            </a:r>
-          </a:p>
-          <a:p>
-            <a:pPr algn="ctr"/>
-            <a:r>
-              <a:rPr lang="en-US" sz="2400" i="1" dirty="0" smtClean="0">
-                <a:solidFill>
-                  <a:schemeClr val="bg1">
-                    <a:lumMod val="85000"/>
-                  </a:schemeClr>
-                </a:solidFill>
-              </a:rPr>
-              <a:t>Skills</a:t>
-            </a:r>
-          </a:p>
-          <a:p>
-            <a:pPr algn="ctr"/>
-            <a:endParaRPr lang="en-US" dirty="0"/>
-          </a:p>
-          <a:p>
-            <a:pPr algn="ctr"/>
-            <a:endParaRPr lang="en-US" dirty="0" smtClean="0"/>
-          </a:p>
-          <a:p>
-            <a:pPr algn="ctr"/>
-            <a:endParaRPr lang="en-US" dirty="0"/>
-          </a:p>
-          <a:p>
-            <a:pPr algn="ctr"/>
-            <a:endParaRPr lang="en-US" dirty="0" smtClean="0"/>
-          </a:p>
-          <a:p>
-            <a:pPr algn="ctr"/>
-            <a:endParaRPr lang="en-US" dirty="0"/>
-          </a:p>
-        </p:txBody>
-      </p:sp>
-      <p:sp>
-        <p:nvSpPr>
-          <p:cNvPr id="9" name="Freeform 8"/>
-          <p:cNvSpPr/>
-          <p:nvPr/>
-        </p:nvSpPr>
-        <p:spPr>
-          <a:xfrm>
-            <a:off x="8297883" y="1"/>
-            <a:ext cx="3894117" cy="4471027"/>
-          </a:xfrm>
-          <a:custGeom>
-            <a:avLst/>
-            <a:gdLst>
-              <a:gd name="connsiteX0" fmla="*/ 1608117 w 3894117"/>
-              <a:gd name="connsiteY0" fmla="*/ 0 h 4471027"/>
-              <a:gd name="connsiteX1" fmla="*/ 3894117 w 3894117"/>
-              <a:gd name="connsiteY1" fmla="*/ 2286000 h 4471027"/>
-              <a:gd name="connsiteX2" fmla="*/ 2287903 w 3894117"/>
-              <a:gd name="connsiteY2" fmla="*/ 4469226 h 4471027"/>
-              <a:gd name="connsiteX3" fmla="*/ 2280902 w 3894117"/>
-              <a:gd name="connsiteY3" fmla="*/ 4471027 h 4471027"/>
-              <a:gd name="connsiteX4" fmla="*/ 2274198 w 3894117"/>
-              <a:gd name="connsiteY4" fmla="*/ 4338270 h 4471027"/>
-              <a:gd name="connsiteX5" fmla="*/ 679786 w 3894117"/>
-              <a:gd name="connsiteY5" fmla="*/ 2388774 h 4471027"/>
-              <a:gd name="connsiteX6" fmla="*/ 672784 w 3894117"/>
-              <a:gd name="connsiteY6" fmla="*/ 2386974 h 4471027"/>
-              <a:gd name="connsiteX7" fmla="*/ 677882 w 3894117"/>
-              <a:gd name="connsiteY7" fmla="*/ 2286000 h 4471027"/>
-              <a:gd name="connsiteX8" fmla="*/ 8328 w 3894117"/>
-              <a:gd name="connsiteY8" fmla="*/ 669554 h 4471027"/>
-              <a:gd name="connsiteX9" fmla="*/ 0 w 3894117"/>
-              <a:gd name="connsiteY9" fmla="*/ 661985 h 4471027"/>
-              <a:gd name="connsiteX10" fmla="*/ 154009 w 3894117"/>
-              <a:gd name="connsiteY10" fmla="*/ 522011 h 4471027"/>
-              <a:gd name="connsiteX11" fmla="*/ 1608117 w 3894117"/>
-              <a:gd name="connsiteY11" fmla="*/ 0 h 4471027"/>
-            </a:gdLst>
-            <a:ahLst/>
-            <a:cxnLst>
-              <a:cxn ang="0">
-                <a:pos x="connsiteX0" y="connsiteY0"/>
-              </a:cxn>
-              <a:cxn ang="0">
-                <a:pos x="connsiteX1" y="connsiteY1"/>
-              </a:cxn>
-              <a:cxn ang="0">
-                <a:pos x="connsiteX2" y="connsiteY2"/>
-              </a:cxn>
-              <a:cxn ang="0">
-                <a:pos x="connsiteX3" y="connsiteY3"/>
-              </a:cxn>
-              <a:cxn ang="0">
-                <a:pos x="connsiteX4" y="connsiteY4"/>
-              </a:cxn>
-              <a:cxn ang="0">
-                <a:pos x="connsiteX5" y="connsiteY5"/>
-              </a:cxn>
-              <a:cxn ang="0">
-                <a:pos x="connsiteX6" y="connsiteY6"/>
-              </a:cxn>
-              <a:cxn ang="0">
-                <a:pos x="connsiteX7" y="connsiteY7"/>
-              </a:cxn>
-              <a:cxn ang="0">
-                <a:pos x="connsiteX8" y="connsiteY8"/>
-              </a:cxn>
-              <a:cxn ang="0">
-                <a:pos x="connsiteX9" y="connsiteY9"/>
-              </a:cxn>
-              <a:cxn ang="0">
-                <a:pos x="connsiteX10" y="connsiteY10"/>
-              </a:cxn>
-              <a:cxn ang="0">
-                <a:pos x="connsiteX11" y="connsiteY11"/>
-              </a:cxn>
-            </a:cxnLst>
-            <a:rect l="l" t="t" r="r" b="b"/>
-            <a:pathLst>
-              <a:path w="3894117" h="4471027">
-                <a:moveTo>
-                  <a:pt x="1608117" y="0"/>
-                </a:moveTo>
-                <a:cubicBezTo>
-                  <a:pt x="2870640" y="0"/>
-                  <a:pt x="3894117" y="1023477"/>
-                  <a:pt x="3894117" y="2286000"/>
-                </a:cubicBezTo>
-                <a:cubicBezTo>
-                  <a:pt x="3894117" y="3311800"/>
-                  <a:pt x="3218463" y="4179792"/>
-                  <a:pt x="2287903" y="4469226"/>
-                </a:cubicBezTo>
-                <a:lnTo>
-                  <a:pt x="2280902" y="4471027"/>
-                </a:lnTo>
-                <a:lnTo>
-                  <a:pt x="2274198" y="4338270"/>
-                </a:lnTo>
-                <a:cubicBezTo>
-                  <a:pt x="2180545" y="3416086"/>
-                  <a:pt x="1538764" y="2655944"/>
-                  <a:pt x="679786" y="2388774"/>
-                </a:cubicBezTo>
-                <a:lnTo>
-                  <a:pt x="672784" y="2386974"/>
-                </a:lnTo>
-                <a:lnTo>
-                  <a:pt x="677882" y="2286000"/>
-                </a:lnTo>
-                <a:cubicBezTo>
-                  <a:pt x="677882" y="1654738"/>
-                  <a:pt x="422013" y="1083238"/>
-                  <a:pt x="8328" y="669554"/>
-                </a:cubicBezTo>
-                <a:lnTo>
-                  <a:pt x="0" y="661985"/>
-                </a:lnTo>
-                <a:lnTo>
-                  <a:pt x="154009" y="522011"/>
-                </a:lnTo>
-                <a:cubicBezTo>
-                  <a:pt x="549165" y="195900"/>
-                  <a:pt x="1055763" y="0"/>
-                  <a:pt x="1608117" y="0"/>
-                </a:cubicBezTo>
-                <a:close/>
-              </a:path>
-            </a:pathLst>
-          </a:custGeom>
-          <a:solidFill>
-            <a:srgbClr val="70AD47">
-              <a:alpha val="40000"/>
-            </a:srgbClr>
-          </a:solidFill>
-          <a:ln>
-            <a:noFill/>
-          </a:ln>
-        </p:spPr>
-        <p:style>
-          <a:lnRef idx="2">
-            <a:schemeClr val="accent1">
-              <a:shade val="50000"/>
-            </a:schemeClr>
-          </a:lnRef>
-          <a:fillRef idx="1">
-            <a:schemeClr val="accent1"/>
-          </a:fillRef>
-          <a:effectRef idx="0">
-            <a:schemeClr val="accent1"/>
-          </a:effectRef>
-          <a:fontRef idx="minor">
-            <a:schemeClr val="lt1"/>
-          </a:fontRef>
-        </p:style>
-        <p:txBody>
-          <a:bodyPr rtlCol="0" anchor="ctr"/>
-          <a:lstStyle/>
-          <a:p>
-            <a:pPr algn="ctr"/>
-            <a:r>
-              <a:rPr lang="en-US" sz="2400" dirty="0" smtClean="0">
-                <a:solidFill>
-                  <a:schemeClr val="tx1"/>
-                </a:solidFill>
-              </a:rPr>
-              <a:t>Mathematics/</a:t>
-            </a:r>
-          </a:p>
-          <a:p>
-            <a:pPr algn="ctr"/>
-            <a:r>
-              <a:rPr lang="en-US" sz="2400" dirty="0" smtClean="0">
-                <a:solidFill>
-                  <a:schemeClr val="tx1"/>
-                </a:solidFill>
-              </a:rPr>
-              <a:t>Statistics</a:t>
-            </a:r>
-          </a:p>
-          <a:p>
-            <a:pPr algn="ctr"/>
-            <a:r>
-              <a:rPr lang="en-US" sz="2400" dirty="0" smtClean="0">
-                <a:solidFill>
-                  <a:schemeClr val="tx1"/>
-                </a:solidFill>
-              </a:rPr>
-              <a:t>Knowledge</a:t>
-            </a:r>
-          </a:p>
-          <a:p>
-            <a:pPr algn="ctr"/>
-            <a:endParaRPr lang="en-US" dirty="0"/>
-          </a:p>
-          <a:p>
-            <a:pPr algn="ctr"/>
-            <a:endParaRPr lang="en-US" dirty="0" smtClean="0"/>
-          </a:p>
-          <a:p>
-            <a:pPr algn="ctr"/>
-            <a:endParaRPr lang="en-US" dirty="0"/>
-          </a:p>
-          <a:p>
-            <a:pPr algn="ctr"/>
-            <a:endParaRPr lang="en-US" dirty="0" smtClean="0"/>
-          </a:p>
-          <a:p>
-            <a:pPr algn="ctr"/>
-            <a:endParaRPr lang="en-US" dirty="0"/>
-          </a:p>
-        </p:txBody>
-      </p:sp>
-      <p:sp>
-        <p:nvSpPr>
-          <p:cNvPr id="8" name="Freeform 7"/>
-          <p:cNvSpPr/>
-          <p:nvPr/>
-        </p:nvSpPr>
-        <p:spPr>
-          <a:xfrm>
-            <a:off x="7625098" y="2286000"/>
-            <a:ext cx="1345568" cy="1624016"/>
-          </a:xfrm>
-          <a:custGeom>
-            <a:avLst/>
-            <a:gdLst>
-              <a:gd name="connsiteX0" fmla="*/ 672784 w 1345568"/>
-              <a:gd name="connsiteY0" fmla="*/ 0 h 1624016"/>
-              <a:gd name="connsiteX1" fmla="*/ 1133493 w 1345568"/>
-              <a:gd name="connsiteY1" fmla="*/ 46443 h 1624016"/>
-              <a:gd name="connsiteX2" fmla="*/ 1345568 w 1345568"/>
-              <a:gd name="connsiteY2" fmla="*/ 100974 h 1624016"/>
-              <a:gd name="connsiteX3" fmla="*/ 1338864 w 1345568"/>
-              <a:gd name="connsiteY3" fmla="*/ 233730 h 1624016"/>
-              <a:gd name="connsiteX4" fmla="*/ 681112 w 1345568"/>
-              <a:gd name="connsiteY4" fmla="*/ 1616446 h 1624016"/>
-              <a:gd name="connsiteX5" fmla="*/ 672784 w 1345568"/>
-              <a:gd name="connsiteY5" fmla="*/ 1624016 h 1624016"/>
-              <a:gd name="connsiteX6" fmla="*/ 664455 w 1345568"/>
-              <a:gd name="connsiteY6" fmla="*/ 1616446 h 1624016"/>
-              <a:gd name="connsiteX7" fmla="*/ 6703 w 1345568"/>
-              <a:gd name="connsiteY7" fmla="*/ 233730 h 1624016"/>
-              <a:gd name="connsiteX8" fmla="*/ 0 w 1345568"/>
-              <a:gd name="connsiteY8" fmla="*/ 100974 h 1624016"/>
-              <a:gd name="connsiteX9" fmla="*/ 212075 w 1345568"/>
-              <a:gd name="connsiteY9" fmla="*/ 46443 h 1624016"/>
-              <a:gd name="connsiteX10" fmla="*/ 672784 w 1345568"/>
-              <a:gd name="connsiteY10" fmla="*/ 0 h 1624016"/>
-            </a:gdLst>
-            <a:ahLst/>
-            <a:cxnLst>
-              <a:cxn ang="0">
-                <a:pos x="connsiteX0" y="connsiteY0"/>
-              </a:cxn>
-              <a:cxn ang="0">
-                <a:pos x="connsiteX1" y="connsiteY1"/>
-              </a:cxn>
-              <a:cxn ang="0">
-                <a:pos x="connsiteX2" y="connsiteY2"/>
-              </a:cxn>
-              <a:cxn ang="0">
-                <a:pos x="connsiteX3" y="connsiteY3"/>
-              </a:cxn>
-              <a:cxn ang="0">
-                <a:pos x="connsiteX4" y="connsiteY4"/>
-              </a:cxn>
-              <a:cxn ang="0">
-                <a:pos x="connsiteX5" y="connsiteY5"/>
-              </a:cxn>
-              <a:cxn ang="0">
-                <a:pos x="connsiteX6" y="connsiteY6"/>
-              </a:cxn>
-              <a:cxn ang="0">
-                <a:pos x="connsiteX7" y="connsiteY7"/>
-              </a:cxn>
-              <a:cxn ang="0">
-                <a:pos x="connsiteX8" y="connsiteY8"/>
-              </a:cxn>
-              <a:cxn ang="0">
-                <a:pos x="connsiteX9" y="connsiteY9"/>
-              </a:cxn>
-              <a:cxn ang="0">
-                <a:pos x="connsiteX10" y="connsiteY10"/>
-              </a:cxn>
-            </a:cxnLst>
-            <a:rect l="l" t="t" r="r" b="b"/>
-            <a:pathLst>
-              <a:path w="1345568" h="1624016">
-                <a:moveTo>
-                  <a:pt x="672784" y="0"/>
-                </a:moveTo>
-                <a:cubicBezTo>
-                  <a:pt x="830600" y="0"/>
-                  <a:pt x="984680" y="15992"/>
-                  <a:pt x="1133493" y="46443"/>
-                </a:cubicBezTo>
-                <a:lnTo>
-                  <a:pt x="1345568" y="100974"/>
-                </a:lnTo>
-                <a:lnTo>
-                  <a:pt x="1338864" y="233730"/>
-                </a:lnTo>
-                <a:cubicBezTo>
-                  <a:pt x="1284233" y="771671"/>
-                  <a:pt x="1043086" y="1254472"/>
-                  <a:pt x="681112" y="1616446"/>
-                </a:cubicBezTo>
-                <a:lnTo>
-                  <a:pt x="672784" y="1624016"/>
-                </a:lnTo>
-                <a:lnTo>
-                  <a:pt x="664455" y="1616446"/>
-                </a:lnTo>
-                <a:cubicBezTo>
-                  <a:pt x="302481" y="1254472"/>
-                  <a:pt x="61334" y="771671"/>
-                  <a:pt x="6703" y="233730"/>
-                </a:cubicBezTo>
-                <a:lnTo>
-                  <a:pt x="0" y="100974"/>
-                </a:lnTo>
-                <a:lnTo>
-                  <a:pt x="212075" y="46443"/>
-                </a:lnTo>
-                <a:cubicBezTo>
-                  <a:pt x="360889" y="15992"/>
-                  <a:pt x="514969" y="0"/>
-                  <a:pt x="672784" y="0"/>
-                </a:cubicBezTo>
-                <a:close/>
-              </a:path>
-            </a:pathLst>
-          </a:custGeom>
-          <a:solidFill>
-            <a:schemeClr val="accent4">
-              <a:alpha val="40000"/>
-            </a:schemeClr>
-          </a:solidFill>
-          <a:ln>
-            <a:noFill/>
-          </a:ln>
-        </p:spPr>
-        <p:style>
-          <a:lnRef idx="2">
-            <a:schemeClr val="accent1">
-              <a:shade val="50000"/>
-            </a:schemeClr>
-          </a:lnRef>
-          <a:fillRef idx="1">
-            <a:schemeClr val="accent1"/>
-          </a:fillRef>
-          <a:effectRef idx="0">
-            <a:schemeClr val="accent1"/>
-          </a:effectRef>
-          <a:fontRef idx="minor">
-            <a:schemeClr val="lt1"/>
-          </a:fontRef>
-        </p:style>
-        <p:txBody>
-          <a:bodyPr rtlCol="0" anchor="ctr"/>
-          <a:lstStyle/>
-          <a:p>
-            <a:pPr algn="ctr"/>
-            <a:r>
-              <a:rPr lang="en-US" sz="2000" b="1" dirty="0" smtClean="0">
-                <a:solidFill>
-                  <a:schemeClr val="tx1"/>
-                </a:solidFill>
-              </a:rPr>
-              <a:t>Data</a:t>
-            </a:r>
-          </a:p>
-          <a:p>
-            <a:pPr algn="ctr"/>
-            <a:r>
-              <a:rPr lang="en-US" sz="2000" b="1" dirty="0" smtClean="0">
-                <a:solidFill>
-                  <a:schemeClr val="tx1"/>
-                </a:solidFill>
-              </a:rPr>
-              <a:t>Scientist</a:t>
-            </a:r>
-          </a:p>
-          <a:p>
-            <a:pPr algn="ctr"/>
-            <a:endParaRPr lang="en-US" dirty="0"/>
-          </a:p>
-          <a:p>
-            <a:pPr algn="ctr"/>
-            <a:endParaRPr lang="en-US" dirty="0"/>
-          </a:p>
-        </p:txBody>
-      </p:sp>
-      <p:sp>
-        <p:nvSpPr>
-          <p:cNvPr id="7" name="Freeform 6"/>
-          <p:cNvSpPr/>
-          <p:nvPr/>
-        </p:nvSpPr>
-        <p:spPr>
-          <a:xfrm>
-            <a:off x="6011882" y="3910016"/>
-            <a:ext cx="4572000" cy="2947984"/>
-          </a:xfrm>
-          <a:custGeom>
-            <a:avLst/>
-            <a:gdLst>
-              <a:gd name="connsiteX0" fmla="*/ 2286000 w 4572000"/>
-              <a:gd name="connsiteY0" fmla="*/ 0 h 2947984"/>
-              <a:gd name="connsiteX1" fmla="*/ 2440009 w 4572000"/>
-              <a:gd name="connsiteY1" fmla="*/ 139973 h 2947984"/>
-              <a:gd name="connsiteX2" fmla="*/ 3894117 w 4572000"/>
-              <a:gd name="connsiteY2" fmla="*/ 661984 h 2947984"/>
-              <a:gd name="connsiteX3" fmla="*/ 4354826 w 4572000"/>
-              <a:gd name="connsiteY3" fmla="*/ 615541 h 2947984"/>
-              <a:gd name="connsiteX4" fmla="*/ 4566902 w 4572000"/>
-              <a:gd name="connsiteY4" fmla="*/ 561011 h 2947984"/>
-              <a:gd name="connsiteX5" fmla="*/ 4572000 w 4572000"/>
-              <a:gd name="connsiteY5" fmla="*/ 661984 h 2947984"/>
-              <a:gd name="connsiteX6" fmla="*/ 2286000 w 4572000"/>
-              <a:gd name="connsiteY6" fmla="*/ 2947984 h 2947984"/>
-              <a:gd name="connsiteX7" fmla="*/ 0 w 4572000"/>
-              <a:gd name="connsiteY7" fmla="*/ 661984 h 2947984"/>
-              <a:gd name="connsiteX8" fmla="*/ 5099 w 4572000"/>
-              <a:gd name="connsiteY8" fmla="*/ 561011 h 2947984"/>
-              <a:gd name="connsiteX9" fmla="*/ 217173 w 4572000"/>
-              <a:gd name="connsiteY9" fmla="*/ 615541 h 2947984"/>
-              <a:gd name="connsiteX10" fmla="*/ 677882 w 4572000"/>
-              <a:gd name="connsiteY10" fmla="*/ 661984 h 2947984"/>
-              <a:gd name="connsiteX11" fmla="*/ 2131990 w 4572000"/>
-              <a:gd name="connsiteY11" fmla="*/ 139973 h 2947984"/>
-              <a:gd name="connsiteX12" fmla="*/ 2286000 w 4572000"/>
-              <a:gd name="connsiteY12" fmla="*/ 0 h 2947984"/>
-            </a:gdLst>
-            <a:ahLst/>
-            <a:cxnLst>
-              <a:cxn ang="0">
-                <a:pos x="connsiteX0" y="connsiteY0"/>
-              </a:cxn>
-              <a:cxn ang="0">
-                <a:pos x="connsiteX1" y="connsiteY1"/>
-              </a:cxn>
-              <a:cxn ang="0">
-                <a:pos x="connsiteX2" y="connsiteY2"/>
-              </a:cxn>
-              <a:cxn ang="0">
-                <a:pos x="connsiteX3" y="connsiteY3"/>
-              </a:cxn>
-              <a:cxn ang="0">
-                <a:pos x="connsiteX4" y="connsiteY4"/>
-              </a:cxn>
-              <a:cxn ang="0">
-                <a:pos x="connsiteX5" y="connsiteY5"/>
-              </a:cxn>
-              <a:cxn ang="0">
-                <a:pos x="connsiteX6" y="connsiteY6"/>
-              </a:cxn>
-              <a:cxn ang="0">
-                <a:pos x="connsiteX7" y="connsiteY7"/>
-              </a:cxn>
-              <a:cxn ang="0">
-                <a:pos x="connsiteX8" y="connsiteY8"/>
-              </a:cxn>
-              <a:cxn ang="0">
-                <a:pos x="connsiteX9" y="connsiteY9"/>
-              </a:cxn>
-              <a:cxn ang="0">
-                <a:pos x="connsiteX10" y="connsiteY10"/>
-              </a:cxn>
-              <a:cxn ang="0">
-                <a:pos x="connsiteX11" y="connsiteY11"/>
-              </a:cxn>
-              <a:cxn ang="0">
-                <a:pos x="connsiteX12" y="connsiteY12"/>
-              </a:cxn>
-            </a:cxnLst>
-            <a:rect l="l" t="t" r="r" b="b"/>
-            <a:pathLst>
-              <a:path w="4572000" h="2947984">
-                <a:moveTo>
-                  <a:pt x="2286000" y="0"/>
-                </a:moveTo>
-                <a:lnTo>
-                  <a:pt x="2440009" y="139973"/>
-                </a:lnTo>
-                <a:cubicBezTo>
-                  <a:pt x="2835165" y="466084"/>
-                  <a:pt x="3341763" y="661984"/>
-                  <a:pt x="3894117" y="661984"/>
-                </a:cubicBezTo>
-                <a:cubicBezTo>
-                  <a:pt x="4051933" y="661984"/>
-                  <a:pt x="4206013" y="645992"/>
-                  <a:pt x="4354826" y="615541"/>
-                </a:cubicBezTo>
-                <a:lnTo>
-                  <a:pt x="4566902" y="561011"/>
-                </a:lnTo>
-                <a:lnTo>
-                  <a:pt x="4572000" y="661984"/>
-                </a:lnTo>
-                <a:cubicBezTo>
-                  <a:pt x="4572000" y="1924507"/>
-                  <a:pt x="3548523" y="2947984"/>
-                  <a:pt x="2286000" y="2947984"/>
-                </a:cubicBezTo>
-                <a:cubicBezTo>
-                  <a:pt x="1023477" y="2947984"/>
-                  <a:pt x="0" y="1924507"/>
-                  <a:pt x="0" y="661984"/>
-                </a:cubicBezTo>
-                <a:lnTo>
-                  <a:pt x="5099" y="561011"/>
-                </a:lnTo>
-                <a:lnTo>
-                  <a:pt x="217173" y="615541"/>
-                </a:lnTo>
-                <a:cubicBezTo>
-                  <a:pt x="365986" y="645992"/>
-                  <a:pt x="520067" y="661984"/>
-                  <a:pt x="677882" y="661984"/>
-                </a:cubicBezTo>
-                <a:cubicBezTo>
-                  <a:pt x="1230236" y="661984"/>
-                  <a:pt x="1736835" y="466084"/>
-                  <a:pt x="2131990" y="139973"/>
-                </a:cubicBezTo>
-                <a:lnTo>
-                  <a:pt x="2286000" y="0"/>
-                </a:lnTo>
-                <a:close/>
-              </a:path>
-            </a:pathLst>
-          </a:custGeom>
-          <a:noFill/>
-          <a:ln>
-            <a:solidFill>
-              <a:schemeClr val="bg1">
-                <a:lumMod val="85000"/>
-              </a:schemeClr>
-            </a:solidFill>
-          </a:ln>
-        </p:spPr>
-        <p:style>
-          <a:lnRef idx="2">
-            <a:schemeClr val="accent1">
-              <a:shade val="50000"/>
-            </a:schemeClr>
-          </a:lnRef>
-          <a:fillRef idx="1">
-            <a:schemeClr val="accent1"/>
-          </a:fillRef>
-          <a:effectRef idx="0">
-            <a:schemeClr val="accent1"/>
-          </a:effectRef>
-          <a:fontRef idx="minor">
-            <a:schemeClr val="lt1"/>
-          </a:fontRef>
-        </p:style>
-        <p:txBody>
-          <a:bodyPr rtlCol="0" anchor="ctr"/>
-          <a:lstStyle/>
-          <a:p>
-            <a:pPr algn="ctr"/>
-            <a:r>
-              <a:rPr lang="en-US" sz="2400" i="1" dirty="0" smtClean="0">
-                <a:solidFill>
-                  <a:schemeClr val="bg1">
-                    <a:lumMod val="85000"/>
-                  </a:schemeClr>
-                </a:solidFill>
-              </a:rPr>
-              <a:t>Substantive Expertise</a:t>
-            </a:r>
-          </a:p>
-          <a:p>
-            <a:pPr algn="ctr"/>
-            <a:r>
-              <a:rPr lang="en-US" sz="2400" i="1" dirty="0" smtClean="0">
-                <a:solidFill>
-                  <a:schemeClr val="bg1">
-                    <a:lumMod val="85000"/>
-                  </a:schemeClr>
-                </a:solidFill>
-              </a:rPr>
-              <a:t>Domain Knowledge</a:t>
-            </a:r>
-            <a:endParaRPr lang="en-US" sz="2400" i="1" dirty="0">
-              <a:solidFill>
-                <a:schemeClr val="bg1">
-                  <a:lumMod val="85000"/>
-                </a:schemeClr>
-              </a:solidFill>
-            </a:endParaRPr>
-          </a:p>
-        </p:txBody>
-      </p:sp>
-      <p:sp>
-        <p:nvSpPr>
-          <p:cNvPr id="14" name="TextBox 13"/>
-          <p:cNvSpPr txBox="1"/>
-          <p:nvPr/>
-        </p:nvSpPr>
-        <p:spPr>
-          <a:xfrm>
-            <a:off x="0" y="1"/>
-            <a:ext cx="4037610" cy="2308324"/>
-          </a:xfrm>
-          <a:prstGeom prst="rect">
-            <a:avLst/>
-          </a:prstGeom>
-          <a:noFill/>
-        </p:spPr>
-        <p:txBody>
-          <a:bodyPr wrap="square" rtlCol="0">
-            <a:spAutoFit/>
-          </a:bodyPr>
-          <a:lstStyle/>
-          <a:p>
-            <a:r>
-              <a:rPr lang="en-US" dirty="0" smtClean="0"/>
-              <a:t>The Data Science Venn Diagram</a:t>
-            </a:r>
-          </a:p>
-          <a:p>
-            <a:endParaRPr lang="en-US" dirty="0"/>
-          </a:p>
-          <a:p>
-            <a:r>
-              <a:rPr lang="en-US" dirty="0" smtClean="0"/>
-              <a:t>First of all, note that by fulfilling the needs in this area, you ensure that your students never end up in this area.</a:t>
-            </a:r>
-          </a:p>
-          <a:p>
-            <a:endParaRPr lang="en-US" dirty="0"/>
-          </a:p>
-          <a:p>
-            <a:r>
-              <a:rPr lang="en-US" dirty="0" smtClean="0"/>
-              <a:t>Unless, of course, the student fails to persist what he/she has obtained.  </a:t>
-            </a:r>
-          </a:p>
-        </p:txBody>
-      </p:sp>
-      <p:sp>
-        <p:nvSpPr>
-          <p:cNvPr id="15" name="TextBox 14"/>
-          <p:cNvSpPr txBox="1"/>
-          <p:nvPr/>
-        </p:nvSpPr>
-        <p:spPr>
-          <a:xfrm>
-            <a:off x="10215562" y="6550223"/>
-            <a:ext cx="1976438" cy="307777"/>
-          </a:xfrm>
-          <a:prstGeom prst="rect">
-            <a:avLst/>
-          </a:prstGeom>
-          <a:noFill/>
-        </p:spPr>
-        <p:txBody>
-          <a:bodyPr wrap="none" rtlCol="0">
-            <a:spAutoFit/>
-          </a:bodyPr>
-          <a:lstStyle/>
-          <a:p>
-            <a:r>
-              <a:rPr lang="en-US" sz="1400" dirty="0" smtClean="0">
-                <a:hlinkClick r:id="rId2"/>
-              </a:rPr>
-              <a:t>Thanks to Drew Conway </a:t>
-            </a:r>
-            <a:endParaRPr lang="en-US" sz="1400" dirty="0"/>
-          </a:p>
-        </p:txBody>
-      </p:sp>
-      <p:sp>
-        <p:nvSpPr>
-          <p:cNvPr id="2" name="&quot;No&quot; Symbol 1"/>
-          <p:cNvSpPr/>
-          <p:nvPr/>
-        </p:nvSpPr>
-        <p:spPr>
-          <a:xfrm>
-            <a:off x="6791672" y="3128009"/>
-            <a:ext cx="731520" cy="731520"/>
-          </a:xfrm>
-          <a:prstGeom prst="noSmoking">
-            <a:avLst>
-              <a:gd name="adj" fmla="val 6575"/>
-            </a:avLst>
-          </a:prstGeom>
-          <a:solidFill>
-            <a:srgbClr val="FF0000"/>
-          </a:solidFill>
-          <a:ln>
-            <a:noFill/>
-          </a:ln>
-        </p:spPr>
-        <p:style>
-          <a:lnRef idx="2">
-            <a:schemeClr val="accent1">
-              <a:shade val="50000"/>
-            </a:schemeClr>
-          </a:lnRef>
-          <a:fillRef idx="1">
-            <a:schemeClr val="accent1"/>
-          </a:fillRef>
-          <a:effectRef idx="0">
-            <a:schemeClr val="accent1"/>
-          </a:effectRef>
-          <a:fontRef idx="minor">
-            <a:schemeClr val="lt1"/>
-          </a:fontRef>
-        </p:style>
-        <p:txBody>
-          <a:bodyPr rtlCol="0" anchor="ctr"/>
-          <a:lstStyle/>
-          <a:p>
-            <a:pPr algn="ctr"/>
-            <a:endParaRPr lang="en-US">
-              <a:solidFill>
-                <a:schemeClr val="tx1"/>
-              </a:solidFill>
-            </a:endParaRPr>
-          </a:p>
-        </p:txBody>
-      </p:sp>
-    </p:spTree>
-    <p:extLst>
-      <p:ext uri="{BB962C8B-B14F-4D97-AF65-F5344CB8AC3E}">
-        <p14:creationId xmlns:p14="http://schemas.microsoft.com/office/powerpoint/2010/main" val="1100400253"/>
-      </p:ext>
-    </p:extLst>
-  </p:cSld>
-  <p:clrMapOvr>
-    <a:masterClrMapping/>
-  </p:clrMapOvr>
-</p:sld>
-</file>
-
 <file path=ppt/slides/slide5.xml><?xml version="1.0" encoding="utf-8"?>
 <p:sld xmlns:a="http://schemas.openxmlformats.org/drawingml/2006/main" xmlns:r="http://schemas.openxmlformats.org/officeDocument/2006/relationships" xmlns:p="http://schemas.openxmlformats.org/presentationml/2006/main">
   <p:cSld>
@@ -10293,7 +11045,7 @@
                   <a:schemeClr val="tx1"/>
                 </a:solidFill>
               </a:rPr>
-              <a:t>Research</a:t>
+              <a:t>Researcher</a:t>
             </a:r>
             <a:endParaRPr lang="en-US" sz="1600" dirty="0">
               <a:solidFill>
@@ -11286,7 +12038,7 @@
         <p:spPr>
           <a:xfrm>
             <a:off x="0" y="1"/>
-            <a:ext cx="4037610" cy="2862322"/>
+            <a:ext cx="4037610" cy="1477328"/>
           </a:xfrm>
           <a:prstGeom prst="rect">
             <a:avLst/>
@@ -11310,7 +12062,7 @@
           <a:p>
             <a:r>
               <a:rPr lang="en-US" dirty="0" smtClean="0"/>
-              <a:t>Also note that there are three very legitimate areas for a budding mathematician to end up in. All of them are valuable, so it’s important that the student understands the differences between the two areas, since in a lot of cases companies treat the following as such. </a:t>
+              <a:t>Understanding the Data Science Venn Diagram can help faculty better prepare their students for careers in data science. </a:t>
             </a:r>
           </a:p>
         </p:txBody>
@@ -11350,7 +12102,7 @@
     </p:spTree>
     <p:extLst>
       <p:ext uri="{BB962C8B-B14F-4D97-AF65-F5344CB8AC3E}">
-        <p14:creationId xmlns:p14="http://schemas.microsoft.com/office/powerpoint/2010/main" val="440200841"/>
+        <p14:creationId xmlns:p14="http://schemas.microsoft.com/office/powerpoint/2010/main" val="2641967925"/>
       </p:ext>
     </p:extLst>
   </p:cSld>
@@ -11745,7 +12497,7 @@
                   <a:schemeClr val="tx1"/>
                 </a:solidFill>
               </a:rPr>
-              <a:t>Research</a:t>
+              <a:t>Researcher</a:t>
             </a:r>
             <a:endParaRPr lang="en-US" sz="1600" dirty="0">
               <a:solidFill>
@@ -11876,13 +12628,13 @@
               </a:path>
             </a:pathLst>
           </a:custGeom>
-          <a:solidFill>
-            <a:srgbClr val="002060">
-              <a:alpha val="40000"/>
-            </a:srgbClr>
-          </a:solidFill>
+          <a:noFill/>
           <a:ln>
-            <a:noFill/>
+            <a:solidFill>
+              <a:schemeClr val="bg1">
+                <a:lumMod val="85000"/>
+              </a:schemeClr>
+            </a:solidFill>
           </a:ln>
         </p:spPr>
         <p:style>
@@ -11907,9 +12659,11 @@
           <a:p>
             <a:pPr algn="ctr"/>
             <a:r>
-              <a:rPr lang="en-US" sz="1600" dirty="0" smtClean="0">
+              <a:rPr lang="en-US" sz="1600" i="1" dirty="0" smtClean="0">
                 <a:solidFill>
-                  <a:schemeClr val="tx1"/>
+                  <a:schemeClr val="bg1">
+                    <a:lumMod val="85000"/>
+                  </a:schemeClr>
                 </a:solidFill>
               </a:rPr>
               <a:t>Danger</a:t>
@@ -11918,16 +12672,20 @@
           <a:p>
             <a:pPr algn="ctr"/>
             <a:r>
-              <a:rPr lang="en-US" sz="1600" dirty="0" smtClean="0">
+              <a:rPr lang="en-US" sz="1600" i="1" dirty="0" smtClean="0">
                 <a:solidFill>
-                  <a:schemeClr val="tx1"/>
+                  <a:schemeClr val="bg1">
+                    <a:lumMod val="85000"/>
+                  </a:schemeClr>
                 </a:solidFill>
               </a:rPr>
               <a:t>Zone!</a:t>
             </a:r>
-            <a:endParaRPr lang="en-US" sz="1600" dirty="0">
+            <a:endParaRPr lang="en-US" sz="1600" i="1" dirty="0">
               <a:solidFill>
-                <a:schemeClr val="tx1"/>
+                <a:schemeClr val="bg1">
+                  <a:lumMod val="85000"/>
+                </a:schemeClr>
               </a:solidFill>
             </a:endParaRPr>
           </a:p>
@@ -12064,13 +12822,13 @@
               </a:path>
             </a:pathLst>
           </a:custGeom>
-          <a:solidFill>
-            <a:srgbClr val="E64A60">
-              <a:alpha val="40000"/>
-            </a:srgbClr>
-          </a:solidFill>
+          <a:noFill/>
           <a:ln>
-            <a:noFill/>
+            <a:solidFill>
+              <a:schemeClr val="bg1">
+                <a:lumMod val="85000"/>
+              </a:schemeClr>
+            </a:solidFill>
           </a:ln>
         </p:spPr>
         <p:style>
@@ -12095,9 +12853,11 @@
           <a:p>
             <a:pPr algn="ctr"/>
             <a:r>
-              <a:rPr lang="en-US" sz="2400" dirty="0" smtClean="0">
+              <a:rPr lang="en-US" sz="2400" i="1" dirty="0" smtClean="0">
                 <a:solidFill>
-                  <a:schemeClr val="tx1"/>
+                  <a:schemeClr val="bg1">
+                    <a:lumMod val="85000"/>
+                  </a:schemeClr>
                 </a:solidFill>
               </a:rPr>
               <a:t>Computer Science</a:t>
@@ -12106,9 +12866,11 @@
           <a:p>
             <a:pPr algn="ctr"/>
             <a:r>
-              <a:rPr lang="en-US" sz="2400" dirty="0" smtClean="0">
+              <a:rPr lang="en-US" sz="2400" i="1" dirty="0" smtClean="0">
                 <a:solidFill>
-                  <a:schemeClr val="tx1"/>
+                  <a:schemeClr val="bg1">
+                    <a:lumMod val="85000"/>
+                  </a:schemeClr>
                 </a:solidFill>
               </a:rPr>
               <a:t>Skills</a:t>
@@ -12672,10 +13434,166 @@
               </a:path>
             </a:pathLst>
           </a:custGeom>
+          <a:noFill/>
+          <a:ln>
+            <a:solidFill>
+              <a:schemeClr val="bg1">
+                <a:lumMod val="85000"/>
+              </a:schemeClr>
+            </a:solidFill>
+          </a:ln>
+        </p:spPr>
+        <p:style>
+          <a:lnRef idx="2">
+            <a:schemeClr val="accent1">
+              <a:shade val="50000"/>
+            </a:schemeClr>
+          </a:lnRef>
+          <a:fillRef idx="1">
+            <a:schemeClr val="accent1"/>
+          </a:fillRef>
+          <a:effectRef idx="0">
+            <a:schemeClr val="accent1"/>
+          </a:effectRef>
+          <a:fontRef idx="minor">
+            <a:schemeClr val="lt1"/>
+          </a:fontRef>
+        </p:style>
+        <p:txBody>
+          <a:bodyPr rtlCol="0" anchor="ctr"/>
+          <a:lstStyle/>
+          <a:p>
+            <a:pPr algn="ctr"/>
+            <a:r>
+              <a:rPr lang="en-US" sz="2400" i="1" dirty="0" smtClean="0">
+                <a:solidFill>
+                  <a:schemeClr val="bg1">
+                    <a:lumMod val="85000"/>
+                  </a:schemeClr>
+                </a:solidFill>
+              </a:rPr>
+              <a:t>Substantive Expertise</a:t>
+            </a:r>
+          </a:p>
+          <a:p>
+            <a:pPr algn="ctr"/>
+            <a:r>
+              <a:rPr lang="en-US" sz="2400" i="1" dirty="0" smtClean="0">
+                <a:solidFill>
+                  <a:schemeClr val="bg1">
+                    <a:lumMod val="85000"/>
+                  </a:schemeClr>
+                </a:solidFill>
+              </a:rPr>
+              <a:t>Domain Knowledge</a:t>
+            </a:r>
+            <a:endParaRPr lang="en-US" sz="2400" i="1" dirty="0">
+              <a:solidFill>
+                <a:schemeClr val="bg1">
+                  <a:lumMod val="85000"/>
+                </a:schemeClr>
+              </a:solidFill>
+            </a:endParaRPr>
+          </a:p>
+        </p:txBody>
+      </p:sp>
+      <p:sp>
+        <p:nvSpPr>
+          <p:cNvPr id="14" name="TextBox 13"/>
+          <p:cNvSpPr txBox="1"/>
+          <p:nvPr/>
+        </p:nvSpPr>
+        <p:spPr>
+          <a:xfrm>
+            <a:off x="0" y="1"/>
+            <a:ext cx="4037610" cy="2308324"/>
+          </a:xfrm>
+          <a:prstGeom prst="rect">
+            <a:avLst/>
+          </a:prstGeom>
+          <a:noFill/>
+        </p:spPr>
+        <p:txBody>
+          <a:bodyPr wrap="square" rtlCol="0">
+            <a:spAutoFit/>
+          </a:bodyPr>
+          <a:lstStyle/>
+          <a:p>
+            <a:r>
+              <a:rPr lang="en-US" dirty="0" smtClean="0"/>
+              <a:t>The Data Science Venn Diagram</a:t>
+            </a:r>
+          </a:p>
+          <a:p>
+            <a:endParaRPr lang="en-US" dirty="0"/>
+          </a:p>
+          <a:p>
+            <a:r>
+              <a:rPr lang="en-US" dirty="0" smtClean="0"/>
+              <a:t>First of all, note that by fulfilling the needs in this area, you ensure that your students never end up in this area.</a:t>
+            </a:r>
+          </a:p>
+          <a:p>
+            <a:endParaRPr lang="en-US" dirty="0"/>
+          </a:p>
+          <a:p>
+            <a:r>
+              <a:rPr lang="en-US" dirty="0" smtClean="0"/>
+              <a:t>Unless, of course, the student fails to persist what he/she has obtained.  </a:t>
+            </a:r>
+          </a:p>
+        </p:txBody>
+      </p:sp>
+      <p:sp>
+        <p:nvSpPr>
+          <p:cNvPr id="15" name="TextBox 14"/>
+          <p:cNvSpPr txBox="1"/>
+          <p:nvPr/>
+        </p:nvSpPr>
+        <p:spPr>
+          <a:xfrm>
+            <a:off x="10215562" y="6550223"/>
+            <a:ext cx="1976438" cy="307777"/>
+          </a:xfrm>
+          <a:prstGeom prst="rect">
+            <a:avLst/>
+          </a:prstGeom>
+          <a:noFill/>
+        </p:spPr>
+        <p:txBody>
+          <a:bodyPr wrap="none" rtlCol="0">
+            <a:spAutoFit/>
+          </a:bodyPr>
+          <a:lstStyle/>
+          <a:p>
+            <a:r>
+              <a:rPr lang="en-US" sz="1400" dirty="0" smtClean="0">
+                <a:hlinkClick r:id="rId2"/>
+              </a:rPr>
+              <a:t>Thanks to Drew Conway </a:t>
+            </a:r>
+            <a:endParaRPr lang="en-US" sz="1400" dirty="0"/>
+          </a:p>
+        </p:txBody>
+      </p:sp>
+      <p:sp>
+        <p:nvSpPr>
+          <p:cNvPr id="2" name="&quot;No&quot; Symbol 1"/>
+          <p:cNvSpPr/>
+          <p:nvPr/>
+        </p:nvSpPr>
+        <p:spPr>
+          <a:xfrm>
+            <a:off x="6791672" y="3128009"/>
+            <a:ext cx="731520" cy="731520"/>
+          </a:xfrm>
+          <a:prstGeom prst="noSmoking">
+            <a:avLst>
+              <a:gd name="adj" fmla="val 6575"/>
+            </a:avLst>
+          </a:prstGeom>
           <a:solidFill>
-            <a:srgbClr val="7030A0">
-              <a:alpha val="40000"/>
-            </a:srgbClr>
+            <a:srgbClr val="FF0000"/>
           </a:solidFill>
           <a:ln>
             <a:noFill/>
@@ -12702,107 +13620,18 @@
           <a:lstStyle/>
           <a:p>
             <a:pPr algn="ctr"/>
-            <a:r>
-              <a:rPr lang="en-US" sz="2400" dirty="0" smtClean="0">
-                <a:solidFill>
-                  <a:schemeClr val="tx1"/>
-                </a:solidFill>
-              </a:rPr>
-              <a:t>Substantive Expertise</a:t>
-            </a:r>
-          </a:p>
-          <a:p>
-            <a:pPr algn="ctr"/>
-            <a:r>
-              <a:rPr lang="en-US" sz="2400" dirty="0" smtClean="0">
-                <a:solidFill>
-                  <a:schemeClr val="tx1"/>
-                </a:solidFill>
-              </a:rPr>
-              <a:t>Domain Knowledge</a:t>
-            </a:r>
-            <a:endParaRPr lang="en-US" sz="2400" dirty="0">
+            <a:endParaRPr lang="en-US">
               <a:solidFill>
                 <a:schemeClr val="tx1"/>
               </a:solidFill>
             </a:endParaRPr>
-          </a:p>
-        </p:txBody>
-      </p:sp>
-      <p:sp>
-        <p:nvSpPr>
-          <p:cNvPr id="14" name="TextBox 13"/>
-          <p:cNvSpPr txBox="1"/>
-          <p:nvPr/>
-        </p:nvSpPr>
-        <p:spPr>
-          <a:xfrm>
-            <a:off x="0" y="1"/>
-            <a:ext cx="4037610" cy="2862322"/>
-          </a:xfrm>
-          <a:prstGeom prst="rect">
-            <a:avLst/>
-          </a:prstGeom>
-          <a:noFill/>
-        </p:spPr>
-        <p:txBody>
-          <a:bodyPr wrap="square" rtlCol="0">
-            <a:spAutoFit/>
-          </a:bodyPr>
-          <a:lstStyle/>
-          <a:p>
-            <a:r>
-              <a:rPr lang="en-US" dirty="0" smtClean="0"/>
-              <a:t>The Data Science Venn Diagram</a:t>
-            </a:r>
-          </a:p>
-          <a:p>
-            <a:endParaRPr lang="en-US" dirty="0"/>
-          </a:p>
-          <a:p>
-            <a:r>
-              <a:rPr lang="en-US" dirty="0" smtClean="0"/>
-              <a:t>Also note that there are three very legitimate areas for a budding mathematician to end up in. All of them are valuable, so it’s important that the student understands the differences between the two areas, since in a lot of cases companies treat the following as such. </a:t>
-            </a:r>
-          </a:p>
-        </p:txBody>
-      </p:sp>
-      <p:sp>
-        <p:nvSpPr>
-          <p:cNvPr id="15" name="TextBox 14"/>
-          <p:cNvSpPr txBox="1"/>
-          <p:nvPr/>
-        </p:nvSpPr>
-        <p:spPr>
-          <a:xfrm>
-            <a:off x="10215562" y="6550223"/>
-            <a:ext cx="1976438" cy="307777"/>
-          </a:xfrm>
-          <a:prstGeom prst="rect">
-            <a:avLst/>
-          </a:prstGeom>
-          <a:noFill/>
-        </p:spPr>
-        <p:txBody>
-          <a:bodyPr wrap="none" rtlCol="0">
-            <a:spAutoFit/>
-          </a:bodyPr>
-          <a:lstStyle/>
-          <a:p>
-            <a:r>
-              <a:rPr lang="en-US" sz="1400" dirty="0" smtClean="0">
-                <a:hlinkClick r:id="rId2"/>
-              </a:rPr>
-              <a:t>Thanks to Drew Conway </a:t>
-            </a:r>
-            <a:endParaRPr lang="en-US" sz="1400" dirty="0"/>
           </a:p>
         </p:txBody>
       </p:sp>
     </p:spTree>
     <p:extLst>
       <p:ext uri="{BB962C8B-B14F-4D97-AF65-F5344CB8AC3E}">
-        <p14:creationId xmlns:p14="http://schemas.microsoft.com/office/powerpoint/2010/main" val="586842997"/>
+        <p14:creationId xmlns:p14="http://schemas.microsoft.com/office/powerpoint/2010/main" val="1100400253"/>
       </p:ext>
     </p:extLst>
   </p:cSld>
@@ -12831,46 +13660,1452 @@
       </p:grpSpPr>
       <p:sp>
         <p:nvSpPr>
-          <p:cNvPr id="2" name="Title 1"/>
-          <p:cNvSpPr>
-            <a:spLocks noGrp="1"/>
-          </p:cNvSpPr>
-          <p:nvPr>
-            <p:ph type="title"/>
-          </p:nvPr>
+          <p:cNvPr id="13" name="Freeform 12"/>
+          <p:cNvSpPr/>
+          <p:nvPr/>
         </p:nvSpPr>
-        <p:spPr/>
+        <p:spPr>
+          <a:xfrm>
+            <a:off x="7620000" y="661986"/>
+            <a:ext cx="1355765" cy="1724989"/>
+          </a:xfrm>
+          <a:custGeom>
+            <a:avLst/>
+            <a:gdLst>
+              <a:gd name="connsiteX0" fmla="*/ 677883 w 1355765"/>
+              <a:gd name="connsiteY0" fmla="*/ 0 h 1724989"/>
+              <a:gd name="connsiteX1" fmla="*/ 686211 w 1355765"/>
+              <a:gd name="connsiteY1" fmla="*/ 7569 h 1724989"/>
+              <a:gd name="connsiteX2" fmla="*/ 1355765 w 1355765"/>
+              <a:gd name="connsiteY2" fmla="*/ 1624015 h 1724989"/>
+              <a:gd name="connsiteX3" fmla="*/ 1350667 w 1355765"/>
+              <a:gd name="connsiteY3" fmla="*/ 1724989 h 1724989"/>
+              <a:gd name="connsiteX4" fmla="*/ 1138592 w 1355765"/>
+              <a:gd name="connsiteY4" fmla="*/ 1670458 h 1724989"/>
+              <a:gd name="connsiteX5" fmla="*/ 677883 w 1355765"/>
+              <a:gd name="connsiteY5" fmla="*/ 1624015 h 1724989"/>
+              <a:gd name="connsiteX6" fmla="*/ 217174 w 1355765"/>
+              <a:gd name="connsiteY6" fmla="*/ 1670458 h 1724989"/>
+              <a:gd name="connsiteX7" fmla="*/ 5099 w 1355765"/>
+              <a:gd name="connsiteY7" fmla="*/ 1724989 h 1724989"/>
+              <a:gd name="connsiteX8" fmla="*/ 0 w 1355765"/>
+              <a:gd name="connsiteY8" fmla="*/ 1624015 h 1724989"/>
+              <a:gd name="connsiteX9" fmla="*/ 669554 w 1355765"/>
+              <a:gd name="connsiteY9" fmla="*/ 7569 h 1724989"/>
+              <a:gd name="connsiteX10" fmla="*/ 677883 w 1355765"/>
+              <a:gd name="connsiteY10" fmla="*/ 0 h 1724989"/>
+            </a:gdLst>
+            <a:ahLst/>
+            <a:cxnLst>
+              <a:cxn ang="0">
+                <a:pos x="connsiteX0" y="connsiteY0"/>
+              </a:cxn>
+              <a:cxn ang="0">
+                <a:pos x="connsiteX1" y="connsiteY1"/>
+              </a:cxn>
+              <a:cxn ang="0">
+                <a:pos x="connsiteX2" y="connsiteY2"/>
+              </a:cxn>
+              <a:cxn ang="0">
+                <a:pos x="connsiteX3" y="connsiteY3"/>
+              </a:cxn>
+              <a:cxn ang="0">
+                <a:pos x="connsiteX4" y="connsiteY4"/>
+              </a:cxn>
+              <a:cxn ang="0">
+                <a:pos x="connsiteX5" y="connsiteY5"/>
+              </a:cxn>
+              <a:cxn ang="0">
+                <a:pos x="connsiteX6" y="connsiteY6"/>
+              </a:cxn>
+              <a:cxn ang="0">
+                <a:pos x="connsiteX7" y="connsiteY7"/>
+              </a:cxn>
+              <a:cxn ang="0">
+                <a:pos x="connsiteX8" y="connsiteY8"/>
+              </a:cxn>
+              <a:cxn ang="0">
+                <a:pos x="connsiteX9" y="connsiteY9"/>
+              </a:cxn>
+              <a:cxn ang="0">
+                <a:pos x="connsiteX10" y="connsiteY10"/>
+              </a:cxn>
+            </a:cxnLst>
+            <a:rect l="l" t="t" r="r" b="b"/>
+            <a:pathLst>
+              <a:path w="1355765" h="1724989">
+                <a:moveTo>
+                  <a:pt x="677883" y="0"/>
+                </a:moveTo>
+                <a:lnTo>
+                  <a:pt x="686211" y="7569"/>
+                </a:lnTo>
+                <a:cubicBezTo>
+                  <a:pt x="1099896" y="421253"/>
+                  <a:pt x="1355765" y="992753"/>
+                  <a:pt x="1355765" y="1624015"/>
+                </a:cubicBezTo>
+                <a:lnTo>
+                  <a:pt x="1350667" y="1724989"/>
+                </a:lnTo>
+                <a:lnTo>
+                  <a:pt x="1138592" y="1670458"/>
+                </a:lnTo>
+                <a:cubicBezTo>
+                  <a:pt x="989779" y="1640007"/>
+                  <a:pt x="835699" y="1624015"/>
+                  <a:pt x="677883" y="1624015"/>
+                </a:cubicBezTo>
+                <a:cubicBezTo>
+                  <a:pt x="520068" y="1624015"/>
+                  <a:pt x="365988" y="1640007"/>
+                  <a:pt x="217174" y="1670458"/>
+                </a:cubicBezTo>
+                <a:lnTo>
+                  <a:pt x="5099" y="1724989"/>
+                </a:lnTo>
+                <a:lnTo>
+                  <a:pt x="0" y="1624015"/>
+                </a:lnTo>
+                <a:cubicBezTo>
+                  <a:pt x="0" y="992753"/>
+                  <a:pt x="255869" y="421253"/>
+                  <a:pt x="669554" y="7569"/>
+                </a:cubicBezTo>
+                <a:lnTo>
+                  <a:pt x="677883" y="0"/>
+                </a:lnTo>
+                <a:close/>
+              </a:path>
+            </a:pathLst>
+          </a:custGeom>
+          <a:solidFill>
+            <a:schemeClr val="accent6">
+              <a:lumMod val="50000"/>
+              <a:alpha val="40000"/>
+            </a:schemeClr>
+          </a:solidFill>
+          <a:ln>
+            <a:noFill/>
+          </a:ln>
+        </p:spPr>
+        <p:style>
+          <a:lnRef idx="2">
+            <a:schemeClr val="accent1">
+              <a:shade val="50000"/>
+            </a:schemeClr>
+          </a:lnRef>
+          <a:fillRef idx="1">
+            <a:schemeClr val="accent1"/>
+          </a:fillRef>
+          <a:effectRef idx="0">
+            <a:schemeClr val="accent1"/>
+          </a:effectRef>
+          <a:fontRef idx="minor">
+            <a:schemeClr val="lt1"/>
+          </a:fontRef>
+        </p:style>
         <p:txBody>
-          <a:bodyPr/>
+          <a:bodyPr rtlCol="0" anchor="ctr"/>
           <a:lstStyle/>
           <a:p>
-            <a:endParaRPr lang="en-US"/>
+            <a:pPr algn="ctr"/>
+            <a:endParaRPr lang="en-US" sz="1600" dirty="0" smtClean="0">
+              <a:solidFill>
+                <a:schemeClr val="tx1"/>
+              </a:solidFill>
+            </a:endParaRPr>
+          </a:p>
+          <a:p>
+            <a:pPr algn="ctr"/>
+            <a:r>
+              <a:rPr lang="en-US" sz="1600" dirty="0" smtClean="0">
+                <a:solidFill>
+                  <a:schemeClr val="tx1"/>
+                </a:solidFill>
+              </a:rPr>
+              <a:t>Machine</a:t>
+            </a:r>
+          </a:p>
+          <a:p>
+            <a:pPr algn="ctr"/>
+            <a:r>
+              <a:rPr lang="en-US" sz="1600" dirty="0" smtClean="0">
+                <a:solidFill>
+                  <a:schemeClr val="tx1"/>
+                </a:solidFill>
+              </a:rPr>
+              <a:t>Learning</a:t>
+            </a:r>
+          </a:p>
+          <a:p>
+            <a:pPr algn="ctr"/>
+            <a:r>
+              <a:rPr lang="en-US" sz="1600" dirty="0" smtClean="0">
+                <a:solidFill>
+                  <a:schemeClr val="tx1"/>
+                </a:solidFill>
+              </a:rPr>
+              <a:t>Scientist</a:t>
+            </a:r>
+            <a:endParaRPr lang="en-US" sz="1600" dirty="0">
+              <a:solidFill>
+                <a:schemeClr val="tx1"/>
+              </a:solidFill>
+            </a:endParaRPr>
           </a:p>
         </p:txBody>
       </p:sp>
       <p:sp>
         <p:nvSpPr>
-          <p:cNvPr id="3" name="Content Placeholder 2"/>
-          <p:cNvSpPr>
-            <a:spLocks noGrp="1"/>
-          </p:cNvSpPr>
-          <p:nvPr>
-            <p:ph idx="1"/>
-          </p:nvPr>
+          <p:cNvPr id="12" name="Freeform 11"/>
+          <p:cNvSpPr/>
+          <p:nvPr/>
         </p:nvSpPr>
-        <p:spPr/>
+        <p:spPr>
+          <a:xfrm>
+            <a:off x="8297882" y="2386974"/>
+            <a:ext cx="2280902" cy="2185026"/>
+          </a:xfrm>
+          <a:custGeom>
+            <a:avLst/>
+            <a:gdLst>
+              <a:gd name="connsiteX0" fmla="*/ 672784 w 2280902"/>
+              <a:gd name="connsiteY0" fmla="*/ 0 h 2185026"/>
+              <a:gd name="connsiteX1" fmla="*/ 679786 w 2280902"/>
+              <a:gd name="connsiteY1" fmla="*/ 1800 h 2185026"/>
+              <a:gd name="connsiteX2" fmla="*/ 2274198 w 2280902"/>
+              <a:gd name="connsiteY2" fmla="*/ 1951296 h 2185026"/>
+              <a:gd name="connsiteX3" fmla="*/ 2280902 w 2280902"/>
+              <a:gd name="connsiteY3" fmla="*/ 2084053 h 2185026"/>
+              <a:gd name="connsiteX4" fmla="*/ 2068826 w 2280902"/>
+              <a:gd name="connsiteY4" fmla="*/ 2138583 h 2185026"/>
+              <a:gd name="connsiteX5" fmla="*/ 1608117 w 2280902"/>
+              <a:gd name="connsiteY5" fmla="*/ 2185026 h 2185026"/>
+              <a:gd name="connsiteX6" fmla="*/ 154009 w 2280902"/>
+              <a:gd name="connsiteY6" fmla="*/ 1663015 h 2185026"/>
+              <a:gd name="connsiteX7" fmla="*/ 0 w 2280902"/>
+              <a:gd name="connsiteY7" fmla="*/ 1523042 h 2185026"/>
+              <a:gd name="connsiteX8" fmla="*/ 8328 w 2280902"/>
+              <a:gd name="connsiteY8" fmla="*/ 1515472 h 2185026"/>
+              <a:gd name="connsiteX9" fmla="*/ 666080 w 2280902"/>
+              <a:gd name="connsiteY9" fmla="*/ 132756 h 2185026"/>
+              <a:gd name="connsiteX10" fmla="*/ 672784 w 2280902"/>
+              <a:gd name="connsiteY10" fmla="*/ 0 h 2185026"/>
+            </a:gdLst>
+            <a:ahLst/>
+            <a:cxnLst>
+              <a:cxn ang="0">
+                <a:pos x="connsiteX0" y="connsiteY0"/>
+              </a:cxn>
+              <a:cxn ang="0">
+                <a:pos x="connsiteX1" y="connsiteY1"/>
+              </a:cxn>
+              <a:cxn ang="0">
+                <a:pos x="connsiteX2" y="connsiteY2"/>
+              </a:cxn>
+              <a:cxn ang="0">
+                <a:pos x="connsiteX3" y="connsiteY3"/>
+              </a:cxn>
+              <a:cxn ang="0">
+                <a:pos x="connsiteX4" y="connsiteY4"/>
+              </a:cxn>
+              <a:cxn ang="0">
+                <a:pos x="connsiteX5" y="connsiteY5"/>
+              </a:cxn>
+              <a:cxn ang="0">
+                <a:pos x="connsiteX6" y="connsiteY6"/>
+              </a:cxn>
+              <a:cxn ang="0">
+                <a:pos x="connsiteX7" y="connsiteY7"/>
+              </a:cxn>
+              <a:cxn ang="0">
+                <a:pos x="connsiteX8" y="connsiteY8"/>
+              </a:cxn>
+              <a:cxn ang="0">
+                <a:pos x="connsiteX9" y="connsiteY9"/>
+              </a:cxn>
+              <a:cxn ang="0">
+                <a:pos x="connsiteX10" y="connsiteY10"/>
+              </a:cxn>
+            </a:cxnLst>
+            <a:rect l="l" t="t" r="r" b="b"/>
+            <a:pathLst>
+              <a:path w="2280902" h="2185026">
+                <a:moveTo>
+                  <a:pt x="672784" y="0"/>
+                </a:moveTo>
+                <a:lnTo>
+                  <a:pt x="679786" y="1800"/>
+                </a:lnTo>
+                <a:cubicBezTo>
+                  <a:pt x="1538764" y="268970"/>
+                  <a:pt x="2180545" y="1029112"/>
+                  <a:pt x="2274198" y="1951296"/>
+                </a:cubicBezTo>
+                <a:lnTo>
+                  <a:pt x="2280902" y="2084053"/>
+                </a:lnTo>
+                <a:lnTo>
+                  <a:pt x="2068826" y="2138583"/>
+                </a:lnTo>
+                <a:cubicBezTo>
+                  <a:pt x="1920013" y="2169034"/>
+                  <a:pt x="1765933" y="2185026"/>
+                  <a:pt x="1608117" y="2185026"/>
+                </a:cubicBezTo>
+                <a:cubicBezTo>
+                  <a:pt x="1055763" y="2185026"/>
+                  <a:pt x="549165" y="1989126"/>
+                  <a:pt x="154009" y="1663015"/>
+                </a:cubicBezTo>
+                <a:lnTo>
+                  <a:pt x="0" y="1523042"/>
+                </a:lnTo>
+                <a:lnTo>
+                  <a:pt x="8328" y="1515472"/>
+                </a:lnTo>
+                <a:cubicBezTo>
+                  <a:pt x="370302" y="1153498"/>
+                  <a:pt x="611449" y="670697"/>
+                  <a:pt x="666080" y="132756"/>
+                </a:cubicBezTo>
+                <a:lnTo>
+                  <a:pt x="672784" y="0"/>
+                </a:lnTo>
+                <a:close/>
+              </a:path>
+            </a:pathLst>
+          </a:custGeom>
+          <a:solidFill>
+            <a:schemeClr val="accent1">
+              <a:lumMod val="60000"/>
+              <a:lumOff val="40000"/>
+              <a:alpha val="40000"/>
+            </a:schemeClr>
+          </a:solidFill>
+          <a:ln>
+            <a:noFill/>
+          </a:ln>
+        </p:spPr>
+        <p:style>
+          <a:lnRef idx="2">
+            <a:schemeClr val="accent1">
+              <a:shade val="50000"/>
+            </a:schemeClr>
+          </a:lnRef>
+          <a:fillRef idx="1">
+            <a:schemeClr val="accent1"/>
+          </a:fillRef>
+          <a:effectRef idx="0">
+            <a:schemeClr val="accent1"/>
+          </a:effectRef>
+          <a:fontRef idx="minor">
+            <a:schemeClr val="lt1"/>
+          </a:fontRef>
+        </p:style>
         <p:txBody>
-          <a:bodyPr/>
+          <a:bodyPr rtlCol="0" anchor="ctr"/>
           <a:lstStyle/>
           <a:p>
-            <a:endParaRPr lang="en-US"/>
+            <a:pPr algn="ctr"/>
+            <a:r>
+              <a:rPr lang="en-US" sz="1600" dirty="0" smtClean="0">
+                <a:solidFill>
+                  <a:schemeClr val="tx1"/>
+                </a:solidFill>
+              </a:rPr>
+              <a:t>Traditional</a:t>
+            </a:r>
+          </a:p>
+          <a:p>
+            <a:pPr algn="ctr"/>
+            <a:r>
+              <a:rPr lang="en-US" sz="1600" dirty="0" smtClean="0">
+                <a:solidFill>
+                  <a:schemeClr val="tx1"/>
+                </a:solidFill>
+              </a:rPr>
+              <a:t>Researcher</a:t>
+            </a:r>
+            <a:endParaRPr lang="en-US" sz="1600" dirty="0">
+              <a:solidFill>
+                <a:schemeClr val="tx1"/>
+              </a:solidFill>
+            </a:endParaRPr>
+          </a:p>
+        </p:txBody>
+      </p:sp>
+      <p:sp>
+        <p:nvSpPr>
+          <p:cNvPr id="11" name="Freeform 10"/>
+          <p:cNvSpPr/>
+          <p:nvPr/>
+        </p:nvSpPr>
+        <p:spPr>
+          <a:xfrm>
+            <a:off x="6016982" y="2386974"/>
+            <a:ext cx="2280901" cy="2185026"/>
+          </a:xfrm>
+          <a:custGeom>
+            <a:avLst/>
+            <a:gdLst>
+              <a:gd name="connsiteX0" fmla="*/ 1608117 w 2280901"/>
+              <a:gd name="connsiteY0" fmla="*/ 0 h 2185026"/>
+              <a:gd name="connsiteX1" fmla="*/ 1614820 w 2280901"/>
+              <a:gd name="connsiteY1" fmla="*/ 132756 h 2185026"/>
+              <a:gd name="connsiteX2" fmla="*/ 2272572 w 2280901"/>
+              <a:gd name="connsiteY2" fmla="*/ 1515472 h 2185026"/>
+              <a:gd name="connsiteX3" fmla="*/ 2280901 w 2280901"/>
+              <a:gd name="connsiteY3" fmla="*/ 1523042 h 2185026"/>
+              <a:gd name="connsiteX4" fmla="*/ 2126891 w 2280901"/>
+              <a:gd name="connsiteY4" fmla="*/ 1663015 h 2185026"/>
+              <a:gd name="connsiteX5" fmla="*/ 672783 w 2280901"/>
+              <a:gd name="connsiteY5" fmla="*/ 2185026 h 2185026"/>
+              <a:gd name="connsiteX6" fmla="*/ 212074 w 2280901"/>
+              <a:gd name="connsiteY6" fmla="*/ 2138583 h 2185026"/>
+              <a:gd name="connsiteX7" fmla="*/ 0 w 2280901"/>
+              <a:gd name="connsiteY7" fmla="*/ 2084053 h 2185026"/>
+              <a:gd name="connsiteX8" fmla="*/ 6703 w 2280901"/>
+              <a:gd name="connsiteY8" fmla="*/ 1951296 h 2185026"/>
+              <a:gd name="connsiteX9" fmla="*/ 1601115 w 2280901"/>
+              <a:gd name="connsiteY9" fmla="*/ 1800 h 2185026"/>
+              <a:gd name="connsiteX10" fmla="*/ 1608117 w 2280901"/>
+              <a:gd name="connsiteY10" fmla="*/ 0 h 2185026"/>
+            </a:gdLst>
+            <a:ahLst/>
+            <a:cxnLst>
+              <a:cxn ang="0">
+                <a:pos x="connsiteX0" y="connsiteY0"/>
+              </a:cxn>
+              <a:cxn ang="0">
+                <a:pos x="connsiteX1" y="connsiteY1"/>
+              </a:cxn>
+              <a:cxn ang="0">
+                <a:pos x="connsiteX2" y="connsiteY2"/>
+              </a:cxn>
+              <a:cxn ang="0">
+                <a:pos x="connsiteX3" y="connsiteY3"/>
+              </a:cxn>
+              <a:cxn ang="0">
+                <a:pos x="connsiteX4" y="connsiteY4"/>
+              </a:cxn>
+              <a:cxn ang="0">
+                <a:pos x="connsiteX5" y="connsiteY5"/>
+              </a:cxn>
+              <a:cxn ang="0">
+                <a:pos x="connsiteX6" y="connsiteY6"/>
+              </a:cxn>
+              <a:cxn ang="0">
+                <a:pos x="connsiteX7" y="connsiteY7"/>
+              </a:cxn>
+              <a:cxn ang="0">
+                <a:pos x="connsiteX8" y="connsiteY8"/>
+              </a:cxn>
+              <a:cxn ang="0">
+                <a:pos x="connsiteX9" y="connsiteY9"/>
+              </a:cxn>
+              <a:cxn ang="0">
+                <a:pos x="connsiteX10" y="connsiteY10"/>
+              </a:cxn>
+            </a:cxnLst>
+            <a:rect l="l" t="t" r="r" b="b"/>
+            <a:pathLst>
+              <a:path w="2280901" h="2185026">
+                <a:moveTo>
+                  <a:pt x="1608117" y="0"/>
+                </a:moveTo>
+                <a:lnTo>
+                  <a:pt x="1614820" y="132756"/>
+                </a:lnTo>
+                <a:cubicBezTo>
+                  <a:pt x="1669451" y="670697"/>
+                  <a:pt x="1910598" y="1153498"/>
+                  <a:pt x="2272572" y="1515472"/>
+                </a:cubicBezTo>
+                <a:lnTo>
+                  <a:pt x="2280901" y="1523042"/>
+                </a:lnTo>
+                <a:lnTo>
+                  <a:pt x="2126891" y="1663015"/>
+                </a:lnTo>
+                <a:cubicBezTo>
+                  <a:pt x="1731736" y="1989126"/>
+                  <a:pt x="1225137" y="2185026"/>
+                  <a:pt x="672783" y="2185026"/>
+                </a:cubicBezTo>
+                <a:cubicBezTo>
+                  <a:pt x="514968" y="2185026"/>
+                  <a:pt x="360887" y="2169034"/>
+                  <a:pt x="212074" y="2138583"/>
+                </a:cubicBezTo>
+                <a:lnTo>
+                  <a:pt x="0" y="2084053"/>
+                </a:lnTo>
+                <a:lnTo>
+                  <a:pt x="6703" y="1951296"/>
+                </a:lnTo>
+                <a:cubicBezTo>
+                  <a:pt x="100356" y="1029112"/>
+                  <a:pt x="742137" y="268970"/>
+                  <a:pt x="1601115" y="1800"/>
+                </a:cubicBezTo>
+                <a:lnTo>
+                  <a:pt x="1608117" y="0"/>
+                </a:lnTo>
+                <a:close/>
+              </a:path>
+            </a:pathLst>
+          </a:custGeom>
+          <a:noFill/>
+          <a:ln>
+            <a:solidFill>
+              <a:schemeClr val="bg1">
+                <a:lumMod val="85000"/>
+              </a:schemeClr>
+            </a:solidFill>
+          </a:ln>
+        </p:spPr>
+        <p:style>
+          <a:lnRef idx="2">
+            <a:schemeClr val="accent1">
+              <a:shade val="50000"/>
+            </a:schemeClr>
+          </a:lnRef>
+          <a:fillRef idx="1">
+            <a:schemeClr val="accent1"/>
+          </a:fillRef>
+          <a:effectRef idx="0">
+            <a:schemeClr val="accent1"/>
+          </a:effectRef>
+          <a:fontRef idx="minor">
+            <a:schemeClr val="lt1"/>
+          </a:fontRef>
+        </p:style>
+        <p:txBody>
+          <a:bodyPr rtlCol="0" anchor="ctr"/>
+          <a:lstStyle/>
+          <a:p>
+            <a:pPr algn="ctr"/>
+            <a:r>
+              <a:rPr lang="en-US" sz="1600" i="1" dirty="0" smtClean="0">
+                <a:solidFill>
+                  <a:schemeClr val="bg1">
+                    <a:lumMod val="85000"/>
+                  </a:schemeClr>
+                </a:solidFill>
+              </a:rPr>
+              <a:t>Danger</a:t>
+            </a:r>
+          </a:p>
+          <a:p>
+            <a:pPr algn="ctr"/>
+            <a:r>
+              <a:rPr lang="en-US" sz="1600" i="1" dirty="0" smtClean="0">
+                <a:solidFill>
+                  <a:schemeClr val="bg1">
+                    <a:lumMod val="85000"/>
+                  </a:schemeClr>
+                </a:solidFill>
+              </a:rPr>
+              <a:t>Zone!</a:t>
+            </a:r>
+            <a:endParaRPr lang="en-US" sz="1600" i="1" dirty="0">
+              <a:solidFill>
+                <a:schemeClr val="bg1">
+                  <a:lumMod val="85000"/>
+                </a:schemeClr>
+              </a:solidFill>
+            </a:endParaRPr>
+          </a:p>
+        </p:txBody>
+      </p:sp>
+      <p:sp>
+        <p:nvSpPr>
+          <p:cNvPr id="10" name="Freeform 9"/>
+          <p:cNvSpPr/>
+          <p:nvPr/>
+        </p:nvSpPr>
+        <p:spPr>
+          <a:xfrm>
+            <a:off x="4403764" y="1"/>
+            <a:ext cx="3894118" cy="4471027"/>
+          </a:xfrm>
+          <a:custGeom>
+            <a:avLst/>
+            <a:gdLst>
+              <a:gd name="connsiteX0" fmla="*/ 2286000 w 3894118"/>
+              <a:gd name="connsiteY0" fmla="*/ 0 h 4471027"/>
+              <a:gd name="connsiteX1" fmla="*/ 3740108 w 3894118"/>
+              <a:gd name="connsiteY1" fmla="*/ 522011 h 4471027"/>
+              <a:gd name="connsiteX2" fmla="*/ 3894118 w 3894118"/>
+              <a:gd name="connsiteY2" fmla="*/ 661985 h 4471027"/>
+              <a:gd name="connsiteX3" fmla="*/ 3885789 w 3894118"/>
+              <a:gd name="connsiteY3" fmla="*/ 669554 h 4471027"/>
+              <a:gd name="connsiteX4" fmla="*/ 3216235 w 3894118"/>
+              <a:gd name="connsiteY4" fmla="*/ 2286000 h 4471027"/>
+              <a:gd name="connsiteX5" fmla="*/ 3221334 w 3894118"/>
+              <a:gd name="connsiteY5" fmla="*/ 2386974 h 4471027"/>
+              <a:gd name="connsiteX6" fmla="*/ 3214332 w 3894118"/>
+              <a:gd name="connsiteY6" fmla="*/ 2388774 h 4471027"/>
+              <a:gd name="connsiteX7" fmla="*/ 1619920 w 3894118"/>
+              <a:gd name="connsiteY7" fmla="*/ 4338270 h 4471027"/>
+              <a:gd name="connsiteX8" fmla="*/ 1613217 w 3894118"/>
+              <a:gd name="connsiteY8" fmla="*/ 4471027 h 4471027"/>
+              <a:gd name="connsiteX9" fmla="*/ 1606214 w 3894118"/>
+              <a:gd name="connsiteY9" fmla="*/ 4469226 h 4471027"/>
+              <a:gd name="connsiteX10" fmla="*/ 0 w 3894118"/>
+              <a:gd name="connsiteY10" fmla="*/ 2286000 h 4471027"/>
+              <a:gd name="connsiteX11" fmla="*/ 2286000 w 3894118"/>
+              <a:gd name="connsiteY11" fmla="*/ 0 h 4471027"/>
+            </a:gdLst>
+            <a:ahLst/>
+            <a:cxnLst>
+              <a:cxn ang="0">
+                <a:pos x="connsiteX0" y="connsiteY0"/>
+              </a:cxn>
+              <a:cxn ang="0">
+                <a:pos x="connsiteX1" y="connsiteY1"/>
+              </a:cxn>
+              <a:cxn ang="0">
+                <a:pos x="connsiteX2" y="connsiteY2"/>
+              </a:cxn>
+              <a:cxn ang="0">
+                <a:pos x="connsiteX3" y="connsiteY3"/>
+              </a:cxn>
+              <a:cxn ang="0">
+                <a:pos x="connsiteX4" y="connsiteY4"/>
+              </a:cxn>
+              <a:cxn ang="0">
+                <a:pos x="connsiteX5" y="connsiteY5"/>
+              </a:cxn>
+              <a:cxn ang="0">
+                <a:pos x="connsiteX6" y="connsiteY6"/>
+              </a:cxn>
+              <a:cxn ang="0">
+                <a:pos x="connsiteX7" y="connsiteY7"/>
+              </a:cxn>
+              <a:cxn ang="0">
+                <a:pos x="connsiteX8" y="connsiteY8"/>
+              </a:cxn>
+              <a:cxn ang="0">
+                <a:pos x="connsiteX9" y="connsiteY9"/>
+              </a:cxn>
+              <a:cxn ang="0">
+                <a:pos x="connsiteX10" y="connsiteY10"/>
+              </a:cxn>
+              <a:cxn ang="0">
+                <a:pos x="connsiteX11" y="connsiteY11"/>
+              </a:cxn>
+            </a:cxnLst>
+            <a:rect l="l" t="t" r="r" b="b"/>
+            <a:pathLst>
+              <a:path w="3894118" h="4471027">
+                <a:moveTo>
+                  <a:pt x="2286000" y="0"/>
+                </a:moveTo>
+                <a:cubicBezTo>
+                  <a:pt x="2838354" y="0"/>
+                  <a:pt x="3344953" y="195900"/>
+                  <a:pt x="3740108" y="522011"/>
+                </a:cubicBezTo>
+                <a:lnTo>
+                  <a:pt x="3894118" y="661985"/>
+                </a:lnTo>
+                <a:lnTo>
+                  <a:pt x="3885789" y="669554"/>
+                </a:lnTo>
+                <a:cubicBezTo>
+                  <a:pt x="3472104" y="1083238"/>
+                  <a:pt x="3216235" y="1654738"/>
+                  <a:pt x="3216235" y="2286000"/>
+                </a:cubicBezTo>
+                <a:lnTo>
+                  <a:pt x="3221334" y="2386974"/>
+                </a:lnTo>
+                <a:lnTo>
+                  <a:pt x="3214332" y="2388774"/>
+                </a:lnTo>
+                <a:cubicBezTo>
+                  <a:pt x="2355354" y="2655944"/>
+                  <a:pt x="1713573" y="3416086"/>
+                  <a:pt x="1619920" y="4338270"/>
+                </a:cubicBezTo>
+                <a:lnTo>
+                  <a:pt x="1613217" y="4471027"/>
+                </a:lnTo>
+                <a:lnTo>
+                  <a:pt x="1606214" y="4469226"/>
+                </a:lnTo>
+                <a:cubicBezTo>
+                  <a:pt x="675655" y="4179792"/>
+                  <a:pt x="0" y="3311800"/>
+                  <a:pt x="0" y="2286000"/>
+                </a:cubicBezTo>
+                <a:cubicBezTo>
+                  <a:pt x="0" y="1023477"/>
+                  <a:pt x="1023477" y="0"/>
+                  <a:pt x="2286000" y="0"/>
+                </a:cubicBezTo>
+                <a:close/>
+              </a:path>
+            </a:pathLst>
+          </a:custGeom>
+          <a:noFill/>
+          <a:ln>
+            <a:solidFill>
+              <a:schemeClr val="bg1">
+                <a:lumMod val="85000"/>
+              </a:schemeClr>
+            </a:solidFill>
+          </a:ln>
+        </p:spPr>
+        <p:style>
+          <a:lnRef idx="2">
+            <a:schemeClr val="accent1">
+              <a:shade val="50000"/>
+            </a:schemeClr>
+          </a:lnRef>
+          <a:fillRef idx="1">
+            <a:schemeClr val="accent1"/>
+          </a:fillRef>
+          <a:effectRef idx="0">
+            <a:schemeClr val="accent1"/>
+          </a:effectRef>
+          <a:fontRef idx="minor">
+            <a:schemeClr val="lt1"/>
+          </a:fontRef>
+        </p:style>
+        <p:txBody>
+          <a:bodyPr rtlCol="0" anchor="ctr"/>
+          <a:lstStyle/>
+          <a:p>
+            <a:pPr algn="ctr"/>
+            <a:r>
+              <a:rPr lang="en-US" sz="2400" i="1" dirty="0" smtClean="0">
+                <a:solidFill>
+                  <a:schemeClr val="bg1">
+                    <a:lumMod val="85000"/>
+                  </a:schemeClr>
+                </a:solidFill>
+              </a:rPr>
+              <a:t>Computer Science</a:t>
+            </a:r>
+          </a:p>
+          <a:p>
+            <a:pPr algn="ctr"/>
+            <a:r>
+              <a:rPr lang="en-US" sz="2400" i="1" dirty="0" smtClean="0">
+                <a:solidFill>
+                  <a:schemeClr val="bg1">
+                    <a:lumMod val="85000"/>
+                  </a:schemeClr>
+                </a:solidFill>
+              </a:rPr>
+              <a:t>Skills</a:t>
+            </a:r>
+          </a:p>
+          <a:p>
+            <a:pPr algn="ctr"/>
+            <a:endParaRPr lang="en-US" dirty="0"/>
+          </a:p>
+          <a:p>
+            <a:pPr algn="ctr"/>
+            <a:endParaRPr lang="en-US" dirty="0" smtClean="0"/>
+          </a:p>
+          <a:p>
+            <a:pPr algn="ctr"/>
+            <a:endParaRPr lang="en-US" dirty="0"/>
+          </a:p>
+          <a:p>
+            <a:pPr algn="ctr"/>
+            <a:endParaRPr lang="en-US" dirty="0" smtClean="0"/>
+          </a:p>
+          <a:p>
+            <a:pPr algn="ctr"/>
+            <a:endParaRPr lang="en-US" dirty="0"/>
+          </a:p>
+        </p:txBody>
+      </p:sp>
+      <p:sp>
+        <p:nvSpPr>
+          <p:cNvPr id="9" name="Freeform 8"/>
+          <p:cNvSpPr/>
+          <p:nvPr/>
+        </p:nvSpPr>
+        <p:spPr>
+          <a:xfrm>
+            <a:off x="8297883" y="1"/>
+            <a:ext cx="3894117" cy="4471027"/>
+          </a:xfrm>
+          <a:custGeom>
+            <a:avLst/>
+            <a:gdLst>
+              <a:gd name="connsiteX0" fmla="*/ 1608117 w 3894117"/>
+              <a:gd name="connsiteY0" fmla="*/ 0 h 4471027"/>
+              <a:gd name="connsiteX1" fmla="*/ 3894117 w 3894117"/>
+              <a:gd name="connsiteY1" fmla="*/ 2286000 h 4471027"/>
+              <a:gd name="connsiteX2" fmla="*/ 2287903 w 3894117"/>
+              <a:gd name="connsiteY2" fmla="*/ 4469226 h 4471027"/>
+              <a:gd name="connsiteX3" fmla="*/ 2280902 w 3894117"/>
+              <a:gd name="connsiteY3" fmla="*/ 4471027 h 4471027"/>
+              <a:gd name="connsiteX4" fmla="*/ 2274198 w 3894117"/>
+              <a:gd name="connsiteY4" fmla="*/ 4338270 h 4471027"/>
+              <a:gd name="connsiteX5" fmla="*/ 679786 w 3894117"/>
+              <a:gd name="connsiteY5" fmla="*/ 2388774 h 4471027"/>
+              <a:gd name="connsiteX6" fmla="*/ 672784 w 3894117"/>
+              <a:gd name="connsiteY6" fmla="*/ 2386974 h 4471027"/>
+              <a:gd name="connsiteX7" fmla="*/ 677882 w 3894117"/>
+              <a:gd name="connsiteY7" fmla="*/ 2286000 h 4471027"/>
+              <a:gd name="connsiteX8" fmla="*/ 8328 w 3894117"/>
+              <a:gd name="connsiteY8" fmla="*/ 669554 h 4471027"/>
+              <a:gd name="connsiteX9" fmla="*/ 0 w 3894117"/>
+              <a:gd name="connsiteY9" fmla="*/ 661985 h 4471027"/>
+              <a:gd name="connsiteX10" fmla="*/ 154009 w 3894117"/>
+              <a:gd name="connsiteY10" fmla="*/ 522011 h 4471027"/>
+              <a:gd name="connsiteX11" fmla="*/ 1608117 w 3894117"/>
+              <a:gd name="connsiteY11" fmla="*/ 0 h 4471027"/>
+            </a:gdLst>
+            <a:ahLst/>
+            <a:cxnLst>
+              <a:cxn ang="0">
+                <a:pos x="connsiteX0" y="connsiteY0"/>
+              </a:cxn>
+              <a:cxn ang="0">
+                <a:pos x="connsiteX1" y="connsiteY1"/>
+              </a:cxn>
+              <a:cxn ang="0">
+                <a:pos x="connsiteX2" y="connsiteY2"/>
+              </a:cxn>
+              <a:cxn ang="0">
+                <a:pos x="connsiteX3" y="connsiteY3"/>
+              </a:cxn>
+              <a:cxn ang="0">
+                <a:pos x="connsiteX4" y="connsiteY4"/>
+              </a:cxn>
+              <a:cxn ang="0">
+                <a:pos x="connsiteX5" y="connsiteY5"/>
+              </a:cxn>
+              <a:cxn ang="0">
+                <a:pos x="connsiteX6" y="connsiteY6"/>
+              </a:cxn>
+              <a:cxn ang="0">
+                <a:pos x="connsiteX7" y="connsiteY7"/>
+              </a:cxn>
+              <a:cxn ang="0">
+                <a:pos x="connsiteX8" y="connsiteY8"/>
+              </a:cxn>
+              <a:cxn ang="0">
+                <a:pos x="connsiteX9" y="connsiteY9"/>
+              </a:cxn>
+              <a:cxn ang="0">
+                <a:pos x="connsiteX10" y="connsiteY10"/>
+              </a:cxn>
+              <a:cxn ang="0">
+                <a:pos x="connsiteX11" y="connsiteY11"/>
+              </a:cxn>
+            </a:cxnLst>
+            <a:rect l="l" t="t" r="r" b="b"/>
+            <a:pathLst>
+              <a:path w="3894117" h="4471027">
+                <a:moveTo>
+                  <a:pt x="1608117" y="0"/>
+                </a:moveTo>
+                <a:cubicBezTo>
+                  <a:pt x="2870640" y="0"/>
+                  <a:pt x="3894117" y="1023477"/>
+                  <a:pt x="3894117" y="2286000"/>
+                </a:cubicBezTo>
+                <a:cubicBezTo>
+                  <a:pt x="3894117" y="3311800"/>
+                  <a:pt x="3218463" y="4179792"/>
+                  <a:pt x="2287903" y="4469226"/>
+                </a:cubicBezTo>
+                <a:lnTo>
+                  <a:pt x="2280902" y="4471027"/>
+                </a:lnTo>
+                <a:lnTo>
+                  <a:pt x="2274198" y="4338270"/>
+                </a:lnTo>
+                <a:cubicBezTo>
+                  <a:pt x="2180545" y="3416086"/>
+                  <a:pt x="1538764" y="2655944"/>
+                  <a:pt x="679786" y="2388774"/>
+                </a:cubicBezTo>
+                <a:lnTo>
+                  <a:pt x="672784" y="2386974"/>
+                </a:lnTo>
+                <a:lnTo>
+                  <a:pt x="677882" y="2286000"/>
+                </a:lnTo>
+                <a:cubicBezTo>
+                  <a:pt x="677882" y="1654738"/>
+                  <a:pt x="422013" y="1083238"/>
+                  <a:pt x="8328" y="669554"/>
+                </a:cubicBezTo>
+                <a:lnTo>
+                  <a:pt x="0" y="661985"/>
+                </a:lnTo>
+                <a:lnTo>
+                  <a:pt x="154009" y="522011"/>
+                </a:lnTo>
+                <a:cubicBezTo>
+                  <a:pt x="549165" y="195900"/>
+                  <a:pt x="1055763" y="0"/>
+                  <a:pt x="1608117" y="0"/>
+                </a:cubicBezTo>
+                <a:close/>
+              </a:path>
+            </a:pathLst>
+          </a:custGeom>
+          <a:noFill/>
+          <a:ln>
+            <a:solidFill>
+              <a:schemeClr val="bg1">
+                <a:lumMod val="85000"/>
+              </a:schemeClr>
+            </a:solidFill>
+          </a:ln>
+        </p:spPr>
+        <p:style>
+          <a:lnRef idx="2">
+            <a:schemeClr val="accent1">
+              <a:shade val="50000"/>
+            </a:schemeClr>
+          </a:lnRef>
+          <a:fillRef idx="1">
+            <a:schemeClr val="accent1"/>
+          </a:fillRef>
+          <a:effectRef idx="0">
+            <a:schemeClr val="accent1"/>
+          </a:effectRef>
+          <a:fontRef idx="minor">
+            <a:schemeClr val="lt1"/>
+          </a:fontRef>
+        </p:style>
+        <p:txBody>
+          <a:bodyPr rtlCol="0" anchor="ctr"/>
+          <a:lstStyle/>
+          <a:p>
+            <a:pPr algn="ctr"/>
+            <a:r>
+              <a:rPr lang="en-US" sz="2400" i="1" dirty="0" smtClean="0">
+                <a:solidFill>
+                  <a:schemeClr val="bg1">
+                    <a:lumMod val="85000"/>
+                  </a:schemeClr>
+                </a:solidFill>
+              </a:rPr>
+              <a:t>Mathematics/</a:t>
+            </a:r>
+          </a:p>
+          <a:p>
+            <a:pPr algn="ctr"/>
+            <a:r>
+              <a:rPr lang="en-US" sz="2400" i="1" dirty="0" smtClean="0">
+                <a:solidFill>
+                  <a:schemeClr val="bg1">
+                    <a:lumMod val="85000"/>
+                  </a:schemeClr>
+                </a:solidFill>
+              </a:rPr>
+              <a:t>Statistics</a:t>
+            </a:r>
+          </a:p>
+          <a:p>
+            <a:pPr algn="ctr"/>
+            <a:r>
+              <a:rPr lang="en-US" sz="2400" i="1" dirty="0" smtClean="0">
+                <a:solidFill>
+                  <a:schemeClr val="bg1">
+                    <a:lumMod val="85000"/>
+                  </a:schemeClr>
+                </a:solidFill>
+              </a:rPr>
+              <a:t>Knowledge</a:t>
+            </a:r>
+          </a:p>
+          <a:p>
+            <a:pPr algn="ctr"/>
+            <a:endParaRPr lang="en-US" dirty="0"/>
+          </a:p>
+          <a:p>
+            <a:pPr algn="ctr"/>
+            <a:endParaRPr lang="en-US" dirty="0" smtClean="0"/>
+          </a:p>
+          <a:p>
+            <a:pPr algn="ctr"/>
+            <a:endParaRPr lang="en-US" dirty="0"/>
+          </a:p>
+          <a:p>
+            <a:pPr algn="ctr"/>
+            <a:endParaRPr lang="en-US" dirty="0" smtClean="0"/>
+          </a:p>
+          <a:p>
+            <a:pPr algn="ctr"/>
+            <a:endParaRPr lang="en-US" dirty="0"/>
+          </a:p>
+        </p:txBody>
+      </p:sp>
+      <p:sp>
+        <p:nvSpPr>
+          <p:cNvPr id="8" name="Freeform 7"/>
+          <p:cNvSpPr/>
+          <p:nvPr/>
+        </p:nvSpPr>
+        <p:spPr>
+          <a:xfrm>
+            <a:off x="7625098" y="2286000"/>
+            <a:ext cx="1345568" cy="1624016"/>
+          </a:xfrm>
+          <a:custGeom>
+            <a:avLst/>
+            <a:gdLst>
+              <a:gd name="connsiteX0" fmla="*/ 672784 w 1345568"/>
+              <a:gd name="connsiteY0" fmla="*/ 0 h 1624016"/>
+              <a:gd name="connsiteX1" fmla="*/ 1133493 w 1345568"/>
+              <a:gd name="connsiteY1" fmla="*/ 46443 h 1624016"/>
+              <a:gd name="connsiteX2" fmla="*/ 1345568 w 1345568"/>
+              <a:gd name="connsiteY2" fmla="*/ 100974 h 1624016"/>
+              <a:gd name="connsiteX3" fmla="*/ 1338864 w 1345568"/>
+              <a:gd name="connsiteY3" fmla="*/ 233730 h 1624016"/>
+              <a:gd name="connsiteX4" fmla="*/ 681112 w 1345568"/>
+              <a:gd name="connsiteY4" fmla="*/ 1616446 h 1624016"/>
+              <a:gd name="connsiteX5" fmla="*/ 672784 w 1345568"/>
+              <a:gd name="connsiteY5" fmla="*/ 1624016 h 1624016"/>
+              <a:gd name="connsiteX6" fmla="*/ 664455 w 1345568"/>
+              <a:gd name="connsiteY6" fmla="*/ 1616446 h 1624016"/>
+              <a:gd name="connsiteX7" fmla="*/ 6703 w 1345568"/>
+              <a:gd name="connsiteY7" fmla="*/ 233730 h 1624016"/>
+              <a:gd name="connsiteX8" fmla="*/ 0 w 1345568"/>
+              <a:gd name="connsiteY8" fmla="*/ 100974 h 1624016"/>
+              <a:gd name="connsiteX9" fmla="*/ 212075 w 1345568"/>
+              <a:gd name="connsiteY9" fmla="*/ 46443 h 1624016"/>
+              <a:gd name="connsiteX10" fmla="*/ 672784 w 1345568"/>
+              <a:gd name="connsiteY10" fmla="*/ 0 h 1624016"/>
+            </a:gdLst>
+            <a:ahLst/>
+            <a:cxnLst>
+              <a:cxn ang="0">
+                <a:pos x="connsiteX0" y="connsiteY0"/>
+              </a:cxn>
+              <a:cxn ang="0">
+                <a:pos x="connsiteX1" y="connsiteY1"/>
+              </a:cxn>
+              <a:cxn ang="0">
+                <a:pos x="connsiteX2" y="connsiteY2"/>
+              </a:cxn>
+              <a:cxn ang="0">
+                <a:pos x="connsiteX3" y="connsiteY3"/>
+              </a:cxn>
+              <a:cxn ang="0">
+                <a:pos x="connsiteX4" y="connsiteY4"/>
+              </a:cxn>
+              <a:cxn ang="0">
+                <a:pos x="connsiteX5" y="connsiteY5"/>
+              </a:cxn>
+              <a:cxn ang="0">
+                <a:pos x="connsiteX6" y="connsiteY6"/>
+              </a:cxn>
+              <a:cxn ang="0">
+                <a:pos x="connsiteX7" y="connsiteY7"/>
+              </a:cxn>
+              <a:cxn ang="0">
+                <a:pos x="connsiteX8" y="connsiteY8"/>
+              </a:cxn>
+              <a:cxn ang="0">
+                <a:pos x="connsiteX9" y="connsiteY9"/>
+              </a:cxn>
+              <a:cxn ang="0">
+                <a:pos x="connsiteX10" y="connsiteY10"/>
+              </a:cxn>
+            </a:cxnLst>
+            <a:rect l="l" t="t" r="r" b="b"/>
+            <a:pathLst>
+              <a:path w="1345568" h="1624016">
+                <a:moveTo>
+                  <a:pt x="672784" y="0"/>
+                </a:moveTo>
+                <a:cubicBezTo>
+                  <a:pt x="830600" y="0"/>
+                  <a:pt x="984680" y="15992"/>
+                  <a:pt x="1133493" y="46443"/>
+                </a:cubicBezTo>
+                <a:lnTo>
+                  <a:pt x="1345568" y="100974"/>
+                </a:lnTo>
+                <a:lnTo>
+                  <a:pt x="1338864" y="233730"/>
+                </a:lnTo>
+                <a:cubicBezTo>
+                  <a:pt x="1284233" y="771671"/>
+                  <a:pt x="1043086" y="1254472"/>
+                  <a:pt x="681112" y="1616446"/>
+                </a:cubicBezTo>
+                <a:lnTo>
+                  <a:pt x="672784" y="1624016"/>
+                </a:lnTo>
+                <a:lnTo>
+                  <a:pt x="664455" y="1616446"/>
+                </a:lnTo>
+                <a:cubicBezTo>
+                  <a:pt x="302481" y="1254472"/>
+                  <a:pt x="61334" y="771671"/>
+                  <a:pt x="6703" y="233730"/>
+                </a:cubicBezTo>
+                <a:lnTo>
+                  <a:pt x="0" y="100974"/>
+                </a:lnTo>
+                <a:lnTo>
+                  <a:pt x="212075" y="46443"/>
+                </a:lnTo>
+                <a:cubicBezTo>
+                  <a:pt x="360889" y="15992"/>
+                  <a:pt x="514969" y="0"/>
+                  <a:pt x="672784" y="0"/>
+                </a:cubicBezTo>
+                <a:close/>
+              </a:path>
+            </a:pathLst>
+          </a:custGeom>
+          <a:solidFill>
+            <a:schemeClr val="accent4">
+              <a:alpha val="40000"/>
+            </a:schemeClr>
+          </a:solidFill>
+          <a:ln>
+            <a:noFill/>
+          </a:ln>
+        </p:spPr>
+        <p:style>
+          <a:lnRef idx="2">
+            <a:schemeClr val="accent1">
+              <a:shade val="50000"/>
+            </a:schemeClr>
+          </a:lnRef>
+          <a:fillRef idx="1">
+            <a:schemeClr val="accent1"/>
+          </a:fillRef>
+          <a:effectRef idx="0">
+            <a:schemeClr val="accent1"/>
+          </a:effectRef>
+          <a:fontRef idx="minor">
+            <a:schemeClr val="lt1"/>
+          </a:fontRef>
+        </p:style>
+        <p:txBody>
+          <a:bodyPr rtlCol="0" anchor="ctr"/>
+          <a:lstStyle/>
+          <a:p>
+            <a:pPr algn="ctr"/>
+            <a:r>
+              <a:rPr lang="en-US" sz="2000" b="1" dirty="0" smtClean="0">
+                <a:solidFill>
+                  <a:schemeClr val="tx1"/>
+                </a:solidFill>
+              </a:rPr>
+              <a:t>Data</a:t>
+            </a:r>
+          </a:p>
+          <a:p>
+            <a:pPr algn="ctr"/>
+            <a:r>
+              <a:rPr lang="en-US" sz="2000" b="1" dirty="0" smtClean="0">
+                <a:solidFill>
+                  <a:schemeClr val="tx1"/>
+                </a:solidFill>
+              </a:rPr>
+              <a:t>Scientist</a:t>
+            </a:r>
+          </a:p>
+          <a:p>
+            <a:pPr algn="ctr"/>
+            <a:endParaRPr lang="en-US" dirty="0"/>
+          </a:p>
+          <a:p>
+            <a:pPr algn="ctr"/>
+            <a:endParaRPr lang="en-US" dirty="0"/>
+          </a:p>
+        </p:txBody>
+      </p:sp>
+      <p:sp>
+        <p:nvSpPr>
+          <p:cNvPr id="7" name="Freeform 6"/>
+          <p:cNvSpPr/>
+          <p:nvPr/>
+        </p:nvSpPr>
+        <p:spPr>
+          <a:xfrm>
+            <a:off x="6011882" y="3910016"/>
+            <a:ext cx="4572000" cy="2947984"/>
+          </a:xfrm>
+          <a:custGeom>
+            <a:avLst/>
+            <a:gdLst>
+              <a:gd name="connsiteX0" fmla="*/ 2286000 w 4572000"/>
+              <a:gd name="connsiteY0" fmla="*/ 0 h 2947984"/>
+              <a:gd name="connsiteX1" fmla="*/ 2440009 w 4572000"/>
+              <a:gd name="connsiteY1" fmla="*/ 139973 h 2947984"/>
+              <a:gd name="connsiteX2" fmla="*/ 3894117 w 4572000"/>
+              <a:gd name="connsiteY2" fmla="*/ 661984 h 2947984"/>
+              <a:gd name="connsiteX3" fmla="*/ 4354826 w 4572000"/>
+              <a:gd name="connsiteY3" fmla="*/ 615541 h 2947984"/>
+              <a:gd name="connsiteX4" fmla="*/ 4566902 w 4572000"/>
+              <a:gd name="connsiteY4" fmla="*/ 561011 h 2947984"/>
+              <a:gd name="connsiteX5" fmla="*/ 4572000 w 4572000"/>
+              <a:gd name="connsiteY5" fmla="*/ 661984 h 2947984"/>
+              <a:gd name="connsiteX6" fmla="*/ 2286000 w 4572000"/>
+              <a:gd name="connsiteY6" fmla="*/ 2947984 h 2947984"/>
+              <a:gd name="connsiteX7" fmla="*/ 0 w 4572000"/>
+              <a:gd name="connsiteY7" fmla="*/ 661984 h 2947984"/>
+              <a:gd name="connsiteX8" fmla="*/ 5099 w 4572000"/>
+              <a:gd name="connsiteY8" fmla="*/ 561011 h 2947984"/>
+              <a:gd name="connsiteX9" fmla="*/ 217173 w 4572000"/>
+              <a:gd name="connsiteY9" fmla="*/ 615541 h 2947984"/>
+              <a:gd name="connsiteX10" fmla="*/ 677882 w 4572000"/>
+              <a:gd name="connsiteY10" fmla="*/ 661984 h 2947984"/>
+              <a:gd name="connsiteX11" fmla="*/ 2131990 w 4572000"/>
+              <a:gd name="connsiteY11" fmla="*/ 139973 h 2947984"/>
+              <a:gd name="connsiteX12" fmla="*/ 2286000 w 4572000"/>
+              <a:gd name="connsiteY12" fmla="*/ 0 h 2947984"/>
+            </a:gdLst>
+            <a:ahLst/>
+            <a:cxnLst>
+              <a:cxn ang="0">
+                <a:pos x="connsiteX0" y="connsiteY0"/>
+              </a:cxn>
+              <a:cxn ang="0">
+                <a:pos x="connsiteX1" y="connsiteY1"/>
+              </a:cxn>
+              <a:cxn ang="0">
+                <a:pos x="connsiteX2" y="connsiteY2"/>
+              </a:cxn>
+              <a:cxn ang="0">
+                <a:pos x="connsiteX3" y="connsiteY3"/>
+              </a:cxn>
+              <a:cxn ang="0">
+                <a:pos x="connsiteX4" y="connsiteY4"/>
+              </a:cxn>
+              <a:cxn ang="0">
+                <a:pos x="connsiteX5" y="connsiteY5"/>
+              </a:cxn>
+              <a:cxn ang="0">
+                <a:pos x="connsiteX6" y="connsiteY6"/>
+              </a:cxn>
+              <a:cxn ang="0">
+                <a:pos x="connsiteX7" y="connsiteY7"/>
+              </a:cxn>
+              <a:cxn ang="0">
+                <a:pos x="connsiteX8" y="connsiteY8"/>
+              </a:cxn>
+              <a:cxn ang="0">
+                <a:pos x="connsiteX9" y="connsiteY9"/>
+              </a:cxn>
+              <a:cxn ang="0">
+                <a:pos x="connsiteX10" y="connsiteY10"/>
+              </a:cxn>
+              <a:cxn ang="0">
+                <a:pos x="connsiteX11" y="connsiteY11"/>
+              </a:cxn>
+              <a:cxn ang="0">
+                <a:pos x="connsiteX12" y="connsiteY12"/>
+              </a:cxn>
+            </a:cxnLst>
+            <a:rect l="l" t="t" r="r" b="b"/>
+            <a:pathLst>
+              <a:path w="4572000" h="2947984">
+                <a:moveTo>
+                  <a:pt x="2286000" y="0"/>
+                </a:moveTo>
+                <a:lnTo>
+                  <a:pt x="2440009" y="139973"/>
+                </a:lnTo>
+                <a:cubicBezTo>
+                  <a:pt x="2835165" y="466084"/>
+                  <a:pt x="3341763" y="661984"/>
+                  <a:pt x="3894117" y="661984"/>
+                </a:cubicBezTo>
+                <a:cubicBezTo>
+                  <a:pt x="4051933" y="661984"/>
+                  <a:pt x="4206013" y="645992"/>
+                  <a:pt x="4354826" y="615541"/>
+                </a:cubicBezTo>
+                <a:lnTo>
+                  <a:pt x="4566902" y="561011"/>
+                </a:lnTo>
+                <a:lnTo>
+                  <a:pt x="4572000" y="661984"/>
+                </a:lnTo>
+                <a:cubicBezTo>
+                  <a:pt x="4572000" y="1924507"/>
+                  <a:pt x="3548523" y="2947984"/>
+                  <a:pt x="2286000" y="2947984"/>
+                </a:cubicBezTo>
+                <a:cubicBezTo>
+                  <a:pt x="1023477" y="2947984"/>
+                  <a:pt x="0" y="1924507"/>
+                  <a:pt x="0" y="661984"/>
+                </a:cubicBezTo>
+                <a:lnTo>
+                  <a:pt x="5099" y="561011"/>
+                </a:lnTo>
+                <a:lnTo>
+                  <a:pt x="217173" y="615541"/>
+                </a:lnTo>
+                <a:cubicBezTo>
+                  <a:pt x="365986" y="645992"/>
+                  <a:pt x="520067" y="661984"/>
+                  <a:pt x="677882" y="661984"/>
+                </a:cubicBezTo>
+                <a:cubicBezTo>
+                  <a:pt x="1230236" y="661984"/>
+                  <a:pt x="1736835" y="466084"/>
+                  <a:pt x="2131990" y="139973"/>
+                </a:cubicBezTo>
+                <a:lnTo>
+                  <a:pt x="2286000" y="0"/>
+                </a:lnTo>
+                <a:close/>
+              </a:path>
+            </a:pathLst>
+          </a:custGeom>
+          <a:noFill/>
+          <a:ln>
+            <a:solidFill>
+              <a:schemeClr val="bg1">
+                <a:lumMod val="85000"/>
+              </a:schemeClr>
+            </a:solidFill>
+          </a:ln>
+        </p:spPr>
+        <p:style>
+          <a:lnRef idx="2">
+            <a:schemeClr val="accent1">
+              <a:shade val="50000"/>
+            </a:schemeClr>
+          </a:lnRef>
+          <a:fillRef idx="1">
+            <a:schemeClr val="accent1"/>
+          </a:fillRef>
+          <a:effectRef idx="0">
+            <a:schemeClr val="accent1"/>
+          </a:effectRef>
+          <a:fontRef idx="minor">
+            <a:schemeClr val="lt1"/>
+          </a:fontRef>
+        </p:style>
+        <p:txBody>
+          <a:bodyPr rtlCol="0" anchor="ctr"/>
+          <a:lstStyle/>
+          <a:p>
+            <a:pPr algn="ctr"/>
+            <a:r>
+              <a:rPr lang="en-US" sz="2400" i="1" dirty="0" smtClean="0">
+                <a:solidFill>
+                  <a:schemeClr val="bg1">
+                    <a:lumMod val="85000"/>
+                  </a:schemeClr>
+                </a:solidFill>
+              </a:rPr>
+              <a:t>Substantive Expertise</a:t>
+            </a:r>
+          </a:p>
+          <a:p>
+            <a:pPr algn="ctr"/>
+            <a:r>
+              <a:rPr lang="en-US" sz="2400" i="1" dirty="0" smtClean="0">
+                <a:solidFill>
+                  <a:schemeClr val="bg1">
+                    <a:lumMod val="85000"/>
+                  </a:schemeClr>
+                </a:solidFill>
+              </a:rPr>
+              <a:t>Domain Knowledge</a:t>
+            </a:r>
+            <a:endParaRPr lang="en-US" sz="2400" i="1" dirty="0">
+              <a:solidFill>
+                <a:schemeClr val="bg1">
+                  <a:lumMod val="85000"/>
+                </a:schemeClr>
+              </a:solidFill>
+            </a:endParaRPr>
+          </a:p>
+        </p:txBody>
+      </p:sp>
+      <p:sp>
+        <p:nvSpPr>
+          <p:cNvPr id="14" name="TextBox 13"/>
+          <p:cNvSpPr txBox="1"/>
+          <p:nvPr/>
+        </p:nvSpPr>
+        <p:spPr>
+          <a:xfrm>
+            <a:off x="0" y="1"/>
+            <a:ext cx="4037610" cy="2862322"/>
+          </a:xfrm>
+          <a:prstGeom prst="rect">
+            <a:avLst/>
+          </a:prstGeom>
+          <a:noFill/>
+        </p:spPr>
+        <p:txBody>
+          <a:bodyPr wrap="square" rtlCol="0">
+            <a:spAutoFit/>
+          </a:bodyPr>
+          <a:lstStyle/>
+          <a:p>
+            <a:r>
+              <a:rPr lang="en-US" dirty="0" smtClean="0"/>
+              <a:t>The Data Science Venn Diagram</a:t>
+            </a:r>
+          </a:p>
+          <a:p>
+            <a:endParaRPr lang="en-US" dirty="0"/>
+          </a:p>
+          <a:p>
+            <a:r>
+              <a:rPr lang="en-US" dirty="0" smtClean="0"/>
+              <a:t>Also note that there are three very legitimate areas for a budding mathematician to end up in. All of them are valuable, so it’s important that the student understands the differences between the two areas, since in a lot of cases companies treat the following as such. </a:t>
+            </a:r>
+          </a:p>
+        </p:txBody>
+      </p:sp>
+      <p:sp>
+        <p:nvSpPr>
+          <p:cNvPr id="15" name="TextBox 14"/>
+          <p:cNvSpPr txBox="1"/>
+          <p:nvPr/>
+        </p:nvSpPr>
+        <p:spPr>
+          <a:xfrm>
+            <a:off x="10215562" y="6550223"/>
+            <a:ext cx="1976438" cy="307777"/>
+          </a:xfrm>
+          <a:prstGeom prst="rect">
+            <a:avLst/>
+          </a:prstGeom>
+          <a:noFill/>
+        </p:spPr>
+        <p:txBody>
+          <a:bodyPr wrap="none" rtlCol="0">
+            <a:spAutoFit/>
+          </a:bodyPr>
+          <a:lstStyle/>
+          <a:p>
+            <a:r>
+              <a:rPr lang="en-US" sz="1400" dirty="0" smtClean="0">
+                <a:hlinkClick r:id="rId2"/>
+              </a:rPr>
+              <a:t>Thanks to Drew Conway </a:t>
+            </a:r>
+            <a:endParaRPr lang="en-US" sz="1400" dirty="0"/>
           </a:p>
         </p:txBody>
       </p:sp>
     </p:spTree>
     <p:extLst>
       <p:ext uri="{BB962C8B-B14F-4D97-AF65-F5344CB8AC3E}">
-        <p14:creationId xmlns:p14="http://schemas.microsoft.com/office/powerpoint/2010/main" val="472680828"/>
+        <p14:creationId xmlns:p14="http://schemas.microsoft.com/office/powerpoint/2010/main" val="440200841"/>
       </p:ext>
     </p:extLst>
   </p:cSld>
@@ -13274,7 +15509,7 @@
                   </a:schemeClr>
                 </a:solidFill>
               </a:rPr>
-              <a:t>Research</a:t>
+              <a:t>Researcher</a:t>
             </a:r>
             <a:endParaRPr lang="en-US" sz="1600" i="1" dirty="0">
               <a:solidFill>
@@ -14486,6 +16721,11 @@
                   <a:rPr lang="en-US" dirty="0" smtClean="0"/>
                   <a:t>Incorporate randomness: given a random 2-coloring of a complete graph on 5 vertices, what’s the probability it has a monochromatic subgraph?</a:t>
                 </a:r>
+              </a:p>
+              <a:p>
+                <a:pPr marL="0" indent="0">
+                  <a:buNone/>
+                </a:pPr>
                 <a:endParaRPr lang="en-US" dirty="0"/>
               </a:p>
             </p:txBody>

--- a/Preparing Mathematicians for Data Science Careers.pptx
+++ b/Preparing Mathematicians for Data Science Careers.pptx
@@ -24,15 +24,17 @@
     <p:sldId id="282" r:id="rId18"/>
     <p:sldId id="283" r:id="rId19"/>
     <p:sldId id="284" r:id="rId20"/>
-    <p:sldId id="276" r:id="rId21"/>
-    <p:sldId id="292" r:id="rId22"/>
-    <p:sldId id="293" r:id="rId23"/>
-    <p:sldId id="294" r:id="rId24"/>
-    <p:sldId id="264" r:id="rId25"/>
-    <p:sldId id="260" r:id="rId26"/>
-    <p:sldId id="262" r:id="rId27"/>
-    <p:sldId id="271" r:id="rId28"/>
-    <p:sldId id="261" r:id="rId29"/>
+    <p:sldId id="296" r:id="rId21"/>
+    <p:sldId id="276" r:id="rId22"/>
+    <p:sldId id="292" r:id="rId23"/>
+    <p:sldId id="293" r:id="rId24"/>
+    <p:sldId id="294" r:id="rId25"/>
+    <p:sldId id="295" r:id="rId26"/>
+    <p:sldId id="264" r:id="rId27"/>
+    <p:sldId id="260" r:id="rId28"/>
+    <p:sldId id="262" r:id="rId29"/>
+    <p:sldId id="271" r:id="rId30"/>
+    <p:sldId id="261" r:id="rId31"/>
   </p:sldIdLst>
   <p:sldSz cx="12192000" cy="6858000"/>
   <p:notesSz cx="6858000" cy="9144000"/>
@@ -7009,14 +7011,13 @@
               </a:path>
             </a:pathLst>
           </a:custGeom>
-          <a:solidFill>
-            <a:schemeClr val="accent6">
-              <a:lumMod val="50000"/>
-              <a:alpha val="40000"/>
-            </a:schemeClr>
-          </a:solidFill>
+          <a:noFill/>
           <a:ln>
-            <a:noFill/>
+            <a:solidFill>
+              <a:schemeClr val="bg1">
+                <a:lumMod val="85000"/>
+              </a:schemeClr>
+            </a:solidFill>
           </a:ln>
         </p:spPr>
         <p:style>
@@ -7049,9 +7050,11 @@
           <a:p>
             <a:pPr algn="ctr"/>
             <a:r>
-              <a:rPr lang="en-US" sz="1600" dirty="0" smtClean="0">
+              <a:rPr lang="en-US" sz="1600" i="1" dirty="0" smtClean="0">
                 <a:solidFill>
-                  <a:schemeClr val="tx1"/>
+                  <a:schemeClr val="bg1">
+                    <a:lumMod val="85000"/>
+                  </a:schemeClr>
                 </a:solidFill>
               </a:rPr>
               <a:t>Machine</a:t>
@@ -7060,9 +7063,11 @@
           <a:p>
             <a:pPr algn="ctr"/>
             <a:r>
-              <a:rPr lang="en-US" sz="1600" dirty="0" smtClean="0">
+              <a:rPr lang="en-US" sz="1600" i="1" dirty="0" smtClean="0">
                 <a:solidFill>
-                  <a:schemeClr val="tx1"/>
+                  <a:schemeClr val="bg1">
+                    <a:lumMod val="85000"/>
+                  </a:schemeClr>
                 </a:solidFill>
               </a:rPr>
               <a:t>Learning</a:t>
@@ -7071,16 +7076,20 @@
           <a:p>
             <a:pPr algn="ctr"/>
             <a:r>
-              <a:rPr lang="en-US" sz="1600" dirty="0" smtClean="0">
+              <a:rPr lang="en-US" sz="1600" i="1" dirty="0" smtClean="0">
                 <a:solidFill>
-                  <a:schemeClr val="tx1"/>
+                  <a:schemeClr val="bg1">
+                    <a:lumMod val="85000"/>
+                  </a:schemeClr>
                 </a:solidFill>
               </a:rPr>
               <a:t>Scientist</a:t>
             </a:r>
-            <a:endParaRPr lang="en-US" sz="1600" dirty="0">
+            <a:endParaRPr lang="en-US" sz="1600" i="1" dirty="0">
               <a:solidFill>
-                <a:schemeClr val="tx1"/>
+                <a:schemeClr val="bg1">
+                  <a:lumMod val="85000"/>
+                </a:schemeClr>
               </a:solidFill>
             </a:endParaRPr>
           </a:p>
@@ -7207,15 +7216,13 @@
               </a:path>
             </a:pathLst>
           </a:custGeom>
-          <a:solidFill>
-            <a:schemeClr val="accent1">
-              <a:lumMod val="60000"/>
-              <a:lumOff val="40000"/>
-              <a:alpha val="40000"/>
-            </a:schemeClr>
-          </a:solidFill>
+          <a:noFill/>
           <a:ln>
-            <a:noFill/>
+            <a:solidFill>
+              <a:schemeClr val="bg1">
+                <a:lumMod val="85000"/>
+              </a:schemeClr>
+            </a:solidFill>
           </a:ln>
         </p:spPr>
         <p:style>
@@ -7240,9 +7247,11 @@
           <a:p>
             <a:pPr algn="ctr"/>
             <a:r>
-              <a:rPr lang="en-US" sz="1600" dirty="0" smtClean="0">
+              <a:rPr lang="en-US" sz="1600" i="1" dirty="0" smtClean="0">
                 <a:solidFill>
-                  <a:schemeClr val="tx1"/>
+                  <a:schemeClr val="bg1">
+                    <a:lumMod val="85000"/>
+                  </a:schemeClr>
                 </a:solidFill>
               </a:rPr>
               <a:t>Traditional</a:t>
@@ -7251,16 +7260,20 @@
           <a:p>
             <a:pPr algn="ctr"/>
             <a:r>
-              <a:rPr lang="en-US" sz="1600" dirty="0" smtClean="0">
+              <a:rPr lang="en-US" sz="1600" i="1" dirty="0" smtClean="0">
                 <a:solidFill>
-                  <a:schemeClr val="tx1"/>
+                  <a:schemeClr val="bg1">
+                    <a:lumMod val="85000"/>
+                  </a:schemeClr>
                 </a:solidFill>
               </a:rPr>
               <a:t>Researcher</a:t>
             </a:r>
-            <a:endParaRPr lang="en-US" sz="1600" dirty="0">
+            <a:endParaRPr lang="en-US" sz="1600" i="1" dirty="0">
               <a:solidFill>
-                <a:schemeClr val="tx1"/>
+                <a:schemeClr val="bg1">
+                  <a:lumMod val="85000"/>
+                </a:schemeClr>
               </a:solidFill>
             </a:endParaRPr>
           </a:p>
@@ -7998,13 +8011,13 @@
               </a:path>
             </a:pathLst>
           </a:custGeom>
-          <a:solidFill>
-            <a:schemeClr val="accent4">
-              <a:alpha val="40000"/>
-            </a:schemeClr>
-          </a:solidFill>
+          <a:noFill/>
           <a:ln>
-            <a:noFill/>
+            <a:solidFill>
+              <a:schemeClr val="bg1">
+                <a:lumMod val="85000"/>
+              </a:schemeClr>
+            </a:solidFill>
           </a:ln>
         </p:spPr>
         <p:style>
@@ -8029,9 +8042,11 @@
           <a:p>
             <a:pPr algn="ctr"/>
             <a:r>
-              <a:rPr lang="en-US" sz="2000" b="1" dirty="0" smtClean="0">
+              <a:rPr lang="en-US" sz="2000" b="1" i="1" dirty="0" smtClean="0">
                 <a:solidFill>
-                  <a:schemeClr val="tx1"/>
+                  <a:schemeClr val="bg1">
+                    <a:lumMod val="85000"/>
+                  </a:schemeClr>
                 </a:solidFill>
               </a:rPr>
               <a:t>Data</a:t>
@@ -8040,9 +8055,11 @@
           <a:p>
             <a:pPr algn="ctr"/>
             <a:r>
-              <a:rPr lang="en-US" sz="2000" b="1" dirty="0" smtClean="0">
+              <a:rPr lang="en-US" sz="2000" b="1" i="1" dirty="0" smtClean="0">
                 <a:solidFill>
-                  <a:schemeClr val="tx1"/>
+                  <a:schemeClr val="bg1">
+                    <a:lumMod val="85000"/>
+                  </a:schemeClr>
                 </a:solidFill>
               </a:rPr>
               <a:t>Scientist</a:t>
@@ -8199,13 +8216,13 @@
               </a:path>
             </a:pathLst>
           </a:custGeom>
-          <a:noFill/>
+          <a:solidFill>
+            <a:srgbClr val="7030A0">
+              <a:alpha val="40000"/>
+            </a:srgbClr>
+          </a:solidFill>
           <a:ln>
-            <a:solidFill>
-              <a:schemeClr val="bg1">
-                <a:lumMod val="85000"/>
-              </a:schemeClr>
-            </a:solidFill>
+            <a:noFill/>
           </a:ln>
         </p:spPr>
         <p:style>
@@ -8230,11 +8247,9 @@
           <a:p>
             <a:pPr algn="ctr"/>
             <a:r>
-              <a:rPr lang="en-US" sz="2400" i="1" dirty="0" smtClean="0">
+              <a:rPr lang="en-US" sz="2400" dirty="0" smtClean="0">
                 <a:solidFill>
-                  <a:schemeClr val="bg1">
-                    <a:lumMod val="85000"/>
-                  </a:schemeClr>
+                  <a:schemeClr val="tx1"/>
                 </a:solidFill>
               </a:rPr>
               <a:t>Substantive Expertise</a:t>
@@ -8243,20 +8258,16 @@
           <a:p>
             <a:pPr algn="ctr"/>
             <a:r>
-              <a:rPr lang="en-US" sz="2400" i="1" dirty="0" smtClean="0">
+              <a:rPr lang="en-US" sz="2400" dirty="0" smtClean="0">
                 <a:solidFill>
-                  <a:schemeClr val="bg1">
-                    <a:lumMod val="85000"/>
-                  </a:schemeClr>
+                  <a:schemeClr val="tx1"/>
                 </a:solidFill>
               </a:rPr>
               <a:t>Domain Knowledge</a:t>
             </a:r>
-            <a:endParaRPr lang="en-US" sz="2400" i="1" dirty="0">
+            <a:endParaRPr lang="en-US" sz="2400" dirty="0">
               <a:solidFill>
-                <a:schemeClr val="bg1">
-                  <a:lumMod val="85000"/>
-                </a:schemeClr>
+                <a:schemeClr val="tx1"/>
               </a:solidFill>
             </a:endParaRPr>
           </a:p>
@@ -8296,14 +8307,14 @@
       </p:sp>
       <p:sp>
         <p:nvSpPr>
-          <p:cNvPr id="17" name="TextBox 16"/>
+          <p:cNvPr id="16" name="TextBox 15"/>
           <p:cNvSpPr txBox="1"/>
           <p:nvPr/>
         </p:nvSpPr>
         <p:spPr>
           <a:xfrm>
             <a:off x="0" y="1"/>
-            <a:ext cx="4217670" cy="4431983"/>
+            <a:ext cx="4217670" cy="2954655"/>
           </a:xfrm>
           <a:prstGeom prst="rect">
             <a:avLst/>
@@ -8318,8 +8329,16 @@
           <a:p>
             <a:pPr algn="ctr"/>
             <a:r>
+              <a:rPr lang="en-US" sz="3600" dirty="0" smtClean="0"/>
+              <a:t>The Data Science </a:t>
+            </a:r>
+            <a:r>
               <a:rPr lang="en-US" sz="3600" smtClean="0"/>
-              <a:t>The Biggest Challenge</a:t>
+              <a:t>Venn </a:t>
+            </a:r>
+            <a:r>
+              <a:rPr lang="en-US" sz="3600" smtClean="0"/>
+              <a:t>Diagram</a:t>
             </a:r>
             <a:endParaRPr lang="en-US"/>
           </a:p>
@@ -8329,16 +8348,7 @@
           <a:p>
             <a:r>
               <a:rPr lang="en-US" sz="2400" smtClean="0"/>
-              <a:t>There are three great career opportunities here – which one is the best for any particular student?</a:t>
-            </a:r>
-          </a:p>
-          <a:p>
-            <a:endParaRPr lang="en-US" sz="2400"/>
-          </a:p>
-          <a:p>
-            <a:r>
-              <a:rPr lang="en-US" sz="2400" smtClean="0"/>
-              <a:t>Always a difficult question, but there are two specific situations you should be cognizant of.</a:t>
+              <a:t>Additionally, graduate school is in some senses a mandatory pre-requisite for data science careers. </a:t>
             </a:r>
             <a:endParaRPr lang="en-US" sz="2400" dirty="0" smtClean="0"/>
           </a:p>
@@ -8347,7 +8357,7 @@
     </p:spTree>
     <p:extLst>
       <p:ext uri="{BB962C8B-B14F-4D97-AF65-F5344CB8AC3E}">
-        <p14:creationId xmlns:p14="http://schemas.microsoft.com/office/powerpoint/2010/main" val="4113578552"/>
+        <p14:creationId xmlns:p14="http://schemas.microsoft.com/office/powerpoint/2010/main" val="3390784007"/>
       </p:ext>
     </p:extLst>
   </p:cSld>
@@ -9789,7 +9799,7 @@
         <p:spPr>
           <a:xfrm>
             <a:off x="0" y="1"/>
-            <a:ext cx="4217670" cy="3323987"/>
+            <a:ext cx="4217670" cy="4431983"/>
           </a:xfrm>
           <a:prstGeom prst="rect">
             <a:avLst/>
@@ -9815,21 +9825,17 @@
           <a:p>
             <a:r>
               <a:rPr lang="en-US" sz="2400" smtClean="0"/>
-              <a:t>The </a:t>
-            </a:r>
-            <a:r>
-              <a:rPr lang="en-US" sz="2400" b="1" i="1" smtClean="0"/>
-              <a:t>I’m looking for a data scientist but I actually want a software developer</a:t>
-            </a:r>
+              <a:t>There are three great career opportunities here – which one is the best for any particular student?</a:t>
+            </a:r>
+          </a:p>
+          <a:p>
+            <a:endParaRPr lang="en-US" sz="2400"/>
+          </a:p>
+          <a:p>
             <a:r>
               <a:rPr lang="en-US" sz="2400" smtClean="0"/>
-              <a:t> situation.</a:t>
-            </a:r>
-          </a:p>
-          <a:p>
-            <a:endParaRPr lang="en-US" sz="2400"/>
-          </a:p>
-          <a:p>
+              <a:t>Always a difficult question, but there are two specific situations you should be cognizant of.</a:t>
+            </a:r>
             <a:endParaRPr lang="en-US" sz="2400" dirty="0" smtClean="0"/>
           </a:p>
         </p:txBody>
@@ -9837,7 +9843,7 @@
     </p:spTree>
     <p:extLst>
       <p:ext uri="{BB962C8B-B14F-4D97-AF65-F5344CB8AC3E}">
-        <p14:creationId xmlns:p14="http://schemas.microsoft.com/office/powerpoint/2010/main" val="3163471879"/>
+        <p14:creationId xmlns:p14="http://schemas.microsoft.com/office/powerpoint/2010/main" val="4113578552"/>
       </p:ext>
     </p:extLst>
   </p:cSld>
@@ -11279,7 +11285,7 @@
         <p:spPr>
           <a:xfrm>
             <a:off x="0" y="1"/>
-            <a:ext cx="4217670" cy="4801314"/>
+            <a:ext cx="4217670" cy="3323987"/>
           </a:xfrm>
           <a:prstGeom prst="rect">
             <a:avLst/>
@@ -11320,10 +11326,6 @@
             <a:endParaRPr lang="en-US" sz="2400"/>
           </a:p>
           <a:p>
-            <a:r>
-              <a:rPr lang="en-US" sz="2400" smtClean="0"/>
-              <a:t>This is primarily seen in teams that are firmly software development teams looking for one data scientist to join their ranks. </a:t>
-            </a:r>
             <a:endParaRPr lang="en-US" sz="2400" dirty="0" smtClean="0"/>
           </a:p>
         </p:txBody>
@@ -11331,7 +11333,7 @@
     </p:spTree>
     <p:extLst>
       <p:ext uri="{BB962C8B-B14F-4D97-AF65-F5344CB8AC3E}">
-        <p14:creationId xmlns:p14="http://schemas.microsoft.com/office/powerpoint/2010/main" val="4055869719"/>
+        <p14:creationId xmlns:p14="http://schemas.microsoft.com/office/powerpoint/2010/main" val="3163471879"/>
       </p:ext>
     </p:extLst>
   </p:cSld>
@@ -12773,7 +12775,7 @@
         <p:spPr>
           <a:xfrm>
             <a:off x="0" y="1"/>
-            <a:ext cx="4217670" cy="4062651"/>
+            <a:ext cx="4217670" cy="4801314"/>
           </a:xfrm>
           <a:prstGeom prst="rect">
             <a:avLst/>
@@ -12803,11 +12805,11 @@
             </a:r>
             <a:r>
               <a:rPr lang="en-US" sz="2400" b="1" i="1" smtClean="0"/>
-              <a:t>data scientist v. machine learning scientist </a:t>
+              <a:t>I’m looking for a data scientist but I actually want a software developer</a:t>
             </a:r>
             <a:r>
               <a:rPr lang="en-US" sz="2400" smtClean="0"/>
-              <a:t>situation.</a:t>
+              <a:t> situation.</a:t>
             </a:r>
           </a:p>
           <a:p>
@@ -12816,7 +12818,7 @@
           <a:p>
             <a:r>
               <a:rPr lang="en-US" sz="2400" smtClean="0"/>
-              <a:t>It’s well-expressed in the venn diagram; data scientists are firmly focused on the business needs. </a:t>
+              <a:t>This is primarily seen in teams that are firmly software development teams looking for one data scientist to join their ranks. </a:t>
             </a:r>
             <a:endParaRPr lang="en-US" sz="2400" dirty="0" smtClean="0"/>
           </a:p>
@@ -12825,7 +12827,7 @@
     </p:spTree>
     <p:extLst>
       <p:ext uri="{BB962C8B-B14F-4D97-AF65-F5344CB8AC3E}">
-        <p14:creationId xmlns:p14="http://schemas.microsoft.com/office/powerpoint/2010/main" val="1498128183"/>
+        <p14:creationId xmlns:p14="http://schemas.microsoft.com/office/powerpoint/2010/main" val="4055869719"/>
       </p:ext>
     </p:extLst>
   </p:cSld>
@@ -12836,90 +12838,6 @@
 </file>
 
 <file path=ppt/slides/slide24.xml><?xml version="1.0" encoding="utf-8"?>
-<p:sld xmlns:a="http://schemas.openxmlformats.org/drawingml/2006/main" xmlns:r="http://schemas.openxmlformats.org/officeDocument/2006/relationships" xmlns:p="http://schemas.openxmlformats.org/presentationml/2006/main">
-  <p:cSld>
-    <p:spTree>
-      <p:nvGrpSpPr>
-        <p:cNvPr id="1" name=""/>
-        <p:cNvGrpSpPr/>
-        <p:nvPr/>
-      </p:nvGrpSpPr>
-      <p:grpSpPr>
-        <a:xfrm>
-          <a:off x="0" y="0"/>
-          <a:ext cx="0" cy="0"/>
-          <a:chOff x="0" y="0"/>
-          <a:chExt cx="0" cy="0"/>
-        </a:xfrm>
-      </p:grpSpPr>
-      <p:sp>
-        <p:nvSpPr>
-          <p:cNvPr id="2" name="Title 1"/>
-          <p:cNvSpPr>
-            <a:spLocks noGrp="1"/>
-          </p:cNvSpPr>
-          <p:nvPr>
-            <p:ph type="title"/>
-          </p:nvPr>
-        </p:nvSpPr>
-        <p:spPr/>
-        <p:txBody>
-          <a:bodyPr/>
-          <a:lstStyle/>
-          <a:p>
-            <a:r>
-              <a:rPr lang="en-US" dirty="0" smtClean="0"/>
-              <a:t>Digression – </a:t>
-            </a:r>
-            <a:r>
-              <a:rPr lang="en-US" dirty="0" err="1" smtClean="0"/>
-              <a:t>Geeking</a:t>
-            </a:r>
-            <a:r>
-              <a:rPr lang="en-US" dirty="0" smtClean="0"/>
-              <a:t> out on Rand()</a:t>
-            </a:r>
-            <a:endParaRPr lang="en-US" dirty="0"/>
-          </a:p>
-        </p:txBody>
-      </p:sp>
-      <p:sp>
-        <p:nvSpPr>
-          <p:cNvPr id="3" name="Content Placeholder 2"/>
-          <p:cNvSpPr>
-            <a:spLocks noGrp="1"/>
-          </p:cNvSpPr>
-          <p:nvPr>
-            <p:ph idx="1"/>
-          </p:nvPr>
-        </p:nvSpPr>
-        <p:spPr/>
-        <p:txBody>
-          <a:bodyPr/>
-          <a:lstStyle/>
-          <a:p>
-            <a:r>
-              <a:rPr lang="en-US" dirty="0" smtClean="0"/>
-              <a:t>A naïve implementation of this situation would use Rand() inside the randomize function, which results in very interesting behavior. </a:t>
-            </a:r>
-            <a:endParaRPr lang="en-US" dirty="0"/>
-          </a:p>
-        </p:txBody>
-      </p:sp>
-    </p:spTree>
-    <p:extLst>
-      <p:ext uri="{BB962C8B-B14F-4D97-AF65-F5344CB8AC3E}">
-        <p14:creationId xmlns:p14="http://schemas.microsoft.com/office/powerpoint/2010/main" val="2471778419"/>
-      </p:ext>
-    </p:extLst>
-  </p:cSld>
-  <p:clrMapOvr>
-    <a:masterClrMapping/>
-  </p:clrMapOvr>
-</p:sld>
-</file>
-
-<file path=ppt/slides/slide25.xml><?xml version="1.0" encoding="utf-8"?>
 <p:sld xmlns:a="http://schemas.openxmlformats.org/drawingml/2006/main" xmlns:r="http://schemas.openxmlformats.org/officeDocument/2006/relationships" xmlns:p="http://schemas.openxmlformats.org/presentationml/2006/main">
   <p:cSld>
     <p:spTree>
@@ -13057,13 +12975,14 @@
               </a:path>
             </a:pathLst>
           </a:custGeom>
-          <a:noFill/>
+          <a:solidFill>
+            <a:schemeClr val="accent6">
+              <a:lumMod val="50000"/>
+              <a:alpha val="40000"/>
+            </a:schemeClr>
+          </a:solidFill>
           <a:ln>
-            <a:solidFill>
-              <a:schemeClr val="bg1">
-                <a:lumMod val="85000"/>
-              </a:schemeClr>
-            </a:solidFill>
+            <a:noFill/>
           </a:ln>
         </p:spPr>
         <p:style>
@@ -13096,11 +13015,9 @@
           <a:p>
             <a:pPr algn="ctr"/>
             <a:r>
-              <a:rPr lang="en-US" sz="1600" i="1" dirty="0" smtClean="0">
+              <a:rPr lang="en-US" sz="1600" dirty="0" smtClean="0">
                 <a:solidFill>
-                  <a:schemeClr val="bg1">
-                    <a:lumMod val="85000"/>
-                  </a:schemeClr>
+                  <a:schemeClr val="tx1"/>
                 </a:solidFill>
               </a:rPr>
               <a:t>Machine</a:t>
@@ -13109,11 +13026,9 @@
           <a:p>
             <a:pPr algn="ctr"/>
             <a:r>
-              <a:rPr lang="en-US" sz="1600" i="1" dirty="0" smtClean="0">
+              <a:rPr lang="en-US" sz="1600" dirty="0" smtClean="0">
                 <a:solidFill>
-                  <a:schemeClr val="bg1">
-                    <a:lumMod val="85000"/>
-                  </a:schemeClr>
+                  <a:schemeClr val="tx1"/>
                 </a:solidFill>
               </a:rPr>
               <a:t>Learning</a:t>
@@ -13122,20 +13037,16 @@
           <a:p>
             <a:pPr algn="ctr"/>
             <a:r>
-              <a:rPr lang="en-US" sz="1600" i="1" dirty="0" smtClean="0">
+              <a:rPr lang="en-US" sz="1600" dirty="0" smtClean="0">
                 <a:solidFill>
-                  <a:schemeClr val="bg1">
-                    <a:lumMod val="85000"/>
-                  </a:schemeClr>
+                  <a:schemeClr val="tx1"/>
                 </a:solidFill>
               </a:rPr>
               <a:t>Scientist</a:t>
             </a:r>
-            <a:endParaRPr lang="en-US" sz="1600" i="1" dirty="0">
+            <a:endParaRPr lang="en-US" sz="1600" dirty="0">
               <a:solidFill>
-                <a:schemeClr val="bg1">
-                  <a:lumMod val="85000"/>
-                </a:schemeClr>
+                <a:schemeClr val="tx1"/>
               </a:solidFill>
             </a:endParaRPr>
           </a:p>
@@ -13262,13 +13173,15 @@
               </a:path>
             </a:pathLst>
           </a:custGeom>
-          <a:noFill/>
+          <a:solidFill>
+            <a:schemeClr val="accent1">
+              <a:lumMod val="60000"/>
+              <a:lumOff val="40000"/>
+              <a:alpha val="40000"/>
+            </a:schemeClr>
+          </a:solidFill>
           <a:ln>
-            <a:solidFill>
-              <a:schemeClr val="bg1">
-                <a:lumMod val="85000"/>
-              </a:schemeClr>
-            </a:solidFill>
+            <a:noFill/>
           </a:ln>
         </p:spPr>
         <p:style>
@@ -13293,11 +13206,9 @@
           <a:p>
             <a:pPr algn="ctr"/>
             <a:r>
-              <a:rPr lang="en-US" sz="1600" i="1" dirty="0" smtClean="0">
+              <a:rPr lang="en-US" sz="1600" dirty="0" smtClean="0">
                 <a:solidFill>
-                  <a:schemeClr val="bg1">
-                    <a:lumMod val="85000"/>
-                  </a:schemeClr>
+                  <a:schemeClr val="tx1"/>
                 </a:solidFill>
               </a:rPr>
               <a:t>Traditional</a:t>
@@ -13306,20 +13217,16 @@
           <a:p>
             <a:pPr algn="ctr"/>
             <a:r>
-              <a:rPr lang="en-US" sz="1600" i="1" dirty="0" smtClean="0">
+              <a:rPr lang="en-US" sz="1600" dirty="0" smtClean="0">
                 <a:solidFill>
-                  <a:schemeClr val="bg1">
-                    <a:lumMod val="85000"/>
-                  </a:schemeClr>
+                  <a:schemeClr val="tx1"/>
                 </a:solidFill>
               </a:rPr>
               <a:t>Researcher</a:t>
             </a:r>
-            <a:endParaRPr lang="en-US" sz="1600" i="1" dirty="0">
+            <a:endParaRPr lang="en-US" sz="1600" dirty="0">
               <a:solidFill>
-                <a:schemeClr val="bg1">
-                  <a:lumMod val="85000"/>
-                </a:schemeClr>
+                <a:schemeClr val="tx1"/>
               </a:solidFill>
             </a:endParaRPr>
           </a:p>
@@ -13446,13 +13353,13 @@
               </a:path>
             </a:pathLst>
           </a:custGeom>
-          <a:solidFill>
-            <a:srgbClr val="002060">
-              <a:alpha val="40000"/>
-            </a:srgbClr>
-          </a:solidFill>
+          <a:noFill/>
           <a:ln>
-            <a:noFill/>
+            <a:solidFill>
+              <a:schemeClr val="bg1">
+                <a:lumMod val="85000"/>
+              </a:schemeClr>
+            </a:solidFill>
           </a:ln>
         </p:spPr>
         <p:style>
@@ -13477,9 +13384,11 @@
           <a:p>
             <a:pPr algn="ctr"/>
             <a:r>
-              <a:rPr lang="en-US" sz="1600" b="1" dirty="0" smtClean="0">
+              <a:rPr lang="en-US" sz="1600" i="1" dirty="0" smtClean="0">
                 <a:solidFill>
-                  <a:schemeClr val="tx1"/>
+                  <a:schemeClr val="bg1">
+                    <a:lumMod val="85000"/>
+                  </a:schemeClr>
                 </a:solidFill>
               </a:rPr>
               <a:t>Danger</a:t>
@@ -13488,16 +13397,20 @@
           <a:p>
             <a:pPr algn="ctr"/>
             <a:r>
-              <a:rPr lang="en-US" sz="1600" b="1" dirty="0" smtClean="0">
+              <a:rPr lang="en-US" sz="1600" i="1" dirty="0" smtClean="0">
                 <a:solidFill>
-                  <a:schemeClr val="tx1"/>
+                  <a:schemeClr val="bg1">
+                    <a:lumMod val="85000"/>
+                  </a:schemeClr>
                 </a:solidFill>
               </a:rPr>
               <a:t>Zone!</a:t>
             </a:r>
-            <a:endParaRPr lang="en-US" sz="1600" b="1" dirty="0">
+            <a:endParaRPr lang="en-US" sz="1600" i="1" dirty="0">
               <a:solidFill>
-                <a:schemeClr val="tx1"/>
+                <a:schemeClr val="bg1">
+                  <a:lumMod val="85000"/>
+                </a:schemeClr>
               </a:solidFill>
             </a:endParaRPr>
           </a:p>
@@ -13634,13 +13547,13 @@
               </a:path>
             </a:pathLst>
           </a:custGeom>
-          <a:solidFill>
-            <a:srgbClr val="E64A60">
-              <a:alpha val="40000"/>
-            </a:srgbClr>
-          </a:solidFill>
+          <a:noFill/>
           <a:ln>
-            <a:noFill/>
+            <a:solidFill>
+              <a:schemeClr val="bg1">
+                <a:lumMod val="85000"/>
+              </a:schemeClr>
+            </a:solidFill>
           </a:ln>
         </p:spPr>
         <p:style>
@@ -13665,9 +13578,11 @@
           <a:p>
             <a:pPr algn="ctr"/>
             <a:r>
-              <a:rPr lang="en-US" sz="2400" b="1" dirty="0" smtClean="0">
+              <a:rPr lang="en-US" sz="2400" i="1" dirty="0" smtClean="0">
                 <a:solidFill>
-                  <a:schemeClr val="tx1"/>
+                  <a:schemeClr val="bg1">
+                    <a:lumMod val="85000"/>
+                  </a:schemeClr>
                 </a:solidFill>
               </a:rPr>
               <a:t>Computer Science</a:t>
@@ -13676,9 +13591,11 @@
           <a:p>
             <a:pPr algn="ctr"/>
             <a:r>
-              <a:rPr lang="en-US" sz="2400" b="1" dirty="0" smtClean="0">
+              <a:rPr lang="en-US" sz="2400" i="1" dirty="0" smtClean="0">
                 <a:solidFill>
-                  <a:schemeClr val="tx1"/>
+                  <a:schemeClr val="bg1">
+                    <a:lumMod val="85000"/>
+                  </a:schemeClr>
                 </a:solidFill>
               </a:rPr>
               <a:t>Skills</a:t>
@@ -14047,13 +13964,13 @@
               </a:path>
             </a:pathLst>
           </a:custGeom>
-          <a:noFill/>
+          <a:solidFill>
+            <a:schemeClr val="accent4">
+              <a:alpha val="40000"/>
+            </a:schemeClr>
+          </a:solidFill>
           <a:ln>
-            <a:solidFill>
-              <a:schemeClr val="bg1">
-                <a:lumMod val="85000"/>
-              </a:schemeClr>
-            </a:solidFill>
+            <a:noFill/>
           </a:ln>
         </p:spPr>
         <p:style>
@@ -14078,11 +13995,9 @@
           <a:p>
             <a:pPr algn="ctr"/>
             <a:r>
-              <a:rPr lang="en-US" sz="2000" b="1" i="1" dirty="0" smtClean="0">
+              <a:rPr lang="en-US" sz="2000" b="1" dirty="0" smtClean="0">
                 <a:solidFill>
-                  <a:schemeClr val="bg1">
-                    <a:lumMod val="85000"/>
-                  </a:schemeClr>
+                  <a:schemeClr val="tx1"/>
                 </a:solidFill>
               </a:rPr>
               <a:t>Data</a:t>
@@ -14091,11 +14006,9 @@
           <a:p>
             <a:pPr algn="ctr"/>
             <a:r>
-              <a:rPr lang="en-US" sz="2000" b="1" i="1" dirty="0" smtClean="0">
+              <a:rPr lang="en-US" sz="2000" b="1" dirty="0" smtClean="0">
                 <a:solidFill>
-                  <a:schemeClr val="bg1">
-                    <a:lumMod val="85000"/>
-                  </a:schemeClr>
+                  <a:schemeClr val="tx1"/>
                 </a:solidFill>
               </a:rPr>
               <a:t>Scientist</a:t>
@@ -14252,13 +14165,13 @@
               </a:path>
             </a:pathLst>
           </a:custGeom>
-          <a:solidFill>
-            <a:srgbClr val="7030A0">
-              <a:alpha val="40000"/>
-            </a:srgbClr>
-          </a:solidFill>
+          <a:noFill/>
           <a:ln>
-            <a:noFill/>
+            <a:solidFill>
+              <a:schemeClr val="bg1">
+                <a:lumMod val="85000"/>
+              </a:schemeClr>
+            </a:solidFill>
           </a:ln>
         </p:spPr>
         <p:style>
@@ -14283,9 +14196,11 @@
           <a:p>
             <a:pPr algn="ctr"/>
             <a:r>
-              <a:rPr lang="en-US" sz="2400" b="1" dirty="0" smtClean="0">
+              <a:rPr lang="en-US" sz="2400" i="1" dirty="0" smtClean="0">
                 <a:solidFill>
-                  <a:schemeClr val="tx1"/>
+                  <a:schemeClr val="bg1">
+                    <a:lumMod val="85000"/>
+                  </a:schemeClr>
                 </a:solidFill>
               </a:rPr>
               <a:t>Substantive Expertise</a:t>
@@ -14294,56 +14209,22 @@
           <a:p>
             <a:pPr algn="ctr"/>
             <a:r>
-              <a:rPr lang="en-US" sz="2400" b="1" dirty="0" smtClean="0">
+              <a:rPr lang="en-US" sz="2400" i="1" dirty="0" smtClean="0">
                 <a:solidFill>
-                  <a:schemeClr val="tx1"/>
+                  <a:schemeClr val="bg1">
+                    <a:lumMod val="85000"/>
+                  </a:schemeClr>
                 </a:solidFill>
               </a:rPr>
               <a:t>Domain Knowledge</a:t>
             </a:r>
-            <a:endParaRPr lang="en-US" sz="2400" b="1" dirty="0">
+            <a:endParaRPr lang="en-US" sz="2400" i="1" dirty="0">
               <a:solidFill>
-                <a:schemeClr val="tx1"/>
+                <a:schemeClr val="bg1">
+                  <a:lumMod val="85000"/>
+                </a:schemeClr>
               </a:solidFill>
             </a:endParaRPr>
-          </a:p>
-        </p:txBody>
-      </p:sp>
-      <p:sp>
-        <p:nvSpPr>
-          <p:cNvPr id="14" name="TextBox 13"/>
-          <p:cNvSpPr txBox="1"/>
-          <p:nvPr/>
-        </p:nvSpPr>
-        <p:spPr>
-          <a:xfrm>
-            <a:off x="0" y="1"/>
-            <a:ext cx="4037610" cy="2585323"/>
-          </a:xfrm>
-          <a:prstGeom prst="rect">
-            <a:avLst/>
-          </a:prstGeom>
-          <a:noFill/>
-        </p:spPr>
-        <p:txBody>
-          <a:bodyPr wrap="square" rtlCol="0">
-            <a:spAutoFit/>
-          </a:bodyPr>
-          <a:lstStyle/>
-          <a:p>
-            <a:r>
-              <a:rPr lang="en-US" dirty="0" smtClean="0"/>
-              <a:t>The Data Science Venn Diagram</a:t>
-            </a:r>
-          </a:p>
-          <a:p>
-            <a:endParaRPr lang="en-US" dirty="0"/>
-          </a:p>
-          <a:p>
-            <a:r>
-              <a:rPr lang="en-US" dirty="0" smtClean="0"/>
-              <a:t>Also, note what’s not available when you are lacking mathematics and statistics knowledge. This is important. When a student is choosing between a computer science major and a mathematics major, then that student should choose mathematics.  </a:t>
-            </a:r>
           </a:p>
         </p:txBody>
       </p:sp>
@@ -14379,10 +14260,140 @@
           </a:p>
         </p:txBody>
       </p:sp>
+      <p:sp>
+        <p:nvSpPr>
+          <p:cNvPr id="17" name="TextBox 16"/>
+          <p:cNvSpPr txBox="1"/>
+          <p:nvPr/>
+        </p:nvSpPr>
+        <p:spPr>
+          <a:xfrm>
+            <a:off x="0" y="1"/>
+            <a:ext cx="4217670" cy="4062651"/>
+          </a:xfrm>
+          <a:prstGeom prst="rect">
+            <a:avLst/>
+          </a:prstGeom>
+          <a:noFill/>
+        </p:spPr>
+        <p:txBody>
+          <a:bodyPr wrap="square" rtlCol="0">
+            <a:spAutoFit/>
+          </a:bodyPr>
+          <a:lstStyle/>
+          <a:p>
+            <a:pPr algn="ctr"/>
+            <a:r>
+              <a:rPr lang="en-US" sz="3600" smtClean="0"/>
+              <a:t>The Biggest Challenge</a:t>
+            </a:r>
+            <a:endParaRPr lang="en-US"/>
+          </a:p>
+          <a:p>
+            <a:endParaRPr lang="en-US" smtClean="0"/>
+          </a:p>
+          <a:p>
+            <a:r>
+              <a:rPr lang="en-US" sz="2400" smtClean="0"/>
+              <a:t>The </a:t>
+            </a:r>
+            <a:r>
+              <a:rPr lang="en-US" sz="2400" b="1" i="1" smtClean="0"/>
+              <a:t>data scientist v. machine learning scientist </a:t>
+            </a:r>
+            <a:r>
+              <a:rPr lang="en-US" sz="2400" smtClean="0"/>
+              <a:t>situation.</a:t>
+            </a:r>
+          </a:p>
+          <a:p>
+            <a:endParaRPr lang="en-US" sz="2400"/>
+          </a:p>
+          <a:p>
+            <a:r>
+              <a:rPr lang="en-US" sz="2400" smtClean="0"/>
+              <a:t>It’s well-expressed in the venn diagram; data scientists are firmly focused on the business needs. </a:t>
+            </a:r>
+            <a:endParaRPr lang="en-US" sz="2400" dirty="0" smtClean="0"/>
+          </a:p>
+        </p:txBody>
+      </p:sp>
     </p:spTree>
     <p:extLst>
       <p:ext uri="{BB962C8B-B14F-4D97-AF65-F5344CB8AC3E}">
-        <p14:creationId xmlns:p14="http://schemas.microsoft.com/office/powerpoint/2010/main" val="3415180391"/>
+        <p14:creationId xmlns:p14="http://schemas.microsoft.com/office/powerpoint/2010/main" val="1498128183"/>
+      </p:ext>
+    </p:extLst>
+  </p:cSld>
+  <p:clrMapOvr>
+    <a:masterClrMapping/>
+  </p:clrMapOvr>
+</p:sld>
+</file>
+
+<file path=ppt/slides/slide25.xml><?xml version="1.0" encoding="utf-8"?>
+<p:sld xmlns:a="http://schemas.openxmlformats.org/drawingml/2006/main" xmlns:r="http://schemas.openxmlformats.org/officeDocument/2006/relationships" xmlns:p="http://schemas.openxmlformats.org/presentationml/2006/main">
+  <p:cSld>
+    <p:spTree>
+      <p:nvGrpSpPr>
+        <p:cNvPr id="1" name=""/>
+        <p:cNvGrpSpPr/>
+        <p:nvPr/>
+      </p:nvGrpSpPr>
+      <p:grpSpPr>
+        <a:xfrm>
+          <a:off x="0" y="0"/>
+          <a:ext cx="0" cy="0"/>
+          <a:chOff x="0" y="0"/>
+          <a:chExt cx="0" cy="0"/>
+        </a:xfrm>
+      </p:grpSpPr>
+      <p:sp>
+        <p:nvSpPr>
+          <p:cNvPr id="2" name="Title 1"/>
+          <p:cNvSpPr>
+            <a:spLocks noGrp="1"/>
+          </p:cNvSpPr>
+          <p:nvPr>
+            <p:ph type="title"/>
+          </p:nvPr>
+        </p:nvSpPr>
+        <p:spPr/>
+        <p:txBody>
+          <a:bodyPr/>
+          <a:lstStyle/>
+          <a:p>
+            <a:r>
+              <a:rPr lang="en-US" smtClean="0"/>
+              <a:t>Summary</a:t>
+            </a:r>
+            <a:endParaRPr lang="en-US"/>
+          </a:p>
+        </p:txBody>
+      </p:sp>
+      <p:sp>
+        <p:nvSpPr>
+          <p:cNvPr id="3" name="Content Placeholder 2"/>
+          <p:cNvSpPr>
+            <a:spLocks noGrp="1"/>
+          </p:cNvSpPr>
+          <p:nvPr>
+            <p:ph idx="1"/>
+          </p:nvPr>
+        </p:nvSpPr>
+        <p:spPr/>
+        <p:txBody>
+          <a:bodyPr/>
+          <a:lstStyle/>
+          <a:p>
+            <a:endParaRPr lang="en-US"/>
+          </a:p>
+        </p:txBody>
+      </p:sp>
+    </p:spTree>
+    <p:extLst>
+      <p:ext uri="{BB962C8B-B14F-4D97-AF65-F5344CB8AC3E}">
+        <p14:creationId xmlns:p14="http://schemas.microsoft.com/office/powerpoint/2010/main" val="3976779000"/>
       </p:ext>
     </p:extLst>
   </p:cSld>
@@ -14393,6 +14404,90 @@
 </file>
 
 <file path=ppt/slides/slide26.xml><?xml version="1.0" encoding="utf-8"?>
+<p:sld xmlns:a="http://schemas.openxmlformats.org/drawingml/2006/main" xmlns:r="http://schemas.openxmlformats.org/officeDocument/2006/relationships" xmlns:p="http://schemas.openxmlformats.org/presentationml/2006/main">
+  <p:cSld>
+    <p:spTree>
+      <p:nvGrpSpPr>
+        <p:cNvPr id="1" name=""/>
+        <p:cNvGrpSpPr/>
+        <p:nvPr/>
+      </p:nvGrpSpPr>
+      <p:grpSpPr>
+        <a:xfrm>
+          <a:off x="0" y="0"/>
+          <a:ext cx="0" cy="0"/>
+          <a:chOff x="0" y="0"/>
+          <a:chExt cx="0" cy="0"/>
+        </a:xfrm>
+      </p:grpSpPr>
+      <p:sp>
+        <p:nvSpPr>
+          <p:cNvPr id="2" name="Title 1"/>
+          <p:cNvSpPr>
+            <a:spLocks noGrp="1"/>
+          </p:cNvSpPr>
+          <p:nvPr>
+            <p:ph type="title"/>
+          </p:nvPr>
+        </p:nvSpPr>
+        <p:spPr/>
+        <p:txBody>
+          <a:bodyPr/>
+          <a:lstStyle/>
+          <a:p>
+            <a:r>
+              <a:rPr lang="en-US" dirty="0" smtClean="0"/>
+              <a:t>Digression – </a:t>
+            </a:r>
+            <a:r>
+              <a:rPr lang="en-US" dirty="0" err="1" smtClean="0"/>
+              <a:t>Geeking</a:t>
+            </a:r>
+            <a:r>
+              <a:rPr lang="en-US" dirty="0" smtClean="0"/>
+              <a:t> out on Rand()</a:t>
+            </a:r>
+            <a:endParaRPr lang="en-US" dirty="0"/>
+          </a:p>
+        </p:txBody>
+      </p:sp>
+      <p:sp>
+        <p:nvSpPr>
+          <p:cNvPr id="3" name="Content Placeholder 2"/>
+          <p:cNvSpPr>
+            <a:spLocks noGrp="1"/>
+          </p:cNvSpPr>
+          <p:nvPr>
+            <p:ph idx="1"/>
+          </p:nvPr>
+        </p:nvSpPr>
+        <p:spPr/>
+        <p:txBody>
+          <a:bodyPr/>
+          <a:lstStyle/>
+          <a:p>
+            <a:r>
+              <a:rPr lang="en-US" dirty="0" smtClean="0"/>
+              <a:t>A naïve implementation of this situation would use Rand() inside the randomize function, which results in very interesting behavior. </a:t>
+            </a:r>
+            <a:endParaRPr lang="en-US" dirty="0"/>
+          </a:p>
+        </p:txBody>
+      </p:sp>
+    </p:spTree>
+    <p:extLst>
+      <p:ext uri="{BB962C8B-B14F-4D97-AF65-F5344CB8AC3E}">
+        <p14:creationId xmlns:p14="http://schemas.microsoft.com/office/powerpoint/2010/main" val="2471778419"/>
+      </p:ext>
+    </p:extLst>
+  </p:cSld>
+  <p:clrMapOvr>
+    <a:masterClrMapping/>
+  </p:clrMapOvr>
+</p:sld>
+</file>
+
+<file path=ppt/slides/slide27.xml><?xml version="1.0" encoding="utf-8"?>
 <p:sld xmlns:a="http://schemas.openxmlformats.org/drawingml/2006/main" xmlns:r="http://schemas.openxmlformats.org/officeDocument/2006/relationships" xmlns:p="http://schemas.openxmlformats.org/presentationml/2006/main">
   <p:cSld>
     <p:spTree>
@@ -14530,14 +14625,13 @@
               </a:path>
             </a:pathLst>
           </a:custGeom>
-          <a:solidFill>
-            <a:schemeClr val="accent6">
-              <a:lumMod val="50000"/>
-              <a:alpha val="40000"/>
-            </a:schemeClr>
-          </a:solidFill>
+          <a:noFill/>
           <a:ln>
-            <a:noFill/>
+            <a:solidFill>
+              <a:schemeClr val="bg1">
+                <a:lumMod val="85000"/>
+              </a:schemeClr>
+            </a:solidFill>
           </a:ln>
         </p:spPr>
         <p:style>
@@ -14570,9 +14664,11 @@
           <a:p>
             <a:pPr algn="ctr"/>
             <a:r>
-              <a:rPr lang="en-US" sz="1600" dirty="0" smtClean="0">
+              <a:rPr lang="en-US" sz="1600" i="1" dirty="0" smtClean="0">
                 <a:solidFill>
-                  <a:schemeClr val="tx1"/>
+                  <a:schemeClr val="bg1">
+                    <a:lumMod val="85000"/>
+                  </a:schemeClr>
                 </a:solidFill>
               </a:rPr>
               <a:t>Machine</a:t>
@@ -14581,9 +14677,11 @@
           <a:p>
             <a:pPr algn="ctr"/>
             <a:r>
-              <a:rPr lang="en-US" sz="1600" dirty="0" smtClean="0">
+              <a:rPr lang="en-US" sz="1600" i="1" dirty="0" smtClean="0">
                 <a:solidFill>
-                  <a:schemeClr val="tx1"/>
+                  <a:schemeClr val="bg1">
+                    <a:lumMod val="85000"/>
+                  </a:schemeClr>
                 </a:solidFill>
               </a:rPr>
               <a:t>Learning</a:t>
@@ -14592,16 +14690,20 @@
           <a:p>
             <a:pPr algn="ctr"/>
             <a:r>
-              <a:rPr lang="en-US" sz="1600" dirty="0" smtClean="0">
+              <a:rPr lang="en-US" sz="1600" i="1" dirty="0" smtClean="0">
                 <a:solidFill>
-                  <a:schemeClr val="tx1"/>
+                  <a:schemeClr val="bg1">
+                    <a:lumMod val="85000"/>
+                  </a:schemeClr>
                 </a:solidFill>
               </a:rPr>
               <a:t>Scientist</a:t>
             </a:r>
-            <a:endParaRPr lang="en-US" sz="1600" dirty="0">
+            <a:endParaRPr lang="en-US" sz="1600" i="1" dirty="0">
               <a:solidFill>
-                <a:schemeClr val="tx1"/>
+                <a:schemeClr val="bg1">
+                  <a:lumMod val="85000"/>
+                </a:schemeClr>
               </a:solidFill>
             </a:endParaRPr>
           </a:p>
@@ -14728,15 +14830,13 @@
               </a:path>
             </a:pathLst>
           </a:custGeom>
-          <a:solidFill>
-            <a:schemeClr val="accent1">
-              <a:lumMod val="60000"/>
-              <a:lumOff val="40000"/>
-              <a:alpha val="40000"/>
-            </a:schemeClr>
-          </a:solidFill>
+          <a:noFill/>
           <a:ln>
-            <a:noFill/>
+            <a:solidFill>
+              <a:schemeClr val="bg1">
+                <a:lumMod val="85000"/>
+              </a:schemeClr>
+            </a:solidFill>
           </a:ln>
         </p:spPr>
         <p:style>
@@ -14761,9 +14861,11 @@
           <a:p>
             <a:pPr algn="ctr"/>
             <a:r>
-              <a:rPr lang="en-US" sz="1600" dirty="0" smtClean="0">
+              <a:rPr lang="en-US" sz="1600" i="1" dirty="0" smtClean="0">
                 <a:solidFill>
-                  <a:schemeClr val="tx1"/>
+                  <a:schemeClr val="bg1">
+                    <a:lumMod val="85000"/>
+                  </a:schemeClr>
                 </a:solidFill>
               </a:rPr>
               <a:t>Traditional</a:t>
@@ -14772,16 +14874,20 @@
           <a:p>
             <a:pPr algn="ctr"/>
             <a:r>
-              <a:rPr lang="en-US" sz="1600" dirty="0" smtClean="0">
+              <a:rPr lang="en-US" sz="1600" i="1" dirty="0" smtClean="0">
                 <a:solidFill>
-                  <a:schemeClr val="tx1"/>
+                  <a:schemeClr val="bg1">
+                    <a:lumMod val="85000"/>
+                  </a:schemeClr>
                 </a:solidFill>
               </a:rPr>
               <a:t>Researcher</a:t>
             </a:r>
-            <a:endParaRPr lang="en-US" sz="1600" dirty="0">
+            <a:endParaRPr lang="en-US" sz="1600" i="1" dirty="0">
               <a:solidFill>
-                <a:schemeClr val="tx1"/>
+                <a:schemeClr val="bg1">
+                  <a:lumMod val="85000"/>
+                </a:schemeClr>
               </a:solidFill>
             </a:endParaRPr>
           </a:p>
@@ -14939,7 +15045,7 @@
           <a:p>
             <a:pPr algn="ctr"/>
             <a:r>
-              <a:rPr lang="en-US" sz="1600" dirty="0" smtClean="0">
+              <a:rPr lang="en-US" sz="1600" b="1" dirty="0" smtClean="0">
                 <a:solidFill>
                   <a:schemeClr val="tx1"/>
                 </a:solidFill>
@@ -14950,14 +15056,14 @@
           <a:p>
             <a:pPr algn="ctr"/>
             <a:r>
-              <a:rPr lang="en-US" sz="1600" dirty="0" smtClean="0">
+              <a:rPr lang="en-US" sz="1600" b="1" dirty="0" smtClean="0">
                 <a:solidFill>
                   <a:schemeClr val="tx1"/>
                 </a:solidFill>
               </a:rPr>
               <a:t>Zone!</a:t>
             </a:r>
-            <a:endParaRPr lang="en-US" sz="1600" dirty="0">
+            <a:endParaRPr lang="en-US" sz="1600" b="1" dirty="0">
               <a:solidFill>
                 <a:schemeClr val="tx1"/>
               </a:solidFill>
@@ -15127,7 +15233,7 @@
           <a:p>
             <a:pPr algn="ctr"/>
             <a:r>
-              <a:rPr lang="en-US" sz="2400" dirty="0" smtClean="0">
+              <a:rPr lang="en-US" sz="2400" b="1" dirty="0" smtClean="0">
                 <a:solidFill>
                   <a:schemeClr val="tx1"/>
                 </a:solidFill>
@@ -15138,7 +15244,7 @@
           <a:p>
             <a:pPr algn="ctr"/>
             <a:r>
-              <a:rPr lang="en-US" sz="2400" dirty="0" smtClean="0">
+              <a:rPr lang="en-US" sz="2400" b="1" dirty="0" smtClean="0">
                 <a:solidFill>
                   <a:schemeClr val="tx1"/>
                 </a:solidFill>
@@ -15299,13 +15405,13 @@
               </a:path>
             </a:pathLst>
           </a:custGeom>
-          <a:solidFill>
-            <a:srgbClr val="70AD47">
-              <a:alpha val="40000"/>
-            </a:srgbClr>
-          </a:solidFill>
+          <a:noFill/>
           <a:ln>
-            <a:noFill/>
+            <a:solidFill>
+              <a:schemeClr val="bg1">
+                <a:lumMod val="85000"/>
+              </a:schemeClr>
+            </a:solidFill>
           </a:ln>
         </p:spPr>
         <p:style>
@@ -15330,9 +15436,11 @@
           <a:p>
             <a:pPr algn="ctr"/>
             <a:r>
-              <a:rPr lang="en-US" sz="2400" dirty="0" smtClean="0">
+              <a:rPr lang="en-US" sz="2400" i="1" dirty="0" smtClean="0">
                 <a:solidFill>
-                  <a:schemeClr val="tx1"/>
+                  <a:schemeClr val="bg1">
+                    <a:lumMod val="85000"/>
+                  </a:schemeClr>
                 </a:solidFill>
               </a:rPr>
               <a:t>Mathematics/</a:t>
@@ -15341,9 +15449,11 @@
           <a:p>
             <a:pPr algn="ctr"/>
             <a:r>
-              <a:rPr lang="en-US" sz="2400" dirty="0" smtClean="0">
+              <a:rPr lang="en-US" sz="2400" i="1" dirty="0" smtClean="0">
                 <a:solidFill>
-                  <a:schemeClr val="tx1"/>
+                  <a:schemeClr val="bg1">
+                    <a:lumMod val="85000"/>
+                  </a:schemeClr>
                 </a:solidFill>
               </a:rPr>
               <a:t>Statistics</a:t>
@@ -15352,9 +15462,11 @@
           <a:p>
             <a:pPr algn="ctr"/>
             <a:r>
-              <a:rPr lang="en-US" sz="2400" dirty="0" smtClean="0">
+              <a:rPr lang="en-US" sz="2400" i="1" dirty="0" smtClean="0">
                 <a:solidFill>
-                  <a:schemeClr val="tx1"/>
+                  <a:schemeClr val="bg1">
+                    <a:lumMod val="85000"/>
+                  </a:schemeClr>
                 </a:solidFill>
               </a:rPr>
               <a:t>Knowledge</a:t>
@@ -15503,13 +15615,13 @@
               </a:path>
             </a:pathLst>
           </a:custGeom>
-          <a:solidFill>
-            <a:schemeClr val="accent4">
-              <a:alpha val="40000"/>
-            </a:schemeClr>
-          </a:solidFill>
+          <a:noFill/>
           <a:ln>
-            <a:noFill/>
+            <a:solidFill>
+              <a:schemeClr val="bg1">
+                <a:lumMod val="85000"/>
+              </a:schemeClr>
+            </a:solidFill>
           </a:ln>
         </p:spPr>
         <p:style>
@@ -15534,9 +15646,11 @@
           <a:p>
             <a:pPr algn="ctr"/>
             <a:r>
-              <a:rPr lang="en-US" sz="2000" b="1" dirty="0" smtClean="0">
+              <a:rPr lang="en-US" sz="2000" b="1" i="1" dirty="0" smtClean="0">
                 <a:solidFill>
-                  <a:schemeClr val="tx1"/>
+                  <a:schemeClr val="bg1">
+                    <a:lumMod val="85000"/>
+                  </a:schemeClr>
                 </a:solidFill>
               </a:rPr>
               <a:t>Data</a:t>
@@ -15545,9 +15659,11 @@
           <a:p>
             <a:pPr algn="ctr"/>
             <a:r>
-              <a:rPr lang="en-US" sz="2000" b="1" dirty="0" smtClean="0">
+              <a:rPr lang="en-US" sz="2000" b="1" i="1" dirty="0" smtClean="0">
                 <a:solidFill>
-                  <a:schemeClr val="tx1"/>
+                  <a:schemeClr val="bg1">
+                    <a:lumMod val="85000"/>
+                  </a:schemeClr>
                 </a:solidFill>
               </a:rPr>
               <a:t>Scientist</a:t>
@@ -15735,6 +15851,1458 @@
           <a:p>
             <a:pPr algn="ctr"/>
             <a:r>
+              <a:rPr lang="en-US" sz="2400" b="1" dirty="0" smtClean="0">
+                <a:solidFill>
+                  <a:schemeClr val="tx1"/>
+                </a:solidFill>
+              </a:rPr>
+              <a:t>Substantive Expertise</a:t>
+            </a:r>
+          </a:p>
+          <a:p>
+            <a:pPr algn="ctr"/>
+            <a:r>
+              <a:rPr lang="en-US" sz="2400" b="1" dirty="0" smtClean="0">
+                <a:solidFill>
+                  <a:schemeClr val="tx1"/>
+                </a:solidFill>
+              </a:rPr>
+              <a:t>Domain Knowledge</a:t>
+            </a:r>
+            <a:endParaRPr lang="en-US" sz="2400" b="1" dirty="0">
+              <a:solidFill>
+                <a:schemeClr val="tx1"/>
+              </a:solidFill>
+            </a:endParaRPr>
+          </a:p>
+        </p:txBody>
+      </p:sp>
+      <p:sp>
+        <p:nvSpPr>
+          <p:cNvPr id="14" name="TextBox 13"/>
+          <p:cNvSpPr txBox="1"/>
+          <p:nvPr/>
+        </p:nvSpPr>
+        <p:spPr>
+          <a:xfrm>
+            <a:off x="0" y="1"/>
+            <a:ext cx="4037610" cy="2585323"/>
+          </a:xfrm>
+          <a:prstGeom prst="rect">
+            <a:avLst/>
+          </a:prstGeom>
+          <a:noFill/>
+        </p:spPr>
+        <p:txBody>
+          <a:bodyPr wrap="square" rtlCol="0">
+            <a:spAutoFit/>
+          </a:bodyPr>
+          <a:lstStyle/>
+          <a:p>
+            <a:r>
+              <a:rPr lang="en-US" dirty="0" smtClean="0"/>
+              <a:t>The Data Science Venn Diagram</a:t>
+            </a:r>
+          </a:p>
+          <a:p>
+            <a:endParaRPr lang="en-US" dirty="0"/>
+          </a:p>
+          <a:p>
+            <a:r>
+              <a:rPr lang="en-US" dirty="0" smtClean="0"/>
+              <a:t>Also, note what’s not available when you are lacking mathematics and statistics knowledge. This is important. When a student is choosing between a computer science major and a mathematics major, then that student should choose mathematics.  </a:t>
+            </a:r>
+          </a:p>
+        </p:txBody>
+      </p:sp>
+      <p:sp>
+        <p:nvSpPr>
+          <p:cNvPr id="15" name="TextBox 14"/>
+          <p:cNvSpPr txBox="1"/>
+          <p:nvPr/>
+        </p:nvSpPr>
+        <p:spPr>
+          <a:xfrm>
+            <a:off x="10215562" y="6550223"/>
+            <a:ext cx="1976438" cy="307777"/>
+          </a:xfrm>
+          <a:prstGeom prst="rect">
+            <a:avLst/>
+          </a:prstGeom>
+          <a:noFill/>
+        </p:spPr>
+        <p:txBody>
+          <a:bodyPr wrap="none" rtlCol="0">
+            <a:spAutoFit/>
+          </a:bodyPr>
+          <a:lstStyle/>
+          <a:p>
+            <a:r>
+              <a:rPr lang="en-US" sz="1400" dirty="0" smtClean="0">
+                <a:hlinkClick r:id="rId2"/>
+              </a:rPr>
+              <a:t>Thanks to Drew Conway </a:t>
+            </a:r>
+            <a:endParaRPr lang="en-US" sz="1400" dirty="0"/>
+          </a:p>
+        </p:txBody>
+      </p:sp>
+    </p:spTree>
+    <p:extLst>
+      <p:ext uri="{BB962C8B-B14F-4D97-AF65-F5344CB8AC3E}">
+        <p14:creationId xmlns:p14="http://schemas.microsoft.com/office/powerpoint/2010/main" val="3415180391"/>
+      </p:ext>
+    </p:extLst>
+  </p:cSld>
+  <p:clrMapOvr>
+    <a:masterClrMapping/>
+  </p:clrMapOvr>
+</p:sld>
+</file>
+
+<file path=ppt/slides/slide28.xml><?xml version="1.0" encoding="utf-8"?>
+<p:sld xmlns:a="http://schemas.openxmlformats.org/drawingml/2006/main" xmlns:r="http://schemas.openxmlformats.org/officeDocument/2006/relationships" xmlns:p="http://schemas.openxmlformats.org/presentationml/2006/main">
+  <p:cSld>
+    <p:spTree>
+      <p:nvGrpSpPr>
+        <p:cNvPr id="1" name=""/>
+        <p:cNvGrpSpPr/>
+        <p:nvPr/>
+      </p:nvGrpSpPr>
+      <p:grpSpPr>
+        <a:xfrm>
+          <a:off x="0" y="0"/>
+          <a:ext cx="0" cy="0"/>
+          <a:chOff x="0" y="0"/>
+          <a:chExt cx="0" cy="0"/>
+        </a:xfrm>
+      </p:grpSpPr>
+      <p:sp>
+        <p:nvSpPr>
+          <p:cNvPr id="13" name="Freeform 12"/>
+          <p:cNvSpPr/>
+          <p:nvPr/>
+        </p:nvSpPr>
+        <p:spPr>
+          <a:xfrm>
+            <a:off x="7620000" y="661986"/>
+            <a:ext cx="1355765" cy="1724989"/>
+          </a:xfrm>
+          <a:custGeom>
+            <a:avLst/>
+            <a:gdLst>
+              <a:gd name="connsiteX0" fmla="*/ 677883 w 1355765"/>
+              <a:gd name="connsiteY0" fmla="*/ 0 h 1724989"/>
+              <a:gd name="connsiteX1" fmla="*/ 686211 w 1355765"/>
+              <a:gd name="connsiteY1" fmla="*/ 7569 h 1724989"/>
+              <a:gd name="connsiteX2" fmla="*/ 1355765 w 1355765"/>
+              <a:gd name="connsiteY2" fmla="*/ 1624015 h 1724989"/>
+              <a:gd name="connsiteX3" fmla="*/ 1350667 w 1355765"/>
+              <a:gd name="connsiteY3" fmla="*/ 1724989 h 1724989"/>
+              <a:gd name="connsiteX4" fmla="*/ 1138592 w 1355765"/>
+              <a:gd name="connsiteY4" fmla="*/ 1670458 h 1724989"/>
+              <a:gd name="connsiteX5" fmla="*/ 677883 w 1355765"/>
+              <a:gd name="connsiteY5" fmla="*/ 1624015 h 1724989"/>
+              <a:gd name="connsiteX6" fmla="*/ 217174 w 1355765"/>
+              <a:gd name="connsiteY6" fmla="*/ 1670458 h 1724989"/>
+              <a:gd name="connsiteX7" fmla="*/ 5099 w 1355765"/>
+              <a:gd name="connsiteY7" fmla="*/ 1724989 h 1724989"/>
+              <a:gd name="connsiteX8" fmla="*/ 0 w 1355765"/>
+              <a:gd name="connsiteY8" fmla="*/ 1624015 h 1724989"/>
+              <a:gd name="connsiteX9" fmla="*/ 669554 w 1355765"/>
+              <a:gd name="connsiteY9" fmla="*/ 7569 h 1724989"/>
+              <a:gd name="connsiteX10" fmla="*/ 677883 w 1355765"/>
+              <a:gd name="connsiteY10" fmla="*/ 0 h 1724989"/>
+            </a:gdLst>
+            <a:ahLst/>
+            <a:cxnLst>
+              <a:cxn ang="0">
+                <a:pos x="connsiteX0" y="connsiteY0"/>
+              </a:cxn>
+              <a:cxn ang="0">
+                <a:pos x="connsiteX1" y="connsiteY1"/>
+              </a:cxn>
+              <a:cxn ang="0">
+                <a:pos x="connsiteX2" y="connsiteY2"/>
+              </a:cxn>
+              <a:cxn ang="0">
+                <a:pos x="connsiteX3" y="connsiteY3"/>
+              </a:cxn>
+              <a:cxn ang="0">
+                <a:pos x="connsiteX4" y="connsiteY4"/>
+              </a:cxn>
+              <a:cxn ang="0">
+                <a:pos x="connsiteX5" y="connsiteY5"/>
+              </a:cxn>
+              <a:cxn ang="0">
+                <a:pos x="connsiteX6" y="connsiteY6"/>
+              </a:cxn>
+              <a:cxn ang="0">
+                <a:pos x="connsiteX7" y="connsiteY7"/>
+              </a:cxn>
+              <a:cxn ang="0">
+                <a:pos x="connsiteX8" y="connsiteY8"/>
+              </a:cxn>
+              <a:cxn ang="0">
+                <a:pos x="connsiteX9" y="connsiteY9"/>
+              </a:cxn>
+              <a:cxn ang="0">
+                <a:pos x="connsiteX10" y="connsiteY10"/>
+              </a:cxn>
+            </a:cxnLst>
+            <a:rect l="l" t="t" r="r" b="b"/>
+            <a:pathLst>
+              <a:path w="1355765" h="1724989">
+                <a:moveTo>
+                  <a:pt x="677883" y="0"/>
+                </a:moveTo>
+                <a:lnTo>
+                  <a:pt x="686211" y="7569"/>
+                </a:lnTo>
+                <a:cubicBezTo>
+                  <a:pt x="1099896" y="421253"/>
+                  <a:pt x="1355765" y="992753"/>
+                  <a:pt x="1355765" y="1624015"/>
+                </a:cubicBezTo>
+                <a:lnTo>
+                  <a:pt x="1350667" y="1724989"/>
+                </a:lnTo>
+                <a:lnTo>
+                  <a:pt x="1138592" y="1670458"/>
+                </a:lnTo>
+                <a:cubicBezTo>
+                  <a:pt x="989779" y="1640007"/>
+                  <a:pt x="835699" y="1624015"/>
+                  <a:pt x="677883" y="1624015"/>
+                </a:cubicBezTo>
+                <a:cubicBezTo>
+                  <a:pt x="520068" y="1624015"/>
+                  <a:pt x="365988" y="1640007"/>
+                  <a:pt x="217174" y="1670458"/>
+                </a:cubicBezTo>
+                <a:lnTo>
+                  <a:pt x="5099" y="1724989"/>
+                </a:lnTo>
+                <a:lnTo>
+                  <a:pt x="0" y="1624015"/>
+                </a:lnTo>
+                <a:cubicBezTo>
+                  <a:pt x="0" y="992753"/>
+                  <a:pt x="255869" y="421253"/>
+                  <a:pt x="669554" y="7569"/>
+                </a:cubicBezTo>
+                <a:lnTo>
+                  <a:pt x="677883" y="0"/>
+                </a:lnTo>
+                <a:close/>
+              </a:path>
+            </a:pathLst>
+          </a:custGeom>
+          <a:solidFill>
+            <a:schemeClr val="accent6">
+              <a:lumMod val="50000"/>
+              <a:alpha val="40000"/>
+            </a:schemeClr>
+          </a:solidFill>
+          <a:ln>
+            <a:noFill/>
+          </a:ln>
+        </p:spPr>
+        <p:style>
+          <a:lnRef idx="2">
+            <a:schemeClr val="accent1">
+              <a:shade val="50000"/>
+            </a:schemeClr>
+          </a:lnRef>
+          <a:fillRef idx="1">
+            <a:schemeClr val="accent1"/>
+          </a:fillRef>
+          <a:effectRef idx="0">
+            <a:schemeClr val="accent1"/>
+          </a:effectRef>
+          <a:fontRef idx="minor">
+            <a:schemeClr val="lt1"/>
+          </a:fontRef>
+        </p:style>
+        <p:txBody>
+          <a:bodyPr rtlCol="0" anchor="ctr"/>
+          <a:lstStyle/>
+          <a:p>
+            <a:pPr algn="ctr"/>
+            <a:endParaRPr lang="en-US" sz="1600" dirty="0" smtClean="0">
+              <a:solidFill>
+                <a:schemeClr val="tx1"/>
+              </a:solidFill>
+            </a:endParaRPr>
+          </a:p>
+          <a:p>
+            <a:pPr algn="ctr"/>
+            <a:r>
+              <a:rPr lang="en-US" sz="1600" dirty="0" smtClean="0">
+                <a:solidFill>
+                  <a:schemeClr val="tx1"/>
+                </a:solidFill>
+              </a:rPr>
+              <a:t>Machine</a:t>
+            </a:r>
+          </a:p>
+          <a:p>
+            <a:pPr algn="ctr"/>
+            <a:r>
+              <a:rPr lang="en-US" sz="1600" dirty="0" smtClean="0">
+                <a:solidFill>
+                  <a:schemeClr val="tx1"/>
+                </a:solidFill>
+              </a:rPr>
+              <a:t>Learning</a:t>
+            </a:r>
+          </a:p>
+          <a:p>
+            <a:pPr algn="ctr"/>
+            <a:r>
+              <a:rPr lang="en-US" sz="1600" dirty="0" smtClean="0">
+                <a:solidFill>
+                  <a:schemeClr val="tx1"/>
+                </a:solidFill>
+              </a:rPr>
+              <a:t>Scientist</a:t>
+            </a:r>
+            <a:endParaRPr lang="en-US" sz="1600" dirty="0">
+              <a:solidFill>
+                <a:schemeClr val="tx1"/>
+              </a:solidFill>
+            </a:endParaRPr>
+          </a:p>
+        </p:txBody>
+      </p:sp>
+      <p:sp>
+        <p:nvSpPr>
+          <p:cNvPr id="12" name="Freeform 11"/>
+          <p:cNvSpPr/>
+          <p:nvPr/>
+        </p:nvSpPr>
+        <p:spPr>
+          <a:xfrm>
+            <a:off x="8297882" y="2386974"/>
+            <a:ext cx="2280902" cy="2185026"/>
+          </a:xfrm>
+          <a:custGeom>
+            <a:avLst/>
+            <a:gdLst>
+              <a:gd name="connsiteX0" fmla="*/ 672784 w 2280902"/>
+              <a:gd name="connsiteY0" fmla="*/ 0 h 2185026"/>
+              <a:gd name="connsiteX1" fmla="*/ 679786 w 2280902"/>
+              <a:gd name="connsiteY1" fmla="*/ 1800 h 2185026"/>
+              <a:gd name="connsiteX2" fmla="*/ 2274198 w 2280902"/>
+              <a:gd name="connsiteY2" fmla="*/ 1951296 h 2185026"/>
+              <a:gd name="connsiteX3" fmla="*/ 2280902 w 2280902"/>
+              <a:gd name="connsiteY3" fmla="*/ 2084053 h 2185026"/>
+              <a:gd name="connsiteX4" fmla="*/ 2068826 w 2280902"/>
+              <a:gd name="connsiteY4" fmla="*/ 2138583 h 2185026"/>
+              <a:gd name="connsiteX5" fmla="*/ 1608117 w 2280902"/>
+              <a:gd name="connsiteY5" fmla="*/ 2185026 h 2185026"/>
+              <a:gd name="connsiteX6" fmla="*/ 154009 w 2280902"/>
+              <a:gd name="connsiteY6" fmla="*/ 1663015 h 2185026"/>
+              <a:gd name="connsiteX7" fmla="*/ 0 w 2280902"/>
+              <a:gd name="connsiteY7" fmla="*/ 1523042 h 2185026"/>
+              <a:gd name="connsiteX8" fmla="*/ 8328 w 2280902"/>
+              <a:gd name="connsiteY8" fmla="*/ 1515472 h 2185026"/>
+              <a:gd name="connsiteX9" fmla="*/ 666080 w 2280902"/>
+              <a:gd name="connsiteY9" fmla="*/ 132756 h 2185026"/>
+              <a:gd name="connsiteX10" fmla="*/ 672784 w 2280902"/>
+              <a:gd name="connsiteY10" fmla="*/ 0 h 2185026"/>
+            </a:gdLst>
+            <a:ahLst/>
+            <a:cxnLst>
+              <a:cxn ang="0">
+                <a:pos x="connsiteX0" y="connsiteY0"/>
+              </a:cxn>
+              <a:cxn ang="0">
+                <a:pos x="connsiteX1" y="connsiteY1"/>
+              </a:cxn>
+              <a:cxn ang="0">
+                <a:pos x="connsiteX2" y="connsiteY2"/>
+              </a:cxn>
+              <a:cxn ang="0">
+                <a:pos x="connsiteX3" y="connsiteY3"/>
+              </a:cxn>
+              <a:cxn ang="0">
+                <a:pos x="connsiteX4" y="connsiteY4"/>
+              </a:cxn>
+              <a:cxn ang="0">
+                <a:pos x="connsiteX5" y="connsiteY5"/>
+              </a:cxn>
+              <a:cxn ang="0">
+                <a:pos x="connsiteX6" y="connsiteY6"/>
+              </a:cxn>
+              <a:cxn ang="0">
+                <a:pos x="connsiteX7" y="connsiteY7"/>
+              </a:cxn>
+              <a:cxn ang="0">
+                <a:pos x="connsiteX8" y="connsiteY8"/>
+              </a:cxn>
+              <a:cxn ang="0">
+                <a:pos x="connsiteX9" y="connsiteY9"/>
+              </a:cxn>
+              <a:cxn ang="0">
+                <a:pos x="connsiteX10" y="connsiteY10"/>
+              </a:cxn>
+            </a:cxnLst>
+            <a:rect l="l" t="t" r="r" b="b"/>
+            <a:pathLst>
+              <a:path w="2280902" h="2185026">
+                <a:moveTo>
+                  <a:pt x="672784" y="0"/>
+                </a:moveTo>
+                <a:lnTo>
+                  <a:pt x="679786" y="1800"/>
+                </a:lnTo>
+                <a:cubicBezTo>
+                  <a:pt x="1538764" y="268970"/>
+                  <a:pt x="2180545" y="1029112"/>
+                  <a:pt x="2274198" y="1951296"/>
+                </a:cubicBezTo>
+                <a:lnTo>
+                  <a:pt x="2280902" y="2084053"/>
+                </a:lnTo>
+                <a:lnTo>
+                  <a:pt x="2068826" y="2138583"/>
+                </a:lnTo>
+                <a:cubicBezTo>
+                  <a:pt x="1920013" y="2169034"/>
+                  <a:pt x="1765933" y="2185026"/>
+                  <a:pt x="1608117" y="2185026"/>
+                </a:cubicBezTo>
+                <a:cubicBezTo>
+                  <a:pt x="1055763" y="2185026"/>
+                  <a:pt x="549165" y="1989126"/>
+                  <a:pt x="154009" y="1663015"/>
+                </a:cubicBezTo>
+                <a:lnTo>
+                  <a:pt x="0" y="1523042"/>
+                </a:lnTo>
+                <a:lnTo>
+                  <a:pt x="8328" y="1515472"/>
+                </a:lnTo>
+                <a:cubicBezTo>
+                  <a:pt x="370302" y="1153498"/>
+                  <a:pt x="611449" y="670697"/>
+                  <a:pt x="666080" y="132756"/>
+                </a:cubicBezTo>
+                <a:lnTo>
+                  <a:pt x="672784" y="0"/>
+                </a:lnTo>
+                <a:close/>
+              </a:path>
+            </a:pathLst>
+          </a:custGeom>
+          <a:solidFill>
+            <a:schemeClr val="accent1">
+              <a:lumMod val="60000"/>
+              <a:lumOff val="40000"/>
+              <a:alpha val="40000"/>
+            </a:schemeClr>
+          </a:solidFill>
+          <a:ln>
+            <a:noFill/>
+          </a:ln>
+        </p:spPr>
+        <p:style>
+          <a:lnRef idx="2">
+            <a:schemeClr val="accent1">
+              <a:shade val="50000"/>
+            </a:schemeClr>
+          </a:lnRef>
+          <a:fillRef idx="1">
+            <a:schemeClr val="accent1"/>
+          </a:fillRef>
+          <a:effectRef idx="0">
+            <a:schemeClr val="accent1"/>
+          </a:effectRef>
+          <a:fontRef idx="minor">
+            <a:schemeClr val="lt1"/>
+          </a:fontRef>
+        </p:style>
+        <p:txBody>
+          <a:bodyPr rtlCol="0" anchor="ctr"/>
+          <a:lstStyle/>
+          <a:p>
+            <a:pPr algn="ctr"/>
+            <a:r>
+              <a:rPr lang="en-US" sz="1600" dirty="0" smtClean="0">
+                <a:solidFill>
+                  <a:schemeClr val="tx1"/>
+                </a:solidFill>
+              </a:rPr>
+              <a:t>Traditional</a:t>
+            </a:r>
+          </a:p>
+          <a:p>
+            <a:pPr algn="ctr"/>
+            <a:r>
+              <a:rPr lang="en-US" sz="1600" dirty="0" smtClean="0">
+                <a:solidFill>
+                  <a:schemeClr val="tx1"/>
+                </a:solidFill>
+              </a:rPr>
+              <a:t>Researcher</a:t>
+            </a:r>
+            <a:endParaRPr lang="en-US" sz="1600" dirty="0">
+              <a:solidFill>
+                <a:schemeClr val="tx1"/>
+              </a:solidFill>
+            </a:endParaRPr>
+          </a:p>
+        </p:txBody>
+      </p:sp>
+      <p:sp>
+        <p:nvSpPr>
+          <p:cNvPr id="11" name="Freeform 10"/>
+          <p:cNvSpPr/>
+          <p:nvPr/>
+        </p:nvSpPr>
+        <p:spPr>
+          <a:xfrm>
+            <a:off x="6016982" y="2386974"/>
+            <a:ext cx="2280901" cy="2185026"/>
+          </a:xfrm>
+          <a:custGeom>
+            <a:avLst/>
+            <a:gdLst>
+              <a:gd name="connsiteX0" fmla="*/ 1608117 w 2280901"/>
+              <a:gd name="connsiteY0" fmla="*/ 0 h 2185026"/>
+              <a:gd name="connsiteX1" fmla="*/ 1614820 w 2280901"/>
+              <a:gd name="connsiteY1" fmla="*/ 132756 h 2185026"/>
+              <a:gd name="connsiteX2" fmla="*/ 2272572 w 2280901"/>
+              <a:gd name="connsiteY2" fmla="*/ 1515472 h 2185026"/>
+              <a:gd name="connsiteX3" fmla="*/ 2280901 w 2280901"/>
+              <a:gd name="connsiteY3" fmla="*/ 1523042 h 2185026"/>
+              <a:gd name="connsiteX4" fmla="*/ 2126891 w 2280901"/>
+              <a:gd name="connsiteY4" fmla="*/ 1663015 h 2185026"/>
+              <a:gd name="connsiteX5" fmla="*/ 672783 w 2280901"/>
+              <a:gd name="connsiteY5" fmla="*/ 2185026 h 2185026"/>
+              <a:gd name="connsiteX6" fmla="*/ 212074 w 2280901"/>
+              <a:gd name="connsiteY6" fmla="*/ 2138583 h 2185026"/>
+              <a:gd name="connsiteX7" fmla="*/ 0 w 2280901"/>
+              <a:gd name="connsiteY7" fmla="*/ 2084053 h 2185026"/>
+              <a:gd name="connsiteX8" fmla="*/ 6703 w 2280901"/>
+              <a:gd name="connsiteY8" fmla="*/ 1951296 h 2185026"/>
+              <a:gd name="connsiteX9" fmla="*/ 1601115 w 2280901"/>
+              <a:gd name="connsiteY9" fmla="*/ 1800 h 2185026"/>
+              <a:gd name="connsiteX10" fmla="*/ 1608117 w 2280901"/>
+              <a:gd name="connsiteY10" fmla="*/ 0 h 2185026"/>
+            </a:gdLst>
+            <a:ahLst/>
+            <a:cxnLst>
+              <a:cxn ang="0">
+                <a:pos x="connsiteX0" y="connsiteY0"/>
+              </a:cxn>
+              <a:cxn ang="0">
+                <a:pos x="connsiteX1" y="connsiteY1"/>
+              </a:cxn>
+              <a:cxn ang="0">
+                <a:pos x="connsiteX2" y="connsiteY2"/>
+              </a:cxn>
+              <a:cxn ang="0">
+                <a:pos x="connsiteX3" y="connsiteY3"/>
+              </a:cxn>
+              <a:cxn ang="0">
+                <a:pos x="connsiteX4" y="connsiteY4"/>
+              </a:cxn>
+              <a:cxn ang="0">
+                <a:pos x="connsiteX5" y="connsiteY5"/>
+              </a:cxn>
+              <a:cxn ang="0">
+                <a:pos x="connsiteX6" y="connsiteY6"/>
+              </a:cxn>
+              <a:cxn ang="0">
+                <a:pos x="connsiteX7" y="connsiteY7"/>
+              </a:cxn>
+              <a:cxn ang="0">
+                <a:pos x="connsiteX8" y="connsiteY8"/>
+              </a:cxn>
+              <a:cxn ang="0">
+                <a:pos x="connsiteX9" y="connsiteY9"/>
+              </a:cxn>
+              <a:cxn ang="0">
+                <a:pos x="connsiteX10" y="connsiteY10"/>
+              </a:cxn>
+            </a:cxnLst>
+            <a:rect l="l" t="t" r="r" b="b"/>
+            <a:pathLst>
+              <a:path w="2280901" h="2185026">
+                <a:moveTo>
+                  <a:pt x="1608117" y="0"/>
+                </a:moveTo>
+                <a:lnTo>
+                  <a:pt x="1614820" y="132756"/>
+                </a:lnTo>
+                <a:cubicBezTo>
+                  <a:pt x="1669451" y="670697"/>
+                  <a:pt x="1910598" y="1153498"/>
+                  <a:pt x="2272572" y="1515472"/>
+                </a:cubicBezTo>
+                <a:lnTo>
+                  <a:pt x="2280901" y="1523042"/>
+                </a:lnTo>
+                <a:lnTo>
+                  <a:pt x="2126891" y="1663015"/>
+                </a:lnTo>
+                <a:cubicBezTo>
+                  <a:pt x="1731736" y="1989126"/>
+                  <a:pt x="1225137" y="2185026"/>
+                  <a:pt x="672783" y="2185026"/>
+                </a:cubicBezTo>
+                <a:cubicBezTo>
+                  <a:pt x="514968" y="2185026"/>
+                  <a:pt x="360887" y="2169034"/>
+                  <a:pt x="212074" y="2138583"/>
+                </a:cubicBezTo>
+                <a:lnTo>
+                  <a:pt x="0" y="2084053"/>
+                </a:lnTo>
+                <a:lnTo>
+                  <a:pt x="6703" y="1951296"/>
+                </a:lnTo>
+                <a:cubicBezTo>
+                  <a:pt x="100356" y="1029112"/>
+                  <a:pt x="742137" y="268970"/>
+                  <a:pt x="1601115" y="1800"/>
+                </a:cubicBezTo>
+                <a:lnTo>
+                  <a:pt x="1608117" y="0"/>
+                </a:lnTo>
+                <a:close/>
+              </a:path>
+            </a:pathLst>
+          </a:custGeom>
+          <a:solidFill>
+            <a:srgbClr val="002060">
+              <a:alpha val="40000"/>
+            </a:srgbClr>
+          </a:solidFill>
+          <a:ln>
+            <a:noFill/>
+          </a:ln>
+        </p:spPr>
+        <p:style>
+          <a:lnRef idx="2">
+            <a:schemeClr val="accent1">
+              <a:shade val="50000"/>
+            </a:schemeClr>
+          </a:lnRef>
+          <a:fillRef idx="1">
+            <a:schemeClr val="accent1"/>
+          </a:fillRef>
+          <a:effectRef idx="0">
+            <a:schemeClr val="accent1"/>
+          </a:effectRef>
+          <a:fontRef idx="minor">
+            <a:schemeClr val="lt1"/>
+          </a:fontRef>
+        </p:style>
+        <p:txBody>
+          <a:bodyPr rtlCol="0" anchor="ctr"/>
+          <a:lstStyle/>
+          <a:p>
+            <a:pPr algn="ctr"/>
+            <a:r>
+              <a:rPr lang="en-US" sz="1600" dirty="0" smtClean="0">
+                <a:solidFill>
+                  <a:schemeClr val="tx1"/>
+                </a:solidFill>
+              </a:rPr>
+              <a:t>Danger</a:t>
+            </a:r>
+          </a:p>
+          <a:p>
+            <a:pPr algn="ctr"/>
+            <a:r>
+              <a:rPr lang="en-US" sz="1600" dirty="0" smtClean="0">
+                <a:solidFill>
+                  <a:schemeClr val="tx1"/>
+                </a:solidFill>
+              </a:rPr>
+              <a:t>Zone!</a:t>
+            </a:r>
+            <a:endParaRPr lang="en-US" sz="1600" dirty="0">
+              <a:solidFill>
+                <a:schemeClr val="tx1"/>
+              </a:solidFill>
+            </a:endParaRPr>
+          </a:p>
+        </p:txBody>
+      </p:sp>
+      <p:sp>
+        <p:nvSpPr>
+          <p:cNvPr id="10" name="Freeform 9"/>
+          <p:cNvSpPr/>
+          <p:nvPr/>
+        </p:nvSpPr>
+        <p:spPr>
+          <a:xfrm>
+            <a:off x="4403764" y="1"/>
+            <a:ext cx="3894118" cy="4471027"/>
+          </a:xfrm>
+          <a:custGeom>
+            <a:avLst/>
+            <a:gdLst>
+              <a:gd name="connsiteX0" fmla="*/ 2286000 w 3894118"/>
+              <a:gd name="connsiteY0" fmla="*/ 0 h 4471027"/>
+              <a:gd name="connsiteX1" fmla="*/ 3740108 w 3894118"/>
+              <a:gd name="connsiteY1" fmla="*/ 522011 h 4471027"/>
+              <a:gd name="connsiteX2" fmla="*/ 3894118 w 3894118"/>
+              <a:gd name="connsiteY2" fmla="*/ 661985 h 4471027"/>
+              <a:gd name="connsiteX3" fmla="*/ 3885789 w 3894118"/>
+              <a:gd name="connsiteY3" fmla="*/ 669554 h 4471027"/>
+              <a:gd name="connsiteX4" fmla="*/ 3216235 w 3894118"/>
+              <a:gd name="connsiteY4" fmla="*/ 2286000 h 4471027"/>
+              <a:gd name="connsiteX5" fmla="*/ 3221334 w 3894118"/>
+              <a:gd name="connsiteY5" fmla="*/ 2386974 h 4471027"/>
+              <a:gd name="connsiteX6" fmla="*/ 3214332 w 3894118"/>
+              <a:gd name="connsiteY6" fmla="*/ 2388774 h 4471027"/>
+              <a:gd name="connsiteX7" fmla="*/ 1619920 w 3894118"/>
+              <a:gd name="connsiteY7" fmla="*/ 4338270 h 4471027"/>
+              <a:gd name="connsiteX8" fmla="*/ 1613217 w 3894118"/>
+              <a:gd name="connsiteY8" fmla="*/ 4471027 h 4471027"/>
+              <a:gd name="connsiteX9" fmla="*/ 1606214 w 3894118"/>
+              <a:gd name="connsiteY9" fmla="*/ 4469226 h 4471027"/>
+              <a:gd name="connsiteX10" fmla="*/ 0 w 3894118"/>
+              <a:gd name="connsiteY10" fmla="*/ 2286000 h 4471027"/>
+              <a:gd name="connsiteX11" fmla="*/ 2286000 w 3894118"/>
+              <a:gd name="connsiteY11" fmla="*/ 0 h 4471027"/>
+            </a:gdLst>
+            <a:ahLst/>
+            <a:cxnLst>
+              <a:cxn ang="0">
+                <a:pos x="connsiteX0" y="connsiteY0"/>
+              </a:cxn>
+              <a:cxn ang="0">
+                <a:pos x="connsiteX1" y="connsiteY1"/>
+              </a:cxn>
+              <a:cxn ang="0">
+                <a:pos x="connsiteX2" y="connsiteY2"/>
+              </a:cxn>
+              <a:cxn ang="0">
+                <a:pos x="connsiteX3" y="connsiteY3"/>
+              </a:cxn>
+              <a:cxn ang="0">
+                <a:pos x="connsiteX4" y="connsiteY4"/>
+              </a:cxn>
+              <a:cxn ang="0">
+                <a:pos x="connsiteX5" y="connsiteY5"/>
+              </a:cxn>
+              <a:cxn ang="0">
+                <a:pos x="connsiteX6" y="connsiteY6"/>
+              </a:cxn>
+              <a:cxn ang="0">
+                <a:pos x="connsiteX7" y="connsiteY7"/>
+              </a:cxn>
+              <a:cxn ang="0">
+                <a:pos x="connsiteX8" y="connsiteY8"/>
+              </a:cxn>
+              <a:cxn ang="0">
+                <a:pos x="connsiteX9" y="connsiteY9"/>
+              </a:cxn>
+              <a:cxn ang="0">
+                <a:pos x="connsiteX10" y="connsiteY10"/>
+              </a:cxn>
+              <a:cxn ang="0">
+                <a:pos x="connsiteX11" y="connsiteY11"/>
+              </a:cxn>
+            </a:cxnLst>
+            <a:rect l="l" t="t" r="r" b="b"/>
+            <a:pathLst>
+              <a:path w="3894118" h="4471027">
+                <a:moveTo>
+                  <a:pt x="2286000" y="0"/>
+                </a:moveTo>
+                <a:cubicBezTo>
+                  <a:pt x="2838354" y="0"/>
+                  <a:pt x="3344953" y="195900"/>
+                  <a:pt x="3740108" y="522011"/>
+                </a:cubicBezTo>
+                <a:lnTo>
+                  <a:pt x="3894118" y="661985"/>
+                </a:lnTo>
+                <a:lnTo>
+                  <a:pt x="3885789" y="669554"/>
+                </a:lnTo>
+                <a:cubicBezTo>
+                  <a:pt x="3472104" y="1083238"/>
+                  <a:pt x="3216235" y="1654738"/>
+                  <a:pt x="3216235" y="2286000"/>
+                </a:cubicBezTo>
+                <a:lnTo>
+                  <a:pt x="3221334" y="2386974"/>
+                </a:lnTo>
+                <a:lnTo>
+                  <a:pt x="3214332" y="2388774"/>
+                </a:lnTo>
+                <a:cubicBezTo>
+                  <a:pt x="2355354" y="2655944"/>
+                  <a:pt x="1713573" y="3416086"/>
+                  <a:pt x="1619920" y="4338270"/>
+                </a:cubicBezTo>
+                <a:lnTo>
+                  <a:pt x="1613217" y="4471027"/>
+                </a:lnTo>
+                <a:lnTo>
+                  <a:pt x="1606214" y="4469226"/>
+                </a:lnTo>
+                <a:cubicBezTo>
+                  <a:pt x="675655" y="4179792"/>
+                  <a:pt x="0" y="3311800"/>
+                  <a:pt x="0" y="2286000"/>
+                </a:cubicBezTo>
+                <a:cubicBezTo>
+                  <a:pt x="0" y="1023477"/>
+                  <a:pt x="1023477" y="0"/>
+                  <a:pt x="2286000" y="0"/>
+                </a:cubicBezTo>
+                <a:close/>
+              </a:path>
+            </a:pathLst>
+          </a:custGeom>
+          <a:solidFill>
+            <a:srgbClr val="E64A60">
+              <a:alpha val="40000"/>
+            </a:srgbClr>
+          </a:solidFill>
+          <a:ln>
+            <a:noFill/>
+          </a:ln>
+        </p:spPr>
+        <p:style>
+          <a:lnRef idx="2">
+            <a:schemeClr val="accent1">
+              <a:shade val="50000"/>
+            </a:schemeClr>
+          </a:lnRef>
+          <a:fillRef idx="1">
+            <a:schemeClr val="accent1"/>
+          </a:fillRef>
+          <a:effectRef idx="0">
+            <a:schemeClr val="accent1"/>
+          </a:effectRef>
+          <a:fontRef idx="minor">
+            <a:schemeClr val="lt1"/>
+          </a:fontRef>
+        </p:style>
+        <p:txBody>
+          <a:bodyPr rtlCol="0" anchor="ctr"/>
+          <a:lstStyle/>
+          <a:p>
+            <a:pPr algn="ctr"/>
+            <a:r>
+              <a:rPr lang="en-US" sz="2400" dirty="0" smtClean="0">
+                <a:solidFill>
+                  <a:schemeClr val="tx1"/>
+                </a:solidFill>
+              </a:rPr>
+              <a:t>Computer Science</a:t>
+            </a:r>
+          </a:p>
+          <a:p>
+            <a:pPr algn="ctr"/>
+            <a:r>
+              <a:rPr lang="en-US" sz="2400" dirty="0" smtClean="0">
+                <a:solidFill>
+                  <a:schemeClr val="tx1"/>
+                </a:solidFill>
+              </a:rPr>
+              <a:t>Skills</a:t>
+            </a:r>
+          </a:p>
+          <a:p>
+            <a:pPr algn="ctr"/>
+            <a:endParaRPr lang="en-US" dirty="0"/>
+          </a:p>
+          <a:p>
+            <a:pPr algn="ctr"/>
+            <a:endParaRPr lang="en-US" dirty="0" smtClean="0"/>
+          </a:p>
+          <a:p>
+            <a:pPr algn="ctr"/>
+            <a:endParaRPr lang="en-US" dirty="0"/>
+          </a:p>
+          <a:p>
+            <a:pPr algn="ctr"/>
+            <a:endParaRPr lang="en-US" dirty="0" smtClean="0"/>
+          </a:p>
+          <a:p>
+            <a:pPr algn="ctr"/>
+            <a:endParaRPr lang="en-US" dirty="0"/>
+          </a:p>
+        </p:txBody>
+      </p:sp>
+      <p:sp>
+        <p:nvSpPr>
+          <p:cNvPr id="9" name="Freeform 8"/>
+          <p:cNvSpPr/>
+          <p:nvPr/>
+        </p:nvSpPr>
+        <p:spPr>
+          <a:xfrm>
+            <a:off x="8297883" y="1"/>
+            <a:ext cx="3894117" cy="4471027"/>
+          </a:xfrm>
+          <a:custGeom>
+            <a:avLst/>
+            <a:gdLst>
+              <a:gd name="connsiteX0" fmla="*/ 1608117 w 3894117"/>
+              <a:gd name="connsiteY0" fmla="*/ 0 h 4471027"/>
+              <a:gd name="connsiteX1" fmla="*/ 3894117 w 3894117"/>
+              <a:gd name="connsiteY1" fmla="*/ 2286000 h 4471027"/>
+              <a:gd name="connsiteX2" fmla="*/ 2287903 w 3894117"/>
+              <a:gd name="connsiteY2" fmla="*/ 4469226 h 4471027"/>
+              <a:gd name="connsiteX3" fmla="*/ 2280902 w 3894117"/>
+              <a:gd name="connsiteY3" fmla="*/ 4471027 h 4471027"/>
+              <a:gd name="connsiteX4" fmla="*/ 2274198 w 3894117"/>
+              <a:gd name="connsiteY4" fmla="*/ 4338270 h 4471027"/>
+              <a:gd name="connsiteX5" fmla="*/ 679786 w 3894117"/>
+              <a:gd name="connsiteY5" fmla="*/ 2388774 h 4471027"/>
+              <a:gd name="connsiteX6" fmla="*/ 672784 w 3894117"/>
+              <a:gd name="connsiteY6" fmla="*/ 2386974 h 4471027"/>
+              <a:gd name="connsiteX7" fmla="*/ 677882 w 3894117"/>
+              <a:gd name="connsiteY7" fmla="*/ 2286000 h 4471027"/>
+              <a:gd name="connsiteX8" fmla="*/ 8328 w 3894117"/>
+              <a:gd name="connsiteY8" fmla="*/ 669554 h 4471027"/>
+              <a:gd name="connsiteX9" fmla="*/ 0 w 3894117"/>
+              <a:gd name="connsiteY9" fmla="*/ 661985 h 4471027"/>
+              <a:gd name="connsiteX10" fmla="*/ 154009 w 3894117"/>
+              <a:gd name="connsiteY10" fmla="*/ 522011 h 4471027"/>
+              <a:gd name="connsiteX11" fmla="*/ 1608117 w 3894117"/>
+              <a:gd name="connsiteY11" fmla="*/ 0 h 4471027"/>
+            </a:gdLst>
+            <a:ahLst/>
+            <a:cxnLst>
+              <a:cxn ang="0">
+                <a:pos x="connsiteX0" y="connsiteY0"/>
+              </a:cxn>
+              <a:cxn ang="0">
+                <a:pos x="connsiteX1" y="connsiteY1"/>
+              </a:cxn>
+              <a:cxn ang="0">
+                <a:pos x="connsiteX2" y="connsiteY2"/>
+              </a:cxn>
+              <a:cxn ang="0">
+                <a:pos x="connsiteX3" y="connsiteY3"/>
+              </a:cxn>
+              <a:cxn ang="0">
+                <a:pos x="connsiteX4" y="connsiteY4"/>
+              </a:cxn>
+              <a:cxn ang="0">
+                <a:pos x="connsiteX5" y="connsiteY5"/>
+              </a:cxn>
+              <a:cxn ang="0">
+                <a:pos x="connsiteX6" y="connsiteY6"/>
+              </a:cxn>
+              <a:cxn ang="0">
+                <a:pos x="connsiteX7" y="connsiteY7"/>
+              </a:cxn>
+              <a:cxn ang="0">
+                <a:pos x="connsiteX8" y="connsiteY8"/>
+              </a:cxn>
+              <a:cxn ang="0">
+                <a:pos x="connsiteX9" y="connsiteY9"/>
+              </a:cxn>
+              <a:cxn ang="0">
+                <a:pos x="connsiteX10" y="connsiteY10"/>
+              </a:cxn>
+              <a:cxn ang="0">
+                <a:pos x="connsiteX11" y="connsiteY11"/>
+              </a:cxn>
+            </a:cxnLst>
+            <a:rect l="l" t="t" r="r" b="b"/>
+            <a:pathLst>
+              <a:path w="3894117" h="4471027">
+                <a:moveTo>
+                  <a:pt x="1608117" y="0"/>
+                </a:moveTo>
+                <a:cubicBezTo>
+                  <a:pt x="2870640" y="0"/>
+                  <a:pt x="3894117" y="1023477"/>
+                  <a:pt x="3894117" y="2286000"/>
+                </a:cubicBezTo>
+                <a:cubicBezTo>
+                  <a:pt x="3894117" y="3311800"/>
+                  <a:pt x="3218463" y="4179792"/>
+                  <a:pt x="2287903" y="4469226"/>
+                </a:cubicBezTo>
+                <a:lnTo>
+                  <a:pt x="2280902" y="4471027"/>
+                </a:lnTo>
+                <a:lnTo>
+                  <a:pt x="2274198" y="4338270"/>
+                </a:lnTo>
+                <a:cubicBezTo>
+                  <a:pt x="2180545" y="3416086"/>
+                  <a:pt x="1538764" y="2655944"/>
+                  <a:pt x="679786" y="2388774"/>
+                </a:cubicBezTo>
+                <a:lnTo>
+                  <a:pt x="672784" y="2386974"/>
+                </a:lnTo>
+                <a:lnTo>
+                  <a:pt x="677882" y="2286000"/>
+                </a:lnTo>
+                <a:cubicBezTo>
+                  <a:pt x="677882" y="1654738"/>
+                  <a:pt x="422013" y="1083238"/>
+                  <a:pt x="8328" y="669554"/>
+                </a:cubicBezTo>
+                <a:lnTo>
+                  <a:pt x="0" y="661985"/>
+                </a:lnTo>
+                <a:lnTo>
+                  <a:pt x="154009" y="522011"/>
+                </a:lnTo>
+                <a:cubicBezTo>
+                  <a:pt x="549165" y="195900"/>
+                  <a:pt x="1055763" y="0"/>
+                  <a:pt x="1608117" y="0"/>
+                </a:cubicBezTo>
+                <a:close/>
+              </a:path>
+            </a:pathLst>
+          </a:custGeom>
+          <a:solidFill>
+            <a:srgbClr val="70AD47">
+              <a:alpha val="40000"/>
+            </a:srgbClr>
+          </a:solidFill>
+          <a:ln>
+            <a:noFill/>
+          </a:ln>
+        </p:spPr>
+        <p:style>
+          <a:lnRef idx="2">
+            <a:schemeClr val="accent1">
+              <a:shade val="50000"/>
+            </a:schemeClr>
+          </a:lnRef>
+          <a:fillRef idx="1">
+            <a:schemeClr val="accent1"/>
+          </a:fillRef>
+          <a:effectRef idx="0">
+            <a:schemeClr val="accent1"/>
+          </a:effectRef>
+          <a:fontRef idx="minor">
+            <a:schemeClr val="lt1"/>
+          </a:fontRef>
+        </p:style>
+        <p:txBody>
+          <a:bodyPr rtlCol="0" anchor="ctr"/>
+          <a:lstStyle/>
+          <a:p>
+            <a:pPr algn="ctr"/>
+            <a:r>
+              <a:rPr lang="en-US" sz="2400" dirty="0" smtClean="0">
+                <a:solidFill>
+                  <a:schemeClr val="tx1"/>
+                </a:solidFill>
+              </a:rPr>
+              <a:t>Mathematics/</a:t>
+            </a:r>
+          </a:p>
+          <a:p>
+            <a:pPr algn="ctr"/>
+            <a:r>
+              <a:rPr lang="en-US" sz="2400" dirty="0" smtClean="0">
+                <a:solidFill>
+                  <a:schemeClr val="tx1"/>
+                </a:solidFill>
+              </a:rPr>
+              <a:t>Statistics</a:t>
+            </a:r>
+          </a:p>
+          <a:p>
+            <a:pPr algn="ctr"/>
+            <a:r>
+              <a:rPr lang="en-US" sz="2400" dirty="0" smtClean="0">
+                <a:solidFill>
+                  <a:schemeClr val="tx1"/>
+                </a:solidFill>
+              </a:rPr>
+              <a:t>Knowledge</a:t>
+            </a:r>
+          </a:p>
+          <a:p>
+            <a:pPr algn="ctr"/>
+            <a:endParaRPr lang="en-US" dirty="0"/>
+          </a:p>
+          <a:p>
+            <a:pPr algn="ctr"/>
+            <a:endParaRPr lang="en-US" dirty="0" smtClean="0"/>
+          </a:p>
+          <a:p>
+            <a:pPr algn="ctr"/>
+            <a:endParaRPr lang="en-US" dirty="0"/>
+          </a:p>
+          <a:p>
+            <a:pPr algn="ctr"/>
+            <a:endParaRPr lang="en-US" dirty="0" smtClean="0"/>
+          </a:p>
+          <a:p>
+            <a:pPr algn="ctr"/>
+            <a:endParaRPr lang="en-US" dirty="0"/>
+          </a:p>
+        </p:txBody>
+      </p:sp>
+      <p:sp>
+        <p:nvSpPr>
+          <p:cNvPr id="8" name="Freeform 7"/>
+          <p:cNvSpPr/>
+          <p:nvPr/>
+        </p:nvSpPr>
+        <p:spPr>
+          <a:xfrm>
+            <a:off x="7625098" y="2286000"/>
+            <a:ext cx="1345568" cy="1624016"/>
+          </a:xfrm>
+          <a:custGeom>
+            <a:avLst/>
+            <a:gdLst>
+              <a:gd name="connsiteX0" fmla="*/ 672784 w 1345568"/>
+              <a:gd name="connsiteY0" fmla="*/ 0 h 1624016"/>
+              <a:gd name="connsiteX1" fmla="*/ 1133493 w 1345568"/>
+              <a:gd name="connsiteY1" fmla="*/ 46443 h 1624016"/>
+              <a:gd name="connsiteX2" fmla="*/ 1345568 w 1345568"/>
+              <a:gd name="connsiteY2" fmla="*/ 100974 h 1624016"/>
+              <a:gd name="connsiteX3" fmla="*/ 1338864 w 1345568"/>
+              <a:gd name="connsiteY3" fmla="*/ 233730 h 1624016"/>
+              <a:gd name="connsiteX4" fmla="*/ 681112 w 1345568"/>
+              <a:gd name="connsiteY4" fmla="*/ 1616446 h 1624016"/>
+              <a:gd name="connsiteX5" fmla="*/ 672784 w 1345568"/>
+              <a:gd name="connsiteY5" fmla="*/ 1624016 h 1624016"/>
+              <a:gd name="connsiteX6" fmla="*/ 664455 w 1345568"/>
+              <a:gd name="connsiteY6" fmla="*/ 1616446 h 1624016"/>
+              <a:gd name="connsiteX7" fmla="*/ 6703 w 1345568"/>
+              <a:gd name="connsiteY7" fmla="*/ 233730 h 1624016"/>
+              <a:gd name="connsiteX8" fmla="*/ 0 w 1345568"/>
+              <a:gd name="connsiteY8" fmla="*/ 100974 h 1624016"/>
+              <a:gd name="connsiteX9" fmla="*/ 212075 w 1345568"/>
+              <a:gd name="connsiteY9" fmla="*/ 46443 h 1624016"/>
+              <a:gd name="connsiteX10" fmla="*/ 672784 w 1345568"/>
+              <a:gd name="connsiteY10" fmla="*/ 0 h 1624016"/>
+            </a:gdLst>
+            <a:ahLst/>
+            <a:cxnLst>
+              <a:cxn ang="0">
+                <a:pos x="connsiteX0" y="connsiteY0"/>
+              </a:cxn>
+              <a:cxn ang="0">
+                <a:pos x="connsiteX1" y="connsiteY1"/>
+              </a:cxn>
+              <a:cxn ang="0">
+                <a:pos x="connsiteX2" y="connsiteY2"/>
+              </a:cxn>
+              <a:cxn ang="0">
+                <a:pos x="connsiteX3" y="connsiteY3"/>
+              </a:cxn>
+              <a:cxn ang="0">
+                <a:pos x="connsiteX4" y="connsiteY4"/>
+              </a:cxn>
+              <a:cxn ang="0">
+                <a:pos x="connsiteX5" y="connsiteY5"/>
+              </a:cxn>
+              <a:cxn ang="0">
+                <a:pos x="connsiteX6" y="connsiteY6"/>
+              </a:cxn>
+              <a:cxn ang="0">
+                <a:pos x="connsiteX7" y="connsiteY7"/>
+              </a:cxn>
+              <a:cxn ang="0">
+                <a:pos x="connsiteX8" y="connsiteY8"/>
+              </a:cxn>
+              <a:cxn ang="0">
+                <a:pos x="connsiteX9" y="connsiteY9"/>
+              </a:cxn>
+              <a:cxn ang="0">
+                <a:pos x="connsiteX10" y="connsiteY10"/>
+              </a:cxn>
+            </a:cxnLst>
+            <a:rect l="l" t="t" r="r" b="b"/>
+            <a:pathLst>
+              <a:path w="1345568" h="1624016">
+                <a:moveTo>
+                  <a:pt x="672784" y="0"/>
+                </a:moveTo>
+                <a:cubicBezTo>
+                  <a:pt x="830600" y="0"/>
+                  <a:pt x="984680" y="15992"/>
+                  <a:pt x="1133493" y="46443"/>
+                </a:cubicBezTo>
+                <a:lnTo>
+                  <a:pt x="1345568" y="100974"/>
+                </a:lnTo>
+                <a:lnTo>
+                  <a:pt x="1338864" y="233730"/>
+                </a:lnTo>
+                <a:cubicBezTo>
+                  <a:pt x="1284233" y="771671"/>
+                  <a:pt x="1043086" y="1254472"/>
+                  <a:pt x="681112" y="1616446"/>
+                </a:cubicBezTo>
+                <a:lnTo>
+                  <a:pt x="672784" y="1624016"/>
+                </a:lnTo>
+                <a:lnTo>
+                  <a:pt x="664455" y="1616446"/>
+                </a:lnTo>
+                <a:cubicBezTo>
+                  <a:pt x="302481" y="1254472"/>
+                  <a:pt x="61334" y="771671"/>
+                  <a:pt x="6703" y="233730"/>
+                </a:cubicBezTo>
+                <a:lnTo>
+                  <a:pt x="0" y="100974"/>
+                </a:lnTo>
+                <a:lnTo>
+                  <a:pt x="212075" y="46443"/>
+                </a:lnTo>
+                <a:cubicBezTo>
+                  <a:pt x="360889" y="15992"/>
+                  <a:pt x="514969" y="0"/>
+                  <a:pt x="672784" y="0"/>
+                </a:cubicBezTo>
+                <a:close/>
+              </a:path>
+            </a:pathLst>
+          </a:custGeom>
+          <a:solidFill>
+            <a:schemeClr val="accent4">
+              <a:alpha val="40000"/>
+            </a:schemeClr>
+          </a:solidFill>
+          <a:ln>
+            <a:noFill/>
+          </a:ln>
+        </p:spPr>
+        <p:style>
+          <a:lnRef idx="2">
+            <a:schemeClr val="accent1">
+              <a:shade val="50000"/>
+            </a:schemeClr>
+          </a:lnRef>
+          <a:fillRef idx="1">
+            <a:schemeClr val="accent1"/>
+          </a:fillRef>
+          <a:effectRef idx="0">
+            <a:schemeClr val="accent1"/>
+          </a:effectRef>
+          <a:fontRef idx="minor">
+            <a:schemeClr val="lt1"/>
+          </a:fontRef>
+        </p:style>
+        <p:txBody>
+          <a:bodyPr rtlCol="0" anchor="ctr"/>
+          <a:lstStyle/>
+          <a:p>
+            <a:pPr algn="ctr"/>
+            <a:r>
+              <a:rPr lang="en-US" sz="2000" b="1" dirty="0" smtClean="0">
+                <a:solidFill>
+                  <a:schemeClr val="tx1"/>
+                </a:solidFill>
+              </a:rPr>
+              <a:t>Data</a:t>
+            </a:r>
+          </a:p>
+          <a:p>
+            <a:pPr algn="ctr"/>
+            <a:r>
+              <a:rPr lang="en-US" sz="2000" b="1" dirty="0" smtClean="0">
+                <a:solidFill>
+                  <a:schemeClr val="tx1"/>
+                </a:solidFill>
+              </a:rPr>
+              <a:t>Scientist</a:t>
+            </a:r>
+          </a:p>
+          <a:p>
+            <a:pPr algn="ctr"/>
+            <a:endParaRPr lang="en-US" dirty="0"/>
+          </a:p>
+          <a:p>
+            <a:pPr algn="ctr"/>
+            <a:endParaRPr lang="en-US" dirty="0"/>
+          </a:p>
+        </p:txBody>
+      </p:sp>
+      <p:sp>
+        <p:nvSpPr>
+          <p:cNvPr id="7" name="Freeform 6"/>
+          <p:cNvSpPr/>
+          <p:nvPr/>
+        </p:nvSpPr>
+        <p:spPr>
+          <a:xfrm>
+            <a:off x="6011882" y="3910016"/>
+            <a:ext cx="4572000" cy="2947984"/>
+          </a:xfrm>
+          <a:custGeom>
+            <a:avLst/>
+            <a:gdLst>
+              <a:gd name="connsiteX0" fmla="*/ 2286000 w 4572000"/>
+              <a:gd name="connsiteY0" fmla="*/ 0 h 2947984"/>
+              <a:gd name="connsiteX1" fmla="*/ 2440009 w 4572000"/>
+              <a:gd name="connsiteY1" fmla="*/ 139973 h 2947984"/>
+              <a:gd name="connsiteX2" fmla="*/ 3894117 w 4572000"/>
+              <a:gd name="connsiteY2" fmla="*/ 661984 h 2947984"/>
+              <a:gd name="connsiteX3" fmla="*/ 4354826 w 4572000"/>
+              <a:gd name="connsiteY3" fmla="*/ 615541 h 2947984"/>
+              <a:gd name="connsiteX4" fmla="*/ 4566902 w 4572000"/>
+              <a:gd name="connsiteY4" fmla="*/ 561011 h 2947984"/>
+              <a:gd name="connsiteX5" fmla="*/ 4572000 w 4572000"/>
+              <a:gd name="connsiteY5" fmla="*/ 661984 h 2947984"/>
+              <a:gd name="connsiteX6" fmla="*/ 2286000 w 4572000"/>
+              <a:gd name="connsiteY6" fmla="*/ 2947984 h 2947984"/>
+              <a:gd name="connsiteX7" fmla="*/ 0 w 4572000"/>
+              <a:gd name="connsiteY7" fmla="*/ 661984 h 2947984"/>
+              <a:gd name="connsiteX8" fmla="*/ 5099 w 4572000"/>
+              <a:gd name="connsiteY8" fmla="*/ 561011 h 2947984"/>
+              <a:gd name="connsiteX9" fmla="*/ 217173 w 4572000"/>
+              <a:gd name="connsiteY9" fmla="*/ 615541 h 2947984"/>
+              <a:gd name="connsiteX10" fmla="*/ 677882 w 4572000"/>
+              <a:gd name="connsiteY10" fmla="*/ 661984 h 2947984"/>
+              <a:gd name="connsiteX11" fmla="*/ 2131990 w 4572000"/>
+              <a:gd name="connsiteY11" fmla="*/ 139973 h 2947984"/>
+              <a:gd name="connsiteX12" fmla="*/ 2286000 w 4572000"/>
+              <a:gd name="connsiteY12" fmla="*/ 0 h 2947984"/>
+            </a:gdLst>
+            <a:ahLst/>
+            <a:cxnLst>
+              <a:cxn ang="0">
+                <a:pos x="connsiteX0" y="connsiteY0"/>
+              </a:cxn>
+              <a:cxn ang="0">
+                <a:pos x="connsiteX1" y="connsiteY1"/>
+              </a:cxn>
+              <a:cxn ang="0">
+                <a:pos x="connsiteX2" y="connsiteY2"/>
+              </a:cxn>
+              <a:cxn ang="0">
+                <a:pos x="connsiteX3" y="connsiteY3"/>
+              </a:cxn>
+              <a:cxn ang="0">
+                <a:pos x="connsiteX4" y="connsiteY4"/>
+              </a:cxn>
+              <a:cxn ang="0">
+                <a:pos x="connsiteX5" y="connsiteY5"/>
+              </a:cxn>
+              <a:cxn ang="0">
+                <a:pos x="connsiteX6" y="connsiteY6"/>
+              </a:cxn>
+              <a:cxn ang="0">
+                <a:pos x="connsiteX7" y="connsiteY7"/>
+              </a:cxn>
+              <a:cxn ang="0">
+                <a:pos x="connsiteX8" y="connsiteY8"/>
+              </a:cxn>
+              <a:cxn ang="0">
+                <a:pos x="connsiteX9" y="connsiteY9"/>
+              </a:cxn>
+              <a:cxn ang="0">
+                <a:pos x="connsiteX10" y="connsiteY10"/>
+              </a:cxn>
+              <a:cxn ang="0">
+                <a:pos x="connsiteX11" y="connsiteY11"/>
+              </a:cxn>
+              <a:cxn ang="0">
+                <a:pos x="connsiteX12" y="connsiteY12"/>
+              </a:cxn>
+            </a:cxnLst>
+            <a:rect l="l" t="t" r="r" b="b"/>
+            <a:pathLst>
+              <a:path w="4572000" h="2947984">
+                <a:moveTo>
+                  <a:pt x="2286000" y="0"/>
+                </a:moveTo>
+                <a:lnTo>
+                  <a:pt x="2440009" y="139973"/>
+                </a:lnTo>
+                <a:cubicBezTo>
+                  <a:pt x="2835165" y="466084"/>
+                  <a:pt x="3341763" y="661984"/>
+                  <a:pt x="3894117" y="661984"/>
+                </a:cubicBezTo>
+                <a:cubicBezTo>
+                  <a:pt x="4051933" y="661984"/>
+                  <a:pt x="4206013" y="645992"/>
+                  <a:pt x="4354826" y="615541"/>
+                </a:cubicBezTo>
+                <a:lnTo>
+                  <a:pt x="4566902" y="561011"/>
+                </a:lnTo>
+                <a:lnTo>
+                  <a:pt x="4572000" y="661984"/>
+                </a:lnTo>
+                <a:cubicBezTo>
+                  <a:pt x="4572000" y="1924507"/>
+                  <a:pt x="3548523" y="2947984"/>
+                  <a:pt x="2286000" y="2947984"/>
+                </a:cubicBezTo>
+                <a:cubicBezTo>
+                  <a:pt x="1023477" y="2947984"/>
+                  <a:pt x="0" y="1924507"/>
+                  <a:pt x="0" y="661984"/>
+                </a:cubicBezTo>
+                <a:lnTo>
+                  <a:pt x="5099" y="561011"/>
+                </a:lnTo>
+                <a:lnTo>
+                  <a:pt x="217173" y="615541"/>
+                </a:lnTo>
+                <a:cubicBezTo>
+                  <a:pt x="365986" y="645992"/>
+                  <a:pt x="520067" y="661984"/>
+                  <a:pt x="677882" y="661984"/>
+                </a:cubicBezTo>
+                <a:cubicBezTo>
+                  <a:pt x="1230236" y="661984"/>
+                  <a:pt x="1736835" y="466084"/>
+                  <a:pt x="2131990" y="139973"/>
+                </a:cubicBezTo>
+                <a:lnTo>
+                  <a:pt x="2286000" y="0"/>
+                </a:lnTo>
+                <a:close/>
+              </a:path>
+            </a:pathLst>
+          </a:custGeom>
+          <a:solidFill>
+            <a:srgbClr val="7030A0">
+              <a:alpha val="40000"/>
+            </a:srgbClr>
+          </a:solidFill>
+          <a:ln>
+            <a:noFill/>
+          </a:ln>
+        </p:spPr>
+        <p:style>
+          <a:lnRef idx="2">
+            <a:schemeClr val="accent1">
+              <a:shade val="50000"/>
+            </a:schemeClr>
+          </a:lnRef>
+          <a:fillRef idx="1">
+            <a:schemeClr val="accent1"/>
+          </a:fillRef>
+          <a:effectRef idx="0">
+            <a:schemeClr val="accent1"/>
+          </a:effectRef>
+          <a:fontRef idx="minor">
+            <a:schemeClr val="lt1"/>
+          </a:fontRef>
+        </p:style>
+        <p:txBody>
+          <a:bodyPr rtlCol="0" anchor="ctr"/>
+          <a:lstStyle/>
+          <a:p>
+            <a:pPr algn="ctr"/>
+            <a:r>
               <a:rPr lang="en-US" sz="2400" dirty="0" smtClean="0">
                 <a:solidFill>
                   <a:schemeClr val="tx1"/>
@@ -15844,7 +17412,7 @@
 </p:sld>
 </file>
 
-<file path=ppt/slides/slide27.xml><?xml version="1.0" encoding="utf-8"?>
+<file path=ppt/slides/slide29.xml><?xml version="1.0" encoding="utf-8"?>
 <p:sld xmlns:a="http://schemas.openxmlformats.org/drawingml/2006/main" xmlns:r="http://schemas.openxmlformats.org/officeDocument/2006/relationships" xmlns:p="http://schemas.openxmlformats.org/presentationml/2006/main">
   <p:cSld>
     <p:spTree>
@@ -16005,78 +17573,6 @@
 </p:sld>
 </file>
 
-<file path=ppt/slides/slide28.xml><?xml version="1.0" encoding="utf-8"?>
-<p:sld xmlns:a="http://schemas.openxmlformats.org/drawingml/2006/main" xmlns:r="http://schemas.openxmlformats.org/officeDocument/2006/relationships" xmlns:p="http://schemas.openxmlformats.org/presentationml/2006/main">
-  <p:cSld>
-    <p:spTree>
-      <p:nvGrpSpPr>
-        <p:cNvPr id="1" name=""/>
-        <p:cNvGrpSpPr/>
-        <p:nvPr/>
-      </p:nvGrpSpPr>
-      <p:grpSpPr>
-        <a:xfrm>
-          <a:off x="0" y="0"/>
-          <a:ext cx="0" cy="0"/>
-          <a:chOff x="0" y="0"/>
-          <a:chExt cx="0" cy="0"/>
-        </a:xfrm>
-      </p:grpSpPr>
-      <p:sp>
-        <p:nvSpPr>
-          <p:cNvPr id="2" name="Title 1"/>
-          <p:cNvSpPr>
-            <a:spLocks noGrp="1"/>
-          </p:cNvSpPr>
-          <p:nvPr>
-            <p:ph type="title"/>
-          </p:nvPr>
-        </p:nvSpPr>
-        <p:spPr/>
-        <p:txBody>
-          <a:bodyPr/>
-          <a:lstStyle/>
-          <a:p>
-            <a:r>
-              <a:rPr lang="en-US" dirty="0" smtClean="0"/>
-              <a:t>Appendix</a:t>
-            </a:r>
-            <a:endParaRPr lang="en-US" dirty="0"/>
-          </a:p>
-        </p:txBody>
-      </p:sp>
-      <p:sp>
-        <p:nvSpPr>
-          <p:cNvPr id="3" name="Content Placeholder 2"/>
-          <p:cNvSpPr>
-            <a:spLocks noGrp="1"/>
-          </p:cNvSpPr>
-          <p:nvPr>
-            <p:ph idx="1"/>
-          </p:nvPr>
-        </p:nvSpPr>
-        <p:spPr/>
-        <p:txBody>
-          <a:bodyPr/>
-          <a:lstStyle/>
-          <a:p>
-            <a:endParaRPr lang="en-US"/>
-          </a:p>
-        </p:txBody>
-      </p:sp>
-    </p:spTree>
-    <p:extLst>
-      <p:ext uri="{BB962C8B-B14F-4D97-AF65-F5344CB8AC3E}">
-        <p14:creationId xmlns:p14="http://schemas.microsoft.com/office/powerpoint/2010/main" val="2776170361"/>
-      </p:ext>
-    </p:extLst>
-  </p:cSld>
-  <p:clrMapOvr>
-    <a:masterClrMapping/>
-  </p:clrMapOvr>
-</p:sld>
-</file>
-
 <file path=ppt/slides/slide3.xml><?xml version="1.0" encoding="utf-8"?>
 <p:sld xmlns:a="http://schemas.openxmlformats.org/drawingml/2006/main" xmlns:r="http://schemas.openxmlformats.org/officeDocument/2006/relationships" xmlns:p="http://schemas.openxmlformats.org/presentationml/2006/main">
   <p:cSld>
@@ -16171,6 +17667,78 @@
     <p:extLst>
       <p:ext uri="{BB962C8B-B14F-4D97-AF65-F5344CB8AC3E}">
         <p14:creationId xmlns:p14="http://schemas.microsoft.com/office/powerpoint/2010/main" val="3053272649"/>
+      </p:ext>
+    </p:extLst>
+  </p:cSld>
+  <p:clrMapOvr>
+    <a:masterClrMapping/>
+  </p:clrMapOvr>
+</p:sld>
+</file>
+
+<file path=ppt/slides/slide30.xml><?xml version="1.0" encoding="utf-8"?>
+<p:sld xmlns:a="http://schemas.openxmlformats.org/drawingml/2006/main" xmlns:r="http://schemas.openxmlformats.org/officeDocument/2006/relationships" xmlns:p="http://schemas.openxmlformats.org/presentationml/2006/main">
+  <p:cSld>
+    <p:spTree>
+      <p:nvGrpSpPr>
+        <p:cNvPr id="1" name=""/>
+        <p:cNvGrpSpPr/>
+        <p:nvPr/>
+      </p:nvGrpSpPr>
+      <p:grpSpPr>
+        <a:xfrm>
+          <a:off x="0" y="0"/>
+          <a:ext cx="0" cy="0"/>
+          <a:chOff x="0" y="0"/>
+          <a:chExt cx="0" cy="0"/>
+        </a:xfrm>
+      </p:grpSpPr>
+      <p:sp>
+        <p:nvSpPr>
+          <p:cNvPr id="2" name="Title 1"/>
+          <p:cNvSpPr>
+            <a:spLocks noGrp="1"/>
+          </p:cNvSpPr>
+          <p:nvPr>
+            <p:ph type="title"/>
+          </p:nvPr>
+        </p:nvSpPr>
+        <p:spPr/>
+        <p:txBody>
+          <a:bodyPr/>
+          <a:lstStyle/>
+          <a:p>
+            <a:r>
+              <a:rPr lang="en-US" dirty="0" smtClean="0"/>
+              <a:t>Appendix</a:t>
+            </a:r>
+            <a:endParaRPr lang="en-US" dirty="0"/>
+          </a:p>
+        </p:txBody>
+      </p:sp>
+      <p:sp>
+        <p:nvSpPr>
+          <p:cNvPr id="3" name="Content Placeholder 2"/>
+          <p:cNvSpPr>
+            <a:spLocks noGrp="1"/>
+          </p:cNvSpPr>
+          <p:nvPr>
+            <p:ph idx="1"/>
+          </p:nvPr>
+        </p:nvSpPr>
+        <p:spPr/>
+        <p:txBody>
+          <a:bodyPr/>
+          <a:lstStyle/>
+          <a:p>
+            <a:endParaRPr lang="en-US"/>
+          </a:p>
+        </p:txBody>
+      </p:sp>
+    </p:spTree>
+    <p:extLst>
+      <p:ext uri="{BB962C8B-B14F-4D97-AF65-F5344CB8AC3E}">
+        <p14:creationId xmlns:p14="http://schemas.microsoft.com/office/powerpoint/2010/main" val="2776170361"/>
       </p:ext>
     </p:extLst>
   </p:cSld>

--- a/Preparing Mathematicians for Data Science Careers.pptx
+++ b/Preparing Mathematicians for Data Science Careers.pptx
@@ -9,32 +9,33 @@
     <p:sldId id="274" r:id="rId3"/>
     <p:sldId id="272" r:id="rId4"/>
     <p:sldId id="258" r:id="rId5"/>
-    <p:sldId id="257" r:id="rId6"/>
-    <p:sldId id="279" r:id="rId7"/>
-    <p:sldId id="280" r:id="rId8"/>
-    <p:sldId id="278" r:id="rId9"/>
-    <p:sldId id="285" r:id="rId10"/>
-    <p:sldId id="286" r:id="rId11"/>
-    <p:sldId id="287" r:id="rId12"/>
-    <p:sldId id="288" r:id="rId13"/>
-    <p:sldId id="289" r:id="rId14"/>
-    <p:sldId id="290" r:id="rId15"/>
-    <p:sldId id="291" r:id="rId16"/>
-    <p:sldId id="281" r:id="rId17"/>
-    <p:sldId id="282" r:id="rId18"/>
-    <p:sldId id="283" r:id="rId19"/>
-    <p:sldId id="284" r:id="rId20"/>
-    <p:sldId id="296" r:id="rId21"/>
-    <p:sldId id="276" r:id="rId22"/>
-    <p:sldId id="292" r:id="rId23"/>
-    <p:sldId id="293" r:id="rId24"/>
-    <p:sldId id="294" r:id="rId25"/>
-    <p:sldId id="295" r:id="rId26"/>
-    <p:sldId id="264" r:id="rId27"/>
-    <p:sldId id="260" r:id="rId28"/>
-    <p:sldId id="262" r:id="rId29"/>
-    <p:sldId id="271" r:id="rId30"/>
-    <p:sldId id="261" r:id="rId31"/>
+    <p:sldId id="297" r:id="rId6"/>
+    <p:sldId id="257" r:id="rId7"/>
+    <p:sldId id="279" r:id="rId8"/>
+    <p:sldId id="280" r:id="rId9"/>
+    <p:sldId id="278" r:id="rId10"/>
+    <p:sldId id="285" r:id="rId11"/>
+    <p:sldId id="286" r:id="rId12"/>
+    <p:sldId id="287" r:id="rId13"/>
+    <p:sldId id="288" r:id="rId14"/>
+    <p:sldId id="289" r:id="rId15"/>
+    <p:sldId id="290" r:id="rId16"/>
+    <p:sldId id="291" r:id="rId17"/>
+    <p:sldId id="281" r:id="rId18"/>
+    <p:sldId id="282" r:id="rId19"/>
+    <p:sldId id="283" r:id="rId20"/>
+    <p:sldId id="284" r:id="rId21"/>
+    <p:sldId id="296" r:id="rId22"/>
+    <p:sldId id="276" r:id="rId23"/>
+    <p:sldId id="292" r:id="rId24"/>
+    <p:sldId id="293" r:id="rId25"/>
+    <p:sldId id="294" r:id="rId26"/>
+    <p:sldId id="295" r:id="rId27"/>
+    <p:sldId id="264" r:id="rId28"/>
+    <p:sldId id="260" r:id="rId29"/>
+    <p:sldId id="262" r:id="rId30"/>
+    <p:sldId id="271" r:id="rId31"/>
+    <p:sldId id="261" r:id="rId32"/>
   </p:sldIdLst>
   <p:sldSz cx="12192000" cy="6858000"/>
   <p:notesSz cx="6858000" cy="9144000"/>
@@ -3103,6 +3104,1504 @@
           <a:chExt cx="0" cy="0"/>
         </a:xfrm>
       </p:grpSpPr>
+      <p:sp>
+        <p:nvSpPr>
+          <p:cNvPr id="13" name="Freeform 12"/>
+          <p:cNvSpPr/>
+          <p:nvPr/>
+        </p:nvSpPr>
+        <p:spPr>
+          <a:xfrm>
+            <a:off x="7620000" y="661986"/>
+            <a:ext cx="1355765" cy="1724989"/>
+          </a:xfrm>
+          <a:custGeom>
+            <a:avLst/>
+            <a:gdLst>
+              <a:gd name="connsiteX0" fmla="*/ 677883 w 1355765"/>
+              <a:gd name="connsiteY0" fmla="*/ 0 h 1724989"/>
+              <a:gd name="connsiteX1" fmla="*/ 686211 w 1355765"/>
+              <a:gd name="connsiteY1" fmla="*/ 7569 h 1724989"/>
+              <a:gd name="connsiteX2" fmla="*/ 1355765 w 1355765"/>
+              <a:gd name="connsiteY2" fmla="*/ 1624015 h 1724989"/>
+              <a:gd name="connsiteX3" fmla="*/ 1350667 w 1355765"/>
+              <a:gd name="connsiteY3" fmla="*/ 1724989 h 1724989"/>
+              <a:gd name="connsiteX4" fmla="*/ 1138592 w 1355765"/>
+              <a:gd name="connsiteY4" fmla="*/ 1670458 h 1724989"/>
+              <a:gd name="connsiteX5" fmla="*/ 677883 w 1355765"/>
+              <a:gd name="connsiteY5" fmla="*/ 1624015 h 1724989"/>
+              <a:gd name="connsiteX6" fmla="*/ 217174 w 1355765"/>
+              <a:gd name="connsiteY6" fmla="*/ 1670458 h 1724989"/>
+              <a:gd name="connsiteX7" fmla="*/ 5099 w 1355765"/>
+              <a:gd name="connsiteY7" fmla="*/ 1724989 h 1724989"/>
+              <a:gd name="connsiteX8" fmla="*/ 0 w 1355765"/>
+              <a:gd name="connsiteY8" fmla="*/ 1624015 h 1724989"/>
+              <a:gd name="connsiteX9" fmla="*/ 669554 w 1355765"/>
+              <a:gd name="connsiteY9" fmla="*/ 7569 h 1724989"/>
+              <a:gd name="connsiteX10" fmla="*/ 677883 w 1355765"/>
+              <a:gd name="connsiteY10" fmla="*/ 0 h 1724989"/>
+            </a:gdLst>
+            <a:ahLst/>
+            <a:cxnLst>
+              <a:cxn ang="0">
+                <a:pos x="connsiteX0" y="connsiteY0"/>
+              </a:cxn>
+              <a:cxn ang="0">
+                <a:pos x="connsiteX1" y="connsiteY1"/>
+              </a:cxn>
+              <a:cxn ang="0">
+                <a:pos x="connsiteX2" y="connsiteY2"/>
+              </a:cxn>
+              <a:cxn ang="0">
+                <a:pos x="connsiteX3" y="connsiteY3"/>
+              </a:cxn>
+              <a:cxn ang="0">
+                <a:pos x="connsiteX4" y="connsiteY4"/>
+              </a:cxn>
+              <a:cxn ang="0">
+                <a:pos x="connsiteX5" y="connsiteY5"/>
+              </a:cxn>
+              <a:cxn ang="0">
+                <a:pos x="connsiteX6" y="connsiteY6"/>
+              </a:cxn>
+              <a:cxn ang="0">
+                <a:pos x="connsiteX7" y="connsiteY7"/>
+              </a:cxn>
+              <a:cxn ang="0">
+                <a:pos x="connsiteX8" y="connsiteY8"/>
+              </a:cxn>
+              <a:cxn ang="0">
+                <a:pos x="connsiteX9" y="connsiteY9"/>
+              </a:cxn>
+              <a:cxn ang="0">
+                <a:pos x="connsiteX10" y="connsiteY10"/>
+              </a:cxn>
+            </a:cxnLst>
+            <a:rect l="l" t="t" r="r" b="b"/>
+            <a:pathLst>
+              <a:path w="1355765" h="1724989">
+                <a:moveTo>
+                  <a:pt x="677883" y="0"/>
+                </a:moveTo>
+                <a:lnTo>
+                  <a:pt x="686211" y="7569"/>
+                </a:lnTo>
+                <a:cubicBezTo>
+                  <a:pt x="1099896" y="421253"/>
+                  <a:pt x="1355765" y="992753"/>
+                  <a:pt x="1355765" y="1624015"/>
+                </a:cubicBezTo>
+                <a:lnTo>
+                  <a:pt x="1350667" y="1724989"/>
+                </a:lnTo>
+                <a:lnTo>
+                  <a:pt x="1138592" y="1670458"/>
+                </a:lnTo>
+                <a:cubicBezTo>
+                  <a:pt x="989779" y="1640007"/>
+                  <a:pt x="835699" y="1624015"/>
+                  <a:pt x="677883" y="1624015"/>
+                </a:cubicBezTo>
+                <a:cubicBezTo>
+                  <a:pt x="520068" y="1624015"/>
+                  <a:pt x="365988" y="1640007"/>
+                  <a:pt x="217174" y="1670458"/>
+                </a:cubicBezTo>
+                <a:lnTo>
+                  <a:pt x="5099" y="1724989"/>
+                </a:lnTo>
+                <a:lnTo>
+                  <a:pt x="0" y="1624015"/>
+                </a:lnTo>
+                <a:cubicBezTo>
+                  <a:pt x="0" y="992753"/>
+                  <a:pt x="255869" y="421253"/>
+                  <a:pt x="669554" y="7569"/>
+                </a:cubicBezTo>
+                <a:lnTo>
+                  <a:pt x="677883" y="0"/>
+                </a:lnTo>
+                <a:close/>
+              </a:path>
+            </a:pathLst>
+          </a:custGeom>
+          <a:noFill/>
+          <a:ln>
+            <a:solidFill>
+              <a:schemeClr val="bg1">
+                <a:lumMod val="85000"/>
+              </a:schemeClr>
+            </a:solidFill>
+          </a:ln>
+        </p:spPr>
+        <p:style>
+          <a:lnRef idx="2">
+            <a:schemeClr val="accent1">
+              <a:shade val="50000"/>
+            </a:schemeClr>
+          </a:lnRef>
+          <a:fillRef idx="1">
+            <a:schemeClr val="accent1"/>
+          </a:fillRef>
+          <a:effectRef idx="0">
+            <a:schemeClr val="accent1"/>
+          </a:effectRef>
+          <a:fontRef idx="minor">
+            <a:schemeClr val="lt1"/>
+          </a:fontRef>
+        </p:style>
+        <p:txBody>
+          <a:bodyPr rtlCol="0" anchor="ctr"/>
+          <a:lstStyle/>
+          <a:p>
+            <a:pPr algn="ctr"/>
+            <a:endParaRPr lang="en-US" sz="1600" dirty="0" smtClean="0">
+              <a:solidFill>
+                <a:schemeClr val="tx1"/>
+              </a:solidFill>
+            </a:endParaRPr>
+          </a:p>
+          <a:p>
+            <a:pPr algn="ctr"/>
+            <a:r>
+              <a:rPr lang="en-US" sz="1600" i="1" dirty="0" smtClean="0">
+                <a:solidFill>
+                  <a:schemeClr val="bg1">
+                    <a:lumMod val="85000"/>
+                  </a:schemeClr>
+                </a:solidFill>
+              </a:rPr>
+              <a:t>Machine</a:t>
+            </a:r>
+          </a:p>
+          <a:p>
+            <a:pPr algn="ctr"/>
+            <a:r>
+              <a:rPr lang="en-US" sz="1600" i="1" dirty="0" smtClean="0">
+                <a:solidFill>
+                  <a:schemeClr val="bg1">
+                    <a:lumMod val="85000"/>
+                  </a:schemeClr>
+                </a:solidFill>
+              </a:rPr>
+              <a:t>Learning</a:t>
+            </a:r>
+          </a:p>
+          <a:p>
+            <a:pPr algn="ctr"/>
+            <a:r>
+              <a:rPr lang="en-US" sz="1600" i="1" dirty="0" smtClean="0">
+                <a:solidFill>
+                  <a:schemeClr val="bg1">
+                    <a:lumMod val="85000"/>
+                  </a:schemeClr>
+                </a:solidFill>
+              </a:rPr>
+              <a:t>Scientist</a:t>
+            </a:r>
+            <a:endParaRPr lang="en-US" sz="1600" i="1" dirty="0">
+              <a:solidFill>
+                <a:schemeClr val="bg1">
+                  <a:lumMod val="85000"/>
+                </a:schemeClr>
+              </a:solidFill>
+            </a:endParaRPr>
+          </a:p>
+        </p:txBody>
+      </p:sp>
+      <p:sp>
+        <p:nvSpPr>
+          <p:cNvPr id="12" name="Freeform 11"/>
+          <p:cNvSpPr/>
+          <p:nvPr/>
+        </p:nvSpPr>
+        <p:spPr>
+          <a:xfrm>
+            <a:off x="8297882" y="2386974"/>
+            <a:ext cx="2280902" cy="2185026"/>
+          </a:xfrm>
+          <a:custGeom>
+            <a:avLst/>
+            <a:gdLst>
+              <a:gd name="connsiteX0" fmla="*/ 672784 w 2280902"/>
+              <a:gd name="connsiteY0" fmla="*/ 0 h 2185026"/>
+              <a:gd name="connsiteX1" fmla="*/ 679786 w 2280902"/>
+              <a:gd name="connsiteY1" fmla="*/ 1800 h 2185026"/>
+              <a:gd name="connsiteX2" fmla="*/ 2274198 w 2280902"/>
+              <a:gd name="connsiteY2" fmla="*/ 1951296 h 2185026"/>
+              <a:gd name="connsiteX3" fmla="*/ 2280902 w 2280902"/>
+              <a:gd name="connsiteY3" fmla="*/ 2084053 h 2185026"/>
+              <a:gd name="connsiteX4" fmla="*/ 2068826 w 2280902"/>
+              <a:gd name="connsiteY4" fmla="*/ 2138583 h 2185026"/>
+              <a:gd name="connsiteX5" fmla="*/ 1608117 w 2280902"/>
+              <a:gd name="connsiteY5" fmla="*/ 2185026 h 2185026"/>
+              <a:gd name="connsiteX6" fmla="*/ 154009 w 2280902"/>
+              <a:gd name="connsiteY6" fmla="*/ 1663015 h 2185026"/>
+              <a:gd name="connsiteX7" fmla="*/ 0 w 2280902"/>
+              <a:gd name="connsiteY7" fmla="*/ 1523042 h 2185026"/>
+              <a:gd name="connsiteX8" fmla="*/ 8328 w 2280902"/>
+              <a:gd name="connsiteY8" fmla="*/ 1515472 h 2185026"/>
+              <a:gd name="connsiteX9" fmla="*/ 666080 w 2280902"/>
+              <a:gd name="connsiteY9" fmla="*/ 132756 h 2185026"/>
+              <a:gd name="connsiteX10" fmla="*/ 672784 w 2280902"/>
+              <a:gd name="connsiteY10" fmla="*/ 0 h 2185026"/>
+            </a:gdLst>
+            <a:ahLst/>
+            <a:cxnLst>
+              <a:cxn ang="0">
+                <a:pos x="connsiteX0" y="connsiteY0"/>
+              </a:cxn>
+              <a:cxn ang="0">
+                <a:pos x="connsiteX1" y="connsiteY1"/>
+              </a:cxn>
+              <a:cxn ang="0">
+                <a:pos x="connsiteX2" y="connsiteY2"/>
+              </a:cxn>
+              <a:cxn ang="0">
+                <a:pos x="connsiteX3" y="connsiteY3"/>
+              </a:cxn>
+              <a:cxn ang="0">
+                <a:pos x="connsiteX4" y="connsiteY4"/>
+              </a:cxn>
+              <a:cxn ang="0">
+                <a:pos x="connsiteX5" y="connsiteY5"/>
+              </a:cxn>
+              <a:cxn ang="0">
+                <a:pos x="connsiteX6" y="connsiteY6"/>
+              </a:cxn>
+              <a:cxn ang="0">
+                <a:pos x="connsiteX7" y="connsiteY7"/>
+              </a:cxn>
+              <a:cxn ang="0">
+                <a:pos x="connsiteX8" y="connsiteY8"/>
+              </a:cxn>
+              <a:cxn ang="0">
+                <a:pos x="connsiteX9" y="connsiteY9"/>
+              </a:cxn>
+              <a:cxn ang="0">
+                <a:pos x="connsiteX10" y="connsiteY10"/>
+              </a:cxn>
+            </a:cxnLst>
+            <a:rect l="l" t="t" r="r" b="b"/>
+            <a:pathLst>
+              <a:path w="2280902" h="2185026">
+                <a:moveTo>
+                  <a:pt x="672784" y="0"/>
+                </a:moveTo>
+                <a:lnTo>
+                  <a:pt x="679786" y="1800"/>
+                </a:lnTo>
+                <a:cubicBezTo>
+                  <a:pt x="1538764" y="268970"/>
+                  <a:pt x="2180545" y="1029112"/>
+                  <a:pt x="2274198" y="1951296"/>
+                </a:cubicBezTo>
+                <a:lnTo>
+                  <a:pt x="2280902" y="2084053"/>
+                </a:lnTo>
+                <a:lnTo>
+                  <a:pt x="2068826" y="2138583"/>
+                </a:lnTo>
+                <a:cubicBezTo>
+                  <a:pt x="1920013" y="2169034"/>
+                  <a:pt x="1765933" y="2185026"/>
+                  <a:pt x="1608117" y="2185026"/>
+                </a:cubicBezTo>
+                <a:cubicBezTo>
+                  <a:pt x="1055763" y="2185026"/>
+                  <a:pt x="549165" y="1989126"/>
+                  <a:pt x="154009" y="1663015"/>
+                </a:cubicBezTo>
+                <a:lnTo>
+                  <a:pt x="0" y="1523042"/>
+                </a:lnTo>
+                <a:lnTo>
+                  <a:pt x="8328" y="1515472"/>
+                </a:lnTo>
+                <a:cubicBezTo>
+                  <a:pt x="370302" y="1153498"/>
+                  <a:pt x="611449" y="670697"/>
+                  <a:pt x="666080" y="132756"/>
+                </a:cubicBezTo>
+                <a:lnTo>
+                  <a:pt x="672784" y="0"/>
+                </a:lnTo>
+                <a:close/>
+              </a:path>
+            </a:pathLst>
+          </a:custGeom>
+          <a:noFill/>
+          <a:ln>
+            <a:solidFill>
+              <a:schemeClr val="bg1">
+                <a:lumMod val="85000"/>
+              </a:schemeClr>
+            </a:solidFill>
+          </a:ln>
+        </p:spPr>
+        <p:style>
+          <a:lnRef idx="2">
+            <a:schemeClr val="accent1">
+              <a:shade val="50000"/>
+            </a:schemeClr>
+          </a:lnRef>
+          <a:fillRef idx="1">
+            <a:schemeClr val="accent1"/>
+          </a:fillRef>
+          <a:effectRef idx="0">
+            <a:schemeClr val="accent1"/>
+          </a:effectRef>
+          <a:fontRef idx="minor">
+            <a:schemeClr val="lt1"/>
+          </a:fontRef>
+        </p:style>
+        <p:txBody>
+          <a:bodyPr rtlCol="0" anchor="ctr"/>
+          <a:lstStyle/>
+          <a:p>
+            <a:pPr algn="ctr"/>
+            <a:r>
+              <a:rPr lang="en-US" sz="1600" i="1" dirty="0" smtClean="0">
+                <a:solidFill>
+                  <a:schemeClr val="bg1">
+                    <a:lumMod val="85000"/>
+                  </a:schemeClr>
+                </a:solidFill>
+              </a:rPr>
+              <a:t>Traditional</a:t>
+            </a:r>
+          </a:p>
+          <a:p>
+            <a:pPr algn="ctr"/>
+            <a:r>
+              <a:rPr lang="en-US" sz="1600" i="1" dirty="0" smtClean="0">
+                <a:solidFill>
+                  <a:schemeClr val="bg1">
+                    <a:lumMod val="85000"/>
+                  </a:schemeClr>
+                </a:solidFill>
+              </a:rPr>
+              <a:t>Researcher</a:t>
+            </a:r>
+            <a:endParaRPr lang="en-US" sz="1600" i="1" dirty="0">
+              <a:solidFill>
+                <a:schemeClr val="bg1">
+                  <a:lumMod val="85000"/>
+                </a:schemeClr>
+              </a:solidFill>
+            </a:endParaRPr>
+          </a:p>
+        </p:txBody>
+      </p:sp>
+      <p:sp>
+        <p:nvSpPr>
+          <p:cNvPr id="11" name="Freeform 10"/>
+          <p:cNvSpPr/>
+          <p:nvPr/>
+        </p:nvSpPr>
+        <p:spPr>
+          <a:xfrm>
+            <a:off x="6016982" y="2386974"/>
+            <a:ext cx="2280901" cy="2185026"/>
+          </a:xfrm>
+          <a:custGeom>
+            <a:avLst/>
+            <a:gdLst>
+              <a:gd name="connsiteX0" fmla="*/ 1608117 w 2280901"/>
+              <a:gd name="connsiteY0" fmla="*/ 0 h 2185026"/>
+              <a:gd name="connsiteX1" fmla="*/ 1614820 w 2280901"/>
+              <a:gd name="connsiteY1" fmla="*/ 132756 h 2185026"/>
+              <a:gd name="connsiteX2" fmla="*/ 2272572 w 2280901"/>
+              <a:gd name="connsiteY2" fmla="*/ 1515472 h 2185026"/>
+              <a:gd name="connsiteX3" fmla="*/ 2280901 w 2280901"/>
+              <a:gd name="connsiteY3" fmla="*/ 1523042 h 2185026"/>
+              <a:gd name="connsiteX4" fmla="*/ 2126891 w 2280901"/>
+              <a:gd name="connsiteY4" fmla="*/ 1663015 h 2185026"/>
+              <a:gd name="connsiteX5" fmla="*/ 672783 w 2280901"/>
+              <a:gd name="connsiteY5" fmla="*/ 2185026 h 2185026"/>
+              <a:gd name="connsiteX6" fmla="*/ 212074 w 2280901"/>
+              <a:gd name="connsiteY6" fmla="*/ 2138583 h 2185026"/>
+              <a:gd name="connsiteX7" fmla="*/ 0 w 2280901"/>
+              <a:gd name="connsiteY7" fmla="*/ 2084053 h 2185026"/>
+              <a:gd name="connsiteX8" fmla="*/ 6703 w 2280901"/>
+              <a:gd name="connsiteY8" fmla="*/ 1951296 h 2185026"/>
+              <a:gd name="connsiteX9" fmla="*/ 1601115 w 2280901"/>
+              <a:gd name="connsiteY9" fmla="*/ 1800 h 2185026"/>
+              <a:gd name="connsiteX10" fmla="*/ 1608117 w 2280901"/>
+              <a:gd name="connsiteY10" fmla="*/ 0 h 2185026"/>
+            </a:gdLst>
+            <a:ahLst/>
+            <a:cxnLst>
+              <a:cxn ang="0">
+                <a:pos x="connsiteX0" y="connsiteY0"/>
+              </a:cxn>
+              <a:cxn ang="0">
+                <a:pos x="connsiteX1" y="connsiteY1"/>
+              </a:cxn>
+              <a:cxn ang="0">
+                <a:pos x="connsiteX2" y="connsiteY2"/>
+              </a:cxn>
+              <a:cxn ang="0">
+                <a:pos x="connsiteX3" y="connsiteY3"/>
+              </a:cxn>
+              <a:cxn ang="0">
+                <a:pos x="connsiteX4" y="connsiteY4"/>
+              </a:cxn>
+              <a:cxn ang="0">
+                <a:pos x="connsiteX5" y="connsiteY5"/>
+              </a:cxn>
+              <a:cxn ang="0">
+                <a:pos x="connsiteX6" y="connsiteY6"/>
+              </a:cxn>
+              <a:cxn ang="0">
+                <a:pos x="connsiteX7" y="connsiteY7"/>
+              </a:cxn>
+              <a:cxn ang="0">
+                <a:pos x="connsiteX8" y="connsiteY8"/>
+              </a:cxn>
+              <a:cxn ang="0">
+                <a:pos x="connsiteX9" y="connsiteY9"/>
+              </a:cxn>
+              <a:cxn ang="0">
+                <a:pos x="connsiteX10" y="connsiteY10"/>
+              </a:cxn>
+            </a:cxnLst>
+            <a:rect l="l" t="t" r="r" b="b"/>
+            <a:pathLst>
+              <a:path w="2280901" h="2185026">
+                <a:moveTo>
+                  <a:pt x="1608117" y="0"/>
+                </a:moveTo>
+                <a:lnTo>
+                  <a:pt x="1614820" y="132756"/>
+                </a:lnTo>
+                <a:cubicBezTo>
+                  <a:pt x="1669451" y="670697"/>
+                  <a:pt x="1910598" y="1153498"/>
+                  <a:pt x="2272572" y="1515472"/>
+                </a:cubicBezTo>
+                <a:lnTo>
+                  <a:pt x="2280901" y="1523042"/>
+                </a:lnTo>
+                <a:lnTo>
+                  <a:pt x="2126891" y="1663015"/>
+                </a:lnTo>
+                <a:cubicBezTo>
+                  <a:pt x="1731736" y="1989126"/>
+                  <a:pt x="1225137" y="2185026"/>
+                  <a:pt x="672783" y="2185026"/>
+                </a:cubicBezTo>
+                <a:cubicBezTo>
+                  <a:pt x="514968" y="2185026"/>
+                  <a:pt x="360887" y="2169034"/>
+                  <a:pt x="212074" y="2138583"/>
+                </a:cubicBezTo>
+                <a:lnTo>
+                  <a:pt x="0" y="2084053"/>
+                </a:lnTo>
+                <a:lnTo>
+                  <a:pt x="6703" y="1951296"/>
+                </a:lnTo>
+                <a:cubicBezTo>
+                  <a:pt x="100356" y="1029112"/>
+                  <a:pt x="742137" y="268970"/>
+                  <a:pt x="1601115" y="1800"/>
+                </a:cubicBezTo>
+                <a:lnTo>
+                  <a:pt x="1608117" y="0"/>
+                </a:lnTo>
+                <a:close/>
+              </a:path>
+            </a:pathLst>
+          </a:custGeom>
+          <a:noFill/>
+          <a:ln>
+            <a:solidFill>
+              <a:schemeClr val="bg1">
+                <a:lumMod val="85000"/>
+              </a:schemeClr>
+            </a:solidFill>
+          </a:ln>
+        </p:spPr>
+        <p:style>
+          <a:lnRef idx="2">
+            <a:schemeClr val="accent1">
+              <a:shade val="50000"/>
+            </a:schemeClr>
+          </a:lnRef>
+          <a:fillRef idx="1">
+            <a:schemeClr val="accent1"/>
+          </a:fillRef>
+          <a:effectRef idx="0">
+            <a:schemeClr val="accent1"/>
+          </a:effectRef>
+          <a:fontRef idx="minor">
+            <a:schemeClr val="lt1"/>
+          </a:fontRef>
+        </p:style>
+        <p:txBody>
+          <a:bodyPr rtlCol="0" anchor="ctr"/>
+          <a:lstStyle/>
+          <a:p>
+            <a:pPr algn="ctr"/>
+            <a:r>
+              <a:rPr lang="en-US" sz="1600" i="1" dirty="0" smtClean="0">
+                <a:solidFill>
+                  <a:schemeClr val="bg1">
+                    <a:lumMod val="85000"/>
+                  </a:schemeClr>
+                </a:solidFill>
+              </a:rPr>
+              <a:t>Danger</a:t>
+            </a:r>
+          </a:p>
+          <a:p>
+            <a:pPr algn="ctr"/>
+            <a:r>
+              <a:rPr lang="en-US" sz="1600" i="1" dirty="0" smtClean="0">
+                <a:solidFill>
+                  <a:schemeClr val="bg1">
+                    <a:lumMod val="85000"/>
+                  </a:schemeClr>
+                </a:solidFill>
+              </a:rPr>
+              <a:t>Zone!</a:t>
+            </a:r>
+            <a:endParaRPr lang="en-US" sz="1600" i="1" dirty="0">
+              <a:solidFill>
+                <a:schemeClr val="bg1">
+                  <a:lumMod val="85000"/>
+                </a:schemeClr>
+              </a:solidFill>
+            </a:endParaRPr>
+          </a:p>
+        </p:txBody>
+      </p:sp>
+      <p:sp>
+        <p:nvSpPr>
+          <p:cNvPr id="10" name="Freeform 9"/>
+          <p:cNvSpPr/>
+          <p:nvPr/>
+        </p:nvSpPr>
+        <p:spPr>
+          <a:xfrm>
+            <a:off x="4403764" y="1"/>
+            <a:ext cx="3894118" cy="4471027"/>
+          </a:xfrm>
+          <a:custGeom>
+            <a:avLst/>
+            <a:gdLst>
+              <a:gd name="connsiteX0" fmla="*/ 2286000 w 3894118"/>
+              <a:gd name="connsiteY0" fmla="*/ 0 h 4471027"/>
+              <a:gd name="connsiteX1" fmla="*/ 3740108 w 3894118"/>
+              <a:gd name="connsiteY1" fmla="*/ 522011 h 4471027"/>
+              <a:gd name="connsiteX2" fmla="*/ 3894118 w 3894118"/>
+              <a:gd name="connsiteY2" fmla="*/ 661985 h 4471027"/>
+              <a:gd name="connsiteX3" fmla="*/ 3885789 w 3894118"/>
+              <a:gd name="connsiteY3" fmla="*/ 669554 h 4471027"/>
+              <a:gd name="connsiteX4" fmla="*/ 3216235 w 3894118"/>
+              <a:gd name="connsiteY4" fmla="*/ 2286000 h 4471027"/>
+              <a:gd name="connsiteX5" fmla="*/ 3221334 w 3894118"/>
+              <a:gd name="connsiteY5" fmla="*/ 2386974 h 4471027"/>
+              <a:gd name="connsiteX6" fmla="*/ 3214332 w 3894118"/>
+              <a:gd name="connsiteY6" fmla="*/ 2388774 h 4471027"/>
+              <a:gd name="connsiteX7" fmla="*/ 1619920 w 3894118"/>
+              <a:gd name="connsiteY7" fmla="*/ 4338270 h 4471027"/>
+              <a:gd name="connsiteX8" fmla="*/ 1613217 w 3894118"/>
+              <a:gd name="connsiteY8" fmla="*/ 4471027 h 4471027"/>
+              <a:gd name="connsiteX9" fmla="*/ 1606214 w 3894118"/>
+              <a:gd name="connsiteY9" fmla="*/ 4469226 h 4471027"/>
+              <a:gd name="connsiteX10" fmla="*/ 0 w 3894118"/>
+              <a:gd name="connsiteY10" fmla="*/ 2286000 h 4471027"/>
+              <a:gd name="connsiteX11" fmla="*/ 2286000 w 3894118"/>
+              <a:gd name="connsiteY11" fmla="*/ 0 h 4471027"/>
+            </a:gdLst>
+            <a:ahLst/>
+            <a:cxnLst>
+              <a:cxn ang="0">
+                <a:pos x="connsiteX0" y="connsiteY0"/>
+              </a:cxn>
+              <a:cxn ang="0">
+                <a:pos x="connsiteX1" y="connsiteY1"/>
+              </a:cxn>
+              <a:cxn ang="0">
+                <a:pos x="connsiteX2" y="connsiteY2"/>
+              </a:cxn>
+              <a:cxn ang="0">
+                <a:pos x="connsiteX3" y="connsiteY3"/>
+              </a:cxn>
+              <a:cxn ang="0">
+                <a:pos x="connsiteX4" y="connsiteY4"/>
+              </a:cxn>
+              <a:cxn ang="0">
+                <a:pos x="connsiteX5" y="connsiteY5"/>
+              </a:cxn>
+              <a:cxn ang="0">
+                <a:pos x="connsiteX6" y="connsiteY6"/>
+              </a:cxn>
+              <a:cxn ang="0">
+                <a:pos x="connsiteX7" y="connsiteY7"/>
+              </a:cxn>
+              <a:cxn ang="0">
+                <a:pos x="connsiteX8" y="connsiteY8"/>
+              </a:cxn>
+              <a:cxn ang="0">
+                <a:pos x="connsiteX9" y="connsiteY9"/>
+              </a:cxn>
+              <a:cxn ang="0">
+                <a:pos x="connsiteX10" y="connsiteY10"/>
+              </a:cxn>
+              <a:cxn ang="0">
+                <a:pos x="connsiteX11" y="connsiteY11"/>
+              </a:cxn>
+            </a:cxnLst>
+            <a:rect l="l" t="t" r="r" b="b"/>
+            <a:pathLst>
+              <a:path w="3894118" h="4471027">
+                <a:moveTo>
+                  <a:pt x="2286000" y="0"/>
+                </a:moveTo>
+                <a:cubicBezTo>
+                  <a:pt x="2838354" y="0"/>
+                  <a:pt x="3344953" y="195900"/>
+                  <a:pt x="3740108" y="522011"/>
+                </a:cubicBezTo>
+                <a:lnTo>
+                  <a:pt x="3894118" y="661985"/>
+                </a:lnTo>
+                <a:lnTo>
+                  <a:pt x="3885789" y="669554"/>
+                </a:lnTo>
+                <a:cubicBezTo>
+                  <a:pt x="3472104" y="1083238"/>
+                  <a:pt x="3216235" y="1654738"/>
+                  <a:pt x="3216235" y="2286000"/>
+                </a:cubicBezTo>
+                <a:lnTo>
+                  <a:pt x="3221334" y="2386974"/>
+                </a:lnTo>
+                <a:lnTo>
+                  <a:pt x="3214332" y="2388774"/>
+                </a:lnTo>
+                <a:cubicBezTo>
+                  <a:pt x="2355354" y="2655944"/>
+                  <a:pt x="1713573" y="3416086"/>
+                  <a:pt x="1619920" y="4338270"/>
+                </a:cubicBezTo>
+                <a:lnTo>
+                  <a:pt x="1613217" y="4471027"/>
+                </a:lnTo>
+                <a:lnTo>
+                  <a:pt x="1606214" y="4469226"/>
+                </a:lnTo>
+                <a:cubicBezTo>
+                  <a:pt x="675655" y="4179792"/>
+                  <a:pt x="0" y="3311800"/>
+                  <a:pt x="0" y="2286000"/>
+                </a:cubicBezTo>
+                <a:cubicBezTo>
+                  <a:pt x="0" y="1023477"/>
+                  <a:pt x="1023477" y="0"/>
+                  <a:pt x="2286000" y="0"/>
+                </a:cubicBezTo>
+                <a:close/>
+              </a:path>
+            </a:pathLst>
+          </a:custGeom>
+          <a:solidFill>
+            <a:srgbClr val="E64A60">
+              <a:alpha val="40000"/>
+            </a:srgbClr>
+          </a:solidFill>
+          <a:ln>
+            <a:noFill/>
+          </a:ln>
+        </p:spPr>
+        <p:style>
+          <a:lnRef idx="2">
+            <a:schemeClr val="accent1">
+              <a:shade val="50000"/>
+            </a:schemeClr>
+          </a:lnRef>
+          <a:fillRef idx="1">
+            <a:schemeClr val="accent1"/>
+          </a:fillRef>
+          <a:effectRef idx="0">
+            <a:schemeClr val="accent1"/>
+          </a:effectRef>
+          <a:fontRef idx="minor">
+            <a:schemeClr val="lt1"/>
+          </a:fontRef>
+        </p:style>
+        <p:txBody>
+          <a:bodyPr rtlCol="0" anchor="ctr"/>
+          <a:lstStyle/>
+          <a:p>
+            <a:pPr algn="ctr"/>
+            <a:r>
+              <a:rPr lang="en-US" sz="2400" b="1" dirty="0" smtClean="0">
+                <a:solidFill>
+                  <a:schemeClr val="tx1"/>
+                </a:solidFill>
+              </a:rPr>
+              <a:t>Computer Science</a:t>
+            </a:r>
+          </a:p>
+          <a:p>
+            <a:pPr algn="ctr"/>
+            <a:r>
+              <a:rPr lang="en-US" sz="2400" b="1" dirty="0" smtClean="0">
+                <a:solidFill>
+                  <a:schemeClr val="tx1"/>
+                </a:solidFill>
+              </a:rPr>
+              <a:t>Skills</a:t>
+            </a:r>
+          </a:p>
+          <a:p>
+            <a:pPr algn="ctr"/>
+            <a:endParaRPr lang="en-US" dirty="0"/>
+          </a:p>
+          <a:p>
+            <a:pPr algn="ctr"/>
+            <a:endParaRPr lang="en-US" dirty="0" smtClean="0"/>
+          </a:p>
+          <a:p>
+            <a:pPr algn="ctr"/>
+            <a:endParaRPr lang="en-US" dirty="0"/>
+          </a:p>
+          <a:p>
+            <a:pPr algn="ctr"/>
+            <a:endParaRPr lang="en-US" dirty="0" smtClean="0"/>
+          </a:p>
+          <a:p>
+            <a:pPr algn="ctr"/>
+            <a:endParaRPr lang="en-US" dirty="0"/>
+          </a:p>
+        </p:txBody>
+      </p:sp>
+      <p:sp>
+        <p:nvSpPr>
+          <p:cNvPr id="9" name="Freeform 8"/>
+          <p:cNvSpPr/>
+          <p:nvPr/>
+        </p:nvSpPr>
+        <p:spPr>
+          <a:xfrm>
+            <a:off x="8297883" y="1"/>
+            <a:ext cx="3894117" cy="4471027"/>
+          </a:xfrm>
+          <a:custGeom>
+            <a:avLst/>
+            <a:gdLst>
+              <a:gd name="connsiteX0" fmla="*/ 1608117 w 3894117"/>
+              <a:gd name="connsiteY0" fmla="*/ 0 h 4471027"/>
+              <a:gd name="connsiteX1" fmla="*/ 3894117 w 3894117"/>
+              <a:gd name="connsiteY1" fmla="*/ 2286000 h 4471027"/>
+              <a:gd name="connsiteX2" fmla="*/ 2287903 w 3894117"/>
+              <a:gd name="connsiteY2" fmla="*/ 4469226 h 4471027"/>
+              <a:gd name="connsiteX3" fmla="*/ 2280902 w 3894117"/>
+              <a:gd name="connsiteY3" fmla="*/ 4471027 h 4471027"/>
+              <a:gd name="connsiteX4" fmla="*/ 2274198 w 3894117"/>
+              <a:gd name="connsiteY4" fmla="*/ 4338270 h 4471027"/>
+              <a:gd name="connsiteX5" fmla="*/ 679786 w 3894117"/>
+              <a:gd name="connsiteY5" fmla="*/ 2388774 h 4471027"/>
+              <a:gd name="connsiteX6" fmla="*/ 672784 w 3894117"/>
+              <a:gd name="connsiteY6" fmla="*/ 2386974 h 4471027"/>
+              <a:gd name="connsiteX7" fmla="*/ 677882 w 3894117"/>
+              <a:gd name="connsiteY7" fmla="*/ 2286000 h 4471027"/>
+              <a:gd name="connsiteX8" fmla="*/ 8328 w 3894117"/>
+              <a:gd name="connsiteY8" fmla="*/ 669554 h 4471027"/>
+              <a:gd name="connsiteX9" fmla="*/ 0 w 3894117"/>
+              <a:gd name="connsiteY9" fmla="*/ 661985 h 4471027"/>
+              <a:gd name="connsiteX10" fmla="*/ 154009 w 3894117"/>
+              <a:gd name="connsiteY10" fmla="*/ 522011 h 4471027"/>
+              <a:gd name="connsiteX11" fmla="*/ 1608117 w 3894117"/>
+              <a:gd name="connsiteY11" fmla="*/ 0 h 4471027"/>
+            </a:gdLst>
+            <a:ahLst/>
+            <a:cxnLst>
+              <a:cxn ang="0">
+                <a:pos x="connsiteX0" y="connsiteY0"/>
+              </a:cxn>
+              <a:cxn ang="0">
+                <a:pos x="connsiteX1" y="connsiteY1"/>
+              </a:cxn>
+              <a:cxn ang="0">
+                <a:pos x="connsiteX2" y="connsiteY2"/>
+              </a:cxn>
+              <a:cxn ang="0">
+                <a:pos x="connsiteX3" y="connsiteY3"/>
+              </a:cxn>
+              <a:cxn ang="0">
+                <a:pos x="connsiteX4" y="connsiteY4"/>
+              </a:cxn>
+              <a:cxn ang="0">
+                <a:pos x="connsiteX5" y="connsiteY5"/>
+              </a:cxn>
+              <a:cxn ang="0">
+                <a:pos x="connsiteX6" y="connsiteY6"/>
+              </a:cxn>
+              <a:cxn ang="0">
+                <a:pos x="connsiteX7" y="connsiteY7"/>
+              </a:cxn>
+              <a:cxn ang="0">
+                <a:pos x="connsiteX8" y="connsiteY8"/>
+              </a:cxn>
+              <a:cxn ang="0">
+                <a:pos x="connsiteX9" y="connsiteY9"/>
+              </a:cxn>
+              <a:cxn ang="0">
+                <a:pos x="connsiteX10" y="connsiteY10"/>
+              </a:cxn>
+              <a:cxn ang="0">
+                <a:pos x="connsiteX11" y="connsiteY11"/>
+              </a:cxn>
+            </a:cxnLst>
+            <a:rect l="l" t="t" r="r" b="b"/>
+            <a:pathLst>
+              <a:path w="3894117" h="4471027">
+                <a:moveTo>
+                  <a:pt x="1608117" y="0"/>
+                </a:moveTo>
+                <a:cubicBezTo>
+                  <a:pt x="2870640" y="0"/>
+                  <a:pt x="3894117" y="1023477"/>
+                  <a:pt x="3894117" y="2286000"/>
+                </a:cubicBezTo>
+                <a:cubicBezTo>
+                  <a:pt x="3894117" y="3311800"/>
+                  <a:pt x="3218463" y="4179792"/>
+                  <a:pt x="2287903" y="4469226"/>
+                </a:cubicBezTo>
+                <a:lnTo>
+                  <a:pt x="2280902" y="4471027"/>
+                </a:lnTo>
+                <a:lnTo>
+                  <a:pt x="2274198" y="4338270"/>
+                </a:lnTo>
+                <a:cubicBezTo>
+                  <a:pt x="2180545" y="3416086"/>
+                  <a:pt x="1538764" y="2655944"/>
+                  <a:pt x="679786" y="2388774"/>
+                </a:cubicBezTo>
+                <a:lnTo>
+                  <a:pt x="672784" y="2386974"/>
+                </a:lnTo>
+                <a:lnTo>
+                  <a:pt x="677882" y="2286000"/>
+                </a:lnTo>
+                <a:cubicBezTo>
+                  <a:pt x="677882" y="1654738"/>
+                  <a:pt x="422013" y="1083238"/>
+                  <a:pt x="8328" y="669554"/>
+                </a:cubicBezTo>
+                <a:lnTo>
+                  <a:pt x="0" y="661985"/>
+                </a:lnTo>
+                <a:lnTo>
+                  <a:pt x="154009" y="522011"/>
+                </a:lnTo>
+                <a:cubicBezTo>
+                  <a:pt x="549165" y="195900"/>
+                  <a:pt x="1055763" y="0"/>
+                  <a:pt x="1608117" y="0"/>
+                </a:cubicBezTo>
+                <a:close/>
+              </a:path>
+            </a:pathLst>
+          </a:custGeom>
+          <a:solidFill>
+            <a:srgbClr val="70AD47">
+              <a:alpha val="40000"/>
+            </a:srgbClr>
+          </a:solidFill>
+          <a:ln>
+            <a:noFill/>
+          </a:ln>
+        </p:spPr>
+        <p:style>
+          <a:lnRef idx="2">
+            <a:schemeClr val="accent1">
+              <a:shade val="50000"/>
+            </a:schemeClr>
+          </a:lnRef>
+          <a:fillRef idx="1">
+            <a:schemeClr val="accent1"/>
+          </a:fillRef>
+          <a:effectRef idx="0">
+            <a:schemeClr val="accent1"/>
+          </a:effectRef>
+          <a:fontRef idx="minor">
+            <a:schemeClr val="lt1"/>
+          </a:fontRef>
+        </p:style>
+        <p:txBody>
+          <a:bodyPr rtlCol="0" anchor="ctr"/>
+          <a:lstStyle/>
+          <a:p>
+            <a:pPr algn="ctr"/>
+            <a:r>
+              <a:rPr lang="en-US" sz="2400" b="1" dirty="0" smtClean="0">
+                <a:solidFill>
+                  <a:schemeClr val="tx1"/>
+                </a:solidFill>
+              </a:rPr>
+              <a:t>Mathematics/</a:t>
+            </a:r>
+          </a:p>
+          <a:p>
+            <a:pPr algn="ctr"/>
+            <a:r>
+              <a:rPr lang="en-US" sz="2400" b="1" dirty="0" smtClean="0">
+                <a:solidFill>
+                  <a:schemeClr val="tx1"/>
+                </a:solidFill>
+              </a:rPr>
+              <a:t>Statistics</a:t>
+            </a:r>
+          </a:p>
+          <a:p>
+            <a:pPr algn="ctr"/>
+            <a:r>
+              <a:rPr lang="en-US" sz="2400" b="1" dirty="0" smtClean="0">
+                <a:solidFill>
+                  <a:schemeClr val="tx1"/>
+                </a:solidFill>
+              </a:rPr>
+              <a:t>Knowledge</a:t>
+            </a:r>
+          </a:p>
+          <a:p>
+            <a:pPr algn="ctr"/>
+            <a:endParaRPr lang="en-US" dirty="0"/>
+          </a:p>
+          <a:p>
+            <a:pPr algn="ctr"/>
+            <a:endParaRPr lang="en-US" dirty="0" smtClean="0"/>
+          </a:p>
+          <a:p>
+            <a:pPr algn="ctr"/>
+            <a:endParaRPr lang="en-US" dirty="0"/>
+          </a:p>
+          <a:p>
+            <a:pPr algn="ctr"/>
+            <a:endParaRPr lang="en-US" dirty="0" smtClean="0"/>
+          </a:p>
+          <a:p>
+            <a:pPr algn="ctr"/>
+            <a:endParaRPr lang="en-US" dirty="0"/>
+          </a:p>
+        </p:txBody>
+      </p:sp>
+      <p:sp>
+        <p:nvSpPr>
+          <p:cNvPr id="8" name="Freeform 7"/>
+          <p:cNvSpPr/>
+          <p:nvPr/>
+        </p:nvSpPr>
+        <p:spPr>
+          <a:xfrm>
+            <a:off x="7625098" y="2286000"/>
+            <a:ext cx="1345568" cy="1624016"/>
+          </a:xfrm>
+          <a:custGeom>
+            <a:avLst/>
+            <a:gdLst>
+              <a:gd name="connsiteX0" fmla="*/ 672784 w 1345568"/>
+              <a:gd name="connsiteY0" fmla="*/ 0 h 1624016"/>
+              <a:gd name="connsiteX1" fmla="*/ 1133493 w 1345568"/>
+              <a:gd name="connsiteY1" fmla="*/ 46443 h 1624016"/>
+              <a:gd name="connsiteX2" fmla="*/ 1345568 w 1345568"/>
+              <a:gd name="connsiteY2" fmla="*/ 100974 h 1624016"/>
+              <a:gd name="connsiteX3" fmla="*/ 1338864 w 1345568"/>
+              <a:gd name="connsiteY3" fmla="*/ 233730 h 1624016"/>
+              <a:gd name="connsiteX4" fmla="*/ 681112 w 1345568"/>
+              <a:gd name="connsiteY4" fmla="*/ 1616446 h 1624016"/>
+              <a:gd name="connsiteX5" fmla="*/ 672784 w 1345568"/>
+              <a:gd name="connsiteY5" fmla="*/ 1624016 h 1624016"/>
+              <a:gd name="connsiteX6" fmla="*/ 664455 w 1345568"/>
+              <a:gd name="connsiteY6" fmla="*/ 1616446 h 1624016"/>
+              <a:gd name="connsiteX7" fmla="*/ 6703 w 1345568"/>
+              <a:gd name="connsiteY7" fmla="*/ 233730 h 1624016"/>
+              <a:gd name="connsiteX8" fmla="*/ 0 w 1345568"/>
+              <a:gd name="connsiteY8" fmla="*/ 100974 h 1624016"/>
+              <a:gd name="connsiteX9" fmla="*/ 212075 w 1345568"/>
+              <a:gd name="connsiteY9" fmla="*/ 46443 h 1624016"/>
+              <a:gd name="connsiteX10" fmla="*/ 672784 w 1345568"/>
+              <a:gd name="connsiteY10" fmla="*/ 0 h 1624016"/>
+            </a:gdLst>
+            <a:ahLst/>
+            <a:cxnLst>
+              <a:cxn ang="0">
+                <a:pos x="connsiteX0" y="connsiteY0"/>
+              </a:cxn>
+              <a:cxn ang="0">
+                <a:pos x="connsiteX1" y="connsiteY1"/>
+              </a:cxn>
+              <a:cxn ang="0">
+                <a:pos x="connsiteX2" y="connsiteY2"/>
+              </a:cxn>
+              <a:cxn ang="0">
+                <a:pos x="connsiteX3" y="connsiteY3"/>
+              </a:cxn>
+              <a:cxn ang="0">
+                <a:pos x="connsiteX4" y="connsiteY4"/>
+              </a:cxn>
+              <a:cxn ang="0">
+                <a:pos x="connsiteX5" y="connsiteY5"/>
+              </a:cxn>
+              <a:cxn ang="0">
+                <a:pos x="connsiteX6" y="connsiteY6"/>
+              </a:cxn>
+              <a:cxn ang="0">
+                <a:pos x="connsiteX7" y="connsiteY7"/>
+              </a:cxn>
+              <a:cxn ang="0">
+                <a:pos x="connsiteX8" y="connsiteY8"/>
+              </a:cxn>
+              <a:cxn ang="0">
+                <a:pos x="connsiteX9" y="connsiteY9"/>
+              </a:cxn>
+              <a:cxn ang="0">
+                <a:pos x="connsiteX10" y="connsiteY10"/>
+              </a:cxn>
+            </a:cxnLst>
+            <a:rect l="l" t="t" r="r" b="b"/>
+            <a:pathLst>
+              <a:path w="1345568" h="1624016">
+                <a:moveTo>
+                  <a:pt x="672784" y="0"/>
+                </a:moveTo>
+                <a:cubicBezTo>
+                  <a:pt x="830600" y="0"/>
+                  <a:pt x="984680" y="15992"/>
+                  <a:pt x="1133493" y="46443"/>
+                </a:cubicBezTo>
+                <a:lnTo>
+                  <a:pt x="1345568" y="100974"/>
+                </a:lnTo>
+                <a:lnTo>
+                  <a:pt x="1338864" y="233730"/>
+                </a:lnTo>
+                <a:cubicBezTo>
+                  <a:pt x="1284233" y="771671"/>
+                  <a:pt x="1043086" y="1254472"/>
+                  <a:pt x="681112" y="1616446"/>
+                </a:cubicBezTo>
+                <a:lnTo>
+                  <a:pt x="672784" y="1624016"/>
+                </a:lnTo>
+                <a:lnTo>
+                  <a:pt x="664455" y="1616446"/>
+                </a:lnTo>
+                <a:cubicBezTo>
+                  <a:pt x="302481" y="1254472"/>
+                  <a:pt x="61334" y="771671"/>
+                  <a:pt x="6703" y="233730"/>
+                </a:cubicBezTo>
+                <a:lnTo>
+                  <a:pt x="0" y="100974"/>
+                </a:lnTo>
+                <a:lnTo>
+                  <a:pt x="212075" y="46443"/>
+                </a:lnTo>
+                <a:cubicBezTo>
+                  <a:pt x="360889" y="15992"/>
+                  <a:pt x="514969" y="0"/>
+                  <a:pt x="672784" y="0"/>
+                </a:cubicBezTo>
+                <a:close/>
+              </a:path>
+            </a:pathLst>
+          </a:custGeom>
+          <a:noFill/>
+          <a:ln>
+            <a:solidFill>
+              <a:schemeClr val="bg1">
+                <a:lumMod val="85000"/>
+              </a:schemeClr>
+            </a:solidFill>
+          </a:ln>
+        </p:spPr>
+        <p:style>
+          <a:lnRef idx="2">
+            <a:schemeClr val="accent1">
+              <a:shade val="50000"/>
+            </a:schemeClr>
+          </a:lnRef>
+          <a:fillRef idx="1">
+            <a:schemeClr val="accent1"/>
+          </a:fillRef>
+          <a:effectRef idx="0">
+            <a:schemeClr val="accent1"/>
+          </a:effectRef>
+          <a:fontRef idx="minor">
+            <a:schemeClr val="lt1"/>
+          </a:fontRef>
+        </p:style>
+        <p:txBody>
+          <a:bodyPr rtlCol="0" anchor="ctr"/>
+          <a:lstStyle/>
+          <a:p>
+            <a:pPr algn="ctr"/>
+            <a:r>
+              <a:rPr lang="en-US" sz="2000" b="1" i="1" dirty="0" smtClean="0">
+                <a:solidFill>
+                  <a:schemeClr val="bg1">
+                    <a:lumMod val="85000"/>
+                  </a:schemeClr>
+                </a:solidFill>
+              </a:rPr>
+              <a:t>Data</a:t>
+            </a:r>
+          </a:p>
+          <a:p>
+            <a:pPr algn="ctr"/>
+            <a:r>
+              <a:rPr lang="en-US" sz="2000" b="1" i="1" dirty="0" smtClean="0">
+                <a:solidFill>
+                  <a:schemeClr val="bg1">
+                    <a:lumMod val="85000"/>
+                  </a:schemeClr>
+                </a:solidFill>
+              </a:rPr>
+              <a:t>Scientist</a:t>
+            </a:r>
+          </a:p>
+          <a:p>
+            <a:pPr algn="ctr"/>
+            <a:endParaRPr lang="en-US" dirty="0"/>
+          </a:p>
+          <a:p>
+            <a:pPr algn="ctr"/>
+            <a:endParaRPr lang="en-US" dirty="0"/>
+          </a:p>
+        </p:txBody>
+      </p:sp>
+      <p:sp>
+        <p:nvSpPr>
+          <p:cNvPr id="7" name="Freeform 6"/>
+          <p:cNvSpPr/>
+          <p:nvPr/>
+        </p:nvSpPr>
+        <p:spPr>
+          <a:xfrm>
+            <a:off x="6011882" y="3910016"/>
+            <a:ext cx="4572000" cy="2947984"/>
+          </a:xfrm>
+          <a:custGeom>
+            <a:avLst/>
+            <a:gdLst>
+              <a:gd name="connsiteX0" fmla="*/ 2286000 w 4572000"/>
+              <a:gd name="connsiteY0" fmla="*/ 0 h 2947984"/>
+              <a:gd name="connsiteX1" fmla="*/ 2440009 w 4572000"/>
+              <a:gd name="connsiteY1" fmla="*/ 139973 h 2947984"/>
+              <a:gd name="connsiteX2" fmla="*/ 3894117 w 4572000"/>
+              <a:gd name="connsiteY2" fmla="*/ 661984 h 2947984"/>
+              <a:gd name="connsiteX3" fmla="*/ 4354826 w 4572000"/>
+              <a:gd name="connsiteY3" fmla="*/ 615541 h 2947984"/>
+              <a:gd name="connsiteX4" fmla="*/ 4566902 w 4572000"/>
+              <a:gd name="connsiteY4" fmla="*/ 561011 h 2947984"/>
+              <a:gd name="connsiteX5" fmla="*/ 4572000 w 4572000"/>
+              <a:gd name="connsiteY5" fmla="*/ 661984 h 2947984"/>
+              <a:gd name="connsiteX6" fmla="*/ 2286000 w 4572000"/>
+              <a:gd name="connsiteY6" fmla="*/ 2947984 h 2947984"/>
+              <a:gd name="connsiteX7" fmla="*/ 0 w 4572000"/>
+              <a:gd name="connsiteY7" fmla="*/ 661984 h 2947984"/>
+              <a:gd name="connsiteX8" fmla="*/ 5099 w 4572000"/>
+              <a:gd name="connsiteY8" fmla="*/ 561011 h 2947984"/>
+              <a:gd name="connsiteX9" fmla="*/ 217173 w 4572000"/>
+              <a:gd name="connsiteY9" fmla="*/ 615541 h 2947984"/>
+              <a:gd name="connsiteX10" fmla="*/ 677882 w 4572000"/>
+              <a:gd name="connsiteY10" fmla="*/ 661984 h 2947984"/>
+              <a:gd name="connsiteX11" fmla="*/ 2131990 w 4572000"/>
+              <a:gd name="connsiteY11" fmla="*/ 139973 h 2947984"/>
+              <a:gd name="connsiteX12" fmla="*/ 2286000 w 4572000"/>
+              <a:gd name="connsiteY12" fmla="*/ 0 h 2947984"/>
+            </a:gdLst>
+            <a:ahLst/>
+            <a:cxnLst>
+              <a:cxn ang="0">
+                <a:pos x="connsiteX0" y="connsiteY0"/>
+              </a:cxn>
+              <a:cxn ang="0">
+                <a:pos x="connsiteX1" y="connsiteY1"/>
+              </a:cxn>
+              <a:cxn ang="0">
+                <a:pos x="connsiteX2" y="connsiteY2"/>
+              </a:cxn>
+              <a:cxn ang="0">
+                <a:pos x="connsiteX3" y="connsiteY3"/>
+              </a:cxn>
+              <a:cxn ang="0">
+                <a:pos x="connsiteX4" y="connsiteY4"/>
+              </a:cxn>
+              <a:cxn ang="0">
+                <a:pos x="connsiteX5" y="connsiteY5"/>
+              </a:cxn>
+              <a:cxn ang="0">
+                <a:pos x="connsiteX6" y="connsiteY6"/>
+              </a:cxn>
+              <a:cxn ang="0">
+                <a:pos x="connsiteX7" y="connsiteY7"/>
+              </a:cxn>
+              <a:cxn ang="0">
+                <a:pos x="connsiteX8" y="connsiteY8"/>
+              </a:cxn>
+              <a:cxn ang="0">
+                <a:pos x="connsiteX9" y="connsiteY9"/>
+              </a:cxn>
+              <a:cxn ang="0">
+                <a:pos x="connsiteX10" y="connsiteY10"/>
+              </a:cxn>
+              <a:cxn ang="0">
+                <a:pos x="connsiteX11" y="connsiteY11"/>
+              </a:cxn>
+              <a:cxn ang="0">
+                <a:pos x="connsiteX12" y="connsiteY12"/>
+              </a:cxn>
+            </a:cxnLst>
+            <a:rect l="l" t="t" r="r" b="b"/>
+            <a:pathLst>
+              <a:path w="4572000" h="2947984">
+                <a:moveTo>
+                  <a:pt x="2286000" y="0"/>
+                </a:moveTo>
+                <a:lnTo>
+                  <a:pt x="2440009" y="139973"/>
+                </a:lnTo>
+                <a:cubicBezTo>
+                  <a:pt x="2835165" y="466084"/>
+                  <a:pt x="3341763" y="661984"/>
+                  <a:pt x="3894117" y="661984"/>
+                </a:cubicBezTo>
+                <a:cubicBezTo>
+                  <a:pt x="4051933" y="661984"/>
+                  <a:pt x="4206013" y="645992"/>
+                  <a:pt x="4354826" y="615541"/>
+                </a:cubicBezTo>
+                <a:lnTo>
+                  <a:pt x="4566902" y="561011"/>
+                </a:lnTo>
+                <a:lnTo>
+                  <a:pt x="4572000" y="661984"/>
+                </a:lnTo>
+                <a:cubicBezTo>
+                  <a:pt x="4572000" y="1924507"/>
+                  <a:pt x="3548523" y="2947984"/>
+                  <a:pt x="2286000" y="2947984"/>
+                </a:cubicBezTo>
+                <a:cubicBezTo>
+                  <a:pt x="1023477" y="2947984"/>
+                  <a:pt x="0" y="1924507"/>
+                  <a:pt x="0" y="661984"/>
+                </a:cubicBezTo>
+                <a:lnTo>
+                  <a:pt x="5099" y="561011"/>
+                </a:lnTo>
+                <a:lnTo>
+                  <a:pt x="217173" y="615541"/>
+                </a:lnTo>
+                <a:cubicBezTo>
+                  <a:pt x="365986" y="645992"/>
+                  <a:pt x="520067" y="661984"/>
+                  <a:pt x="677882" y="661984"/>
+                </a:cubicBezTo>
+                <a:cubicBezTo>
+                  <a:pt x="1230236" y="661984"/>
+                  <a:pt x="1736835" y="466084"/>
+                  <a:pt x="2131990" y="139973"/>
+                </a:cubicBezTo>
+                <a:lnTo>
+                  <a:pt x="2286000" y="0"/>
+                </a:lnTo>
+                <a:close/>
+              </a:path>
+            </a:pathLst>
+          </a:custGeom>
+          <a:noFill/>
+          <a:ln>
+            <a:solidFill>
+              <a:schemeClr val="bg1">
+                <a:lumMod val="85000"/>
+              </a:schemeClr>
+            </a:solidFill>
+          </a:ln>
+        </p:spPr>
+        <p:style>
+          <a:lnRef idx="2">
+            <a:schemeClr val="accent1">
+              <a:shade val="50000"/>
+            </a:schemeClr>
+          </a:lnRef>
+          <a:fillRef idx="1">
+            <a:schemeClr val="accent1"/>
+          </a:fillRef>
+          <a:effectRef idx="0">
+            <a:schemeClr val="accent1"/>
+          </a:effectRef>
+          <a:fontRef idx="minor">
+            <a:schemeClr val="lt1"/>
+          </a:fontRef>
+        </p:style>
+        <p:txBody>
+          <a:bodyPr rtlCol="0" anchor="ctr"/>
+          <a:lstStyle/>
+          <a:p>
+            <a:pPr algn="ctr"/>
+            <a:r>
+              <a:rPr lang="en-US" sz="2400" i="1" dirty="0" smtClean="0">
+                <a:solidFill>
+                  <a:schemeClr val="bg1">
+                    <a:lumMod val="85000"/>
+                  </a:schemeClr>
+                </a:solidFill>
+              </a:rPr>
+              <a:t>Substantive Expertise</a:t>
+            </a:r>
+          </a:p>
+          <a:p>
+            <a:pPr algn="ctr"/>
+            <a:r>
+              <a:rPr lang="en-US" sz="2400" i="1" dirty="0" smtClean="0">
+                <a:solidFill>
+                  <a:schemeClr val="bg1">
+                    <a:lumMod val="85000"/>
+                  </a:schemeClr>
+                </a:solidFill>
+              </a:rPr>
+              <a:t>Domain Knowledge</a:t>
+            </a:r>
+            <a:endParaRPr lang="en-US" sz="2400" i="1" dirty="0">
+              <a:solidFill>
+                <a:schemeClr val="bg1">
+                  <a:lumMod val="85000"/>
+                </a:schemeClr>
+              </a:solidFill>
+            </a:endParaRPr>
+          </a:p>
+        </p:txBody>
+      </p:sp>
+      <p:sp>
+        <p:nvSpPr>
+          <p:cNvPr id="15" name="TextBox 14"/>
+          <p:cNvSpPr txBox="1"/>
+          <p:nvPr/>
+        </p:nvSpPr>
+        <p:spPr>
+          <a:xfrm>
+            <a:off x="10215562" y="6550223"/>
+            <a:ext cx="1976438" cy="307777"/>
+          </a:xfrm>
+          <a:prstGeom prst="rect">
+            <a:avLst/>
+          </a:prstGeom>
+          <a:noFill/>
+        </p:spPr>
+        <p:txBody>
+          <a:bodyPr wrap="none" rtlCol="0">
+            <a:spAutoFit/>
+          </a:bodyPr>
+          <a:lstStyle/>
+          <a:p>
+            <a:r>
+              <a:rPr lang="en-US" sz="1400" dirty="0" smtClean="0">
+                <a:hlinkClick r:id="rId2"/>
+              </a:rPr>
+              <a:t>Thanks to Drew Conway </a:t>
+            </a:r>
+            <a:endParaRPr lang="en-US" sz="1400" dirty="0"/>
+          </a:p>
+        </p:txBody>
+      </p:sp>
+      <p:sp>
+        <p:nvSpPr>
+          <p:cNvPr id="16" name="TextBox 15"/>
+          <p:cNvSpPr txBox="1"/>
+          <p:nvPr/>
+        </p:nvSpPr>
+        <p:spPr>
+          <a:xfrm>
+            <a:off x="0" y="1"/>
+            <a:ext cx="4217670" cy="5539978"/>
+          </a:xfrm>
+          <a:prstGeom prst="rect">
+            <a:avLst/>
+          </a:prstGeom>
+          <a:noFill/>
+        </p:spPr>
+        <p:txBody>
+          <a:bodyPr wrap="square" rtlCol="0">
+            <a:spAutoFit/>
+          </a:bodyPr>
+          <a:lstStyle/>
+          <a:p>
+            <a:pPr algn="ctr"/>
+            <a:r>
+              <a:rPr lang="en-US" sz="3600" dirty="0" smtClean="0"/>
+              <a:t>The Data Science Venn Diagram</a:t>
+            </a:r>
+          </a:p>
+          <a:p>
+            <a:endParaRPr lang="en-US" dirty="0"/>
+          </a:p>
+          <a:p>
+            <a:r>
+              <a:rPr lang="en-US" sz="2400" smtClean="0"/>
+              <a:t>Now, let’s focus on these two portions of the venn diagram. </a:t>
+            </a:r>
+          </a:p>
+          <a:p>
+            <a:endParaRPr lang="en-US" sz="2400"/>
+          </a:p>
+          <a:p>
+            <a:r>
+              <a:rPr lang="en-US" sz="2400" smtClean="0"/>
+              <a:t>They are equally-sized, and that is appropriate. </a:t>
+            </a:r>
+          </a:p>
+          <a:p>
+            <a:endParaRPr lang="en-US" sz="2400"/>
+          </a:p>
+          <a:p>
+            <a:r>
+              <a:rPr lang="en-US" sz="2400" b="1" i="1" smtClean="0"/>
+              <a:t>Strive to continuously incorporate computer programming more and more into your math/stats curriculum. </a:t>
+            </a:r>
+          </a:p>
+        </p:txBody>
+      </p:sp>
+    </p:spTree>
+    <p:extLst>
+      <p:ext uri="{BB962C8B-B14F-4D97-AF65-F5344CB8AC3E}">
+        <p14:creationId xmlns:p14="http://schemas.microsoft.com/office/powerpoint/2010/main" val="2883478927"/>
+      </p:ext>
+    </p:extLst>
+  </p:cSld>
+  <p:clrMapOvr>
+    <a:masterClrMapping/>
+  </p:clrMapOvr>
+</p:sld>
+</file>
+
+<file path=ppt/slides/slide11.xml><?xml version="1.0" encoding="utf-8"?>
+<p:sld xmlns:a="http://schemas.openxmlformats.org/drawingml/2006/main" xmlns:r="http://schemas.openxmlformats.org/officeDocument/2006/relationships" xmlns:p="http://schemas.openxmlformats.org/presentationml/2006/main">
+  <p:cSld>
+    <p:spTree>
+      <p:nvGrpSpPr>
+        <p:cNvPr id="1" name=""/>
+        <p:cNvGrpSpPr/>
+        <p:nvPr/>
+      </p:nvGrpSpPr>
+      <p:grpSpPr>
+        <a:xfrm>
+          <a:off x="0" y="0"/>
+          <a:ext cx="0" cy="0"/>
+          <a:chOff x="0" y="0"/>
+          <a:chExt cx="0" cy="0"/>
+        </a:xfrm>
+      </p:grpSpPr>
       <p:pic>
         <p:nvPicPr>
           <p:cNvPr id="6" name="Picture 5"/>
@@ -3280,7 +4779,7 @@
 </p:sld>
 </file>
 
-<file path=ppt/slides/slide11.xml><?xml version="1.0" encoding="utf-8"?>
+<file path=ppt/slides/slide12.xml><?xml version="1.0" encoding="utf-8"?>
 <p:sld xmlns:a="http://schemas.openxmlformats.org/drawingml/2006/main" xmlns:r="http://schemas.openxmlformats.org/officeDocument/2006/relationships" xmlns:p="http://schemas.openxmlformats.org/presentationml/2006/main">
   <p:cSld>
     <p:spTree>
@@ -3474,7 +4973,7 @@
 </p:sld>
 </file>
 
-<file path=ppt/slides/slide12.xml><?xml version="1.0" encoding="utf-8"?>
+<file path=ppt/slides/slide13.xml><?xml version="1.0" encoding="utf-8"?>
 <p:sld xmlns:a="http://schemas.openxmlformats.org/drawingml/2006/main" xmlns:r="http://schemas.openxmlformats.org/officeDocument/2006/relationships" xmlns:p="http://schemas.openxmlformats.org/presentationml/2006/main">
   <p:cSld>
     <p:spTree>
@@ -3668,7 +5167,7 @@
 </p:sld>
 </file>
 
-<file path=ppt/slides/slide13.xml><?xml version="1.0" encoding="utf-8"?>
+<file path=ppt/slides/slide14.xml><?xml version="1.0" encoding="utf-8"?>
 <p:sld xmlns:a="http://schemas.openxmlformats.org/drawingml/2006/main" xmlns:r="http://schemas.openxmlformats.org/officeDocument/2006/relationships" xmlns:p="http://schemas.openxmlformats.org/presentationml/2006/main">
   <p:cSld>
     <p:spTree>
@@ -3862,7 +5361,7 @@
 </p:sld>
 </file>
 
-<file path=ppt/slides/slide14.xml><?xml version="1.0" encoding="utf-8"?>
+<file path=ppt/slides/slide15.xml><?xml version="1.0" encoding="utf-8"?>
 <p:sld xmlns:a="http://schemas.openxmlformats.org/drawingml/2006/main" xmlns:r="http://schemas.openxmlformats.org/officeDocument/2006/relationships" xmlns:p="http://schemas.openxmlformats.org/presentationml/2006/main">
   <p:cSld>
     <p:spTree>
@@ -4056,117 +5555,6 @@
 </p:sld>
 </file>
 
-<file path=ppt/slides/slide15.xml><?xml version="1.0" encoding="utf-8"?>
-<p:sld xmlns:a="http://schemas.openxmlformats.org/drawingml/2006/main" xmlns:r="http://schemas.openxmlformats.org/officeDocument/2006/relationships" xmlns:p="http://schemas.openxmlformats.org/presentationml/2006/main">
-  <p:cSld>
-    <p:spTree>
-      <p:nvGrpSpPr>
-        <p:cNvPr id="1" name=""/>
-        <p:cNvGrpSpPr/>
-        <p:nvPr/>
-      </p:nvGrpSpPr>
-      <p:grpSpPr>
-        <a:xfrm>
-          <a:off x="0" y="0"/>
-          <a:ext cx="0" cy="0"/>
-          <a:chOff x="0" y="0"/>
-          <a:chExt cx="0" cy="0"/>
-        </a:xfrm>
-      </p:grpSpPr>
-      <p:sp>
-        <p:nvSpPr>
-          <p:cNvPr id="2" name="Title 1"/>
-          <p:cNvSpPr>
-            <a:spLocks noGrp="1"/>
-          </p:cNvSpPr>
-          <p:nvPr>
-            <p:ph type="title"/>
-          </p:nvPr>
-        </p:nvSpPr>
-        <p:spPr/>
-        <p:txBody>
-          <a:bodyPr/>
-          <a:lstStyle/>
-          <a:p>
-            <a:r>
-              <a:rPr lang="en-US" smtClean="0"/>
-              <a:t>Example 1 – Solving Empirically</a:t>
-            </a:r>
-            <a:endParaRPr lang="en-US"/>
-          </a:p>
-        </p:txBody>
-      </p:sp>
-      <p:sp>
-        <p:nvSpPr>
-          <p:cNvPr id="3" name="Content Placeholder 2"/>
-          <p:cNvSpPr>
-            <a:spLocks noGrp="1"/>
-          </p:cNvSpPr>
-          <p:nvPr>
-            <p:ph idx="1"/>
-          </p:nvPr>
-        </p:nvSpPr>
-        <p:spPr/>
-        <p:txBody>
-          <a:bodyPr/>
-          <a:lstStyle/>
-          <a:p>
-            <a:r>
-              <a:rPr lang="en-US" smtClean="0"/>
-              <a:t>Simulate!</a:t>
-            </a:r>
-          </a:p>
-          <a:p>
-            <a:r>
-              <a:rPr lang="en-US" smtClean="0"/>
-              <a:t>Any language you want, but concisely in R:</a:t>
-            </a:r>
-          </a:p>
-          <a:p>
-            <a:pPr marL="0" indent="0" algn="ctr">
-              <a:buNone/>
-            </a:pPr>
-            <a:r>
-              <a:rPr lang="en-US" b="1">
-                <a:latin typeface="Consolas" panose="020B0609020204030204" pitchFamily="49" charset="0"/>
-              </a:rPr>
-              <a:t>trials &lt;- 2*(rnbinom(10000, 1, 0.5)+</a:t>
-            </a:r>
-            <a:r>
-              <a:rPr lang="en-US" b="1">
-                <a:latin typeface="Consolas" panose="020B0609020204030204" pitchFamily="49" charset="0"/>
-              </a:rPr>
-              <a:t>1</a:t>
-            </a:r>
-            <a:r>
-              <a:rPr lang="en-US" b="1" smtClean="0">
-                <a:latin typeface="Consolas" panose="020B0609020204030204" pitchFamily="49" charset="0"/>
-              </a:rPr>
-              <a:t>)</a:t>
-            </a:r>
-          </a:p>
-          <a:p>
-            <a:r>
-              <a:rPr lang="en-US" smtClean="0"/>
-              <a:t>Leads naturally to the conversation of uncertainty</a:t>
-            </a:r>
-            <a:endParaRPr lang="en-US"/>
-          </a:p>
-        </p:txBody>
-      </p:sp>
-    </p:spTree>
-    <p:extLst>
-      <p:ext uri="{BB962C8B-B14F-4D97-AF65-F5344CB8AC3E}">
-        <p14:creationId xmlns:p14="http://schemas.microsoft.com/office/powerpoint/2010/main" val="3421578359"/>
-      </p:ext>
-    </p:extLst>
-  </p:cSld>
-  <p:clrMapOvr>
-    <a:masterClrMapping/>
-  </p:clrMapOvr>
-</p:sld>
-</file>
-
 <file path=ppt/slides/slide16.xml><?xml version="1.0" encoding="utf-8"?>
 <p:sld xmlns:a="http://schemas.openxmlformats.org/drawingml/2006/main" xmlns:r="http://schemas.openxmlformats.org/officeDocument/2006/relationships" xmlns:p="http://schemas.openxmlformats.org/presentationml/2006/main">
   <p:cSld>
@@ -4200,16 +5588,119 @@
           <a:lstStyle/>
           <a:p>
             <a:r>
-              <a:rPr lang="en-US" dirty="0" smtClean="0"/>
-              <a:t>Effective Computer Science </a:t>
-            </a:r>
-            <a:r>
               <a:rPr lang="en-US" smtClean="0"/>
-              <a:t>for </a:t>
-            </a:r>
+              <a:t>Example 1 – Solving Empirically</a:t>
+            </a:r>
+            <a:endParaRPr lang="en-US"/>
+          </a:p>
+        </p:txBody>
+      </p:sp>
+      <p:sp>
+        <p:nvSpPr>
+          <p:cNvPr id="3" name="Content Placeholder 2"/>
+          <p:cNvSpPr>
+            <a:spLocks noGrp="1"/>
+          </p:cNvSpPr>
+          <p:nvPr>
+            <p:ph idx="1"/>
+          </p:nvPr>
+        </p:nvSpPr>
+        <p:spPr/>
+        <p:txBody>
+          <a:bodyPr/>
+          <a:lstStyle/>
+          <a:p>
             <a:r>
               <a:rPr lang="en-US" smtClean="0"/>
-              <a:t>Mathematicians and Statisticians</a:t>
+              <a:t>Simulate!</a:t>
+            </a:r>
+          </a:p>
+          <a:p>
+            <a:r>
+              <a:rPr lang="en-US" smtClean="0"/>
+              <a:t>Any language you want, but concisely in R:</a:t>
+            </a:r>
+          </a:p>
+          <a:p>
+            <a:pPr marL="0" indent="0" algn="ctr">
+              <a:buNone/>
+            </a:pPr>
+            <a:r>
+              <a:rPr lang="en-US" b="1">
+                <a:latin typeface="Consolas" panose="020B0609020204030204" pitchFamily="49" charset="0"/>
+              </a:rPr>
+              <a:t>trials &lt;- 2*(rnbinom(10000, 1, 0.5)+</a:t>
+            </a:r>
+            <a:r>
+              <a:rPr lang="en-US" b="1">
+                <a:latin typeface="Consolas" panose="020B0609020204030204" pitchFamily="49" charset="0"/>
+              </a:rPr>
+              <a:t>1</a:t>
+            </a:r>
+            <a:r>
+              <a:rPr lang="en-US" b="1" smtClean="0">
+                <a:latin typeface="Consolas" panose="020B0609020204030204" pitchFamily="49" charset="0"/>
+              </a:rPr>
+              <a:t>)</a:t>
+            </a:r>
+          </a:p>
+          <a:p>
+            <a:r>
+              <a:rPr lang="en-US" smtClean="0"/>
+              <a:t>Leads naturally to the conversation of uncertainty</a:t>
+            </a:r>
+            <a:endParaRPr lang="en-US"/>
+          </a:p>
+        </p:txBody>
+      </p:sp>
+    </p:spTree>
+    <p:extLst>
+      <p:ext uri="{BB962C8B-B14F-4D97-AF65-F5344CB8AC3E}">
+        <p14:creationId xmlns:p14="http://schemas.microsoft.com/office/powerpoint/2010/main" val="3421578359"/>
+      </p:ext>
+    </p:extLst>
+  </p:cSld>
+  <p:clrMapOvr>
+    <a:masterClrMapping/>
+  </p:clrMapOvr>
+</p:sld>
+</file>
+
+<file path=ppt/slides/slide17.xml><?xml version="1.0" encoding="utf-8"?>
+<p:sld xmlns:a="http://schemas.openxmlformats.org/drawingml/2006/main" xmlns:r="http://schemas.openxmlformats.org/officeDocument/2006/relationships" xmlns:p="http://schemas.openxmlformats.org/presentationml/2006/main">
+  <p:cSld>
+    <p:spTree>
+      <p:nvGrpSpPr>
+        <p:cNvPr id="1" name=""/>
+        <p:cNvGrpSpPr/>
+        <p:nvPr/>
+      </p:nvGrpSpPr>
+      <p:grpSpPr>
+        <a:xfrm>
+          <a:off x="0" y="0"/>
+          <a:ext cx="0" cy="0"/>
+          <a:chOff x="0" y="0"/>
+          <a:chExt cx="0" cy="0"/>
+        </a:xfrm>
+      </p:grpSpPr>
+      <p:sp>
+        <p:nvSpPr>
+          <p:cNvPr id="2" name="Title 1"/>
+          <p:cNvSpPr>
+            <a:spLocks noGrp="1"/>
+          </p:cNvSpPr>
+          <p:nvPr>
+            <p:ph type="title"/>
+          </p:nvPr>
+        </p:nvSpPr>
+        <p:spPr/>
+        <p:txBody>
+          <a:bodyPr/>
+          <a:lstStyle/>
+          <a:p>
+            <a:r>
+              <a:rPr lang="en-US" smtClean="0"/>
+              <a:t>Example 2 – Learning via Brute Force</a:t>
             </a:r>
             <a:endParaRPr lang="en-US" dirty="0"/>
           </a:p>
@@ -4233,21 +5724,30 @@
               <a:lstStyle/>
               <a:p>
                 <a:r>
-                  <a:rPr lang="en-US" dirty="0" smtClean="0"/>
-                  <a:t>Incorporation of simple, foundational programming concepts in higher-level math classes is crucial.</a:t>
+                  <a:rPr lang="en-US" smtClean="0"/>
+                  <a:t>When proofs lend themselves to enumeration, have the computer do the enumerating. </a:t>
                 </a:r>
+                <a:endParaRPr lang="en-US" dirty="0" smtClean="0"/>
               </a:p>
               <a:p>
                 <a:r>
                   <a:rPr lang="en-US" dirty="0" smtClean="0"/>
-                  <a:t>Useful example: Ramsey numbers.</a:t>
+                  <a:t>Useful example: Ramsey </a:t>
+                </a:r>
+                <a:r>
+                  <a:rPr lang="en-US" smtClean="0"/>
+                  <a:t>numbers</a:t>
+                </a:r>
+                <a:r>
+                  <a:rPr lang="en-US" smtClean="0"/>
+                  <a:t>.</a:t>
                 </a:r>
               </a:p>
               <a:p>
                 <a:pPr lvl="1"/>
                 <a:r>
-                  <a:rPr lang="en-US" dirty="0" smtClean="0"/>
-                  <a:t>Along with a proof that </a:t>
+                  <a:rPr lang="en-US" smtClean="0"/>
+                  <a:t>We know (and students should prove in the appropriate course) that </a:t>
                 </a:r>
                 <a14:m>
                   <m:oMath xmlns:m="http://schemas.openxmlformats.org/officeDocument/2006/math">
@@ -4284,7 +5784,19 @@
                 </a14:m>
                 <a:r>
                   <a:rPr lang="en-US" dirty="0" smtClean="0"/>
-                  <a:t>, have students demonstrate via a computer program by enumerating all 2-colorings of the complete graph on </a:t>
+                  <a:t>.</a:t>
+                </a:r>
+                <a:endParaRPr lang="en-US" dirty="0" smtClean="0"/>
+              </a:p>
+              <a:p>
+                <a:pPr lvl="1"/>
+                <a:r>
+                  <a:rPr lang="en-US" smtClean="0"/>
+                  <a:t>Have </a:t>
+                </a:r>
+                <a:r>
+                  <a:rPr lang="en-US" dirty="0" smtClean="0"/>
+                  <a:t>students demonstrate via a computer program by enumerating all 2-colorings of the complete graph on </a:t>
                 </a:r>
                 <a:r>
                   <a:rPr lang="en-US" smtClean="0"/>
@@ -4405,7 +5917,7 @@
               <a:blipFill>
                 <a:blip r:embed="rId2"/>
                 <a:stretch>
-                  <a:fillRect l="-1043" t="-2241" r="-754"/>
+                  <a:fillRect l="-1043" t="-2241" r="-928"/>
                 </a:stretch>
               </a:blipFill>
             </p:spPr>
@@ -4437,7 +5949,7 @@
 </p:sld>
 </file>
 
-<file path=ppt/slides/slide17.xml><?xml version="1.0" encoding="utf-8"?>
+<file path=ppt/slides/slide18.xml><?xml version="1.0" encoding="utf-8"?>
 <p:sld xmlns:a="http://schemas.openxmlformats.org/drawingml/2006/main" xmlns:r="http://schemas.openxmlformats.org/officeDocument/2006/relationships" xmlns:p="http://schemas.openxmlformats.org/presentationml/2006/main">
   <p:cSld>
     <p:spTree>
@@ -4470,8 +5982,8 @@
           <a:lstStyle/>
           <a:p>
             <a:r>
-              <a:rPr lang="en-US" dirty="0" smtClean="0"/>
-              <a:t>Ramsey Numbers in Detail</a:t>
+              <a:rPr lang="en-US"/>
+              <a:t>Example 2 – Learning via Brute Force</a:t>
             </a:r>
             <a:endParaRPr lang="en-US" dirty="0"/>
           </a:p>
@@ -4496,15 +6008,15 @@
               <a:p>
                 <a:r>
                   <a:rPr lang="en-US" dirty="0" smtClean="0"/>
-                  <a:t>Take a look at the code in the </a:t>
+                  <a:t>Take a look at the </a:t>
                 </a:r>
                 <a:r>
-                  <a:rPr lang="en-US" dirty="0" err="1" smtClean="0"/>
-                  <a:t>Git</a:t>
+                  <a:rPr lang="en-US" smtClean="0"/>
+                  <a:t>code provided (see Appendix) and </a:t>
                 </a:r>
                 <a:r>
                   <a:rPr lang="en-US" dirty="0" smtClean="0"/>
-                  <a:t> repository and note that there are two ways you can Randomize:</a:t>
+                  <a:t>note that there are two ways you can Randomize:</a:t>
                 </a:r>
               </a:p>
               <a:p>
@@ -4739,7 +6251,7 @@
 </p:sld>
 </file>
 
-<file path=ppt/slides/slide18.xml><?xml version="1.0" encoding="utf-8"?>
+<file path=ppt/slides/slide19.xml><?xml version="1.0" encoding="utf-8"?>
 <p:sld xmlns:a="http://schemas.openxmlformats.org/drawingml/2006/main" xmlns:r="http://schemas.openxmlformats.org/officeDocument/2006/relationships" xmlns:p="http://schemas.openxmlformats.org/presentationml/2006/main">
   <p:cSld>
     <p:spTree>
@@ -4772,8 +6284,12 @@
           <a:lstStyle/>
           <a:p>
             <a:r>
+              <a:rPr lang="en-US"/>
+              <a:t>Example 2 – Learning via Brute Force</a:t>
+            </a:r>
+            <a:r>
               <a:rPr lang="en-US" dirty="0" smtClean="0"/>
-              <a:t>Ramsey Numbers in Detail</a:t>
+              <a:t/>
             </a:r>
             <a:br>
               <a:rPr lang="en-US" dirty="0" smtClean="0"/>
@@ -4802,1568 +6318,71 @@
           <a:lstStyle/>
           <a:p>
             <a:r>
-              <a:rPr lang="en-US" dirty="0" smtClean="0"/>
-              <a:t>Even without this complication, it’s a good lesson in basic end-to-end programming skills.</a:t>
-            </a:r>
-          </a:p>
-          <a:p>
-            <a:r>
-              <a:rPr lang="en-US" dirty="0" smtClean="0"/>
-              <a:t>However, now this has itself turned into a data science problem.</a:t>
-            </a:r>
-          </a:p>
-          <a:p>
-            <a:pPr lvl="1"/>
-            <a:r>
-              <a:rPr lang="en-US" dirty="0" smtClean="0"/>
-              <a:t>Given our normal expectations, what should we see?</a:t>
-            </a:r>
-          </a:p>
-          <a:p>
-            <a:pPr lvl="1"/>
-            <a:r>
-              <a:rPr lang="en-US" dirty="0" smtClean="0"/>
-              <a:t>Why are we seeing something else?</a:t>
-            </a:r>
-          </a:p>
-          <a:p>
-            <a:r>
-              <a:rPr lang="en-US" dirty="0" smtClean="0"/>
-              <a:t>Good lesson for the Substantive Expertise/Domain Knowledge bucket – how systems work does not necessarily align with our expectations. </a:t>
-            </a:r>
-          </a:p>
-          <a:p>
-            <a:pPr lvl="1"/>
-            <a:r>
-              <a:rPr lang="en-US" dirty="0" smtClean="0">
-                <a:hlinkClick r:id="rId2"/>
-              </a:rPr>
-              <a:t>Hint towards why we observe what we’re observing</a:t>
-            </a:r>
-            <a:r>
-              <a:rPr lang="en-US" dirty="0" smtClean="0"/>
-              <a:t>.</a:t>
+              <a:rPr lang="en-US" smtClean="0"/>
+              <a:t>This is now a data science exercise!</a:t>
+            </a:r>
+          </a:p>
+          <a:p>
+            <a:r>
+              <a:rPr lang="en-US" smtClean="0"/>
+              <a:t>The good data scientist can not only identify which of the two scenariois abnormal against expectation, but can also explain why the observed phenomenon is occurring. </a:t>
             </a:r>
             <a:endParaRPr lang="en-US" dirty="0"/>
           </a:p>
         </p:txBody>
       </p:sp>
+      <p:pic>
+        <p:nvPicPr>
+          <p:cNvPr id="4" name="Picture 3"/>
+          <p:cNvPicPr>
+            <a:picLocks noChangeAspect="1"/>
+          </p:cNvPicPr>
+          <p:nvPr/>
+        </p:nvPicPr>
+        <p:blipFill>
+          <a:blip r:embed="rId2"/>
+          <a:stretch>
+            <a:fillRect/>
+          </a:stretch>
+        </p:blipFill>
+        <p:spPr>
+          <a:xfrm>
+            <a:off x="1496291" y="4322953"/>
+            <a:ext cx="3469840" cy="2232226"/>
+          </a:xfrm>
+          <a:prstGeom prst="rect">
+            <a:avLst/>
+          </a:prstGeom>
+        </p:spPr>
+      </p:pic>
+      <p:pic>
+        <p:nvPicPr>
+          <p:cNvPr id="5" name="Picture 4"/>
+          <p:cNvPicPr>
+            <a:picLocks noChangeAspect="1"/>
+          </p:cNvPicPr>
+          <p:nvPr/>
+        </p:nvPicPr>
+        <p:blipFill>
+          <a:blip r:embed="rId3"/>
+          <a:stretch>
+            <a:fillRect/>
+          </a:stretch>
+        </p:blipFill>
+        <p:spPr>
+          <a:xfrm>
+            <a:off x="6422605" y="4322953"/>
+            <a:ext cx="3474720" cy="2235366"/>
+          </a:xfrm>
+          <a:prstGeom prst="rect">
+            <a:avLst/>
+          </a:prstGeom>
+        </p:spPr>
+      </p:pic>
     </p:spTree>
     <p:extLst>
       <p:ext uri="{BB962C8B-B14F-4D97-AF65-F5344CB8AC3E}">
         <p14:creationId xmlns:p14="http://schemas.microsoft.com/office/powerpoint/2010/main" val="394348038"/>
-      </p:ext>
-    </p:extLst>
-  </p:cSld>
-  <p:clrMapOvr>
-    <a:masterClrMapping/>
-  </p:clrMapOvr>
-</p:sld>
-</file>
-
-<file path=ppt/slides/slide19.xml><?xml version="1.0" encoding="utf-8"?>
-<p:sld xmlns:a="http://schemas.openxmlformats.org/drawingml/2006/main" xmlns:r="http://schemas.openxmlformats.org/officeDocument/2006/relationships" xmlns:p="http://schemas.openxmlformats.org/presentationml/2006/main">
-  <p:cSld>
-    <p:spTree>
-      <p:nvGrpSpPr>
-        <p:cNvPr id="1" name=""/>
-        <p:cNvGrpSpPr/>
-        <p:nvPr/>
-      </p:nvGrpSpPr>
-      <p:grpSpPr>
-        <a:xfrm>
-          <a:off x="0" y="0"/>
-          <a:ext cx="0" cy="0"/>
-          <a:chOff x="0" y="0"/>
-          <a:chExt cx="0" cy="0"/>
-        </a:xfrm>
-      </p:grpSpPr>
-      <p:sp>
-        <p:nvSpPr>
-          <p:cNvPr id="13" name="Freeform 12"/>
-          <p:cNvSpPr/>
-          <p:nvPr/>
-        </p:nvSpPr>
-        <p:spPr>
-          <a:xfrm>
-            <a:off x="7620000" y="661986"/>
-            <a:ext cx="1355765" cy="1724989"/>
-          </a:xfrm>
-          <a:custGeom>
-            <a:avLst/>
-            <a:gdLst>
-              <a:gd name="connsiteX0" fmla="*/ 677883 w 1355765"/>
-              <a:gd name="connsiteY0" fmla="*/ 0 h 1724989"/>
-              <a:gd name="connsiteX1" fmla="*/ 686211 w 1355765"/>
-              <a:gd name="connsiteY1" fmla="*/ 7569 h 1724989"/>
-              <a:gd name="connsiteX2" fmla="*/ 1355765 w 1355765"/>
-              <a:gd name="connsiteY2" fmla="*/ 1624015 h 1724989"/>
-              <a:gd name="connsiteX3" fmla="*/ 1350667 w 1355765"/>
-              <a:gd name="connsiteY3" fmla="*/ 1724989 h 1724989"/>
-              <a:gd name="connsiteX4" fmla="*/ 1138592 w 1355765"/>
-              <a:gd name="connsiteY4" fmla="*/ 1670458 h 1724989"/>
-              <a:gd name="connsiteX5" fmla="*/ 677883 w 1355765"/>
-              <a:gd name="connsiteY5" fmla="*/ 1624015 h 1724989"/>
-              <a:gd name="connsiteX6" fmla="*/ 217174 w 1355765"/>
-              <a:gd name="connsiteY6" fmla="*/ 1670458 h 1724989"/>
-              <a:gd name="connsiteX7" fmla="*/ 5099 w 1355765"/>
-              <a:gd name="connsiteY7" fmla="*/ 1724989 h 1724989"/>
-              <a:gd name="connsiteX8" fmla="*/ 0 w 1355765"/>
-              <a:gd name="connsiteY8" fmla="*/ 1624015 h 1724989"/>
-              <a:gd name="connsiteX9" fmla="*/ 669554 w 1355765"/>
-              <a:gd name="connsiteY9" fmla="*/ 7569 h 1724989"/>
-              <a:gd name="connsiteX10" fmla="*/ 677883 w 1355765"/>
-              <a:gd name="connsiteY10" fmla="*/ 0 h 1724989"/>
-            </a:gdLst>
-            <a:ahLst/>
-            <a:cxnLst>
-              <a:cxn ang="0">
-                <a:pos x="connsiteX0" y="connsiteY0"/>
-              </a:cxn>
-              <a:cxn ang="0">
-                <a:pos x="connsiteX1" y="connsiteY1"/>
-              </a:cxn>
-              <a:cxn ang="0">
-                <a:pos x="connsiteX2" y="connsiteY2"/>
-              </a:cxn>
-              <a:cxn ang="0">
-                <a:pos x="connsiteX3" y="connsiteY3"/>
-              </a:cxn>
-              <a:cxn ang="0">
-                <a:pos x="connsiteX4" y="connsiteY4"/>
-              </a:cxn>
-              <a:cxn ang="0">
-                <a:pos x="connsiteX5" y="connsiteY5"/>
-              </a:cxn>
-              <a:cxn ang="0">
-                <a:pos x="connsiteX6" y="connsiteY6"/>
-              </a:cxn>
-              <a:cxn ang="0">
-                <a:pos x="connsiteX7" y="connsiteY7"/>
-              </a:cxn>
-              <a:cxn ang="0">
-                <a:pos x="connsiteX8" y="connsiteY8"/>
-              </a:cxn>
-              <a:cxn ang="0">
-                <a:pos x="connsiteX9" y="connsiteY9"/>
-              </a:cxn>
-              <a:cxn ang="0">
-                <a:pos x="connsiteX10" y="connsiteY10"/>
-              </a:cxn>
-            </a:cxnLst>
-            <a:rect l="l" t="t" r="r" b="b"/>
-            <a:pathLst>
-              <a:path w="1355765" h="1724989">
-                <a:moveTo>
-                  <a:pt x="677883" y="0"/>
-                </a:moveTo>
-                <a:lnTo>
-                  <a:pt x="686211" y="7569"/>
-                </a:lnTo>
-                <a:cubicBezTo>
-                  <a:pt x="1099896" y="421253"/>
-                  <a:pt x="1355765" y="992753"/>
-                  <a:pt x="1355765" y="1624015"/>
-                </a:cubicBezTo>
-                <a:lnTo>
-                  <a:pt x="1350667" y="1724989"/>
-                </a:lnTo>
-                <a:lnTo>
-                  <a:pt x="1138592" y="1670458"/>
-                </a:lnTo>
-                <a:cubicBezTo>
-                  <a:pt x="989779" y="1640007"/>
-                  <a:pt x="835699" y="1624015"/>
-                  <a:pt x="677883" y="1624015"/>
-                </a:cubicBezTo>
-                <a:cubicBezTo>
-                  <a:pt x="520068" y="1624015"/>
-                  <a:pt x="365988" y="1640007"/>
-                  <a:pt x="217174" y="1670458"/>
-                </a:cubicBezTo>
-                <a:lnTo>
-                  <a:pt x="5099" y="1724989"/>
-                </a:lnTo>
-                <a:lnTo>
-                  <a:pt x="0" y="1624015"/>
-                </a:lnTo>
-                <a:cubicBezTo>
-                  <a:pt x="0" y="992753"/>
-                  <a:pt x="255869" y="421253"/>
-                  <a:pt x="669554" y="7569"/>
-                </a:cubicBezTo>
-                <a:lnTo>
-                  <a:pt x="677883" y="0"/>
-                </a:lnTo>
-                <a:close/>
-              </a:path>
-            </a:pathLst>
-          </a:custGeom>
-          <a:noFill/>
-          <a:ln>
-            <a:solidFill>
-              <a:schemeClr val="bg1">
-                <a:lumMod val="85000"/>
-              </a:schemeClr>
-            </a:solidFill>
-          </a:ln>
-        </p:spPr>
-        <p:style>
-          <a:lnRef idx="2">
-            <a:schemeClr val="accent1">
-              <a:shade val="50000"/>
-            </a:schemeClr>
-          </a:lnRef>
-          <a:fillRef idx="1">
-            <a:schemeClr val="accent1"/>
-          </a:fillRef>
-          <a:effectRef idx="0">
-            <a:schemeClr val="accent1"/>
-          </a:effectRef>
-          <a:fontRef idx="minor">
-            <a:schemeClr val="lt1"/>
-          </a:fontRef>
-        </p:style>
-        <p:txBody>
-          <a:bodyPr rtlCol="0" anchor="ctr"/>
-          <a:lstStyle/>
-          <a:p>
-            <a:pPr algn="ctr"/>
-            <a:endParaRPr lang="en-US" sz="1600" dirty="0" smtClean="0">
-              <a:solidFill>
-                <a:schemeClr val="tx1"/>
-              </a:solidFill>
-            </a:endParaRPr>
-          </a:p>
-          <a:p>
-            <a:pPr algn="ctr"/>
-            <a:r>
-              <a:rPr lang="en-US" sz="1600" i="1" dirty="0" smtClean="0">
-                <a:solidFill>
-                  <a:schemeClr val="bg1">
-                    <a:lumMod val="85000"/>
-                  </a:schemeClr>
-                </a:solidFill>
-              </a:rPr>
-              <a:t>Machine</a:t>
-            </a:r>
-          </a:p>
-          <a:p>
-            <a:pPr algn="ctr"/>
-            <a:r>
-              <a:rPr lang="en-US" sz="1600" i="1" dirty="0" smtClean="0">
-                <a:solidFill>
-                  <a:schemeClr val="bg1">
-                    <a:lumMod val="85000"/>
-                  </a:schemeClr>
-                </a:solidFill>
-              </a:rPr>
-              <a:t>Learning</a:t>
-            </a:r>
-          </a:p>
-          <a:p>
-            <a:pPr algn="ctr"/>
-            <a:r>
-              <a:rPr lang="en-US" sz="1600" i="1" dirty="0" smtClean="0">
-                <a:solidFill>
-                  <a:schemeClr val="bg1">
-                    <a:lumMod val="85000"/>
-                  </a:schemeClr>
-                </a:solidFill>
-              </a:rPr>
-              <a:t>Scientist</a:t>
-            </a:r>
-            <a:endParaRPr lang="en-US" sz="1600" i="1" dirty="0">
-              <a:solidFill>
-                <a:schemeClr val="bg1">
-                  <a:lumMod val="85000"/>
-                </a:schemeClr>
-              </a:solidFill>
-            </a:endParaRPr>
-          </a:p>
-        </p:txBody>
-      </p:sp>
-      <p:sp>
-        <p:nvSpPr>
-          <p:cNvPr id="12" name="Freeform 11"/>
-          <p:cNvSpPr/>
-          <p:nvPr/>
-        </p:nvSpPr>
-        <p:spPr>
-          <a:xfrm>
-            <a:off x="8297882" y="2386974"/>
-            <a:ext cx="2280902" cy="2185026"/>
-          </a:xfrm>
-          <a:custGeom>
-            <a:avLst/>
-            <a:gdLst>
-              <a:gd name="connsiteX0" fmla="*/ 672784 w 2280902"/>
-              <a:gd name="connsiteY0" fmla="*/ 0 h 2185026"/>
-              <a:gd name="connsiteX1" fmla="*/ 679786 w 2280902"/>
-              <a:gd name="connsiteY1" fmla="*/ 1800 h 2185026"/>
-              <a:gd name="connsiteX2" fmla="*/ 2274198 w 2280902"/>
-              <a:gd name="connsiteY2" fmla="*/ 1951296 h 2185026"/>
-              <a:gd name="connsiteX3" fmla="*/ 2280902 w 2280902"/>
-              <a:gd name="connsiteY3" fmla="*/ 2084053 h 2185026"/>
-              <a:gd name="connsiteX4" fmla="*/ 2068826 w 2280902"/>
-              <a:gd name="connsiteY4" fmla="*/ 2138583 h 2185026"/>
-              <a:gd name="connsiteX5" fmla="*/ 1608117 w 2280902"/>
-              <a:gd name="connsiteY5" fmla="*/ 2185026 h 2185026"/>
-              <a:gd name="connsiteX6" fmla="*/ 154009 w 2280902"/>
-              <a:gd name="connsiteY6" fmla="*/ 1663015 h 2185026"/>
-              <a:gd name="connsiteX7" fmla="*/ 0 w 2280902"/>
-              <a:gd name="connsiteY7" fmla="*/ 1523042 h 2185026"/>
-              <a:gd name="connsiteX8" fmla="*/ 8328 w 2280902"/>
-              <a:gd name="connsiteY8" fmla="*/ 1515472 h 2185026"/>
-              <a:gd name="connsiteX9" fmla="*/ 666080 w 2280902"/>
-              <a:gd name="connsiteY9" fmla="*/ 132756 h 2185026"/>
-              <a:gd name="connsiteX10" fmla="*/ 672784 w 2280902"/>
-              <a:gd name="connsiteY10" fmla="*/ 0 h 2185026"/>
-            </a:gdLst>
-            <a:ahLst/>
-            <a:cxnLst>
-              <a:cxn ang="0">
-                <a:pos x="connsiteX0" y="connsiteY0"/>
-              </a:cxn>
-              <a:cxn ang="0">
-                <a:pos x="connsiteX1" y="connsiteY1"/>
-              </a:cxn>
-              <a:cxn ang="0">
-                <a:pos x="connsiteX2" y="connsiteY2"/>
-              </a:cxn>
-              <a:cxn ang="0">
-                <a:pos x="connsiteX3" y="connsiteY3"/>
-              </a:cxn>
-              <a:cxn ang="0">
-                <a:pos x="connsiteX4" y="connsiteY4"/>
-              </a:cxn>
-              <a:cxn ang="0">
-                <a:pos x="connsiteX5" y="connsiteY5"/>
-              </a:cxn>
-              <a:cxn ang="0">
-                <a:pos x="connsiteX6" y="connsiteY6"/>
-              </a:cxn>
-              <a:cxn ang="0">
-                <a:pos x="connsiteX7" y="connsiteY7"/>
-              </a:cxn>
-              <a:cxn ang="0">
-                <a:pos x="connsiteX8" y="connsiteY8"/>
-              </a:cxn>
-              <a:cxn ang="0">
-                <a:pos x="connsiteX9" y="connsiteY9"/>
-              </a:cxn>
-              <a:cxn ang="0">
-                <a:pos x="connsiteX10" y="connsiteY10"/>
-              </a:cxn>
-            </a:cxnLst>
-            <a:rect l="l" t="t" r="r" b="b"/>
-            <a:pathLst>
-              <a:path w="2280902" h="2185026">
-                <a:moveTo>
-                  <a:pt x="672784" y="0"/>
-                </a:moveTo>
-                <a:lnTo>
-                  <a:pt x="679786" y="1800"/>
-                </a:lnTo>
-                <a:cubicBezTo>
-                  <a:pt x="1538764" y="268970"/>
-                  <a:pt x="2180545" y="1029112"/>
-                  <a:pt x="2274198" y="1951296"/>
-                </a:cubicBezTo>
-                <a:lnTo>
-                  <a:pt x="2280902" y="2084053"/>
-                </a:lnTo>
-                <a:lnTo>
-                  <a:pt x="2068826" y="2138583"/>
-                </a:lnTo>
-                <a:cubicBezTo>
-                  <a:pt x="1920013" y="2169034"/>
-                  <a:pt x="1765933" y="2185026"/>
-                  <a:pt x="1608117" y="2185026"/>
-                </a:cubicBezTo>
-                <a:cubicBezTo>
-                  <a:pt x="1055763" y="2185026"/>
-                  <a:pt x="549165" y="1989126"/>
-                  <a:pt x="154009" y="1663015"/>
-                </a:cubicBezTo>
-                <a:lnTo>
-                  <a:pt x="0" y="1523042"/>
-                </a:lnTo>
-                <a:lnTo>
-                  <a:pt x="8328" y="1515472"/>
-                </a:lnTo>
-                <a:cubicBezTo>
-                  <a:pt x="370302" y="1153498"/>
-                  <a:pt x="611449" y="670697"/>
-                  <a:pt x="666080" y="132756"/>
-                </a:cubicBezTo>
-                <a:lnTo>
-                  <a:pt x="672784" y="0"/>
-                </a:lnTo>
-                <a:close/>
-              </a:path>
-            </a:pathLst>
-          </a:custGeom>
-          <a:noFill/>
-          <a:ln>
-            <a:solidFill>
-              <a:schemeClr val="bg1">
-                <a:lumMod val="85000"/>
-              </a:schemeClr>
-            </a:solidFill>
-          </a:ln>
-        </p:spPr>
-        <p:style>
-          <a:lnRef idx="2">
-            <a:schemeClr val="accent1">
-              <a:shade val="50000"/>
-            </a:schemeClr>
-          </a:lnRef>
-          <a:fillRef idx="1">
-            <a:schemeClr val="accent1"/>
-          </a:fillRef>
-          <a:effectRef idx="0">
-            <a:schemeClr val="accent1"/>
-          </a:effectRef>
-          <a:fontRef idx="minor">
-            <a:schemeClr val="lt1"/>
-          </a:fontRef>
-        </p:style>
-        <p:txBody>
-          <a:bodyPr rtlCol="0" anchor="ctr"/>
-          <a:lstStyle/>
-          <a:p>
-            <a:pPr algn="ctr"/>
-            <a:r>
-              <a:rPr lang="en-US" sz="1600" i="1" dirty="0" smtClean="0">
-                <a:solidFill>
-                  <a:schemeClr val="bg1">
-                    <a:lumMod val="85000"/>
-                  </a:schemeClr>
-                </a:solidFill>
-              </a:rPr>
-              <a:t>Traditional</a:t>
-            </a:r>
-          </a:p>
-          <a:p>
-            <a:pPr algn="ctr"/>
-            <a:r>
-              <a:rPr lang="en-US" sz="1600" i="1" dirty="0" smtClean="0">
-                <a:solidFill>
-                  <a:schemeClr val="bg1">
-                    <a:lumMod val="85000"/>
-                  </a:schemeClr>
-                </a:solidFill>
-              </a:rPr>
-              <a:t>Researcher</a:t>
-            </a:r>
-            <a:endParaRPr lang="en-US" sz="1600" i="1" dirty="0">
-              <a:solidFill>
-                <a:schemeClr val="bg1">
-                  <a:lumMod val="85000"/>
-                </a:schemeClr>
-              </a:solidFill>
-            </a:endParaRPr>
-          </a:p>
-        </p:txBody>
-      </p:sp>
-      <p:sp>
-        <p:nvSpPr>
-          <p:cNvPr id="11" name="Freeform 10"/>
-          <p:cNvSpPr/>
-          <p:nvPr/>
-        </p:nvSpPr>
-        <p:spPr>
-          <a:xfrm>
-            <a:off x="6016982" y="2386974"/>
-            <a:ext cx="2280901" cy="2185026"/>
-          </a:xfrm>
-          <a:custGeom>
-            <a:avLst/>
-            <a:gdLst>
-              <a:gd name="connsiteX0" fmla="*/ 1608117 w 2280901"/>
-              <a:gd name="connsiteY0" fmla="*/ 0 h 2185026"/>
-              <a:gd name="connsiteX1" fmla="*/ 1614820 w 2280901"/>
-              <a:gd name="connsiteY1" fmla="*/ 132756 h 2185026"/>
-              <a:gd name="connsiteX2" fmla="*/ 2272572 w 2280901"/>
-              <a:gd name="connsiteY2" fmla="*/ 1515472 h 2185026"/>
-              <a:gd name="connsiteX3" fmla="*/ 2280901 w 2280901"/>
-              <a:gd name="connsiteY3" fmla="*/ 1523042 h 2185026"/>
-              <a:gd name="connsiteX4" fmla="*/ 2126891 w 2280901"/>
-              <a:gd name="connsiteY4" fmla="*/ 1663015 h 2185026"/>
-              <a:gd name="connsiteX5" fmla="*/ 672783 w 2280901"/>
-              <a:gd name="connsiteY5" fmla="*/ 2185026 h 2185026"/>
-              <a:gd name="connsiteX6" fmla="*/ 212074 w 2280901"/>
-              <a:gd name="connsiteY6" fmla="*/ 2138583 h 2185026"/>
-              <a:gd name="connsiteX7" fmla="*/ 0 w 2280901"/>
-              <a:gd name="connsiteY7" fmla="*/ 2084053 h 2185026"/>
-              <a:gd name="connsiteX8" fmla="*/ 6703 w 2280901"/>
-              <a:gd name="connsiteY8" fmla="*/ 1951296 h 2185026"/>
-              <a:gd name="connsiteX9" fmla="*/ 1601115 w 2280901"/>
-              <a:gd name="connsiteY9" fmla="*/ 1800 h 2185026"/>
-              <a:gd name="connsiteX10" fmla="*/ 1608117 w 2280901"/>
-              <a:gd name="connsiteY10" fmla="*/ 0 h 2185026"/>
-            </a:gdLst>
-            <a:ahLst/>
-            <a:cxnLst>
-              <a:cxn ang="0">
-                <a:pos x="connsiteX0" y="connsiteY0"/>
-              </a:cxn>
-              <a:cxn ang="0">
-                <a:pos x="connsiteX1" y="connsiteY1"/>
-              </a:cxn>
-              <a:cxn ang="0">
-                <a:pos x="connsiteX2" y="connsiteY2"/>
-              </a:cxn>
-              <a:cxn ang="0">
-                <a:pos x="connsiteX3" y="connsiteY3"/>
-              </a:cxn>
-              <a:cxn ang="0">
-                <a:pos x="connsiteX4" y="connsiteY4"/>
-              </a:cxn>
-              <a:cxn ang="0">
-                <a:pos x="connsiteX5" y="connsiteY5"/>
-              </a:cxn>
-              <a:cxn ang="0">
-                <a:pos x="connsiteX6" y="connsiteY6"/>
-              </a:cxn>
-              <a:cxn ang="0">
-                <a:pos x="connsiteX7" y="connsiteY7"/>
-              </a:cxn>
-              <a:cxn ang="0">
-                <a:pos x="connsiteX8" y="connsiteY8"/>
-              </a:cxn>
-              <a:cxn ang="0">
-                <a:pos x="connsiteX9" y="connsiteY9"/>
-              </a:cxn>
-              <a:cxn ang="0">
-                <a:pos x="connsiteX10" y="connsiteY10"/>
-              </a:cxn>
-            </a:cxnLst>
-            <a:rect l="l" t="t" r="r" b="b"/>
-            <a:pathLst>
-              <a:path w="2280901" h="2185026">
-                <a:moveTo>
-                  <a:pt x="1608117" y="0"/>
-                </a:moveTo>
-                <a:lnTo>
-                  <a:pt x="1614820" y="132756"/>
-                </a:lnTo>
-                <a:cubicBezTo>
-                  <a:pt x="1669451" y="670697"/>
-                  <a:pt x="1910598" y="1153498"/>
-                  <a:pt x="2272572" y="1515472"/>
-                </a:cubicBezTo>
-                <a:lnTo>
-                  <a:pt x="2280901" y="1523042"/>
-                </a:lnTo>
-                <a:lnTo>
-                  <a:pt x="2126891" y="1663015"/>
-                </a:lnTo>
-                <a:cubicBezTo>
-                  <a:pt x="1731736" y="1989126"/>
-                  <a:pt x="1225137" y="2185026"/>
-                  <a:pt x="672783" y="2185026"/>
-                </a:cubicBezTo>
-                <a:cubicBezTo>
-                  <a:pt x="514968" y="2185026"/>
-                  <a:pt x="360887" y="2169034"/>
-                  <a:pt x="212074" y="2138583"/>
-                </a:cubicBezTo>
-                <a:lnTo>
-                  <a:pt x="0" y="2084053"/>
-                </a:lnTo>
-                <a:lnTo>
-                  <a:pt x="6703" y="1951296"/>
-                </a:lnTo>
-                <a:cubicBezTo>
-                  <a:pt x="100356" y="1029112"/>
-                  <a:pt x="742137" y="268970"/>
-                  <a:pt x="1601115" y="1800"/>
-                </a:cubicBezTo>
-                <a:lnTo>
-                  <a:pt x="1608117" y="0"/>
-                </a:lnTo>
-                <a:close/>
-              </a:path>
-            </a:pathLst>
-          </a:custGeom>
-          <a:noFill/>
-          <a:ln>
-            <a:solidFill>
-              <a:schemeClr val="bg1">
-                <a:lumMod val="85000"/>
-              </a:schemeClr>
-            </a:solidFill>
-          </a:ln>
-        </p:spPr>
-        <p:style>
-          <a:lnRef idx="2">
-            <a:schemeClr val="accent1">
-              <a:shade val="50000"/>
-            </a:schemeClr>
-          </a:lnRef>
-          <a:fillRef idx="1">
-            <a:schemeClr val="accent1"/>
-          </a:fillRef>
-          <a:effectRef idx="0">
-            <a:schemeClr val="accent1"/>
-          </a:effectRef>
-          <a:fontRef idx="minor">
-            <a:schemeClr val="lt1"/>
-          </a:fontRef>
-        </p:style>
-        <p:txBody>
-          <a:bodyPr rtlCol="0" anchor="ctr"/>
-          <a:lstStyle/>
-          <a:p>
-            <a:pPr algn="ctr"/>
-            <a:r>
-              <a:rPr lang="en-US" sz="1600" i="1" dirty="0" smtClean="0">
-                <a:solidFill>
-                  <a:schemeClr val="bg1">
-                    <a:lumMod val="85000"/>
-                  </a:schemeClr>
-                </a:solidFill>
-              </a:rPr>
-              <a:t>Danger</a:t>
-            </a:r>
-          </a:p>
-          <a:p>
-            <a:pPr algn="ctr"/>
-            <a:r>
-              <a:rPr lang="en-US" sz="1600" i="1" dirty="0" smtClean="0">
-                <a:solidFill>
-                  <a:schemeClr val="bg1">
-                    <a:lumMod val="85000"/>
-                  </a:schemeClr>
-                </a:solidFill>
-              </a:rPr>
-              <a:t>Zone!</a:t>
-            </a:r>
-            <a:endParaRPr lang="en-US" sz="1600" i="1" dirty="0">
-              <a:solidFill>
-                <a:schemeClr val="bg1">
-                  <a:lumMod val="85000"/>
-                </a:schemeClr>
-              </a:solidFill>
-            </a:endParaRPr>
-          </a:p>
-        </p:txBody>
-      </p:sp>
-      <p:sp>
-        <p:nvSpPr>
-          <p:cNvPr id="10" name="Freeform 9"/>
-          <p:cNvSpPr/>
-          <p:nvPr/>
-        </p:nvSpPr>
-        <p:spPr>
-          <a:xfrm>
-            <a:off x="4403764" y="1"/>
-            <a:ext cx="3894118" cy="4471027"/>
-          </a:xfrm>
-          <a:custGeom>
-            <a:avLst/>
-            <a:gdLst>
-              <a:gd name="connsiteX0" fmla="*/ 2286000 w 3894118"/>
-              <a:gd name="connsiteY0" fmla="*/ 0 h 4471027"/>
-              <a:gd name="connsiteX1" fmla="*/ 3740108 w 3894118"/>
-              <a:gd name="connsiteY1" fmla="*/ 522011 h 4471027"/>
-              <a:gd name="connsiteX2" fmla="*/ 3894118 w 3894118"/>
-              <a:gd name="connsiteY2" fmla="*/ 661985 h 4471027"/>
-              <a:gd name="connsiteX3" fmla="*/ 3885789 w 3894118"/>
-              <a:gd name="connsiteY3" fmla="*/ 669554 h 4471027"/>
-              <a:gd name="connsiteX4" fmla="*/ 3216235 w 3894118"/>
-              <a:gd name="connsiteY4" fmla="*/ 2286000 h 4471027"/>
-              <a:gd name="connsiteX5" fmla="*/ 3221334 w 3894118"/>
-              <a:gd name="connsiteY5" fmla="*/ 2386974 h 4471027"/>
-              <a:gd name="connsiteX6" fmla="*/ 3214332 w 3894118"/>
-              <a:gd name="connsiteY6" fmla="*/ 2388774 h 4471027"/>
-              <a:gd name="connsiteX7" fmla="*/ 1619920 w 3894118"/>
-              <a:gd name="connsiteY7" fmla="*/ 4338270 h 4471027"/>
-              <a:gd name="connsiteX8" fmla="*/ 1613217 w 3894118"/>
-              <a:gd name="connsiteY8" fmla="*/ 4471027 h 4471027"/>
-              <a:gd name="connsiteX9" fmla="*/ 1606214 w 3894118"/>
-              <a:gd name="connsiteY9" fmla="*/ 4469226 h 4471027"/>
-              <a:gd name="connsiteX10" fmla="*/ 0 w 3894118"/>
-              <a:gd name="connsiteY10" fmla="*/ 2286000 h 4471027"/>
-              <a:gd name="connsiteX11" fmla="*/ 2286000 w 3894118"/>
-              <a:gd name="connsiteY11" fmla="*/ 0 h 4471027"/>
-            </a:gdLst>
-            <a:ahLst/>
-            <a:cxnLst>
-              <a:cxn ang="0">
-                <a:pos x="connsiteX0" y="connsiteY0"/>
-              </a:cxn>
-              <a:cxn ang="0">
-                <a:pos x="connsiteX1" y="connsiteY1"/>
-              </a:cxn>
-              <a:cxn ang="0">
-                <a:pos x="connsiteX2" y="connsiteY2"/>
-              </a:cxn>
-              <a:cxn ang="0">
-                <a:pos x="connsiteX3" y="connsiteY3"/>
-              </a:cxn>
-              <a:cxn ang="0">
-                <a:pos x="connsiteX4" y="connsiteY4"/>
-              </a:cxn>
-              <a:cxn ang="0">
-                <a:pos x="connsiteX5" y="connsiteY5"/>
-              </a:cxn>
-              <a:cxn ang="0">
-                <a:pos x="connsiteX6" y="connsiteY6"/>
-              </a:cxn>
-              <a:cxn ang="0">
-                <a:pos x="connsiteX7" y="connsiteY7"/>
-              </a:cxn>
-              <a:cxn ang="0">
-                <a:pos x="connsiteX8" y="connsiteY8"/>
-              </a:cxn>
-              <a:cxn ang="0">
-                <a:pos x="connsiteX9" y="connsiteY9"/>
-              </a:cxn>
-              <a:cxn ang="0">
-                <a:pos x="connsiteX10" y="connsiteY10"/>
-              </a:cxn>
-              <a:cxn ang="0">
-                <a:pos x="connsiteX11" y="connsiteY11"/>
-              </a:cxn>
-            </a:cxnLst>
-            <a:rect l="l" t="t" r="r" b="b"/>
-            <a:pathLst>
-              <a:path w="3894118" h="4471027">
-                <a:moveTo>
-                  <a:pt x="2286000" y="0"/>
-                </a:moveTo>
-                <a:cubicBezTo>
-                  <a:pt x="2838354" y="0"/>
-                  <a:pt x="3344953" y="195900"/>
-                  <a:pt x="3740108" y="522011"/>
-                </a:cubicBezTo>
-                <a:lnTo>
-                  <a:pt x="3894118" y="661985"/>
-                </a:lnTo>
-                <a:lnTo>
-                  <a:pt x="3885789" y="669554"/>
-                </a:lnTo>
-                <a:cubicBezTo>
-                  <a:pt x="3472104" y="1083238"/>
-                  <a:pt x="3216235" y="1654738"/>
-                  <a:pt x="3216235" y="2286000"/>
-                </a:cubicBezTo>
-                <a:lnTo>
-                  <a:pt x="3221334" y="2386974"/>
-                </a:lnTo>
-                <a:lnTo>
-                  <a:pt x="3214332" y="2388774"/>
-                </a:lnTo>
-                <a:cubicBezTo>
-                  <a:pt x="2355354" y="2655944"/>
-                  <a:pt x="1713573" y="3416086"/>
-                  <a:pt x="1619920" y="4338270"/>
-                </a:cubicBezTo>
-                <a:lnTo>
-                  <a:pt x="1613217" y="4471027"/>
-                </a:lnTo>
-                <a:lnTo>
-                  <a:pt x="1606214" y="4469226"/>
-                </a:lnTo>
-                <a:cubicBezTo>
-                  <a:pt x="675655" y="4179792"/>
-                  <a:pt x="0" y="3311800"/>
-                  <a:pt x="0" y="2286000"/>
-                </a:cubicBezTo>
-                <a:cubicBezTo>
-                  <a:pt x="0" y="1023477"/>
-                  <a:pt x="1023477" y="0"/>
-                  <a:pt x="2286000" y="0"/>
-                </a:cubicBezTo>
-                <a:close/>
-              </a:path>
-            </a:pathLst>
-          </a:custGeom>
-          <a:noFill/>
-          <a:ln>
-            <a:solidFill>
-              <a:schemeClr val="bg1">
-                <a:lumMod val="85000"/>
-              </a:schemeClr>
-            </a:solidFill>
-          </a:ln>
-        </p:spPr>
-        <p:style>
-          <a:lnRef idx="2">
-            <a:schemeClr val="accent1">
-              <a:shade val="50000"/>
-            </a:schemeClr>
-          </a:lnRef>
-          <a:fillRef idx="1">
-            <a:schemeClr val="accent1"/>
-          </a:fillRef>
-          <a:effectRef idx="0">
-            <a:schemeClr val="accent1"/>
-          </a:effectRef>
-          <a:fontRef idx="minor">
-            <a:schemeClr val="lt1"/>
-          </a:fontRef>
-        </p:style>
-        <p:txBody>
-          <a:bodyPr rtlCol="0" anchor="ctr"/>
-          <a:lstStyle/>
-          <a:p>
-            <a:pPr algn="ctr"/>
-            <a:r>
-              <a:rPr lang="en-US" sz="2400" i="1" dirty="0" smtClean="0">
-                <a:solidFill>
-                  <a:schemeClr val="bg1">
-                    <a:lumMod val="85000"/>
-                  </a:schemeClr>
-                </a:solidFill>
-              </a:rPr>
-              <a:t>Computer Science</a:t>
-            </a:r>
-          </a:p>
-          <a:p>
-            <a:pPr algn="ctr"/>
-            <a:r>
-              <a:rPr lang="en-US" sz="2400" i="1" dirty="0" smtClean="0">
-                <a:solidFill>
-                  <a:schemeClr val="bg1">
-                    <a:lumMod val="85000"/>
-                  </a:schemeClr>
-                </a:solidFill>
-              </a:rPr>
-              <a:t>Skills</a:t>
-            </a:r>
-          </a:p>
-          <a:p>
-            <a:pPr algn="ctr"/>
-            <a:endParaRPr lang="en-US" dirty="0"/>
-          </a:p>
-          <a:p>
-            <a:pPr algn="ctr"/>
-            <a:endParaRPr lang="en-US" dirty="0" smtClean="0"/>
-          </a:p>
-          <a:p>
-            <a:pPr algn="ctr"/>
-            <a:endParaRPr lang="en-US" dirty="0"/>
-          </a:p>
-          <a:p>
-            <a:pPr algn="ctr"/>
-            <a:endParaRPr lang="en-US" dirty="0" smtClean="0"/>
-          </a:p>
-          <a:p>
-            <a:pPr algn="ctr"/>
-            <a:endParaRPr lang="en-US" dirty="0"/>
-          </a:p>
-        </p:txBody>
-      </p:sp>
-      <p:sp>
-        <p:nvSpPr>
-          <p:cNvPr id="9" name="Freeform 8"/>
-          <p:cNvSpPr/>
-          <p:nvPr/>
-        </p:nvSpPr>
-        <p:spPr>
-          <a:xfrm>
-            <a:off x="8297883" y="1"/>
-            <a:ext cx="3894117" cy="4471027"/>
-          </a:xfrm>
-          <a:custGeom>
-            <a:avLst/>
-            <a:gdLst>
-              <a:gd name="connsiteX0" fmla="*/ 1608117 w 3894117"/>
-              <a:gd name="connsiteY0" fmla="*/ 0 h 4471027"/>
-              <a:gd name="connsiteX1" fmla="*/ 3894117 w 3894117"/>
-              <a:gd name="connsiteY1" fmla="*/ 2286000 h 4471027"/>
-              <a:gd name="connsiteX2" fmla="*/ 2287903 w 3894117"/>
-              <a:gd name="connsiteY2" fmla="*/ 4469226 h 4471027"/>
-              <a:gd name="connsiteX3" fmla="*/ 2280902 w 3894117"/>
-              <a:gd name="connsiteY3" fmla="*/ 4471027 h 4471027"/>
-              <a:gd name="connsiteX4" fmla="*/ 2274198 w 3894117"/>
-              <a:gd name="connsiteY4" fmla="*/ 4338270 h 4471027"/>
-              <a:gd name="connsiteX5" fmla="*/ 679786 w 3894117"/>
-              <a:gd name="connsiteY5" fmla="*/ 2388774 h 4471027"/>
-              <a:gd name="connsiteX6" fmla="*/ 672784 w 3894117"/>
-              <a:gd name="connsiteY6" fmla="*/ 2386974 h 4471027"/>
-              <a:gd name="connsiteX7" fmla="*/ 677882 w 3894117"/>
-              <a:gd name="connsiteY7" fmla="*/ 2286000 h 4471027"/>
-              <a:gd name="connsiteX8" fmla="*/ 8328 w 3894117"/>
-              <a:gd name="connsiteY8" fmla="*/ 669554 h 4471027"/>
-              <a:gd name="connsiteX9" fmla="*/ 0 w 3894117"/>
-              <a:gd name="connsiteY9" fmla="*/ 661985 h 4471027"/>
-              <a:gd name="connsiteX10" fmla="*/ 154009 w 3894117"/>
-              <a:gd name="connsiteY10" fmla="*/ 522011 h 4471027"/>
-              <a:gd name="connsiteX11" fmla="*/ 1608117 w 3894117"/>
-              <a:gd name="connsiteY11" fmla="*/ 0 h 4471027"/>
-            </a:gdLst>
-            <a:ahLst/>
-            <a:cxnLst>
-              <a:cxn ang="0">
-                <a:pos x="connsiteX0" y="connsiteY0"/>
-              </a:cxn>
-              <a:cxn ang="0">
-                <a:pos x="connsiteX1" y="connsiteY1"/>
-              </a:cxn>
-              <a:cxn ang="0">
-                <a:pos x="connsiteX2" y="connsiteY2"/>
-              </a:cxn>
-              <a:cxn ang="0">
-                <a:pos x="connsiteX3" y="connsiteY3"/>
-              </a:cxn>
-              <a:cxn ang="0">
-                <a:pos x="connsiteX4" y="connsiteY4"/>
-              </a:cxn>
-              <a:cxn ang="0">
-                <a:pos x="connsiteX5" y="connsiteY5"/>
-              </a:cxn>
-              <a:cxn ang="0">
-                <a:pos x="connsiteX6" y="connsiteY6"/>
-              </a:cxn>
-              <a:cxn ang="0">
-                <a:pos x="connsiteX7" y="connsiteY7"/>
-              </a:cxn>
-              <a:cxn ang="0">
-                <a:pos x="connsiteX8" y="connsiteY8"/>
-              </a:cxn>
-              <a:cxn ang="0">
-                <a:pos x="connsiteX9" y="connsiteY9"/>
-              </a:cxn>
-              <a:cxn ang="0">
-                <a:pos x="connsiteX10" y="connsiteY10"/>
-              </a:cxn>
-              <a:cxn ang="0">
-                <a:pos x="connsiteX11" y="connsiteY11"/>
-              </a:cxn>
-            </a:cxnLst>
-            <a:rect l="l" t="t" r="r" b="b"/>
-            <a:pathLst>
-              <a:path w="3894117" h="4471027">
-                <a:moveTo>
-                  <a:pt x="1608117" y="0"/>
-                </a:moveTo>
-                <a:cubicBezTo>
-                  <a:pt x="2870640" y="0"/>
-                  <a:pt x="3894117" y="1023477"/>
-                  <a:pt x="3894117" y="2286000"/>
-                </a:cubicBezTo>
-                <a:cubicBezTo>
-                  <a:pt x="3894117" y="3311800"/>
-                  <a:pt x="3218463" y="4179792"/>
-                  <a:pt x="2287903" y="4469226"/>
-                </a:cubicBezTo>
-                <a:lnTo>
-                  <a:pt x="2280902" y="4471027"/>
-                </a:lnTo>
-                <a:lnTo>
-                  <a:pt x="2274198" y="4338270"/>
-                </a:lnTo>
-                <a:cubicBezTo>
-                  <a:pt x="2180545" y="3416086"/>
-                  <a:pt x="1538764" y="2655944"/>
-                  <a:pt x="679786" y="2388774"/>
-                </a:cubicBezTo>
-                <a:lnTo>
-                  <a:pt x="672784" y="2386974"/>
-                </a:lnTo>
-                <a:lnTo>
-                  <a:pt x="677882" y="2286000"/>
-                </a:lnTo>
-                <a:cubicBezTo>
-                  <a:pt x="677882" y="1654738"/>
-                  <a:pt x="422013" y="1083238"/>
-                  <a:pt x="8328" y="669554"/>
-                </a:cubicBezTo>
-                <a:lnTo>
-                  <a:pt x="0" y="661985"/>
-                </a:lnTo>
-                <a:lnTo>
-                  <a:pt x="154009" y="522011"/>
-                </a:lnTo>
-                <a:cubicBezTo>
-                  <a:pt x="549165" y="195900"/>
-                  <a:pt x="1055763" y="0"/>
-                  <a:pt x="1608117" y="0"/>
-                </a:cubicBezTo>
-                <a:close/>
-              </a:path>
-            </a:pathLst>
-          </a:custGeom>
-          <a:noFill/>
-          <a:ln>
-            <a:solidFill>
-              <a:schemeClr val="bg1">
-                <a:lumMod val="85000"/>
-              </a:schemeClr>
-            </a:solidFill>
-          </a:ln>
-        </p:spPr>
-        <p:style>
-          <a:lnRef idx="2">
-            <a:schemeClr val="accent1">
-              <a:shade val="50000"/>
-            </a:schemeClr>
-          </a:lnRef>
-          <a:fillRef idx="1">
-            <a:schemeClr val="accent1"/>
-          </a:fillRef>
-          <a:effectRef idx="0">
-            <a:schemeClr val="accent1"/>
-          </a:effectRef>
-          <a:fontRef idx="minor">
-            <a:schemeClr val="lt1"/>
-          </a:fontRef>
-        </p:style>
-        <p:txBody>
-          <a:bodyPr rtlCol="0" anchor="ctr"/>
-          <a:lstStyle/>
-          <a:p>
-            <a:pPr algn="ctr"/>
-            <a:r>
-              <a:rPr lang="en-US" sz="2400" i="1" dirty="0" smtClean="0">
-                <a:solidFill>
-                  <a:schemeClr val="bg1">
-                    <a:lumMod val="85000"/>
-                  </a:schemeClr>
-                </a:solidFill>
-              </a:rPr>
-              <a:t>Mathematics/</a:t>
-            </a:r>
-          </a:p>
-          <a:p>
-            <a:pPr algn="ctr"/>
-            <a:r>
-              <a:rPr lang="en-US" sz="2400" i="1" dirty="0" smtClean="0">
-                <a:solidFill>
-                  <a:schemeClr val="bg1">
-                    <a:lumMod val="85000"/>
-                  </a:schemeClr>
-                </a:solidFill>
-              </a:rPr>
-              <a:t>Statistics</a:t>
-            </a:r>
-          </a:p>
-          <a:p>
-            <a:pPr algn="ctr"/>
-            <a:r>
-              <a:rPr lang="en-US" sz="2400" i="1" dirty="0" smtClean="0">
-                <a:solidFill>
-                  <a:schemeClr val="bg1">
-                    <a:lumMod val="85000"/>
-                  </a:schemeClr>
-                </a:solidFill>
-              </a:rPr>
-              <a:t>Knowledge</a:t>
-            </a:r>
-          </a:p>
-          <a:p>
-            <a:pPr algn="ctr"/>
-            <a:endParaRPr lang="en-US" dirty="0"/>
-          </a:p>
-          <a:p>
-            <a:pPr algn="ctr"/>
-            <a:endParaRPr lang="en-US" dirty="0" smtClean="0"/>
-          </a:p>
-          <a:p>
-            <a:pPr algn="ctr"/>
-            <a:endParaRPr lang="en-US" dirty="0"/>
-          </a:p>
-          <a:p>
-            <a:pPr algn="ctr"/>
-            <a:endParaRPr lang="en-US" dirty="0" smtClean="0"/>
-          </a:p>
-          <a:p>
-            <a:pPr algn="ctr"/>
-            <a:endParaRPr lang="en-US" dirty="0"/>
-          </a:p>
-        </p:txBody>
-      </p:sp>
-      <p:sp>
-        <p:nvSpPr>
-          <p:cNvPr id="8" name="Freeform 7"/>
-          <p:cNvSpPr/>
-          <p:nvPr/>
-        </p:nvSpPr>
-        <p:spPr>
-          <a:xfrm>
-            <a:off x="7625098" y="2286000"/>
-            <a:ext cx="1345568" cy="1624016"/>
-          </a:xfrm>
-          <a:custGeom>
-            <a:avLst/>
-            <a:gdLst>
-              <a:gd name="connsiteX0" fmla="*/ 672784 w 1345568"/>
-              <a:gd name="connsiteY0" fmla="*/ 0 h 1624016"/>
-              <a:gd name="connsiteX1" fmla="*/ 1133493 w 1345568"/>
-              <a:gd name="connsiteY1" fmla="*/ 46443 h 1624016"/>
-              <a:gd name="connsiteX2" fmla="*/ 1345568 w 1345568"/>
-              <a:gd name="connsiteY2" fmla="*/ 100974 h 1624016"/>
-              <a:gd name="connsiteX3" fmla="*/ 1338864 w 1345568"/>
-              <a:gd name="connsiteY3" fmla="*/ 233730 h 1624016"/>
-              <a:gd name="connsiteX4" fmla="*/ 681112 w 1345568"/>
-              <a:gd name="connsiteY4" fmla="*/ 1616446 h 1624016"/>
-              <a:gd name="connsiteX5" fmla="*/ 672784 w 1345568"/>
-              <a:gd name="connsiteY5" fmla="*/ 1624016 h 1624016"/>
-              <a:gd name="connsiteX6" fmla="*/ 664455 w 1345568"/>
-              <a:gd name="connsiteY6" fmla="*/ 1616446 h 1624016"/>
-              <a:gd name="connsiteX7" fmla="*/ 6703 w 1345568"/>
-              <a:gd name="connsiteY7" fmla="*/ 233730 h 1624016"/>
-              <a:gd name="connsiteX8" fmla="*/ 0 w 1345568"/>
-              <a:gd name="connsiteY8" fmla="*/ 100974 h 1624016"/>
-              <a:gd name="connsiteX9" fmla="*/ 212075 w 1345568"/>
-              <a:gd name="connsiteY9" fmla="*/ 46443 h 1624016"/>
-              <a:gd name="connsiteX10" fmla="*/ 672784 w 1345568"/>
-              <a:gd name="connsiteY10" fmla="*/ 0 h 1624016"/>
-            </a:gdLst>
-            <a:ahLst/>
-            <a:cxnLst>
-              <a:cxn ang="0">
-                <a:pos x="connsiteX0" y="connsiteY0"/>
-              </a:cxn>
-              <a:cxn ang="0">
-                <a:pos x="connsiteX1" y="connsiteY1"/>
-              </a:cxn>
-              <a:cxn ang="0">
-                <a:pos x="connsiteX2" y="connsiteY2"/>
-              </a:cxn>
-              <a:cxn ang="0">
-                <a:pos x="connsiteX3" y="connsiteY3"/>
-              </a:cxn>
-              <a:cxn ang="0">
-                <a:pos x="connsiteX4" y="connsiteY4"/>
-              </a:cxn>
-              <a:cxn ang="0">
-                <a:pos x="connsiteX5" y="connsiteY5"/>
-              </a:cxn>
-              <a:cxn ang="0">
-                <a:pos x="connsiteX6" y="connsiteY6"/>
-              </a:cxn>
-              <a:cxn ang="0">
-                <a:pos x="connsiteX7" y="connsiteY7"/>
-              </a:cxn>
-              <a:cxn ang="0">
-                <a:pos x="connsiteX8" y="connsiteY8"/>
-              </a:cxn>
-              <a:cxn ang="0">
-                <a:pos x="connsiteX9" y="connsiteY9"/>
-              </a:cxn>
-              <a:cxn ang="0">
-                <a:pos x="connsiteX10" y="connsiteY10"/>
-              </a:cxn>
-            </a:cxnLst>
-            <a:rect l="l" t="t" r="r" b="b"/>
-            <a:pathLst>
-              <a:path w="1345568" h="1624016">
-                <a:moveTo>
-                  <a:pt x="672784" y="0"/>
-                </a:moveTo>
-                <a:cubicBezTo>
-                  <a:pt x="830600" y="0"/>
-                  <a:pt x="984680" y="15992"/>
-                  <a:pt x="1133493" y="46443"/>
-                </a:cubicBezTo>
-                <a:lnTo>
-                  <a:pt x="1345568" y="100974"/>
-                </a:lnTo>
-                <a:lnTo>
-                  <a:pt x="1338864" y="233730"/>
-                </a:lnTo>
-                <a:cubicBezTo>
-                  <a:pt x="1284233" y="771671"/>
-                  <a:pt x="1043086" y="1254472"/>
-                  <a:pt x="681112" y="1616446"/>
-                </a:cubicBezTo>
-                <a:lnTo>
-                  <a:pt x="672784" y="1624016"/>
-                </a:lnTo>
-                <a:lnTo>
-                  <a:pt x="664455" y="1616446"/>
-                </a:lnTo>
-                <a:cubicBezTo>
-                  <a:pt x="302481" y="1254472"/>
-                  <a:pt x="61334" y="771671"/>
-                  <a:pt x="6703" y="233730"/>
-                </a:cubicBezTo>
-                <a:lnTo>
-                  <a:pt x="0" y="100974"/>
-                </a:lnTo>
-                <a:lnTo>
-                  <a:pt x="212075" y="46443"/>
-                </a:lnTo>
-                <a:cubicBezTo>
-                  <a:pt x="360889" y="15992"/>
-                  <a:pt x="514969" y="0"/>
-                  <a:pt x="672784" y="0"/>
-                </a:cubicBezTo>
-                <a:close/>
-              </a:path>
-            </a:pathLst>
-          </a:custGeom>
-          <a:noFill/>
-          <a:ln>
-            <a:solidFill>
-              <a:schemeClr val="bg1">
-                <a:lumMod val="85000"/>
-              </a:schemeClr>
-            </a:solidFill>
-          </a:ln>
-        </p:spPr>
-        <p:style>
-          <a:lnRef idx="2">
-            <a:schemeClr val="accent1">
-              <a:shade val="50000"/>
-            </a:schemeClr>
-          </a:lnRef>
-          <a:fillRef idx="1">
-            <a:schemeClr val="accent1"/>
-          </a:fillRef>
-          <a:effectRef idx="0">
-            <a:schemeClr val="accent1"/>
-          </a:effectRef>
-          <a:fontRef idx="minor">
-            <a:schemeClr val="lt1"/>
-          </a:fontRef>
-        </p:style>
-        <p:txBody>
-          <a:bodyPr rtlCol="0" anchor="ctr"/>
-          <a:lstStyle/>
-          <a:p>
-            <a:pPr algn="ctr"/>
-            <a:r>
-              <a:rPr lang="en-US" sz="2000" b="1" i="1" dirty="0" smtClean="0">
-                <a:solidFill>
-                  <a:schemeClr val="bg1">
-                    <a:lumMod val="85000"/>
-                  </a:schemeClr>
-                </a:solidFill>
-              </a:rPr>
-              <a:t>Data</a:t>
-            </a:r>
-          </a:p>
-          <a:p>
-            <a:pPr algn="ctr"/>
-            <a:r>
-              <a:rPr lang="en-US" sz="2000" b="1" i="1" dirty="0" smtClean="0">
-                <a:solidFill>
-                  <a:schemeClr val="bg1">
-                    <a:lumMod val="85000"/>
-                  </a:schemeClr>
-                </a:solidFill>
-              </a:rPr>
-              <a:t>Scientist</a:t>
-            </a:r>
-          </a:p>
-          <a:p>
-            <a:pPr algn="ctr"/>
-            <a:endParaRPr lang="en-US" dirty="0"/>
-          </a:p>
-          <a:p>
-            <a:pPr algn="ctr"/>
-            <a:endParaRPr lang="en-US" dirty="0"/>
-          </a:p>
-        </p:txBody>
-      </p:sp>
-      <p:sp>
-        <p:nvSpPr>
-          <p:cNvPr id="7" name="Freeform 6"/>
-          <p:cNvSpPr/>
-          <p:nvPr/>
-        </p:nvSpPr>
-        <p:spPr>
-          <a:xfrm>
-            <a:off x="6011882" y="3910016"/>
-            <a:ext cx="4572000" cy="2947984"/>
-          </a:xfrm>
-          <a:custGeom>
-            <a:avLst/>
-            <a:gdLst>
-              <a:gd name="connsiteX0" fmla="*/ 2286000 w 4572000"/>
-              <a:gd name="connsiteY0" fmla="*/ 0 h 2947984"/>
-              <a:gd name="connsiteX1" fmla="*/ 2440009 w 4572000"/>
-              <a:gd name="connsiteY1" fmla="*/ 139973 h 2947984"/>
-              <a:gd name="connsiteX2" fmla="*/ 3894117 w 4572000"/>
-              <a:gd name="connsiteY2" fmla="*/ 661984 h 2947984"/>
-              <a:gd name="connsiteX3" fmla="*/ 4354826 w 4572000"/>
-              <a:gd name="connsiteY3" fmla="*/ 615541 h 2947984"/>
-              <a:gd name="connsiteX4" fmla="*/ 4566902 w 4572000"/>
-              <a:gd name="connsiteY4" fmla="*/ 561011 h 2947984"/>
-              <a:gd name="connsiteX5" fmla="*/ 4572000 w 4572000"/>
-              <a:gd name="connsiteY5" fmla="*/ 661984 h 2947984"/>
-              <a:gd name="connsiteX6" fmla="*/ 2286000 w 4572000"/>
-              <a:gd name="connsiteY6" fmla="*/ 2947984 h 2947984"/>
-              <a:gd name="connsiteX7" fmla="*/ 0 w 4572000"/>
-              <a:gd name="connsiteY7" fmla="*/ 661984 h 2947984"/>
-              <a:gd name="connsiteX8" fmla="*/ 5099 w 4572000"/>
-              <a:gd name="connsiteY8" fmla="*/ 561011 h 2947984"/>
-              <a:gd name="connsiteX9" fmla="*/ 217173 w 4572000"/>
-              <a:gd name="connsiteY9" fmla="*/ 615541 h 2947984"/>
-              <a:gd name="connsiteX10" fmla="*/ 677882 w 4572000"/>
-              <a:gd name="connsiteY10" fmla="*/ 661984 h 2947984"/>
-              <a:gd name="connsiteX11" fmla="*/ 2131990 w 4572000"/>
-              <a:gd name="connsiteY11" fmla="*/ 139973 h 2947984"/>
-              <a:gd name="connsiteX12" fmla="*/ 2286000 w 4572000"/>
-              <a:gd name="connsiteY12" fmla="*/ 0 h 2947984"/>
-            </a:gdLst>
-            <a:ahLst/>
-            <a:cxnLst>
-              <a:cxn ang="0">
-                <a:pos x="connsiteX0" y="connsiteY0"/>
-              </a:cxn>
-              <a:cxn ang="0">
-                <a:pos x="connsiteX1" y="connsiteY1"/>
-              </a:cxn>
-              <a:cxn ang="0">
-                <a:pos x="connsiteX2" y="connsiteY2"/>
-              </a:cxn>
-              <a:cxn ang="0">
-                <a:pos x="connsiteX3" y="connsiteY3"/>
-              </a:cxn>
-              <a:cxn ang="0">
-                <a:pos x="connsiteX4" y="connsiteY4"/>
-              </a:cxn>
-              <a:cxn ang="0">
-                <a:pos x="connsiteX5" y="connsiteY5"/>
-              </a:cxn>
-              <a:cxn ang="0">
-                <a:pos x="connsiteX6" y="connsiteY6"/>
-              </a:cxn>
-              <a:cxn ang="0">
-                <a:pos x="connsiteX7" y="connsiteY7"/>
-              </a:cxn>
-              <a:cxn ang="0">
-                <a:pos x="connsiteX8" y="connsiteY8"/>
-              </a:cxn>
-              <a:cxn ang="0">
-                <a:pos x="connsiteX9" y="connsiteY9"/>
-              </a:cxn>
-              <a:cxn ang="0">
-                <a:pos x="connsiteX10" y="connsiteY10"/>
-              </a:cxn>
-              <a:cxn ang="0">
-                <a:pos x="connsiteX11" y="connsiteY11"/>
-              </a:cxn>
-              <a:cxn ang="0">
-                <a:pos x="connsiteX12" y="connsiteY12"/>
-              </a:cxn>
-            </a:cxnLst>
-            <a:rect l="l" t="t" r="r" b="b"/>
-            <a:pathLst>
-              <a:path w="4572000" h="2947984">
-                <a:moveTo>
-                  <a:pt x="2286000" y="0"/>
-                </a:moveTo>
-                <a:lnTo>
-                  <a:pt x="2440009" y="139973"/>
-                </a:lnTo>
-                <a:cubicBezTo>
-                  <a:pt x="2835165" y="466084"/>
-                  <a:pt x="3341763" y="661984"/>
-                  <a:pt x="3894117" y="661984"/>
-                </a:cubicBezTo>
-                <a:cubicBezTo>
-                  <a:pt x="4051933" y="661984"/>
-                  <a:pt x="4206013" y="645992"/>
-                  <a:pt x="4354826" y="615541"/>
-                </a:cubicBezTo>
-                <a:lnTo>
-                  <a:pt x="4566902" y="561011"/>
-                </a:lnTo>
-                <a:lnTo>
-                  <a:pt x="4572000" y="661984"/>
-                </a:lnTo>
-                <a:cubicBezTo>
-                  <a:pt x="4572000" y="1924507"/>
-                  <a:pt x="3548523" y="2947984"/>
-                  <a:pt x="2286000" y="2947984"/>
-                </a:cubicBezTo>
-                <a:cubicBezTo>
-                  <a:pt x="1023477" y="2947984"/>
-                  <a:pt x="0" y="1924507"/>
-                  <a:pt x="0" y="661984"/>
-                </a:cubicBezTo>
-                <a:lnTo>
-                  <a:pt x="5099" y="561011"/>
-                </a:lnTo>
-                <a:lnTo>
-                  <a:pt x="217173" y="615541"/>
-                </a:lnTo>
-                <a:cubicBezTo>
-                  <a:pt x="365986" y="645992"/>
-                  <a:pt x="520067" y="661984"/>
-                  <a:pt x="677882" y="661984"/>
-                </a:cubicBezTo>
-                <a:cubicBezTo>
-                  <a:pt x="1230236" y="661984"/>
-                  <a:pt x="1736835" y="466084"/>
-                  <a:pt x="2131990" y="139973"/>
-                </a:cubicBezTo>
-                <a:lnTo>
-                  <a:pt x="2286000" y="0"/>
-                </a:lnTo>
-                <a:close/>
-              </a:path>
-            </a:pathLst>
-          </a:custGeom>
-          <a:solidFill>
-            <a:srgbClr val="7030A0">
-              <a:alpha val="40000"/>
-            </a:srgbClr>
-          </a:solidFill>
-          <a:ln>
-            <a:noFill/>
-          </a:ln>
-        </p:spPr>
-        <p:style>
-          <a:lnRef idx="2">
-            <a:schemeClr val="accent1">
-              <a:shade val="50000"/>
-            </a:schemeClr>
-          </a:lnRef>
-          <a:fillRef idx="1">
-            <a:schemeClr val="accent1"/>
-          </a:fillRef>
-          <a:effectRef idx="0">
-            <a:schemeClr val="accent1"/>
-          </a:effectRef>
-          <a:fontRef idx="minor">
-            <a:schemeClr val="lt1"/>
-          </a:fontRef>
-        </p:style>
-        <p:txBody>
-          <a:bodyPr rtlCol="0" anchor="ctr"/>
-          <a:lstStyle/>
-          <a:p>
-            <a:pPr algn="ctr"/>
-            <a:r>
-              <a:rPr lang="en-US" sz="2400" dirty="0" smtClean="0">
-                <a:solidFill>
-                  <a:schemeClr val="tx1"/>
-                </a:solidFill>
-              </a:rPr>
-              <a:t>Substantive Expertise</a:t>
-            </a:r>
-          </a:p>
-          <a:p>
-            <a:pPr algn="ctr"/>
-            <a:r>
-              <a:rPr lang="en-US" sz="2400" dirty="0" smtClean="0">
-                <a:solidFill>
-                  <a:schemeClr val="tx1"/>
-                </a:solidFill>
-              </a:rPr>
-              <a:t>Domain Knowledge</a:t>
-            </a:r>
-            <a:endParaRPr lang="en-US" sz="2400" dirty="0">
-              <a:solidFill>
-                <a:schemeClr val="tx1"/>
-              </a:solidFill>
-            </a:endParaRPr>
-          </a:p>
-        </p:txBody>
-      </p:sp>
-      <p:sp>
-        <p:nvSpPr>
-          <p:cNvPr id="15" name="TextBox 14"/>
-          <p:cNvSpPr txBox="1"/>
-          <p:nvPr/>
-        </p:nvSpPr>
-        <p:spPr>
-          <a:xfrm>
-            <a:off x="10215562" y="6550223"/>
-            <a:ext cx="1976438" cy="307777"/>
-          </a:xfrm>
-          <a:prstGeom prst="rect">
-            <a:avLst/>
-          </a:prstGeom>
-          <a:noFill/>
-        </p:spPr>
-        <p:txBody>
-          <a:bodyPr wrap="none" rtlCol="0">
-            <a:spAutoFit/>
-          </a:bodyPr>
-          <a:lstStyle/>
-          <a:p>
-            <a:r>
-              <a:rPr lang="en-US" sz="1400" dirty="0" smtClean="0">
-                <a:hlinkClick r:id="rId2"/>
-              </a:rPr>
-              <a:t>Thanks to Drew Conway </a:t>
-            </a:r>
-            <a:endParaRPr lang="en-US" sz="1400" dirty="0"/>
-          </a:p>
-        </p:txBody>
-      </p:sp>
-      <p:sp>
-        <p:nvSpPr>
-          <p:cNvPr id="16" name="TextBox 15"/>
-          <p:cNvSpPr txBox="1"/>
-          <p:nvPr/>
-        </p:nvSpPr>
-        <p:spPr>
-          <a:xfrm>
-            <a:off x="0" y="1"/>
-            <a:ext cx="4217670" cy="5170646"/>
-          </a:xfrm>
-          <a:prstGeom prst="rect">
-            <a:avLst/>
-          </a:prstGeom>
-          <a:noFill/>
-        </p:spPr>
-        <p:txBody>
-          <a:bodyPr wrap="square" rtlCol="0">
-            <a:spAutoFit/>
-          </a:bodyPr>
-          <a:lstStyle/>
-          <a:p>
-            <a:pPr algn="ctr"/>
-            <a:r>
-              <a:rPr lang="en-US" sz="3600" dirty="0" smtClean="0"/>
-              <a:t>The Data Science </a:t>
-            </a:r>
-            <a:r>
-              <a:rPr lang="en-US" sz="3600" smtClean="0"/>
-              <a:t>Venn </a:t>
-            </a:r>
-            <a:r>
-              <a:rPr lang="en-US" sz="3600" smtClean="0"/>
-              <a:t>Diagram</a:t>
-            </a:r>
-            <a:endParaRPr lang="en-US"/>
-          </a:p>
-          <a:p>
-            <a:endParaRPr lang="en-US" smtClean="0"/>
-          </a:p>
-          <a:p>
-            <a:r>
-              <a:rPr lang="en-US" sz="2400" smtClean="0"/>
-              <a:t>This will likely be the greatest challenge to affect as an educator. </a:t>
-            </a:r>
-          </a:p>
-          <a:p>
-            <a:endParaRPr lang="en-US" sz="2400"/>
-          </a:p>
-          <a:p>
-            <a:r>
-              <a:rPr lang="en-US" sz="2400" smtClean="0"/>
-              <a:t>Nothing comes close to actual on-the-job experience.</a:t>
-            </a:r>
-          </a:p>
-          <a:p>
-            <a:endParaRPr lang="en-US" sz="2400"/>
-          </a:p>
-          <a:p>
-            <a:r>
-              <a:rPr lang="en-US" sz="2400" smtClean="0"/>
-              <a:t>Emphasize internships over traditional summer research opportunities. </a:t>
-            </a:r>
-            <a:endParaRPr lang="en-US" sz="2400" dirty="0" smtClean="0"/>
-          </a:p>
-        </p:txBody>
-      </p:sp>
-    </p:spTree>
-    <p:extLst>
-      <p:ext uri="{BB962C8B-B14F-4D97-AF65-F5344CB8AC3E}">
-        <p14:creationId xmlns:p14="http://schemas.microsoft.com/office/powerpoint/2010/main" val="1359727533"/>
       </p:ext>
     </p:extLst>
   </p:cSld>
@@ -8314,7 +8333,7 @@
         <p:spPr>
           <a:xfrm>
             <a:off x="0" y="1"/>
-            <a:ext cx="4217670" cy="2954655"/>
+            <a:ext cx="4217670" cy="5170646"/>
           </a:xfrm>
           <a:prstGeom prst="rect">
             <a:avLst/>
@@ -8348,7 +8367,25 @@
           <a:p>
             <a:r>
               <a:rPr lang="en-US" sz="2400" smtClean="0"/>
-              <a:t>Additionally, graduate school is in some senses a mandatory pre-requisite for data science careers. </a:t>
+              <a:t>This will likely be the greatest challenge to affect as an educator. </a:t>
+            </a:r>
+          </a:p>
+          <a:p>
+            <a:endParaRPr lang="en-US" sz="2400"/>
+          </a:p>
+          <a:p>
+            <a:r>
+              <a:rPr lang="en-US" sz="2400" smtClean="0"/>
+              <a:t>Nothing comes close to actual on-the-job experience.</a:t>
+            </a:r>
+          </a:p>
+          <a:p>
+            <a:endParaRPr lang="en-US" sz="2400"/>
+          </a:p>
+          <a:p>
+            <a:r>
+              <a:rPr lang="en-US" sz="2400" smtClean="0"/>
+              <a:t>Emphasize internships over traditional summer research opportunities. </a:t>
             </a:r>
             <a:endParaRPr lang="en-US" sz="2400" dirty="0" smtClean="0"/>
           </a:p>
@@ -8357,7 +8394,7 @@
     </p:spTree>
     <p:extLst>
       <p:ext uri="{BB962C8B-B14F-4D97-AF65-F5344CB8AC3E}">
-        <p14:creationId xmlns:p14="http://schemas.microsoft.com/office/powerpoint/2010/main" val="3390784007"/>
+        <p14:creationId xmlns:p14="http://schemas.microsoft.com/office/powerpoint/2010/main" val="1359727533"/>
       </p:ext>
     </p:extLst>
   </p:cSld>
@@ -8505,14 +8542,13 @@
               </a:path>
             </a:pathLst>
           </a:custGeom>
-          <a:solidFill>
-            <a:schemeClr val="accent6">
-              <a:lumMod val="50000"/>
-              <a:alpha val="40000"/>
-            </a:schemeClr>
-          </a:solidFill>
+          <a:noFill/>
           <a:ln>
-            <a:noFill/>
+            <a:solidFill>
+              <a:schemeClr val="bg1">
+                <a:lumMod val="85000"/>
+              </a:schemeClr>
+            </a:solidFill>
           </a:ln>
         </p:spPr>
         <p:style>
@@ -8545,9 +8581,11 @@
           <a:p>
             <a:pPr algn="ctr"/>
             <a:r>
-              <a:rPr lang="en-US" sz="1600" dirty="0" smtClean="0">
+              <a:rPr lang="en-US" sz="1600" i="1" dirty="0" smtClean="0">
                 <a:solidFill>
-                  <a:schemeClr val="tx1"/>
+                  <a:schemeClr val="bg1">
+                    <a:lumMod val="85000"/>
+                  </a:schemeClr>
                 </a:solidFill>
               </a:rPr>
               <a:t>Machine</a:t>
@@ -8556,9 +8594,11 @@
           <a:p>
             <a:pPr algn="ctr"/>
             <a:r>
-              <a:rPr lang="en-US" sz="1600" dirty="0" smtClean="0">
+              <a:rPr lang="en-US" sz="1600" i="1" dirty="0" smtClean="0">
                 <a:solidFill>
-                  <a:schemeClr val="tx1"/>
+                  <a:schemeClr val="bg1">
+                    <a:lumMod val="85000"/>
+                  </a:schemeClr>
                 </a:solidFill>
               </a:rPr>
               <a:t>Learning</a:t>
@@ -8567,16 +8607,20 @@
           <a:p>
             <a:pPr algn="ctr"/>
             <a:r>
-              <a:rPr lang="en-US" sz="1600" dirty="0" smtClean="0">
+              <a:rPr lang="en-US" sz="1600" i="1" dirty="0" smtClean="0">
                 <a:solidFill>
-                  <a:schemeClr val="tx1"/>
+                  <a:schemeClr val="bg1">
+                    <a:lumMod val="85000"/>
+                  </a:schemeClr>
                 </a:solidFill>
               </a:rPr>
               <a:t>Scientist</a:t>
             </a:r>
-            <a:endParaRPr lang="en-US" sz="1600" dirty="0">
+            <a:endParaRPr lang="en-US" sz="1600" i="1" dirty="0">
               <a:solidFill>
-                <a:schemeClr val="tx1"/>
+                <a:schemeClr val="bg1">
+                  <a:lumMod val="85000"/>
+                </a:schemeClr>
               </a:solidFill>
             </a:endParaRPr>
           </a:p>
@@ -8703,15 +8747,13 @@
               </a:path>
             </a:pathLst>
           </a:custGeom>
-          <a:solidFill>
-            <a:schemeClr val="accent1">
-              <a:lumMod val="60000"/>
-              <a:lumOff val="40000"/>
-              <a:alpha val="40000"/>
-            </a:schemeClr>
-          </a:solidFill>
+          <a:noFill/>
           <a:ln>
-            <a:noFill/>
+            <a:solidFill>
+              <a:schemeClr val="bg1">
+                <a:lumMod val="85000"/>
+              </a:schemeClr>
+            </a:solidFill>
           </a:ln>
         </p:spPr>
         <p:style>
@@ -8736,9 +8778,11 @@
           <a:p>
             <a:pPr algn="ctr"/>
             <a:r>
-              <a:rPr lang="en-US" sz="1600" dirty="0" smtClean="0">
+              <a:rPr lang="en-US" sz="1600" i="1" dirty="0" smtClean="0">
                 <a:solidFill>
-                  <a:schemeClr val="tx1"/>
+                  <a:schemeClr val="bg1">
+                    <a:lumMod val="85000"/>
+                  </a:schemeClr>
                 </a:solidFill>
               </a:rPr>
               <a:t>Traditional</a:t>
@@ -8747,16 +8791,20 @@
           <a:p>
             <a:pPr algn="ctr"/>
             <a:r>
-              <a:rPr lang="en-US" sz="1600" dirty="0" smtClean="0">
+              <a:rPr lang="en-US" sz="1600" i="1" dirty="0" smtClean="0">
                 <a:solidFill>
-                  <a:schemeClr val="tx1"/>
+                  <a:schemeClr val="bg1">
+                    <a:lumMod val="85000"/>
+                  </a:schemeClr>
                 </a:solidFill>
               </a:rPr>
               <a:t>Researcher</a:t>
             </a:r>
-            <a:endParaRPr lang="en-US" sz="1600" dirty="0">
+            <a:endParaRPr lang="en-US" sz="1600" i="1" dirty="0">
               <a:solidFill>
-                <a:schemeClr val="tx1"/>
+                <a:schemeClr val="bg1">
+                  <a:lumMod val="85000"/>
+                </a:schemeClr>
               </a:solidFill>
             </a:endParaRPr>
           </a:p>
@@ -9494,13 +9542,13 @@
               </a:path>
             </a:pathLst>
           </a:custGeom>
-          <a:solidFill>
-            <a:schemeClr val="accent4">
-              <a:alpha val="40000"/>
-            </a:schemeClr>
-          </a:solidFill>
+          <a:noFill/>
           <a:ln>
-            <a:noFill/>
+            <a:solidFill>
+              <a:schemeClr val="bg1">
+                <a:lumMod val="85000"/>
+              </a:schemeClr>
+            </a:solidFill>
           </a:ln>
         </p:spPr>
         <p:style>
@@ -9525,9 +9573,11 @@
           <a:p>
             <a:pPr algn="ctr"/>
             <a:r>
-              <a:rPr lang="en-US" sz="2000" b="1" dirty="0" smtClean="0">
+              <a:rPr lang="en-US" sz="2000" b="1" i="1" dirty="0" smtClean="0">
                 <a:solidFill>
-                  <a:schemeClr val="tx1"/>
+                  <a:schemeClr val="bg1">
+                    <a:lumMod val="85000"/>
+                  </a:schemeClr>
                 </a:solidFill>
               </a:rPr>
               <a:t>Data</a:t>
@@ -9536,9 +9586,11 @@
           <a:p>
             <a:pPr algn="ctr"/>
             <a:r>
-              <a:rPr lang="en-US" sz="2000" b="1" dirty="0" smtClean="0">
+              <a:rPr lang="en-US" sz="2000" b="1" i="1" dirty="0" smtClean="0">
                 <a:solidFill>
-                  <a:schemeClr val="tx1"/>
+                  <a:schemeClr val="bg1">
+                    <a:lumMod val="85000"/>
+                  </a:schemeClr>
                 </a:solidFill>
               </a:rPr>
               <a:t>Scientist</a:t>
@@ -9695,13 +9747,13 @@
               </a:path>
             </a:pathLst>
           </a:custGeom>
-          <a:noFill/>
+          <a:solidFill>
+            <a:srgbClr val="7030A0">
+              <a:alpha val="40000"/>
+            </a:srgbClr>
+          </a:solidFill>
           <a:ln>
-            <a:solidFill>
-              <a:schemeClr val="bg1">
-                <a:lumMod val="85000"/>
-              </a:schemeClr>
-            </a:solidFill>
+            <a:noFill/>
           </a:ln>
         </p:spPr>
         <p:style>
@@ -9726,11 +9778,9 @@
           <a:p>
             <a:pPr algn="ctr"/>
             <a:r>
-              <a:rPr lang="en-US" sz="2400" i="1" dirty="0" smtClean="0">
+              <a:rPr lang="en-US" sz="2400" dirty="0" smtClean="0">
                 <a:solidFill>
-                  <a:schemeClr val="bg1">
-                    <a:lumMod val="85000"/>
-                  </a:schemeClr>
+                  <a:schemeClr val="tx1"/>
                 </a:solidFill>
               </a:rPr>
               <a:t>Substantive Expertise</a:t>
@@ -9739,20 +9789,16 @@
           <a:p>
             <a:pPr algn="ctr"/>
             <a:r>
-              <a:rPr lang="en-US" sz="2400" i="1" dirty="0" smtClean="0">
+              <a:rPr lang="en-US" sz="2400" dirty="0" smtClean="0">
                 <a:solidFill>
-                  <a:schemeClr val="bg1">
-                    <a:lumMod val="85000"/>
-                  </a:schemeClr>
+                  <a:schemeClr val="tx1"/>
                 </a:solidFill>
               </a:rPr>
               <a:t>Domain Knowledge</a:t>
             </a:r>
-            <a:endParaRPr lang="en-US" sz="2400" i="1" dirty="0">
+            <a:endParaRPr lang="en-US" sz="2400" dirty="0">
               <a:solidFill>
-                <a:schemeClr val="bg1">
-                  <a:lumMod val="85000"/>
-                </a:schemeClr>
+                <a:schemeClr val="tx1"/>
               </a:solidFill>
             </a:endParaRPr>
           </a:p>
@@ -9792,14 +9838,14 @@
       </p:sp>
       <p:sp>
         <p:nvSpPr>
-          <p:cNvPr id="17" name="TextBox 16"/>
+          <p:cNvPr id="16" name="TextBox 15"/>
           <p:cNvSpPr txBox="1"/>
           <p:nvPr/>
         </p:nvSpPr>
         <p:spPr>
           <a:xfrm>
             <a:off x="0" y="1"/>
-            <a:ext cx="4217670" cy="4431983"/>
+            <a:ext cx="4217670" cy="2954655"/>
           </a:xfrm>
           <a:prstGeom prst="rect">
             <a:avLst/>
@@ -9814,8 +9860,16 @@
           <a:p>
             <a:pPr algn="ctr"/>
             <a:r>
+              <a:rPr lang="en-US" sz="3600" dirty="0" smtClean="0"/>
+              <a:t>The Data Science </a:t>
+            </a:r>
+            <a:r>
               <a:rPr lang="en-US" sz="3600" smtClean="0"/>
-              <a:t>The Biggest Challenge</a:t>
+              <a:t>Venn </a:t>
+            </a:r>
+            <a:r>
+              <a:rPr lang="en-US" sz="3600" smtClean="0"/>
+              <a:t>Diagram</a:t>
             </a:r>
             <a:endParaRPr lang="en-US"/>
           </a:p>
@@ -9825,16 +9879,7 @@
           <a:p>
             <a:r>
               <a:rPr lang="en-US" sz="2400" smtClean="0"/>
-              <a:t>There are three great career opportunities here – which one is the best for any particular student?</a:t>
-            </a:r>
-          </a:p>
-          <a:p>
-            <a:endParaRPr lang="en-US" sz="2400"/>
-          </a:p>
-          <a:p>
-            <a:r>
-              <a:rPr lang="en-US" sz="2400" smtClean="0"/>
-              <a:t>Always a difficult question, but there are two specific situations you should be cognizant of.</a:t>
+              <a:t>Additionally, graduate school is in some senses a mandatory pre-requisite for data science careers. </a:t>
             </a:r>
             <a:endParaRPr lang="en-US" sz="2400" dirty="0" smtClean="0"/>
           </a:p>
@@ -9843,7 +9888,7 @@
     </p:spTree>
     <p:extLst>
       <p:ext uri="{BB962C8B-B14F-4D97-AF65-F5344CB8AC3E}">
-        <p14:creationId xmlns:p14="http://schemas.microsoft.com/office/powerpoint/2010/main" val="4113578552"/>
+        <p14:creationId xmlns:p14="http://schemas.microsoft.com/office/powerpoint/2010/main" val="3390784007"/>
       </p:ext>
     </p:extLst>
   </p:cSld>
@@ -11285,7 +11330,7 @@
         <p:spPr>
           <a:xfrm>
             <a:off x="0" y="1"/>
-            <a:ext cx="4217670" cy="3323987"/>
+            <a:ext cx="4217670" cy="4431983"/>
           </a:xfrm>
           <a:prstGeom prst="rect">
             <a:avLst/>
@@ -11311,21 +11356,17 @@
           <a:p>
             <a:r>
               <a:rPr lang="en-US" sz="2400" smtClean="0"/>
-              <a:t>The </a:t>
-            </a:r>
-            <a:r>
-              <a:rPr lang="en-US" sz="2400" b="1" i="1" smtClean="0"/>
-              <a:t>I’m looking for a data scientist but I actually want a software developer</a:t>
-            </a:r>
+              <a:t>There are three great career opportunities here – which one is the best for any particular student?</a:t>
+            </a:r>
+          </a:p>
+          <a:p>
+            <a:endParaRPr lang="en-US" sz="2400"/>
+          </a:p>
+          <a:p>
             <a:r>
               <a:rPr lang="en-US" sz="2400" smtClean="0"/>
-              <a:t> situation.</a:t>
-            </a:r>
-          </a:p>
-          <a:p>
-            <a:endParaRPr lang="en-US" sz="2400"/>
-          </a:p>
-          <a:p>
+              <a:t>Always a difficult question, but there are two specific situations you should be cognizant of.</a:t>
+            </a:r>
             <a:endParaRPr lang="en-US" sz="2400" dirty="0" smtClean="0"/>
           </a:p>
         </p:txBody>
@@ -11333,7 +11374,7 @@
     </p:spTree>
     <p:extLst>
       <p:ext uri="{BB962C8B-B14F-4D97-AF65-F5344CB8AC3E}">
-        <p14:creationId xmlns:p14="http://schemas.microsoft.com/office/powerpoint/2010/main" val="3163471879"/>
+        <p14:creationId xmlns:p14="http://schemas.microsoft.com/office/powerpoint/2010/main" val="4113578552"/>
       </p:ext>
     </p:extLst>
   </p:cSld>
@@ -12775,7 +12816,7 @@
         <p:spPr>
           <a:xfrm>
             <a:off x="0" y="1"/>
-            <a:ext cx="4217670" cy="4801314"/>
+            <a:ext cx="4217670" cy="3323987"/>
           </a:xfrm>
           <a:prstGeom prst="rect">
             <a:avLst/>
@@ -12816,10 +12857,6 @@
             <a:endParaRPr lang="en-US" sz="2400"/>
           </a:p>
           <a:p>
-            <a:r>
-              <a:rPr lang="en-US" sz="2400" smtClean="0"/>
-              <a:t>This is primarily seen in teams that are firmly software development teams looking for one data scientist to join their ranks. </a:t>
-            </a:r>
             <a:endParaRPr lang="en-US" sz="2400" dirty="0" smtClean="0"/>
           </a:p>
         </p:txBody>
@@ -12827,7 +12864,7 @@
     </p:spTree>
     <p:extLst>
       <p:ext uri="{BB962C8B-B14F-4D97-AF65-F5344CB8AC3E}">
-        <p14:creationId xmlns:p14="http://schemas.microsoft.com/office/powerpoint/2010/main" val="4055869719"/>
+        <p14:creationId xmlns:p14="http://schemas.microsoft.com/office/powerpoint/2010/main" val="3163471879"/>
       </p:ext>
     </p:extLst>
   </p:cSld>
@@ -14269,7 +14306,7 @@
         <p:spPr>
           <a:xfrm>
             <a:off x="0" y="1"/>
-            <a:ext cx="4217670" cy="4062651"/>
+            <a:ext cx="4217670" cy="4801314"/>
           </a:xfrm>
           <a:prstGeom prst="rect">
             <a:avLst/>
@@ -14299,11 +14336,11 @@
             </a:r>
             <a:r>
               <a:rPr lang="en-US" sz="2400" b="1" i="1" smtClean="0"/>
-              <a:t>data scientist v. machine learning scientist </a:t>
+              <a:t>I’m looking for a data scientist but I actually want a software developer</a:t>
             </a:r>
             <a:r>
               <a:rPr lang="en-US" sz="2400" smtClean="0"/>
-              <a:t>situation.</a:t>
+              <a:t> situation.</a:t>
             </a:r>
           </a:p>
           <a:p>
@@ -14312,7 +14349,7 @@
           <a:p>
             <a:r>
               <a:rPr lang="en-US" sz="2400" smtClean="0"/>
-              <a:t>It’s well-expressed in the venn diagram; data scientists are firmly focused on the business needs. </a:t>
+              <a:t>This is primarily seen in teams that are firmly software development teams looking for one data scientist to join their ranks. </a:t>
             </a:r>
             <a:endParaRPr lang="en-US" sz="2400" dirty="0" smtClean="0"/>
           </a:p>
@@ -14321,7 +14358,7 @@
     </p:spTree>
     <p:extLst>
       <p:ext uri="{BB962C8B-B14F-4D97-AF65-F5344CB8AC3E}">
-        <p14:creationId xmlns:p14="http://schemas.microsoft.com/office/powerpoint/2010/main" val="1498128183"/>
+        <p14:creationId xmlns:p14="http://schemas.microsoft.com/office/powerpoint/2010/main" val="4055869719"/>
       </p:ext>
     </p:extLst>
   </p:cSld>
@@ -14332,162 +14369,6 @@
 </file>
 
 <file path=ppt/slides/slide25.xml><?xml version="1.0" encoding="utf-8"?>
-<p:sld xmlns:a="http://schemas.openxmlformats.org/drawingml/2006/main" xmlns:r="http://schemas.openxmlformats.org/officeDocument/2006/relationships" xmlns:p="http://schemas.openxmlformats.org/presentationml/2006/main">
-  <p:cSld>
-    <p:spTree>
-      <p:nvGrpSpPr>
-        <p:cNvPr id="1" name=""/>
-        <p:cNvGrpSpPr/>
-        <p:nvPr/>
-      </p:nvGrpSpPr>
-      <p:grpSpPr>
-        <a:xfrm>
-          <a:off x="0" y="0"/>
-          <a:ext cx="0" cy="0"/>
-          <a:chOff x="0" y="0"/>
-          <a:chExt cx="0" cy="0"/>
-        </a:xfrm>
-      </p:grpSpPr>
-      <p:sp>
-        <p:nvSpPr>
-          <p:cNvPr id="2" name="Title 1"/>
-          <p:cNvSpPr>
-            <a:spLocks noGrp="1"/>
-          </p:cNvSpPr>
-          <p:nvPr>
-            <p:ph type="title"/>
-          </p:nvPr>
-        </p:nvSpPr>
-        <p:spPr/>
-        <p:txBody>
-          <a:bodyPr/>
-          <a:lstStyle/>
-          <a:p>
-            <a:r>
-              <a:rPr lang="en-US" smtClean="0"/>
-              <a:t>Summary</a:t>
-            </a:r>
-            <a:endParaRPr lang="en-US"/>
-          </a:p>
-        </p:txBody>
-      </p:sp>
-      <p:sp>
-        <p:nvSpPr>
-          <p:cNvPr id="3" name="Content Placeholder 2"/>
-          <p:cNvSpPr>
-            <a:spLocks noGrp="1"/>
-          </p:cNvSpPr>
-          <p:nvPr>
-            <p:ph idx="1"/>
-          </p:nvPr>
-        </p:nvSpPr>
-        <p:spPr/>
-        <p:txBody>
-          <a:bodyPr/>
-          <a:lstStyle/>
-          <a:p>
-            <a:endParaRPr lang="en-US"/>
-          </a:p>
-        </p:txBody>
-      </p:sp>
-    </p:spTree>
-    <p:extLst>
-      <p:ext uri="{BB962C8B-B14F-4D97-AF65-F5344CB8AC3E}">
-        <p14:creationId xmlns:p14="http://schemas.microsoft.com/office/powerpoint/2010/main" val="3976779000"/>
-      </p:ext>
-    </p:extLst>
-  </p:cSld>
-  <p:clrMapOvr>
-    <a:masterClrMapping/>
-  </p:clrMapOvr>
-</p:sld>
-</file>
-
-<file path=ppt/slides/slide26.xml><?xml version="1.0" encoding="utf-8"?>
-<p:sld xmlns:a="http://schemas.openxmlformats.org/drawingml/2006/main" xmlns:r="http://schemas.openxmlformats.org/officeDocument/2006/relationships" xmlns:p="http://schemas.openxmlformats.org/presentationml/2006/main">
-  <p:cSld>
-    <p:spTree>
-      <p:nvGrpSpPr>
-        <p:cNvPr id="1" name=""/>
-        <p:cNvGrpSpPr/>
-        <p:nvPr/>
-      </p:nvGrpSpPr>
-      <p:grpSpPr>
-        <a:xfrm>
-          <a:off x="0" y="0"/>
-          <a:ext cx="0" cy="0"/>
-          <a:chOff x="0" y="0"/>
-          <a:chExt cx="0" cy="0"/>
-        </a:xfrm>
-      </p:grpSpPr>
-      <p:sp>
-        <p:nvSpPr>
-          <p:cNvPr id="2" name="Title 1"/>
-          <p:cNvSpPr>
-            <a:spLocks noGrp="1"/>
-          </p:cNvSpPr>
-          <p:nvPr>
-            <p:ph type="title"/>
-          </p:nvPr>
-        </p:nvSpPr>
-        <p:spPr/>
-        <p:txBody>
-          <a:bodyPr/>
-          <a:lstStyle/>
-          <a:p>
-            <a:r>
-              <a:rPr lang="en-US" dirty="0" smtClean="0"/>
-              <a:t>Digression – </a:t>
-            </a:r>
-            <a:r>
-              <a:rPr lang="en-US" dirty="0" err="1" smtClean="0"/>
-              <a:t>Geeking</a:t>
-            </a:r>
-            <a:r>
-              <a:rPr lang="en-US" dirty="0" smtClean="0"/>
-              <a:t> out on Rand()</a:t>
-            </a:r>
-            <a:endParaRPr lang="en-US" dirty="0"/>
-          </a:p>
-        </p:txBody>
-      </p:sp>
-      <p:sp>
-        <p:nvSpPr>
-          <p:cNvPr id="3" name="Content Placeholder 2"/>
-          <p:cNvSpPr>
-            <a:spLocks noGrp="1"/>
-          </p:cNvSpPr>
-          <p:nvPr>
-            <p:ph idx="1"/>
-          </p:nvPr>
-        </p:nvSpPr>
-        <p:spPr/>
-        <p:txBody>
-          <a:bodyPr/>
-          <a:lstStyle/>
-          <a:p>
-            <a:r>
-              <a:rPr lang="en-US" dirty="0" smtClean="0"/>
-              <a:t>A naïve implementation of this situation would use Rand() inside the randomize function, which results in very interesting behavior. </a:t>
-            </a:r>
-            <a:endParaRPr lang="en-US" dirty="0"/>
-          </a:p>
-        </p:txBody>
-      </p:sp>
-    </p:spTree>
-    <p:extLst>
-      <p:ext uri="{BB962C8B-B14F-4D97-AF65-F5344CB8AC3E}">
-        <p14:creationId xmlns:p14="http://schemas.microsoft.com/office/powerpoint/2010/main" val="2471778419"/>
-      </p:ext>
-    </p:extLst>
-  </p:cSld>
-  <p:clrMapOvr>
-    <a:masterClrMapping/>
-  </p:clrMapOvr>
-</p:sld>
-</file>
-
-<file path=ppt/slides/slide27.xml><?xml version="1.0" encoding="utf-8"?>
 <p:sld xmlns:a="http://schemas.openxmlformats.org/drawingml/2006/main" xmlns:r="http://schemas.openxmlformats.org/officeDocument/2006/relationships" xmlns:p="http://schemas.openxmlformats.org/presentationml/2006/main">
   <p:cSld>
     <p:spTree>
@@ -14625,13 +14506,14 @@
               </a:path>
             </a:pathLst>
           </a:custGeom>
-          <a:noFill/>
+          <a:solidFill>
+            <a:schemeClr val="accent6">
+              <a:lumMod val="50000"/>
+              <a:alpha val="40000"/>
+            </a:schemeClr>
+          </a:solidFill>
           <a:ln>
-            <a:solidFill>
-              <a:schemeClr val="bg1">
-                <a:lumMod val="85000"/>
-              </a:schemeClr>
-            </a:solidFill>
+            <a:noFill/>
           </a:ln>
         </p:spPr>
         <p:style>
@@ -14664,11 +14546,9 @@
           <a:p>
             <a:pPr algn="ctr"/>
             <a:r>
-              <a:rPr lang="en-US" sz="1600" i="1" dirty="0" smtClean="0">
+              <a:rPr lang="en-US" sz="1600" dirty="0" smtClean="0">
                 <a:solidFill>
-                  <a:schemeClr val="bg1">
-                    <a:lumMod val="85000"/>
-                  </a:schemeClr>
+                  <a:schemeClr val="tx1"/>
                 </a:solidFill>
               </a:rPr>
               <a:t>Machine</a:t>
@@ -14677,11 +14557,9 @@
           <a:p>
             <a:pPr algn="ctr"/>
             <a:r>
-              <a:rPr lang="en-US" sz="1600" i="1" dirty="0" smtClean="0">
+              <a:rPr lang="en-US" sz="1600" dirty="0" smtClean="0">
                 <a:solidFill>
-                  <a:schemeClr val="bg1">
-                    <a:lumMod val="85000"/>
-                  </a:schemeClr>
+                  <a:schemeClr val="tx1"/>
                 </a:solidFill>
               </a:rPr>
               <a:t>Learning</a:t>
@@ -14690,20 +14568,16 @@
           <a:p>
             <a:pPr algn="ctr"/>
             <a:r>
-              <a:rPr lang="en-US" sz="1600" i="1" dirty="0" smtClean="0">
+              <a:rPr lang="en-US" sz="1600" dirty="0" smtClean="0">
                 <a:solidFill>
-                  <a:schemeClr val="bg1">
-                    <a:lumMod val="85000"/>
-                  </a:schemeClr>
+                  <a:schemeClr val="tx1"/>
                 </a:solidFill>
               </a:rPr>
               <a:t>Scientist</a:t>
             </a:r>
-            <a:endParaRPr lang="en-US" sz="1600" i="1" dirty="0">
+            <a:endParaRPr lang="en-US" sz="1600" dirty="0">
               <a:solidFill>
-                <a:schemeClr val="bg1">
-                  <a:lumMod val="85000"/>
-                </a:schemeClr>
+                <a:schemeClr val="tx1"/>
               </a:solidFill>
             </a:endParaRPr>
           </a:p>
@@ -14830,13 +14704,15 @@
               </a:path>
             </a:pathLst>
           </a:custGeom>
-          <a:noFill/>
+          <a:solidFill>
+            <a:schemeClr val="accent1">
+              <a:lumMod val="60000"/>
+              <a:lumOff val="40000"/>
+              <a:alpha val="40000"/>
+            </a:schemeClr>
+          </a:solidFill>
           <a:ln>
-            <a:solidFill>
-              <a:schemeClr val="bg1">
-                <a:lumMod val="85000"/>
-              </a:schemeClr>
-            </a:solidFill>
+            <a:noFill/>
           </a:ln>
         </p:spPr>
         <p:style>
@@ -14861,11 +14737,9 @@
           <a:p>
             <a:pPr algn="ctr"/>
             <a:r>
-              <a:rPr lang="en-US" sz="1600" i="1" dirty="0" smtClean="0">
+              <a:rPr lang="en-US" sz="1600" dirty="0" smtClean="0">
                 <a:solidFill>
-                  <a:schemeClr val="bg1">
-                    <a:lumMod val="85000"/>
-                  </a:schemeClr>
+                  <a:schemeClr val="tx1"/>
                 </a:solidFill>
               </a:rPr>
               <a:t>Traditional</a:t>
@@ -14874,20 +14748,16 @@
           <a:p>
             <a:pPr algn="ctr"/>
             <a:r>
-              <a:rPr lang="en-US" sz="1600" i="1" dirty="0" smtClean="0">
+              <a:rPr lang="en-US" sz="1600" dirty="0" smtClean="0">
                 <a:solidFill>
-                  <a:schemeClr val="bg1">
-                    <a:lumMod val="85000"/>
-                  </a:schemeClr>
+                  <a:schemeClr val="tx1"/>
                 </a:solidFill>
               </a:rPr>
               <a:t>Researcher</a:t>
             </a:r>
-            <a:endParaRPr lang="en-US" sz="1600" i="1" dirty="0">
+            <a:endParaRPr lang="en-US" sz="1600" dirty="0">
               <a:solidFill>
-                <a:schemeClr val="bg1">
-                  <a:lumMod val="85000"/>
-                </a:schemeClr>
+                <a:schemeClr val="tx1"/>
               </a:solidFill>
             </a:endParaRPr>
           </a:p>
@@ -15014,13 +14884,13 @@
               </a:path>
             </a:pathLst>
           </a:custGeom>
-          <a:solidFill>
-            <a:srgbClr val="002060">
-              <a:alpha val="40000"/>
-            </a:srgbClr>
-          </a:solidFill>
+          <a:noFill/>
           <a:ln>
-            <a:noFill/>
+            <a:solidFill>
+              <a:schemeClr val="bg1">
+                <a:lumMod val="85000"/>
+              </a:schemeClr>
+            </a:solidFill>
           </a:ln>
         </p:spPr>
         <p:style>
@@ -15045,9 +14915,11 @@
           <a:p>
             <a:pPr algn="ctr"/>
             <a:r>
-              <a:rPr lang="en-US" sz="1600" b="1" dirty="0" smtClean="0">
+              <a:rPr lang="en-US" sz="1600" i="1" dirty="0" smtClean="0">
                 <a:solidFill>
-                  <a:schemeClr val="tx1"/>
+                  <a:schemeClr val="bg1">
+                    <a:lumMod val="85000"/>
+                  </a:schemeClr>
                 </a:solidFill>
               </a:rPr>
               <a:t>Danger</a:t>
@@ -15056,16 +14928,20 @@
           <a:p>
             <a:pPr algn="ctr"/>
             <a:r>
-              <a:rPr lang="en-US" sz="1600" b="1" dirty="0" smtClean="0">
+              <a:rPr lang="en-US" sz="1600" i="1" dirty="0" smtClean="0">
                 <a:solidFill>
-                  <a:schemeClr val="tx1"/>
+                  <a:schemeClr val="bg1">
+                    <a:lumMod val="85000"/>
+                  </a:schemeClr>
                 </a:solidFill>
               </a:rPr>
               <a:t>Zone!</a:t>
             </a:r>
-            <a:endParaRPr lang="en-US" sz="1600" b="1" dirty="0">
+            <a:endParaRPr lang="en-US" sz="1600" i="1" dirty="0">
               <a:solidFill>
-                <a:schemeClr val="tx1"/>
+                <a:schemeClr val="bg1">
+                  <a:lumMod val="85000"/>
+                </a:schemeClr>
               </a:solidFill>
             </a:endParaRPr>
           </a:p>
@@ -15202,13 +15078,13 @@
               </a:path>
             </a:pathLst>
           </a:custGeom>
-          <a:solidFill>
-            <a:srgbClr val="E64A60">
-              <a:alpha val="40000"/>
-            </a:srgbClr>
-          </a:solidFill>
+          <a:noFill/>
           <a:ln>
-            <a:noFill/>
+            <a:solidFill>
+              <a:schemeClr val="bg1">
+                <a:lumMod val="85000"/>
+              </a:schemeClr>
+            </a:solidFill>
           </a:ln>
         </p:spPr>
         <p:style>
@@ -15233,9 +15109,11 @@
           <a:p>
             <a:pPr algn="ctr"/>
             <a:r>
-              <a:rPr lang="en-US" sz="2400" b="1" dirty="0" smtClean="0">
+              <a:rPr lang="en-US" sz="2400" i="1" dirty="0" smtClean="0">
                 <a:solidFill>
-                  <a:schemeClr val="tx1"/>
+                  <a:schemeClr val="bg1">
+                    <a:lumMod val="85000"/>
+                  </a:schemeClr>
                 </a:solidFill>
               </a:rPr>
               <a:t>Computer Science</a:t>
@@ -15244,9 +15122,11 @@
           <a:p>
             <a:pPr algn="ctr"/>
             <a:r>
-              <a:rPr lang="en-US" sz="2400" b="1" dirty="0" smtClean="0">
+              <a:rPr lang="en-US" sz="2400" i="1" dirty="0" smtClean="0">
                 <a:solidFill>
-                  <a:schemeClr val="tx1"/>
+                  <a:schemeClr val="bg1">
+                    <a:lumMod val="85000"/>
+                  </a:schemeClr>
                 </a:solidFill>
               </a:rPr>
               <a:t>Skills</a:t>
@@ -15615,13 +15495,13 @@
               </a:path>
             </a:pathLst>
           </a:custGeom>
-          <a:noFill/>
+          <a:solidFill>
+            <a:schemeClr val="accent4">
+              <a:alpha val="40000"/>
+            </a:schemeClr>
+          </a:solidFill>
           <a:ln>
-            <a:solidFill>
-              <a:schemeClr val="bg1">
-                <a:lumMod val="85000"/>
-              </a:schemeClr>
-            </a:solidFill>
+            <a:noFill/>
           </a:ln>
         </p:spPr>
         <p:style>
@@ -15646,11 +15526,9 @@
           <a:p>
             <a:pPr algn="ctr"/>
             <a:r>
-              <a:rPr lang="en-US" sz="2000" b="1" i="1" dirty="0" smtClean="0">
+              <a:rPr lang="en-US" sz="2000" b="1" dirty="0" smtClean="0">
                 <a:solidFill>
-                  <a:schemeClr val="bg1">
-                    <a:lumMod val="85000"/>
-                  </a:schemeClr>
+                  <a:schemeClr val="tx1"/>
                 </a:solidFill>
               </a:rPr>
               <a:t>Data</a:t>
@@ -15659,11 +15537,9 @@
           <a:p>
             <a:pPr algn="ctr"/>
             <a:r>
-              <a:rPr lang="en-US" sz="2000" b="1" i="1" dirty="0" smtClean="0">
+              <a:rPr lang="en-US" sz="2000" b="1" dirty="0" smtClean="0">
                 <a:solidFill>
-                  <a:schemeClr val="bg1">
-                    <a:lumMod val="85000"/>
-                  </a:schemeClr>
+                  <a:schemeClr val="tx1"/>
                 </a:solidFill>
               </a:rPr>
               <a:t>Scientist</a:t>
@@ -15820,13 +15696,13 @@
               </a:path>
             </a:pathLst>
           </a:custGeom>
-          <a:solidFill>
-            <a:srgbClr val="7030A0">
-              <a:alpha val="40000"/>
-            </a:srgbClr>
-          </a:solidFill>
+          <a:noFill/>
           <a:ln>
-            <a:noFill/>
+            <a:solidFill>
+              <a:schemeClr val="bg1">
+                <a:lumMod val="85000"/>
+              </a:schemeClr>
+            </a:solidFill>
           </a:ln>
         </p:spPr>
         <p:style>
@@ -15851,9 +15727,11 @@
           <a:p>
             <a:pPr algn="ctr"/>
             <a:r>
-              <a:rPr lang="en-US" sz="2400" b="1" dirty="0" smtClean="0">
+              <a:rPr lang="en-US" sz="2400" i="1" dirty="0" smtClean="0">
                 <a:solidFill>
-                  <a:schemeClr val="tx1"/>
+                  <a:schemeClr val="bg1">
+                    <a:lumMod val="85000"/>
+                  </a:schemeClr>
                 </a:solidFill>
               </a:rPr>
               <a:t>Substantive Expertise</a:t>
@@ -15862,56 +15740,22 @@
           <a:p>
             <a:pPr algn="ctr"/>
             <a:r>
-              <a:rPr lang="en-US" sz="2400" b="1" dirty="0" smtClean="0">
+              <a:rPr lang="en-US" sz="2400" i="1" dirty="0" smtClean="0">
                 <a:solidFill>
-                  <a:schemeClr val="tx1"/>
+                  <a:schemeClr val="bg1">
+                    <a:lumMod val="85000"/>
+                  </a:schemeClr>
                 </a:solidFill>
               </a:rPr>
               <a:t>Domain Knowledge</a:t>
             </a:r>
-            <a:endParaRPr lang="en-US" sz="2400" b="1" dirty="0">
+            <a:endParaRPr lang="en-US" sz="2400" i="1" dirty="0">
               <a:solidFill>
-                <a:schemeClr val="tx1"/>
+                <a:schemeClr val="bg1">
+                  <a:lumMod val="85000"/>
+                </a:schemeClr>
               </a:solidFill>
             </a:endParaRPr>
-          </a:p>
-        </p:txBody>
-      </p:sp>
-      <p:sp>
-        <p:nvSpPr>
-          <p:cNvPr id="14" name="TextBox 13"/>
-          <p:cNvSpPr txBox="1"/>
-          <p:nvPr/>
-        </p:nvSpPr>
-        <p:spPr>
-          <a:xfrm>
-            <a:off x="0" y="1"/>
-            <a:ext cx="4037610" cy="2585323"/>
-          </a:xfrm>
-          <a:prstGeom prst="rect">
-            <a:avLst/>
-          </a:prstGeom>
-          <a:noFill/>
-        </p:spPr>
-        <p:txBody>
-          <a:bodyPr wrap="square" rtlCol="0">
-            <a:spAutoFit/>
-          </a:bodyPr>
-          <a:lstStyle/>
-          <a:p>
-            <a:r>
-              <a:rPr lang="en-US" dirty="0" smtClean="0"/>
-              <a:t>The Data Science Venn Diagram</a:t>
-            </a:r>
-          </a:p>
-          <a:p>
-            <a:endParaRPr lang="en-US" dirty="0"/>
-          </a:p>
-          <a:p>
-            <a:r>
-              <a:rPr lang="en-US" dirty="0" smtClean="0"/>
-              <a:t>Also, note what’s not available when you are lacking mathematics and statistics knowledge. This is important. When a student is choosing between a computer science major and a mathematics major, then that student should choose mathematics.  </a:t>
-            </a:r>
           </a:p>
         </p:txBody>
       </p:sp>
@@ -15947,10 +15791,224 @@
           </a:p>
         </p:txBody>
       </p:sp>
+      <p:sp>
+        <p:nvSpPr>
+          <p:cNvPr id="17" name="TextBox 16"/>
+          <p:cNvSpPr txBox="1"/>
+          <p:nvPr/>
+        </p:nvSpPr>
+        <p:spPr>
+          <a:xfrm>
+            <a:off x="0" y="1"/>
+            <a:ext cx="4217670" cy="4062651"/>
+          </a:xfrm>
+          <a:prstGeom prst="rect">
+            <a:avLst/>
+          </a:prstGeom>
+          <a:noFill/>
+        </p:spPr>
+        <p:txBody>
+          <a:bodyPr wrap="square" rtlCol="0">
+            <a:spAutoFit/>
+          </a:bodyPr>
+          <a:lstStyle/>
+          <a:p>
+            <a:pPr algn="ctr"/>
+            <a:r>
+              <a:rPr lang="en-US" sz="3600" smtClean="0"/>
+              <a:t>The Biggest Challenge</a:t>
+            </a:r>
+            <a:endParaRPr lang="en-US"/>
+          </a:p>
+          <a:p>
+            <a:endParaRPr lang="en-US" smtClean="0"/>
+          </a:p>
+          <a:p>
+            <a:r>
+              <a:rPr lang="en-US" sz="2400" smtClean="0"/>
+              <a:t>The </a:t>
+            </a:r>
+            <a:r>
+              <a:rPr lang="en-US" sz="2400" b="1" i="1" smtClean="0"/>
+              <a:t>data scientist v. machine learning scientist </a:t>
+            </a:r>
+            <a:r>
+              <a:rPr lang="en-US" sz="2400" smtClean="0"/>
+              <a:t>situation.</a:t>
+            </a:r>
+          </a:p>
+          <a:p>
+            <a:endParaRPr lang="en-US" sz="2400"/>
+          </a:p>
+          <a:p>
+            <a:r>
+              <a:rPr lang="en-US" sz="2400" smtClean="0"/>
+              <a:t>It’s well-expressed in the venn diagram; data scientists are firmly focused on the business needs. </a:t>
+            </a:r>
+            <a:endParaRPr lang="en-US" sz="2400" dirty="0" smtClean="0"/>
+          </a:p>
+        </p:txBody>
+      </p:sp>
     </p:spTree>
     <p:extLst>
       <p:ext uri="{BB962C8B-B14F-4D97-AF65-F5344CB8AC3E}">
-        <p14:creationId xmlns:p14="http://schemas.microsoft.com/office/powerpoint/2010/main" val="3415180391"/>
+        <p14:creationId xmlns:p14="http://schemas.microsoft.com/office/powerpoint/2010/main" val="1498128183"/>
+      </p:ext>
+    </p:extLst>
+  </p:cSld>
+  <p:clrMapOvr>
+    <a:masterClrMapping/>
+  </p:clrMapOvr>
+</p:sld>
+</file>
+
+<file path=ppt/slides/slide26.xml><?xml version="1.0" encoding="utf-8"?>
+<p:sld xmlns:a="http://schemas.openxmlformats.org/drawingml/2006/main" xmlns:r="http://schemas.openxmlformats.org/officeDocument/2006/relationships" xmlns:p="http://schemas.openxmlformats.org/presentationml/2006/main">
+  <p:cSld>
+    <p:spTree>
+      <p:nvGrpSpPr>
+        <p:cNvPr id="1" name=""/>
+        <p:cNvGrpSpPr/>
+        <p:nvPr/>
+      </p:nvGrpSpPr>
+      <p:grpSpPr>
+        <a:xfrm>
+          <a:off x="0" y="0"/>
+          <a:ext cx="0" cy="0"/>
+          <a:chOff x="0" y="0"/>
+          <a:chExt cx="0" cy="0"/>
+        </a:xfrm>
+      </p:grpSpPr>
+      <p:sp>
+        <p:nvSpPr>
+          <p:cNvPr id="2" name="Title 1"/>
+          <p:cNvSpPr>
+            <a:spLocks noGrp="1"/>
+          </p:cNvSpPr>
+          <p:nvPr>
+            <p:ph type="title"/>
+          </p:nvPr>
+        </p:nvSpPr>
+        <p:spPr/>
+        <p:txBody>
+          <a:bodyPr/>
+          <a:lstStyle/>
+          <a:p>
+            <a:r>
+              <a:rPr lang="en-US" smtClean="0"/>
+              <a:t>Summary</a:t>
+            </a:r>
+            <a:endParaRPr lang="en-US"/>
+          </a:p>
+        </p:txBody>
+      </p:sp>
+      <p:sp>
+        <p:nvSpPr>
+          <p:cNvPr id="3" name="Content Placeholder 2"/>
+          <p:cNvSpPr>
+            <a:spLocks noGrp="1"/>
+          </p:cNvSpPr>
+          <p:nvPr>
+            <p:ph idx="1"/>
+          </p:nvPr>
+        </p:nvSpPr>
+        <p:spPr/>
+        <p:txBody>
+          <a:bodyPr/>
+          <a:lstStyle/>
+          <a:p>
+            <a:endParaRPr lang="en-US"/>
+          </a:p>
+        </p:txBody>
+      </p:sp>
+    </p:spTree>
+    <p:extLst>
+      <p:ext uri="{BB962C8B-B14F-4D97-AF65-F5344CB8AC3E}">
+        <p14:creationId xmlns:p14="http://schemas.microsoft.com/office/powerpoint/2010/main" val="3976779000"/>
+      </p:ext>
+    </p:extLst>
+  </p:cSld>
+  <p:clrMapOvr>
+    <a:masterClrMapping/>
+  </p:clrMapOvr>
+</p:sld>
+</file>
+
+<file path=ppt/slides/slide27.xml><?xml version="1.0" encoding="utf-8"?>
+<p:sld xmlns:a="http://schemas.openxmlformats.org/drawingml/2006/main" xmlns:r="http://schemas.openxmlformats.org/officeDocument/2006/relationships" xmlns:p="http://schemas.openxmlformats.org/presentationml/2006/main">
+  <p:cSld>
+    <p:spTree>
+      <p:nvGrpSpPr>
+        <p:cNvPr id="1" name=""/>
+        <p:cNvGrpSpPr/>
+        <p:nvPr/>
+      </p:nvGrpSpPr>
+      <p:grpSpPr>
+        <a:xfrm>
+          <a:off x="0" y="0"/>
+          <a:ext cx="0" cy="0"/>
+          <a:chOff x="0" y="0"/>
+          <a:chExt cx="0" cy="0"/>
+        </a:xfrm>
+      </p:grpSpPr>
+      <p:sp>
+        <p:nvSpPr>
+          <p:cNvPr id="2" name="Title 1"/>
+          <p:cNvSpPr>
+            <a:spLocks noGrp="1"/>
+          </p:cNvSpPr>
+          <p:nvPr>
+            <p:ph type="title"/>
+          </p:nvPr>
+        </p:nvSpPr>
+        <p:spPr/>
+        <p:txBody>
+          <a:bodyPr/>
+          <a:lstStyle/>
+          <a:p>
+            <a:r>
+              <a:rPr lang="en-US" dirty="0" smtClean="0"/>
+              <a:t>Digression – </a:t>
+            </a:r>
+            <a:r>
+              <a:rPr lang="en-US" dirty="0" err="1" smtClean="0"/>
+              <a:t>Geeking</a:t>
+            </a:r>
+            <a:r>
+              <a:rPr lang="en-US" dirty="0" smtClean="0"/>
+              <a:t> out on Rand()</a:t>
+            </a:r>
+            <a:endParaRPr lang="en-US" dirty="0"/>
+          </a:p>
+        </p:txBody>
+      </p:sp>
+      <p:sp>
+        <p:nvSpPr>
+          <p:cNvPr id="3" name="Content Placeholder 2"/>
+          <p:cNvSpPr>
+            <a:spLocks noGrp="1"/>
+          </p:cNvSpPr>
+          <p:nvPr>
+            <p:ph idx="1"/>
+          </p:nvPr>
+        </p:nvSpPr>
+        <p:spPr/>
+        <p:txBody>
+          <a:bodyPr/>
+          <a:lstStyle/>
+          <a:p>
+            <a:r>
+              <a:rPr lang="en-US" dirty="0" smtClean="0"/>
+              <a:t>A naïve implementation of this situation would use Rand() inside the randomize function, which results in very interesting behavior. </a:t>
+            </a:r>
+            <a:endParaRPr lang="en-US" dirty="0"/>
+          </a:p>
+        </p:txBody>
+      </p:sp>
+    </p:spTree>
+    <p:extLst>
+      <p:ext uri="{BB962C8B-B14F-4D97-AF65-F5344CB8AC3E}">
+        <p14:creationId xmlns:p14="http://schemas.microsoft.com/office/powerpoint/2010/main" val="2471778419"/>
       </p:ext>
     </p:extLst>
   </p:cSld>
@@ -16098,14 +16156,13 @@
               </a:path>
             </a:pathLst>
           </a:custGeom>
-          <a:solidFill>
-            <a:schemeClr val="accent6">
-              <a:lumMod val="50000"/>
-              <a:alpha val="40000"/>
-            </a:schemeClr>
-          </a:solidFill>
+          <a:noFill/>
           <a:ln>
-            <a:noFill/>
+            <a:solidFill>
+              <a:schemeClr val="bg1">
+                <a:lumMod val="85000"/>
+              </a:schemeClr>
+            </a:solidFill>
           </a:ln>
         </p:spPr>
         <p:style>
@@ -16138,9 +16195,11 @@
           <a:p>
             <a:pPr algn="ctr"/>
             <a:r>
-              <a:rPr lang="en-US" sz="1600" dirty="0" smtClean="0">
+              <a:rPr lang="en-US" sz="1600" i="1" dirty="0" smtClean="0">
                 <a:solidFill>
-                  <a:schemeClr val="tx1"/>
+                  <a:schemeClr val="bg1">
+                    <a:lumMod val="85000"/>
+                  </a:schemeClr>
                 </a:solidFill>
               </a:rPr>
               <a:t>Machine</a:t>
@@ -16149,9 +16208,11 @@
           <a:p>
             <a:pPr algn="ctr"/>
             <a:r>
-              <a:rPr lang="en-US" sz="1600" dirty="0" smtClean="0">
+              <a:rPr lang="en-US" sz="1600" i="1" dirty="0" smtClean="0">
                 <a:solidFill>
-                  <a:schemeClr val="tx1"/>
+                  <a:schemeClr val="bg1">
+                    <a:lumMod val="85000"/>
+                  </a:schemeClr>
                 </a:solidFill>
               </a:rPr>
               <a:t>Learning</a:t>
@@ -16160,16 +16221,20 @@
           <a:p>
             <a:pPr algn="ctr"/>
             <a:r>
-              <a:rPr lang="en-US" sz="1600" dirty="0" smtClean="0">
+              <a:rPr lang="en-US" sz="1600" i="1" dirty="0" smtClean="0">
                 <a:solidFill>
-                  <a:schemeClr val="tx1"/>
+                  <a:schemeClr val="bg1">
+                    <a:lumMod val="85000"/>
+                  </a:schemeClr>
                 </a:solidFill>
               </a:rPr>
               <a:t>Scientist</a:t>
             </a:r>
-            <a:endParaRPr lang="en-US" sz="1600" dirty="0">
+            <a:endParaRPr lang="en-US" sz="1600" i="1" dirty="0">
               <a:solidFill>
-                <a:schemeClr val="tx1"/>
+                <a:schemeClr val="bg1">
+                  <a:lumMod val="85000"/>
+                </a:schemeClr>
               </a:solidFill>
             </a:endParaRPr>
           </a:p>
@@ -16296,15 +16361,13 @@
               </a:path>
             </a:pathLst>
           </a:custGeom>
-          <a:solidFill>
-            <a:schemeClr val="accent1">
-              <a:lumMod val="60000"/>
-              <a:lumOff val="40000"/>
-              <a:alpha val="40000"/>
-            </a:schemeClr>
-          </a:solidFill>
+          <a:noFill/>
           <a:ln>
-            <a:noFill/>
+            <a:solidFill>
+              <a:schemeClr val="bg1">
+                <a:lumMod val="85000"/>
+              </a:schemeClr>
+            </a:solidFill>
           </a:ln>
         </p:spPr>
         <p:style>
@@ -16329,9 +16392,11 @@
           <a:p>
             <a:pPr algn="ctr"/>
             <a:r>
-              <a:rPr lang="en-US" sz="1600" dirty="0" smtClean="0">
+              <a:rPr lang="en-US" sz="1600" i="1" dirty="0" smtClean="0">
                 <a:solidFill>
-                  <a:schemeClr val="tx1"/>
+                  <a:schemeClr val="bg1">
+                    <a:lumMod val="85000"/>
+                  </a:schemeClr>
                 </a:solidFill>
               </a:rPr>
               <a:t>Traditional</a:t>
@@ -16340,16 +16405,20 @@
           <a:p>
             <a:pPr algn="ctr"/>
             <a:r>
-              <a:rPr lang="en-US" sz="1600" dirty="0" smtClean="0">
+              <a:rPr lang="en-US" sz="1600" i="1" dirty="0" smtClean="0">
                 <a:solidFill>
-                  <a:schemeClr val="tx1"/>
+                  <a:schemeClr val="bg1">
+                    <a:lumMod val="85000"/>
+                  </a:schemeClr>
                 </a:solidFill>
               </a:rPr>
               <a:t>Researcher</a:t>
             </a:r>
-            <a:endParaRPr lang="en-US" sz="1600" dirty="0">
+            <a:endParaRPr lang="en-US" sz="1600" i="1" dirty="0">
               <a:solidFill>
-                <a:schemeClr val="tx1"/>
+                <a:schemeClr val="bg1">
+                  <a:lumMod val="85000"/>
+                </a:schemeClr>
               </a:solidFill>
             </a:endParaRPr>
           </a:p>
@@ -16507,7 +16576,7 @@
           <a:p>
             <a:pPr algn="ctr"/>
             <a:r>
-              <a:rPr lang="en-US" sz="1600" dirty="0" smtClean="0">
+              <a:rPr lang="en-US" sz="1600" b="1" dirty="0" smtClean="0">
                 <a:solidFill>
                   <a:schemeClr val="tx1"/>
                 </a:solidFill>
@@ -16518,14 +16587,14 @@
           <a:p>
             <a:pPr algn="ctr"/>
             <a:r>
-              <a:rPr lang="en-US" sz="1600" dirty="0" smtClean="0">
+              <a:rPr lang="en-US" sz="1600" b="1" dirty="0" smtClean="0">
                 <a:solidFill>
                   <a:schemeClr val="tx1"/>
                 </a:solidFill>
               </a:rPr>
               <a:t>Zone!</a:t>
             </a:r>
-            <a:endParaRPr lang="en-US" sz="1600" dirty="0">
+            <a:endParaRPr lang="en-US" sz="1600" b="1" dirty="0">
               <a:solidFill>
                 <a:schemeClr val="tx1"/>
               </a:solidFill>
@@ -16695,7 +16764,7 @@
           <a:p>
             <a:pPr algn="ctr"/>
             <a:r>
-              <a:rPr lang="en-US" sz="2400" dirty="0" smtClean="0">
+              <a:rPr lang="en-US" sz="2400" b="1" dirty="0" smtClean="0">
                 <a:solidFill>
                   <a:schemeClr val="tx1"/>
                 </a:solidFill>
@@ -16706,7 +16775,7 @@
           <a:p>
             <a:pPr algn="ctr"/>
             <a:r>
-              <a:rPr lang="en-US" sz="2400" dirty="0" smtClean="0">
+              <a:rPr lang="en-US" sz="2400" b="1" dirty="0" smtClean="0">
                 <a:solidFill>
                   <a:schemeClr val="tx1"/>
                 </a:solidFill>
@@ -16867,13 +16936,13 @@
               </a:path>
             </a:pathLst>
           </a:custGeom>
-          <a:solidFill>
-            <a:srgbClr val="70AD47">
-              <a:alpha val="40000"/>
-            </a:srgbClr>
-          </a:solidFill>
+          <a:noFill/>
           <a:ln>
-            <a:noFill/>
+            <a:solidFill>
+              <a:schemeClr val="bg1">
+                <a:lumMod val="85000"/>
+              </a:schemeClr>
+            </a:solidFill>
           </a:ln>
         </p:spPr>
         <p:style>
@@ -16898,9 +16967,11 @@
           <a:p>
             <a:pPr algn="ctr"/>
             <a:r>
-              <a:rPr lang="en-US" sz="2400" dirty="0" smtClean="0">
+              <a:rPr lang="en-US" sz="2400" i="1" dirty="0" smtClean="0">
                 <a:solidFill>
-                  <a:schemeClr val="tx1"/>
+                  <a:schemeClr val="bg1">
+                    <a:lumMod val="85000"/>
+                  </a:schemeClr>
                 </a:solidFill>
               </a:rPr>
               <a:t>Mathematics/</a:t>
@@ -16909,9 +16980,11 @@
           <a:p>
             <a:pPr algn="ctr"/>
             <a:r>
-              <a:rPr lang="en-US" sz="2400" dirty="0" smtClean="0">
+              <a:rPr lang="en-US" sz="2400" i="1" dirty="0" smtClean="0">
                 <a:solidFill>
-                  <a:schemeClr val="tx1"/>
+                  <a:schemeClr val="bg1">
+                    <a:lumMod val="85000"/>
+                  </a:schemeClr>
                 </a:solidFill>
               </a:rPr>
               <a:t>Statistics</a:t>
@@ -16920,9 +16993,11 @@
           <a:p>
             <a:pPr algn="ctr"/>
             <a:r>
-              <a:rPr lang="en-US" sz="2400" dirty="0" smtClean="0">
+              <a:rPr lang="en-US" sz="2400" i="1" dirty="0" smtClean="0">
                 <a:solidFill>
-                  <a:schemeClr val="tx1"/>
+                  <a:schemeClr val="bg1">
+                    <a:lumMod val="85000"/>
+                  </a:schemeClr>
                 </a:solidFill>
               </a:rPr>
               <a:t>Knowledge</a:t>
@@ -17071,13 +17146,13 @@
               </a:path>
             </a:pathLst>
           </a:custGeom>
-          <a:solidFill>
-            <a:schemeClr val="accent4">
-              <a:alpha val="40000"/>
-            </a:schemeClr>
-          </a:solidFill>
+          <a:noFill/>
           <a:ln>
-            <a:noFill/>
+            <a:solidFill>
+              <a:schemeClr val="bg1">
+                <a:lumMod val="85000"/>
+              </a:schemeClr>
+            </a:solidFill>
           </a:ln>
         </p:spPr>
         <p:style>
@@ -17102,9 +17177,11 @@
           <a:p>
             <a:pPr algn="ctr"/>
             <a:r>
-              <a:rPr lang="en-US" sz="2000" b="1" dirty="0" smtClean="0">
+              <a:rPr lang="en-US" sz="2000" b="1" i="1" dirty="0" smtClean="0">
                 <a:solidFill>
-                  <a:schemeClr val="tx1"/>
+                  <a:schemeClr val="bg1">
+                    <a:lumMod val="85000"/>
+                  </a:schemeClr>
                 </a:solidFill>
               </a:rPr>
               <a:t>Data</a:t>
@@ -17113,9 +17190,11 @@
           <a:p>
             <a:pPr algn="ctr"/>
             <a:r>
-              <a:rPr lang="en-US" sz="2000" b="1" dirty="0" smtClean="0">
+              <a:rPr lang="en-US" sz="2000" b="1" i="1" dirty="0" smtClean="0">
                 <a:solidFill>
-                  <a:schemeClr val="tx1"/>
+                  <a:schemeClr val="bg1">
+                    <a:lumMod val="85000"/>
+                  </a:schemeClr>
                 </a:solidFill>
               </a:rPr>
               <a:t>Scientist</a:t>
@@ -17303,6 +17382,1458 @@
           <a:p>
             <a:pPr algn="ctr"/>
             <a:r>
+              <a:rPr lang="en-US" sz="2400" b="1" dirty="0" smtClean="0">
+                <a:solidFill>
+                  <a:schemeClr val="tx1"/>
+                </a:solidFill>
+              </a:rPr>
+              <a:t>Substantive Expertise</a:t>
+            </a:r>
+          </a:p>
+          <a:p>
+            <a:pPr algn="ctr"/>
+            <a:r>
+              <a:rPr lang="en-US" sz="2400" b="1" dirty="0" smtClean="0">
+                <a:solidFill>
+                  <a:schemeClr val="tx1"/>
+                </a:solidFill>
+              </a:rPr>
+              <a:t>Domain Knowledge</a:t>
+            </a:r>
+            <a:endParaRPr lang="en-US" sz="2400" b="1" dirty="0">
+              <a:solidFill>
+                <a:schemeClr val="tx1"/>
+              </a:solidFill>
+            </a:endParaRPr>
+          </a:p>
+        </p:txBody>
+      </p:sp>
+      <p:sp>
+        <p:nvSpPr>
+          <p:cNvPr id="14" name="TextBox 13"/>
+          <p:cNvSpPr txBox="1"/>
+          <p:nvPr/>
+        </p:nvSpPr>
+        <p:spPr>
+          <a:xfrm>
+            <a:off x="0" y="1"/>
+            <a:ext cx="4037610" cy="2585323"/>
+          </a:xfrm>
+          <a:prstGeom prst="rect">
+            <a:avLst/>
+          </a:prstGeom>
+          <a:noFill/>
+        </p:spPr>
+        <p:txBody>
+          <a:bodyPr wrap="square" rtlCol="0">
+            <a:spAutoFit/>
+          </a:bodyPr>
+          <a:lstStyle/>
+          <a:p>
+            <a:r>
+              <a:rPr lang="en-US" dirty="0" smtClean="0"/>
+              <a:t>The Data Science Venn Diagram</a:t>
+            </a:r>
+          </a:p>
+          <a:p>
+            <a:endParaRPr lang="en-US" dirty="0"/>
+          </a:p>
+          <a:p>
+            <a:r>
+              <a:rPr lang="en-US" dirty="0" smtClean="0"/>
+              <a:t>Also, note what’s not available when you are lacking mathematics and statistics knowledge. This is important. When a student is choosing between a computer science major and a mathematics major, then that student should choose mathematics.  </a:t>
+            </a:r>
+          </a:p>
+        </p:txBody>
+      </p:sp>
+      <p:sp>
+        <p:nvSpPr>
+          <p:cNvPr id="15" name="TextBox 14"/>
+          <p:cNvSpPr txBox="1"/>
+          <p:nvPr/>
+        </p:nvSpPr>
+        <p:spPr>
+          <a:xfrm>
+            <a:off x="10215562" y="6550223"/>
+            <a:ext cx="1976438" cy="307777"/>
+          </a:xfrm>
+          <a:prstGeom prst="rect">
+            <a:avLst/>
+          </a:prstGeom>
+          <a:noFill/>
+        </p:spPr>
+        <p:txBody>
+          <a:bodyPr wrap="none" rtlCol="0">
+            <a:spAutoFit/>
+          </a:bodyPr>
+          <a:lstStyle/>
+          <a:p>
+            <a:r>
+              <a:rPr lang="en-US" sz="1400" dirty="0" smtClean="0">
+                <a:hlinkClick r:id="rId2"/>
+              </a:rPr>
+              <a:t>Thanks to Drew Conway </a:t>
+            </a:r>
+            <a:endParaRPr lang="en-US" sz="1400" dirty="0"/>
+          </a:p>
+        </p:txBody>
+      </p:sp>
+    </p:spTree>
+    <p:extLst>
+      <p:ext uri="{BB962C8B-B14F-4D97-AF65-F5344CB8AC3E}">
+        <p14:creationId xmlns:p14="http://schemas.microsoft.com/office/powerpoint/2010/main" val="3415180391"/>
+      </p:ext>
+    </p:extLst>
+  </p:cSld>
+  <p:clrMapOvr>
+    <a:masterClrMapping/>
+  </p:clrMapOvr>
+</p:sld>
+</file>
+
+<file path=ppt/slides/slide29.xml><?xml version="1.0" encoding="utf-8"?>
+<p:sld xmlns:a="http://schemas.openxmlformats.org/drawingml/2006/main" xmlns:r="http://schemas.openxmlformats.org/officeDocument/2006/relationships" xmlns:p="http://schemas.openxmlformats.org/presentationml/2006/main">
+  <p:cSld>
+    <p:spTree>
+      <p:nvGrpSpPr>
+        <p:cNvPr id="1" name=""/>
+        <p:cNvGrpSpPr/>
+        <p:nvPr/>
+      </p:nvGrpSpPr>
+      <p:grpSpPr>
+        <a:xfrm>
+          <a:off x="0" y="0"/>
+          <a:ext cx="0" cy="0"/>
+          <a:chOff x="0" y="0"/>
+          <a:chExt cx="0" cy="0"/>
+        </a:xfrm>
+      </p:grpSpPr>
+      <p:sp>
+        <p:nvSpPr>
+          <p:cNvPr id="13" name="Freeform 12"/>
+          <p:cNvSpPr/>
+          <p:nvPr/>
+        </p:nvSpPr>
+        <p:spPr>
+          <a:xfrm>
+            <a:off x="7620000" y="661986"/>
+            <a:ext cx="1355765" cy="1724989"/>
+          </a:xfrm>
+          <a:custGeom>
+            <a:avLst/>
+            <a:gdLst>
+              <a:gd name="connsiteX0" fmla="*/ 677883 w 1355765"/>
+              <a:gd name="connsiteY0" fmla="*/ 0 h 1724989"/>
+              <a:gd name="connsiteX1" fmla="*/ 686211 w 1355765"/>
+              <a:gd name="connsiteY1" fmla="*/ 7569 h 1724989"/>
+              <a:gd name="connsiteX2" fmla="*/ 1355765 w 1355765"/>
+              <a:gd name="connsiteY2" fmla="*/ 1624015 h 1724989"/>
+              <a:gd name="connsiteX3" fmla="*/ 1350667 w 1355765"/>
+              <a:gd name="connsiteY3" fmla="*/ 1724989 h 1724989"/>
+              <a:gd name="connsiteX4" fmla="*/ 1138592 w 1355765"/>
+              <a:gd name="connsiteY4" fmla="*/ 1670458 h 1724989"/>
+              <a:gd name="connsiteX5" fmla="*/ 677883 w 1355765"/>
+              <a:gd name="connsiteY5" fmla="*/ 1624015 h 1724989"/>
+              <a:gd name="connsiteX6" fmla="*/ 217174 w 1355765"/>
+              <a:gd name="connsiteY6" fmla="*/ 1670458 h 1724989"/>
+              <a:gd name="connsiteX7" fmla="*/ 5099 w 1355765"/>
+              <a:gd name="connsiteY7" fmla="*/ 1724989 h 1724989"/>
+              <a:gd name="connsiteX8" fmla="*/ 0 w 1355765"/>
+              <a:gd name="connsiteY8" fmla="*/ 1624015 h 1724989"/>
+              <a:gd name="connsiteX9" fmla="*/ 669554 w 1355765"/>
+              <a:gd name="connsiteY9" fmla="*/ 7569 h 1724989"/>
+              <a:gd name="connsiteX10" fmla="*/ 677883 w 1355765"/>
+              <a:gd name="connsiteY10" fmla="*/ 0 h 1724989"/>
+            </a:gdLst>
+            <a:ahLst/>
+            <a:cxnLst>
+              <a:cxn ang="0">
+                <a:pos x="connsiteX0" y="connsiteY0"/>
+              </a:cxn>
+              <a:cxn ang="0">
+                <a:pos x="connsiteX1" y="connsiteY1"/>
+              </a:cxn>
+              <a:cxn ang="0">
+                <a:pos x="connsiteX2" y="connsiteY2"/>
+              </a:cxn>
+              <a:cxn ang="0">
+                <a:pos x="connsiteX3" y="connsiteY3"/>
+              </a:cxn>
+              <a:cxn ang="0">
+                <a:pos x="connsiteX4" y="connsiteY4"/>
+              </a:cxn>
+              <a:cxn ang="0">
+                <a:pos x="connsiteX5" y="connsiteY5"/>
+              </a:cxn>
+              <a:cxn ang="0">
+                <a:pos x="connsiteX6" y="connsiteY6"/>
+              </a:cxn>
+              <a:cxn ang="0">
+                <a:pos x="connsiteX7" y="connsiteY7"/>
+              </a:cxn>
+              <a:cxn ang="0">
+                <a:pos x="connsiteX8" y="connsiteY8"/>
+              </a:cxn>
+              <a:cxn ang="0">
+                <a:pos x="connsiteX9" y="connsiteY9"/>
+              </a:cxn>
+              <a:cxn ang="0">
+                <a:pos x="connsiteX10" y="connsiteY10"/>
+              </a:cxn>
+            </a:cxnLst>
+            <a:rect l="l" t="t" r="r" b="b"/>
+            <a:pathLst>
+              <a:path w="1355765" h="1724989">
+                <a:moveTo>
+                  <a:pt x="677883" y="0"/>
+                </a:moveTo>
+                <a:lnTo>
+                  <a:pt x="686211" y="7569"/>
+                </a:lnTo>
+                <a:cubicBezTo>
+                  <a:pt x="1099896" y="421253"/>
+                  <a:pt x="1355765" y="992753"/>
+                  <a:pt x="1355765" y="1624015"/>
+                </a:cubicBezTo>
+                <a:lnTo>
+                  <a:pt x="1350667" y="1724989"/>
+                </a:lnTo>
+                <a:lnTo>
+                  <a:pt x="1138592" y="1670458"/>
+                </a:lnTo>
+                <a:cubicBezTo>
+                  <a:pt x="989779" y="1640007"/>
+                  <a:pt x="835699" y="1624015"/>
+                  <a:pt x="677883" y="1624015"/>
+                </a:cubicBezTo>
+                <a:cubicBezTo>
+                  <a:pt x="520068" y="1624015"/>
+                  <a:pt x="365988" y="1640007"/>
+                  <a:pt x="217174" y="1670458"/>
+                </a:cubicBezTo>
+                <a:lnTo>
+                  <a:pt x="5099" y="1724989"/>
+                </a:lnTo>
+                <a:lnTo>
+                  <a:pt x="0" y="1624015"/>
+                </a:lnTo>
+                <a:cubicBezTo>
+                  <a:pt x="0" y="992753"/>
+                  <a:pt x="255869" y="421253"/>
+                  <a:pt x="669554" y="7569"/>
+                </a:cubicBezTo>
+                <a:lnTo>
+                  <a:pt x="677883" y="0"/>
+                </a:lnTo>
+                <a:close/>
+              </a:path>
+            </a:pathLst>
+          </a:custGeom>
+          <a:solidFill>
+            <a:schemeClr val="accent6">
+              <a:lumMod val="50000"/>
+              <a:alpha val="40000"/>
+            </a:schemeClr>
+          </a:solidFill>
+          <a:ln>
+            <a:noFill/>
+          </a:ln>
+        </p:spPr>
+        <p:style>
+          <a:lnRef idx="2">
+            <a:schemeClr val="accent1">
+              <a:shade val="50000"/>
+            </a:schemeClr>
+          </a:lnRef>
+          <a:fillRef idx="1">
+            <a:schemeClr val="accent1"/>
+          </a:fillRef>
+          <a:effectRef idx="0">
+            <a:schemeClr val="accent1"/>
+          </a:effectRef>
+          <a:fontRef idx="minor">
+            <a:schemeClr val="lt1"/>
+          </a:fontRef>
+        </p:style>
+        <p:txBody>
+          <a:bodyPr rtlCol="0" anchor="ctr"/>
+          <a:lstStyle/>
+          <a:p>
+            <a:pPr algn="ctr"/>
+            <a:endParaRPr lang="en-US" sz="1600" dirty="0" smtClean="0">
+              <a:solidFill>
+                <a:schemeClr val="tx1"/>
+              </a:solidFill>
+            </a:endParaRPr>
+          </a:p>
+          <a:p>
+            <a:pPr algn="ctr"/>
+            <a:r>
+              <a:rPr lang="en-US" sz="1600" dirty="0" smtClean="0">
+                <a:solidFill>
+                  <a:schemeClr val="tx1"/>
+                </a:solidFill>
+              </a:rPr>
+              <a:t>Machine</a:t>
+            </a:r>
+          </a:p>
+          <a:p>
+            <a:pPr algn="ctr"/>
+            <a:r>
+              <a:rPr lang="en-US" sz="1600" dirty="0" smtClean="0">
+                <a:solidFill>
+                  <a:schemeClr val="tx1"/>
+                </a:solidFill>
+              </a:rPr>
+              <a:t>Learning</a:t>
+            </a:r>
+          </a:p>
+          <a:p>
+            <a:pPr algn="ctr"/>
+            <a:r>
+              <a:rPr lang="en-US" sz="1600" dirty="0" smtClean="0">
+                <a:solidFill>
+                  <a:schemeClr val="tx1"/>
+                </a:solidFill>
+              </a:rPr>
+              <a:t>Scientist</a:t>
+            </a:r>
+            <a:endParaRPr lang="en-US" sz="1600" dirty="0">
+              <a:solidFill>
+                <a:schemeClr val="tx1"/>
+              </a:solidFill>
+            </a:endParaRPr>
+          </a:p>
+        </p:txBody>
+      </p:sp>
+      <p:sp>
+        <p:nvSpPr>
+          <p:cNvPr id="12" name="Freeform 11"/>
+          <p:cNvSpPr/>
+          <p:nvPr/>
+        </p:nvSpPr>
+        <p:spPr>
+          <a:xfrm>
+            <a:off x="8297882" y="2386974"/>
+            <a:ext cx="2280902" cy="2185026"/>
+          </a:xfrm>
+          <a:custGeom>
+            <a:avLst/>
+            <a:gdLst>
+              <a:gd name="connsiteX0" fmla="*/ 672784 w 2280902"/>
+              <a:gd name="connsiteY0" fmla="*/ 0 h 2185026"/>
+              <a:gd name="connsiteX1" fmla="*/ 679786 w 2280902"/>
+              <a:gd name="connsiteY1" fmla="*/ 1800 h 2185026"/>
+              <a:gd name="connsiteX2" fmla="*/ 2274198 w 2280902"/>
+              <a:gd name="connsiteY2" fmla="*/ 1951296 h 2185026"/>
+              <a:gd name="connsiteX3" fmla="*/ 2280902 w 2280902"/>
+              <a:gd name="connsiteY3" fmla="*/ 2084053 h 2185026"/>
+              <a:gd name="connsiteX4" fmla="*/ 2068826 w 2280902"/>
+              <a:gd name="connsiteY4" fmla="*/ 2138583 h 2185026"/>
+              <a:gd name="connsiteX5" fmla="*/ 1608117 w 2280902"/>
+              <a:gd name="connsiteY5" fmla="*/ 2185026 h 2185026"/>
+              <a:gd name="connsiteX6" fmla="*/ 154009 w 2280902"/>
+              <a:gd name="connsiteY6" fmla="*/ 1663015 h 2185026"/>
+              <a:gd name="connsiteX7" fmla="*/ 0 w 2280902"/>
+              <a:gd name="connsiteY7" fmla="*/ 1523042 h 2185026"/>
+              <a:gd name="connsiteX8" fmla="*/ 8328 w 2280902"/>
+              <a:gd name="connsiteY8" fmla="*/ 1515472 h 2185026"/>
+              <a:gd name="connsiteX9" fmla="*/ 666080 w 2280902"/>
+              <a:gd name="connsiteY9" fmla="*/ 132756 h 2185026"/>
+              <a:gd name="connsiteX10" fmla="*/ 672784 w 2280902"/>
+              <a:gd name="connsiteY10" fmla="*/ 0 h 2185026"/>
+            </a:gdLst>
+            <a:ahLst/>
+            <a:cxnLst>
+              <a:cxn ang="0">
+                <a:pos x="connsiteX0" y="connsiteY0"/>
+              </a:cxn>
+              <a:cxn ang="0">
+                <a:pos x="connsiteX1" y="connsiteY1"/>
+              </a:cxn>
+              <a:cxn ang="0">
+                <a:pos x="connsiteX2" y="connsiteY2"/>
+              </a:cxn>
+              <a:cxn ang="0">
+                <a:pos x="connsiteX3" y="connsiteY3"/>
+              </a:cxn>
+              <a:cxn ang="0">
+                <a:pos x="connsiteX4" y="connsiteY4"/>
+              </a:cxn>
+              <a:cxn ang="0">
+                <a:pos x="connsiteX5" y="connsiteY5"/>
+              </a:cxn>
+              <a:cxn ang="0">
+                <a:pos x="connsiteX6" y="connsiteY6"/>
+              </a:cxn>
+              <a:cxn ang="0">
+                <a:pos x="connsiteX7" y="connsiteY7"/>
+              </a:cxn>
+              <a:cxn ang="0">
+                <a:pos x="connsiteX8" y="connsiteY8"/>
+              </a:cxn>
+              <a:cxn ang="0">
+                <a:pos x="connsiteX9" y="connsiteY9"/>
+              </a:cxn>
+              <a:cxn ang="0">
+                <a:pos x="connsiteX10" y="connsiteY10"/>
+              </a:cxn>
+            </a:cxnLst>
+            <a:rect l="l" t="t" r="r" b="b"/>
+            <a:pathLst>
+              <a:path w="2280902" h="2185026">
+                <a:moveTo>
+                  <a:pt x="672784" y="0"/>
+                </a:moveTo>
+                <a:lnTo>
+                  <a:pt x="679786" y="1800"/>
+                </a:lnTo>
+                <a:cubicBezTo>
+                  <a:pt x="1538764" y="268970"/>
+                  <a:pt x="2180545" y="1029112"/>
+                  <a:pt x="2274198" y="1951296"/>
+                </a:cubicBezTo>
+                <a:lnTo>
+                  <a:pt x="2280902" y="2084053"/>
+                </a:lnTo>
+                <a:lnTo>
+                  <a:pt x="2068826" y="2138583"/>
+                </a:lnTo>
+                <a:cubicBezTo>
+                  <a:pt x="1920013" y="2169034"/>
+                  <a:pt x="1765933" y="2185026"/>
+                  <a:pt x="1608117" y="2185026"/>
+                </a:cubicBezTo>
+                <a:cubicBezTo>
+                  <a:pt x="1055763" y="2185026"/>
+                  <a:pt x="549165" y="1989126"/>
+                  <a:pt x="154009" y="1663015"/>
+                </a:cubicBezTo>
+                <a:lnTo>
+                  <a:pt x="0" y="1523042"/>
+                </a:lnTo>
+                <a:lnTo>
+                  <a:pt x="8328" y="1515472"/>
+                </a:lnTo>
+                <a:cubicBezTo>
+                  <a:pt x="370302" y="1153498"/>
+                  <a:pt x="611449" y="670697"/>
+                  <a:pt x="666080" y="132756"/>
+                </a:cubicBezTo>
+                <a:lnTo>
+                  <a:pt x="672784" y="0"/>
+                </a:lnTo>
+                <a:close/>
+              </a:path>
+            </a:pathLst>
+          </a:custGeom>
+          <a:solidFill>
+            <a:schemeClr val="accent1">
+              <a:lumMod val="60000"/>
+              <a:lumOff val="40000"/>
+              <a:alpha val="40000"/>
+            </a:schemeClr>
+          </a:solidFill>
+          <a:ln>
+            <a:noFill/>
+          </a:ln>
+        </p:spPr>
+        <p:style>
+          <a:lnRef idx="2">
+            <a:schemeClr val="accent1">
+              <a:shade val="50000"/>
+            </a:schemeClr>
+          </a:lnRef>
+          <a:fillRef idx="1">
+            <a:schemeClr val="accent1"/>
+          </a:fillRef>
+          <a:effectRef idx="0">
+            <a:schemeClr val="accent1"/>
+          </a:effectRef>
+          <a:fontRef idx="minor">
+            <a:schemeClr val="lt1"/>
+          </a:fontRef>
+        </p:style>
+        <p:txBody>
+          <a:bodyPr rtlCol="0" anchor="ctr"/>
+          <a:lstStyle/>
+          <a:p>
+            <a:pPr algn="ctr"/>
+            <a:r>
+              <a:rPr lang="en-US" sz="1600" dirty="0" smtClean="0">
+                <a:solidFill>
+                  <a:schemeClr val="tx1"/>
+                </a:solidFill>
+              </a:rPr>
+              <a:t>Traditional</a:t>
+            </a:r>
+          </a:p>
+          <a:p>
+            <a:pPr algn="ctr"/>
+            <a:r>
+              <a:rPr lang="en-US" sz="1600" dirty="0" smtClean="0">
+                <a:solidFill>
+                  <a:schemeClr val="tx1"/>
+                </a:solidFill>
+              </a:rPr>
+              <a:t>Researcher</a:t>
+            </a:r>
+            <a:endParaRPr lang="en-US" sz="1600" dirty="0">
+              <a:solidFill>
+                <a:schemeClr val="tx1"/>
+              </a:solidFill>
+            </a:endParaRPr>
+          </a:p>
+        </p:txBody>
+      </p:sp>
+      <p:sp>
+        <p:nvSpPr>
+          <p:cNvPr id="11" name="Freeform 10"/>
+          <p:cNvSpPr/>
+          <p:nvPr/>
+        </p:nvSpPr>
+        <p:spPr>
+          <a:xfrm>
+            <a:off x="6016982" y="2386974"/>
+            <a:ext cx="2280901" cy="2185026"/>
+          </a:xfrm>
+          <a:custGeom>
+            <a:avLst/>
+            <a:gdLst>
+              <a:gd name="connsiteX0" fmla="*/ 1608117 w 2280901"/>
+              <a:gd name="connsiteY0" fmla="*/ 0 h 2185026"/>
+              <a:gd name="connsiteX1" fmla="*/ 1614820 w 2280901"/>
+              <a:gd name="connsiteY1" fmla="*/ 132756 h 2185026"/>
+              <a:gd name="connsiteX2" fmla="*/ 2272572 w 2280901"/>
+              <a:gd name="connsiteY2" fmla="*/ 1515472 h 2185026"/>
+              <a:gd name="connsiteX3" fmla="*/ 2280901 w 2280901"/>
+              <a:gd name="connsiteY3" fmla="*/ 1523042 h 2185026"/>
+              <a:gd name="connsiteX4" fmla="*/ 2126891 w 2280901"/>
+              <a:gd name="connsiteY4" fmla="*/ 1663015 h 2185026"/>
+              <a:gd name="connsiteX5" fmla="*/ 672783 w 2280901"/>
+              <a:gd name="connsiteY5" fmla="*/ 2185026 h 2185026"/>
+              <a:gd name="connsiteX6" fmla="*/ 212074 w 2280901"/>
+              <a:gd name="connsiteY6" fmla="*/ 2138583 h 2185026"/>
+              <a:gd name="connsiteX7" fmla="*/ 0 w 2280901"/>
+              <a:gd name="connsiteY7" fmla="*/ 2084053 h 2185026"/>
+              <a:gd name="connsiteX8" fmla="*/ 6703 w 2280901"/>
+              <a:gd name="connsiteY8" fmla="*/ 1951296 h 2185026"/>
+              <a:gd name="connsiteX9" fmla="*/ 1601115 w 2280901"/>
+              <a:gd name="connsiteY9" fmla="*/ 1800 h 2185026"/>
+              <a:gd name="connsiteX10" fmla="*/ 1608117 w 2280901"/>
+              <a:gd name="connsiteY10" fmla="*/ 0 h 2185026"/>
+            </a:gdLst>
+            <a:ahLst/>
+            <a:cxnLst>
+              <a:cxn ang="0">
+                <a:pos x="connsiteX0" y="connsiteY0"/>
+              </a:cxn>
+              <a:cxn ang="0">
+                <a:pos x="connsiteX1" y="connsiteY1"/>
+              </a:cxn>
+              <a:cxn ang="0">
+                <a:pos x="connsiteX2" y="connsiteY2"/>
+              </a:cxn>
+              <a:cxn ang="0">
+                <a:pos x="connsiteX3" y="connsiteY3"/>
+              </a:cxn>
+              <a:cxn ang="0">
+                <a:pos x="connsiteX4" y="connsiteY4"/>
+              </a:cxn>
+              <a:cxn ang="0">
+                <a:pos x="connsiteX5" y="connsiteY5"/>
+              </a:cxn>
+              <a:cxn ang="0">
+                <a:pos x="connsiteX6" y="connsiteY6"/>
+              </a:cxn>
+              <a:cxn ang="0">
+                <a:pos x="connsiteX7" y="connsiteY7"/>
+              </a:cxn>
+              <a:cxn ang="0">
+                <a:pos x="connsiteX8" y="connsiteY8"/>
+              </a:cxn>
+              <a:cxn ang="0">
+                <a:pos x="connsiteX9" y="connsiteY9"/>
+              </a:cxn>
+              <a:cxn ang="0">
+                <a:pos x="connsiteX10" y="connsiteY10"/>
+              </a:cxn>
+            </a:cxnLst>
+            <a:rect l="l" t="t" r="r" b="b"/>
+            <a:pathLst>
+              <a:path w="2280901" h="2185026">
+                <a:moveTo>
+                  <a:pt x="1608117" y="0"/>
+                </a:moveTo>
+                <a:lnTo>
+                  <a:pt x="1614820" y="132756"/>
+                </a:lnTo>
+                <a:cubicBezTo>
+                  <a:pt x="1669451" y="670697"/>
+                  <a:pt x="1910598" y="1153498"/>
+                  <a:pt x="2272572" y="1515472"/>
+                </a:cubicBezTo>
+                <a:lnTo>
+                  <a:pt x="2280901" y="1523042"/>
+                </a:lnTo>
+                <a:lnTo>
+                  <a:pt x="2126891" y="1663015"/>
+                </a:lnTo>
+                <a:cubicBezTo>
+                  <a:pt x="1731736" y="1989126"/>
+                  <a:pt x="1225137" y="2185026"/>
+                  <a:pt x="672783" y="2185026"/>
+                </a:cubicBezTo>
+                <a:cubicBezTo>
+                  <a:pt x="514968" y="2185026"/>
+                  <a:pt x="360887" y="2169034"/>
+                  <a:pt x="212074" y="2138583"/>
+                </a:cubicBezTo>
+                <a:lnTo>
+                  <a:pt x="0" y="2084053"/>
+                </a:lnTo>
+                <a:lnTo>
+                  <a:pt x="6703" y="1951296"/>
+                </a:lnTo>
+                <a:cubicBezTo>
+                  <a:pt x="100356" y="1029112"/>
+                  <a:pt x="742137" y="268970"/>
+                  <a:pt x="1601115" y="1800"/>
+                </a:cubicBezTo>
+                <a:lnTo>
+                  <a:pt x="1608117" y="0"/>
+                </a:lnTo>
+                <a:close/>
+              </a:path>
+            </a:pathLst>
+          </a:custGeom>
+          <a:solidFill>
+            <a:srgbClr val="002060">
+              <a:alpha val="40000"/>
+            </a:srgbClr>
+          </a:solidFill>
+          <a:ln>
+            <a:noFill/>
+          </a:ln>
+        </p:spPr>
+        <p:style>
+          <a:lnRef idx="2">
+            <a:schemeClr val="accent1">
+              <a:shade val="50000"/>
+            </a:schemeClr>
+          </a:lnRef>
+          <a:fillRef idx="1">
+            <a:schemeClr val="accent1"/>
+          </a:fillRef>
+          <a:effectRef idx="0">
+            <a:schemeClr val="accent1"/>
+          </a:effectRef>
+          <a:fontRef idx="minor">
+            <a:schemeClr val="lt1"/>
+          </a:fontRef>
+        </p:style>
+        <p:txBody>
+          <a:bodyPr rtlCol="0" anchor="ctr"/>
+          <a:lstStyle/>
+          <a:p>
+            <a:pPr algn="ctr"/>
+            <a:r>
+              <a:rPr lang="en-US" sz="1600" dirty="0" smtClean="0">
+                <a:solidFill>
+                  <a:schemeClr val="tx1"/>
+                </a:solidFill>
+              </a:rPr>
+              <a:t>Danger</a:t>
+            </a:r>
+          </a:p>
+          <a:p>
+            <a:pPr algn="ctr"/>
+            <a:r>
+              <a:rPr lang="en-US" sz="1600" dirty="0" smtClean="0">
+                <a:solidFill>
+                  <a:schemeClr val="tx1"/>
+                </a:solidFill>
+              </a:rPr>
+              <a:t>Zone!</a:t>
+            </a:r>
+            <a:endParaRPr lang="en-US" sz="1600" dirty="0">
+              <a:solidFill>
+                <a:schemeClr val="tx1"/>
+              </a:solidFill>
+            </a:endParaRPr>
+          </a:p>
+        </p:txBody>
+      </p:sp>
+      <p:sp>
+        <p:nvSpPr>
+          <p:cNvPr id="10" name="Freeform 9"/>
+          <p:cNvSpPr/>
+          <p:nvPr/>
+        </p:nvSpPr>
+        <p:spPr>
+          <a:xfrm>
+            <a:off x="4403764" y="1"/>
+            <a:ext cx="3894118" cy="4471027"/>
+          </a:xfrm>
+          <a:custGeom>
+            <a:avLst/>
+            <a:gdLst>
+              <a:gd name="connsiteX0" fmla="*/ 2286000 w 3894118"/>
+              <a:gd name="connsiteY0" fmla="*/ 0 h 4471027"/>
+              <a:gd name="connsiteX1" fmla="*/ 3740108 w 3894118"/>
+              <a:gd name="connsiteY1" fmla="*/ 522011 h 4471027"/>
+              <a:gd name="connsiteX2" fmla="*/ 3894118 w 3894118"/>
+              <a:gd name="connsiteY2" fmla="*/ 661985 h 4471027"/>
+              <a:gd name="connsiteX3" fmla="*/ 3885789 w 3894118"/>
+              <a:gd name="connsiteY3" fmla="*/ 669554 h 4471027"/>
+              <a:gd name="connsiteX4" fmla="*/ 3216235 w 3894118"/>
+              <a:gd name="connsiteY4" fmla="*/ 2286000 h 4471027"/>
+              <a:gd name="connsiteX5" fmla="*/ 3221334 w 3894118"/>
+              <a:gd name="connsiteY5" fmla="*/ 2386974 h 4471027"/>
+              <a:gd name="connsiteX6" fmla="*/ 3214332 w 3894118"/>
+              <a:gd name="connsiteY6" fmla="*/ 2388774 h 4471027"/>
+              <a:gd name="connsiteX7" fmla="*/ 1619920 w 3894118"/>
+              <a:gd name="connsiteY7" fmla="*/ 4338270 h 4471027"/>
+              <a:gd name="connsiteX8" fmla="*/ 1613217 w 3894118"/>
+              <a:gd name="connsiteY8" fmla="*/ 4471027 h 4471027"/>
+              <a:gd name="connsiteX9" fmla="*/ 1606214 w 3894118"/>
+              <a:gd name="connsiteY9" fmla="*/ 4469226 h 4471027"/>
+              <a:gd name="connsiteX10" fmla="*/ 0 w 3894118"/>
+              <a:gd name="connsiteY10" fmla="*/ 2286000 h 4471027"/>
+              <a:gd name="connsiteX11" fmla="*/ 2286000 w 3894118"/>
+              <a:gd name="connsiteY11" fmla="*/ 0 h 4471027"/>
+            </a:gdLst>
+            <a:ahLst/>
+            <a:cxnLst>
+              <a:cxn ang="0">
+                <a:pos x="connsiteX0" y="connsiteY0"/>
+              </a:cxn>
+              <a:cxn ang="0">
+                <a:pos x="connsiteX1" y="connsiteY1"/>
+              </a:cxn>
+              <a:cxn ang="0">
+                <a:pos x="connsiteX2" y="connsiteY2"/>
+              </a:cxn>
+              <a:cxn ang="0">
+                <a:pos x="connsiteX3" y="connsiteY3"/>
+              </a:cxn>
+              <a:cxn ang="0">
+                <a:pos x="connsiteX4" y="connsiteY4"/>
+              </a:cxn>
+              <a:cxn ang="0">
+                <a:pos x="connsiteX5" y="connsiteY5"/>
+              </a:cxn>
+              <a:cxn ang="0">
+                <a:pos x="connsiteX6" y="connsiteY6"/>
+              </a:cxn>
+              <a:cxn ang="0">
+                <a:pos x="connsiteX7" y="connsiteY7"/>
+              </a:cxn>
+              <a:cxn ang="0">
+                <a:pos x="connsiteX8" y="connsiteY8"/>
+              </a:cxn>
+              <a:cxn ang="0">
+                <a:pos x="connsiteX9" y="connsiteY9"/>
+              </a:cxn>
+              <a:cxn ang="0">
+                <a:pos x="connsiteX10" y="connsiteY10"/>
+              </a:cxn>
+              <a:cxn ang="0">
+                <a:pos x="connsiteX11" y="connsiteY11"/>
+              </a:cxn>
+            </a:cxnLst>
+            <a:rect l="l" t="t" r="r" b="b"/>
+            <a:pathLst>
+              <a:path w="3894118" h="4471027">
+                <a:moveTo>
+                  <a:pt x="2286000" y="0"/>
+                </a:moveTo>
+                <a:cubicBezTo>
+                  <a:pt x="2838354" y="0"/>
+                  <a:pt x="3344953" y="195900"/>
+                  <a:pt x="3740108" y="522011"/>
+                </a:cubicBezTo>
+                <a:lnTo>
+                  <a:pt x="3894118" y="661985"/>
+                </a:lnTo>
+                <a:lnTo>
+                  <a:pt x="3885789" y="669554"/>
+                </a:lnTo>
+                <a:cubicBezTo>
+                  <a:pt x="3472104" y="1083238"/>
+                  <a:pt x="3216235" y="1654738"/>
+                  <a:pt x="3216235" y="2286000"/>
+                </a:cubicBezTo>
+                <a:lnTo>
+                  <a:pt x="3221334" y="2386974"/>
+                </a:lnTo>
+                <a:lnTo>
+                  <a:pt x="3214332" y="2388774"/>
+                </a:lnTo>
+                <a:cubicBezTo>
+                  <a:pt x="2355354" y="2655944"/>
+                  <a:pt x="1713573" y="3416086"/>
+                  <a:pt x="1619920" y="4338270"/>
+                </a:cubicBezTo>
+                <a:lnTo>
+                  <a:pt x="1613217" y="4471027"/>
+                </a:lnTo>
+                <a:lnTo>
+                  <a:pt x="1606214" y="4469226"/>
+                </a:lnTo>
+                <a:cubicBezTo>
+                  <a:pt x="675655" y="4179792"/>
+                  <a:pt x="0" y="3311800"/>
+                  <a:pt x="0" y="2286000"/>
+                </a:cubicBezTo>
+                <a:cubicBezTo>
+                  <a:pt x="0" y="1023477"/>
+                  <a:pt x="1023477" y="0"/>
+                  <a:pt x="2286000" y="0"/>
+                </a:cubicBezTo>
+                <a:close/>
+              </a:path>
+            </a:pathLst>
+          </a:custGeom>
+          <a:solidFill>
+            <a:srgbClr val="E64A60">
+              <a:alpha val="40000"/>
+            </a:srgbClr>
+          </a:solidFill>
+          <a:ln>
+            <a:noFill/>
+          </a:ln>
+        </p:spPr>
+        <p:style>
+          <a:lnRef idx="2">
+            <a:schemeClr val="accent1">
+              <a:shade val="50000"/>
+            </a:schemeClr>
+          </a:lnRef>
+          <a:fillRef idx="1">
+            <a:schemeClr val="accent1"/>
+          </a:fillRef>
+          <a:effectRef idx="0">
+            <a:schemeClr val="accent1"/>
+          </a:effectRef>
+          <a:fontRef idx="minor">
+            <a:schemeClr val="lt1"/>
+          </a:fontRef>
+        </p:style>
+        <p:txBody>
+          <a:bodyPr rtlCol="0" anchor="ctr"/>
+          <a:lstStyle/>
+          <a:p>
+            <a:pPr algn="ctr"/>
+            <a:r>
+              <a:rPr lang="en-US" sz="2400" dirty="0" smtClean="0">
+                <a:solidFill>
+                  <a:schemeClr val="tx1"/>
+                </a:solidFill>
+              </a:rPr>
+              <a:t>Computer Science</a:t>
+            </a:r>
+          </a:p>
+          <a:p>
+            <a:pPr algn="ctr"/>
+            <a:r>
+              <a:rPr lang="en-US" sz="2400" dirty="0" smtClean="0">
+                <a:solidFill>
+                  <a:schemeClr val="tx1"/>
+                </a:solidFill>
+              </a:rPr>
+              <a:t>Skills</a:t>
+            </a:r>
+          </a:p>
+          <a:p>
+            <a:pPr algn="ctr"/>
+            <a:endParaRPr lang="en-US" dirty="0"/>
+          </a:p>
+          <a:p>
+            <a:pPr algn="ctr"/>
+            <a:endParaRPr lang="en-US" dirty="0" smtClean="0"/>
+          </a:p>
+          <a:p>
+            <a:pPr algn="ctr"/>
+            <a:endParaRPr lang="en-US" dirty="0"/>
+          </a:p>
+          <a:p>
+            <a:pPr algn="ctr"/>
+            <a:endParaRPr lang="en-US" dirty="0" smtClean="0"/>
+          </a:p>
+          <a:p>
+            <a:pPr algn="ctr"/>
+            <a:endParaRPr lang="en-US" dirty="0"/>
+          </a:p>
+        </p:txBody>
+      </p:sp>
+      <p:sp>
+        <p:nvSpPr>
+          <p:cNvPr id="9" name="Freeform 8"/>
+          <p:cNvSpPr/>
+          <p:nvPr/>
+        </p:nvSpPr>
+        <p:spPr>
+          <a:xfrm>
+            <a:off x="8297883" y="1"/>
+            <a:ext cx="3894117" cy="4471027"/>
+          </a:xfrm>
+          <a:custGeom>
+            <a:avLst/>
+            <a:gdLst>
+              <a:gd name="connsiteX0" fmla="*/ 1608117 w 3894117"/>
+              <a:gd name="connsiteY0" fmla="*/ 0 h 4471027"/>
+              <a:gd name="connsiteX1" fmla="*/ 3894117 w 3894117"/>
+              <a:gd name="connsiteY1" fmla="*/ 2286000 h 4471027"/>
+              <a:gd name="connsiteX2" fmla="*/ 2287903 w 3894117"/>
+              <a:gd name="connsiteY2" fmla="*/ 4469226 h 4471027"/>
+              <a:gd name="connsiteX3" fmla="*/ 2280902 w 3894117"/>
+              <a:gd name="connsiteY3" fmla="*/ 4471027 h 4471027"/>
+              <a:gd name="connsiteX4" fmla="*/ 2274198 w 3894117"/>
+              <a:gd name="connsiteY4" fmla="*/ 4338270 h 4471027"/>
+              <a:gd name="connsiteX5" fmla="*/ 679786 w 3894117"/>
+              <a:gd name="connsiteY5" fmla="*/ 2388774 h 4471027"/>
+              <a:gd name="connsiteX6" fmla="*/ 672784 w 3894117"/>
+              <a:gd name="connsiteY6" fmla="*/ 2386974 h 4471027"/>
+              <a:gd name="connsiteX7" fmla="*/ 677882 w 3894117"/>
+              <a:gd name="connsiteY7" fmla="*/ 2286000 h 4471027"/>
+              <a:gd name="connsiteX8" fmla="*/ 8328 w 3894117"/>
+              <a:gd name="connsiteY8" fmla="*/ 669554 h 4471027"/>
+              <a:gd name="connsiteX9" fmla="*/ 0 w 3894117"/>
+              <a:gd name="connsiteY9" fmla="*/ 661985 h 4471027"/>
+              <a:gd name="connsiteX10" fmla="*/ 154009 w 3894117"/>
+              <a:gd name="connsiteY10" fmla="*/ 522011 h 4471027"/>
+              <a:gd name="connsiteX11" fmla="*/ 1608117 w 3894117"/>
+              <a:gd name="connsiteY11" fmla="*/ 0 h 4471027"/>
+            </a:gdLst>
+            <a:ahLst/>
+            <a:cxnLst>
+              <a:cxn ang="0">
+                <a:pos x="connsiteX0" y="connsiteY0"/>
+              </a:cxn>
+              <a:cxn ang="0">
+                <a:pos x="connsiteX1" y="connsiteY1"/>
+              </a:cxn>
+              <a:cxn ang="0">
+                <a:pos x="connsiteX2" y="connsiteY2"/>
+              </a:cxn>
+              <a:cxn ang="0">
+                <a:pos x="connsiteX3" y="connsiteY3"/>
+              </a:cxn>
+              <a:cxn ang="0">
+                <a:pos x="connsiteX4" y="connsiteY4"/>
+              </a:cxn>
+              <a:cxn ang="0">
+                <a:pos x="connsiteX5" y="connsiteY5"/>
+              </a:cxn>
+              <a:cxn ang="0">
+                <a:pos x="connsiteX6" y="connsiteY6"/>
+              </a:cxn>
+              <a:cxn ang="0">
+                <a:pos x="connsiteX7" y="connsiteY7"/>
+              </a:cxn>
+              <a:cxn ang="0">
+                <a:pos x="connsiteX8" y="connsiteY8"/>
+              </a:cxn>
+              <a:cxn ang="0">
+                <a:pos x="connsiteX9" y="connsiteY9"/>
+              </a:cxn>
+              <a:cxn ang="0">
+                <a:pos x="connsiteX10" y="connsiteY10"/>
+              </a:cxn>
+              <a:cxn ang="0">
+                <a:pos x="connsiteX11" y="connsiteY11"/>
+              </a:cxn>
+            </a:cxnLst>
+            <a:rect l="l" t="t" r="r" b="b"/>
+            <a:pathLst>
+              <a:path w="3894117" h="4471027">
+                <a:moveTo>
+                  <a:pt x="1608117" y="0"/>
+                </a:moveTo>
+                <a:cubicBezTo>
+                  <a:pt x="2870640" y="0"/>
+                  <a:pt x="3894117" y="1023477"/>
+                  <a:pt x="3894117" y="2286000"/>
+                </a:cubicBezTo>
+                <a:cubicBezTo>
+                  <a:pt x="3894117" y="3311800"/>
+                  <a:pt x="3218463" y="4179792"/>
+                  <a:pt x="2287903" y="4469226"/>
+                </a:cubicBezTo>
+                <a:lnTo>
+                  <a:pt x="2280902" y="4471027"/>
+                </a:lnTo>
+                <a:lnTo>
+                  <a:pt x="2274198" y="4338270"/>
+                </a:lnTo>
+                <a:cubicBezTo>
+                  <a:pt x="2180545" y="3416086"/>
+                  <a:pt x="1538764" y="2655944"/>
+                  <a:pt x="679786" y="2388774"/>
+                </a:cubicBezTo>
+                <a:lnTo>
+                  <a:pt x="672784" y="2386974"/>
+                </a:lnTo>
+                <a:lnTo>
+                  <a:pt x="677882" y="2286000"/>
+                </a:lnTo>
+                <a:cubicBezTo>
+                  <a:pt x="677882" y="1654738"/>
+                  <a:pt x="422013" y="1083238"/>
+                  <a:pt x="8328" y="669554"/>
+                </a:cubicBezTo>
+                <a:lnTo>
+                  <a:pt x="0" y="661985"/>
+                </a:lnTo>
+                <a:lnTo>
+                  <a:pt x="154009" y="522011"/>
+                </a:lnTo>
+                <a:cubicBezTo>
+                  <a:pt x="549165" y="195900"/>
+                  <a:pt x="1055763" y="0"/>
+                  <a:pt x="1608117" y="0"/>
+                </a:cubicBezTo>
+                <a:close/>
+              </a:path>
+            </a:pathLst>
+          </a:custGeom>
+          <a:solidFill>
+            <a:srgbClr val="70AD47">
+              <a:alpha val="40000"/>
+            </a:srgbClr>
+          </a:solidFill>
+          <a:ln>
+            <a:noFill/>
+          </a:ln>
+        </p:spPr>
+        <p:style>
+          <a:lnRef idx="2">
+            <a:schemeClr val="accent1">
+              <a:shade val="50000"/>
+            </a:schemeClr>
+          </a:lnRef>
+          <a:fillRef idx="1">
+            <a:schemeClr val="accent1"/>
+          </a:fillRef>
+          <a:effectRef idx="0">
+            <a:schemeClr val="accent1"/>
+          </a:effectRef>
+          <a:fontRef idx="minor">
+            <a:schemeClr val="lt1"/>
+          </a:fontRef>
+        </p:style>
+        <p:txBody>
+          <a:bodyPr rtlCol="0" anchor="ctr"/>
+          <a:lstStyle/>
+          <a:p>
+            <a:pPr algn="ctr"/>
+            <a:r>
+              <a:rPr lang="en-US" sz="2400" dirty="0" smtClean="0">
+                <a:solidFill>
+                  <a:schemeClr val="tx1"/>
+                </a:solidFill>
+              </a:rPr>
+              <a:t>Mathematics/</a:t>
+            </a:r>
+          </a:p>
+          <a:p>
+            <a:pPr algn="ctr"/>
+            <a:r>
+              <a:rPr lang="en-US" sz="2400" dirty="0" smtClean="0">
+                <a:solidFill>
+                  <a:schemeClr val="tx1"/>
+                </a:solidFill>
+              </a:rPr>
+              <a:t>Statistics</a:t>
+            </a:r>
+          </a:p>
+          <a:p>
+            <a:pPr algn="ctr"/>
+            <a:r>
+              <a:rPr lang="en-US" sz="2400" dirty="0" smtClean="0">
+                <a:solidFill>
+                  <a:schemeClr val="tx1"/>
+                </a:solidFill>
+              </a:rPr>
+              <a:t>Knowledge</a:t>
+            </a:r>
+          </a:p>
+          <a:p>
+            <a:pPr algn="ctr"/>
+            <a:endParaRPr lang="en-US" dirty="0"/>
+          </a:p>
+          <a:p>
+            <a:pPr algn="ctr"/>
+            <a:endParaRPr lang="en-US" dirty="0" smtClean="0"/>
+          </a:p>
+          <a:p>
+            <a:pPr algn="ctr"/>
+            <a:endParaRPr lang="en-US" dirty="0"/>
+          </a:p>
+          <a:p>
+            <a:pPr algn="ctr"/>
+            <a:endParaRPr lang="en-US" dirty="0" smtClean="0"/>
+          </a:p>
+          <a:p>
+            <a:pPr algn="ctr"/>
+            <a:endParaRPr lang="en-US" dirty="0"/>
+          </a:p>
+        </p:txBody>
+      </p:sp>
+      <p:sp>
+        <p:nvSpPr>
+          <p:cNvPr id="8" name="Freeform 7"/>
+          <p:cNvSpPr/>
+          <p:nvPr/>
+        </p:nvSpPr>
+        <p:spPr>
+          <a:xfrm>
+            <a:off x="7625098" y="2286000"/>
+            <a:ext cx="1345568" cy="1624016"/>
+          </a:xfrm>
+          <a:custGeom>
+            <a:avLst/>
+            <a:gdLst>
+              <a:gd name="connsiteX0" fmla="*/ 672784 w 1345568"/>
+              <a:gd name="connsiteY0" fmla="*/ 0 h 1624016"/>
+              <a:gd name="connsiteX1" fmla="*/ 1133493 w 1345568"/>
+              <a:gd name="connsiteY1" fmla="*/ 46443 h 1624016"/>
+              <a:gd name="connsiteX2" fmla="*/ 1345568 w 1345568"/>
+              <a:gd name="connsiteY2" fmla="*/ 100974 h 1624016"/>
+              <a:gd name="connsiteX3" fmla="*/ 1338864 w 1345568"/>
+              <a:gd name="connsiteY3" fmla="*/ 233730 h 1624016"/>
+              <a:gd name="connsiteX4" fmla="*/ 681112 w 1345568"/>
+              <a:gd name="connsiteY4" fmla="*/ 1616446 h 1624016"/>
+              <a:gd name="connsiteX5" fmla="*/ 672784 w 1345568"/>
+              <a:gd name="connsiteY5" fmla="*/ 1624016 h 1624016"/>
+              <a:gd name="connsiteX6" fmla="*/ 664455 w 1345568"/>
+              <a:gd name="connsiteY6" fmla="*/ 1616446 h 1624016"/>
+              <a:gd name="connsiteX7" fmla="*/ 6703 w 1345568"/>
+              <a:gd name="connsiteY7" fmla="*/ 233730 h 1624016"/>
+              <a:gd name="connsiteX8" fmla="*/ 0 w 1345568"/>
+              <a:gd name="connsiteY8" fmla="*/ 100974 h 1624016"/>
+              <a:gd name="connsiteX9" fmla="*/ 212075 w 1345568"/>
+              <a:gd name="connsiteY9" fmla="*/ 46443 h 1624016"/>
+              <a:gd name="connsiteX10" fmla="*/ 672784 w 1345568"/>
+              <a:gd name="connsiteY10" fmla="*/ 0 h 1624016"/>
+            </a:gdLst>
+            <a:ahLst/>
+            <a:cxnLst>
+              <a:cxn ang="0">
+                <a:pos x="connsiteX0" y="connsiteY0"/>
+              </a:cxn>
+              <a:cxn ang="0">
+                <a:pos x="connsiteX1" y="connsiteY1"/>
+              </a:cxn>
+              <a:cxn ang="0">
+                <a:pos x="connsiteX2" y="connsiteY2"/>
+              </a:cxn>
+              <a:cxn ang="0">
+                <a:pos x="connsiteX3" y="connsiteY3"/>
+              </a:cxn>
+              <a:cxn ang="0">
+                <a:pos x="connsiteX4" y="connsiteY4"/>
+              </a:cxn>
+              <a:cxn ang="0">
+                <a:pos x="connsiteX5" y="connsiteY5"/>
+              </a:cxn>
+              <a:cxn ang="0">
+                <a:pos x="connsiteX6" y="connsiteY6"/>
+              </a:cxn>
+              <a:cxn ang="0">
+                <a:pos x="connsiteX7" y="connsiteY7"/>
+              </a:cxn>
+              <a:cxn ang="0">
+                <a:pos x="connsiteX8" y="connsiteY8"/>
+              </a:cxn>
+              <a:cxn ang="0">
+                <a:pos x="connsiteX9" y="connsiteY9"/>
+              </a:cxn>
+              <a:cxn ang="0">
+                <a:pos x="connsiteX10" y="connsiteY10"/>
+              </a:cxn>
+            </a:cxnLst>
+            <a:rect l="l" t="t" r="r" b="b"/>
+            <a:pathLst>
+              <a:path w="1345568" h="1624016">
+                <a:moveTo>
+                  <a:pt x="672784" y="0"/>
+                </a:moveTo>
+                <a:cubicBezTo>
+                  <a:pt x="830600" y="0"/>
+                  <a:pt x="984680" y="15992"/>
+                  <a:pt x="1133493" y="46443"/>
+                </a:cubicBezTo>
+                <a:lnTo>
+                  <a:pt x="1345568" y="100974"/>
+                </a:lnTo>
+                <a:lnTo>
+                  <a:pt x="1338864" y="233730"/>
+                </a:lnTo>
+                <a:cubicBezTo>
+                  <a:pt x="1284233" y="771671"/>
+                  <a:pt x="1043086" y="1254472"/>
+                  <a:pt x="681112" y="1616446"/>
+                </a:cubicBezTo>
+                <a:lnTo>
+                  <a:pt x="672784" y="1624016"/>
+                </a:lnTo>
+                <a:lnTo>
+                  <a:pt x="664455" y="1616446"/>
+                </a:lnTo>
+                <a:cubicBezTo>
+                  <a:pt x="302481" y="1254472"/>
+                  <a:pt x="61334" y="771671"/>
+                  <a:pt x="6703" y="233730"/>
+                </a:cubicBezTo>
+                <a:lnTo>
+                  <a:pt x="0" y="100974"/>
+                </a:lnTo>
+                <a:lnTo>
+                  <a:pt x="212075" y="46443"/>
+                </a:lnTo>
+                <a:cubicBezTo>
+                  <a:pt x="360889" y="15992"/>
+                  <a:pt x="514969" y="0"/>
+                  <a:pt x="672784" y="0"/>
+                </a:cubicBezTo>
+                <a:close/>
+              </a:path>
+            </a:pathLst>
+          </a:custGeom>
+          <a:solidFill>
+            <a:schemeClr val="accent4">
+              <a:alpha val="40000"/>
+            </a:schemeClr>
+          </a:solidFill>
+          <a:ln>
+            <a:noFill/>
+          </a:ln>
+        </p:spPr>
+        <p:style>
+          <a:lnRef idx="2">
+            <a:schemeClr val="accent1">
+              <a:shade val="50000"/>
+            </a:schemeClr>
+          </a:lnRef>
+          <a:fillRef idx="1">
+            <a:schemeClr val="accent1"/>
+          </a:fillRef>
+          <a:effectRef idx="0">
+            <a:schemeClr val="accent1"/>
+          </a:effectRef>
+          <a:fontRef idx="minor">
+            <a:schemeClr val="lt1"/>
+          </a:fontRef>
+        </p:style>
+        <p:txBody>
+          <a:bodyPr rtlCol="0" anchor="ctr"/>
+          <a:lstStyle/>
+          <a:p>
+            <a:pPr algn="ctr"/>
+            <a:r>
+              <a:rPr lang="en-US" sz="2000" b="1" dirty="0" smtClean="0">
+                <a:solidFill>
+                  <a:schemeClr val="tx1"/>
+                </a:solidFill>
+              </a:rPr>
+              <a:t>Data</a:t>
+            </a:r>
+          </a:p>
+          <a:p>
+            <a:pPr algn="ctr"/>
+            <a:r>
+              <a:rPr lang="en-US" sz="2000" b="1" dirty="0" smtClean="0">
+                <a:solidFill>
+                  <a:schemeClr val="tx1"/>
+                </a:solidFill>
+              </a:rPr>
+              <a:t>Scientist</a:t>
+            </a:r>
+          </a:p>
+          <a:p>
+            <a:pPr algn="ctr"/>
+            <a:endParaRPr lang="en-US" dirty="0"/>
+          </a:p>
+          <a:p>
+            <a:pPr algn="ctr"/>
+            <a:endParaRPr lang="en-US" dirty="0"/>
+          </a:p>
+        </p:txBody>
+      </p:sp>
+      <p:sp>
+        <p:nvSpPr>
+          <p:cNvPr id="7" name="Freeform 6"/>
+          <p:cNvSpPr/>
+          <p:nvPr/>
+        </p:nvSpPr>
+        <p:spPr>
+          <a:xfrm>
+            <a:off x="6011882" y="3910016"/>
+            <a:ext cx="4572000" cy="2947984"/>
+          </a:xfrm>
+          <a:custGeom>
+            <a:avLst/>
+            <a:gdLst>
+              <a:gd name="connsiteX0" fmla="*/ 2286000 w 4572000"/>
+              <a:gd name="connsiteY0" fmla="*/ 0 h 2947984"/>
+              <a:gd name="connsiteX1" fmla="*/ 2440009 w 4572000"/>
+              <a:gd name="connsiteY1" fmla="*/ 139973 h 2947984"/>
+              <a:gd name="connsiteX2" fmla="*/ 3894117 w 4572000"/>
+              <a:gd name="connsiteY2" fmla="*/ 661984 h 2947984"/>
+              <a:gd name="connsiteX3" fmla="*/ 4354826 w 4572000"/>
+              <a:gd name="connsiteY3" fmla="*/ 615541 h 2947984"/>
+              <a:gd name="connsiteX4" fmla="*/ 4566902 w 4572000"/>
+              <a:gd name="connsiteY4" fmla="*/ 561011 h 2947984"/>
+              <a:gd name="connsiteX5" fmla="*/ 4572000 w 4572000"/>
+              <a:gd name="connsiteY5" fmla="*/ 661984 h 2947984"/>
+              <a:gd name="connsiteX6" fmla="*/ 2286000 w 4572000"/>
+              <a:gd name="connsiteY6" fmla="*/ 2947984 h 2947984"/>
+              <a:gd name="connsiteX7" fmla="*/ 0 w 4572000"/>
+              <a:gd name="connsiteY7" fmla="*/ 661984 h 2947984"/>
+              <a:gd name="connsiteX8" fmla="*/ 5099 w 4572000"/>
+              <a:gd name="connsiteY8" fmla="*/ 561011 h 2947984"/>
+              <a:gd name="connsiteX9" fmla="*/ 217173 w 4572000"/>
+              <a:gd name="connsiteY9" fmla="*/ 615541 h 2947984"/>
+              <a:gd name="connsiteX10" fmla="*/ 677882 w 4572000"/>
+              <a:gd name="connsiteY10" fmla="*/ 661984 h 2947984"/>
+              <a:gd name="connsiteX11" fmla="*/ 2131990 w 4572000"/>
+              <a:gd name="connsiteY11" fmla="*/ 139973 h 2947984"/>
+              <a:gd name="connsiteX12" fmla="*/ 2286000 w 4572000"/>
+              <a:gd name="connsiteY12" fmla="*/ 0 h 2947984"/>
+            </a:gdLst>
+            <a:ahLst/>
+            <a:cxnLst>
+              <a:cxn ang="0">
+                <a:pos x="connsiteX0" y="connsiteY0"/>
+              </a:cxn>
+              <a:cxn ang="0">
+                <a:pos x="connsiteX1" y="connsiteY1"/>
+              </a:cxn>
+              <a:cxn ang="0">
+                <a:pos x="connsiteX2" y="connsiteY2"/>
+              </a:cxn>
+              <a:cxn ang="0">
+                <a:pos x="connsiteX3" y="connsiteY3"/>
+              </a:cxn>
+              <a:cxn ang="0">
+                <a:pos x="connsiteX4" y="connsiteY4"/>
+              </a:cxn>
+              <a:cxn ang="0">
+                <a:pos x="connsiteX5" y="connsiteY5"/>
+              </a:cxn>
+              <a:cxn ang="0">
+                <a:pos x="connsiteX6" y="connsiteY6"/>
+              </a:cxn>
+              <a:cxn ang="0">
+                <a:pos x="connsiteX7" y="connsiteY7"/>
+              </a:cxn>
+              <a:cxn ang="0">
+                <a:pos x="connsiteX8" y="connsiteY8"/>
+              </a:cxn>
+              <a:cxn ang="0">
+                <a:pos x="connsiteX9" y="connsiteY9"/>
+              </a:cxn>
+              <a:cxn ang="0">
+                <a:pos x="connsiteX10" y="connsiteY10"/>
+              </a:cxn>
+              <a:cxn ang="0">
+                <a:pos x="connsiteX11" y="connsiteY11"/>
+              </a:cxn>
+              <a:cxn ang="0">
+                <a:pos x="connsiteX12" y="connsiteY12"/>
+              </a:cxn>
+            </a:cxnLst>
+            <a:rect l="l" t="t" r="r" b="b"/>
+            <a:pathLst>
+              <a:path w="4572000" h="2947984">
+                <a:moveTo>
+                  <a:pt x="2286000" y="0"/>
+                </a:moveTo>
+                <a:lnTo>
+                  <a:pt x="2440009" y="139973"/>
+                </a:lnTo>
+                <a:cubicBezTo>
+                  <a:pt x="2835165" y="466084"/>
+                  <a:pt x="3341763" y="661984"/>
+                  <a:pt x="3894117" y="661984"/>
+                </a:cubicBezTo>
+                <a:cubicBezTo>
+                  <a:pt x="4051933" y="661984"/>
+                  <a:pt x="4206013" y="645992"/>
+                  <a:pt x="4354826" y="615541"/>
+                </a:cubicBezTo>
+                <a:lnTo>
+                  <a:pt x="4566902" y="561011"/>
+                </a:lnTo>
+                <a:lnTo>
+                  <a:pt x="4572000" y="661984"/>
+                </a:lnTo>
+                <a:cubicBezTo>
+                  <a:pt x="4572000" y="1924507"/>
+                  <a:pt x="3548523" y="2947984"/>
+                  <a:pt x="2286000" y="2947984"/>
+                </a:cubicBezTo>
+                <a:cubicBezTo>
+                  <a:pt x="1023477" y="2947984"/>
+                  <a:pt x="0" y="1924507"/>
+                  <a:pt x="0" y="661984"/>
+                </a:cubicBezTo>
+                <a:lnTo>
+                  <a:pt x="5099" y="561011"/>
+                </a:lnTo>
+                <a:lnTo>
+                  <a:pt x="217173" y="615541"/>
+                </a:lnTo>
+                <a:cubicBezTo>
+                  <a:pt x="365986" y="645992"/>
+                  <a:pt x="520067" y="661984"/>
+                  <a:pt x="677882" y="661984"/>
+                </a:cubicBezTo>
+                <a:cubicBezTo>
+                  <a:pt x="1230236" y="661984"/>
+                  <a:pt x="1736835" y="466084"/>
+                  <a:pt x="2131990" y="139973"/>
+                </a:cubicBezTo>
+                <a:lnTo>
+                  <a:pt x="2286000" y="0"/>
+                </a:lnTo>
+                <a:close/>
+              </a:path>
+            </a:pathLst>
+          </a:custGeom>
+          <a:solidFill>
+            <a:srgbClr val="7030A0">
+              <a:alpha val="40000"/>
+            </a:srgbClr>
+          </a:solidFill>
+          <a:ln>
+            <a:noFill/>
+          </a:ln>
+        </p:spPr>
+        <p:style>
+          <a:lnRef idx="2">
+            <a:schemeClr val="accent1">
+              <a:shade val="50000"/>
+            </a:schemeClr>
+          </a:lnRef>
+          <a:fillRef idx="1">
+            <a:schemeClr val="accent1"/>
+          </a:fillRef>
+          <a:effectRef idx="0">
+            <a:schemeClr val="accent1"/>
+          </a:effectRef>
+          <a:fontRef idx="minor">
+            <a:schemeClr val="lt1"/>
+          </a:fontRef>
+        </p:style>
+        <p:txBody>
+          <a:bodyPr rtlCol="0" anchor="ctr"/>
+          <a:lstStyle/>
+          <a:p>
+            <a:pPr algn="ctr"/>
+            <a:r>
               <a:rPr lang="en-US" sz="2400" dirty="0" smtClean="0">
                 <a:solidFill>
                   <a:schemeClr val="tx1"/>
@@ -17412,7 +18943,172 @@
 </p:sld>
 </file>
 
-<file path=ppt/slides/slide29.xml><?xml version="1.0" encoding="utf-8"?>
+<file path=ppt/slides/slide3.xml><?xml version="1.0" encoding="utf-8"?>
+<p:sld xmlns:a="http://schemas.openxmlformats.org/drawingml/2006/main" xmlns:r="http://schemas.openxmlformats.org/officeDocument/2006/relationships" xmlns:p="http://schemas.openxmlformats.org/presentationml/2006/main">
+  <p:cSld>
+    <p:spTree>
+      <p:nvGrpSpPr>
+        <p:cNvPr id="1" name=""/>
+        <p:cNvGrpSpPr/>
+        <p:nvPr/>
+      </p:nvGrpSpPr>
+      <p:grpSpPr>
+        <a:xfrm>
+          <a:off x="0" y="0"/>
+          <a:ext cx="0" cy="0"/>
+          <a:chOff x="0" y="0"/>
+          <a:chExt cx="0" cy="0"/>
+        </a:xfrm>
+      </p:grpSpPr>
+      <p:sp>
+        <p:nvSpPr>
+          <p:cNvPr id="2" name="Title 1"/>
+          <p:cNvSpPr>
+            <a:spLocks noGrp="1"/>
+          </p:cNvSpPr>
+          <p:nvPr>
+            <p:ph type="title"/>
+          </p:nvPr>
+        </p:nvSpPr>
+        <p:spPr/>
+        <p:txBody>
+          <a:bodyPr/>
+          <a:lstStyle/>
+          <a:p>
+            <a:r>
+              <a:rPr lang="en-US" dirty="0" smtClean="0"/>
+              <a:t>Our Team</a:t>
+            </a:r>
+            <a:endParaRPr lang="en-US" dirty="0"/>
+          </a:p>
+        </p:txBody>
+      </p:sp>
+      <p:sp>
+        <p:nvSpPr>
+          <p:cNvPr id="3" name="Content Placeholder 2"/>
+          <p:cNvSpPr>
+            <a:spLocks noGrp="1"/>
+          </p:cNvSpPr>
+          <p:nvPr>
+            <p:ph idx="1"/>
+          </p:nvPr>
+        </p:nvSpPr>
+        <p:spPr/>
+        <p:txBody>
+          <a:bodyPr/>
+          <a:lstStyle/>
+          <a:p>
+            <a:r>
+              <a:rPr lang="en-US" dirty="0" smtClean="0"/>
+              <a:t>Microsoft’s Analysis and Experimentation Team</a:t>
+            </a:r>
+          </a:p>
+          <a:p>
+            <a:endParaRPr lang="en-US" dirty="0"/>
+          </a:p>
+          <a:p>
+            <a:endParaRPr lang="en-US" dirty="0" smtClean="0"/>
+          </a:p>
+          <a:p>
+            <a:endParaRPr lang="en-US" dirty="0"/>
+          </a:p>
+          <a:p>
+            <a:endParaRPr lang="en-US" dirty="0" smtClean="0"/>
+          </a:p>
+          <a:p>
+            <a:endParaRPr lang="en-US" dirty="0"/>
+          </a:p>
+          <a:p>
+            <a:endParaRPr lang="en-US" dirty="0" smtClean="0"/>
+          </a:p>
+          <a:p>
+            <a:pPr marL="0" indent="0" algn="ctr">
+              <a:buNone/>
+            </a:pPr>
+            <a:r>
+              <a:rPr lang="en-US" i="1" dirty="0" smtClean="0"/>
+              <a:t>Accelerating innovation via trustworthy analysis and experimentation</a:t>
+            </a:r>
+            <a:endParaRPr lang="en-US" i="1" dirty="0"/>
+          </a:p>
+        </p:txBody>
+      </p:sp>
+      <p:pic>
+        <p:nvPicPr>
+          <p:cNvPr id="4" name="Picture 3"/>
+          <p:cNvPicPr>
+            <a:picLocks noChangeAspect="1"/>
+          </p:cNvPicPr>
+          <p:nvPr/>
+        </p:nvPicPr>
+        <p:blipFill>
+          <a:blip r:embed="rId2">
+            <a:extLst>
+              <a:ext uri="{28A0092B-C50C-407E-A947-70E740481C1C}">
+                <a14:useLocalDpi xmlns:a14="http://schemas.microsoft.com/office/drawing/2010/main" val="0"/>
+              </a:ext>
+            </a:extLst>
+          </a:blip>
+          <a:stretch>
+            <a:fillRect/>
+          </a:stretch>
+        </p:blipFill>
+        <p:spPr>
+          <a:xfrm>
+            <a:off x="4953000" y="2668905"/>
+            <a:ext cx="2286000" cy="2228850"/>
+          </a:xfrm>
+          <a:prstGeom prst="rect">
+            <a:avLst/>
+          </a:prstGeom>
+        </p:spPr>
+      </p:pic>
+      <p:sp>
+        <p:nvSpPr>
+          <p:cNvPr id="5" name="TextBox 4"/>
+          <p:cNvSpPr txBox="1"/>
+          <p:nvPr/>
+        </p:nvSpPr>
+        <p:spPr>
+          <a:xfrm>
+            <a:off x="4578725" y="6447235"/>
+            <a:ext cx="3034549" cy="369332"/>
+          </a:xfrm>
+          <a:prstGeom prst="rect">
+            <a:avLst/>
+          </a:prstGeom>
+          <a:noFill/>
+        </p:spPr>
+        <p:txBody>
+          <a:bodyPr wrap="none" rtlCol="0">
+            <a:spAutoFit/>
+          </a:bodyPr>
+          <a:lstStyle/>
+          <a:p>
+            <a:r>
+              <a:rPr lang="en-US" smtClean="0">
+                <a:hlinkClick r:id="rId3"/>
+              </a:rPr>
+              <a:t>http://www.exp-platform.com</a:t>
+            </a:r>
+            <a:endParaRPr lang="en-US" smtClean="0"/>
+          </a:p>
+        </p:txBody>
+      </p:sp>
+    </p:spTree>
+    <p:extLst>
+      <p:ext uri="{BB962C8B-B14F-4D97-AF65-F5344CB8AC3E}">
+        <p14:creationId xmlns:p14="http://schemas.microsoft.com/office/powerpoint/2010/main" val="3053272649"/>
+      </p:ext>
+    </p:extLst>
+  </p:cSld>
+  <p:clrMapOvr>
+    <a:masterClrMapping/>
+  </p:clrMapOvr>
+</p:sld>
+</file>
+
+<file path=ppt/slides/slide30.xml><?xml version="1.0" encoding="utf-8"?>
 <p:sld xmlns:a="http://schemas.openxmlformats.org/drawingml/2006/main" xmlns:r="http://schemas.openxmlformats.org/officeDocument/2006/relationships" xmlns:p="http://schemas.openxmlformats.org/presentationml/2006/main">
   <p:cSld>
     <p:spTree>
@@ -17573,110 +19269,7 @@
 </p:sld>
 </file>
 
-<file path=ppt/slides/slide3.xml><?xml version="1.0" encoding="utf-8"?>
-<p:sld xmlns:a="http://schemas.openxmlformats.org/drawingml/2006/main" xmlns:r="http://schemas.openxmlformats.org/officeDocument/2006/relationships" xmlns:p="http://schemas.openxmlformats.org/presentationml/2006/main">
-  <p:cSld>
-    <p:spTree>
-      <p:nvGrpSpPr>
-        <p:cNvPr id="1" name=""/>
-        <p:cNvGrpSpPr/>
-        <p:nvPr/>
-      </p:nvGrpSpPr>
-      <p:grpSpPr>
-        <a:xfrm>
-          <a:off x="0" y="0"/>
-          <a:ext cx="0" cy="0"/>
-          <a:chOff x="0" y="0"/>
-          <a:chExt cx="0" cy="0"/>
-        </a:xfrm>
-      </p:grpSpPr>
-      <p:sp>
-        <p:nvSpPr>
-          <p:cNvPr id="2" name="Title 1"/>
-          <p:cNvSpPr>
-            <a:spLocks noGrp="1"/>
-          </p:cNvSpPr>
-          <p:nvPr>
-            <p:ph type="title"/>
-          </p:nvPr>
-        </p:nvSpPr>
-        <p:spPr/>
-        <p:txBody>
-          <a:bodyPr/>
-          <a:lstStyle/>
-          <a:p>
-            <a:r>
-              <a:rPr lang="en-US" dirty="0" smtClean="0"/>
-              <a:t>Our Team</a:t>
-            </a:r>
-            <a:endParaRPr lang="en-US" dirty="0"/>
-          </a:p>
-        </p:txBody>
-      </p:sp>
-      <p:sp>
-        <p:nvSpPr>
-          <p:cNvPr id="3" name="Content Placeholder 2"/>
-          <p:cNvSpPr>
-            <a:spLocks noGrp="1"/>
-          </p:cNvSpPr>
-          <p:nvPr>
-            <p:ph idx="1"/>
-          </p:nvPr>
-        </p:nvSpPr>
-        <p:spPr/>
-        <p:txBody>
-          <a:bodyPr/>
-          <a:lstStyle/>
-          <a:p>
-            <a:r>
-              <a:rPr lang="en-US" dirty="0" smtClean="0"/>
-              <a:t>Microsoft’s Analysis and Experimentation Team</a:t>
-            </a:r>
-          </a:p>
-          <a:p>
-            <a:endParaRPr lang="en-US" dirty="0"/>
-          </a:p>
-          <a:p>
-            <a:endParaRPr lang="en-US" dirty="0" smtClean="0"/>
-          </a:p>
-          <a:p>
-            <a:endParaRPr lang="en-US" dirty="0"/>
-          </a:p>
-          <a:p>
-            <a:endParaRPr lang="en-US" dirty="0" smtClean="0"/>
-          </a:p>
-          <a:p>
-            <a:endParaRPr lang="en-US" dirty="0"/>
-          </a:p>
-          <a:p>
-            <a:endParaRPr lang="en-US" dirty="0" smtClean="0"/>
-          </a:p>
-          <a:p>
-            <a:pPr marL="0" indent="0" algn="ctr">
-              <a:buNone/>
-            </a:pPr>
-            <a:r>
-              <a:rPr lang="en-US" i="1" dirty="0" smtClean="0"/>
-              <a:t>Accelerating innovation via trustworthy analysis and experimentation</a:t>
-            </a:r>
-            <a:endParaRPr lang="en-US" i="1" dirty="0"/>
-          </a:p>
-        </p:txBody>
-      </p:sp>
-    </p:spTree>
-    <p:extLst>
-      <p:ext uri="{BB962C8B-B14F-4D97-AF65-F5344CB8AC3E}">
-        <p14:creationId xmlns:p14="http://schemas.microsoft.com/office/powerpoint/2010/main" val="3053272649"/>
-      </p:ext>
-    </p:extLst>
-  </p:cSld>
-  <p:clrMapOvr>
-    <a:masterClrMapping/>
-  </p:clrMapOvr>
-</p:sld>
-</file>
-
-<file path=ppt/slides/slide30.xml><?xml version="1.0" encoding="utf-8"?>
+<file path=ppt/slides/slide31.xml><?xml version="1.0" encoding="utf-8"?>
 <p:sld xmlns:a="http://schemas.openxmlformats.org/drawingml/2006/main" xmlns:r="http://schemas.openxmlformats.org/officeDocument/2006/relationships" xmlns:p="http://schemas.openxmlformats.org/presentationml/2006/main">
   <p:cSld>
     <p:spTree>
@@ -18076,1449 +19669,60 @@
       </p:grpSpPr>
       <p:sp>
         <p:nvSpPr>
-          <p:cNvPr id="13" name="Freeform 12"/>
-          <p:cNvSpPr/>
-          <p:nvPr/>
+          <p:cNvPr id="2" name="Title 1"/>
+          <p:cNvSpPr>
+            <a:spLocks noGrp="1"/>
+          </p:cNvSpPr>
+          <p:nvPr>
+            <p:ph type="title"/>
+          </p:nvPr>
         </p:nvSpPr>
-        <p:spPr>
-          <a:xfrm>
-            <a:off x="7620000" y="661986"/>
-            <a:ext cx="1355765" cy="1724989"/>
-          </a:xfrm>
-          <a:custGeom>
-            <a:avLst/>
-            <a:gdLst>
-              <a:gd name="connsiteX0" fmla="*/ 677883 w 1355765"/>
-              <a:gd name="connsiteY0" fmla="*/ 0 h 1724989"/>
-              <a:gd name="connsiteX1" fmla="*/ 686211 w 1355765"/>
-              <a:gd name="connsiteY1" fmla="*/ 7569 h 1724989"/>
-              <a:gd name="connsiteX2" fmla="*/ 1355765 w 1355765"/>
-              <a:gd name="connsiteY2" fmla="*/ 1624015 h 1724989"/>
-              <a:gd name="connsiteX3" fmla="*/ 1350667 w 1355765"/>
-              <a:gd name="connsiteY3" fmla="*/ 1724989 h 1724989"/>
-              <a:gd name="connsiteX4" fmla="*/ 1138592 w 1355765"/>
-              <a:gd name="connsiteY4" fmla="*/ 1670458 h 1724989"/>
-              <a:gd name="connsiteX5" fmla="*/ 677883 w 1355765"/>
-              <a:gd name="connsiteY5" fmla="*/ 1624015 h 1724989"/>
-              <a:gd name="connsiteX6" fmla="*/ 217174 w 1355765"/>
-              <a:gd name="connsiteY6" fmla="*/ 1670458 h 1724989"/>
-              <a:gd name="connsiteX7" fmla="*/ 5099 w 1355765"/>
-              <a:gd name="connsiteY7" fmla="*/ 1724989 h 1724989"/>
-              <a:gd name="connsiteX8" fmla="*/ 0 w 1355765"/>
-              <a:gd name="connsiteY8" fmla="*/ 1624015 h 1724989"/>
-              <a:gd name="connsiteX9" fmla="*/ 669554 w 1355765"/>
-              <a:gd name="connsiteY9" fmla="*/ 7569 h 1724989"/>
-              <a:gd name="connsiteX10" fmla="*/ 677883 w 1355765"/>
-              <a:gd name="connsiteY10" fmla="*/ 0 h 1724989"/>
-            </a:gdLst>
-            <a:ahLst/>
-            <a:cxnLst>
-              <a:cxn ang="0">
-                <a:pos x="connsiteX0" y="connsiteY0"/>
-              </a:cxn>
-              <a:cxn ang="0">
-                <a:pos x="connsiteX1" y="connsiteY1"/>
-              </a:cxn>
-              <a:cxn ang="0">
-                <a:pos x="connsiteX2" y="connsiteY2"/>
-              </a:cxn>
-              <a:cxn ang="0">
-                <a:pos x="connsiteX3" y="connsiteY3"/>
-              </a:cxn>
-              <a:cxn ang="0">
-                <a:pos x="connsiteX4" y="connsiteY4"/>
-              </a:cxn>
-              <a:cxn ang="0">
-                <a:pos x="connsiteX5" y="connsiteY5"/>
-              </a:cxn>
-              <a:cxn ang="0">
-                <a:pos x="connsiteX6" y="connsiteY6"/>
-              </a:cxn>
-              <a:cxn ang="0">
-                <a:pos x="connsiteX7" y="connsiteY7"/>
-              </a:cxn>
-              <a:cxn ang="0">
-                <a:pos x="connsiteX8" y="connsiteY8"/>
-              </a:cxn>
-              <a:cxn ang="0">
-                <a:pos x="connsiteX9" y="connsiteY9"/>
-              </a:cxn>
-              <a:cxn ang="0">
-                <a:pos x="connsiteX10" y="connsiteY10"/>
-              </a:cxn>
-            </a:cxnLst>
-            <a:rect l="l" t="t" r="r" b="b"/>
-            <a:pathLst>
-              <a:path w="1355765" h="1724989">
-                <a:moveTo>
-                  <a:pt x="677883" y="0"/>
-                </a:moveTo>
-                <a:lnTo>
-                  <a:pt x="686211" y="7569"/>
-                </a:lnTo>
-                <a:cubicBezTo>
-                  <a:pt x="1099896" y="421253"/>
-                  <a:pt x="1355765" y="992753"/>
-                  <a:pt x="1355765" y="1624015"/>
-                </a:cubicBezTo>
-                <a:lnTo>
-                  <a:pt x="1350667" y="1724989"/>
-                </a:lnTo>
-                <a:lnTo>
-                  <a:pt x="1138592" y="1670458"/>
-                </a:lnTo>
-                <a:cubicBezTo>
-                  <a:pt x="989779" y="1640007"/>
-                  <a:pt x="835699" y="1624015"/>
-                  <a:pt x="677883" y="1624015"/>
-                </a:cubicBezTo>
-                <a:cubicBezTo>
-                  <a:pt x="520068" y="1624015"/>
-                  <a:pt x="365988" y="1640007"/>
-                  <a:pt x="217174" y="1670458"/>
-                </a:cubicBezTo>
-                <a:lnTo>
-                  <a:pt x="5099" y="1724989"/>
-                </a:lnTo>
-                <a:lnTo>
-                  <a:pt x="0" y="1624015"/>
-                </a:lnTo>
-                <a:cubicBezTo>
-                  <a:pt x="0" y="992753"/>
-                  <a:pt x="255869" y="421253"/>
-                  <a:pt x="669554" y="7569"/>
-                </a:cubicBezTo>
-                <a:lnTo>
-                  <a:pt x="677883" y="0"/>
-                </a:lnTo>
-                <a:close/>
-              </a:path>
-            </a:pathLst>
-          </a:custGeom>
-          <a:solidFill>
-            <a:schemeClr val="accent6">
-              <a:lumMod val="50000"/>
-              <a:alpha val="40000"/>
-            </a:schemeClr>
-          </a:solidFill>
-          <a:ln>
-            <a:noFill/>
-          </a:ln>
-        </p:spPr>
-        <p:style>
-          <a:lnRef idx="2">
-            <a:schemeClr val="accent1">
-              <a:shade val="50000"/>
-            </a:schemeClr>
-          </a:lnRef>
-          <a:fillRef idx="1">
-            <a:schemeClr val="accent1"/>
-          </a:fillRef>
-          <a:effectRef idx="0">
-            <a:schemeClr val="accent1"/>
-          </a:effectRef>
-          <a:fontRef idx="minor">
-            <a:schemeClr val="lt1"/>
-          </a:fontRef>
-        </p:style>
+        <p:spPr/>
         <p:txBody>
-          <a:bodyPr rtlCol="0" anchor="ctr"/>
+          <a:bodyPr/>
           <a:lstStyle/>
           <a:p>
-            <a:pPr algn="ctr"/>
-            <a:endParaRPr lang="en-US" sz="1600" dirty="0" smtClean="0">
-              <a:solidFill>
-                <a:schemeClr val="tx1"/>
-              </a:solidFill>
-            </a:endParaRPr>
-          </a:p>
-          <a:p>
-            <a:pPr algn="ctr"/>
-            <a:r>
-              <a:rPr lang="en-US" sz="1600" dirty="0" smtClean="0">
-                <a:solidFill>
-                  <a:schemeClr val="tx1"/>
-                </a:solidFill>
-              </a:rPr>
-              <a:t>Machine</a:t>
-            </a:r>
-          </a:p>
-          <a:p>
-            <a:pPr algn="ctr"/>
-            <a:r>
-              <a:rPr lang="en-US" sz="1600" dirty="0" smtClean="0">
-                <a:solidFill>
-                  <a:schemeClr val="tx1"/>
-                </a:solidFill>
-              </a:rPr>
-              <a:t>Learning</a:t>
-            </a:r>
-          </a:p>
-          <a:p>
-            <a:pPr algn="ctr"/>
-            <a:r>
-              <a:rPr lang="en-US" sz="1600" dirty="0" smtClean="0">
-                <a:solidFill>
-                  <a:schemeClr val="tx1"/>
-                </a:solidFill>
-              </a:rPr>
-              <a:t>Scientist</a:t>
-            </a:r>
-            <a:endParaRPr lang="en-US" sz="1600" dirty="0">
-              <a:solidFill>
-                <a:schemeClr val="tx1"/>
-              </a:solidFill>
-            </a:endParaRPr>
+            <a:r>
+              <a:rPr lang="en-US" smtClean="0"/>
+              <a:t>The Questions We Address</a:t>
+            </a:r>
+            <a:endParaRPr lang="en-US"/>
           </a:p>
         </p:txBody>
       </p:sp>
       <p:sp>
         <p:nvSpPr>
-          <p:cNvPr id="12" name="Freeform 11"/>
-          <p:cNvSpPr/>
-          <p:nvPr/>
+          <p:cNvPr id="3" name="Content Placeholder 2"/>
+          <p:cNvSpPr>
+            <a:spLocks noGrp="1"/>
+          </p:cNvSpPr>
+          <p:nvPr>
+            <p:ph idx="1"/>
+          </p:nvPr>
         </p:nvSpPr>
-        <p:spPr>
-          <a:xfrm>
-            <a:off x="8297882" y="2386974"/>
-            <a:ext cx="2280902" cy="2185026"/>
-          </a:xfrm>
-          <a:custGeom>
-            <a:avLst/>
-            <a:gdLst>
-              <a:gd name="connsiteX0" fmla="*/ 672784 w 2280902"/>
-              <a:gd name="connsiteY0" fmla="*/ 0 h 2185026"/>
-              <a:gd name="connsiteX1" fmla="*/ 679786 w 2280902"/>
-              <a:gd name="connsiteY1" fmla="*/ 1800 h 2185026"/>
-              <a:gd name="connsiteX2" fmla="*/ 2274198 w 2280902"/>
-              <a:gd name="connsiteY2" fmla="*/ 1951296 h 2185026"/>
-              <a:gd name="connsiteX3" fmla="*/ 2280902 w 2280902"/>
-              <a:gd name="connsiteY3" fmla="*/ 2084053 h 2185026"/>
-              <a:gd name="connsiteX4" fmla="*/ 2068826 w 2280902"/>
-              <a:gd name="connsiteY4" fmla="*/ 2138583 h 2185026"/>
-              <a:gd name="connsiteX5" fmla="*/ 1608117 w 2280902"/>
-              <a:gd name="connsiteY5" fmla="*/ 2185026 h 2185026"/>
-              <a:gd name="connsiteX6" fmla="*/ 154009 w 2280902"/>
-              <a:gd name="connsiteY6" fmla="*/ 1663015 h 2185026"/>
-              <a:gd name="connsiteX7" fmla="*/ 0 w 2280902"/>
-              <a:gd name="connsiteY7" fmla="*/ 1523042 h 2185026"/>
-              <a:gd name="connsiteX8" fmla="*/ 8328 w 2280902"/>
-              <a:gd name="connsiteY8" fmla="*/ 1515472 h 2185026"/>
-              <a:gd name="connsiteX9" fmla="*/ 666080 w 2280902"/>
-              <a:gd name="connsiteY9" fmla="*/ 132756 h 2185026"/>
-              <a:gd name="connsiteX10" fmla="*/ 672784 w 2280902"/>
-              <a:gd name="connsiteY10" fmla="*/ 0 h 2185026"/>
-            </a:gdLst>
-            <a:ahLst/>
-            <a:cxnLst>
-              <a:cxn ang="0">
-                <a:pos x="connsiteX0" y="connsiteY0"/>
-              </a:cxn>
-              <a:cxn ang="0">
-                <a:pos x="connsiteX1" y="connsiteY1"/>
-              </a:cxn>
-              <a:cxn ang="0">
-                <a:pos x="connsiteX2" y="connsiteY2"/>
-              </a:cxn>
-              <a:cxn ang="0">
-                <a:pos x="connsiteX3" y="connsiteY3"/>
-              </a:cxn>
-              <a:cxn ang="0">
-                <a:pos x="connsiteX4" y="connsiteY4"/>
-              </a:cxn>
-              <a:cxn ang="0">
-                <a:pos x="connsiteX5" y="connsiteY5"/>
-              </a:cxn>
-              <a:cxn ang="0">
-                <a:pos x="connsiteX6" y="connsiteY6"/>
-              </a:cxn>
-              <a:cxn ang="0">
-                <a:pos x="connsiteX7" y="connsiteY7"/>
-              </a:cxn>
-              <a:cxn ang="0">
-                <a:pos x="connsiteX8" y="connsiteY8"/>
-              </a:cxn>
-              <a:cxn ang="0">
-                <a:pos x="connsiteX9" y="connsiteY9"/>
-              </a:cxn>
-              <a:cxn ang="0">
-                <a:pos x="connsiteX10" y="connsiteY10"/>
-              </a:cxn>
-            </a:cxnLst>
-            <a:rect l="l" t="t" r="r" b="b"/>
-            <a:pathLst>
-              <a:path w="2280902" h="2185026">
-                <a:moveTo>
-                  <a:pt x="672784" y="0"/>
-                </a:moveTo>
-                <a:lnTo>
-                  <a:pt x="679786" y="1800"/>
-                </a:lnTo>
-                <a:cubicBezTo>
-                  <a:pt x="1538764" y="268970"/>
-                  <a:pt x="2180545" y="1029112"/>
-                  <a:pt x="2274198" y="1951296"/>
-                </a:cubicBezTo>
-                <a:lnTo>
-                  <a:pt x="2280902" y="2084053"/>
-                </a:lnTo>
-                <a:lnTo>
-                  <a:pt x="2068826" y="2138583"/>
-                </a:lnTo>
-                <a:cubicBezTo>
-                  <a:pt x="1920013" y="2169034"/>
-                  <a:pt x="1765933" y="2185026"/>
-                  <a:pt x="1608117" y="2185026"/>
-                </a:cubicBezTo>
-                <a:cubicBezTo>
-                  <a:pt x="1055763" y="2185026"/>
-                  <a:pt x="549165" y="1989126"/>
-                  <a:pt x="154009" y="1663015"/>
-                </a:cubicBezTo>
-                <a:lnTo>
-                  <a:pt x="0" y="1523042"/>
-                </a:lnTo>
-                <a:lnTo>
-                  <a:pt x="8328" y="1515472"/>
-                </a:lnTo>
-                <a:cubicBezTo>
-                  <a:pt x="370302" y="1153498"/>
-                  <a:pt x="611449" y="670697"/>
-                  <a:pt x="666080" y="132756"/>
-                </a:cubicBezTo>
-                <a:lnTo>
-                  <a:pt x="672784" y="0"/>
-                </a:lnTo>
-                <a:close/>
-              </a:path>
-            </a:pathLst>
-          </a:custGeom>
-          <a:solidFill>
-            <a:schemeClr val="accent1">
-              <a:lumMod val="60000"/>
-              <a:lumOff val="40000"/>
-              <a:alpha val="40000"/>
-            </a:schemeClr>
-          </a:solidFill>
-          <a:ln>
-            <a:noFill/>
-          </a:ln>
-        </p:spPr>
-        <p:style>
-          <a:lnRef idx="2">
-            <a:schemeClr val="accent1">
-              <a:shade val="50000"/>
-            </a:schemeClr>
-          </a:lnRef>
-          <a:fillRef idx="1">
-            <a:schemeClr val="accent1"/>
-          </a:fillRef>
-          <a:effectRef idx="0">
-            <a:schemeClr val="accent1"/>
-          </a:effectRef>
-          <a:fontRef idx="minor">
-            <a:schemeClr val="lt1"/>
-          </a:fontRef>
-        </p:style>
+        <p:spPr/>
         <p:txBody>
-          <a:bodyPr rtlCol="0" anchor="ctr"/>
+          <a:bodyPr/>
           <a:lstStyle/>
           <a:p>
-            <a:pPr algn="ctr"/>
-            <a:r>
-              <a:rPr lang="en-US" sz="1600" dirty="0" smtClean="0">
-                <a:solidFill>
-                  <a:schemeClr val="tx1"/>
-                </a:solidFill>
-              </a:rPr>
-              <a:t>Traditional</a:t>
-            </a:r>
-          </a:p>
-          <a:p>
-            <a:pPr algn="ctr"/>
-            <a:r>
-              <a:rPr lang="en-US" sz="1600" dirty="0" smtClean="0">
-                <a:solidFill>
-                  <a:schemeClr val="tx1"/>
-                </a:solidFill>
-              </a:rPr>
-              <a:t>Researcher</a:t>
-            </a:r>
-            <a:endParaRPr lang="en-US" sz="1600" dirty="0">
-              <a:solidFill>
-                <a:schemeClr val="tx1"/>
-              </a:solidFill>
-            </a:endParaRPr>
-          </a:p>
-        </p:txBody>
-      </p:sp>
-      <p:sp>
-        <p:nvSpPr>
-          <p:cNvPr id="11" name="Freeform 10"/>
-          <p:cNvSpPr/>
-          <p:nvPr/>
-        </p:nvSpPr>
-        <p:spPr>
-          <a:xfrm>
-            <a:off x="6016982" y="2386974"/>
-            <a:ext cx="2280901" cy="2185026"/>
-          </a:xfrm>
-          <a:custGeom>
-            <a:avLst/>
-            <a:gdLst>
-              <a:gd name="connsiteX0" fmla="*/ 1608117 w 2280901"/>
-              <a:gd name="connsiteY0" fmla="*/ 0 h 2185026"/>
-              <a:gd name="connsiteX1" fmla="*/ 1614820 w 2280901"/>
-              <a:gd name="connsiteY1" fmla="*/ 132756 h 2185026"/>
-              <a:gd name="connsiteX2" fmla="*/ 2272572 w 2280901"/>
-              <a:gd name="connsiteY2" fmla="*/ 1515472 h 2185026"/>
-              <a:gd name="connsiteX3" fmla="*/ 2280901 w 2280901"/>
-              <a:gd name="connsiteY3" fmla="*/ 1523042 h 2185026"/>
-              <a:gd name="connsiteX4" fmla="*/ 2126891 w 2280901"/>
-              <a:gd name="connsiteY4" fmla="*/ 1663015 h 2185026"/>
-              <a:gd name="connsiteX5" fmla="*/ 672783 w 2280901"/>
-              <a:gd name="connsiteY5" fmla="*/ 2185026 h 2185026"/>
-              <a:gd name="connsiteX6" fmla="*/ 212074 w 2280901"/>
-              <a:gd name="connsiteY6" fmla="*/ 2138583 h 2185026"/>
-              <a:gd name="connsiteX7" fmla="*/ 0 w 2280901"/>
-              <a:gd name="connsiteY7" fmla="*/ 2084053 h 2185026"/>
-              <a:gd name="connsiteX8" fmla="*/ 6703 w 2280901"/>
-              <a:gd name="connsiteY8" fmla="*/ 1951296 h 2185026"/>
-              <a:gd name="connsiteX9" fmla="*/ 1601115 w 2280901"/>
-              <a:gd name="connsiteY9" fmla="*/ 1800 h 2185026"/>
-              <a:gd name="connsiteX10" fmla="*/ 1608117 w 2280901"/>
-              <a:gd name="connsiteY10" fmla="*/ 0 h 2185026"/>
-            </a:gdLst>
-            <a:ahLst/>
-            <a:cxnLst>
-              <a:cxn ang="0">
-                <a:pos x="connsiteX0" y="connsiteY0"/>
-              </a:cxn>
-              <a:cxn ang="0">
-                <a:pos x="connsiteX1" y="connsiteY1"/>
-              </a:cxn>
-              <a:cxn ang="0">
-                <a:pos x="connsiteX2" y="connsiteY2"/>
-              </a:cxn>
-              <a:cxn ang="0">
-                <a:pos x="connsiteX3" y="connsiteY3"/>
-              </a:cxn>
-              <a:cxn ang="0">
-                <a:pos x="connsiteX4" y="connsiteY4"/>
-              </a:cxn>
-              <a:cxn ang="0">
-                <a:pos x="connsiteX5" y="connsiteY5"/>
-              </a:cxn>
-              <a:cxn ang="0">
-                <a:pos x="connsiteX6" y="connsiteY6"/>
-              </a:cxn>
-              <a:cxn ang="0">
-                <a:pos x="connsiteX7" y="connsiteY7"/>
-              </a:cxn>
-              <a:cxn ang="0">
-                <a:pos x="connsiteX8" y="connsiteY8"/>
-              </a:cxn>
-              <a:cxn ang="0">
-                <a:pos x="connsiteX9" y="connsiteY9"/>
-              </a:cxn>
-              <a:cxn ang="0">
-                <a:pos x="connsiteX10" y="connsiteY10"/>
-              </a:cxn>
-            </a:cxnLst>
-            <a:rect l="l" t="t" r="r" b="b"/>
-            <a:pathLst>
-              <a:path w="2280901" h="2185026">
-                <a:moveTo>
-                  <a:pt x="1608117" y="0"/>
-                </a:moveTo>
-                <a:lnTo>
-                  <a:pt x="1614820" y="132756"/>
-                </a:lnTo>
-                <a:cubicBezTo>
-                  <a:pt x="1669451" y="670697"/>
-                  <a:pt x="1910598" y="1153498"/>
-                  <a:pt x="2272572" y="1515472"/>
-                </a:cubicBezTo>
-                <a:lnTo>
-                  <a:pt x="2280901" y="1523042"/>
-                </a:lnTo>
-                <a:lnTo>
-                  <a:pt x="2126891" y="1663015"/>
-                </a:lnTo>
-                <a:cubicBezTo>
-                  <a:pt x="1731736" y="1989126"/>
-                  <a:pt x="1225137" y="2185026"/>
-                  <a:pt x="672783" y="2185026"/>
-                </a:cubicBezTo>
-                <a:cubicBezTo>
-                  <a:pt x="514968" y="2185026"/>
-                  <a:pt x="360887" y="2169034"/>
-                  <a:pt x="212074" y="2138583"/>
-                </a:cubicBezTo>
-                <a:lnTo>
-                  <a:pt x="0" y="2084053"/>
-                </a:lnTo>
-                <a:lnTo>
-                  <a:pt x="6703" y="1951296"/>
-                </a:lnTo>
-                <a:cubicBezTo>
-                  <a:pt x="100356" y="1029112"/>
-                  <a:pt x="742137" y="268970"/>
-                  <a:pt x="1601115" y="1800"/>
-                </a:cubicBezTo>
-                <a:lnTo>
-                  <a:pt x="1608117" y="0"/>
-                </a:lnTo>
-                <a:close/>
-              </a:path>
-            </a:pathLst>
-          </a:custGeom>
-          <a:solidFill>
-            <a:srgbClr val="002060">
-              <a:alpha val="40000"/>
-            </a:srgbClr>
-          </a:solidFill>
-          <a:ln>
-            <a:noFill/>
-          </a:ln>
-        </p:spPr>
-        <p:style>
-          <a:lnRef idx="2">
-            <a:schemeClr val="accent1">
-              <a:shade val="50000"/>
-            </a:schemeClr>
-          </a:lnRef>
-          <a:fillRef idx="1">
-            <a:schemeClr val="accent1"/>
-          </a:fillRef>
-          <a:effectRef idx="0">
-            <a:schemeClr val="accent1"/>
-          </a:effectRef>
-          <a:fontRef idx="minor">
-            <a:schemeClr val="lt1"/>
-          </a:fontRef>
-        </p:style>
-        <p:txBody>
-          <a:bodyPr rtlCol="0" anchor="ctr"/>
-          <a:lstStyle/>
-          <a:p>
-            <a:pPr algn="ctr"/>
-            <a:r>
-              <a:rPr lang="en-US" sz="1600" dirty="0" smtClean="0">
-                <a:solidFill>
-                  <a:schemeClr val="tx1"/>
-                </a:solidFill>
-              </a:rPr>
-              <a:t>Danger</a:t>
-            </a:r>
-          </a:p>
-          <a:p>
-            <a:pPr algn="ctr"/>
-            <a:r>
-              <a:rPr lang="en-US" sz="1600" dirty="0" smtClean="0">
-                <a:solidFill>
-                  <a:schemeClr val="tx1"/>
-                </a:solidFill>
-              </a:rPr>
-              <a:t>Zone!</a:t>
-            </a:r>
-            <a:endParaRPr lang="en-US" sz="1600" dirty="0">
-              <a:solidFill>
-                <a:schemeClr val="tx1"/>
-              </a:solidFill>
-            </a:endParaRPr>
-          </a:p>
-        </p:txBody>
-      </p:sp>
-      <p:sp>
-        <p:nvSpPr>
-          <p:cNvPr id="10" name="Freeform 9"/>
-          <p:cNvSpPr/>
-          <p:nvPr/>
-        </p:nvSpPr>
-        <p:spPr>
-          <a:xfrm>
-            <a:off x="4403764" y="1"/>
-            <a:ext cx="3894118" cy="4471027"/>
-          </a:xfrm>
-          <a:custGeom>
-            <a:avLst/>
-            <a:gdLst>
-              <a:gd name="connsiteX0" fmla="*/ 2286000 w 3894118"/>
-              <a:gd name="connsiteY0" fmla="*/ 0 h 4471027"/>
-              <a:gd name="connsiteX1" fmla="*/ 3740108 w 3894118"/>
-              <a:gd name="connsiteY1" fmla="*/ 522011 h 4471027"/>
-              <a:gd name="connsiteX2" fmla="*/ 3894118 w 3894118"/>
-              <a:gd name="connsiteY2" fmla="*/ 661985 h 4471027"/>
-              <a:gd name="connsiteX3" fmla="*/ 3885789 w 3894118"/>
-              <a:gd name="connsiteY3" fmla="*/ 669554 h 4471027"/>
-              <a:gd name="connsiteX4" fmla="*/ 3216235 w 3894118"/>
-              <a:gd name="connsiteY4" fmla="*/ 2286000 h 4471027"/>
-              <a:gd name="connsiteX5" fmla="*/ 3221334 w 3894118"/>
-              <a:gd name="connsiteY5" fmla="*/ 2386974 h 4471027"/>
-              <a:gd name="connsiteX6" fmla="*/ 3214332 w 3894118"/>
-              <a:gd name="connsiteY6" fmla="*/ 2388774 h 4471027"/>
-              <a:gd name="connsiteX7" fmla="*/ 1619920 w 3894118"/>
-              <a:gd name="connsiteY7" fmla="*/ 4338270 h 4471027"/>
-              <a:gd name="connsiteX8" fmla="*/ 1613217 w 3894118"/>
-              <a:gd name="connsiteY8" fmla="*/ 4471027 h 4471027"/>
-              <a:gd name="connsiteX9" fmla="*/ 1606214 w 3894118"/>
-              <a:gd name="connsiteY9" fmla="*/ 4469226 h 4471027"/>
-              <a:gd name="connsiteX10" fmla="*/ 0 w 3894118"/>
-              <a:gd name="connsiteY10" fmla="*/ 2286000 h 4471027"/>
-              <a:gd name="connsiteX11" fmla="*/ 2286000 w 3894118"/>
-              <a:gd name="connsiteY11" fmla="*/ 0 h 4471027"/>
-            </a:gdLst>
-            <a:ahLst/>
-            <a:cxnLst>
-              <a:cxn ang="0">
-                <a:pos x="connsiteX0" y="connsiteY0"/>
-              </a:cxn>
-              <a:cxn ang="0">
-                <a:pos x="connsiteX1" y="connsiteY1"/>
-              </a:cxn>
-              <a:cxn ang="0">
-                <a:pos x="connsiteX2" y="connsiteY2"/>
-              </a:cxn>
-              <a:cxn ang="0">
-                <a:pos x="connsiteX3" y="connsiteY3"/>
-              </a:cxn>
-              <a:cxn ang="0">
-                <a:pos x="connsiteX4" y="connsiteY4"/>
-              </a:cxn>
-              <a:cxn ang="0">
-                <a:pos x="connsiteX5" y="connsiteY5"/>
-              </a:cxn>
-              <a:cxn ang="0">
-                <a:pos x="connsiteX6" y="connsiteY6"/>
-              </a:cxn>
-              <a:cxn ang="0">
-                <a:pos x="connsiteX7" y="connsiteY7"/>
-              </a:cxn>
-              <a:cxn ang="0">
-                <a:pos x="connsiteX8" y="connsiteY8"/>
-              </a:cxn>
-              <a:cxn ang="0">
-                <a:pos x="connsiteX9" y="connsiteY9"/>
-              </a:cxn>
-              <a:cxn ang="0">
-                <a:pos x="connsiteX10" y="connsiteY10"/>
-              </a:cxn>
-              <a:cxn ang="0">
-                <a:pos x="connsiteX11" y="connsiteY11"/>
-              </a:cxn>
-            </a:cxnLst>
-            <a:rect l="l" t="t" r="r" b="b"/>
-            <a:pathLst>
-              <a:path w="3894118" h="4471027">
-                <a:moveTo>
-                  <a:pt x="2286000" y="0"/>
-                </a:moveTo>
-                <a:cubicBezTo>
-                  <a:pt x="2838354" y="0"/>
-                  <a:pt x="3344953" y="195900"/>
-                  <a:pt x="3740108" y="522011"/>
-                </a:cubicBezTo>
-                <a:lnTo>
-                  <a:pt x="3894118" y="661985"/>
-                </a:lnTo>
-                <a:lnTo>
-                  <a:pt x="3885789" y="669554"/>
-                </a:lnTo>
-                <a:cubicBezTo>
-                  <a:pt x="3472104" y="1083238"/>
-                  <a:pt x="3216235" y="1654738"/>
-                  <a:pt x="3216235" y="2286000"/>
-                </a:cubicBezTo>
-                <a:lnTo>
-                  <a:pt x="3221334" y="2386974"/>
-                </a:lnTo>
-                <a:lnTo>
-                  <a:pt x="3214332" y="2388774"/>
-                </a:lnTo>
-                <a:cubicBezTo>
-                  <a:pt x="2355354" y="2655944"/>
-                  <a:pt x="1713573" y="3416086"/>
-                  <a:pt x="1619920" y="4338270"/>
-                </a:cubicBezTo>
-                <a:lnTo>
-                  <a:pt x="1613217" y="4471027"/>
-                </a:lnTo>
-                <a:lnTo>
-                  <a:pt x="1606214" y="4469226"/>
-                </a:lnTo>
-                <a:cubicBezTo>
-                  <a:pt x="675655" y="4179792"/>
-                  <a:pt x="0" y="3311800"/>
-                  <a:pt x="0" y="2286000"/>
-                </a:cubicBezTo>
-                <a:cubicBezTo>
-                  <a:pt x="0" y="1023477"/>
-                  <a:pt x="1023477" y="0"/>
-                  <a:pt x="2286000" y="0"/>
-                </a:cubicBezTo>
-                <a:close/>
-              </a:path>
-            </a:pathLst>
-          </a:custGeom>
-          <a:solidFill>
-            <a:srgbClr val="E64A60">
-              <a:alpha val="40000"/>
-            </a:srgbClr>
-          </a:solidFill>
-          <a:ln>
-            <a:noFill/>
-          </a:ln>
-        </p:spPr>
-        <p:style>
-          <a:lnRef idx="2">
-            <a:schemeClr val="accent1">
-              <a:shade val="50000"/>
-            </a:schemeClr>
-          </a:lnRef>
-          <a:fillRef idx="1">
-            <a:schemeClr val="accent1"/>
-          </a:fillRef>
-          <a:effectRef idx="0">
-            <a:schemeClr val="accent1"/>
-          </a:effectRef>
-          <a:fontRef idx="minor">
-            <a:schemeClr val="lt1"/>
-          </a:fontRef>
-        </p:style>
-        <p:txBody>
-          <a:bodyPr rtlCol="0" anchor="ctr"/>
-          <a:lstStyle/>
-          <a:p>
-            <a:pPr algn="ctr"/>
-            <a:r>
-              <a:rPr lang="en-US" sz="2400" dirty="0" smtClean="0">
-                <a:solidFill>
-                  <a:schemeClr val="tx1"/>
-                </a:solidFill>
-              </a:rPr>
-              <a:t>Computer Science</a:t>
-            </a:r>
-          </a:p>
-          <a:p>
-            <a:pPr algn="ctr"/>
-            <a:r>
-              <a:rPr lang="en-US" sz="2400" dirty="0" smtClean="0">
-                <a:solidFill>
-                  <a:schemeClr val="tx1"/>
-                </a:solidFill>
-              </a:rPr>
-              <a:t>Skills</a:t>
-            </a:r>
-          </a:p>
-          <a:p>
-            <a:pPr algn="ctr"/>
-            <a:endParaRPr lang="en-US" dirty="0"/>
-          </a:p>
-          <a:p>
-            <a:pPr algn="ctr"/>
-            <a:endParaRPr lang="en-US" dirty="0" smtClean="0"/>
-          </a:p>
-          <a:p>
-            <a:pPr algn="ctr"/>
-            <a:endParaRPr lang="en-US" dirty="0"/>
-          </a:p>
-          <a:p>
-            <a:pPr algn="ctr"/>
-            <a:endParaRPr lang="en-US" dirty="0" smtClean="0"/>
-          </a:p>
-          <a:p>
-            <a:pPr algn="ctr"/>
-            <a:endParaRPr lang="en-US" dirty="0"/>
-          </a:p>
-        </p:txBody>
-      </p:sp>
-      <p:sp>
-        <p:nvSpPr>
-          <p:cNvPr id="9" name="Freeform 8"/>
-          <p:cNvSpPr/>
-          <p:nvPr/>
-        </p:nvSpPr>
-        <p:spPr>
-          <a:xfrm>
-            <a:off x="8297883" y="1"/>
-            <a:ext cx="3894117" cy="4471027"/>
-          </a:xfrm>
-          <a:custGeom>
-            <a:avLst/>
-            <a:gdLst>
-              <a:gd name="connsiteX0" fmla="*/ 1608117 w 3894117"/>
-              <a:gd name="connsiteY0" fmla="*/ 0 h 4471027"/>
-              <a:gd name="connsiteX1" fmla="*/ 3894117 w 3894117"/>
-              <a:gd name="connsiteY1" fmla="*/ 2286000 h 4471027"/>
-              <a:gd name="connsiteX2" fmla="*/ 2287903 w 3894117"/>
-              <a:gd name="connsiteY2" fmla="*/ 4469226 h 4471027"/>
-              <a:gd name="connsiteX3" fmla="*/ 2280902 w 3894117"/>
-              <a:gd name="connsiteY3" fmla="*/ 4471027 h 4471027"/>
-              <a:gd name="connsiteX4" fmla="*/ 2274198 w 3894117"/>
-              <a:gd name="connsiteY4" fmla="*/ 4338270 h 4471027"/>
-              <a:gd name="connsiteX5" fmla="*/ 679786 w 3894117"/>
-              <a:gd name="connsiteY5" fmla="*/ 2388774 h 4471027"/>
-              <a:gd name="connsiteX6" fmla="*/ 672784 w 3894117"/>
-              <a:gd name="connsiteY6" fmla="*/ 2386974 h 4471027"/>
-              <a:gd name="connsiteX7" fmla="*/ 677882 w 3894117"/>
-              <a:gd name="connsiteY7" fmla="*/ 2286000 h 4471027"/>
-              <a:gd name="connsiteX8" fmla="*/ 8328 w 3894117"/>
-              <a:gd name="connsiteY8" fmla="*/ 669554 h 4471027"/>
-              <a:gd name="connsiteX9" fmla="*/ 0 w 3894117"/>
-              <a:gd name="connsiteY9" fmla="*/ 661985 h 4471027"/>
-              <a:gd name="connsiteX10" fmla="*/ 154009 w 3894117"/>
-              <a:gd name="connsiteY10" fmla="*/ 522011 h 4471027"/>
-              <a:gd name="connsiteX11" fmla="*/ 1608117 w 3894117"/>
-              <a:gd name="connsiteY11" fmla="*/ 0 h 4471027"/>
-            </a:gdLst>
-            <a:ahLst/>
-            <a:cxnLst>
-              <a:cxn ang="0">
-                <a:pos x="connsiteX0" y="connsiteY0"/>
-              </a:cxn>
-              <a:cxn ang="0">
-                <a:pos x="connsiteX1" y="connsiteY1"/>
-              </a:cxn>
-              <a:cxn ang="0">
-                <a:pos x="connsiteX2" y="connsiteY2"/>
-              </a:cxn>
-              <a:cxn ang="0">
-                <a:pos x="connsiteX3" y="connsiteY3"/>
-              </a:cxn>
-              <a:cxn ang="0">
-                <a:pos x="connsiteX4" y="connsiteY4"/>
-              </a:cxn>
-              <a:cxn ang="0">
-                <a:pos x="connsiteX5" y="connsiteY5"/>
-              </a:cxn>
-              <a:cxn ang="0">
-                <a:pos x="connsiteX6" y="connsiteY6"/>
-              </a:cxn>
-              <a:cxn ang="0">
-                <a:pos x="connsiteX7" y="connsiteY7"/>
-              </a:cxn>
-              <a:cxn ang="0">
-                <a:pos x="connsiteX8" y="connsiteY8"/>
-              </a:cxn>
-              <a:cxn ang="0">
-                <a:pos x="connsiteX9" y="connsiteY9"/>
-              </a:cxn>
-              <a:cxn ang="0">
-                <a:pos x="connsiteX10" y="connsiteY10"/>
-              </a:cxn>
-              <a:cxn ang="0">
-                <a:pos x="connsiteX11" y="connsiteY11"/>
-              </a:cxn>
-            </a:cxnLst>
-            <a:rect l="l" t="t" r="r" b="b"/>
-            <a:pathLst>
-              <a:path w="3894117" h="4471027">
-                <a:moveTo>
-                  <a:pt x="1608117" y="0"/>
-                </a:moveTo>
-                <a:cubicBezTo>
-                  <a:pt x="2870640" y="0"/>
-                  <a:pt x="3894117" y="1023477"/>
-                  <a:pt x="3894117" y="2286000"/>
-                </a:cubicBezTo>
-                <a:cubicBezTo>
-                  <a:pt x="3894117" y="3311800"/>
-                  <a:pt x="3218463" y="4179792"/>
-                  <a:pt x="2287903" y="4469226"/>
-                </a:cubicBezTo>
-                <a:lnTo>
-                  <a:pt x="2280902" y="4471027"/>
-                </a:lnTo>
-                <a:lnTo>
-                  <a:pt x="2274198" y="4338270"/>
-                </a:lnTo>
-                <a:cubicBezTo>
-                  <a:pt x="2180545" y="3416086"/>
-                  <a:pt x="1538764" y="2655944"/>
-                  <a:pt x="679786" y="2388774"/>
-                </a:cubicBezTo>
-                <a:lnTo>
-                  <a:pt x="672784" y="2386974"/>
-                </a:lnTo>
-                <a:lnTo>
-                  <a:pt x="677882" y="2286000"/>
-                </a:lnTo>
-                <a:cubicBezTo>
-                  <a:pt x="677882" y="1654738"/>
-                  <a:pt x="422013" y="1083238"/>
-                  <a:pt x="8328" y="669554"/>
-                </a:cubicBezTo>
-                <a:lnTo>
-                  <a:pt x="0" y="661985"/>
-                </a:lnTo>
-                <a:lnTo>
-                  <a:pt x="154009" y="522011"/>
-                </a:lnTo>
-                <a:cubicBezTo>
-                  <a:pt x="549165" y="195900"/>
-                  <a:pt x="1055763" y="0"/>
-                  <a:pt x="1608117" y="0"/>
-                </a:cubicBezTo>
-                <a:close/>
-              </a:path>
-            </a:pathLst>
-          </a:custGeom>
-          <a:solidFill>
-            <a:srgbClr val="70AD47">
-              <a:alpha val="40000"/>
-            </a:srgbClr>
-          </a:solidFill>
-          <a:ln>
-            <a:noFill/>
-          </a:ln>
-        </p:spPr>
-        <p:style>
-          <a:lnRef idx="2">
-            <a:schemeClr val="accent1">
-              <a:shade val="50000"/>
-            </a:schemeClr>
-          </a:lnRef>
-          <a:fillRef idx="1">
-            <a:schemeClr val="accent1"/>
-          </a:fillRef>
-          <a:effectRef idx="0">
-            <a:schemeClr val="accent1"/>
-          </a:effectRef>
-          <a:fontRef idx="minor">
-            <a:schemeClr val="lt1"/>
-          </a:fontRef>
-        </p:style>
-        <p:txBody>
-          <a:bodyPr rtlCol="0" anchor="ctr"/>
-          <a:lstStyle/>
-          <a:p>
-            <a:pPr algn="ctr"/>
-            <a:r>
-              <a:rPr lang="en-US" sz="2400" dirty="0" smtClean="0">
-                <a:solidFill>
-                  <a:schemeClr val="tx1"/>
-                </a:solidFill>
-              </a:rPr>
-              <a:t>Mathematics/</a:t>
-            </a:r>
-          </a:p>
-          <a:p>
-            <a:pPr algn="ctr"/>
-            <a:r>
-              <a:rPr lang="en-US" sz="2400" dirty="0" smtClean="0">
-                <a:solidFill>
-                  <a:schemeClr val="tx1"/>
-                </a:solidFill>
-              </a:rPr>
-              <a:t>Statistics</a:t>
-            </a:r>
-          </a:p>
-          <a:p>
-            <a:pPr algn="ctr"/>
-            <a:r>
-              <a:rPr lang="en-US" sz="2400" dirty="0" smtClean="0">
-                <a:solidFill>
-                  <a:schemeClr val="tx1"/>
-                </a:solidFill>
-              </a:rPr>
-              <a:t>Knowledge</a:t>
-            </a:r>
-          </a:p>
-          <a:p>
-            <a:pPr algn="ctr"/>
-            <a:endParaRPr lang="en-US" dirty="0"/>
-          </a:p>
-          <a:p>
-            <a:pPr algn="ctr"/>
-            <a:endParaRPr lang="en-US" dirty="0" smtClean="0"/>
-          </a:p>
-          <a:p>
-            <a:pPr algn="ctr"/>
-            <a:endParaRPr lang="en-US" dirty="0"/>
-          </a:p>
-          <a:p>
-            <a:pPr algn="ctr"/>
-            <a:endParaRPr lang="en-US" dirty="0" smtClean="0"/>
-          </a:p>
-          <a:p>
-            <a:pPr algn="ctr"/>
-            <a:endParaRPr lang="en-US" dirty="0"/>
-          </a:p>
-        </p:txBody>
-      </p:sp>
-      <p:sp>
-        <p:nvSpPr>
-          <p:cNvPr id="8" name="Freeform 7"/>
-          <p:cNvSpPr/>
-          <p:nvPr/>
-        </p:nvSpPr>
-        <p:spPr>
-          <a:xfrm>
-            <a:off x="7625098" y="2286000"/>
-            <a:ext cx="1345568" cy="1624016"/>
-          </a:xfrm>
-          <a:custGeom>
-            <a:avLst/>
-            <a:gdLst>
-              <a:gd name="connsiteX0" fmla="*/ 672784 w 1345568"/>
-              <a:gd name="connsiteY0" fmla="*/ 0 h 1624016"/>
-              <a:gd name="connsiteX1" fmla="*/ 1133493 w 1345568"/>
-              <a:gd name="connsiteY1" fmla="*/ 46443 h 1624016"/>
-              <a:gd name="connsiteX2" fmla="*/ 1345568 w 1345568"/>
-              <a:gd name="connsiteY2" fmla="*/ 100974 h 1624016"/>
-              <a:gd name="connsiteX3" fmla="*/ 1338864 w 1345568"/>
-              <a:gd name="connsiteY3" fmla="*/ 233730 h 1624016"/>
-              <a:gd name="connsiteX4" fmla="*/ 681112 w 1345568"/>
-              <a:gd name="connsiteY4" fmla="*/ 1616446 h 1624016"/>
-              <a:gd name="connsiteX5" fmla="*/ 672784 w 1345568"/>
-              <a:gd name="connsiteY5" fmla="*/ 1624016 h 1624016"/>
-              <a:gd name="connsiteX6" fmla="*/ 664455 w 1345568"/>
-              <a:gd name="connsiteY6" fmla="*/ 1616446 h 1624016"/>
-              <a:gd name="connsiteX7" fmla="*/ 6703 w 1345568"/>
-              <a:gd name="connsiteY7" fmla="*/ 233730 h 1624016"/>
-              <a:gd name="connsiteX8" fmla="*/ 0 w 1345568"/>
-              <a:gd name="connsiteY8" fmla="*/ 100974 h 1624016"/>
-              <a:gd name="connsiteX9" fmla="*/ 212075 w 1345568"/>
-              <a:gd name="connsiteY9" fmla="*/ 46443 h 1624016"/>
-              <a:gd name="connsiteX10" fmla="*/ 672784 w 1345568"/>
-              <a:gd name="connsiteY10" fmla="*/ 0 h 1624016"/>
-            </a:gdLst>
-            <a:ahLst/>
-            <a:cxnLst>
-              <a:cxn ang="0">
-                <a:pos x="connsiteX0" y="connsiteY0"/>
-              </a:cxn>
-              <a:cxn ang="0">
-                <a:pos x="connsiteX1" y="connsiteY1"/>
-              </a:cxn>
-              <a:cxn ang="0">
-                <a:pos x="connsiteX2" y="connsiteY2"/>
-              </a:cxn>
-              <a:cxn ang="0">
-                <a:pos x="connsiteX3" y="connsiteY3"/>
-              </a:cxn>
-              <a:cxn ang="0">
-                <a:pos x="connsiteX4" y="connsiteY4"/>
-              </a:cxn>
-              <a:cxn ang="0">
-                <a:pos x="connsiteX5" y="connsiteY5"/>
-              </a:cxn>
-              <a:cxn ang="0">
-                <a:pos x="connsiteX6" y="connsiteY6"/>
-              </a:cxn>
-              <a:cxn ang="0">
-                <a:pos x="connsiteX7" y="connsiteY7"/>
-              </a:cxn>
-              <a:cxn ang="0">
-                <a:pos x="connsiteX8" y="connsiteY8"/>
-              </a:cxn>
-              <a:cxn ang="0">
-                <a:pos x="connsiteX9" y="connsiteY9"/>
-              </a:cxn>
-              <a:cxn ang="0">
-                <a:pos x="connsiteX10" y="connsiteY10"/>
-              </a:cxn>
-            </a:cxnLst>
-            <a:rect l="l" t="t" r="r" b="b"/>
-            <a:pathLst>
-              <a:path w="1345568" h="1624016">
-                <a:moveTo>
-                  <a:pt x="672784" y="0"/>
-                </a:moveTo>
-                <a:cubicBezTo>
-                  <a:pt x="830600" y="0"/>
-                  <a:pt x="984680" y="15992"/>
-                  <a:pt x="1133493" y="46443"/>
-                </a:cubicBezTo>
-                <a:lnTo>
-                  <a:pt x="1345568" y="100974"/>
-                </a:lnTo>
-                <a:lnTo>
-                  <a:pt x="1338864" y="233730"/>
-                </a:lnTo>
-                <a:cubicBezTo>
-                  <a:pt x="1284233" y="771671"/>
-                  <a:pt x="1043086" y="1254472"/>
-                  <a:pt x="681112" y="1616446"/>
-                </a:cubicBezTo>
-                <a:lnTo>
-                  <a:pt x="672784" y="1624016"/>
-                </a:lnTo>
-                <a:lnTo>
-                  <a:pt x="664455" y="1616446"/>
-                </a:lnTo>
-                <a:cubicBezTo>
-                  <a:pt x="302481" y="1254472"/>
-                  <a:pt x="61334" y="771671"/>
-                  <a:pt x="6703" y="233730"/>
-                </a:cubicBezTo>
-                <a:lnTo>
-                  <a:pt x="0" y="100974"/>
-                </a:lnTo>
-                <a:lnTo>
-                  <a:pt x="212075" y="46443"/>
-                </a:lnTo>
-                <a:cubicBezTo>
-                  <a:pt x="360889" y="15992"/>
-                  <a:pt x="514969" y="0"/>
-                  <a:pt x="672784" y="0"/>
-                </a:cubicBezTo>
-                <a:close/>
-              </a:path>
-            </a:pathLst>
-          </a:custGeom>
-          <a:solidFill>
-            <a:schemeClr val="accent4">
-              <a:alpha val="40000"/>
-            </a:schemeClr>
-          </a:solidFill>
-          <a:ln>
-            <a:noFill/>
-          </a:ln>
-        </p:spPr>
-        <p:style>
-          <a:lnRef idx="2">
-            <a:schemeClr val="accent1">
-              <a:shade val="50000"/>
-            </a:schemeClr>
-          </a:lnRef>
-          <a:fillRef idx="1">
-            <a:schemeClr val="accent1"/>
-          </a:fillRef>
-          <a:effectRef idx="0">
-            <a:schemeClr val="accent1"/>
-          </a:effectRef>
-          <a:fontRef idx="minor">
-            <a:schemeClr val="lt1"/>
-          </a:fontRef>
-        </p:style>
-        <p:txBody>
-          <a:bodyPr rtlCol="0" anchor="ctr"/>
-          <a:lstStyle/>
-          <a:p>
-            <a:pPr algn="ctr"/>
-            <a:r>
-              <a:rPr lang="en-US" sz="2000" b="1" dirty="0" smtClean="0">
-                <a:solidFill>
-                  <a:schemeClr val="tx1"/>
-                </a:solidFill>
-              </a:rPr>
-              <a:t>Data</a:t>
-            </a:r>
-          </a:p>
-          <a:p>
-            <a:pPr algn="ctr"/>
-            <a:r>
-              <a:rPr lang="en-US" sz="2000" b="1" dirty="0" smtClean="0">
-                <a:solidFill>
-                  <a:schemeClr val="tx1"/>
-                </a:solidFill>
-              </a:rPr>
-              <a:t>Scientist</a:t>
-            </a:r>
-          </a:p>
-          <a:p>
-            <a:pPr algn="ctr"/>
-            <a:endParaRPr lang="en-US" dirty="0"/>
-          </a:p>
-          <a:p>
-            <a:pPr algn="ctr"/>
-            <a:endParaRPr lang="en-US" dirty="0"/>
-          </a:p>
-        </p:txBody>
-      </p:sp>
-      <p:sp>
-        <p:nvSpPr>
-          <p:cNvPr id="7" name="Freeform 6"/>
-          <p:cNvSpPr/>
-          <p:nvPr/>
-        </p:nvSpPr>
-        <p:spPr>
-          <a:xfrm>
-            <a:off x="6011882" y="3910016"/>
-            <a:ext cx="4572000" cy="2947984"/>
-          </a:xfrm>
-          <a:custGeom>
-            <a:avLst/>
-            <a:gdLst>
-              <a:gd name="connsiteX0" fmla="*/ 2286000 w 4572000"/>
-              <a:gd name="connsiteY0" fmla="*/ 0 h 2947984"/>
-              <a:gd name="connsiteX1" fmla="*/ 2440009 w 4572000"/>
-              <a:gd name="connsiteY1" fmla="*/ 139973 h 2947984"/>
-              <a:gd name="connsiteX2" fmla="*/ 3894117 w 4572000"/>
-              <a:gd name="connsiteY2" fmla="*/ 661984 h 2947984"/>
-              <a:gd name="connsiteX3" fmla="*/ 4354826 w 4572000"/>
-              <a:gd name="connsiteY3" fmla="*/ 615541 h 2947984"/>
-              <a:gd name="connsiteX4" fmla="*/ 4566902 w 4572000"/>
-              <a:gd name="connsiteY4" fmla="*/ 561011 h 2947984"/>
-              <a:gd name="connsiteX5" fmla="*/ 4572000 w 4572000"/>
-              <a:gd name="connsiteY5" fmla="*/ 661984 h 2947984"/>
-              <a:gd name="connsiteX6" fmla="*/ 2286000 w 4572000"/>
-              <a:gd name="connsiteY6" fmla="*/ 2947984 h 2947984"/>
-              <a:gd name="connsiteX7" fmla="*/ 0 w 4572000"/>
-              <a:gd name="connsiteY7" fmla="*/ 661984 h 2947984"/>
-              <a:gd name="connsiteX8" fmla="*/ 5099 w 4572000"/>
-              <a:gd name="connsiteY8" fmla="*/ 561011 h 2947984"/>
-              <a:gd name="connsiteX9" fmla="*/ 217173 w 4572000"/>
-              <a:gd name="connsiteY9" fmla="*/ 615541 h 2947984"/>
-              <a:gd name="connsiteX10" fmla="*/ 677882 w 4572000"/>
-              <a:gd name="connsiteY10" fmla="*/ 661984 h 2947984"/>
-              <a:gd name="connsiteX11" fmla="*/ 2131990 w 4572000"/>
-              <a:gd name="connsiteY11" fmla="*/ 139973 h 2947984"/>
-              <a:gd name="connsiteX12" fmla="*/ 2286000 w 4572000"/>
-              <a:gd name="connsiteY12" fmla="*/ 0 h 2947984"/>
-            </a:gdLst>
-            <a:ahLst/>
-            <a:cxnLst>
-              <a:cxn ang="0">
-                <a:pos x="connsiteX0" y="connsiteY0"/>
-              </a:cxn>
-              <a:cxn ang="0">
-                <a:pos x="connsiteX1" y="connsiteY1"/>
-              </a:cxn>
-              <a:cxn ang="0">
-                <a:pos x="connsiteX2" y="connsiteY2"/>
-              </a:cxn>
-              <a:cxn ang="0">
-                <a:pos x="connsiteX3" y="connsiteY3"/>
-              </a:cxn>
-              <a:cxn ang="0">
-                <a:pos x="connsiteX4" y="connsiteY4"/>
-              </a:cxn>
-              <a:cxn ang="0">
-                <a:pos x="connsiteX5" y="connsiteY5"/>
-              </a:cxn>
-              <a:cxn ang="0">
-                <a:pos x="connsiteX6" y="connsiteY6"/>
-              </a:cxn>
-              <a:cxn ang="0">
-                <a:pos x="connsiteX7" y="connsiteY7"/>
-              </a:cxn>
-              <a:cxn ang="0">
-                <a:pos x="connsiteX8" y="connsiteY8"/>
-              </a:cxn>
-              <a:cxn ang="0">
-                <a:pos x="connsiteX9" y="connsiteY9"/>
-              </a:cxn>
-              <a:cxn ang="0">
-                <a:pos x="connsiteX10" y="connsiteY10"/>
-              </a:cxn>
-              <a:cxn ang="0">
-                <a:pos x="connsiteX11" y="connsiteY11"/>
-              </a:cxn>
-              <a:cxn ang="0">
-                <a:pos x="connsiteX12" y="connsiteY12"/>
-              </a:cxn>
-            </a:cxnLst>
-            <a:rect l="l" t="t" r="r" b="b"/>
-            <a:pathLst>
-              <a:path w="4572000" h="2947984">
-                <a:moveTo>
-                  <a:pt x="2286000" y="0"/>
-                </a:moveTo>
-                <a:lnTo>
-                  <a:pt x="2440009" y="139973"/>
-                </a:lnTo>
-                <a:cubicBezTo>
-                  <a:pt x="2835165" y="466084"/>
-                  <a:pt x="3341763" y="661984"/>
-                  <a:pt x="3894117" y="661984"/>
-                </a:cubicBezTo>
-                <a:cubicBezTo>
-                  <a:pt x="4051933" y="661984"/>
-                  <a:pt x="4206013" y="645992"/>
-                  <a:pt x="4354826" y="615541"/>
-                </a:cubicBezTo>
-                <a:lnTo>
-                  <a:pt x="4566902" y="561011"/>
-                </a:lnTo>
-                <a:lnTo>
-                  <a:pt x="4572000" y="661984"/>
-                </a:lnTo>
-                <a:cubicBezTo>
-                  <a:pt x="4572000" y="1924507"/>
-                  <a:pt x="3548523" y="2947984"/>
-                  <a:pt x="2286000" y="2947984"/>
-                </a:cubicBezTo>
-                <a:cubicBezTo>
-                  <a:pt x="1023477" y="2947984"/>
-                  <a:pt x="0" y="1924507"/>
-                  <a:pt x="0" y="661984"/>
-                </a:cubicBezTo>
-                <a:lnTo>
-                  <a:pt x="5099" y="561011"/>
-                </a:lnTo>
-                <a:lnTo>
-                  <a:pt x="217173" y="615541"/>
-                </a:lnTo>
-                <a:cubicBezTo>
-                  <a:pt x="365986" y="645992"/>
-                  <a:pt x="520067" y="661984"/>
-                  <a:pt x="677882" y="661984"/>
-                </a:cubicBezTo>
-                <a:cubicBezTo>
-                  <a:pt x="1230236" y="661984"/>
-                  <a:pt x="1736835" y="466084"/>
-                  <a:pt x="2131990" y="139973"/>
-                </a:cubicBezTo>
-                <a:lnTo>
-                  <a:pt x="2286000" y="0"/>
-                </a:lnTo>
-                <a:close/>
-              </a:path>
-            </a:pathLst>
-          </a:custGeom>
-          <a:solidFill>
-            <a:srgbClr val="7030A0">
-              <a:alpha val="40000"/>
-            </a:srgbClr>
-          </a:solidFill>
-          <a:ln>
-            <a:noFill/>
-          </a:ln>
-        </p:spPr>
-        <p:style>
-          <a:lnRef idx="2">
-            <a:schemeClr val="accent1">
-              <a:shade val="50000"/>
-            </a:schemeClr>
-          </a:lnRef>
-          <a:fillRef idx="1">
-            <a:schemeClr val="accent1"/>
-          </a:fillRef>
-          <a:effectRef idx="0">
-            <a:schemeClr val="accent1"/>
-          </a:effectRef>
-          <a:fontRef idx="minor">
-            <a:schemeClr val="lt1"/>
-          </a:fontRef>
-        </p:style>
-        <p:txBody>
-          <a:bodyPr rtlCol="0" anchor="ctr"/>
-          <a:lstStyle/>
-          <a:p>
-            <a:pPr algn="ctr"/>
-            <a:r>
-              <a:rPr lang="en-US" sz="2400" dirty="0" smtClean="0">
-                <a:solidFill>
-                  <a:schemeClr val="tx1"/>
-                </a:solidFill>
-              </a:rPr>
-              <a:t>Substantive Expertise</a:t>
-            </a:r>
-          </a:p>
-          <a:p>
-            <a:pPr algn="ctr"/>
-            <a:r>
-              <a:rPr lang="en-US" sz="2400" dirty="0" smtClean="0">
-                <a:solidFill>
-                  <a:schemeClr val="tx1"/>
-                </a:solidFill>
-              </a:rPr>
-              <a:t>Domain Knowledge</a:t>
-            </a:r>
-            <a:endParaRPr lang="en-US" sz="2400" dirty="0">
-              <a:solidFill>
-                <a:schemeClr val="tx1"/>
-              </a:solidFill>
-            </a:endParaRPr>
-          </a:p>
-        </p:txBody>
-      </p:sp>
-      <p:sp>
-        <p:nvSpPr>
-          <p:cNvPr id="14" name="TextBox 13"/>
-          <p:cNvSpPr txBox="1"/>
-          <p:nvPr/>
-        </p:nvSpPr>
-        <p:spPr>
-          <a:xfrm>
-            <a:off x="0" y="1"/>
-            <a:ext cx="4217670" cy="4801314"/>
-          </a:xfrm>
-          <a:prstGeom prst="rect">
-            <a:avLst/>
-          </a:prstGeom>
-          <a:noFill/>
-        </p:spPr>
-        <p:txBody>
-          <a:bodyPr wrap="square" rtlCol="0">
-            <a:spAutoFit/>
-          </a:bodyPr>
-          <a:lstStyle/>
-          <a:p>
-            <a:pPr algn="ctr"/>
-            <a:r>
-              <a:rPr lang="en-US" sz="3600" dirty="0" smtClean="0"/>
-              <a:t>The Data Science Venn Diagram</a:t>
-            </a:r>
-          </a:p>
-          <a:p>
-            <a:endParaRPr lang="en-US" dirty="0"/>
-          </a:p>
-          <a:p>
-            <a:r>
-              <a:rPr lang="en-US" sz="2400" dirty="0" smtClean="0"/>
-              <a:t>Understanding the Data Science Venn Diagram can help faculty better prepare their students for careers in data </a:t>
-            </a:r>
-            <a:r>
-              <a:rPr lang="en-US" sz="2400" smtClean="0"/>
-              <a:t>science</a:t>
-            </a:r>
-            <a:r>
-              <a:rPr lang="en-US" sz="2400" smtClean="0"/>
-              <a:t>.</a:t>
-            </a:r>
-          </a:p>
-          <a:p>
-            <a:endParaRPr lang="en-US" sz="2400"/>
-          </a:p>
-          <a:p>
-            <a:r>
-              <a:rPr lang="en-US" sz="2400" smtClean="0"/>
-              <a:t>Let’s go through the venn diagram piece by piece and discuss how this can shape and inform.  </a:t>
-            </a:r>
-            <a:endParaRPr lang="en-US" sz="2400" dirty="0" smtClean="0"/>
-          </a:p>
-        </p:txBody>
-      </p:sp>
-      <p:sp>
-        <p:nvSpPr>
-          <p:cNvPr id="15" name="TextBox 14"/>
-          <p:cNvSpPr txBox="1"/>
-          <p:nvPr/>
-        </p:nvSpPr>
-        <p:spPr>
-          <a:xfrm>
-            <a:off x="10215562" y="6550223"/>
-            <a:ext cx="1976438" cy="307777"/>
-          </a:xfrm>
-          <a:prstGeom prst="rect">
-            <a:avLst/>
-          </a:prstGeom>
-          <a:noFill/>
-        </p:spPr>
-        <p:txBody>
-          <a:bodyPr wrap="none" rtlCol="0">
-            <a:spAutoFit/>
-          </a:bodyPr>
-          <a:lstStyle/>
-          <a:p>
-            <a:r>
-              <a:rPr lang="en-US" sz="1400" dirty="0" smtClean="0">
-                <a:hlinkClick r:id="rId2"/>
-              </a:rPr>
-              <a:t>Thanks to Drew Conway </a:t>
-            </a:r>
-            <a:endParaRPr lang="en-US" sz="1400" dirty="0"/>
+            <a:r>
+              <a:rPr lang="en-US" smtClean="0"/>
+              <a:t>What does it take for a mathematics or a statistics major to both find  a data science job and succeed in a data science career?</a:t>
+            </a:r>
+          </a:p>
+          <a:p>
+            <a:r>
+              <a:rPr lang="en-US" smtClean="0"/>
+              <a:t>What steps can faculty and educators take to facilitate this process? </a:t>
+            </a:r>
+            <a:endParaRPr lang="en-US"/>
           </a:p>
         </p:txBody>
       </p:sp>
     </p:spTree>
     <p:extLst>
       <p:ext uri="{BB962C8B-B14F-4D97-AF65-F5344CB8AC3E}">
-        <p14:creationId xmlns:p14="http://schemas.microsoft.com/office/powerpoint/2010/main" val="2641967925"/>
+        <p14:creationId xmlns:p14="http://schemas.microsoft.com/office/powerpoint/2010/main" val="192290670"/>
       </p:ext>
     </p:extLst>
   </p:cSld>
@@ -20044,13 +20248,13 @@
               </a:path>
             </a:pathLst>
           </a:custGeom>
-          <a:noFill/>
+          <a:solidFill>
+            <a:srgbClr val="002060">
+              <a:alpha val="40000"/>
+            </a:srgbClr>
+          </a:solidFill>
           <a:ln>
-            <a:solidFill>
-              <a:schemeClr val="bg1">
-                <a:lumMod val="85000"/>
-              </a:schemeClr>
-            </a:solidFill>
+            <a:noFill/>
           </a:ln>
         </p:spPr>
         <p:style>
@@ -20075,11 +20279,9 @@
           <a:p>
             <a:pPr algn="ctr"/>
             <a:r>
-              <a:rPr lang="en-US" sz="1600" i="1" dirty="0" smtClean="0">
+              <a:rPr lang="en-US" sz="1600" dirty="0" smtClean="0">
                 <a:solidFill>
-                  <a:schemeClr val="bg1">
-                    <a:lumMod val="85000"/>
-                  </a:schemeClr>
+                  <a:schemeClr val="tx1"/>
                 </a:solidFill>
               </a:rPr>
               <a:t>Danger</a:t>
@@ -20088,20 +20290,16 @@
           <a:p>
             <a:pPr algn="ctr"/>
             <a:r>
-              <a:rPr lang="en-US" sz="1600" i="1" dirty="0" smtClean="0">
+              <a:rPr lang="en-US" sz="1600" dirty="0" smtClean="0">
                 <a:solidFill>
-                  <a:schemeClr val="bg1">
-                    <a:lumMod val="85000"/>
-                  </a:schemeClr>
+                  <a:schemeClr val="tx1"/>
                 </a:solidFill>
               </a:rPr>
               <a:t>Zone!</a:t>
             </a:r>
-            <a:endParaRPr lang="en-US" sz="1600" i="1" dirty="0">
+            <a:endParaRPr lang="en-US" sz="1600" dirty="0">
               <a:solidFill>
-                <a:schemeClr val="bg1">
-                  <a:lumMod val="85000"/>
-                </a:schemeClr>
+                <a:schemeClr val="tx1"/>
               </a:solidFill>
             </a:endParaRPr>
           </a:p>
@@ -20238,13 +20436,13 @@
               </a:path>
             </a:pathLst>
           </a:custGeom>
-          <a:noFill/>
+          <a:solidFill>
+            <a:srgbClr val="E64A60">
+              <a:alpha val="40000"/>
+            </a:srgbClr>
+          </a:solidFill>
           <a:ln>
-            <a:solidFill>
-              <a:schemeClr val="bg1">
-                <a:lumMod val="85000"/>
-              </a:schemeClr>
-            </a:solidFill>
+            <a:noFill/>
           </a:ln>
         </p:spPr>
         <p:style>
@@ -20269,11 +20467,9 @@
           <a:p>
             <a:pPr algn="ctr"/>
             <a:r>
-              <a:rPr lang="en-US" sz="2400" i="1" dirty="0" smtClean="0">
+              <a:rPr lang="en-US" sz="2400" dirty="0" smtClean="0">
                 <a:solidFill>
-                  <a:schemeClr val="bg1">
-                    <a:lumMod val="85000"/>
-                  </a:schemeClr>
+                  <a:schemeClr val="tx1"/>
                 </a:solidFill>
               </a:rPr>
               <a:t>Computer Science</a:t>
@@ -20282,11 +20478,9 @@
           <a:p>
             <a:pPr algn="ctr"/>
             <a:r>
-              <a:rPr lang="en-US" sz="2400" i="1" dirty="0" smtClean="0">
+              <a:rPr lang="en-US" sz="2400" dirty="0" smtClean="0">
                 <a:solidFill>
-                  <a:schemeClr val="bg1">
-                    <a:lumMod val="85000"/>
-                  </a:schemeClr>
+                  <a:schemeClr val="tx1"/>
                 </a:solidFill>
               </a:rPr>
               <a:t>Skills</a:t>
@@ -20850,13 +21044,13 @@
               </a:path>
             </a:pathLst>
           </a:custGeom>
-          <a:noFill/>
+          <a:solidFill>
+            <a:srgbClr val="7030A0">
+              <a:alpha val="40000"/>
+            </a:srgbClr>
+          </a:solidFill>
           <a:ln>
-            <a:solidFill>
-              <a:schemeClr val="bg1">
-                <a:lumMod val="85000"/>
-              </a:schemeClr>
-            </a:solidFill>
+            <a:noFill/>
           </a:ln>
         </p:spPr>
         <p:style>
@@ -20881,11 +21075,9 @@
           <a:p>
             <a:pPr algn="ctr"/>
             <a:r>
-              <a:rPr lang="en-US" sz="2400" i="1" dirty="0" smtClean="0">
+              <a:rPr lang="en-US" sz="2400" dirty="0" smtClean="0">
                 <a:solidFill>
-                  <a:schemeClr val="bg1">
-                    <a:lumMod val="85000"/>
-                  </a:schemeClr>
+                  <a:schemeClr val="tx1"/>
                 </a:solidFill>
               </a:rPr>
               <a:t>Substantive Expertise</a:t>
@@ -20894,22 +21086,75 @@
           <a:p>
             <a:pPr algn="ctr"/>
             <a:r>
-              <a:rPr lang="en-US" sz="2400" i="1" dirty="0" smtClean="0">
+              <a:rPr lang="en-US" sz="2400" dirty="0" smtClean="0">
                 <a:solidFill>
-                  <a:schemeClr val="bg1">
-                    <a:lumMod val="85000"/>
-                  </a:schemeClr>
+                  <a:schemeClr val="tx1"/>
                 </a:solidFill>
               </a:rPr>
               <a:t>Domain Knowledge</a:t>
             </a:r>
-            <a:endParaRPr lang="en-US" sz="2400" i="1" dirty="0">
+            <a:endParaRPr lang="en-US" sz="2400" dirty="0">
               <a:solidFill>
-                <a:schemeClr val="bg1">
-                  <a:lumMod val="85000"/>
-                </a:schemeClr>
+                <a:schemeClr val="tx1"/>
               </a:solidFill>
             </a:endParaRPr>
+          </a:p>
+        </p:txBody>
+      </p:sp>
+      <p:sp>
+        <p:nvSpPr>
+          <p:cNvPr id="14" name="TextBox 13"/>
+          <p:cNvSpPr txBox="1"/>
+          <p:nvPr/>
+        </p:nvSpPr>
+        <p:spPr>
+          <a:xfrm>
+            <a:off x="0" y="1"/>
+            <a:ext cx="4217670" cy="4801314"/>
+          </a:xfrm>
+          <a:prstGeom prst="rect">
+            <a:avLst/>
+          </a:prstGeom>
+          <a:noFill/>
+        </p:spPr>
+        <p:txBody>
+          <a:bodyPr wrap="square" rtlCol="0">
+            <a:spAutoFit/>
+          </a:bodyPr>
+          <a:lstStyle/>
+          <a:p>
+            <a:pPr algn="ctr"/>
+            <a:r>
+              <a:rPr lang="en-US" sz="3600" dirty="0" smtClean="0"/>
+              <a:t>The Data Science Venn Diagram</a:t>
+            </a:r>
+          </a:p>
+          <a:p>
+            <a:endParaRPr lang="en-US" dirty="0"/>
+          </a:p>
+          <a:p>
+            <a:r>
+              <a:rPr lang="en-US" sz="2400" dirty="0" smtClean="0"/>
+              <a:t>Understanding the Data Science Venn Diagram can help faculty better prepare their students for careers in data </a:t>
+            </a:r>
+            <a:r>
+              <a:rPr lang="en-US" sz="2400" smtClean="0"/>
+              <a:t>science</a:t>
+            </a:r>
+            <a:r>
+              <a:rPr lang="en-US" sz="2400" smtClean="0"/>
+              <a:t>.</a:t>
+            </a:r>
+          </a:p>
+          <a:p>
+            <a:endParaRPr lang="en-US" sz="2400"/>
+          </a:p>
+          <a:p>
+            <a:r>
+              <a:rPr lang="en-US" sz="2400" smtClean="0"/>
+              <a:t>Let’s go through the venn diagram piece by piece and discuss how this can shape and inform.  </a:t>
+            </a:r>
+            <a:endParaRPr lang="en-US" sz="2400" dirty="0" smtClean="0"/>
           </a:p>
         </p:txBody>
       </p:sp>
@@ -20945,49 +21190,10 @@
           </a:p>
         </p:txBody>
       </p:sp>
-      <p:sp>
-        <p:nvSpPr>
-          <p:cNvPr id="16" name="TextBox 15"/>
-          <p:cNvSpPr txBox="1"/>
-          <p:nvPr/>
-        </p:nvSpPr>
-        <p:spPr>
-          <a:xfrm>
-            <a:off x="0" y="1"/>
-            <a:ext cx="4217670" cy="2215991"/>
-          </a:xfrm>
-          <a:prstGeom prst="rect">
-            <a:avLst/>
-          </a:prstGeom>
-          <a:noFill/>
-        </p:spPr>
-        <p:txBody>
-          <a:bodyPr wrap="square" rtlCol="0">
-            <a:spAutoFit/>
-          </a:bodyPr>
-          <a:lstStyle/>
-          <a:p>
-            <a:pPr algn="ctr"/>
-            <a:r>
-              <a:rPr lang="en-US" sz="3600" dirty="0" smtClean="0"/>
-              <a:t>The Data Science Venn Diagram</a:t>
-            </a:r>
-          </a:p>
-          <a:p>
-            <a:endParaRPr lang="en-US" dirty="0"/>
-          </a:p>
-          <a:p>
-            <a:r>
-              <a:rPr lang="en-US" sz="2400" smtClean="0"/>
-              <a:t>Here’s your primary sphere of influence as educators.</a:t>
-            </a:r>
-          </a:p>
-        </p:txBody>
-      </p:sp>
     </p:spTree>
     <p:extLst>
       <p:ext uri="{BB962C8B-B14F-4D97-AF65-F5344CB8AC3E}">
-        <p14:creationId xmlns:p14="http://schemas.microsoft.com/office/powerpoint/2010/main" val="2635469268"/>
+        <p14:creationId xmlns:p14="http://schemas.microsoft.com/office/powerpoint/2010/main" val="2641967925"/>
       </p:ext>
     </p:extLst>
   </p:cSld>
@@ -22416,58 +22622,6 @@
       </p:sp>
       <p:sp>
         <p:nvSpPr>
-          <p:cNvPr id="2" name="&quot;No&quot; Symbol 1"/>
-          <p:cNvSpPr/>
-          <p:nvPr/>
-        </p:nvSpPr>
-        <p:spPr>
-          <a:xfrm>
-            <a:off x="6791672" y="3128009"/>
-            <a:ext cx="731520" cy="731520"/>
-          </a:xfrm>
-          <a:prstGeom prst="noSmoking">
-            <a:avLst>
-              <a:gd name="adj" fmla="val 6575"/>
-            </a:avLst>
-          </a:prstGeom>
-          <a:solidFill>
-            <a:srgbClr val="FF0000"/>
-          </a:solidFill>
-          <a:ln>
-            <a:noFill/>
-          </a:ln>
-        </p:spPr>
-        <p:style>
-          <a:lnRef idx="2">
-            <a:schemeClr val="accent1">
-              <a:shade val="50000"/>
-            </a:schemeClr>
-          </a:lnRef>
-          <a:fillRef idx="1">
-            <a:schemeClr val="accent1"/>
-          </a:fillRef>
-          <a:effectRef idx="0">
-            <a:schemeClr val="accent1"/>
-          </a:effectRef>
-          <a:fontRef idx="minor">
-            <a:schemeClr val="lt1"/>
-          </a:fontRef>
-        </p:style>
-        <p:txBody>
-          <a:bodyPr rtlCol="0" anchor="ctr"/>
-          <a:lstStyle/>
-          <a:p>
-            <a:pPr algn="ctr"/>
-            <a:endParaRPr lang="en-US">
-              <a:solidFill>
-                <a:schemeClr val="tx1"/>
-              </a:solidFill>
-            </a:endParaRPr>
-          </a:p>
-        </p:txBody>
-      </p:sp>
-      <p:sp>
-        <p:nvSpPr>
           <p:cNvPr id="16" name="TextBox 15"/>
           <p:cNvSpPr txBox="1"/>
           <p:nvPr/>
@@ -22475,7 +22629,7 @@
         <p:spPr>
           <a:xfrm>
             <a:off x="0" y="1"/>
-            <a:ext cx="4217670" cy="4062651"/>
+            <a:ext cx="4217670" cy="2215991"/>
           </a:xfrm>
           <a:prstGeom prst="rect">
             <a:avLst/>
@@ -22503,29 +22657,12 @@
               <a:t>Here’s your primary sphere of influence as educators.</a:t>
             </a:r>
           </a:p>
-          <a:p>
-            <a:endParaRPr lang="en-US" sz="2400"/>
-          </a:p>
-          <a:p>
-            <a:r>
-              <a:rPr lang="en-US" sz="2400" smtClean="0"/>
-              <a:t>Great work! There’s no risk of being in the Danger Zone </a:t>
-            </a:r>
-            <a:r>
-              <a:rPr lang="en-US" sz="2400" b="1" i="1" smtClean="0"/>
-              <a:t>as long as the math/stats fundamentals are retained</a:t>
-            </a:r>
-            <a:r>
-              <a:rPr lang="en-US" sz="2400" smtClean="0"/>
-              <a:t>. </a:t>
-            </a:r>
-          </a:p>
         </p:txBody>
       </p:sp>
     </p:spTree>
     <p:extLst>
       <p:ext uri="{BB962C8B-B14F-4D97-AF65-F5344CB8AC3E}">
-        <p14:creationId xmlns:p14="http://schemas.microsoft.com/office/powerpoint/2010/main" val="1850034274"/>
+        <p14:creationId xmlns:p14="http://schemas.microsoft.com/office/powerpoint/2010/main" val="2635469268"/>
       </p:ext>
     </p:extLst>
   </p:cSld>
@@ -22673,13 +22810,14 @@
               </a:path>
             </a:pathLst>
           </a:custGeom>
-          <a:noFill/>
+          <a:solidFill>
+            <a:schemeClr val="accent6">
+              <a:lumMod val="50000"/>
+              <a:alpha val="40000"/>
+            </a:schemeClr>
+          </a:solidFill>
           <a:ln>
-            <a:solidFill>
-              <a:schemeClr val="bg1">
-                <a:lumMod val="85000"/>
-              </a:schemeClr>
-            </a:solidFill>
+            <a:noFill/>
           </a:ln>
         </p:spPr>
         <p:style>
@@ -22712,11 +22850,9 @@
           <a:p>
             <a:pPr algn="ctr"/>
             <a:r>
-              <a:rPr lang="en-US" sz="1600" i="1" dirty="0" smtClean="0">
+              <a:rPr lang="en-US" sz="1600" dirty="0" smtClean="0">
                 <a:solidFill>
-                  <a:schemeClr val="bg1">
-                    <a:lumMod val="85000"/>
-                  </a:schemeClr>
+                  <a:schemeClr val="tx1"/>
                 </a:solidFill>
               </a:rPr>
               <a:t>Machine</a:t>
@@ -22725,11 +22861,9 @@
           <a:p>
             <a:pPr algn="ctr"/>
             <a:r>
-              <a:rPr lang="en-US" sz="1600" i="1" dirty="0" smtClean="0">
+              <a:rPr lang="en-US" sz="1600" dirty="0" smtClean="0">
                 <a:solidFill>
-                  <a:schemeClr val="bg1">
-                    <a:lumMod val="85000"/>
-                  </a:schemeClr>
+                  <a:schemeClr val="tx1"/>
                 </a:solidFill>
               </a:rPr>
               <a:t>Learning</a:t>
@@ -22738,20 +22872,16 @@
           <a:p>
             <a:pPr algn="ctr"/>
             <a:r>
-              <a:rPr lang="en-US" sz="1600" i="1" dirty="0" smtClean="0">
+              <a:rPr lang="en-US" sz="1600" dirty="0" smtClean="0">
                 <a:solidFill>
-                  <a:schemeClr val="bg1">
-                    <a:lumMod val="85000"/>
-                  </a:schemeClr>
+                  <a:schemeClr val="tx1"/>
                 </a:solidFill>
               </a:rPr>
               <a:t>Scientist</a:t>
             </a:r>
-            <a:endParaRPr lang="en-US" sz="1600" i="1" dirty="0">
+            <a:endParaRPr lang="en-US" sz="1600" dirty="0">
               <a:solidFill>
-                <a:schemeClr val="bg1">
-                  <a:lumMod val="85000"/>
-                </a:schemeClr>
+                <a:schemeClr val="tx1"/>
               </a:solidFill>
             </a:endParaRPr>
           </a:p>
@@ -22878,13 +23008,15 @@
               </a:path>
             </a:pathLst>
           </a:custGeom>
-          <a:noFill/>
+          <a:solidFill>
+            <a:schemeClr val="accent1">
+              <a:lumMod val="60000"/>
+              <a:lumOff val="40000"/>
+              <a:alpha val="40000"/>
+            </a:schemeClr>
+          </a:solidFill>
           <a:ln>
-            <a:solidFill>
-              <a:schemeClr val="bg1">
-                <a:lumMod val="85000"/>
-              </a:schemeClr>
-            </a:solidFill>
+            <a:noFill/>
           </a:ln>
         </p:spPr>
         <p:style>
@@ -22909,11 +23041,9 @@
           <a:p>
             <a:pPr algn="ctr"/>
             <a:r>
-              <a:rPr lang="en-US" sz="1600" i="1" dirty="0" smtClean="0">
+              <a:rPr lang="en-US" sz="1600" dirty="0" smtClean="0">
                 <a:solidFill>
-                  <a:schemeClr val="bg1">
-                    <a:lumMod val="85000"/>
-                  </a:schemeClr>
+                  <a:schemeClr val="tx1"/>
                 </a:solidFill>
               </a:rPr>
               <a:t>Traditional</a:t>
@@ -22922,20 +23052,16 @@
           <a:p>
             <a:pPr algn="ctr"/>
             <a:r>
-              <a:rPr lang="en-US" sz="1600" i="1" dirty="0" smtClean="0">
+              <a:rPr lang="en-US" sz="1600" dirty="0" smtClean="0">
                 <a:solidFill>
-                  <a:schemeClr val="bg1">
-                    <a:lumMod val="85000"/>
-                  </a:schemeClr>
+                  <a:schemeClr val="tx1"/>
                 </a:solidFill>
               </a:rPr>
               <a:t>Researcher</a:t>
             </a:r>
-            <a:endParaRPr lang="en-US" sz="1600" i="1" dirty="0">
+            <a:endParaRPr lang="en-US" sz="1600" dirty="0">
               <a:solidFill>
-                <a:schemeClr val="bg1">
-                  <a:lumMod val="85000"/>
-                </a:schemeClr>
+                <a:schemeClr val="tx1"/>
               </a:solidFill>
             </a:endParaRPr>
           </a:p>
@@ -23256,13 +23382,13 @@
               </a:path>
             </a:pathLst>
           </a:custGeom>
-          <a:solidFill>
-            <a:srgbClr val="E64A60">
-              <a:alpha val="40000"/>
-            </a:srgbClr>
-          </a:solidFill>
+          <a:noFill/>
           <a:ln>
-            <a:noFill/>
+            <a:solidFill>
+              <a:schemeClr val="bg1">
+                <a:lumMod val="85000"/>
+              </a:schemeClr>
+            </a:solidFill>
           </a:ln>
         </p:spPr>
         <p:style>
@@ -23287,9 +23413,11 @@
           <a:p>
             <a:pPr algn="ctr"/>
             <a:r>
-              <a:rPr lang="en-US" sz="2400" b="1" dirty="0" smtClean="0">
+              <a:rPr lang="en-US" sz="2400" i="1" dirty="0" smtClean="0">
                 <a:solidFill>
-                  <a:schemeClr val="tx1"/>
+                  <a:schemeClr val="bg1">
+                    <a:lumMod val="85000"/>
+                  </a:schemeClr>
                 </a:solidFill>
               </a:rPr>
               <a:t>Computer Science</a:t>
@@ -23298,9 +23426,11 @@
           <a:p>
             <a:pPr algn="ctr"/>
             <a:r>
-              <a:rPr lang="en-US" sz="2400" b="1" dirty="0" smtClean="0">
+              <a:rPr lang="en-US" sz="2400" i="1" dirty="0" smtClean="0">
                 <a:solidFill>
-                  <a:schemeClr val="tx1"/>
+                  <a:schemeClr val="bg1">
+                    <a:lumMod val="85000"/>
+                  </a:schemeClr>
                 </a:solidFill>
               </a:rPr>
               <a:t>Skills</a:t>
@@ -23490,7 +23620,7 @@
           <a:p>
             <a:pPr algn="ctr"/>
             <a:r>
-              <a:rPr lang="en-US" sz="2400" b="1" dirty="0" smtClean="0">
+              <a:rPr lang="en-US" sz="2400" dirty="0" smtClean="0">
                 <a:solidFill>
                   <a:schemeClr val="tx1"/>
                 </a:solidFill>
@@ -23501,7 +23631,7 @@
           <a:p>
             <a:pPr algn="ctr"/>
             <a:r>
-              <a:rPr lang="en-US" sz="2400" b="1" dirty="0" smtClean="0">
+              <a:rPr lang="en-US" sz="2400" dirty="0" smtClean="0">
                 <a:solidFill>
                   <a:schemeClr val="tx1"/>
                 </a:solidFill>
@@ -23512,7 +23642,7 @@
           <a:p>
             <a:pPr algn="ctr"/>
             <a:r>
-              <a:rPr lang="en-US" sz="2400" b="1" dirty="0" smtClean="0">
+              <a:rPr lang="en-US" sz="2400" dirty="0" smtClean="0">
                 <a:solidFill>
                   <a:schemeClr val="tx1"/>
                 </a:solidFill>
@@ -23663,13 +23793,13 @@
               </a:path>
             </a:pathLst>
           </a:custGeom>
-          <a:noFill/>
+          <a:solidFill>
+            <a:schemeClr val="accent4">
+              <a:alpha val="40000"/>
+            </a:schemeClr>
+          </a:solidFill>
           <a:ln>
-            <a:solidFill>
-              <a:schemeClr val="bg1">
-                <a:lumMod val="85000"/>
-              </a:schemeClr>
-            </a:solidFill>
+            <a:noFill/>
           </a:ln>
         </p:spPr>
         <p:style>
@@ -23694,11 +23824,9 @@
           <a:p>
             <a:pPr algn="ctr"/>
             <a:r>
-              <a:rPr lang="en-US" sz="2000" b="1" i="1" dirty="0" smtClean="0">
+              <a:rPr lang="en-US" sz="2000" b="1" dirty="0" smtClean="0">
                 <a:solidFill>
-                  <a:schemeClr val="bg1">
-                    <a:lumMod val="85000"/>
-                  </a:schemeClr>
+                  <a:schemeClr val="tx1"/>
                 </a:solidFill>
               </a:rPr>
               <a:t>Data</a:t>
@@ -23707,11 +23835,9 @@
           <a:p>
             <a:pPr algn="ctr"/>
             <a:r>
-              <a:rPr lang="en-US" sz="2000" b="1" i="1" dirty="0" smtClean="0">
+              <a:rPr lang="en-US" sz="2000" b="1" dirty="0" smtClean="0">
                 <a:solidFill>
-                  <a:schemeClr val="bg1">
-                    <a:lumMod val="85000"/>
-                  </a:schemeClr>
+                  <a:schemeClr val="tx1"/>
                 </a:solidFill>
               </a:rPr>
               <a:t>Scientist</a:t>
@@ -23965,6 +24091,58 @@
       </p:sp>
       <p:sp>
         <p:nvSpPr>
+          <p:cNvPr id="2" name="&quot;No&quot; Symbol 1"/>
+          <p:cNvSpPr/>
+          <p:nvPr/>
+        </p:nvSpPr>
+        <p:spPr>
+          <a:xfrm>
+            <a:off x="6791672" y="3128009"/>
+            <a:ext cx="731520" cy="731520"/>
+          </a:xfrm>
+          <a:prstGeom prst="noSmoking">
+            <a:avLst>
+              <a:gd name="adj" fmla="val 6575"/>
+            </a:avLst>
+          </a:prstGeom>
+          <a:solidFill>
+            <a:srgbClr val="FF0000"/>
+          </a:solidFill>
+          <a:ln>
+            <a:noFill/>
+          </a:ln>
+        </p:spPr>
+        <p:style>
+          <a:lnRef idx="2">
+            <a:schemeClr val="accent1">
+              <a:shade val="50000"/>
+            </a:schemeClr>
+          </a:lnRef>
+          <a:fillRef idx="1">
+            <a:schemeClr val="accent1"/>
+          </a:fillRef>
+          <a:effectRef idx="0">
+            <a:schemeClr val="accent1"/>
+          </a:effectRef>
+          <a:fontRef idx="minor">
+            <a:schemeClr val="lt1"/>
+          </a:fontRef>
+        </p:style>
+        <p:txBody>
+          <a:bodyPr rtlCol="0" anchor="ctr"/>
+          <a:lstStyle/>
+          <a:p>
+            <a:pPr algn="ctr"/>
+            <a:endParaRPr lang="en-US">
+              <a:solidFill>
+                <a:schemeClr val="tx1"/>
+              </a:solidFill>
+            </a:endParaRPr>
+          </a:p>
+        </p:txBody>
+      </p:sp>
+      <p:sp>
+        <p:nvSpPr>
           <p:cNvPr id="16" name="TextBox 15"/>
           <p:cNvSpPr txBox="1"/>
           <p:nvPr/>
@@ -23972,7 +24150,7 @@
         <p:spPr>
           <a:xfrm>
             <a:off x="0" y="1"/>
-            <a:ext cx="4217670" cy="3323987"/>
+            <a:ext cx="4217670" cy="4062651"/>
           </a:xfrm>
           <a:prstGeom prst="rect">
             <a:avLst/>
@@ -23997,7 +24175,7 @@
           <a:p>
             <a:r>
               <a:rPr lang="en-US" sz="2400" smtClean="0"/>
-              <a:t>Now, let’s focus on these two portions of the venn diagram. </a:t>
+              <a:t>Here’s your primary sphere of influence as educators.</a:t>
             </a:r>
           </a:p>
           <a:p>
@@ -24006,7 +24184,15 @@
           <a:p>
             <a:r>
               <a:rPr lang="en-US" sz="2400" smtClean="0"/>
-              <a:t>They are equally-sized, and that is appropriate. </a:t>
+              <a:t>Great work! There’s no risk of being in the Danger Zone </a:t>
+            </a:r>
+            <a:r>
+              <a:rPr lang="en-US" sz="2400" b="1" i="1" smtClean="0"/>
+              <a:t>as long as the math/stats fundamentals are retained</a:t>
+            </a:r>
+            <a:r>
+              <a:rPr lang="en-US" sz="2400" smtClean="0"/>
+              <a:t>. </a:t>
             </a:r>
           </a:p>
         </p:txBody>
@@ -24014,7 +24200,7 @@
     </p:spTree>
     <p:extLst>
       <p:ext uri="{BB962C8B-B14F-4D97-AF65-F5344CB8AC3E}">
-        <p14:creationId xmlns:p14="http://schemas.microsoft.com/office/powerpoint/2010/main" val="2898201269"/>
+        <p14:creationId xmlns:p14="http://schemas.microsoft.com/office/powerpoint/2010/main" val="1850034274"/>
       </p:ext>
     </p:extLst>
   </p:cSld>
@@ -25461,7 +25647,7 @@
         <p:spPr>
           <a:xfrm>
             <a:off x="0" y="1"/>
-            <a:ext cx="4217670" cy="5539978"/>
+            <a:ext cx="4217670" cy="3323987"/>
           </a:xfrm>
           <a:prstGeom prst="rect">
             <a:avLst/>
@@ -25498,21 +25684,12 @@
               <a:t>They are equally-sized, and that is appropriate. </a:t>
             </a:r>
           </a:p>
-          <a:p>
-            <a:endParaRPr lang="en-US" sz="2400"/>
-          </a:p>
-          <a:p>
-            <a:r>
-              <a:rPr lang="en-US" sz="2400" b="1" i="1" smtClean="0"/>
-              <a:t>Strive to continuously incorporate computer programming more and more into your math/stats curriculum. </a:t>
-            </a:r>
-          </a:p>
         </p:txBody>
       </p:sp>
     </p:spTree>
     <p:extLst>
       <p:ext uri="{BB962C8B-B14F-4D97-AF65-F5344CB8AC3E}">
-        <p14:creationId xmlns:p14="http://schemas.microsoft.com/office/powerpoint/2010/main" val="2883478927"/>
+        <p14:creationId xmlns:p14="http://schemas.microsoft.com/office/powerpoint/2010/main" val="2898201269"/>
       </p:ext>
     </p:extLst>
   </p:cSld>
